--- a/docs/beam-extapi.pptx
+++ b/docs/beam-extapi.pptx
@@ -6,8 +6,12 @@
   </p:sldMasterIdLst>
   <p:sldIdLst>
     <p:sldId id="256" r:id="rId2"/>
-    <p:sldId id="257" r:id="rId3"/>
-    <p:sldId id="259" r:id="rId4"/>
+    <p:sldId id="260" r:id="rId3"/>
+    <p:sldId id="261" r:id="rId4"/>
+    <p:sldId id="262" r:id="rId5"/>
+    <p:sldId id="263" r:id="rId6"/>
+    <p:sldId id="257" r:id="rId7"/>
+    <p:sldId id="259" r:id="rId8"/>
   </p:sldIdLst>
   <p:sldSz cx="9144000" cy="6858000" type="screen4x3"/>
   <p:notesSz cx="6858000" cy="9144000"/>
@@ -290,7 +294,7 @@
           <a:p>
             <a:fld id="{1BA50D42-C9CD-4801-B293-61D1F53EC57E}" type="datetimeFigureOut">
               <a:rPr lang="de-DE" smtClean="0"/>
-              <a:t>22.09.2012</a:t>
+              <a:t>27.09.2012</a:t>
             </a:fld>
             <a:endParaRPr lang="de-DE"/>
           </a:p>
@@ -455,7 +459,7 @@
           <a:p>
             <a:fld id="{1BA50D42-C9CD-4801-B293-61D1F53EC57E}" type="datetimeFigureOut">
               <a:rPr lang="de-DE" smtClean="0"/>
-              <a:t>22.09.2012</a:t>
+              <a:t>27.09.2012</a:t>
             </a:fld>
             <a:endParaRPr lang="de-DE"/>
           </a:p>
@@ -630,7 +634,7 @@
           <a:p>
             <a:fld id="{1BA50D42-C9CD-4801-B293-61D1F53EC57E}" type="datetimeFigureOut">
               <a:rPr lang="de-DE" smtClean="0"/>
-              <a:t>22.09.2012</a:t>
+              <a:t>27.09.2012</a:t>
             </a:fld>
             <a:endParaRPr lang="de-DE"/>
           </a:p>
@@ -795,7 +799,7 @@
           <a:p>
             <a:fld id="{1BA50D42-C9CD-4801-B293-61D1F53EC57E}" type="datetimeFigureOut">
               <a:rPr lang="de-DE" smtClean="0"/>
-              <a:t>22.09.2012</a:t>
+              <a:t>27.09.2012</a:t>
             </a:fld>
             <a:endParaRPr lang="de-DE"/>
           </a:p>
@@ -1036,7 +1040,7 @@
           <a:p>
             <a:fld id="{1BA50D42-C9CD-4801-B293-61D1F53EC57E}" type="datetimeFigureOut">
               <a:rPr lang="de-DE" smtClean="0"/>
-              <a:t>22.09.2012</a:t>
+              <a:t>27.09.2012</a:t>
             </a:fld>
             <a:endParaRPr lang="de-DE"/>
           </a:p>
@@ -1319,7 +1323,7 @@
           <a:p>
             <a:fld id="{1BA50D42-C9CD-4801-B293-61D1F53EC57E}" type="datetimeFigureOut">
               <a:rPr lang="de-DE" smtClean="0"/>
-              <a:t>22.09.2012</a:t>
+              <a:t>27.09.2012</a:t>
             </a:fld>
             <a:endParaRPr lang="de-DE"/>
           </a:p>
@@ -1736,7 +1740,7 @@
           <a:p>
             <a:fld id="{1BA50D42-C9CD-4801-B293-61D1F53EC57E}" type="datetimeFigureOut">
               <a:rPr lang="de-DE" smtClean="0"/>
-              <a:t>22.09.2012</a:t>
+              <a:t>27.09.2012</a:t>
             </a:fld>
             <a:endParaRPr lang="de-DE"/>
           </a:p>
@@ -1849,7 +1853,7 @@
           <a:p>
             <a:fld id="{1BA50D42-C9CD-4801-B293-61D1F53EC57E}" type="datetimeFigureOut">
               <a:rPr lang="de-DE" smtClean="0"/>
-              <a:t>22.09.2012</a:t>
+              <a:t>27.09.2012</a:t>
             </a:fld>
             <a:endParaRPr lang="de-DE"/>
           </a:p>
@@ -1939,7 +1943,7 @@
           <a:p>
             <a:fld id="{1BA50D42-C9CD-4801-B293-61D1F53EC57E}" type="datetimeFigureOut">
               <a:rPr lang="de-DE" smtClean="0"/>
-              <a:t>22.09.2012</a:t>
+              <a:t>27.09.2012</a:t>
             </a:fld>
             <a:endParaRPr lang="de-DE"/>
           </a:p>
@@ -2211,7 +2215,7 @@
           <a:p>
             <a:fld id="{1BA50D42-C9CD-4801-B293-61D1F53EC57E}" type="datetimeFigureOut">
               <a:rPr lang="de-DE" smtClean="0"/>
-              <a:t>22.09.2012</a:t>
+              <a:t>27.09.2012</a:t>
             </a:fld>
             <a:endParaRPr lang="de-DE"/>
           </a:p>
@@ -2459,7 +2463,7 @@
           <a:p>
             <a:fld id="{1BA50D42-C9CD-4801-B293-61D1F53EC57E}" type="datetimeFigureOut">
               <a:rPr lang="de-DE" smtClean="0"/>
-              <a:t>22.09.2012</a:t>
+              <a:t>27.09.2012</a:t>
             </a:fld>
             <a:endParaRPr lang="de-DE"/>
           </a:p>
@@ -2667,7 +2671,7 @@
           <a:p>
             <a:fld id="{1BA50D42-C9CD-4801-B293-61D1F53EC57E}" type="datetimeFigureOut">
               <a:rPr lang="de-DE" smtClean="0"/>
-              <a:t>22.09.2012</a:t>
+              <a:t>27.09.2012</a:t>
             </a:fld>
             <a:endParaRPr lang="de-DE"/>
           </a:p>
@@ -3132,6 +3136,5438 @@
         </p:nvSpPr>
         <p:spPr/>
         <p:txBody>
+          <a:bodyPr/>
+          <a:lstStyle/>
+          <a:p>
+            <a:r>
+              <a:rPr lang="en-GB" dirty="0" smtClean="0"/>
+              <a:t>Use Cases</a:t>
+            </a:r>
+            <a:endParaRPr lang="en-GB" dirty="0"/>
+          </a:p>
+        </p:txBody>
+      </p:sp>
+      <p:sp>
+        <p:nvSpPr>
+          <p:cNvPr id="3" name="Inhaltsplatzhalter 2"/>
+          <p:cNvSpPr>
+            <a:spLocks noGrp="1"/>
+          </p:cNvSpPr>
+          <p:nvPr>
+            <p:ph idx="1"/>
+          </p:nvPr>
+        </p:nvSpPr>
+        <p:spPr/>
+        <p:txBody>
+          <a:bodyPr>
+            <a:normAutofit fontScale="85000" lnSpcReduction="20000"/>
+          </a:bodyPr>
+          <a:lstStyle/>
+          <a:p>
+            <a:pPr marL="514350" indent="-514350">
+              <a:buFont typeface="+mj-lt"/>
+              <a:buAutoNum type="arabicPeriod"/>
+            </a:pPr>
+            <a:r>
+              <a:rPr lang="en-GB" dirty="0"/>
+              <a:t>Embedding </a:t>
+            </a:r>
+            <a:endParaRPr lang="en-GB" dirty="0" smtClean="0"/>
+          </a:p>
+          <a:p>
+            <a:pPr marL="971550" lvl="1" indent="-514350">
+              <a:buFont typeface="+mj-lt"/>
+              <a:buAutoNum type="alphaLcPeriod"/>
+            </a:pPr>
+            <a:r>
+              <a:rPr lang="en-GB" dirty="0" smtClean="0"/>
+              <a:t>Embedding BEAM in C</a:t>
+            </a:r>
+          </a:p>
+          <a:p>
+            <a:pPr marL="971550" lvl="1" indent="-514350">
+              <a:buFont typeface="+mj-lt"/>
+              <a:buAutoNum type="alphaLcPeriod"/>
+            </a:pPr>
+            <a:r>
+              <a:rPr lang="en-GB" dirty="0" smtClean="0"/>
+              <a:t>Embedding </a:t>
+            </a:r>
+            <a:r>
+              <a:rPr lang="en-GB" dirty="0"/>
+              <a:t>BEAM in </a:t>
+            </a:r>
+            <a:r>
+              <a:rPr lang="en-GB" dirty="0" smtClean="0"/>
+              <a:t>Python</a:t>
+            </a:r>
+          </a:p>
+          <a:p>
+            <a:pPr marL="514350" indent="-514350">
+              <a:buFont typeface="+mj-lt"/>
+              <a:buAutoNum type="arabicPeriod"/>
+            </a:pPr>
+            <a:r>
+              <a:rPr lang="en-GB" dirty="0"/>
+              <a:t>Extending</a:t>
+            </a:r>
+            <a:endParaRPr lang="en-GB" dirty="0" smtClean="0"/>
+          </a:p>
+          <a:p>
+            <a:pPr marL="971550" lvl="1" indent="-514350">
+              <a:buFont typeface="+mj-lt"/>
+              <a:buAutoNum type="alphaLcPeriod"/>
+            </a:pPr>
+            <a:r>
+              <a:rPr lang="en-GB" dirty="0" smtClean="0"/>
+              <a:t>Extending </a:t>
+            </a:r>
+            <a:r>
+              <a:rPr lang="en-GB" dirty="0"/>
+              <a:t>BEAM by C</a:t>
+            </a:r>
+          </a:p>
+          <a:p>
+            <a:pPr marL="971550" lvl="1" indent="-514350">
+              <a:buFont typeface="+mj-lt"/>
+              <a:buAutoNum type="alphaLcPeriod"/>
+            </a:pPr>
+            <a:r>
+              <a:rPr lang="en-GB" dirty="0" smtClean="0"/>
+              <a:t>Extending </a:t>
+            </a:r>
+            <a:r>
+              <a:rPr lang="en-GB" dirty="0"/>
+              <a:t>BEAM by Python</a:t>
+            </a:r>
+          </a:p>
+          <a:p>
+            <a:pPr marL="514350" indent="-514350">
+              <a:buFont typeface="+mj-lt"/>
+              <a:buAutoNum type="arabicPeriod"/>
+            </a:pPr>
+            <a:r>
+              <a:rPr lang="en-GB" dirty="0" smtClean="0"/>
+              <a:t>Embedding &amp; Extending</a:t>
+            </a:r>
+            <a:endParaRPr lang="en-GB" dirty="0"/>
+          </a:p>
+          <a:p>
+            <a:pPr marL="971550" lvl="1" indent="-514350">
+              <a:buFont typeface="+mj-lt"/>
+              <a:buAutoNum type="alphaLcPeriod"/>
+            </a:pPr>
+            <a:r>
+              <a:rPr lang="en-GB" dirty="0" smtClean="0"/>
+              <a:t>1.a + 2.a</a:t>
+            </a:r>
+          </a:p>
+          <a:p>
+            <a:pPr marL="971550" lvl="1" indent="-514350">
+              <a:buFont typeface="+mj-lt"/>
+              <a:buAutoNum type="alphaLcPeriod"/>
+            </a:pPr>
+            <a:r>
+              <a:rPr lang="en-GB" dirty="0" smtClean="0"/>
+              <a:t>1.a + 2.b</a:t>
+            </a:r>
+          </a:p>
+          <a:p>
+            <a:pPr marL="971550" lvl="1" indent="-514350">
+              <a:buFont typeface="+mj-lt"/>
+              <a:buAutoNum type="alphaLcPeriod"/>
+            </a:pPr>
+            <a:r>
+              <a:rPr lang="en-GB" dirty="0" smtClean="0"/>
+              <a:t>1.b </a:t>
+            </a:r>
+            <a:r>
+              <a:rPr lang="en-GB" dirty="0"/>
+              <a:t>+ 2.a</a:t>
+            </a:r>
+          </a:p>
+          <a:p>
+            <a:pPr marL="971550" lvl="1" indent="-514350">
+              <a:buFont typeface="+mj-lt"/>
+              <a:buAutoNum type="alphaLcPeriod"/>
+            </a:pPr>
+            <a:r>
+              <a:rPr lang="en-GB" dirty="0" smtClean="0"/>
+              <a:t>1.b </a:t>
+            </a:r>
+            <a:r>
+              <a:rPr lang="en-GB" dirty="0"/>
+              <a:t>+ </a:t>
+            </a:r>
+            <a:r>
+              <a:rPr lang="en-GB" dirty="0" smtClean="0"/>
+              <a:t>2.b</a:t>
+            </a:r>
+          </a:p>
+          <a:p>
+            <a:endParaRPr lang="en-GB" dirty="0"/>
+          </a:p>
+          <a:p>
+            <a:endParaRPr lang="en-GB" dirty="0"/>
+          </a:p>
+        </p:txBody>
+      </p:sp>
+    </p:spTree>
+    <p:extLst>
+      <p:ext uri="{BB962C8B-B14F-4D97-AF65-F5344CB8AC3E}">
+        <p14:creationId xmlns:p14="http://schemas.microsoft.com/office/powerpoint/2010/main" val="3869326898"/>
+      </p:ext>
+    </p:extLst>
+  </p:cSld>
+  <p:clrMapOvr>
+    <a:masterClrMapping/>
+  </p:clrMapOvr>
+</p:sld>
+</file>
+
+<file path=ppt/slides/slide3.xml><?xml version="1.0" encoding="utf-8"?>
+<p:sld xmlns:a="http://schemas.openxmlformats.org/drawingml/2006/main" xmlns:r="http://schemas.openxmlformats.org/officeDocument/2006/relationships" xmlns:p="http://schemas.openxmlformats.org/presentationml/2006/main">
+  <p:cSld>
+    <p:spTree>
+      <p:nvGrpSpPr>
+        <p:cNvPr id="1" name=""/>
+        <p:cNvGrpSpPr/>
+        <p:nvPr/>
+      </p:nvGrpSpPr>
+      <p:grpSpPr>
+        <a:xfrm>
+          <a:off x="0" y="0"/>
+          <a:ext cx="0" cy="0"/>
+          <a:chOff x="0" y="0"/>
+          <a:chExt cx="0" cy="0"/>
+        </a:xfrm>
+      </p:grpSpPr>
+      <p:sp>
+        <p:nvSpPr>
+          <p:cNvPr id="2" name="Titel 1"/>
+          <p:cNvSpPr>
+            <a:spLocks noGrp="1"/>
+          </p:cNvSpPr>
+          <p:nvPr>
+            <p:ph type="title"/>
+          </p:nvPr>
+        </p:nvSpPr>
+        <p:spPr/>
+        <p:txBody>
+          <a:bodyPr/>
+          <a:lstStyle/>
+          <a:p>
+            <a:r>
+              <a:rPr lang="en-GB" dirty="0" smtClean="0"/>
+              <a:t>Use Case 1a, 1b</a:t>
+            </a:r>
+            <a:endParaRPr lang="en-GB" dirty="0"/>
+          </a:p>
+        </p:txBody>
+      </p:sp>
+      <p:sp>
+        <p:nvSpPr>
+          <p:cNvPr id="104" name="Rechteck 103"/>
+          <p:cNvSpPr/>
+          <p:nvPr/>
+        </p:nvSpPr>
+        <p:spPr>
+          <a:xfrm>
+            <a:off x="2406532" y="3142008"/>
+            <a:ext cx="1440160" cy="972813"/>
+          </a:xfrm>
+          <a:prstGeom prst="rect">
+            <a:avLst/>
+          </a:prstGeom>
+        </p:spPr>
+        <p:style>
+          <a:lnRef idx="2">
+            <a:schemeClr val="accent1">
+              <a:shade val="50000"/>
+            </a:schemeClr>
+          </a:lnRef>
+          <a:fillRef idx="1">
+            <a:schemeClr val="accent1"/>
+          </a:fillRef>
+          <a:effectRef idx="0">
+            <a:schemeClr val="accent1"/>
+          </a:effectRef>
+          <a:fontRef idx="minor">
+            <a:schemeClr val="lt1"/>
+          </a:fontRef>
+        </p:style>
+        <p:txBody>
+          <a:bodyPr rtlCol="0" anchor="ctr"/>
+          <a:lstStyle/>
+          <a:p>
+            <a:pPr algn="ctr"/>
+            <a:r>
+              <a:rPr lang="en-GB" dirty="0" smtClean="0"/>
+              <a:t>C-</a:t>
+            </a:r>
+            <a:br>
+              <a:rPr lang="en-GB" dirty="0" smtClean="0"/>
+            </a:br>
+            <a:r>
+              <a:rPr lang="en-GB" dirty="0" smtClean="0"/>
+              <a:t>Program</a:t>
+            </a:r>
+          </a:p>
+          <a:p>
+            <a:pPr algn="ctr"/>
+            <a:r>
+              <a:rPr lang="en-GB" dirty="0" smtClean="0"/>
+              <a:t>(exe)</a:t>
+            </a:r>
+            <a:endParaRPr lang="en-GB" dirty="0" smtClean="0"/>
+          </a:p>
+        </p:txBody>
+      </p:sp>
+      <p:grpSp>
+        <p:nvGrpSpPr>
+          <p:cNvPr id="105" name="Gruppieren 104"/>
+          <p:cNvGrpSpPr/>
+          <p:nvPr/>
+        </p:nvGrpSpPr>
+        <p:grpSpPr>
+          <a:xfrm>
+            <a:off x="755576" y="3212426"/>
+            <a:ext cx="360040" cy="818939"/>
+            <a:chOff x="683568" y="1844824"/>
+            <a:chExt cx="720080" cy="1728192"/>
+          </a:xfrm>
+        </p:grpSpPr>
+        <p:sp>
+          <p:nvSpPr>
+            <p:cNvPr id="106" name="Ellipse 105"/>
+            <p:cNvSpPr/>
+            <p:nvPr/>
+          </p:nvSpPr>
+          <p:spPr>
+            <a:xfrm>
+              <a:off x="827584" y="1844824"/>
+              <a:ext cx="432048" cy="432048"/>
+            </a:xfrm>
+            <a:prstGeom prst="ellipse">
+              <a:avLst/>
+            </a:prstGeom>
+          </p:spPr>
+          <p:style>
+            <a:lnRef idx="2">
+              <a:schemeClr val="accent5"/>
+            </a:lnRef>
+            <a:fillRef idx="1">
+              <a:schemeClr val="lt1"/>
+            </a:fillRef>
+            <a:effectRef idx="0">
+              <a:schemeClr val="accent5"/>
+            </a:effectRef>
+            <a:fontRef idx="minor">
+              <a:schemeClr val="dk1"/>
+            </a:fontRef>
+          </p:style>
+          <p:txBody>
+            <a:bodyPr rtlCol="0" anchor="ctr"/>
+            <a:lstStyle/>
+            <a:p>
+              <a:pPr algn="ctr"/>
+              <a:endParaRPr lang="en-GB"/>
+            </a:p>
+          </p:txBody>
+        </p:sp>
+        <p:cxnSp>
+          <p:nvCxnSpPr>
+            <p:cNvPr id="107" name="Gerade Verbindung 106"/>
+            <p:cNvCxnSpPr>
+              <a:stCxn id="106" idx="4"/>
+            </p:cNvCxnSpPr>
+            <p:nvPr/>
+          </p:nvCxnSpPr>
+          <p:spPr>
+            <a:xfrm>
+              <a:off x="1043608" y="2276872"/>
+              <a:ext cx="0" cy="648072"/>
+            </a:xfrm>
+            <a:prstGeom prst="line">
+              <a:avLst/>
+            </a:prstGeom>
+            <a:ln/>
+          </p:spPr>
+          <p:style>
+            <a:lnRef idx="2">
+              <a:schemeClr val="accent5"/>
+            </a:lnRef>
+            <a:fillRef idx="1">
+              <a:schemeClr val="lt1"/>
+            </a:fillRef>
+            <a:effectRef idx="0">
+              <a:schemeClr val="accent5"/>
+            </a:effectRef>
+            <a:fontRef idx="minor">
+              <a:schemeClr val="dk1"/>
+            </a:fontRef>
+          </p:style>
+        </p:cxnSp>
+        <p:cxnSp>
+          <p:nvCxnSpPr>
+            <p:cNvPr id="108" name="Gerade Verbindung 107"/>
+            <p:cNvCxnSpPr/>
+            <p:nvPr/>
+          </p:nvCxnSpPr>
+          <p:spPr>
+            <a:xfrm>
+              <a:off x="683568" y="2420888"/>
+              <a:ext cx="720080" cy="0"/>
+            </a:xfrm>
+            <a:prstGeom prst="line">
+              <a:avLst/>
+            </a:prstGeom>
+            <a:ln/>
+          </p:spPr>
+          <p:style>
+            <a:lnRef idx="2">
+              <a:schemeClr val="accent5"/>
+            </a:lnRef>
+            <a:fillRef idx="1">
+              <a:schemeClr val="lt1"/>
+            </a:fillRef>
+            <a:effectRef idx="0">
+              <a:schemeClr val="accent5"/>
+            </a:effectRef>
+            <a:fontRef idx="minor">
+              <a:schemeClr val="dk1"/>
+            </a:fontRef>
+          </p:style>
+        </p:cxnSp>
+        <p:cxnSp>
+          <p:nvCxnSpPr>
+            <p:cNvPr id="109" name="Gerade Verbindung 108"/>
+            <p:cNvCxnSpPr/>
+            <p:nvPr/>
+          </p:nvCxnSpPr>
+          <p:spPr>
+            <a:xfrm flipV="1">
+              <a:off x="683568" y="2924944"/>
+              <a:ext cx="360040" cy="648072"/>
+            </a:xfrm>
+            <a:prstGeom prst="line">
+              <a:avLst/>
+            </a:prstGeom>
+            <a:ln/>
+          </p:spPr>
+          <p:style>
+            <a:lnRef idx="2">
+              <a:schemeClr val="accent5"/>
+            </a:lnRef>
+            <a:fillRef idx="1">
+              <a:schemeClr val="lt1"/>
+            </a:fillRef>
+            <a:effectRef idx="0">
+              <a:schemeClr val="accent5"/>
+            </a:effectRef>
+            <a:fontRef idx="minor">
+              <a:schemeClr val="dk1"/>
+            </a:fontRef>
+          </p:style>
+        </p:cxnSp>
+        <p:cxnSp>
+          <p:nvCxnSpPr>
+            <p:cNvPr id="110" name="Gerade Verbindung 109"/>
+            <p:cNvCxnSpPr/>
+            <p:nvPr/>
+          </p:nvCxnSpPr>
+          <p:spPr>
+            <a:xfrm flipH="1" flipV="1">
+              <a:off x="1043608" y="2924944"/>
+              <a:ext cx="360040" cy="648072"/>
+            </a:xfrm>
+            <a:prstGeom prst="line">
+              <a:avLst/>
+            </a:prstGeom>
+            <a:ln/>
+          </p:spPr>
+          <p:style>
+            <a:lnRef idx="2">
+              <a:schemeClr val="accent5"/>
+            </a:lnRef>
+            <a:fillRef idx="1">
+              <a:schemeClr val="lt1"/>
+            </a:fillRef>
+            <a:effectRef idx="0">
+              <a:schemeClr val="accent5"/>
+            </a:effectRef>
+            <a:fontRef idx="minor">
+              <a:schemeClr val="dk1"/>
+            </a:fontRef>
+          </p:style>
+        </p:cxnSp>
+      </p:grpSp>
+      <p:cxnSp>
+        <p:nvCxnSpPr>
+          <p:cNvPr id="111" name="Gerade Verbindung mit Pfeil 110"/>
+          <p:cNvCxnSpPr>
+            <a:endCxn id="104" idx="1"/>
+          </p:cNvCxnSpPr>
+          <p:nvPr/>
+        </p:nvCxnSpPr>
+        <p:spPr>
+          <a:xfrm>
+            <a:off x="1385795" y="3628414"/>
+            <a:ext cx="1020737" cy="1"/>
+          </a:xfrm>
+          <a:prstGeom prst="straightConnector1">
+            <a:avLst/>
+          </a:prstGeom>
+          <a:ln w="38100">
+            <a:tailEnd type="arrow"/>
+          </a:ln>
+        </p:spPr>
+        <p:style>
+          <a:lnRef idx="1">
+            <a:schemeClr val="accent1"/>
+          </a:lnRef>
+          <a:fillRef idx="0">
+            <a:schemeClr val="accent1"/>
+          </a:fillRef>
+          <a:effectRef idx="0">
+            <a:schemeClr val="accent1"/>
+          </a:effectRef>
+          <a:fontRef idx="minor">
+            <a:schemeClr val="tx1"/>
+          </a:fontRef>
+        </p:style>
+      </p:cxnSp>
+      <p:sp>
+        <p:nvSpPr>
+          <p:cNvPr id="112" name="Rechteck 111"/>
+          <p:cNvSpPr/>
+          <p:nvPr/>
+        </p:nvSpPr>
+        <p:spPr>
+          <a:xfrm>
+            <a:off x="4540889" y="3143591"/>
+            <a:ext cx="1440160" cy="972813"/>
+          </a:xfrm>
+          <a:prstGeom prst="rect">
+            <a:avLst/>
+          </a:prstGeom>
+        </p:spPr>
+        <p:style>
+          <a:lnRef idx="2">
+            <a:schemeClr val="accent1">
+              <a:shade val="50000"/>
+            </a:schemeClr>
+          </a:lnRef>
+          <a:fillRef idx="1">
+            <a:schemeClr val="accent1"/>
+          </a:fillRef>
+          <a:effectRef idx="0">
+            <a:schemeClr val="accent1"/>
+          </a:effectRef>
+          <a:fontRef idx="minor">
+            <a:schemeClr val="lt1"/>
+          </a:fontRef>
+        </p:style>
+        <p:txBody>
+          <a:bodyPr rtlCol="0" anchor="ctr"/>
+          <a:lstStyle/>
+          <a:p>
+            <a:pPr algn="ctr"/>
+            <a:r>
+              <a:rPr lang="en-GB" dirty="0" smtClean="0"/>
+              <a:t>BEAM</a:t>
+            </a:r>
+            <a:br>
+              <a:rPr lang="en-GB" dirty="0" smtClean="0"/>
+            </a:br>
+            <a:r>
+              <a:rPr lang="en-GB" dirty="0" smtClean="0"/>
+              <a:t>C-API</a:t>
+            </a:r>
+          </a:p>
+          <a:p>
+            <a:pPr algn="ctr"/>
+            <a:r>
+              <a:rPr lang="en-GB" dirty="0" smtClean="0"/>
+              <a:t>(</a:t>
+            </a:r>
+            <a:r>
+              <a:rPr lang="en-GB" dirty="0" err="1" smtClean="0"/>
+              <a:t>dll</a:t>
+            </a:r>
+            <a:r>
+              <a:rPr lang="en-GB" dirty="0" smtClean="0"/>
+              <a:t>)</a:t>
+            </a:r>
+            <a:endParaRPr lang="en-GB" dirty="0" smtClean="0"/>
+          </a:p>
+        </p:txBody>
+      </p:sp>
+      <p:cxnSp>
+        <p:nvCxnSpPr>
+          <p:cNvPr id="113" name="Gerade Verbindung mit Pfeil 112"/>
+          <p:cNvCxnSpPr>
+            <a:stCxn id="104" idx="3"/>
+            <a:endCxn id="112" idx="1"/>
+          </p:cNvCxnSpPr>
+          <p:nvPr/>
+        </p:nvCxnSpPr>
+        <p:spPr>
+          <a:xfrm>
+            <a:off x="3846692" y="3628415"/>
+            <a:ext cx="694197" cy="1583"/>
+          </a:xfrm>
+          <a:prstGeom prst="straightConnector1">
+            <a:avLst/>
+          </a:prstGeom>
+          <a:ln w="38100">
+            <a:tailEnd type="arrow"/>
+          </a:ln>
+        </p:spPr>
+        <p:style>
+          <a:lnRef idx="1">
+            <a:schemeClr val="accent1"/>
+          </a:lnRef>
+          <a:fillRef idx="0">
+            <a:schemeClr val="accent1"/>
+          </a:fillRef>
+          <a:effectRef idx="0">
+            <a:schemeClr val="accent1"/>
+          </a:effectRef>
+          <a:fontRef idx="minor">
+            <a:schemeClr val="tx1"/>
+          </a:fontRef>
+        </p:style>
+      </p:cxnSp>
+      <p:sp>
+        <p:nvSpPr>
+          <p:cNvPr id="114" name="Rechteck 113"/>
+          <p:cNvSpPr/>
+          <p:nvPr/>
+        </p:nvSpPr>
+        <p:spPr>
+          <a:xfrm>
+            <a:off x="4540889" y="1717737"/>
+            <a:ext cx="1440160" cy="972813"/>
+          </a:xfrm>
+          <a:prstGeom prst="rect">
+            <a:avLst/>
+          </a:prstGeom>
+        </p:spPr>
+        <p:style>
+          <a:lnRef idx="2">
+            <a:schemeClr val="accent1">
+              <a:shade val="50000"/>
+            </a:schemeClr>
+          </a:lnRef>
+          <a:fillRef idx="1">
+            <a:schemeClr val="accent1"/>
+          </a:fillRef>
+          <a:effectRef idx="0">
+            <a:schemeClr val="accent1"/>
+          </a:effectRef>
+          <a:fontRef idx="minor">
+            <a:schemeClr val="lt1"/>
+          </a:fontRef>
+        </p:style>
+        <p:txBody>
+          <a:bodyPr rtlCol="0" anchor="ctr"/>
+          <a:lstStyle/>
+          <a:p>
+            <a:pPr algn="ctr"/>
+            <a:r>
+              <a:rPr lang="en-GB" dirty="0" smtClean="0"/>
+              <a:t>BEAM Java API</a:t>
+            </a:r>
+          </a:p>
+          <a:p>
+            <a:pPr algn="ctr"/>
+            <a:r>
+              <a:rPr lang="en-GB" dirty="0" smtClean="0"/>
+              <a:t>(jar)</a:t>
+            </a:r>
+            <a:endParaRPr lang="en-GB" dirty="0" smtClean="0"/>
+          </a:p>
+        </p:txBody>
+      </p:sp>
+      <p:cxnSp>
+        <p:nvCxnSpPr>
+          <p:cNvPr id="115" name="Gerade Verbindung mit Pfeil 114"/>
+          <p:cNvCxnSpPr>
+            <a:stCxn id="112" idx="0"/>
+            <a:endCxn id="114" idx="2"/>
+          </p:cNvCxnSpPr>
+          <p:nvPr/>
+        </p:nvCxnSpPr>
+        <p:spPr>
+          <a:xfrm flipV="1">
+            <a:off x="5260969" y="2690550"/>
+            <a:ext cx="0" cy="453041"/>
+          </a:xfrm>
+          <a:prstGeom prst="straightConnector1">
+            <a:avLst/>
+          </a:prstGeom>
+          <a:ln w="38100">
+            <a:tailEnd type="arrow"/>
+          </a:ln>
+        </p:spPr>
+        <p:style>
+          <a:lnRef idx="1">
+            <a:schemeClr val="accent1"/>
+          </a:lnRef>
+          <a:fillRef idx="0">
+            <a:schemeClr val="accent1"/>
+          </a:fillRef>
+          <a:effectRef idx="0">
+            <a:schemeClr val="accent1"/>
+          </a:effectRef>
+          <a:fontRef idx="minor">
+            <a:schemeClr val="tx1"/>
+          </a:fontRef>
+        </p:style>
+      </p:cxnSp>
+      <p:sp>
+        <p:nvSpPr>
+          <p:cNvPr id="116" name="Rechteck 115"/>
+          <p:cNvSpPr/>
+          <p:nvPr/>
+        </p:nvSpPr>
+        <p:spPr>
+          <a:xfrm>
+            <a:off x="2406532" y="4581128"/>
+            <a:ext cx="1440160" cy="972813"/>
+          </a:xfrm>
+          <a:prstGeom prst="rect">
+            <a:avLst/>
+          </a:prstGeom>
+        </p:spPr>
+        <p:style>
+          <a:lnRef idx="2">
+            <a:schemeClr val="accent1">
+              <a:shade val="50000"/>
+            </a:schemeClr>
+          </a:lnRef>
+          <a:fillRef idx="1">
+            <a:schemeClr val="accent1"/>
+          </a:fillRef>
+          <a:effectRef idx="0">
+            <a:schemeClr val="accent1"/>
+          </a:effectRef>
+          <a:fontRef idx="minor">
+            <a:schemeClr val="lt1"/>
+          </a:fontRef>
+        </p:style>
+        <p:txBody>
+          <a:bodyPr rtlCol="0" anchor="ctr"/>
+          <a:lstStyle/>
+          <a:p>
+            <a:pPr algn="ctr"/>
+            <a:r>
+              <a:rPr lang="en-GB" dirty="0" smtClean="0"/>
+              <a:t>Python-Program</a:t>
+            </a:r>
+          </a:p>
+          <a:p>
+            <a:pPr algn="ctr"/>
+            <a:r>
+              <a:rPr lang="en-GB" dirty="0" smtClean="0"/>
+              <a:t>(</a:t>
+            </a:r>
+            <a:r>
+              <a:rPr lang="en-GB" dirty="0" err="1" smtClean="0"/>
+              <a:t>py</a:t>
+            </a:r>
+            <a:r>
+              <a:rPr lang="en-GB" dirty="0"/>
+              <a:t>)</a:t>
+            </a:r>
+            <a:endParaRPr lang="en-GB" dirty="0" smtClean="0"/>
+          </a:p>
+        </p:txBody>
+      </p:sp>
+      <p:grpSp>
+        <p:nvGrpSpPr>
+          <p:cNvPr id="117" name="Gruppieren 116"/>
+          <p:cNvGrpSpPr/>
+          <p:nvPr/>
+        </p:nvGrpSpPr>
+        <p:grpSpPr>
+          <a:xfrm>
+            <a:off x="755576" y="4695368"/>
+            <a:ext cx="360040" cy="818939"/>
+            <a:chOff x="683568" y="1844824"/>
+            <a:chExt cx="720080" cy="1728192"/>
+          </a:xfrm>
+        </p:grpSpPr>
+        <p:sp>
+          <p:nvSpPr>
+            <p:cNvPr id="118" name="Ellipse 117"/>
+            <p:cNvSpPr/>
+            <p:nvPr/>
+          </p:nvSpPr>
+          <p:spPr>
+            <a:xfrm>
+              <a:off x="827584" y="1844824"/>
+              <a:ext cx="432048" cy="432048"/>
+            </a:xfrm>
+            <a:prstGeom prst="ellipse">
+              <a:avLst/>
+            </a:prstGeom>
+          </p:spPr>
+          <p:style>
+            <a:lnRef idx="2">
+              <a:schemeClr val="accent5"/>
+            </a:lnRef>
+            <a:fillRef idx="1">
+              <a:schemeClr val="lt1"/>
+            </a:fillRef>
+            <a:effectRef idx="0">
+              <a:schemeClr val="accent5"/>
+            </a:effectRef>
+            <a:fontRef idx="minor">
+              <a:schemeClr val="dk1"/>
+            </a:fontRef>
+          </p:style>
+          <p:txBody>
+            <a:bodyPr rtlCol="0" anchor="ctr"/>
+            <a:lstStyle/>
+            <a:p>
+              <a:pPr algn="ctr"/>
+              <a:endParaRPr lang="en-GB"/>
+            </a:p>
+          </p:txBody>
+        </p:sp>
+        <p:cxnSp>
+          <p:nvCxnSpPr>
+            <p:cNvPr id="119" name="Gerade Verbindung 118"/>
+            <p:cNvCxnSpPr>
+              <a:stCxn id="118" idx="4"/>
+            </p:cNvCxnSpPr>
+            <p:nvPr/>
+          </p:nvCxnSpPr>
+          <p:spPr>
+            <a:xfrm>
+              <a:off x="1043608" y="2276872"/>
+              <a:ext cx="0" cy="648072"/>
+            </a:xfrm>
+            <a:prstGeom prst="line">
+              <a:avLst/>
+            </a:prstGeom>
+            <a:ln/>
+          </p:spPr>
+          <p:style>
+            <a:lnRef idx="2">
+              <a:schemeClr val="accent5"/>
+            </a:lnRef>
+            <a:fillRef idx="1">
+              <a:schemeClr val="lt1"/>
+            </a:fillRef>
+            <a:effectRef idx="0">
+              <a:schemeClr val="accent5"/>
+            </a:effectRef>
+            <a:fontRef idx="minor">
+              <a:schemeClr val="dk1"/>
+            </a:fontRef>
+          </p:style>
+        </p:cxnSp>
+        <p:cxnSp>
+          <p:nvCxnSpPr>
+            <p:cNvPr id="120" name="Gerade Verbindung 119"/>
+            <p:cNvCxnSpPr/>
+            <p:nvPr/>
+          </p:nvCxnSpPr>
+          <p:spPr>
+            <a:xfrm>
+              <a:off x="683568" y="2420888"/>
+              <a:ext cx="720080" cy="0"/>
+            </a:xfrm>
+            <a:prstGeom prst="line">
+              <a:avLst/>
+            </a:prstGeom>
+            <a:ln/>
+          </p:spPr>
+          <p:style>
+            <a:lnRef idx="2">
+              <a:schemeClr val="accent5"/>
+            </a:lnRef>
+            <a:fillRef idx="1">
+              <a:schemeClr val="lt1"/>
+            </a:fillRef>
+            <a:effectRef idx="0">
+              <a:schemeClr val="accent5"/>
+            </a:effectRef>
+            <a:fontRef idx="minor">
+              <a:schemeClr val="dk1"/>
+            </a:fontRef>
+          </p:style>
+        </p:cxnSp>
+        <p:cxnSp>
+          <p:nvCxnSpPr>
+            <p:cNvPr id="121" name="Gerade Verbindung 120"/>
+            <p:cNvCxnSpPr/>
+            <p:nvPr/>
+          </p:nvCxnSpPr>
+          <p:spPr>
+            <a:xfrm flipV="1">
+              <a:off x="683568" y="2924944"/>
+              <a:ext cx="360040" cy="648072"/>
+            </a:xfrm>
+            <a:prstGeom prst="line">
+              <a:avLst/>
+            </a:prstGeom>
+            <a:ln/>
+          </p:spPr>
+          <p:style>
+            <a:lnRef idx="2">
+              <a:schemeClr val="accent5"/>
+            </a:lnRef>
+            <a:fillRef idx="1">
+              <a:schemeClr val="lt1"/>
+            </a:fillRef>
+            <a:effectRef idx="0">
+              <a:schemeClr val="accent5"/>
+            </a:effectRef>
+            <a:fontRef idx="minor">
+              <a:schemeClr val="dk1"/>
+            </a:fontRef>
+          </p:style>
+        </p:cxnSp>
+        <p:cxnSp>
+          <p:nvCxnSpPr>
+            <p:cNvPr id="122" name="Gerade Verbindung 121"/>
+            <p:cNvCxnSpPr/>
+            <p:nvPr/>
+          </p:nvCxnSpPr>
+          <p:spPr>
+            <a:xfrm flipH="1" flipV="1">
+              <a:off x="1043608" y="2924944"/>
+              <a:ext cx="360040" cy="648072"/>
+            </a:xfrm>
+            <a:prstGeom prst="line">
+              <a:avLst/>
+            </a:prstGeom>
+            <a:ln/>
+          </p:spPr>
+          <p:style>
+            <a:lnRef idx="2">
+              <a:schemeClr val="accent5"/>
+            </a:lnRef>
+            <a:fillRef idx="1">
+              <a:schemeClr val="lt1"/>
+            </a:fillRef>
+            <a:effectRef idx="0">
+              <a:schemeClr val="accent5"/>
+            </a:effectRef>
+            <a:fontRef idx="minor">
+              <a:schemeClr val="dk1"/>
+            </a:fontRef>
+          </p:style>
+        </p:cxnSp>
+      </p:grpSp>
+      <p:cxnSp>
+        <p:nvCxnSpPr>
+          <p:cNvPr id="123" name="Gerade Verbindung mit Pfeil 122"/>
+          <p:cNvCxnSpPr>
+            <a:endCxn id="116" idx="1"/>
+          </p:cNvCxnSpPr>
+          <p:nvPr/>
+        </p:nvCxnSpPr>
+        <p:spPr>
+          <a:xfrm>
+            <a:off x="1385795" y="5067535"/>
+            <a:ext cx="1020737" cy="0"/>
+          </a:xfrm>
+          <a:prstGeom prst="straightConnector1">
+            <a:avLst/>
+          </a:prstGeom>
+          <a:ln w="38100">
+            <a:tailEnd type="arrow"/>
+          </a:ln>
+        </p:spPr>
+        <p:style>
+          <a:lnRef idx="1">
+            <a:schemeClr val="accent1"/>
+          </a:lnRef>
+          <a:fillRef idx="0">
+            <a:schemeClr val="accent1"/>
+          </a:fillRef>
+          <a:effectRef idx="0">
+            <a:schemeClr val="accent1"/>
+          </a:effectRef>
+          <a:fontRef idx="minor">
+            <a:schemeClr val="tx1"/>
+          </a:fontRef>
+        </p:style>
+      </p:cxnSp>
+      <p:sp>
+        <p:nvSpPr>
+          <p:cNvPr id="124" name="Rechteck 123"/>
+          <p:cNvSpPr/>
+          <p:nvPr/>
+        </p:nvSpPr>
+        <p:spPr>
+          <a:xfrm>
+            <a:off x="4540889" y="4581128"/>
+            <a:ext cx="1440160" cy="972813"/>
+          </a:xfrm>
+          <a:prstGeom prst="rect">
+            <a:avLst/>
+          </a:prstGeom>
+        </p:spPr>
+        <p:style>
+          <a:lnRef idx="2">
+            <a:schemeClr val="accent1">
+              <a:shade val="50000"/>
+            </a:schemeClr>
+          </a:lnRef>
+          <a:fillRef idx="1">
+            <a:schemeClr val="accent1"/>
+          </a:fillRef>
+          <a:effectRef idx="0">
+            <a:schemeClr val="accent1"/>
+          </a:effectRef>
+          <a:fontRef idx="minor">
+            <a:schemeClr val="lt1"/>
+          </a:fontRef>
+        </p:style>
+        <p:txBody>
+          <a:bodyPr rtlCol="0" anchor="ctr"/>
+          <a:lstStyle/>
+          <a:p>
+            <a:pPr algn="ctr"/>
+            <a:r>
+              <a:rPr lang="en-GB" dirty="0" smtClean="0"/>
+              <a:t>BEAM</a:t>
+            </a:r>
+            <a:br>
+              <a:rPr lang="en-GB" dirty="0" smtClean="0"/>
+            </a:br>
+            <a:r>
+              <a:rPr lang="en-GB" dirty="0" smtClean="0"/>
+              <a:t>Python API</a:t>
+            </a:r>
+          </a:p>
+          <a:p>
+            <a:pPr algn="ctr"/>
+            <a:r>
+              <a:rPr lang="en-GB" dirty="0" smtClean="0"/>
+              <a:t>(</a:t>
+            </a:r>
+            <a:r>
+              <a:rPr lang="en-GB" dirty="0" err="1" smtClean="0"/>
+              <a:t>pyd</a:t>
+            </a:r>
+            <a:r>
+              <a:rPr lang="en-GB" dirty="0" smtClean="0"/>
+              <a:t>)</a:t>
+            </a:r>
+            <a:endParaRPr lang="en-GB" dirty="0"/>
+          </a:p>
+        </p:txBody>
+      </p:sp>
+      <p:cxnSp>
+        <p:nvCxnSpPr>
+          <p:cNvPr id="125" name="Gerade Verbindung mit Pfeil 124"/>
+          <p:cNvCxnSpPr>
+            <a:stCxn id="116" idx="3"/>
+            <a:endCxn id="124" idx="1"/>
+          </p:cNvCxnSpPr>
+          <p:nvPr/>
+        </p:nvCxnSpPr>
+        <p:spPr>
+          <a:xfrm>
+            <a:off x="3846692" y="5067535"/>
+            <a:ext cx="694197" cy="0"/>
+          </a:xfrm>
+          <a:prstGeom prst="straightConnector1">
+            <a:avLst/>
+          </a:prstGeom>
+          <a:ln w="38100">
+            <a:tailEnd type="arrow"/>
+          </a:ln>
+        </p:spPr>
+        <p:style>
+          <a:lnRef idx="1">
+            <a:schemeClr val="accent1"/>
+          </a:lnRef>
+          <a:fillRef idx="0">
+            <a:schemeClr val="accent1"/>
+          </a:fillRef>
+          <a:effectRef idx="0">
+            <a:schemeClr val="accent1"/>
+          </a:effectRef>
+          <a:fontRef idx="minor">
+            <a:schemeClr val="tx1"/>
+          </a:fontRef>
+        </p:style>
+      </p:cxnSp>
+      <p:cxnSp>
+        <p:nvCxnSpPr>
+          <p:cNvPr id="126" name="Gerade Verbindung mit Pfeil 125"/>
+          <p:cNvCxnSpPr>
+            <a:stCxn id="124" idx="0"/>
+            <a:endCxn id="112" idx="2"/>
+          </p:cNvCxnSpPr>
+          <p:nvPr/>
+        </p:nvCxnSpPr>
+        <p:spPr>
+          <a:xfrm flipV="1">
+            <a:off x="5260969" y="4116404"/>
+            <a:ext cx="0" cy="464724"/>
+          </a:xfrm>
+          <a:prstGeom prst="straightConnector1">
+            <a:avLst/>
+          </a:prstGeom>
+          <a:ln w="38100">
+            <a:tailEnd type="arrow"/>
+          </a:ln>
+        </p:spPr>
+        <p:style>
+          <a:lnRef idx="1">
+            <a:schemeClr val="accent1"/>
+          </a:lnRef>
+          <a:fillRef idx="0">
+            <a:schemeClr val="accent1"/>
+          </a:fillRef>
+          <a:effectRef idx="0">
+            <a:schemeClr val="accent1"/>
+          </a:effectRef>
+          <a:fontRef idx="minor">
+            <a:schemeClr val="tx1"/>
+          </a:fontRef>
+        </p:style>
+      </p:cxnSp>
+      <p:grpSp>
+        <p:nvGrpSpPr>
+          <p:cNvPr id="127" name="Gruppieren 126"/>
+          <p:cNvGrpSpPr/>
+          <p:nvPr/>
+        </p:nvGrpSpPr>
+        <p:grpSpPr>
+          <a:xfrm>
+            <a:off x="755576" y="1777744"/>
+            <a:ext cx="360040" cy="818939"/>
+            <a:chOff x="683568" y="1844824"/>
+            <a:chExt cx="720080" cy="1728192"/>
+          </a:xfrm>
+        </p:grpSpPr>
+        <p:sp>
+          <p:nvSpPr>
+            <p:cNvPr id="128" name="Ellipse 127"/>
+            <p:cNvSpPr/>
+            <p:nvPr/>
+          </p:nvSpPr>
+          <p:spPr>
+            <a:xfrm>
+              <a:off x="827584" y="1844824"/>
+              <a:ext cx="432048" cy="432048"/>
+            </a:xfrm>
+            <a:prstGeom prst="ellipse">
+              <a:avLst/>
+            </a:prstGeom>
+            <a:ln>
+              <a:solidFill>
+                <a:schemeClr val="accent1">
+                  <a:lumMod val="40000"/>
+                  <a:lumOff val="60000"/>
+                </a:schemeClr>
+              </a:solidFill>
+            </a:ln>
+          </p:spPr>
+          <p:style>
+            <a:lnRef idx="2">
+              <a:schemeClr val="accent5"/>
+            </a:lnRef>
+            <a:fillRef idx="1">
+              <a:schemeClr val="lt1"/>
+            </a:fillRef>
+            <a:effectRef idx="0">
+              <a:schemeClr val="accent5"/>
+            </a:effectRef>
+            <a:fontRef idx="minor">
+              <a:schemeClr val="dk1"/>
+            </a:fontRef>
+          </p:style>
+          <p:txBody>
+            <a:bodyPr rtlCol="0" anchor="ctr"/>
+            <a:lstStyle/>
+            <a:p>
+              <a:pPr algn="ctr"/>
+              <a:endParaRPr lang="en-GB"/>
+            </a:p>
+          </p:txBody>
+        </p:sp>
+        <p:cxnSp>
+          <p:nvCxnSpPr>
+            <p:cNvPr id="129" name="Gerade Verbindung 128"/>
+            <p:cNvCxnSpPr>
+              <a:stCxn id="128" idx="4"/>
+            </p:cNvCxnSpPr>
+            <p:nvPr/>
+          </p:nvCxnSpPr>
+          <p:spPr>
+            <a:xfrm>
+              <a:off x="1043608" y="2276872"/>
+              <a:ext cx="0" cy="648072"/>
+            </a:xfrm>
+            <a:prstGeom prst="line">
+              <a:avLst/>
+            </a:prstGeom>
+            <a:ln>
+              <a:solidFill>
+                <a:schemeClr val="accent1">
+                  <a:lumMod val="40000"/>
+                  <a:lumOff val="60000"/>
+                </a:schemeClr>
+              </a:solidFill>
+            </a:ln>
+          </p:spPr>
+          <p:style>
+            <a:lnRef idx="2">
+              <a:schemeClr val="accent5"/>
+            </a:lnRef>
+            <a:fillRef idx="1">
+              <a:schemeClr val="lt1"/>
+            </a:fillRef>
+            <a:effectRef idx="0">
+              <a:schemeClr val="accent5"/>
+            </a:effectRef>
+            <a:fontRef idx="minor">
+              <a:schemeClr val="dk1"/>
+            </a:fontRef>
+          </p:style>
+        </p:cxnSp>
+        <p:cxnSp>
+          <p:nvCxnSpPr>
+            <p:cNvPr id="130" name="Gerade Verbindung 129"/>
+            <p:cNvCxnSpPr/>
+            <p:nvPr/>
+          </p:nvCxnSpPr>
+          <p:spPr>
+            <a:xfrm>
+              <a:off x="683568" y="2420888"/>
+              <a:ext cx="720080" cy="0"/>
+            </a:xfrm>
+            <a:prstGeom prst="line">
+              <a:avLst/>
+            </a:prstGeom>
+            <a:ln>
+              <a:solidFill>
+                <a:schemeClr val="accent1">
+                  <a:lumMod val="40000"/>
+                  <a:lumOff val="60000"/>
+                </a:schemeClr>
+              </a:solidFill>
+            </a:ln>
+          </p:spPr>
+          <p:style>
+            <a:lnRef idx="2">
+              <a:schemeClr val="accent5"/>
+            </a:lnRef>
+            <a:fillRef idx="1">
+              <a:schemeClr val="lt1"/>
+            </a:fillRef>
+            <a:effectRef idx="0">
+              <a:schemeClr val="accent5"/>
+            </a:effectRef>
+            <a:fontRef idx="minor">
+              <a:schemeClr val="dk1"/>
+            </a:fontRef>
+          </p:style>
+        </p:cxnSp>
+        <p:cxnSp>
+          <p:nvCxnSpPr>
+            <p:cNvPr id="131" name="Gerade Verbindung 130"/>
+            <p:cNvCxnSpPr/>
+            <p:nvPr/>
+          </p:nvCxnSpPr>
+          <p:spPr>
+            <a:xfrm flipV="1">
+              <a:off x="683568" y="2924944"/>
+              <a:ext cx="360040" cy="648072"/>
+            </a:xfrm>
+            <a:prstGeom prst="line">
+              <a:avLst/>
+            </a:prstGeom>
+            <a:ln>
+              <a:solidFill>
+                <a:schemeClr val="accent1">
+                  <a:lumMod val="40000"/>
+                  <a:lumOff val="60000"/>
+                </a:schemeClr>
+              </a:solidFill>
+            </a:ln>
+          </p:spPr>
+          <p:style>
+            <a:lnRef idx="2">
+              <a:schemeClr val="accent5"/>
+            </a:lnRef>
+            <a:fillRef idx="1">
+              <a:schemeClr val="lt1"/>
+            </a:fillRef>
+            <a:effectRef idx="0">
+              <a:schemeClr val="accent5"/>
+            </a:effectRef>
+            <a:fontRef idx="minor">
+              <a:schemeClr val="dk1"/>
+            </a:fontRef>
+          </p:style>
+        </p:cxnSp>
+        <p:cxnSp>
+          <p:nvCxnSpPr>
+            <p:cNvPr id="132" name="Gerade Verbindung 131"/>
+            <p:cNvCxnSpPr/>
+            <p:nvPr/>
+          </p:nvCxnSpPr>
+          <p:spPr>
+            <a:xfrm flipH="1" flipV="1">
+              <a:off x="1043608" y="2924944"/>
+              <a:ext cx="360040" cy="648072"/>
+            </a:xfrm>
+            <a:prstGeom prst="line">
+              <a:avLst/>
+            </a:prstGeom>
+            <a:ln>
+              <a:solidFill>
+                <a:schemeClr val="accent1">
+                  <a:lumMod val="40000"/>
+                  <a:lumOff val="60000"/>
+                </a:schemeClr>
+              </a:solidFill>
+            </a:ln>
+          </p:spPr>
+          <p:style>
+            <a:lnRef idx="2">
+              <a:schemeClr val="accent5"/>
+            </a:lnRef>
+            <a:fillRef idx="1">
+              <a:schemeClr val="lt1"/>
+            </a:fillRef>
+            <a:effectRef idx="0">
+              <a:schemeClr val="accent5"/>
+            </a:effectRef>
+            <a:fontRef idx="minor">
+              <a:schemeClr val="dk1"/>
+            </a:fontRef>
+          </p:style>
+        </p:cxnSp>
+      </p:grpSp>
+      <p:cxnSp>
+        <p:nvCxnSpPr>
+          <p:cNvPr id="133" name="Gerade Verbindung mit Pfeil 132"/>
+          <p:cNvCxnSpPr>
+            <a:endCxn id="135" idx="1"/>
+          </p:cNvCxnSpPr>
+          <p:nvPr/>
+        </p:nvCxnSpPr>
+        <p:spPr>
+          <a:xfrm>
+            <a:off x="1331640" y="2204144"/>
+            <a:ext cx="1074892" cy="0"/>
+          </a:xfrm>
+          <a:prstGeom prst="straightConnector1">
+            <a:avLst/>
+          </a:prstGeom>
+          <a:ln w="38100">
+            <a:solidFill>
+              <a:schemeClr val="accent1">
+                <a:lumMod val="20000"/>
+                <a:lumOff val="80000"/>
+              </a:schemeClr>
+            </a:solidFill>
+            <a:tailEnd type="arrow"/>
+          </a:ln>
+        </p:spPr>
+        <p:style>
+          <a:lnRef idx="1">
+            <a:schemeClr val="accent1"/>
+          </a:lnRef>
+          <a:fillRef idx="0">
+            <a:schemeClr val="accent1"/>
+          </a:fillRef>
+          <a:effectRef idx="0">
+            <a:schemeClr val="accent1"/>
+          </a:effectRef>
+          <a:fontRef idx="minor">
+            <a:schemeClr val="tx1"/>
+          </a:fontRef>
+        </p:style>
+      </p:cxnSp>
+      <p:sp>
+        <p:nvSpPr>
+          <p:cNvPr id="135" name="Rechteck 134"/>
+          <p:cNvSpPr/>
+          <p:nvPr/>
+        </p:nvSpPr>
+        <p:spPr>
+          <a:xfrm>
+            <a:off x="2406532" y="1717737"/>
+            <a:ext cx="1440160" cy="972813"/>
+          </a:xfrm>
+          <a:prstGeom prst="rect">
+            <a:avLst/>
+          </a:prstGeom>
+          <a:solidFill>
+            <a:schemeClr val="accent1">
+              <a:lumMod val="40000"/>
+              <a:lumOff val="60000"/>
+            </a:schemeClr>
+          </a:solidFill>
+          <a:ln>
+            <a:solidFill>
+              <a:schemeClr val="accent1">
+                <a:lumMod val="20000"/>
+                <a:lumOff val="80000"/>
+              </a:schemeClr>
+            </a:solidFill>
+          </a:ln>
+        </p:spPr>
+        <p:style>
+          <a:lnRef idx="2">
+            <a:schemeClr val="accent1">
+              <a:shade val="50000"/>
+            </a:schemeClr>
+          </a:lnRef>
+          <a:fillRef idx="1">
+            <a:schemeClr val="accent1"/>
+          </a:fillRef>
+          <a:effectRef idx="0">
+            <a:schemeClr val="accent1"/>
+          </a:effectRef>
+          <a:fontRef idx="minor">
+            <a:schemeClr val="lt1"/>
+          </a:fontRef>
+        </p:style>
+        <p:txBody>
+          <a:bodyPr rtlCol="0" anchor="ctr"/>
+          <a:lstStyle/>
+          <a:p>
+            <a:pPr algn="ctr"/>
+            <a:r>
+              <a:rPr lang="en-GB" dirty="0" smtClean="0"/>
+              <a:t>Java</a:t>
+            </a:r>
+            <a:r>
+              <a:rPr lang="en-GB" dirty="0" smtClean="0"/>
+              <a:t>-</a:t>
+            </a:r>
+            <a:br>
+              <a:rPr lang="en-GB" dirty="0" smtClean="0"/>
+            </a:br>
+            <a:r>
+              <a:rPr lang="en-GB" dirty="0" smtClean="0"/>
+              <a:t>Program</a:t>
+            </a:r>
+          </a:p>
+          <a:p>
+            <a:pPr algn="ctr"/>
+            <a:r>
+              <a:rPr lang="en-GB" dirty="0" smtClean="0"/>
+              <a:t>(jar)</a:t>
+            </a:r>
+            <a:endParaRPr lang="en-GB" dirty="0" smtClean="0"/>
+          </a:p>
+        </p:txBody>
+      </p:sp>
+      <p:cxnSp>
+        <p:nvCxnSpPr>
+          <p:cNvPr id="138" name="Gerade Verbindung mit Pfeil 137"/>
+          <p:cNvCxnSpPr>
+            <a:stCxn id="135" idx="3"/>
+            <a:endCxn id="114" idx="1"/>
+          </p:cNvCxnSpPr>
+          <p:nvPr/>
+        </p:nvCxnSpPr>
+        <p:spPr>
+          <a:xfrm>
+            <a:off x="3846692" y="2204144"/>
+            <a:ext cx="694197" cy="0"/>
+          </a:xfrm>
+          <a:prstGeom prst="straightConnector1">
+            <a:avLst/>
+          </a:prstGeom>
+          <a:ln w="38100">
+            <a:solidFill>
+              <a:schemeClr val="accent1">
+                <a:lumMod val="20000"/>
+                <a:lumOff val="80000"/>
+              </a:schemeClr>
+            </a:solidFill>
+            <a:tailEnd type="arrow"/>
+          </a:ln>
+        </p:spPr>
+        <p:style>
+          <a:lnRef idx="1">
+            <a:schemeClr val="accent1"/>
+          </a:lnRef>
+          <a:fillRef idx="0">
+            <a:schemeClr val="accent1"/>
+          </a:fillRef>
+          <a:effectRef idx="0">
+            <a:schemeClr val="accent1"/>
+          </a:effectRef>
+          <a:fontRef idx="minor">
+            <a:schemeClr val="tx1"/>
+          </a:fontRef>
+        </p:style>
+      </p:cxnSp>
+    </p:spTree>
+    <p:extLst>
+      <p:ext uri="{BB962C8B-B14F-4D97-AF65-F5344CB8AC3E}">
+        <p14:creationId xmlns:p14="http://schemas.microsoft.com/office/powerpoint/2010/main" val="3070223440"/>
+      </p:ext>
+    </p:extLst>
+  </p:cSld>
+  <p:clrMapOvr>
+    <a:masterClrMapping/>
+  </p:clrMapOvr>
+</p:sld>
+</file>
+
+<file path=ppt/slides/slide4.xml><?xml version="1.0" encoding="utf-8"?>
+<p:sld xmlns:a="http://schemas.openxmlformats.org/drawingml/2006/main" xmlns:r="http://schemas.openxmlformats.org/officeDocument/2006/relationships" xmlns:p="http://schemas.openxmlformats.org/presentationml/2006/main">
+  <p:cSld>
+    <p:spTree>
+      <p:nvGrpSpPr>
+        <p:cNvPr id="1" name=""/>
+        <p:cNvGrpSpPr/>
+        <p:nvPr/>
+      </p:nvGrpSpPr>
+      <p:grpSpPr>
+        <a:xfrm>
+          <a:off x="0" y="0"/>
+          <a:ext cx="0" cy="0"/>
+          <a:chOff x="0" y="0"/>
+          <a:chExt cx="0" cy="0"/>
+        </a:xfrm>
+      </p:grpSpPr>
+      <p:sp>
+        <p:nvSpPr>
+          <p:cNvPr id="2" name="Titel 1"/>
+          <p:cNvSpPr>
+            <a:spLocks noGrp="1"/>
+          </p:cNvSpPr>
+          <p:nvPr>
+            <p:ph type="title"/>
+          </p:nvPr>
+        </p:nvSpPr>
+        <p:spPr/>
+        <p:txBody>
+          <a:bodyPr/>
+          <a:lstStyle/>
+          <a:p>
+            <a:r>
+              <a:rPr lang="en-GB" dirty="0" smtClean="0"/>
+              <a:t>Use Case 2a, 2b</a:t>
+            </a:r>
+            <a:endParaRPr lang="en-GB" dirty="0"/>
+          </a:p>
+        </p:txBody>
+      </p:sp>
+      <p:sp>
+        <p:nvSpPr>
+          <p:cNvPr id="4" name="Rechteck 3"/>
+          <p:cNvSpPr/>
+          <p:nvPr/>
+        </p:nvSpPr>
+        <p:spPr>
+          <a:xfrm>
+            <a:off x="4521696" y="3145229"/>
+            <a:ext cx="1440160" cy="972813"/>
+          </a:xfrm>
+          <a:prstGeom prst="rect">
+            <a:avLst/>
+          </a:prstGeom>
+        </p:spPr>
+        <p:style>
+          <a:lnRef idx="2">
+            <a:schemeClr val="accent1">
+              <a:shade val="50000"/>
+            </a:schemeClr>
+          </a:lnRef>
+          <a:fillRef idx="1">
+            <a:schemeClr val="accent1"/>
+          </a:fillRef>
+          <a:effectRef idx="0">
+            <a:schemeClr val="accent1"/>
+          </a:effectRef>
+          <a:fontRef idx="minor">
+            <a:schemeClr val="lt1"/>
+          </a:fontRef>
+        </p:style>
+        <p:txBody>
+          <a:bodyPr rtlCol="0" anchor="ctr"/>
+          <a:lstStyle/>
+          <a:p>
+            <a:pPr algn="ctr"/>
+            <a:r>
+              <a:rPr lang="en-GB" dirty="0" smtClean="0"/>
+              <a:t>C-</a:t>
+            </a:r>
+            <a:br>
+              <a:rPr lang="en-GB" dirty="0" smtClean="0"/>
+            </a:br>
+            <a:r>
+              <a:rPr lang="en-GB" dirty="0" smtClean="0"/>
+              <a:t>Extension</a:t>
+            </a:r>
+          </a:p>
+          <a:p>
+            <a:pPr algn="ctr"/>
+            <a:r>
+              <a:rPr lang="en-GB" dirty="0" smtClean="0"/>
+              <a:t>(</a:t>
+            </a:r>
+            <a:r>
+              <a:rPr lang="en-GB" dirty="0" err="1" smtClean="0"/>
+              <a:t>dll</a:t>
+            </a:r>
+            <a:r>
+              <a:rPr lang="en-GB" dirty="0" smtClean="0"/>
+              <a:t>)</a:t>
+            </a:r>
+            <a:endParaRPr lang="en-GB" dirty="0" smtClean="0"/>
+          </a:p>
+        </p:txBody>
+      </p:sp>
+      <p:grpSp>
+        <p:nvGrpSpPr>
+          <p:cNvPr id="5" name="Gruppieren 4"/>
+          <p:cNvGrpSpPr/>
+          <p:nvPr/>
+        </p:nvGrpSpPr>
+        <p:grpSpPr>
+          <a:xfrm>
+            <a:off x="7380312" y="3212426"/>
+            <a:ext cx="360040" cy="818939"/>
+            <a:chOff x="683568" y="1844824"/>
+            <a:chExt cx="720080" cy="1728192"/>
+          </a:xfrm>
+        </p:grpSpPr>
+        <p:sp>
+          <p:nvSpPr>
+            <p:cNvPr id="6" name="Ellipse 5"/>
+            <p:cNvSpPr/>
+            <p:nvPr/>
+          </p:nvSpPr>
+          <p:spPr>
+            <a:xfrm>
+              <a:off x="827584" y="1844824"/>
+              <a:ext cx="432048" cy="432048"/>
+            </a:xfrm>
+            <a:prstGeom prst="ellipse">
+              <a:avLst/>
+            </a:prstGeom>
+          </p:spPr>
+          <p:style>
+            <a:lnRef idx="2">
+              <a:schemeClr val="accent5"/>
+            </a:lnRef>
+            <a:fillRef idx="1">
+              <a:schemeClr val="lt1"/>
+            </a:fillRef>
+            <a:effectRef idx="0">
+              <a:schemeClr val="accent5"/>
+            </a:effectRef>
+            <a:fontRef idx="minor">
+              <a:schemeClr val="dk1"/>
+            </a:fontRef>
+          </p:style>
+          <p:txBody>
+            <a:bodyPr rtlCol="0" anchor="ctr"/>
+            <a:lstStyle/>
+            <a:p>
+              <a:pPr algn="ctr"/>
+              <a:endParaRPr lang="en-GB"/>
+            </a:p>
+          </p:txBody>
+        </p:sp>
+        <p:cxnSp>
+          <p:nvCxnSpPr>
+            <p:cNvPr id="7" name="Gerade Verbindung 6"/>
+            <p:cNvCxnSpPr>
+              <a:stCxn id="6" idx="4"/>
+            </p:cNvCxnSpPr>
+            <p:nvPr/>
+          </p:nvCxnSpPr>
+          <p:spPr>
+            <a:xfrm>
+              <a:off x="1043608" y="2276872"/>
+              <a:ext cx="0" cy="648072"/>
+            </a:xfrm>
+            <a:prstGeom prst="line">
+              <a:avLst/>
+            </a:prstGeom>
+            <a:ln/>
+          </p:spPr>
+          <p:style>
+            <a:lnRef idx="2">
+              <a:schemeClr val="accent5"/>
+            </a:lnRef>
+            <a:fillRef idx="1">
+              <a:schemeClr val="lt1"/>
+            </a:fillRef>
+            <a:effectRef idx="0">
+              <a:schemeClr val="accent5"/>
+            </a:effectRef>
+            <a:fontRef idx="minor">
+              <a:schemeClr val="dk1"/>
+            </a:fontRef>
+          </p:style>
+        </p:cxnSp>
+        <p:cxnSp>
+          <p:nvCxnSpPr>
+            <p:cNvPr id="8" name="Gerade Verbindung 7"/>
+            <p:cNvCxnSpPr/>
+            <p:nvPr/>
+          </p:nvCxnSpPr>
+          <p:spPr>
+            <a:xfrm>
+              <a:off x="683568" y="2420888"/>
+              <a:ext cx="720080" cy="0"/>
+            </a:xfrm>
+            <a:prstGeom prst="line">
+              <a:avLst/>
+            </a:prstGeom>
+            <a:ln/>
+          </p:spPr>
+          <p:style>
+            <a:lnRef idx="2">
+              <a:schemeClr val="accent5"/>
+            </a:lnRef>
+            <a:fillRef idx="1">
+              <a:schemeClr val="lt1"/>
+            </a:fillRef>
+            <a:effectRef idx="0">
+              <a:schemeClr val="accent5"/>
+            </a:effectRef>
+            <a:fontRef idx="minor">
+              <a:schemeClr val="dk1"/>
+            </a:fontRef>
+          </p:style>
+        </p:cxnSp>
+        <p:cxnSp>
+          <p:nvCxnSpPr>
+            <p:cNvPr id="9" name="Gerade Verbindung 8"/>
+            <p:cNvCxnSpPr/>
+            <p:nvPr/>
+          </p:nvCxnSpPr>
+          <p:spPr>
+            <a:xfrm flipV="1">
+              <a:off x="683568" y="2924944"/>
+              <a:ext cx="360040" cy="648072"/>
+            </a:xfrm>
+            <a:prstGeom prst="line">
+              <a:avLst/>
+            </a:prstGeom>
+            <a:ln/>
+          </p:spPr>
+          <p:style>
+            <a:lnRef idx="2">
+              <a:schemeClr val="accent5"/>
+            </a:lnRef>
+            <a:fillRef idx="1">
+              <a:schemeClr val="lt1"/>
+            </a:fillRef>
+            <a:effectRef idx="0">
+              <a:schemeClr val="accent5"/>
+            </a:effectRef>
+            <a:fontRef idx="minor">
+              <a:schemeClr val="dk1"/>
+            </a:fontRef>
+          </p:style>
+        </p:cxnSp>
+        <p:cxnSp>
+          <p:nvCxnSpPr>
+            <p:cNvPr id="10" name="Gerade Verbindung 9"/>
+            <p:cNvCxnSpPr/>
+            <p:nvPr/>
+          </p:nvCxnSpPr>
+          <p:spPr>
+            <a:xfrm flipH="1" flipV="1">
+              <a:off x="1043608" y="2924944"/>
+              <a:ext cx="360040" cy="648072"/>
+            </a:xfrm>
+            <a:prstGeom prst="line">
+              <a:avLst/>
+            </a:prstGeom>
+            <a:ln/>
+          </p:spPr>
+          <p:style>
+            <a:lnRef idx="2">
+              <a:schemeClr val="accent5"/>
+            </a:lnRef>
+            <a:fillRef idx="1">
+              <a:schemeClr val="lt1"/>
+            </a:fillRef>
+            <a:effectRef idx="0">
+              <a:schemeClr val="accent5"/>
+            </a:effectRef>
+            <a:fontRef idx="minor">
+              <a:schemeClr val="dk1"/>
+            </a:fontRef>
+          </p:style>
+        </p:cxnSp>
+      </p:grpSp>
+      <p:sp>
+        <p:nvSpPr>
+          <p:cNvPr id="13" name="Rechteck 12"/>
+          <p:cNvSpPr/>
+          <p:nvPr/>
+        </p:nvSpPr>
+        <p:spPr>
+          <a:xfrm>
+            <a:off x="2402353" y="3145229"/>
+            <a:ext cx="1440160" cy="972813"/>
+          </a:xfrm>
+          <a:prstGeom prst="rect">
+            <a:avLst/>
+          </a:prstGeom>
+        </p:spPr>
+        <p:style>
+          <a:lnRef idx="2">
+            <a:schemeClr val="accent1">
+              <a:shade val="50000"/>
+            </a:schemeClr>
+          </a:lnRef>
+          <a:fillRef idx="1">
+            <a:schemeClr val="accent1"/>
+          </a:fillRef>
+          <a:effectRef idx="0">
+            <a:schemeClr val="accent1"/>
+          </a:effectRef>
+          <a:fontRef idx="minor">
+            <a:schemeClr val="lt1"/>
+          </a:fontRef>
+        </p:style>
+        <p:txBody>
+          <a:bodyPr rtlCol="0" anchor="ctr"/>
+          <a:lstStyle/>
+          <a:p>
+            <a:pPr algn="ctr"/>
+            <a:r>
+              <a:rPr lang="en-GB" dirty="0" smtClean="0"/>
+              <a:t>BEAM</a:t>
+            </a:r>
+            <a:br>
+              <a:rPr lang="en-GB" dirty="0" smtClean="0"/>
+            </a:br>
+            <a:r>
+              <a:rPr lang="en-GB" dirty="0" smtClean="0"/>
+              <a:t>C-API</a:t>
+            </a:r>
+          </a:p>
+          <a:p>
+            <a:pPr algn="ctr"/>
+            <a:r>
+              <a:rPr lang="en-GB" dirty="0" smtClean="0"/>
+              <a:t>(</a:t>
+            </a:r>
+            <a:r>
+              <a:rPr lang="en-GB" dirty="0" err="1" smtClean="0"/>
+              <a:t>dll</a:t>
+            </a:r>
+            <a:r>
+              <a:rPr lang="en-GB" dirty="0" smtClean="0"/>
+              <a:t>)</a:t>
+            </a:r>
+            <a:endParaRPr lang="en-GB" dirty="0" smtClean="0"/>
+          </a:p>
+        </p:txBody>
+      </p:sp>
+      <p:sp>
+        <p:nvSpPr>
+          <p:cNvPr id="18" name="Rechteck 17"/>
+          <p:cNvSpPr/>
+          <p:nvPr/>
+        </p:nvSpPr>
+        <p:spPr>
+          <a:xfrm>
+            <a:off x="2402353" y="1702446"/>
+            <a:ext cx="1440160" cy="972813"/>
+          </a:xfrm>
+          <a:prstGeom prst="rect">
+            <a:avLst/>
+          </a:prstGeom>
+        </p:spPr>
+        <p:style>
+          <a:lnRef idx="2">
+            <a:schemeClr val="accent1">
+              <a:shade val="50000"/>
+            </a:schemeClr>
+          </a:lnRef>
+          <a:fillRef idx="1">
+            <a:schemeClr val="accent1"/>
+          </a:fillRef>
+          <a:effectRef idx="0">
+            <a:schemeClr val="accent1"/>
+          </a:effectRef>
+          <a:fontRef idx="minor">
+            <a:schemeClr val="lt1"/>
+          </a:fontRef>
+        </p:style>
+        <p:txBody>
+          <a:bodyPr rtlCol="0" anchor="ctr"/>
+          <a:lstStyle/>
+          <a:p>
+            <a:pPr algn="ctr"/>
+            <a:r>
+              <a:rPr lang="en-GB" dirty="0" smtClean="0"/>
+              <a:t>BEAM Java API</a:t>
+            </a:r>
+          </a:p>
+          <a:p>
+            <a:pPr algn="ctr"/>
+            <a:r>
+              <a:rPr lang="en-GB" dirty="0" smtClean="0"/>
+              <a:t>(jar)</a:t>
+            </a:r>
+            <a:endParaRPr lang="en-GB" dirty="0" smtClean="0"/>
+          </a:p>
+        </p:txBody>
+      </p:sp>
+      <p:sp>
+        <p:nvSpPr>
+          <p:cNvPr id="24" name="Rechteck 23"/>
+          <p:cNvSpPr/>
+          <p:nvPr/>
+        </p:nvSpPr>
+        <p:spPr>
+          <a:xfrm>
+            <a:off x="4572000" y="4582766"/>
+            <a:ext cx="1440160" cy="972813"/>
+          </a:xfrm>
+          <a:prstGeom prst="rect">
+            <a:avLst/>
+          </a:prstGeom>
+        </p:spPr>
+        <p:style>
+          <a:lnRef idx="2">
+            <a:schemeClr val="accent1">
+              <a:shade val="50000"/>
+            </a:schemeClr>
+          </a:lnRef>
+          <a:fillRef idx="1">
+            <a:schemeClr val="accent1"/>
+          </a:fillRef>
+          <a:effectRef idx="0">
+            <a:schemeClr val="accent1"/>
+          </a:effectRef>
+          <a:fontRef idx="minor">
+            <a:schemeClr val="lt1"/>
+          </a:fontRef>
+        </p:style>
+        <p:txBody>
+          <a:bodyPr rtlCol="0" anchor="ctr"/>
+          <a:lstStyle/>
+          <a:p>
+            <a:pPr algn="ctr"/>
+            <a:r>
+              <a:rPr lang="en-GB" dirty="0" smtClean="0"/>
+              <a:t>Python-</a:t>
+            </a:r>
+          </a:p>
+          <a:p>
+            <a:pPr algn="ctr"/>
+            <a:r>
+              <a:rPr lang="en-GB" dirty="0" smtClean="0"/>
+              <a:t>Extension</a:t>
+            </a:r>
+          </a:p>
+          <a:p>
+            <a:pPr algn="ctr"/>
+            <a:r>
+              <a:rPr lang="en-GB" dirty="0" smtClean="0"/>
+              <a:t>(</a:t>
+            </a:r>
+            <a:r>
+              <a:rPr lang="en-GB" dirty="0" err="1" smtClean="0"/>
+              <a:t>py</a:t>
+            </a:r>
+            <a:r>
+              <a:rPr lang="en-GB" dirty="0"/>
+              <a:t>)</a:t>
+            </a:r>
+            <a:endParaRPr lang="en-GB" dirty="0" smtClean="0"/>
+          </a:p>
+        </p:txBody>
+      </p:sp>
+      <p:sp>
+        <p:nvSpPr>
+          <p:cNvPr id="32" name="Rechteck 31"/>
+          <p:cNvSpPr/>
+          <p:nvPr/>
+        </p:nvSpPr>
+        <p:spPr>
+          <a:xfrm>
+            <a:off x="2402353" y="4582766"/>
+            <a:ext cx="1440160" cy="972813"/>
+          </a:xfrm>
+          <a:prstGeom prst="rect">
+            <a:avLst/>
+          </a:prstGeom>
+        </p:spPr>
+        <p:style>
+          <a:lnRef idx="2">
+            <a:schemeClr val="accent1">
+              <a:shade val="50000"/>
+            </a:schemeClr>
+          </a:lnRef>
+          <a:fillRef idx="1">
+            <a:schemeClr val="accent1"/>
+          </a:fillRef>
+          <a:effectRef idx="0">
+            <a:schemeClr val="accent1"/>
+          </a:effectRef>
+          <a:fontRef idx="minor">
+            <a:schemeClr val="lt1"/>
+          </a:fontRef>
+        </p:style>
+        <p:txBody>
+          <a:bodyPr rtlCol="0" anchor="ctr"/>
+          <a:lstStyle/>
+          <a:p>
+            <a:pPr algn="ctr"/>
+            <a:r>
+              <a:rPr lang="en-GB" dirty="0" smtClean="0"/>
+              <a:t>BEAM</a:t>
+            </a:r>
+            <a:br>
+              <a:rPr lang="en-GB" dirty="0" smtClean="0"/>
+            </a:br>
+            <a:r>
+              <a:rPr lang="en-GB" dirty="0" smtClean="0"/>
+              <a:t>Python API</a:t>
+            </a:r>
+          </a:p>
+          <a:p>
+            <a:pPr algn="ctr"/>
+            <a:r>
+              <a:rPr lang="en-GB" dirty="0" smtClean="0"/>
+              <a:t>(</a:t>
+            </a:r>
+            <a:r>
+              <a:rPr lang="en-GB" dirty="0" err="1" smtClean="0"/>
+              <a:t>pyd</a:t>
+            </a:r>
+            <a:r>
+              <a:rPr lang="en-GB" dirty="0" smtClean="0"/>
+              <a:t>)</a:t>
+            </a:r>
+            <a:endParaRPr lang="en-GB" dirty="0"/>
+          </a:p>
+        </p:txBody>
+      </p:sp>
+      <p:grpSp>
+        <p:nvGrpSpPr>
+          <p:cNvPr id="34" name="Gruppieren 33"/>
+          <p:cNvGrpSpPr/>
+          <p:nvPr/>
+        </p:nvGrpSpPr>
+        <p:grpSpPr>
+          <a:xfrm>
+            <a:off x="7334690" y="1786950"/>
+            <a:ext cx="360040" cy="818939"/>
+            <a:chOff x="683568" y="1844824"/>
+            <a:chExt cx="720080" cy="1728192"/>
+          </a:xfrm>
+        </p:grpSpPr>
+        <p:sp>
+          <p:nvSpPr>
+            <p:cNvPr id="35" name="Ellipse 34"/>
+            <p:cNvSpPr/>
+            <p:nvPr/>
+          </p:nvSpPr>
+          <p:spPr>
+            <a:xfrm>
+              <a:off x="827584" y="1844824"/>
+              <a:ext cx="432048" cy="432048"/>
+            </a:xfrm>
+            <a:prstGeom prst="ellipse">
+              <a:avLst/>
+            </a:prstGeom>
+            <a:ln>
+              <a:solidFill>
+                <a:schemeClr val="accent1">
+                  <a:lumMod val="60000"/>
+                  <a:lumOff val="40000"/>
+                </a:schemeClr>
+              </a:solidFill>
+            </a:ln>
+          </p:spPr>
+          <p:style>
+            <a:lnRef idx="2">
+              <a:schemeClr val="accent5"/>
+            </a:lnRef>
+            <a:fillRef idx="1">
+              <a:schemeClr val="lt1"/>
+            </a:fillRef>
+            <a:effectRef idx="0">
+              <a:schemeClr val="accent5"/>
+            </a:effectRef>
+            <a:fontRef idx="minor">
+              <a:schemeClr val="dk1"/>
+            </a:fontRef>
+          </p:style>
+          <p:txBody>
+            <a:bodyPr rtlCol="0" anchor="ctr"/>
+            <a:lstStyle/>
+            <a:p>
+              <a:pPr algn="ctr"/>
+              <a:endParaRPr lang="en-GB"/>
+            </a:p>
+          </p:txBody>
+        </p:sp>
+        <p:cxnSp>
+          <p:nvCxnSpPr>
+            <p:cNvPr id="36" name="Gerade Verbindung 35"/>
+            <p:cNvCxnSpPr>
+              <a:stCxn id="35" idx="4"/>
+            </p:cNvCxnSpPr>
+            <p:nvPr/>
+          </p:nvCxnSpPr>
+          <p:spPr>
+            <a:xfrm>
+              <a:off x="1043608" y="2276872"/>
+              <a:ext cx="0" cy="648072"/>
+            </a:xfrm>
+            <a:prstGeom prst="line">
+              <a:avLst/>
+            </a:prstGeom>
+            <a:ln>
+              <a:solidFill>
+                <a:schemeClr val="accent1">
+                  <a:lumMod val="60000"/>
+                  <a:lumOff val="40000"/>
+                </a:schemeClr>
+              </a:solidFill>
+            </a:ln>
+          </p:spPr>
+          <p:style>
+            <a:lnRef idx="2">
+              <a:schemeClr val="accent5"/>
+            </a:lnRef>
+            <a:fillRef idx="1">
+              <a:schemeClr val="lt1"/>
+            </a:fillRef>
+            <a:effectRef idx="0">
+              <a:schemeClr val="accent5"/>
+            </a:effectRef>
+            <a:fontRef idx="minor">
+              <a:schemeClr val="dk1"/>
+            </a:fontRef>
+          </p:style>
+        </p:cxnSp>
+        <p:cxnSp>
+          <p:nvCxnSpPr>
+            <p:cNvPr id="37" name="Gerade Verbindung 36"/>
+            <p:cNvCxnSpPr/>
+            <p:nvPr/>
+          </p:nvCxnSpPr>
+          <p:spPr>
+            <a:xfrm>
+              <a:off x="683568" y="2420888"/>
+              <a:ext cx="720080" cy="0"/>
+            </a:xfrm>
+            <a:prstGeom prst="line">
+              <a:avLst/>
+            </a:prstGeom>
+            <a:ln>
+              <a:solidFill>
+                <a:schemeClr val="accent1">
+                  <a:lumMod val="60000"/>
+                  <a:lumOff val="40000"/>
+                </a:schemeClr>
+              </a:solidFill>
+            </a:ln>
+          </p:spPr>
+          <p:style>
+            <a:lnRef idx="2">
+              <a:schemeClr val="accent5"/>
+            </a:lnRef>
+            <a:fillRef idx="1">
+              <a:schemeClr val="lt1"/>
+            </a:fillRef>
+            <a:effectRef idx="0">
+              <a:schemeClr val="accent5"/>
+            </a:effectRef>
+            <a:fontRef idx="minor">
+              <a:schemeClr val="dk1"/>
+            </a:fontRef>
+          </p:style>
+        </p:cxnSp>
+        <p:cxnSp>
+          <p:nvCxnSpPr>
+            <p:cNvPr id="38" name="Gerade Verbindung 37"/>
+            <p:cNvCxnSpPr/>
+            <p:nvPr/>
+          </p:nvCxnSpPr>
+          <p:spPr>
+            <a:xfrm flipV="1">
+              <a:off x="683568" y="2924944"/>
+              <a:ext cx="360040" cy="648072"/>
+            </a:xfrm>
+            <a:prstGeom prst="line">
+              <a:avLst/>
+            </a:prstGeom>
+            <a:ln>
+              <a:solidFill>
+                <a:schemeClr val="accent1">
+                  <a:lumMod val="60000"/>
+                  <a:lumOff val="40000"/>
+                </a:schemeClr>
+              </a:solidFill>
+            </a:ln>
+          </p:spPr>
+          <p:style>
+            <a:lnRef idx="2">
+              <a:schemeClr val="accent5"/>
+            </a:lnRef>
+            <a:fillRef idx="1">
+              <a:schemeClr val="lt1"/>
+            </a:fillRef>
+            <a:effectRef idx="0">
+              <a:schemeClr val="accent5"/>
+            </a:effectRef>
+            <a:fontRef idx="minor">
+              <a:schemeClr val="dk1"/>
+            </a:fontRef>
+          </p:style>
+        </p:cxnSp>
+        <p:cxnSp>
+          <p:nvCxnSpPr>
+            <p:cNvPr id="39" name="Gerade Verbindung 38"/>
+            <p:cNvCxnSpPr/>
+            <p:nvPr/>
+          </p:nvCxnSpPr>
+          <p:spPr>
+            <a:xfrm flipH="1" flipV="1">
+              <a:off x="1043608" y="2924944"/>
+              <a:ext cx="360040" cy="648072"/>
+            </a:xfrm>
+            <a:prstGeom prst="line">
+              <a:avLst/>
+            </a:prstGeom>
+            <a:ln>
+              <a:solidFill>
+                <a:schemeClr val="accent1">
+                  <a:lumMod val="60000"/>
+                  <a:lumOff val="40000"/>
+                </a:schemeClr>
+              </a:solidFill>
+            </a:ln>
+          </p:spPr>
+          <p:style>
+            <a:lnRef idx="2">
+              <a:schemeClr val="accent5"/>
+            </a:lnRef>
+            <a:fillRef idx="1">
+              <a:schemeClr val="lt1"/>
+            </a:fillRef>
+            <a:effectRef idx="0">
+              <a:schemeClr val="accent5"/>
+            </a:effectRef>
+            <a:fontRef idx="minor">
+              <a:schemeClr val="dk1"/>
+            </a:fontRef>
+          </p:style>
+        </p:cxnSp>
+      </p:grpSp>
+      <p:cxnSp>
+        <p:nvCxnSpPr>
+          <p:cNvPr id="66" name="Gerade Verbindung mit Pfeil 65"/>
+          <p:cNvCxnSpPr/>
+          <p:nvPr/>
+        </p:nvCxnSpPr>
+        <p:spPr>
+          <a:xfrm flipV="1">
+            <a:off x="2699792" y="2675259"/>
+            <a:ext cx="0" cy="469970"/>
+          </a:xfrm>
+          <a:prstGeom prst="straightConnector1">
+            <a:avLst/>
+          </a:prstGeom>
+          <a:ln w="38100">
+            <a:tailEnd type="arrow"/>
+          </a:ln>
+        </p:spPr>
+        <p:style>
+          <a:lnRef idx="1">
+            <a:schemeClr val="accent1"/>
+          </a:lnRef>
+          <a:fillRef idx="0">
+            <a:schemeClr val="accent1"/>
+          </a:fillRef>
+          <a:effectRef idx="0">
+            <a:schemeClr val="accent1"/>
+          </a:effectRef>
+          <a:fontRef idx="minor">
+            <a:schemeClr val="tx1"/>
+          </a:fontRef>
+        </p:style>
+      </p:cxnSp>
+      <p:cxnSp>
+        <p:nvCxnSpPr>
+          <p:cNvPr id="69" name="Gerade Verbindung mit Pfeil 68"/>
+          <p:cNvCxnSpPr/>
+          <p:nvPr/>
+        </p:nvCxnSpPr>
+        <p:spPr>
+          <a:xfrm flipV="1">
+            <a:off x="2718168" y="4112796"/>
+            <a:ext cx="0" cy="469970"/>
+          </a:xfrm>
+          <a:prstGeom prst="straightConnector1">
+            <a:avLst/>
+          </a:prstGeom>
+          <a:ln w="38100">
+            <a:tailEnd type="arrow"/>
+          </a:ln>
+        </p:spPr>
+        <p:style>
+          <a:lnRef idx="1">
+            <a:schemeClr val="accent1"/>
+          </a:lnRef>
+          <a:fillRef idx="0">
+            <a:schemeClr val="accent1"/>
+          </a:fillRef>
+          <a:effectRef idx="0">
+            <a:schemeClr val="accent1"/>
+          </a:effectRef>
+          <a:fontRef idx="minor">
+            <a:schemeClr val="tx1"/>
+          </a:fontRef>
+        </p:style>
+      </p:cxnSp>
+      <p:cxnSp>
+        <p:nvCxnSpPr>
+          <p:cNvPr id="70" name="Gerade Verbindung mit Pfeil 69"/>
+          <p:cNvCxnSpPr/>
+          <p:nvPr/>
+        </p:nvCxnSpPr>
+        <p:spPr>
+          <a:xfrm>
+            <a:off x="3491880" y="4118042"/>
+            <a:ext cx="0" cy="464724"/>
+          </a:xfrm>
+          <a:prstGeom prst="straightConnector1">
+            <a:avLst/>
+          </a:prstGeom>
+          <a:ln w="38100">
+            <a:tailEnd type="arrow"/>
+          </a:ln>
+        </p:spPr>
+        <p:style>
+          <a:lnRef idx="1">
+            <a:schemeClr val="accent1"/>
+          </a:lnRef>
+          <a:fillRef idx="0">
+            <a:schemeClr val="accent1"/>
+          </a:fillRef>
+          <a:effectRef idx="0">
+            <a:schemeClr val="accent1"/>
+          </a:effectRef>
+          <a:fontRef idx="minor">
+            <a:schemeClr val="tx1"/>
+          </a:fontRef>
+        </p:style>
+      </p:cxnSp>
+      <p:cxnSp>
+        <p:nvCxnSpPr>
+          <p:cNvPr id="74" name="Gerade Verbindung mit Pfeil 73"/>
+          <p:cNvCxnSpPr/>
+          <p:nvPr/>
+        </p:nvCxnSpPr>
+        <p:spPr>
+          <a:xfrm>
+            <a:off x="3486798" y="2682827"/>
+            <a:ext cx="0" cy="464724"/>
+          </a:xfrm>
+          <a:prstGeom prst="straightConnector1">
+            <a:avLst/>
+          </a:prstGeom>
+          <a:ln w="38100">
+            <a:tailEnd type="arrow"/>
+          </a:ln>
+        </p:spPr>
+        <p:style>
+          <a:lnRef idx="1">
+            <a:schemeClr val="accent1"/>
+          </a:lnRef>
+          <a:fillRef idx="0">
+            <a:schemeClr val="accent1"/>
+          </a:fillRef>
+          <a:effectRef idx="0">
+            <a:schemeClr val="accent1"/>
+          </a:effectRef>
+          <a:fontRef idx="minor">
+            <a:schemeClr val="tx1"/>
+          </a:fontRef>
+        </p:style>
+      </p:cxnSp>
+      <p:cxnSp>
+        <p:nvCxnSpPr>
+          <p:cNvPr id="75" name="Gerade Verbindung mit Pfeil 74"/>
+          <p:cNvCxnSpPr/>
+          <p:nvPr/>
+        </p:nvCxnSpPr>
+        <p:spPr>
+          <a:xfrm>
+            <a:off x="3842513" y="3451283"/>
+            <a:ext cx="679183" cy="0"/>
+          </a:xfrm>
+          <a:prstGeom prst="straightConnector1">
+            <a:avLst/>
+          </a:prstGeom>
+          <a:ln w="38100">
+            <a:tailEnd type="arrow"/>
+          </a:ln>
+        </p:spPr>
+        <p:style>
+          <a:lnRef idx="1">
+            <a:schemeClr val="accent1"/>
+          </a:lnRef>
+          <a:fillRef idx="0">
+            <a:schemeClr val="accent1"/>
+          </a:fillRef>
+          <a:effectRef idx="0">
+            <a:schemeClr val="accent1"/>
+          </a:effectRef>
+          <a:fontRef idx="minor">
+            <a:schemeClr val="tx1"/>
+          </a:fontRef>
+        </p:style>
+      </p:cxnSp>
+      <p:cxnSp>
+        <p:nvCxnSpPr>
+          <p:cNvPr id="80" name="Gerade Verbindung mit Pfeil 79"/>
+          <p:cNvCxnSpPr/>
+          <p:nvPr/>
+        </p:nvCxnSpPr>
+        <p:spPr>
+          <a:xfrm flipH="1">
+            <a:off x="3842513" y="3878998"/>
+            <a:ext cx="679183" cy="0"/>
+          </a:xfrm>
+          <a:prstGeom prst="straightConnector1">
+            <a:avLst/>
+          </a:prstGeom>
+          <a:ln w="38100">
+            <a:tailEnd type="arrow"/>
+          </a:ln>
+        </p:spPr>
+        <p:style>
+          <a:lnRef idx="1">
+            <a:schemeClr val="accent1"/>
+          </a:lnRef>
+          <a:fillRef idx="0">
+            <a:schemeClr val="accent1"/>
+          </a:fillRef>
+          <a:effectRef idx="0">
+            <a:schemeClr val="accent1"/>
+          </a:effectRef>
+          <a:fontRef idx="minor">
+            <a:schemeClr val="tx1"/>
+          </a:fontRef>
+        </p:style>
+      </p:cxnSp>
+      <p:cxnSp>
+        <p:nvCxnSpPr>
+          <p:cNvPr id="83" name="Gerade Verbindung mit Pfeil 82"/>
+          <p:cNvCxnSpPr/>
+          <p:nvPr/>
+        </p:nvCxnSpPr>
+        <p:spPr>
+          <a:xfrm>
+            <a:off x="3892817" y="4870900"/>
+            <a:ext cx="679183" cy="0"/>
+          </a:xfrm>
+          <a:prstGeom prst="straightConnector1">
+            <a:avLst/>
+          </a:prstGeom>
+          <a:ln w="38100">
+            <a:tailEnd type="arrow"/>
+          </a:ln>
+        </p:spPr>
+        <p:style>
+          <a:lnRef idx="1">
+            <a:schemeClr val="accent1"/>
+          </a:lnRef>
+          <a:fillRef idx="0">
+            <a:schemeClr val="accent1"/>
+          </a:fillRef>
+          <a:effectRef idx="0">
+            <a:schemeClr val="accent1"/>
+          </a:effectRef>
+          <a:fontRef idx="minor">
+            <a:schemeClr val="tx1"/>
+          </a:fontRef>
+        </p:style>
+      </p:cxnSp>
+      <p:cxnSp>
+        <p:nvCxnSpPr>
+          <p:cNvPr id="84" name="Gerade Verbindung mit Pfeil 83"/>
+          <p:cNvCxnSpPr/>
+          <p:nvPr/>
+        </p:nvCxnSpPr>
+        <p:spPr>
+          <a:xfrm flipH="1">
+            <a:off x="3842513" y="5343769"/>
+            <a:ext cx="679183" cy="0"/>
+          </a:xfrm>
+          <a:prstGeom prst="straightConnector1">
+            <a:avLst/>
+          </a:prstGeom>
+          <a:ln w="38100">
+            <a:tailEnd type="arrow"/>
+          </a:ln>
+        </p:spPr>
+        <p:style>
+          <a:lnRef idx="1">
+            <a:schemeClr val="accent1"/>
+          </a:lnRef>
+          <a:fillRef idx="0">
+            <a:schemeClr val="accent1"/>
+          </a:fillRef>
+          <a:effectRef idx="0">
+            <a:schemeClr val="accent1"/>
+          </a:effectRef>
+          <a:fontRef idx="minor">
+            <a:schemeClr val="tx1"/>
+          </a:fontRef>
+        </p:style>
+      </p:cxnSp>
+      <p:cxnSp>
+        <p:nvCxnSpPr>
+          <p:cNvPr id="85" name="Gerade Verbindung mit Pfeil 84"/>
+          <p:cNvCxnSpPr>
+            <a:endCxn id="4" idx="3"/>
+          </p:cNvCxnSpPr>
+          <p:nvPr/>
+        </p:nvCxnSpPr>
+        <p:spPr>
+          <a:xfrm flipH="1">
+            <a:off x="5961856" y="3631636"/>
+            <a:ext cx="1202432" cy="0"/>
+          </a:xfrm>
+          <a:prstGeom prst="straightConnector1">
+            <a:avLst/>
+          </a:prstGeom>
+          <a:ln w="38100">
+            <a:tailEnd type="arrow"/>
+          </a:ln>
+        </p:spPr>
+        <p:style>
+          <a:lnRef idx="1">
+            <a:schemeClr val="accent1"/>
+          </a:lnRef>
+          <a:fillRef idx="0">
+            <a:schemeClr val="accent1"/>
+          </a:fillRef>
+          <a:effectRef idx="0">
+            <a:schemeClr val="accent1"/>
+          </a:effectRef>
+          <a:fontRef idx="minor">
+            <a:schemeClr val="tx1"/>
+          </a:fontRef>
+        </p:style>
+      </p:cxnSp>
+      <p:cxnSp>
+        <p:nvCxnSpPr>
+          <p:cNvPr id="88" name="Gerade Verbindung mit Pfeil 87"/>
+          <p:cNvCxnSpPr/>
+          <p:nvPr/>
+        </p:nvCxnSpPr>
+        <p:spPr>
+          <a:xfrm flipH="1">
+            <a:off x="6012160" y="5069172"/>
+            <a:ext cx="1202432" cy="0"/>
+          </a:xfrm>
+          <a:prstGeom prst="straightConnector1">
+            <a:avLst/>
+          </a:prstGeom>
+          <a:ln w="38100">
+            <a:tailEnd type="arrow"/>
+          </a:ln>
+        </p:spPr>
+        <p:style>
+          <a:lnRef idx="1">
+            <a:schemeClr val="accent1"/>
+          </a:lnRef>
+          <a:fillRef idx="0">
+            <a:schemeClr val="accent1"/>
+          </a:fillRef>
+          <a:effectRef idx="0">
+            <a:schemeClr val="accent1"/>
+          </a:effectRef>
+          <a:fontRef idx="minor">
+            <a:schemeClr val="tx1"/>
+          </a:fontRef>
+        </p:style>
+      </p:cxnSp>
+      <p:grpSp>
+        <p:nvGrpSpPr>
+          <p:cNvPr id="89" name="Gruppieren 88"/>
+          <p:cNvGrpSpPr/>
+          <p:nvPr/>
+        </p:nvGrpSpPr>
+        <p:grpSpPr>
+          <a:xfrm>
+            <a:off x="7424700" y="4582766"/>
+            <a:ext cx="360040" cy="818939"/>
+            <a:chOff x="683568" y="1844824"/>
+            <a:chExt cx="720080" cy="1728192"/>
+          </a:xfrm>
+        </p:grpSpPr>
+        <p:sp>
+          <p:nvSpPr>
+            <p:cNvPr id="90" name="Ellipse 89"/>
+            <p:cNvSpPr/>
+            <p:nvPr/>
+          </p:nvSpPr>
+          <p:spPr>
+            <a:xfrm>
+              <a:off x="827584" y="1844824"/>
+              <a:ext cx="432048" cy="432048"/>
+            </a:xfrm>
+            <a:prstGeom prst="ellipse">
+              <a:avLst/>
+            </a:prstGeom>
+          </p:spPr>
+          <p:style>
+            <a:lnRef idx="2">
+              <a:schemeClr val="accent5"/>
+            </a:lnRef>
+            <a:fillRef idx="1">
+              <a:schemeClr val="lt1"/>
+            </a:fillRef>
+            <a:effectRef idx="0">
+              <a:schemeClr val="accent5"/>
+            </a:effectRef>
+            <a:fontRef idx="minor">
+              <a:schemeClr val="dk1"/>
+            </a:fontRef>
+          </p:style>
+          <p:txBody>
+            <a:bodyPr rtlCol="0" anchor="ctr"/>
+            <a:lstStyle/>
+            <a:p>
+              <a:pPr algn="ctr"/>
+              <a:endParaRPr lang="en-GB"/>
+            </a:p>
+          </p:txBody>
+        </p:sp>
+        <p:cxnSp>
+          <p:nvCxnSpPr>
+            <p:cNvPr id="91" name="Gerade Verbindung 90"/>
+            <p:cNvCxnSpPr>
+              <a:stCxn id="90" idx="4"/>
+            </p:cNvCxnSpPr>
+            <p:nvPr/>
+          </p:nvCxnSpPr>
+          <p:spPr>
+            <a:xfrm>
+              <a:off x="1043608" y="2276872"/>
+              <a:ext cx="0" cy="648072"/>
+            </a:xfrm>
+            <a:prstGeom prst="line">
+              <a:avLst/>
+            </a:prstGeom>
+            <a:ln/>
+          </p:spPr>
+          <p:style>
+            <a:lnRef idx="2">
+              <a:schemeClr val="accent5"/>
+            </a:lnRef>
+            <a:fillRef idx="1">
+              <a:schemeClr val="lt1"/>
+            </a:fillRef>
+            <a:effectRef idx="0">
+              <a:schemeClr val="accent5"/>
+            </a:effectRef>
+            <a:fontRef idx="minor">
+              <a:schemeClr val="dk1"/>
+            </a:fontRef>
+          </p:style>
+        </p:cxnSp>
+        <p:cxnSp>
+          <p:nvCxnSpPr>
+            <p:cNvPr id="92" name="Gerade Verbindung 91"/>
+            <p:cNvCxnSpPr/>
+            <p:nvPr/>
+          </p:nvCxnSpPr>
+          <p:spPr>
+            <a:xfrm>
+              <a:off x="683568" y="2420888"/>
+              <a:ext cx="720080" cy="0"/>
+            </a:xfrm>
+            <a:prstGeom prst="line">
+              <a:avLst/>
+            </a:prstGeom>
+            <a:ln/>
+          </p:spPr>
+          <p:style>
+            <a:lnRef idx="2">
+              <a:schemeClr val="accent5"/>
+            </a:lnRef>
+            <a:fillRef idx="1">
+              <a:schemeClr val="lt1"/>
+            </a:fillRef>
+            <a:effectRef idx="0">
+              <a:schemeClr val="accent5"/>
+            </a:effectRef>
+            <a:fontRef idx="minor">
+              <a:schemeClr val="dk1"/>
+            </a:fontRef>
+          </p:style>
+        </p:cxnSp>
+        <p:cxnSp>
+          <p:nvCxnSpPr>
+            <p:cNvPr id="93" name="Gerade Verbindung 92"/>
+            <p:cNvCxnSpPr/>
+            <p:nvPr/>
+          </p:nvCxnSpPr>
+          <p:spPr>
+            <a:xfrm flipV="1">
+              <a:off x="683568" y="2924944"/>
+              <a:ext cx="360040" cy="648072"/>
+            </a:xfrm>
+            <a:prstGeom prst="line">
+              <a:avLst/>
+            </a:prstGeom>
+            <a:ln/>
+          </p:spPr>
+          <p:style>
+            <a:lnRef idx="2">
+              <a:schemeClr val="accent5"/>
+            </a:lnRef>
+            <a:fillRef idx="1">
+              <a:schemeClr val="lt1"/>
+            </a:fillRef>
+            <a:effectRef idx="0">
+              <a:schemeClr val="accent5"/>
+            </a:effectRef>
+            <a:fontRef idx="minor">
+              <a:schemeClr val="dk1"/>
+            </a:fontRef>
+          </p:style>
+        </p:cxnSp>
+        <p:cxnSp>
+          <p:nvCxnSpPr>
+            <p:cNvPr id="94" name="Gerade Verbindung 93"/>
+            <p:cNvCxnSpPr/>
+            <p:nvPr/>
+          </p:nvCxnSpPr>
+          <p:spPr>
+            <a:xfrm flipH="1" flipV="1">
+              <a:off x="1043608" y="2924944"/>
+              <a:ext cx="360040" cy="648072"/>
+            </a:xfrm>
+            <a:prstGeom prst="line">
+              <a:avLst/>
+            </a:prstGeom>
+            <a:ln/>
+          </p:spPr>
+          <p:style>
+            <a:lnRef idx="2">
+              <a:schemeClr val="accent5"/>
+            </a:lnRef>
+            <a:fillRef idx="1">
+              <a:schemeClr val="lt1"/>
+            </a:fillRef>
+            <a:effectRef idx="0">
+              <a:schemeClr val="accent5"/>
+            </a:effectRef>
+            <a:fontRef idx="minor">
+              <a:schemeClr val="dk1"/>
+            </a:fontRef>
+          </p:style>
+        </p:cxnSp>
+      </p:grpSp>
+      <p:sp>
+        <p:nvSpPr>
+          <p:cNvPr id="95" name="Rechteck 94"/>
+          <p:cNvSpPr/>
+          <p:nvPr/>
+        </p:nvSpPr>
+        <p:spPr>
+          <a:xfrm>
+            <a:off x="4521696" y="1710014"/>
+            <a:ext cx="1440160" cy="972813"/>
+          </a:xfrm>
+          <a:prstGeom prst="rect">
+            <a:avLst/>
+          </a:prstGeom>
+          <a:solidFill>
+            <a:schemeClr val="accent1">
+              <a:lumMod val="40000"/>
+              <a:lumOff val="60000"/>
+            </a:schemeClr>
+          </a:solidFill>
+          <a:ln>
+            <a:solidFill>
+              <a:schemeClr val="accent1">
+                <a:lumMod val="60000"/>
+                <a:lumOff val="40000"/>
+              </a:schemeClr>
+            </a:solidFill>
+          </a:ln>
+        </p:spPr>
+        <p:style>
+          <a:lnRef idx="2">
+            <a:schemeClr val="accent1">
+              <a:shade val="50000"/>
+            </a:schemeClr>
+          </a:lnRef>
+          <a:fillRef idx="1">
+            <a:schemeClr val="accent1"/>
+          </a:fillRef>
+          <a:effectRef idx="0">
+            <a:schemeClr val="accent1"/>
+          </a:effectRef>
+          <a:fontRef idx="minor">
+            <a:schemeClr val="lt1"/>
+          </a:fontRef>
+        </p:style>
+        <p:txBody>
+          <a:bodyPr rtlCol="0" anchor="ctr"/>
+          <a:lstStyle/>
+          <a:p>
+            <a:pPr algn="ctr"/>
+            <a:r>
+              <a:rPr lang="en-GB" dirty="0" smtClean="0"/>
+              <a:t>Java-</a:t>
+            </a:r>
+            <a:br>
+              <a:rPr lang="en-GB" dirty="0" smtClean="0"/>
+            </a:br>
+            <a:r>
+              <a:rPr lang="en-GB" dirty="0" smtClean="0"/>
+              <a:t>Extension</a:t>
+            </a:r>
+          </a:p>
+          <a:p>
+            <a:pPr algn="ctr"/>
+            <a:r>
+              <a:rPr lang="en-GB" dirty="0" smtClean="0"/>
+              <a:t>(jar)</a:t>
+            </a:r>
+            <a:endParaRPr lang="en-GB" dirty="0" smtClean="0"/>
+          </a:p>
+        </p:txBody>
+      </p:sp>
+      <p:cxnSp>
+        <p:nvCxnSpPr>
+          <p:cNvPr id="96" name="Gerade Verbindung mit Pfeil 95"/>
+          <p:cNvCxnSpPr/>
+          <p:nvPr/>
+        </p:nvCxnSpPr>
+        <p:spPr>
+          <a:xfrm>
+            <a:off x="3842512" y="1986227"/>
+            <a:ext cx="679183" cy="0"/>
+          </a:xfrm>
+          <a:prstGeom prst="straightConnector1">
+            <a:avLst/>
+          </a:prstGeom>
+          <a:ln w="38100">
+            <a:solidFill>
+              <a:schemeClr val="accent1">
+                <a:lumMod val="60000"/>
+                <a:lumOff val="40000"/>
+              </a:schemeClr>
+            </a:solidFill>
+            <a:tailEnd type="arrow"/>
+          </a:ln>
+        </p:spPr>
+        <p:style>
+          <a:lnRef idx="1">
+            <a:schemeClr val="accent1"/>
+          </a:lnRef>
+          <a:fillRef idx="0">
+            <a:schemeClr val="accent1"/>
+          </a:fillRef>
+          <a:effectRef idx="0">
+            <a:schemeClr val="accent1"/>
+          </a:effectRef>
+          <a:fontRef idx="minor">
+            <a:schemeClr val="tx1"/>
+          </a:fontRef>
+        </p:style>
+      </p:cxnSp>
+      <p:cxnSp>
+        <p:nvCxnSpPr>
+          <p:cNvPr id="98" name="Gerade Verbindung mit Pfeil 97"/>
+          <p:cNvCxnSpPr/>
+          <p:nvPr/>
+        </p:nvCxnSpPr>
+        <p:spPr>
+          <a:xfrm flipH="1">
+            <a:off x="3842511" y="2446227"/>
+            <a:ext cx="679183" cy="0"/>
+          </a:xfrm>
+          <a:prstGeom prst="straightConnector1">
+            <a:avLst/>
+          </a:prstGeom>
+          <a:ln w="38100">
+            <a:solidFill>
+              <a:schemeClr val="accent1">
+                <a:lumMod val="60000"/>
+                <a:lumOff val="40000"/>
+              </a:schemeClr>
+            </a:solidFill>
+            <a:tailEnd type="arrow"/>
+          </a:ln>
+        </p:spPr>
+        <p:style>
+          <a:lnRef idx="1">
+            <a:schemeClr val="accent1"/>
+          </a:lnRef>
+          <a:fillRef idx="0">
+            <a:schemeClr val="accent1"/>
+          </a:fillRef>
+          <a:effectRef idx="0">
+            <a:schemeClr val="accent1"/>
+          </a:effectRef>
+          <a:fontRef idx="minor">
+            <a:schemeClr val="tx1"/>
+          </a:fontRef>
+        </p:style>
+      </p:cxnSp>
+      <p:cxnSp>
+        <p:nvCxnSpPr>
+          <p:cNvPr id="99" name="Gerade Verbindung mit Pfeil 98"/>
+          <p:cNvCxnSpPr/>
+          <p:nvPr/>
+        </p:nvCxnSpPr>
+        <p:spPr>
+          <a:xfrm flipH="1">
+            <a:off x="5961856" y="2196420"/>
+            <a:ext cx="1202432" cy="0"/>
+          </a:xfrm>
+          <a:prstGeom prst="straightConnector1">
+            <a:avLst/>
+          </a:prstGeom>
+          <a:ln w="38100">
+            <a:solidFill>
+              <a:schemeClr val="accent1">
+                <a:lumMod val="60000"/>
+                <a:lumOff val="40000"/>
+              </a:schemeClr>
+            </a:solidFill>
+            <a:tailEnd type="arrow"/>
+          </a:ln>
+        </p:spPr>
+        <p:style>
+          <a:lnRef idx="1">
+            <a:schemeClr val="accent1"/>
+          </a:lnRef>
+          <a:fillRef idx="0">
+            <a:schemeClr val="accent1"/>
+          </a:fillRef>
+          <a:effectRef idx="0">
+            <a:schemeClr val="accent1"/>
+          </a:effectRef>
+          <a:fontRef idx="minor">
+            <a:schemeClr val="tx1"/>
+          </a:fontRef>
+        </p:style>
+      </p:cxnSp>
+    </p:spTree>
+    <p:extLst>
+      <p:ext uri="{BB962C8B-B14F-4D97-AF65-F5344CB8AC3E}">
+        <p14:creationId xmlns:p14="http://schemas.microsoft.com/office/powerpoint/2010/main" val="2347649221"/>
+      </p:ext>
+    </p:extLst>
+  </p:cSld>
+  <p:clrMapOvr>
+    <a:masterClrMapping/>
+  </p:clrMapOvr>
+</p:sld>
+</file>
+
+<file path=ppt/slides/slide5.xml><?xml version="1.0" encoding="utf-8"?>
+<p:sld xmlns:a="http://schemas.openxmlformats.org/drawingml/2006/main" xmlns:r="http://schemas.openxmlformats.org/officeDocument/2006/relationships" xmlns:p="http://schemas.openxmlformats.org/presentationml/2006/main">
+  <p:cSld>
+    <p:spTree>
+      <p:nvGrpSpPr>
+        <p:cNvPr id="1" name=""/>
+        <p:cNvGrpSpPr/>
+        <p:nvPr/>
+      </p:nvGrpSpPr>
+      <p:grpSpPr>
+        <a:xfrm>
+          <a:off x="0" y="0"/>
+          <a:ext cx="0" cy="0"/>
+          <a:chOff x="0" y="0"/>
+          <a:chExt cx="0" cy="0"/>
+        </a:xfrm>
+      </p:grpSpPr>
+      <p:sp>
+        <p:nvSpPr>
+          <p:cNvPr id="2" name="Titel 1"/>
+          <p:cNvSpPr>
+            <a:spLocks noGrp="1"/>
+          </p:cNvSpPr>
+          <p:nvPr>
+            <p:ph type="title"/>
+          </p:nvPr>
+        </p:nvSpPr>
+        <p:spPr/>
+        <p:txBody>
+          <a:bodyPr/>
+          <a:lstStyle/>
+          <a:p>
+            <a:r>
+              <a:rPr lang="en-GB" dirty="0" smtClean="0"/>
+              <a:t>Use Case 2a, 2b</a:t>
+            </a:r>
+            <a:endParaRPr lang="en-GB" dirty="0"/>
+          </a:p>
+        </p:txBody>
+      </p:sp>
+      <p:sp>
+        <p:nvSpPr>
+          <p:cNvPr id="4" name="Rechteck 3"/>
+          <p:cNvSpPr/>
+          <p:nvPr/>
+        </p:nvSpPr>
+        <p:spPr>
+          <a:xfrm>
+            <a:off x="5971263" y="3145228"/>
+            <a:ext cx="1440160" cy="972813"/>
+          </a:xfrm>
+          <a:prstGeom prst="rect">
+            <a:avLst/>
+          </a:prstGeom>
+        </p:spPr>
+        <p:style>
+          <a:lnRef idx="2">
+            <a:schemeClr val="accent1">
+              <a:shade val="50000"/>
+            </a:schemeClr>
+          </a:lnRef>
+          <a:fillRef idx="1">
+            <a:schemeClr val="accent1"/>
+          </a:fillRef>
+          <a:effectRef idx="0">
+            <a:schemeClr val="accent1"/>
+          </a:effectRef>
+          <a:fontRef idx="minor">
+            <a:schemeClr val="lt1"/>
+          </a:fontRef>
+        </p:style>
+        <p:txBody>
+          <a:bodyPr rtlCol="0" anchor="ctr"/>
+          <a:lstStyle/>
+          <a:p>
+            <a:pPr algn="ctr"/>
+            <a:r>
+              <a:rPr lang="en-GB" dirty="0" smtClean="0"/>
+              <a:t>C-</a:t>
+            </a:r>
+            <a:br>
+              <a:rPr lang="en-GB" dirty="0" smtClean="0"/>
+            </a:br>
+            <a:r>
+              <a:rPr lang="en-GB" dirty="0" smtClean="0"/>
+              <a:t>Extension</a:t>
+            </a:r>
+          </a:p>
+          <a:p>
+            <a:pPr algn="ctr"/>
+            <a:r>
+              <a:rPr lang="en-GB" dirty="0" smtClean="0"/>
+              <a:t>(</a:t>
+            </a:r>
+            <a:r>
+              <a:rPr lang="en-GB" dirty="0" err="1" smtClean="0"/>
+              <a:t>dll</a:t>
+            </a:r>
+            <a:r>
+              <a:rPr lang="en-GB" dirty="0" smtClean="0"/>
+              <a:t>)</a:t>
+            </a:r>
+            <a:endParaRPr lang="en-GB" dirty="0" smtClean="0"/>
+          </a:p>
+        </p:txBody>
+      </p:sp>
+      <p:grpSp>
+        <p:nvGrpSpPr>
+          <p:cNvPr id="5" name="Gruppieren 4"/>
+          <p:cNvGrpSpPr/>
+          <p:nvPr/>
+        </p:nvGrpSpPr>
+        <p:grpSpPr>
+          <a:xfrm>
+            <a:off x="8244408" y="3188511"/>
+            <a:ext cx="360040" cy="818939"/>
+            <a:chOff x="683568" y="1844824"/>
+            <a:chExt cx="720080" cy="1728192"/>
+          </a:xfrm>
+        </p:grpSpPr>
+        <p:sp>
+          <p:nvSpPr>
+            <p:cNvPr id="6" name="Ellipse 5"/>
+            <p:cNvSpPr/>
+            <p:nvPr/>
+          </p:nvSpPr>
+          <p:spPr>
+            <a:xfrm>
+              <a:off x="827584" y="1844824"/>
+              <a:ext cx="432048" cy="432048"/>
+            </a:xfrm>
+            <a:prstGeom prst="ellipse">
+              <a:avLst/>
+            </a:prstGeom>
+          </p:spPr>
+          <p:style>
+            <a:lnRef idx="2">
+              <a:schemeClr val="accent5"/>
+            </a:lnRef>
+            <a:fillRef idx="1">
+              <a:schemeClr val="lt1"/>
+            </a:fillRef>
+            <a:effectRef idx="0">
+              <a:schemeClr val="accent5"/>
+            </a:effectRef>
+            <a:fontRef idx="minor">
+              <a:schemeClr val="dk1"/>
+            </a:fontRef>
+          </p:style>
+          <p:txBody>
+            <a:bodyPr rtlCol="0" anchor="ctr"/>
+            <a:lstStyle/>
+            <a:p>
+              <a:pPr algn="ctr"/>
+              <a:endParaRPr lang="en-GB"/>
+            </a:p>
+          </p:txBody>
+        </p:sp>
+        <p:cxnSp>
+          <p:nvCxnSpPr>
+            <p:cNvPr id="7" name="Gerade Verbindung 6"/>
+            <p:cNvCxnSpPr>
+              <a:stCxn id="6" idx="4"/>
+            </p:cNvCxnSpPr>
+            <p:nvPr/>
+          </p:nvCxnSpPr>
+          <p:spPr>
+            <a:xfrm>
+              <a:off x="1043608" y="2276872"/>
+              <a:ext cx="0" cy="648072"/>
+            </a:xfrm>
+            <a:prstGeom prst="line">
+              <a:avLst/>
+            </a:prstGeom>
+            <a:ln/>
+          </p:spPr>
+          <p:style>
+            <a:lnRef idx="2">
+              <a:schemeClr val="accent5"/>
+            </a:lnRef>
+            <a:fillRef idx="1">
+              <a:schemeClr val="lt1"/>
+            </a:fillRef>
+            <a:effectRef idx="0">
+              <a:schemeClr val="accent5"/>
+            </a:effectRef>
+            <a:fontRef idx="minor">
+              <a:schemeClr val="dk1"/>
+            </a:fontRef>
+          </p:style>
+        </p:cxnSp>
+        <p:cxnSp>
+          <p:nvCxnSpPr>
+            <p:cNvPr id="8" name="Gerade Verbindung 7"/>
+            <p:cNvCxnSpPr/>
+            <p:nvPr/>
+          </p:nvCxnSpPr>
+          <p:spPr>
+            <a:xfrm>
+              <a:off x="683568" y="2420888"/>
+              <a:ext cx="720080" cy="0"/>
+            </a:xfrm>
+            <a:prstGeom prst="line">
+              <a:avLst/>
+            </a:prstGeom>
+            <a:ln/>
+          </p:spPr>
+          <p:style>
+            <a:lnRef idx="2">
+              <a:schemeClr val="accent5"/>
+            </a:lnRef>
+            <a:fillRef idx="1">
+              <a:schemeClr val="lt1"/>
+            </a:fillRef>
+            <a:effectRef idx="0">
+              <a:schemeClr val="accent5"/>
+            </a:effectRef>
+            <a:fontRef idx="minor">
+              <a:schemeClr val="dk1"/>
+            </a:fontRef>
+          </p:style>
+        </p:cxnSp>
+        <p:cxnSp>
+          <p:nvCxnSpPr>
+            <p:cNvPr id="9" name="Gerade Verbindung 8"/>
+            <p:cNvCxnSpPr/>
+            <p:nvPr/>
+          </p:nvCxnSpPr>
+          <p:spPr>
+            <a:xfrm flipV="1">
+              <a:off x="683568" y="2924944"/>
+              <a:ext cx="360040" cy="648072"/>
+            </a:xfrm>
+            <a:prstGeom prst="line">
+              <a:avLst/>
+            </a:prstGeom>
+            <a:ln/>
+          </p:spPr>
+          <p:style>
+            <a:lnRef idx="2">
+              <a:schemeClr val="accent5"/>
+            </a:lnRef>
+            <a:fillRef idx="1">
+              <a:schemeClr val="lt1"/>
+            </a:fillRef>
+            <a:effectRef idx="0">
+              <a:schemeClr val="accent5"/>
+            </a:effectRef>
+            <a:fontRef idx="minor">
+              <a:schemeClr val="dk1"/>
+            </a:fontRef>
+          </p:style>
+        </p:cxnSp>
+        <p:cxnSp>
+          <p:nvCxnSpPr>
+            <p:cNvPr id="10" name="Gerade Verbindung 9"/>
+            <p:cNvCxnSpPr/>
+            <p:nvPr/>
+          </p:nvCxnSpPr>
+          <p:spPr>
+            <a:xfrm flipH="1" flipV="1">
+              <a:off x="1043608" y="2924944"/>
+              <a:ext cx="360040" cy="648072"/>
+            </a:xfrm>
+            <a:prstGeom prst="line">
+              <a:avLst/>
+            </a:prstGeom>
+            <a:ln/>
+          </p:spPr>
+          <p:style>
+            <a:lnRef idx="2">
+              <a:schemeClr val="accent5"/>
+            </a:lnRef>
+            <a:fillRef idx="1">
+              <a:schemeClr val="lt1"/>
+            </a:fillRef>
+            <a:effectRef idx="0">
+              <a:schemeClr val="accent5"/>
+            </a:effectRef>
+            <a:fontRef idx="minor">
+              <a:schemeClr val="dk1"/>
+            </a:fontRef>
+          </p:style>
+        </p:cxnSp>
+      </p:grpSp>
+      <p:sp>
+        <p:nvSpPr>
+          <p:cNvPr id="13" name="Rechteck 12"/>
+          <p:cNvSpPr/>
+          <p:nvPr/>
+        </p:nvSpPr>
+        <p:spPr>
+          <a:xfrm>
+            <a:off x="3851920" y="3145228"/>
+            <a:ext cx="1440160" cy="972813"/>
+          </a:xfrm>
+          <a:prstGeom prst="rect">
+            <a:avLst/>
+          </a:prstGeom>
+        </p:spPr>
+        <p:style>
+          <a:lnRef idx="2">
+            <a:schemeClr val="accent1">
+              <a:shade val="50000"/>
+            </a:schemeClr>
+          </a:lnRef>
+          <a:fillRef idx="1">
+            <a:schemeClr val="accent1"/>
+          </a:fillRef>
+          <a:effectRef idx="0">
+            <a:schemeClr val="accent1"/>
+          </a:effectRef>
+          <a:fontRef idx="minor">
+            <a:schemeClr val="lt1"/>
+          </a:fontRef>
+        </p:style>
+        <p:txBody>
+          <a:bodyPr rtlCol="0" anchor="ctr"/>
+          <a:lstStyle/>
+          <a:p>
+            <a:pPr algn="ctr"/>
+            <a:r>
+              <a:rPr lang="en-GB" dirty="0" smtClean="0"/>
+              <a:t>BEAM</a:t>
+            </a:r>
+            <a:br>
+              <a:rPr lang="en-GB" dirty="0" smtClean="0"/>
+            </a:br>
+            <a:r>
+              <a:rPr lang="en-GB" dirty="0" smtClean="0"/>
+              <a:t>C-API</a:t>
+            </a:r>
+          </a:p>
+          <a:p>
+            <a:pPr algn="ctr"/>
+            <a:r>
+              <a:rPr lang="en-GB" dirty="0" smtClean="0"/>
+              <a:t>(</a:t>
+            </a:r>
+            <a:r>
+              <a:rPr lang="en-GB" dirty="0" err="1" smtClean="0"/>
+              <a:t>dll</a:t>
+            </a:r>
+            <a:r>
+              <a:rPr lang="en-GB" dirty="0" smtClean="0"/>
+              <a:t>)</a:t>
+            </a:r>
+            <a:endParaRPr lang="en-GB" dirty="0" smtClean="0"/>
+          </a:p>
+        </p:txBody>
+      </p:sp>
+      <p:sp>
+        <p:nvSpPr>
+          <p:cNvPr id="18" name="Rechteck 17"/>
+          <p:cNvSpPr/>
+          <p:nvPr/>
+        </p:nvSpPr>
+        <p:spPr>
+          <a:xfrm>
+            <a:off x="3851920" y="1702445"/>
+            <a:ext cx="1440160" cy="972813"/>
+          </a:xfrm>
+          <a:prstGeom prst="rect">
+            <a:avLst/>
+          </a:prstGeom>
+        </p:spPr>
+        <p:style>
+          <a:lnRef idx="2">
+            <a:schemeClr val="accent1">
+              <a:shade val="50000"/>
+            </a:schemeClr>
+          </a:lnRef>
+          <a:fillRef idx="1">
+            <a:schemeClr val="accent1"/>
+          </a:fillRef>
+          <a:effectRef idx="0">
+            <a:schemeClr val="accent1"/>
+          </a:effectRef>
+          <a:fontRef idx="minor">
+            <a:schemeClr val="lt1"/>
+          </a:fontRef>
+        </p:style>
+        <p:txBody>
+          <a:bodyPr rtlCol="0" anchor="ctr"/>
+          <a:lstStyle/>
+          <a:p>
+            <a:pPr algn="ctr"/>
+            <a:r>
+              <a:rPr lang="en-GB" dirty="0" smtClean="0"/>
+              <a:t>BEAM Java API</a:t>
+            </a:r>
+          </a:p>
+          <a:p>
+            <a:pPr algn="ctr"/>
+            <a:r>
+              <a:rPr lang="en-GB" dirty="0" smtClean="0"/>
+              <a:t>(jar)</a:t>
+            </a:r>
+            <a:endParaRPr lang="en-GB" dirty="0" smtClean="0"/>
+          </a:p>
+        </p:txBody>
+      </p:sp>
+      <p:sp>
+        <p:nvSpPr>
+          <p:cNvPr id="24" name="Rechteck 23"/>
+          <p:cNvSpPr/>
+          <p:nvPr/>
+        </p:nvSpPr>
+        <p:spPr>
+          <a:xfrm>
+            <a:off x="6021567" y="4582765"/>
+            <a:ext cx="1440160" cy="972813"/>
+          </a:xfrm>
+          <a:prstGeom prst="rect">
+            <a:avLst/>
+          </a:prstGeom>
+        </p:spPr>
+        <p:style>
+          <a:lnRef idx="2">
+            <a:schemeClr val="accent1">
+              <a:shade val="50000"/>
+            </a:schemeClr>
+          </a:lnRef>
+          <a:fillRef idx="1">
+            <a:schemeClr val="accent1"/>
+          </a:fillRef>
+          <a:effectRef idx="0">
+            <a:schemeClr val="accent1"/>
+          </a:effectRef>
+          <a:fontRef idx="minor">
+            <a:schemeClr val="lt1"/>
+          </a:fontRef>
+        </p:style>
+        <p:txBody>
+          <a:bodyPr rtlCol="0" anchor="ctr"/>
+          <a:lstStyle/>
+          <a:p>
+            <a:pPr algn="ctr"/>
+            <a:r>
+              <a:rPr lang="en-GB" dirty="0" smtClean="0"/>
+              <a:t>Python-</a:t>
+            </a:r>
+          </a:p>
+          <a:p>
+            <a:pPr algn="ctr"/>
+            <a:r>
+              <a:rPr lang="en-GB" dirty="0" smtClean="0"/>
+              <a:t>Extension</a:t>
+            </a:r>
+          </a:p>
+          <a:p>
+            <a:pPr algn="ctr"/>
+            <a:r>
+              <a:rPr lang="en-GB" dirty="0" smtClean="0"/>
+              <a:t>(</a:t>
+            </a:r>
+            <a:r>
+              <a:rPr lang="en-GB" dirty="0" err="1" smtClean="0"/>
+              <a:t>py</a:t>
+            </a:r>
+            <a:r>
+              <a:rPr lang="en-GB" dirty="0"/>
+              <a:t>)</a:t>
+            </a:r>
+            <a:endParaRPr lang="en-GB" dirty="0" smtClean="0"/>
+          </a:p>
+        </p:txBody>
+      </p:sp>
+      <p:sp>
+        <p:nvSpPr>
+          <p:cNvPr id="32" name="Rechteck 31"/>
+          <p:cNvSpPr/>
+          <p:nvPr/>
+        </p:nvSpPr>
+        <p:spPr>
+          <a:xfrm>
+            <a:off x="3851920" y="4582765"/>
+            <a:ext cx="1440160" cy="972813"/>
+          </a:xfrm>
+          <a:prstGeom prst="rect">
+            <a:avLst/>
+          </a:prstGeom>
+        </p:spPr>
+        <p:style>
+          <a:lnRef idx="2">
+            <a:schemeClr val="accent1">
+              <a:shade val="50000"/>
+            </a:schemeClr>
+          </a:lnRef>
+          <a:fillRef idx="1">
+            <a:schemeClr val="accent1"/>
+          </a:fillRef>
+          <a:effectRef idx="0">
+            <a:schemeClr val="accent1"/>
+          </a:effectRef>
+          <a:fontRef idx="minor">
+            <a:schemeClr val="lt1"/>
+          </a:fontRef>
+        </p:style>
+        <p:txBody>
+          <a:bodyPr rtlCol="0" anchor="ctr"/>
+          <a:lstStyle/>
+          <a:p>
+            <a:pPr algn="ctr"/>
+            <a:r>
+              <a:rPr lang="en-GB" dirty="0" smtClean="0"/>
+              <a:t>BEAM</a:t>
+            </a:r>
+            <a:br>
+              <a:rPr lang="en-GB" dirty="0" smtClean="0"/>
+            </a:br>
+            <a:r>
+              <a:rPr lang="en-GB" dirty="0" smtClean="0"/>
+              <a:t>Python API</a:t>
+            </a:r>
+          </a:p>
+          <a:p>
+            <a:pPr algn="ctr"/>
+            <a:r>
+              <a:rPr lang="en-GB" dirty="0" smtClean="0"/>
+              <a:t>(</a:t>
+            </a:r>
+            <a:r>
+              <a:rPr lang="en-GB" dirty="0" err="1" smtClean="0"/>
+              <a:t>pyd</a:t>
+            </a:r>
+            <a:r>
+              <a:rPr lang="en-GB" dirty="0" smtClean="0"/>
+              <a:t>)</a:t>
+            </a:r>
+            <a:endParaRPr lang="en-GB" dirty="0"/>
+          </a:p>
+        </p:txBody>
+      </p:sp>
+      <p:grpSp>
+        <p:nvGrpSpPr>
+          <p:cNvPr id="34" name="Gruppieren 33"/>
+          <p:cNvGrpSpPr/>
+          <p:nvPr/>
+        </p:nvGrpSpPr>
+        <p:grpSpPr>
+          <a:xfrm>
+            <a:off x="8198786" y="1763035"/>
+            <a:ext cx="360040" cy="818939"/>
+            <a:chOff x="683568" y="1844824"/>
+            <a:chExt cx="720080" cy="1728192"/>
+          </a:xfrm>
+        </p:grpSpPr>
+        <p:sp>
+          <p:nvSpPr>
+            <p:cNvPr id="35" name="Ellipse 34"/>
+            <p:cNvSpPr/>
+            <p:nvPr/>
+          </p:nvSpPr>
+          <p:spPr>
+            <a:xfrm>
+              <a:off x="827584" y="1844824"/>
+              <a:ext cx="432048" cy="432048"/>
+            </a:xfrm>
+            <a:prstGeom prst="ellipse">
+              <a:avLst/>
+            </a:prstGeom>
+            <a:ln>
+              <a:solidFill>
+                <a:schemeClr val="accent1">
+                  <a:lumMod val="60000"/>
+                  <a:lumOff val="40000"/>
+                </a:schemeClr>
+              </a:solidFill>
+            </a:ln>
+          </p:spPr>
+          <p:style>
+            <a:lnRef idx="2">
+              <a:schemeClr val="accent5"/>
+            </a:lnRef>
+            <a:fillRef idx="1">
+              <a:schemeClr val="lt1"/>
+            </a:fillRef>
+            <a:effectRef idx="0">
+              <a:schemeClr val="accent5"/>
+            </a:effectRef>
+            <a:fontRef idx="minor">
+              <a:schemeClr val="dk1"/>
+            </a:fontRef>
+          </p:style>
+          <p:txBody>
+            <a:bodyPr rtlCol="0" anchor="ctr"/>
+            <a:lstStyle/>
+            <a:p>
+              <a:pPr algn="ctr"/>
+              <a:endParaRPr lang="en-GB"/>
+            </a:p>
+          </p:txBody>
+        </p:sp>
+        <p:cxnSp>
+          <p:nvCxnSpPr>
+            <p:cNvPr id="36" name="Gerade Verbindung 35"/>
+            <p:cNvCxnSpPr>
+              <a:stCxn id="35" idx="4"/>
+            </p:cNvCxnSpPr>
+            <p:nvPr/>
+          </p:nvCxnSpPr>
+          <p:spPr>
+            <a:xfrm>
+              <a:off x="1043608" y="2276872"/>
+              <a:ext cx="0" cy="648072"/>
+            </a:xfrm>
+            <a:prstGeom prst="line">
+              <a:avLst/>
+            </a:prstGeom>
+            <a:ln>
+              <a:solidFill>
+                <a:schemeClr val="accent1">
+                  <a:lumMod val="60000"/>
+                  <a:lumOff val="40000"/>
+                </a:schemeClr>
+              </a:solidFill>
+            </a:ln>
+          </p:spPr>
+          <p:style>
+            <a:lnRef idx="2">
+              <a:schemeClr val="accent5"/>
+            </a:lnRef>
+            <a:fillRef idx="1">
+              <a:schemeClr val="lt1"/>
+            </a:fillRef>
+            <a:effectRef idx="0">
+              <a:schemeClr val="accent5"/>
+            </a:effectRef>
+            <a:fontRef idx="minor">
+              <a:schemeClr val="dk1"/>
+            </a:fontRef>
+          </p:style>
+        </p:cxnSp>
+        <p:cxnSp>
+          <p:nvCxnSpPr>
+            <p:cNvPr id="37" name="Gerade Verbindung 36"/>
+            <p:cNvCxnSpPr/>
+            <p:nvPr/>
+          </p:nvCxnSpPr>
+          <p:spPr>
+            <a:xfrm>
+              <a:off x="683568" y="2420888"/>
+              <a:ext cx="720080" cy="0"/>
+            </a:xfrm>
+            <a:prstGeom prst="line">
+              <a:avLst/>
+            </a:prstGeom>
+            <a:ln>
+              <a:solidFill>
+                <a:schemeClr val="accent1">
+                  <a:lumMod val="60000"/>
+                  <a:lumOff val="40000"/>
+                </a:schemeClr>
+              </a:solidFill>
+            </a:ln>
+          </p:spPr>
+          <p:style>
+            <a:lnRef idx="2">
+              <a:schemeClr val="accent5"/>
+            </a:lnRef>
+            <a:fillRef idx="1">
+              <a:schemeClr val="lt1"/>
+            </a:fillRef>
+            <a:effectRef idx="0">
+              <a:schemeClr val="accent5"/>
+            </a:effectRef>
+            <a:fontRef idx="minor">
+              <a:schemeClr val="dk1"/>
+            </a:fontRef>
+          </p:style>
+        </p:cxnSp>
+        <p:cxnSp>
+          <p:nvCxnSpPr>
+            <p:cNvPr id="38" name="Gerade Verbindung 37"/>
+            <p:cNvCxnSpPr/>
+            <p:nvPr/>
+          </p:nvCxnSpPr>
+          <p:spPr>
+            <a:xfrm flipV="1">
+              <a:off x="683568" y="2924944"/>
+              <a:ext cx="360040" cy="648072"/>
+            </a:xfrm>
+            <a:prstGeom prst="line">
+              <a:avLst/>
+            </a:prstGeom>
+            <a:ln>
+              <a:solidFill>
+                <a:schemeClr val="accent1">
+                  <a:lumMod val="60000"/>
+                  <a:lumOff val="40000"/>
+                </a:schemeClr>
+              </a:solidFill>
+            </a:ln>
+          </p:spPr>
+          <p:style>
+            <a:lnRef idx="2">
+              <a:schemeClr val="accent5"/>
+            </a:lnRef>
+            <a:fillRef idx="1">
+              <a:schemeClr val="lt1"/>
+            </a:fillRef>
+            <a:effectRef idx="0">
+              <a:schemeClr val="accent5"/>
+            </a:effectRef>
+            <a:fontRef idx="minor">
+              <a:schemeClr val="dk1"/>
+            </a:fontRef>
+          </p:style>
+        </p:cxnSp>
+        <p:cxnSp>
+          <p:nvCxnSpPr>
+            <p:cNvPr id="39" name="Gerade Verbindung 38"/>
+            <p:cNvCxnSpPr/>
+            <p:nvPr/>
+          </p:nvCxnSpPr>
+          <p:spPr>
+            <a:xfrm flipH="1" flipV="1">
+              <a:off x="1043608" y="2924944"/>
+              <a:ext cx="360040" cy="648072"/>
+            </a:xfrm>
+            <a:prstGeom prst="line">
+              <a:avLst/>
+            </a:prstGeom>
+            <a:ln>
+              <a:solidFill>
+                <a:schemeClr val="accent1">
+                  <a:lumMod val="60000"/>
+                  <a:lumOff val="40000"/>
+                </a:schemeClr>
+              </a:solidFill>
+            </a:ln>
+          </p:spPr>
+          <p:style>
+            <a:lnRef idx="2">
+              <a:schemeClr val="accent5"/>
+            </a:lnRef>
+            <a:fillRef idx="1">
+              <a:schemeClr val="lt1"/>
+            </a:fillRef>
+            <a:effectRef idx="0">
+              <a:schemeClr val="accent5"/>
+            </a:effectRef>
+            <a:fontRef idx="minor">
+              <a:schemeClr val="dk1"/>
+            </a:fontRef>
+          </p:style>
+        </p:cxnSp>
+      </p:grpSp>
+      <p:cxnSp>
+        <p:nvCxnSpPr>
+          <p:cNvPr id="66" name="Gerade Verbindung mit Pfeil 65"/>
+          <p:cNvCxnSpPr/>
+          <p:nvPr/>
+        </p:nvCxnSpPr>
+        <p:spPr>
+          <a:xfrm flipV="1">
+            <a:off x="4149359" y="2675258"/>
+            <a:ext cx="0" cy="469970"/>
+          </a:xfrm>
+          <a:prstGeom prst="straightConnector1">
+            <a:avLst/>
+          </a:prstGeom>
+          <a:ln w="38100">
+            <a:tailEnd type="arrow"/>
+          </a:ln>
+        </p:spPr>
+        <p:style>
+          <a:lnRef idx="1">
+            <a:schemeClr val="accent1"/>
+          </a:lnRef>
+          <a:fillRef idx="0">
+            <a:schemeClr val="accent1"/>
+          </a:fillRef>
+          <a:effectRef idx="0">
+            <a:schemeClr val="accent1"/>
+          </a:effectRef>
+          <a:fontRef idx="minor">
+            <a:schemeClr val="tx1"/>
+          </a:fontRef>
+        </p:style>
+      </p:cxnSp>
+      <p:cxnSp>
+        <p:nvCxnSpPr>
+          <p:cNvPr id="69" name="Gerade Verbindung mit Pfeil 68"/>
+          <p:cNvCxnSpPr/>
+          <p:nvPr/>
+        </p:nvCxnSpPr>
+        <p:spPr>
+          <a:xfrm flipV="1">
+            <a:off x="4167735" y="4112795"/>
+            <a:ext cx="0" cy="469970"/>
+          </a:xfrm>
+          <a:prstGeom prst="straightConnector1">
+            <a:avLst/>
+          </a:prstGeom>
+          <a:ln w="38100">
+            <a:tailEnd type="arrow"/>
+          </a:ln>
+        </p:spPr>
+        <p:style>
+          <a:lnRef idx="1">
+            <a:schemeClr val="accent1"/>
+          </a:lnRef>
+          <a:fillRef idx="0">
+            <a:schemeClr val="accent1"/>
+          </a:fillRef>
+          <a:effectRef idx="0">
+            <a:schemeClr val="accent1"/>
+          </a:effectRef>
+          <a:fontRef idx="minor">
+            <a:schemeClr val="tx1"/>
+          </a:fontRef>
+        </p:style>
+      </p:cxnSp>
+      <p:cxnSp>
+        <p:nvCxnSpPr>
+          <p:cNvPr id="70" name="Gerade Verbindung mit Pfeil 69"/>
+          <p:cNvCxnSpPr/>
+          <p:nvPr/>
+        </p:nvCxnSpPr>
+        <p:spPr>
+          <a:xfrm>
+            <a:off x="4941447" y="4118041"/>
+            <a:ext cx="0" cy="464724"/>
+          </a:xfrm>
+          <a:prstGeom prst="straightConnector1">
+            <a:avLst/>
+          </a:prstGeom>
+          <a:ln w="38100">
+            <a:tailEnd type="arrow"/>
+          </a:ln>
+        </p:spPr>
+        <p:style>
+          <a:lnRef idx="1">
+            <a:schemeClr val="accent1"/>
+          </a:lnRef>
+          <a:fillRef idx="0">
+            <a:schemeClr val="accent1"/>
+          </a:fillRef>
+          <a:effectRef idx="0">
+            <a:schemeClr val="accent1"/>
+          </a:effectRef>
+          <a:fontRef idx="minor">
+            <a:schemeClr val="tx1"/>
+          </a:fontRef>
+        </p:style>
+      </p:cxnSp>
+      <p:cxnSp>
+        <p:nvCxnSpPr>
+          <p:cNvPr id="74" name="Gerade Verbindung mit Pfeil 73"/>
+          <p:cNvCxnSpPr/>
+          <p:nvPr/>
+        </p:nvCxnSpPr>
+        <p:spPr>
+          <a:xfrm>
+            <a:off x="4936365" y="2682826"/>
+            <a:ext cx="0" cy="464724"/>
+          </a:xfrm>
+          <a:prstGeom prst="straightConnector1">
+            <a:avLst/>
+          </a:prstGeom>
+          <a:ln w="38100">
+            <a:tailEnd type="arrow"/>
+          </a:ln>
+        </p:spPr>
+        <p:style>
+          <a:lnRef idx="1">
+            <a:schemeClr val="accent1"/>
+          </a:lnRef>
+          <a:fillRef idx="0">
+            <a:schemeClr val="accent1"/>
+          </a:fillRef>
+          <a:effectRef idx="0">
+            <a:schemeClr val="accent1"/>
+          </a:effectRef>
+          <a:fontRef idx="minor">
+            <a:schemeClr val="tx1"/>
+          </a:fontRef>
+        </p:style>
+      </p:cxnSp>
+      <p:cxnSp>
+        <p:nvCxnSpPr>
+          <p:cNvPr id="75" name="Gerade Verbindung mit Pfeil 74"/>
+          <p:cNvCxnSpPr/>
+          <p:nvPr/>
+        </p:nvCxnSpPr>
+        <p:spPr>
+          <a:xfrm>
+            <a:off x="5292080" y="3451282"/>
+            <a:ext cx="679183" cy="0"/>
+          </a:xfrm>
+          <a:prstGeom prst="straightConnector1">
+            <a:avLst/>
+          </a:prstGeom>
+          <a:ln w="38100">
+            <a:tailEnd type="arrow"/>
+          </a:ln>
+        </p:spPr>
+        <p:style>
+          <a:lnRef idx="1">
+            <a:schemeClr val="accent1"/>
+          </a:lnRef>
+          <a:fillRef idx="0">
+            <a:schemeClr val="accent1"/>
+          </a:fillRef>
+          <a:effectRef idx="0">
+            <a:schemeClr val="accent1"/>
+          </a:effectRef>
+          <a:fontRef idx="minor">
+            <a:schemeClr val="tx1"/>
+          </a:fontRef>
+        </p:style>
+      </p:cxnSp>
+      <p:cxnSp>
+        <p:nvCxnSpPr>
+          <p:cNvPr id="80" name="Gerade Verbindung mit Pfeil 79"/>
+          <p:cNvCxnSpPr/>
+          <p:nvPr/>
+        </p:nvCxnSpPr>
+        <p:spPr>
+          <a:xfrm flipH="1">
+            <a:off x="5292080" y="3878997"/>
+            <a:ext cx="679183" cy="0"/>
+          </a:xfrm>
+          <a:prstGeom prst="straightConnector1">
+            <a:avLst/>
+          </a:prstGeom>
+          <a:ln w="38100">
+            <a:tailEnd type="arrow"/>
+          </a:ln>
+        </p:spPr>
+        <p:style>
+          <a:lnRef idx="1">
+            <a:schemeClr val="accent1"/>
+          </a:lnRef>
+          <a:fillRef idx="0">
+            <a:schemeClr val="accent1"/>
+          </a:fillRef>
+          <a:effectRef idx="0">
+            <a:schemeClr val="accent1"/>
+          </a:effectRef>
+          <a:fontRef idx="minor">
+            <a:schemeClr val="tx1"/>
+          </a:fontRef>
+        </p:style>
+      </p:cxnSp>
+      <p:cxnSp>
+        <p:nvCxnSpPr>
+          <p:cNvPr id="83" name="Gerade Verbindung mit Pfeil 82"/>
+          <p:cNvCxnSpPr/>
+          <p:nvPr/>
+        </p:nvCxnSpPr>
+        <p:spPr>
+          <a:xfrm>
+            <a:off x="5342384" y="4870899"/>
+            <a:ext cx="679183" cy="0"/>
+          </a:xfrm>
+          <a:prstGeom prst="straightConnector1">
+            <a:avLst/>
+          </a:prstGeom>
+          <a:ln w="38100">
+            <a:tailEnd type="arrow"/>
+          </a:ln>
+        </p:spPr>
+        <p:style>
+          <a:lnRef idx="1">
+            <a:schemeClr val="accent1"/>
+          </a:lnRef>
+          <a:fillRef idx="0">
+            <a:schemeClr val="accent1"/>
+          </a:fillRef>
+          <a:effectRef idx="0">
+            <a:schemeClr val="accent1"/>
+          </a:effectRef>
+          <a:fontRef idx="minor">
+            <a:schemeClr val="tx1"/>
+          </a:fontRef>
+        </p:style>
+      </p:cxnSp>
+      <p:cxnSp>
+        <p:nvCxnSpPr>
+          <p:cNvPr id="84" name="Gerade Verbindung mit Pfeil 83"/>
+          <p:cNvCxnSpPr/>
+          <p:nvPr/>
+        </p:nvCxnSpPr>
+        <p:spPr>
+          <a:xfrm flipH="1">
+            <a:off x="5292080" y="5343768"/>
+            <a:ext cx="679183" cy="0"/>
+          </a:xfrm>
+          <a:prstGeom prst="straightConnector1">
+            <a:avLst/>
+          </a:prstGeom>
+          <a:ln w="38100">
+            <a:tailEnd type="arrow"/>
+          </a:ln>
+        </p:spPr>
+        <p:style>
+          <a:lnRef idx="1">
+            <a:schemeClr val="accent1"/>
+          </a:lnRef>
+          <a:fillRef idx="0">
+            <a:schemeClr val="accent1"/>
+          </a:fillRef>
+          <a:effectRef idx="0">
+            <a:schemeClr val="accent1"/>
+          </a:effectRef>
+          <a:fontRef idx="minor">
+            <a:schemeClr val="tx1"/>
+          </a:fontRef>
+        </p:style>
+      </p:cxnSp>
+      <p:cxnSp>
+        <p:nvCxnSpPr>
+          <p:cNvPr id="85" name="Gerade Verbindung mit Pfeil 84"/>
+          <p:cNvCxnSpPr>
+            <a:endCxn id="4" idx="3"/>
+          </p:cNvCxnSpPr>
+          <p:nvPr/>
+        </p:nvCxnSpPr>
+        <p:spPr>
+          <a:xfrm flipH="1">
+            <a:off x="7411423" y="3631634"/>
+            <a:ext cx="760977" cy="1"/>
+          </a:xfrm>
+          <a:prstGeom prst="straightConnector1">
+            <a:avLst/>
+          </a:prstGeom>
+          <a:ln w="38100">
+            <a:tailEnd type="arrow"/>
+          </a:ln>
+        </p:spPr>
+        <p:style>
+          <a:lnRef idx="1">
+            <a:schemeClr val="accent1"/>
+          </a:lnRef>
+          <a:fillRef idx="0">
+            <a:schemeClr val="accent1"/>
+          </a:fillRef>
+          <a:effectRef idx="0">
+            <a:schemeClr val="accent1"/>
+          </a:effectRef>
+          <a:fontRef idx="minor">
+            <a:schemeClr val="tx1"/>
+          </a:fontRef>
+        </p:style>
+      </p:cxnSp>
+      <p:cxnSp>
+        <p:nvCxnSpPr>
+          <p:cNvPr id="88" name="Gerade Verbindung mit Pfeil 87"/>
+          <p:cNvCxnSpPr/>
+          <p:nvPr/>
+        </p:nvCxnSpPr>
+        <p:spPr>
+          <a:xfrm flipH="1">
+            <a:off x="7461727" y="5069171"/>
+            <a:ext cx="710673" cy="0"/>
+          </a:xfrm>
+          <a:prstGeom prst="straightConnector1">
+            <a:avLst/>
+          </a:prstGeom>
+          <a:ln w="38100">
+            <a:tailEnd type="arrow"/>
+          </a:ln>
+        </p:spPr>
+        <p:style>
+          <a:lnRef idx="1">
+            <a:schemeClr val="accent1"/>
+          </a:lnRef>
+          <a:fillRef idx="0">
+            <a:schemeClr val="accent1"/>
+          </a:fillRef>
+          <a:effectRef idx="0">
+            <a:schemeClr val="accent1"/>
+          </a:effectRef>
+          <a:fontRef idx="minor">
+            <a:schemeClr val="tx1"/>
+          </a:fontRef>
+        </p:style>
+      </p:cxnSp>
+      <p:grpSp>
+        <p:nvGrpSpPr>
+          <p:cNvPr id="89" name="Gruppieren 88"/>
+          <p:cNvGrpSpPr/>
+          <p:nvPr/>
+        </p:nvGrpSpPr>
+        <p:grpSpPr>
+          <a:xfrm>
+            <a:off x="8288796" y="4558851"/>
+            <a:ext cx="360040" cy="818939"/>
+            <a:chOff x="683568" y="1844824"/>
+            <a:chExt cx="720080" cy="1728192"/>
+          </a:xfrm>
+        </p:grpSpPr>
+        <p:sp>
+          <p:nvSpPr>
+            <p:cNvPr id="90" name="Ellipse 89"/>
+            <p:cNvSpPr/>
+            <p:nvPr/>
+          </p:nvSpPr>
+          <p:spPr>
+            <a:xfrm>
+              <a:off x="827584" y="1844824"/>
+              <a:ext cx="432048" cy="432048"/>
+            </a:xfrm>
+            <a:prstGeom prst="ellipse">
+              <a:avLst/>
+            </a:prstGeom>
+          </p:spPr>
+          <p:style>
+            <a:lnRef idx="2">
+              <a:schemeClr val="accent5"/>
+            </a:lnRef>
+            <a:fillRef idx="1">
+              <a:schemeClr val="lt1"/>
+            </a:fillRef>
+            <a:effectRef idx="0">
+              <a:schemeClr val="accent5"/>
+            </a:effectRef>
+            <a:fontRef idx="minor">
+              <a:schemeClr val="dk1"/>
+            </a:fontRef>
+          </p:style>
+          <p:txBody>
+            <a:bodyPr rtlCol="0" anchor="ctr"/>
+            <a:lstStyle/>
+            <a:p>
+              <a:pPr algn="ctr"/>
+              <a:endParaRPr lang="en-GB"/>
+            </a:p>
+          </p:txBody>
+        </p:sp>
+        <p:cxnSp>
+          <p:nvCxnSpPr>
+            <p:cNvPr id="91" name="Gerade Verbindung 90"/>
+            <p:cNvCxnSpPr>
+              <a:stCxn id="90" idx="4"/>
+            </p:cNvCxnSpPr>
+            <p:nvPr/>
+          </p:nvCxnSpPr>
+          <p:spPr>
+            <a:xfrm>
+              <a:off x="1043608" y="2276872"/>
+              <a:ext cx="0" cy="648072"/>
+            </a:xfrm>
+            <a:prstGeom prst="line">
+              <a:avLst/>
+            </a:prstGeom>
+            <a:ln/>
+          </p:spPr>
+          <p:style>
+            <a:lnRef idx="2">
+              <a:schemeClr val="accent5"/>
+            </a:lnRef>
+            <a:fillRef idx="1">
+              <a:schemeClr val="lt1"/>
+            </a:fillRef>
+            <a:effectRef idx="0">
+              <a:schemeClr val="accent5"/>
+            </a:effectRef>
+            <a:fontRef idx="minor">
+              <a:schemeClr val="dk1"/>
+            </a:fontRef>
+          </p:style>
+        </p:cxnSp>
+        <p:cxnSp>
+          <p:nvCxnSpPr>
+            <p:cNvPr id="92" name="Gerade Verbindung 91"/>
+            <p:cNvCxnSpPr/>
+            <p:nvPr/>
+          </p:nvCxnSpPr>
+          <p:spPr>
+            <a:xfrm>
+              <a:off x="683568" y="2420888"/>
+              <a:ext cx="720080" cy="0"/>
+            </a:xfrm>
+            <a:prstGeom prst="line">
+              <a:avLst/>
+            </a:prstGeom>
+            <a:ln/>
+          </p:spPr>
+          <p:style>
+            <a:lnRef idx="2">
+              <a:schemeClr val="accent5"/>
+            </a:lnRef>
+            <a:fillRef idx="1">
+              <a:schemeClr val="lt1"/>
+            </a:fillRef>
+            <a:effectRef idx="0">
+              <a:schemeClr val="accent5"/>
+            </a:effectRef>
+            <a:fontRef idx="minor">
+              <a:schemeClr val="dk1"/>
+            </a:fontRef>
+          </p:style>
+        </p:cxnSp>
+        <p:cxnSp>
+          <p:nvCxnSpPr>
+            <p:cNvPr id="93" name="Gerade Verbindung 92"/>
+            <p:cNvCxnSpPr/>
+            <p:nvPr/>
+          </p:nvCxnSpPr>
+          <p:spPr>
+            <a:xfrm flipV="1">
+              <a:off x="683568" y="2924944"/>
+              <a:ext cx="360040" cy="648072"/>
+            </a:xfrm>
+            <a:prstGeom prst="line">
+              <a:avLst/>
+            </a:prstGeom>
+            <a:ln/>
+          </p:spPr>
+          <p:style>
+            <a:lnRef idx="2">
+              <a:schemeClr val="accent5"/>
+            </a:lnRef>
+            <a:fillRef idx="1">
+              <a:schemeClr val="lt1"/>
+            </a:fillRef>
+            <a:effectRef idx="0">
+              <a:schemeClr val="accent5"/>
+            </a:effectRef>
+            <a:fontRef idx="minor">
+              <a:schemeClr val="dk1"/>
+            </a:fontRef>
+          </p:style>
+        </p:cxnSp>
+        <p:cxnSp>
+          <p:nvCxnSpPr>
+            <p:cNvPr id="94" name="Gerade Verbindung 93"/>
+            <p:cNvCxnSpPr/>
+            <p:nvPr/>
+          </p:nvCxnSpPr>
+          <p:spPr>
+            <a:xfrm flipH="1" flipV="1">
+              <a:off x="1043608" y="2924944"/>
+              <a:ext cx="360040" cy="648072"/>
+            </a:xfrm>
+            <a:prstGeom prst="line">
+              <a:avLst/>
+            </a:prstGeom>
+            <a:ln/>
+          </p:spPr>
+          <p:style>
+            <a:lnRef idx="2">
+              <a:schemeClr val="accent5"/>
+            </a:lnRef>
+            <a:fillRef idx="1">
+              <a:schemeClr val="lt1"/>
+            </a:fillRef>
+            <a:effectRef idx="0">
+              <a:schemeClr val="accent5"/>
+            </a:effectRef>
+            <a:fontRef idx="minor">
+              <a:schemeClr val="dk1"/>
+            </a:fontRef>
+          </p:style>
+        </p:cxnSp>
+      </p:grpSp>
+      <p:sp>
+        <p:nvSpPr>
+          <p:cNvPr id="95" name="Rechteck 94"/>
+          <p:cNvSpPr/>
+          <p:nvPr/>
+        </p:nvSpPr>
+        <p:spPr>
+          <a:xfrm>
+            <a:off x="5971263" y="1710013"/>
+            <a:ext cx="1440160" cy="972813"/>
+          </a:xfrm>
+          <a:prstGeom prst="rect">
+            <a:avLst/>
+          </a:prstGeom>
+          <a:solidFill>
+            <a:schemeClr val="accent1">
+              <a:lumMod val="40000"/>
+              <a:lumOff val="60000"/>
+            </a:schemeClr>
+          </a:solidFill>
+          <a:ln>
+            <a:solidFill>
+              <a:schemeClr val="accent1">
+                <a:lumMod val="60000"/>
+                <a:lumOff val="40000"/>
+              </a:schemeClr>
+            </a:solidFill>
+          </a:ln>
+        </p:spPr>
+        <p:style>
+          <a:lnRef idx="2">
+            <a:schemeClr val="accent1">
+              <a:shade val="50000"/>
+            </a:schemeClr>
+          </a:lnRef>
+          <a:fillRef idx="1">
+            <a:schemeClr val="accent1"/>
+          </a:fillRef>
+          <a:effectRef idx="0">
+            <a:schemeClr val="accent1"/>
+          </a:effectRef>
+          <a:fontRef idx="minor">
+            <a:schemeClr val="lt1"/>
+          </a:fontRef>
+        </p:style>
+        <p:txBody>
+          <a:bodyPr rtlCol="0" anchor="ctr"/>
+          <a:lstStyle/>
+          <a:p>
+            <a:pPr algn="ctr"/>
+            <a:r>
+              <a:rPr lang="en-GB" dirty="0" smtClean="0"/>
+              <a:t>Java-</a:t>
+            </a:r>
+            <a:br>
+              <a:rPr lang="en-GB" dirty="0" smtClean="0"/>
+            </a:br>
+            <a:r>
+              <a:rPr lang="en-GB" dirty="0" smtClean="0"/>
+              <a:t>Extension</a:t>
+            </a:r>
+          </a:p>
+          <a:p>
+            <a:pPr algn="ctr"/>
+            <a:r>
+              <a:rPr lang="en-GB" dirty="0" smtClean="0"/>
+              <a:t>(jar)</a:t>
+            </a:r>
+            <a:endParaRPr lang="en-GB" dirty="0" smtClean="0"/>
+          </a:p>
+        </p:txBody>
+      </p:sp>
+      <p:cxnSp>
+        <p:nvCxnSpPr>
+          <p:cNvPr id="96" name="Gerade Verbindung mit Pfeil 95"/>
+          <p:cNvCxnSpPr/>
+          <p:nvPr/>
+        </p:nvCxnSpPr>
+        <p:spPr>
+          <a:xfrm>
+            <a:off x="5292079" y="1986226"/>
+            <a:ext cx="679183" cy="0"/>
+          </a:xfrm>
+          <a:prstGeom prst="straightConnector1">
+            <a:avLst/>
+          </a:prstGeom>
+          <a:ln w="38100">
+            <a:solidFill>
+              <a:schemeClr val="accent1">
+                <a:lumMod val="60000"/>
+                <a:lumOff val="40000"/>
+              </a:schemeClr>
+            </a:solidFill>
+            <a:tailEnd type="arrow"/>
+          </a:ln>
+        </p:spPr>
+        <p:style>
+          <a:lnRef idx="1">
+            <a:schemeClr val="accent1"/>
+          </a:lnRef>
+          <a:fillRef idx="0">
+            <a:schemeClr val="accent1"/>
+          </a:fillRef>
+          <a:effectRef idx="0">
+            <a:schemeClr val="accent1"/>
+          </a:effectRef>
+          <a:fontRef idx="minor">
+            <a:schemeClr val="tx1"/>
+          </a:fontRef>
+        </p:style>
+      </p:cxnSp>
+      <p:cxnSp>
+        <p:nvCxnSpPr>
+          <p:cNvPr id="98" name="Gerade Verbindung mit Pfeil 97"/>
+          <p:cNvCxnSpPr/>
+          <p:nvPr/>
+        </p:nvCxnSpPr>
+        <p:spPr>
+          <a:xfrm flipH="1">
+            <a:off x="5292078" y="2446226"/>
+            <a:ext cx="679183" cy="0"/>
+          </a:xfrm>
+          <a:prstGeom prst="straightConnector1">
+            <a:avLst/>
+          </a:prstGeom>
+          <a:ln w="38100">
+            <a:solidFill>
+              <a:schemeClr val="accent1">
+                <a:lumMod val="60000"/>
+                <a:lumOff val="40000"/>
+              </a:schemeClr>
+            </a:solidFill>
+            <a:tailEnd type="arrow"/>
+          </a:ln>
+        </p:spPr>
+        <p:style>
+          <a:lnRef idx="1">
+            <a:schemeClr val="accent1"/>
+          </a:lnRef>
+          <a:fillRef idx="0">
+            <a:schemeClr val="accent1"/>
+          </a:fillRef>
+          <a:effectRef idx="0">
+            <a:schemeClr val="accent1"/>
+          </a:effectRef>
+          <a:fontRef idx="minor">
+            <a:schemeClr val="tx1"/>
+          </a:fontRef>
+        </p:style>
+      </p:cxnSp>
+      <p:cxnSp>
+        <p:nvCxnSpPr>
+          <p:cNvPr id="99" name="Gerade Verbindung mit Pfeil 98"/>
+          <p:cNvCxnSpPr/>
+          <p:nvPr/>
+        </p:nvCxnSpPr>
+        <p:spPr>
+          <a:xfrm flipH="1">
+            <a:off x="7411423" y="2196419"/>
+            <a:ext cx="760977" cy="0"/>
+          </a:xfrm>
+          <a:prstGeom prst="straightConnector1">
+            <a:avLst/>
+          </a:prstGeom>
+          <a:ln w="38100">
+            <a:solidFill>
+              <a:schemeClr val="accent1">
+                <a:lumMod val="60000"/>
+                <a:lumOff val="40000"/>
+              </a:schemeClr>
+            </a:solidFill>
+            <a:tailEnd type="arrow"/>
+          </a:ln>
+        </p:spPr>
+        <p:style>
+          <a:lnRef idx="1">
+            <a:schemeClr val="accent1"/>
+          </a:lnRef>
+          <a:fillRef idx="0">
+            <a:schemeClr val="accent1"/>
+          </a:fillRef>
+          <a:effectRef idx="0">
+            <a:schemeClr val="accent1"/>
+          </a:effectRef>
+          <a:fontRef idx="minor">
+            <a:schemeClr val="tx1"/>
+          </a:fontRef>
+        </p:style>
+      </p:cxnSp>
+      <p:sp>
+        <p:nvSpPr>
+          <p:cNvPr id="43" name="Rechteck 42"/>
+          <p:cNvSpPr/>
+          <p:nvPr/>
+        </p:nvSpPr>
+        <p:spPr>
+          <a:xfrm>
+            <a:off x="1691680" y="3158004"/>
+            <a:ext cx="1440160" cy="972813"/>
+          </a:xfrm>
+          <a:prstGeom prst="rect">
+            <a:avLst/>
+          </a:prstGeom>
+        </p:spPr>
+        <p:style>
+          <a:lnRef idx="2">
+            <a:schemeClr val="accent1">
+              <a:shade val="50000"/>
+            </a:schemeClr>
+          </a:lnRef>
+          <a:fillRef idx="1">
+            <a:schemeClr val="accent1"/>
+          </a:fillRef>
+          <a:effectRef idx="0">
+            <a:schemeClr val="accent1"/>
+          </a:effectRef>
+          <a:fontRef idx="minor">
+            <a:schemeClr val="lt1"/>
+          </a:fontRef>
+        </p:style>
+        <p:txBody>
+          <a:bodyPr rtlCol="0" anchor="ctr"/>
+          <a:lstStyle/>
+          <a:p>
+            <a:pPr algn="ctr"/>
+            <a:r>
+              <a:rPr lang="en-GB" dirty="0" smtClean="0"/>
+              <a:t>C-</a:t>
+            </a:r>
+            <a:br>
+              <a:rPr lang="en-GB" dirty="0" smtClean="0"/>
+            </a:br>
+            <a:r>
+              <a:rPr lang="en-GB" dirty="0" smtClean="0"/>
+              <a:t>Program</a:t>
+            </a:r>
+          </a:p>
+          <a:p>
+            <a:pPr algn="ctr"/>
+            <a:r>
+              <a:rPr lang="en-GB" dirty="0" smtClean="0"/>
+              <a:t>(exe)</a:t>
+            </a:r>
+            <a:endParaRPr lang="en-GB" dirty="0" smtClean="0"/>
+          </a:p>
+        </p:txBody>
+      </p:sp>
+      <p:grpSp>
+        <p:nvGrpSpPr>
+          <p:cNvPr id="44" name="Gruppieren 43"/>
+          <p:cNvGrpSpPr/>
+          <p:nvPr/>
+        </p:nvGrpSpPr>
+        <p:grpSpPr>
+          <a:xfrm>
+            <a:off x="642697" y="3170780"/>
+            <a:ext cx="360040" cy="818939"/>
+            <a:chOff x="683568" y="1844824"/>
+            <a:chExt cx="720080" cy="1728192"/>
+          </a:xfrm>
+        </p:grpSpPr>
+        <p:sp>
+          <p:nvSpPr>
+            <p:cNvPr id="45" name="Ellipse 44"/>
+            <p:cNvSpPr/>
+            <p:nvPr/>
+          </p:nvSpPr>
+          <p:spPr>
+            <a:xfrm>
+              <a:off x="827584" y="1844824"/>
+              <a:ext cx="432048" cy="432048"/>
+            </a:xfrm>
+            <a:prstGeom prst="ellipse">
+              <a:avLst/>
+            </a:prstGeom>
+          </p:spPr>
+          <p:style>
+            <a:lnRef idx="2">
+              <a:schemeClr val="accent5"/>
+            </a:lnRef>
+            <a:fillRef idx="1">
+              <a:schemeClr val="lt1"/>
+            </a:fillRef>
+            <a:effectRef idx="0">
+              <a:schemeClr val="accent5"/>
+            </a:effectRef>
+            <a:fontRef idx="minor">
+              <a:schemeClr val="dk1"/>
+            </a:fontRef>
+          </p:style>
+          <p:txBody>
+            <a:bodyPr rtlCol="0" anchor="ctr"/>
+            <a:lstStyle/>
+            <a:p>
+              <a:pPr algn="ctr"/>
+              <a:endParaRPr lang="en-GB"/>
+            </a:p>
+          </p:txBody>
+        </p:sp>
+        <p:cxnSp>
+          <p:nvCxnSpPr>
+            <p:cNvPr id="46" name="Gerade Verbindung 45"/>
+            <p:cNvCxnSpPr>
+              <a:stCxn id="45" idx="4"/>
+            </p:cNvCxnSpPr>
+            <p:nvPr/>
+          </p:nvCxnSpPr>
+          <p:spPr>
+            <a:xfrm>
+              <a:off x="1043608" y="2276872"/>
+              <a:ext cx="0" cy="648072"/>
+            </a:xfrm>
+            <a:prstGeom prst="line">
+              <a:avLst/>
+            </a:prstGeom>
+            <a:ln/>
+          </p:spPr>
+          <p:style>
+            <a:lnRef idx="2">
+              <a:schemeClr val="accent5"/>
+            </a:lnRef>
+            <a:fillRef idx="1">
+              <a:schemeClr val="lt1"/>
+            </a:fillRef>
+            <a:effectRef idx="0">
+              <a:schemeClr val="accent5"/>
+            </a:effectRef>
+            <a:fontRef idx="minor">
+              <a:schemeClr val="dk1"/>
+            </a:fontRef>
+          </p:style>
+        </p:cxnSp>
+        <p:cxnSp>
+          <p:nvCxnSpPr>
+            <p:cNvPr id="47" name="Gerade Verbindung 46"/>
+            <p:cNvCxnSpPr/>
+            <p:nvPr/>
+          </p:nvCxnSpPr>
+          <p:spPr>
+            <a:xfrm>
+              <a:off x="683568" y="2420888"/>
+              <a:ext cx="720080" cy="0"/>
+            </a:xfrm>
+            <a:prstGeom prst="line">
+              <a:avLst/>
+            </a:prstGeom>
+            <a:ln/>
+          </p:spPr>
+          <p:style>
+            <a:lnRef idx="2">
+              <a:schemeClr val="accent5"/>
+            </a:lnRef>
+            <a:fillRef idx="1">
+              <a:schemeClr val="lt1"/>
+            </a:fillRef>
+            <a:effectRef idx="0">
+              <a:schemeClr val="accent5"/>
+            </a:effectRef>
+            <a:fontRef idx="minor">
+              <a:schemeClr val="dk1"/>
+            </a:fontRef>
+          </p:style>
+        </p:cxnSp>
+        <p:cxnSp>
+          <p:nvCxnSpPr>
+            <p:cNvPr id="48" name="Gerade Verbindung 47"/>
+            <p:cNvCxnSpPr/>
+            <p:nvPr/>
+          </p:nvCxnSpPr>
+          <p:spPr>
+            <a:xfrm flipV="1">
+              <a:off x="683568" y="2924944"/>
+              <a:ext cx="360040" cy="648072"/>
+            </a:xfrm>
+            <a:prstGeom prst="line">
+              <a:avLst/>
+            </a:prstGeom>
+            <a:ln/>
+          </p:spPr>
+          <p:style>
+            <a:lnRef idx="2">
+              <a:schemeClr val="accent5"/>
+            </a:lnRef>
+            <a:fillRef idx="1">
+              <a:schemeClr val="lt1"/>
+            </a:fillRef>
+            <a:effectRef idx="0">
+              <a:schemeClr val="accent5"/>
+            </a:effectRef>
+            <a:fontRef idx="minor">
+              <a:schemeClr val="dk1"/>
+            </a:fontRef>
+          </p:style>
+        </p:cxnSp>
+        <p:cxnSp>
+          <p:nvCxnSpPr>
+            <p:cNvPr id="49" name="Gerade Verbindung 48"/>
+            <p:cNvCxnSpPr/>
+            <p:nvPr/>
+          </p:nvCxnSpPr>
+          <p:spPr>
+            <a:xfrm flipH="1" flipV="1">
+              <a:off x="1043608" y="2924944"/>
+              <a:ext cx="360040" cy="648072"/>
+            </a:xfrm>
+            <a:prstGeom prst="line">
+              <a:avLst/>
+            </a:prstGeom>
+            <a:ln/>
+          </p:spPr>
+          <p:style>
+            <a:lnRef idx="2">
+              <a:schemeClr val="accent5"/>
+            </a:lnRef>
+            <a:fillRef idx="1">
+              <a:schemeClr val="lt1"/>
+            </a:fillRef>
+            <a:effectRef idx="0">
+              <a:schemeClr val="accent5"/>
+            </a:effectRef>
+            <a:fontRef idx="minor">
+              <a:schemeClr val="dk1"/>
+            </a:fontRef>
+          </p:style>
+        </p:cxnSp>
+      </p:grpSp>
+      <p:cxnSp>
+        <p:nvCxnSpPr>
+          <p:cNvPr id="50" name="Gerade Verbindung mit Pfeil 49"/>
+          <p:cNvCxnSpPr>
+            <a:endCxn id="43" idx="1"/>
+          </p:cNvCxnSpPr>
+          <p:nvPr/>
+        </p:nvCxnSpPr>
+        <p:spPr>
+          <a:xfrm>
+            <a:off x="1043608" y="3644411"/>
+            <a:ext cx="648072" cy="0"/>
+          </a:xfrm>
+          <a:prstGeom prst="straightConnector1">
+            <a:avLst/>
+          </a:prstGeom>
+          <a:ln w="38100">
+            <a:tailEnd type="arrow"/>
+          </a:ln>
+        </p:spPr>
+        <p:style>
+          <a:lnRef idx="1">
+            <a:schemeClr val="accent1"/>
+          </a:lnRef>
+          <a:fillRef idx="0">
+            <a:schemeClr val="accent1"/>
+          </a:fillRef>
+          <a:effectRef idx="0">
+            <a:schemeClr val="accent1"/>
+          </a:effectRef>
+          <a:fontRef idx="minor">
+            <a:schemeClr val="tx1"/>
+          </a:fontRef>
+        </p:style>
+      </p:cxnSp>
+      <p:cxnSp>
+        <p:nvCxnSpPr>
+          <p:cNvPr id="52" name="Gerade Verbindung mit Pfeil 51"/>
+          <p:cNvCxnSpPr>
+            <a:stCxn id="43" idx="3"/>
+            <a:endCxn id="13" idx="1"/>
+          </p:cNvCxnSpPr>
+          <p:nvPr/>
+        </p:nvCxnSpPr>
+        <p:spPr>
+          <a:xfrm flipV="1">
+            <a:off x="3131840" y="3631635"/>
+            <a:ext cx="720080" cy="12776"/>
+          </a:xfrm>
+          <a:prstGeom prst="straightConnector1">
+            <a:avLst/>
+          </a:prstGeom>
+          <a:ln w="38100">
+            <a:tailEnd type="arrow"/>
+          </a:ln>
+        </p:spPr>
+        <p:style>
+          <a:lnRef idx="1">
+            <a:schemeClr val="accent1"/>
+          </a:lnRef>
+          <a:fillRef idx="0">
+            <a:schemeClr val="accent1"/>
+          </a:fillRef>
+          <a:effectRef idx="0">
+            <a:schemeClr val="accent1"/>
+          </a:effectRef>
+          <a:fontRef idx="minor">
+            <a:schemeClr val="tx1"/>
+          </a:fontRef>
+        </p:style>
+      </p:cxnSp>
+      <p:sp>
+        <p:nvSpPr>
+          <p:cNvPr id="55" name="Rechteck 54"/>
+          <p:cNvSpPr/>
+          <p:nvPr/>
+        </p:nvSpPr>
+        <p:spPr>
+          <a:xfrm>
+            <a:off x="1691680" y="4581128"/>
+            <a:ext cx="1440160" cy="972813"/>
+          </a:xfrm>
+          <a:prstGeom prst="rect">
+            <a:avLst/>
+          </a:prstGeom>
+        </p:spPr>
+        <p:style>
+          <a:lnRef idx="2">
+            <a:schemeClr val="accent1">
+              <a:shade val="50000"/>
+            </a:schemeClr>
+          </a:lnRef>
+          <a:fillRef idx="1">
+            <a:schemeClr val="accent1"/>
+          </a:fillRef>
+          <a:effectRef idx="0">
+            <a:schemeClr val="accent1"/>
+          </a:effectRef>
+          <a:fontRef idx="minor">
+            <a:schemeClr val="lt1"/>
+          </a:fontRef>
+        </p:style>
+        <p:txBody>
+          <a:bodyPr rtlCol="0" anchor="ctr"/>
+          <a:lstStyle/>
+          <a:p>
+            <a:pPr algn="ctr"/>
+            <a:r>
+              <a:rPr lang="en-GB" dirty="0" smtClean="0"/>
+              <a:t>Python-Program</a:t>
+            </a:r>
+          </a:p>
+          <a:p>
+            <a:pPr algn="ctr"/>
+            <a:r>
+              <a:rPr lang="en-GB" dirty="0" smtClean="0"/>
+              <a:t>(</a:t>
+            </a:r>
+            <a:r>
+              <a:rPr lang="en-GB" dirty="0" err="1" smtClean="0"/>
+              <a:t>py</a:t>
+            </a:r>
+            <a:r>
+              <a:rPr lang="en-GB" dirty="0"/>
+              <a:t>)</a:t>
+            </a:r>
+            <a:endParaRPr lang="en-GB" dirty="0" smtClean="0"/>
+          </a:p>
+        </p:txBody>
+      </p:sp>
+      <p:grpSp>
+        <p:nvGrpSpPr>
+          <p:cNvPr id="56" name="Gruppieren 55"/>
+          <p:cNvGrpSpPr/>
+          <p:nvPr/>
+        </p:nvGrpSpPr>
+        <p:grpSpPr>
+          <a:xfrm>
+            <a:off x="642697" y="4653722"/>
+            <a:ext cx="360040" cy="818939"/>
+            <a:chOff x="683568" y="1844824"/>
+            <a:chExt cx="720080" cy="1728192"/>
+          </a:xfrm>
+        </p:grpSpPr>
+        <p:sp>
+          <p:nvSpPr>
+            <p:cNvPr id="57" name="Ellipse 56"/>
+            <p:cNvSpPr/>
+            <p:nvPr/>
+          </p:nvSpPr>
+          <p:spPr>
+            <a:xfrm>
+              <a:off x="827584" y="1844824"/>
+              <a:ext cx="432048" cy="432048"/>
+            </a:xfrm>
+            <a:prstGeom prst="ellipse">
+              <a:avLst/>
+            </a:prstGeom>
+          </p:spPr>
+          <p:style>
+            <a:lnRef idx="2">
+              <a:schemeClr val="accent5"/>
+            </a:lnRef>
+            <a:fillRef idx="1">
+              <a:schemeClr val="lt1"/>
+            </a:fillRef>
+            <a:effectRef idx="0">
+              <a:schemeClr val="accent5"/>
+            </a:effectRef>
+            <a:fontRef idx="minor">
+              <a:schemeClr val="dk1"/>
+            </a:fontRef>
+          </p:style>
+          <p:txBody>
+            <a:bodyPr rtlCol="0" anchor="ctr"/>
+            <a:lstStyle/>
+            <a:p>
+              <a:pPr algn="ctr"/>
+              <a:endParaRPr lang="en-GB"/>
+            </a:p>
+          </p:txBody>
+        </p:sp>
+        <p:cxnSp>
+          <p:nvCxnSpPr>
+            <p:cNvPr id="58" name="Gerade Verbindung 57"/>
+            <p:cNvCxnSpPr>
+              <a:stCxn id="57" idx="4"/>
+            </p:cNvCxnSpPr>
+            <p:nvPr/>
+          </p:nvCxnSpPr>
+          <p:spPr>
+            <a:xfrm>
+              <a:off x="1043608" y="2276872"/>
+              <a:ext cx="0" cy="648072"/>
+            </a:xfrm>
+            <a:prstGeom prst="line">
+              <a:avLst/>
+            </a:prstGeom>
+            <a:ln/>
+          </p:spPr>
+          <p:style>
+            <a:lnRef idx="2">
+              <a:schemeClr val="accent5"/>
+            </a:lnRef>
+            <a:fillRef idx="1">
+              <a:schemeClr val="lt1"/>
+            </a:fillRef>
+            <a:effectRef idx="0">
+              <a:schemeClr val="accent5"/>
+            </a:effectRef>
+            <a:fontRef idx="minor">
+              <a:schemeClr val="dk1"/>
+            </a:fontRef>
+          </p:style>
+        </p:cxnSp>
+        <p:cxnSp>
+          <p:nvCxnSpPr>
+            <p:cNvPr id="59" name="Gerade Verbindung 58"/>
+            <p:cNvCxnSpPr/>
+            <p:nvPr/>
+          </p:nvCxnSpPr>
+          <p:spPr>
+            <a:xfrm>
+              <a:off x="683568" y="2420888"/>
+              <a:ext cx="720080" cy="0"/>
+            </a:xfrm>
+            <a:prstGeom prst="line">
+              <a:avLst/>
+            </a:prstGeom>
+            <a:ln/>
+          </p:spPr>
+          <p:style>
+            <a:lnRef idx="2">
+              <a:schemeClr val="accent5"/>
+            </a:lnRef>
+            <a:fillRef idx="1">
+              <a:schemeClr val="lt1"/>
+            </a:fillRef>
+            <a:effectRef idx="0">
+              <a:schemeClr val="accent5"/>
+            </a:effectRef>
+            <a:fontRef idx="minor">
+              <a:schemeClr val="dk1"/>
+            </a:fontRef>
+          </p:style>
+        </p:cxnSp>
+        <p:cxnSp>
+          <p:nvCxnSpPr>
+            <p:cNvPr id="60" name="Gerade Verbindung 59"/>
+            <p:cNvCxnSpPr/>
+            <p:nvPr/>
+          </p:nvCxnSpPr>
+          <p:spPr>
+            <a:xfrm flipV="1">
+              <a:off x="683568" y="2924944"/>
+              <a:ext cx="360040" cy="648072"/>
+            </a:xfrm>
+            <a:prstGeom prst="line">
+              <a:avLst/>
+            </a:prstGeom>
+            <a:ln/>
+          </p:spPr>
+          <p:style>
+            <a:lnRef idx="2">
+              <a:schemeClr val="accent5"/>
+            </a:lnRef>
+            <a:fillRef idx="1">
+              <a:schemeClr val="lt1"/>
+            </a:fillRef>
+            <a:effectRef idx="0">
+              <a:schemeClr val="accent5"/>
+            </a:effectRef>
+            <a:fontRef idx="minor">
+              <a:schemeClr val="dk1"/>
+            </a:fontRef>
+          </p:style>
+        </p:cxnSp>
+        <p:cxnSp>
+          <p:nvCxnSpPr>
+            <p:cNvPr id="61" name="Gerade Verbindung 60"/>
+            <p:cNvCxnSpPr/>
+            <p:nvPr/>
+          </p:nvCxnSpPr>
+          <p:spPr>
+            <a:xfrm flipH="1" flipV="1">
+              <a:off x="1043608" y="2924944"/>
+              <a:ext cx="360040" cy="648072"/>
+            </a:xfrm>
+            <a:prstGeom prst="line">
+              <a:avLst/>
+            </a:prstGeom>
+            <a:ln/>
+          </p:spPr>
+          <p:style>
+            <a:lnRef idx="2">
+              <a:schemeClr val="accent5"/>
+            </a:lnRef>
+            <a:fillRef idx="1">
+              <a:schemeClr val="lt1"/>
+            </a:fillRef>
+            <a:effectRef idx="0">
+              <a:schemeClr val="accent5"/>
+            </a:effectRef>
+            <a:fontRef idx="minor">
+              <a:schemeClr val="dk1"/>
+            </a:fontRef>
+          </p:style>
+        </p:cxnSp>
+      </p:grpSp>
+      <p:cxnSp>
+        <p:nvCxnSpPr>
+          <p:cNvPr id="62" name="Gerade Verbindung mit Pfeil 61"/>
+          <p:cNvCxnSpPr>
+            <a:endCxn id="55" idx="1"/>
+          </p:cNvCxnSpPr>
+          <p:nvPr/>
+        </p:nvCxnSpPr>
+        <p:spPr>
+          <a:xfrm>
+            <a:off x="1043608" y="5067534"/>
+            <a:ext cx="648072" cy="1"/>
+          </a:xfrm>
+          <a:prstGeom prst="straightConnector1">
+            <a:avLst/>
+          </a:prstGeom>
+          <a:ln w="38100">
+            <a:tailEnd type="arrow"/>
+          </a:ln>
+        </p:spPr>
+        <p:style>
+          <a:lnRef idx="1">
+            <a:schemeClr val="accent1"/>
+          </a:lnRef>
+          <a:fillRef idx="0">
+            <a:schemeClr val="accent1"/>
+          </a:fillRef>
+          <a:effectRef idx="0">
+            <a:schemeClr val="accent1"/>
+          </a:effectRef>
+          <a:fontRef idx="minor">
+            <a:schemeClr val="tx1"/>
+          </a:fontRef>
+        </p:style>
+      </p:cxnSp>
+      <p:cxnSp>
+        <p:nvCxnSpPr>
+          <p:cNvPr id="64" name="Gerade Verbindung mit Pfeil 63"/>
+          <p:cNvCxnSpPr>
+            <a:stCxn id="55" idx="3"/>
+            <a:endCxn id="32" idx="1"/>
+          </p:cNvCxnSpPr>
+          <p:nvPr/>
+        </p:nvCxnSpPr>
+        <p:spPr>
+          <a:xfrm>
+            <a:off x="3131840" y="5067535"/>
+            <a:ext cx="720080" cy="1637"/>
+          </a:xfrm>
+          <a:prstGeom prst="straightConnector1">
+            <a:avLst/>
+          </a:prstGeom>
+          <a:ln w="38100">
+            <a:tailEnd type="arrow"/>
+          </a:ln>
+        </p:spPr>
+        <p:style>
+          <a:lnRef idx="1">
+            <a:schemeClr val="accent1"/>
+          </a:lnRef>
+          <a:fillRef idx="0">
+            <a:schemeClr val="accent1"/>
+          </a:fillRef>
+          <a:effectRef idx="0">
+            <a:schemeClr val="accent1"/>
+          </a:effectRef>
+          <a:fontRef idx="minor">
+            <a:schemeClr val="tx1"/>
+          </a:fontRef>
+        </p:style>
+      </p:cxnSp>
+      <p:grpSp>
+        <p:nvGrpSpPr>
+          <p:cNvPr id="67" name="Gruppieren 66"/>
+          <p:cNvGrpSpPr/>
+          <p:nvPr/>
+        </p:nvGrpSpPr>
+        <p:grpSpPr>
+          <a:xfrm>
+            <a:off x="642697" y="1736098"/>
+            <a:ext cx="360040" cy="818939"/>
+            <a:chOff x="683568" y="1844824"/>
+            <a:chExt cx="720080" cy="1728192"/>
+          </a:xfrm>
+        </p:grpSpPr>
+        <p:sp>
+          <p:nvSpPr>
+            <p:cNvPr id="68" name="Ellipse 67"/>
+            <p:cNvSpPr/>
+            <p:nvPr/>
+          </p:nvSpPr>
+          <p:spPr>
+            <a:xfrm>
+              <a:off x="827584" y="1844824"/>
+              <a:ext cx="432048" cy="432048"/>
+            </a:xfrm>
+            <a:prstGeom prst="ellipse">
+              <a:avLst/>
+            </a:prstGeom>
+            <a:ln>
+              <a:solidFill>
+                <a:schemeClr val="accent1">
+                  <a:lumMod val="40000"/>
+                  <a:lumOff val="60000"/>
+                </a:schemeClr>
+              </a:solidFill>
+            </a:ln>
+          </p:spPr>
+          <p:style>
+            <a:lnRef idx="2">
+              <a:schemeClr val="accent5"/>
+            </a:lnRef>
+            <a:fillRef idx="1">
+              <a:schemeClr val="lt1"/>
+            </a:fillRef>
+            <a:effectRef idx="0">
+              <a:schemeClr val="accent5"/>
+            </a:effectRef>
+            <a:fontRef idx="minor">
+              <a:schemeClr val="dk1"/>
+            </a:fontRef>
+          </p:style>
+          <p:txBody>
+            <a:bodyPr rtlCol="0" anchor="ctr"/>
+            <a:lstStyle/>
+            <a:p>
+              <a:pPr algn="ctr"/>
+              <a:endParaRPr lang="en-GB"/>
+            </a:p>
+          </p:txBody>
+        </p:sp>
+        <p:cxnSp>
+          <p:nvCxnSpPr>
+            <p:cNvPr id="71" name="Gerade Verbindung 70"/>
+            <p:cNvCxnSpPr>
+              <a:stCxn id="68" idx="4"/>
+            </p:cNvCxnSpPr>
+            <p:nvPr/>
+          </p:nvCxnSpPr>
+          <p:spPr>
+            <a:xfrm>
+              <a:off x="1043608" y="2276872"/>
+              <a:ext cx="0" cy="648072"/>
+            </a:xfrm>
+            <a:prstGeom prst="line">
+              <a:avLst/>
+            </a:prstGeom>
+            <a:ln>
+              <a:solidFill>
+                <a:schemeClr val="accent1">
+                  <a:lumMod val="40000"/>
+                  <a:lumOff val="60000"/>
+                </a:schemeClr>
+              </a:solidFill>
+            </a:ln>
+          </p:spPr>
+          <p:style>
+            <a:lnRef idx="2">
+              <a:schemeClr val="accent5"/>
+            </a:lnRef>
+            <a:fillRef idx="1">
+              <a:schemeClr val="lt1"/>
+            </a:fillRef>
+            <a:effectRef idx="0">
+              <a:schemeClr val="accent5"/>
+            </a:effectRef>
+            <a:fontRef idx="minor">
+              <a:schemeClr val="dk1"/>
+            </a:fontRef>
+          </p:style>
+        </p:cxnSp>
+        <p:cxnSp>
+          <p:nvCxnSpPr>
+            <p:cNvPr id="72" name="Gerade Verbindung 71"/>
+            <p:cNvCxnSpPr/>
+            <p:nvPr/>
+          </p:nvCxnSpPr>
+          <p:spPr>
+            <a:xfrm>
+              <a:off x="683568" y="2420888"/>
+              <a:ext cx="720080" cy="0"/>
+            </a:xfrm>
+            <a:prstGeom prst="line">
+              <a:avLst/>
+            </a:prstGeom>
+            <a:ln>
+              <a:solidFill>
+                <a:schemeClr val="accent1">
+                  <a:lumMod val="40000"/>
+                  <a:lumOff val="60000"/>
+                </a:schemeClr>
+              </a:solidFill>
+            </a:ln>
+          </p:spPr>
+          <p:style>
+            <a:lnRef idx="2">
+              <a:schemeClr val="accent5"/>
+            </a:lnRef>
+            <a:fillRef idx="1">
+              <a:schemeClr val="lt1"/>
+            </a:fillRef>
+            <a:effectRef idx="0">
+              <a:schemeClr val="accent5"/>
+            </a:effectRef>
+            <a:fontRef idx="minor">
+              <a:schemeClr val="dk1"/>
+            </a:fontRef>
+          </p:style>
+        </p:cxnSp>
+        <p:cxnSp>
+          <p:nvCxnSpPr>
+            <p:cNvPr id="73" name="Gerade Verbindung 72"/>
+            <p:cNvCxnSpPr/>
+            <p:nvPr/>
+          </p:nvCxnSpPr>
+          <p:spPr>
+            <a:xfrm flipV="1">
+              <a:off x="683568" y="2924944"/>
+              <a:ext cx="360040" cy="648072"/>
+            </a:xfrm>
+            <a:prstGeom prst="line">
+              <a:avLst/>
+            </a:prstGeom>
+            <a:ln>
+              <a:solidFill>
+                <a:schemeClr val="accent1">
+                  <a:lumMod val="40000"/>
+                  <a:lumOff val="60000"/>
+                </a:schemeClr>
+              </a:solidFill>
+            </a:ln>
+          </p:spPr>
+          <p:style>
+            <a:lnRef idx="2">
+              <a:schemeClr val="accent5"/>
+            </a:lnRef>
+            <a:fillRef idx="1">
+              <a:schemeClr val="lt1"/>
+            </a:fillRef>
+            <a:effectRef idx="0">
+              <a:schemeClr val="accent5"/>
+            </a:effectRef>
+            <a:fontRef idx="minor">
+              <a:schemeClr val="dk1"/>
+            </a:fontRef>
+          </p:style>
+        </p:cxnSp>
+        <p:cxnSp>
+          <p:nvCxnSpPr>
+            <p:cNvPr id="76" name="Gerade Verbindung 75"/>
+            <p:cNvCxnSpPr/>
+            <p:nvPr/>
+          </p:nvCxnSpPr>
+          <p:spPr>
+            <a:xfrm flipH="1" flipV="1">
+              <a:off x="1043608" y="2924944"/>
+              <a:ext cx="360040" cy="648072"/>
+            </a:xfrm>
+            <a:prstGeom prst="line">
+              <a:avLst/>
+            </a:prstGeom>
+            <a:ln>
+              <a:solidFill>
+                <a:schemeClr val="accent1">
+                  <a:lumMod val="40000"/>
+                  <a:lumOff val="60000"/>
+                </a:schemeClr>
+              </a:solidFill>
+            </a:ln>
+          </p:spPr>
+          <p:style>
+            <a:lnRef idx="2">
+              <a:schemeClr val="accent5"/>
+            </a:lnRef>
+            <a:fillRef idx="1">
+              <a:schemeClr val="lt1"/>
+            </a:fillRef>
+            <a:effectRef idx="0">
+              <a:schemeClr val="accent5"/>
+            </a:effectRef>
+            <a:fontRef idx="minor">
+              <a:schemeClr val="dk1"/>
+            </a:fontRef>
+          </p:style>
+        </p:cxnSp>
+      </p:grpSp>
+      <p:cxnSp>
+        <p:nvCxnSpPr>
+          <p:cNvPr id="77" name="Gerade Verbindung mit Pfeil 76"/>
+          <p:cNvCxnSpPr>
+            <a:endCxn id="78" idx="1"/>
+          </p:cNvCxnSpPr>
+          <p:nvPr/>
+        </p:nvCxnSpPr>
+        <p:spPr>
+          <a:xfrm flipV="1">
+            <a:off x="1043608" y="2187201"/>
+            <a:ext cx="648072" cy="9218"/>
+          </a:xfrm>
+          <a:prstGeom prst="straightConnector1">
+            <a:avLst/>
+          </a:prstGeom>
+          <a:ln w="38100">
+            <a:solidFill>
+              <a:schemeClr val="accent1">
+                <a:lumMod val="20000"/>
+                <a:lumOff val="80000"/>
+              </a:schemeClr>
+            </a:solidFill>
+            <a:tailEnd type="arrow"/>
+          </a:ln>
+        </p:spPr>
+        <p:style>
+          <a:lnRef idx="1">
+            <a:schemeClr val="accent1"/>
+          </a:lnRef>
+          <a:fillRef idx="0">
+            <a:schemeClr val="accent1"/>
+          </a:fillRef>
+          <a:effectRef idx="0">
+            <a:schemeClr val="accent1"/>
+          </a:effectRef>
+          <a:fontRef idx="minor">
+            <a:schemeClr val="tx1"/>
+          </a:fontRef>
+        </p:style>
+      </p:cxnSp>
+      <p:sp>
+        <p:nvSpPr>
+          <p:cNvPr id="78" name="Rechteck 77"/>
+          <p:cNvSpPr/>
+          <p:nvPr/>
+        </p:nvSpPr>
+        <p:spPr>
+          <a:xfrm>
+            <a:off x="1691680" y="1700794"/>
+            <a:ext cx="1440160" cy="972813"/>
+          </a:xfrm>
+          <a:prstGeom prst="rect">
+            <a:avLst/>
+          </a:prstGeom>
+          <a:solidFill>
+            <a:schemeClr val="accent1">
+              <a:lumMod val="40000"/>
+              <a:lumOff val="60000"/>
+            </a:schemeClr>
+          </a:solidFill>
+          <a:ln>
+            <a:solidFill>
+              <a:schemeClr val="accent1">
+                <a:lumMod val="20000"/>
+                <a:lumOff val="80000"/>
+              </a:schemeClr>
+            </a:solidFill>
+          </a:ln>
+        </p:spPr>
+        <p:style>
+          <a:lnRef idx="2">
+            <a:schemeClr val="accent1">
+              <a:shade val="50000"/>
+            </a:schemeClr>
+          </a:lnRef>
+          <a:fillRef idx="1">
+            <a:schemeClr val="accent1"/>
+          </a:fillRef>
+          <a:effectRef idx="0">
+            <a:schemeClr val="accent1"/>
+          </a:effectRef>
+          <a:fontRef idx="minor">
+            <a:schemeClr val="lt1"/>
+          </a:fontRef>
+        </p:style>
+        <p:txBody>
+          <a:bodyPr rtlCol="0" anchor="ctr"/>
+          <a:lstStyle/>
+          <a:p>
+            <a:pPr algn="ctr"/>
+            <a:r>
+              <a:rPr lang="en-GB" dirty="0" smtClean="0"/>
+              <a:t>Java</a:t>
+            </a:r>
+            <a:r>
+              <a:rPr lang="en-GB" dirty="0" smtClean="0"/>
+              <a:t>-</a:t>
+            </a:r>
+            <a:br>
+              <a:rPr lang="en-GB" dirty="0" smtClean="0"/>
+            </a:br>
+            <a:r>
+              <a:rPr lang="en-GB" dirty="0" smtClean="0"/>
+              <a:t>Program</a:t>
+            </a:r>
+          </a:p>
+          <a:p>
+            <a:pPr algn="ctr"/>
+            <a:r>
+              <a:rPr lang="en-GB" dirty="0" smtClean="0"/>
+              <a:t>(jar)</a:t>
+            </a:r>
+            <a:endParaRPr lang="en-GB" dirty="0" smtClean="0"/>
+          </a:p>
+        </p:txBody>
+      </p:sp>
+      <p:cxnSp>
+        <p:nvCxnSpPr>
+          <p:cNvPr id="79" name="Gerade Verbindung mit Pfeil 78"/>
+          <p:cNvCxnSpPr>
+            <a:stCxn id="78" idx="3"/>
+            <a:endCxn id="18" idx="1"/>
+          </p:cNvCxnSpPr>
+          <p:nvPr/>
+        </p:nvCxnSpPr>
+        <p:spPr>
+          <a:xfrm>
+            <a:off x="3131840" y="2187201"/>
+            <a:ext cx="720080" cy="1651"/>
+          </a:xfrm>
+          <a:prstGeom prst="straightConnector1">
+            <a:avLst/>
+          </a:prstGeom>
+          <a:ln w="38100">
+            <a:solidFill>
+              <a:schemeClr val="accent1">
+                <a:lumMod val="20000"/>
+                <a:lumOff val="80000"/>
+              </a:schemeClr>
+            </a:solidFill>
+            <a:tailEnd type="arrow"/>
+          </a:ln>
+        </p:spPr>
+        <p:style>
+          <a:lnRef idx="1">
+            <a:schemeClr val="accent1"/>
+          </a:lnRef>
+          <a:fillRef idx="0">
+            <a:schemeClr val="accent1"/>
+          </a:fillRef>
+          <a:effectRef idx="0">
+            <a:schemeClr val="accent1"/>
+          </a:effectRef>
+          <a:fontRef idx="minor">
+            <a:schemeClr val="tx1"/>
+          </a:fontRef>
+        </p:style>
+      </p:cxnSp>
+    </p:spTree>
+    <p:extLst>
+      <p:ext uri="{BB962C8B-B14F-4D97-AF65-F5344CB8AC3E}">
+        <p14:creationId xmlns:p14="http://schemas.microsoft.com/office/powerpoint/2010/main" val="656523289"/>
+      </p:ext>
+    </p:extLst>
+  </p:cSld>
+  <p:clrMapOvr>
+    <a:masterClrMapping/>
+  </p:clrMapOvr>
+</p:sld>
+</file>
+
+<file path=ppt/slides/slide6.xml><?xml version="1.0" encoding="utf-8"?>
+<p:sld xmlns:a="http://schemas.openxmlformats.org/drawingml/2006/main" xmlns:r="http://schemas.openxmlformats.org/officeDocument/2006/relationships" xmlns:p="http://schemas.openxmlformats.org/presentationml/2006/main">
+  <p:cSld>
+    <p:spTree>
+      <p:nvGrpSpPr>
+        <p:cNvPr id="1" name=""/>
+        <p:cNvGrpSpPr/>
+        <p:nvPr/>
+      </p:nvGrpSpPr>
+      <p:grpSpPr>
+        <a:xfrm>
+          <a:off x="0" y="0"/>
+          <a:ext cx="0" cy="0"/>
+          <a:chOff x="0" y="0"/>
+          <a:chExt cx="0" cy="0"/>
+        </a:xfrm>
+      </p:grpSpPr>
+      <p:sp>
+        <p:nvSpPr>
+          <p:cNvPr id="2" name="Titel 1"/>
+          <p:cNvSpPr>
+            <a:spLocks noGrp="1"/>
+          </p:cNvSpPr>
+          <p:nvPr>
+            <p:ph type="title"/>
+          </p:nvPr>
+        </p:nvSpPr>
+        <p:spPr/>
+        <p:txBody>
           <a:bodyPr>
             <a:normAutofit fontScale="90000"/>
           </a:bodyPr>
@@ -3597,7 +9033,6 @@
               <a:rPr lang="en-GB" sz="1200" dirty="0"/>
               <a:t>2:lookup</a:t>
             </a:r>
-            <a:endParaRPr lang="en-GB" sz="1200" dirty="0"/>
           </a:p>
         </p:txBody>
       </p:sp>
@@ -3627,7 +9062,6 @@
               <a:rPr lang="en-GB" sz="1200" dirty="0"/>
               <a:t>3:create</a:t>
             </a:r>
-            <a:endParaRPr lang="en-GB" sz="1200" dirty="0"/>
           </a:p>
         </p:txBody>
       </p:sp>
@@ -3935,7 +9369,6 @@
               <a:rPr lang="en-GB" sz="1200" dirty="0"/>
               <a:t>4:create</a:t>
             </a:r>
-            <a:endParaRPr lang="en-GB" sz="1200" dirty="0"/>
           </a:p>
         </p:txBody>
       </p:sp>
@@ -4065,7 +9498,6 @@
               <a:rPr lang="en-GB" sz="1200" dirty="0"/>
               <a:t>5:import</a:t>
             </a:r>
-            <a:endParaRPr lang="en-GB" sz="1200" dirty="0"/>
           </a:p>
         </p:txBody>
       </p:sp>
@@ -4211,7 +9643,7 @@
 </p:sld>
 </file>
 
-<file path=ppt/slides/slide3.xml><?xml version="1.0" encoding="utf-8"?>
+<file path=ppt/slides/slide7.xml><?xml version="1.0" encoding="utf-8"?>
 <p:sld xmlns:a="http://schemas.openxmlformats.org/drawingml/2006/main" xmlns:r="http://schemas.openxmlformats.org/officeDocument/2006/relationships" xmlns:p="http://schemas.openxmlformats.org/presentationml/2006/main">
   <p:cSld>
     <p:spTree>
@@ -4705,7 +10137,6 @@
               <a:rPr lang="en-GB" sz="1200" dirty="0"/>
               <a:t>2:lookup</a:t>
             </a:r>
-            <a:endParaRPr lang="en-GB" sz="1200" dirty="0"/>
           </a:p>
         </p:txBody>
       </p:sp>
@@ -4735,7 +10166,6 @@
               <a:rPr lang="en-GB" sz="1200" dirty="0"/>
               <a:t>3:create</a:t>
             </a:r>
-            <a:endParaRPr lang="en-GB" sz="1200" dirty="0"/>
           </a:p>
         </p:txBody>
       </p:sp>
@@ -5043,7 +10473,6 @@
               <a:rPr lang="en-GB" sz="1200" dirty="0"/>
               <a:t>4:create</a:t>
             </a:r>
-            <a:endParaRPr lang="en-GB" sz="1200" dirty="0"/>
           </a:p>
         </p:txBody>
       </p:sp>
@@ -5173,7 +10602,6 @@
               <a:rPr lang="en-GB" sz="1200" dirty="0"/>
               <a:t>5:import</a:t>
             </a:r>
-            <a:endParaRPr lang="en-GB" sz="1200" dirty="0"/>
           </a:p>
         </p:txBody>
       </p:sp>

--- a/docs/beam-extapi.pptx
+++ b/docs/beam-extapi.pptx
@@ -12,6 +12,9 @@
     <p:sldId id="263" r:id="rId6"/>
     <p:sldId id="257" r:id="rId7"/>
     <p:sldId id="259" r:id="rId8"/>
+    <p:sldId id="265" r:id="rId9"/>
+    <p:sldId id="267" r:id="rId10"/>
+    <p:sldId id="266" r:id="rId11"/>
   </p:sldIdLst>
   <p:sldSz cx="9144000" cy="6858000" type="screen4x3"/>
   <p:notesSz cx="6858000" cy="9144000"/>
@@ -294,7 +297,7 @@
           <a:p>
             <a:fld id="{1BA50D42-C9CD-4801-B293-61D1F53EC57E}" type="datetimeFigureOut">
               <a:rPr lang="de-DE" smtClean="0"/>
-              <a:t>27.09.2012</a:t>
+              <a:t>22.10.2012</a:t>
             </a:fld>
             <a:endParaRPr lang="de-DE"/>
           </a:p>
@@ -459,7 +462,7 @@
           <a:p>
             <a:fld id="{1BA50D42-C9CD-4801-B293-61D1F53EC57E}" type="datetimeFigureOut">
               <a:rPr lang="de-DE" smtClean="0"/>
-              <a:t>27.09.2012</a:t>
+              <a:t>22.10.2012</a:t>
             </a:fld>
             <a:endParaRPr lang="de-DE"/>
           </a:p>
@@ -634,7 +637,7 @@
           <a:p>
             <a:fld id="{1BA50D42-C9CD-4801-B293-61D1F53EC57E}" type="datetimeFigureOut">
               <a:rPr lang="de-DE" smtClean="0"/>
-              <a:t>27.09.2012</a:t>
+              <a:t>22.10.2012</a:t>
             </a:fld>
             <a:endParaRPr lang="de-DE"/>
           </a:p>
@@ -799,7 +802,7 @@
           <a:p>
             <a:fld id="{1BA50D42-C9CD-4801-B293-61D1F53EC57E}" type="datetimeFigureOut">
               <a:rPr lang="de-DE" smtClean="0"/>
-              <a:t>27.09.2012</a:t>
+              <a:t>22.10.2012</a:t>
             </a:fld>
             <a:endParaRPr lang="de-DE"/>
           </a:p>
@@ -1040,7 +1043,7 @@
           <a:p>
             <a:fld id="{1BA50D42-C9CD-4801-B293-61D1F53EC57E}" type="datetimeFigureOut">
               <a:rPr lang="de-DE" smtClean="0"/>
-              <a:t>27.09.2012</a:t>
+              <a:t>22.10.2012</a:t>
             </a:fld>
             <a:endParaRPr lang="de-DE"/>
           </a:p>
@@ -1323,7 +1326,7 @@
           <a:p>
             <a:fld id="{1BA50D42-C9CD-4801-B293-61D1F53EC57E}" type="datetimeFigureOut">
               <a:rPr lang="de-DE" smtClean="0"/>
-              <a:t>27.09.2012</a:t>
+              <a:t>22.10.2012</a:t>
             </a:fld>
             <a:endParaRPr lang="de-DE"/>
           </a:p>
@@ -1740,7 +1743,7 @@
           <a:p>
             <a:fld id="{1BA50D42-C9CD-4801-B293-61D1F53EC57E}" type="datetimeFigureOut">
               <a:rPr lang="de-DE" smtClean="0"/>
-              <a:t>27.09.2012</a:t>
+              <a:t>22.10.2012</a:t>
             </a:fld>
             <a:endParaRPr lang="de-DE"/>
           </a:p>
@@ -1853,7 +1856,7 @@
           <a:p>
             <a:fld id="{1BA50D42-C9CD-4801-B293-61D1F53EC57E}" type="datetimeFigureOut">
               <a:rPr lang="de-DE" smtClean="0"/>
-              <a:t>27.09.2012</a:t>
+              <a:t>22.10.2012</a:t>
             </a:fld>
             <a:endParaRPr lang="de-DE"/>
           </a:p>
@@ -1943,7 +1946,7 @@
           <a:p>
             <a:fld id="{1BA50D42-C9CD-4801-B293-61D1F53EC57E}" type="datetimeFigureOut">
               <a:rPr lang="de-DE" smtClean="0"/>
-              <a:t>27.09.2012</a:t>
+              <a:t>22.10.2012</a:t>
             </a:fld>
             <a:endParaRPr lang="de-DE"/>
           </a:p>
@@ -2215,7 +2218,7 @@
           <a:p>
             <a:fld id="{1BA50D42-C9CD-4801-B293-61D1F53EC57E}" type="datetimeFigureOut">
               <a:rPr lang="de-DE" smtClean="0"/>
-              <a:t>27.09.2012</a:t>
+              <a:t>22.10.2012</a:t>
             </a:fld>
             <a:endParaRPr lang="de-DE"/>
           </a:p>
@@ -2463,7 +2466,7 @@
           <a:p>
             <a:fld id="{1BA50D42-C9CD-4801-B293-61D1F53EC57E}" type="datetimeFigureOut">
               <a:rPr lang="de-DE" smtClean="0"/>
-              <a:t>27.09.2012</a:t>
+              <a:t>22.10.2012</a:t>
             </a:fld>
             <a:endParaRPr lang="de-DE"/>
           </a:p>
@@ -2671,7 +2674,7 @@
           <a:p>
             <a:fld id="{1BA50D42-C9CD-4801-B293-61D1F53EC57E}" type="datetimeFigureOut">
               <a:rPr lang="de-DE" smtClean="0"/>
-              <a:t>27.09.2012</a:t>
+              <a:t>22.10.2012</a:t>
             </a:fld>
             <a:endParaRPr lang="de-DE"/>
           </a:p>
@@ -3107,6 +3110,375 @@
 </p:sld>
 </file>
 
+<file path=ppt/slides/slide10.xml><?xml version="1.0" encoding="utf-8"?>
+<p:sld xmlns:a="http://schemas.openxmlformats.org/drawingml/2006/main" xmlns:r="http://schemas.openxmlformats.org/officeDocument/2006/relationships" xmlns:p="http://schemas.openxmlformats.org/presentationml/2006/main">
+  <p:cSld>
+    <p:spTree>
+      <p:nvGrpSpPr>
+        <p:cNvPr id="1" name=""/>
+        <p:cNvGrpSpPr/>
+        <p:nvPr/>
+      </p:nvGrpSpPr>
+      <p:grpSpPr>
+        <a:xfrm>
+          <a:off x="0" y="0"/>
+          <a:ext cx="0" cy="0"/>
+          <a:chOff x="0" y="0"/>
+          <a:chExt cx="0" cy="0"/>
+        </a:xfrm>
+      </p:grpSpPr>
+      <p:sp>
+        <p:nvSpPr>
+          <p:cNvPr id="2" name="Titel 1"/>
+          <p:cNvSpPr>
+            <a:spLocks noGrp="1"/>
+          </p:cNvSpPr>
+          <p:nvPr>
+            <p:ph type="title"/>
+          </p:nvPr>
+        </p:nvSpPr>
+        <p:spPr/>
+        <p:txBody>
+          <a:bodyPr/>
+          <a:lstStyle/>
+          <a:p>
+            <a:r>
+              <a:rPr lang="en-GB" dirty="0" smtClean="0"/>
+              <a:t>Design </a:t>
+            </a:r>
+            <a:r>
+              <a:rPr lang="en-GB" dirty="0" err="1" smtClean="0"/>
+              <a:t>Decisons</a:t>
+            </a:r>
+            <a:endParaRPr lang="en-GB" dirty="0"/>
+          </a:p>
+        </p:txBody>
+      </p:sp>
+      <p:sp>
+        <p:nvSpPr>
+          <p:cNvPr id="3" name="Inhaltsplatzhalter 2"/>
+          <p:cNvSpPr>
+            <a:spLocks noGrp="1"/>
+          </p:cNvSpPr>
+          <p:nvPr>
+            <p:ph idx="1"/>
+          </p:nvPr>
+        </p:nvSpPr>
+        <p:spPr/>
+        <p:txBody>
+          <a:bodyPr>
+            <a:normAutofit fontScale="47500" lnSpcReduction="20000"/>
+          </a:bodyPr>
+          <a:lstStyle/>
+          <a:p>
+            <a:r>
+              <a:rPr lang="en-GB" dirty="0"/>
+              <a:t>Use JNI types in </a:t>
+            </a:r>
+            <a:r>
+              <a:rPr lang="en-GB" dirty="0" smtClean="0"/>
+              <a:t>C-interfaces</a:t>
+            </a:r>
+          </a:p>
+          <a:p>
+            <a:pPr lvl="1"/>
+            <a:r>
+              <a:rPr lang="en-GB" dirty="0" smtClean="0"/>
+              <a:t>Yes</a:t>
+            </a:r>
+            <a:r>
+              <a:rPr lang="en-GB" dirty="0"/>
+              <a:t>, because BEAM API is Java and as such it is much less </a:t>
+            </a:r>
+            <a:r>
+              <a:rPr lang="en-GB" dirty="0" err="1"/>
+              <a:t>verbous</a:t>
+            </a:r>
+            <a:r>
+              <a:rPr lang="en-GB" dirty="0"/>
+              <a:t> and more concise to reuse JNI types, and is </a:t>
+            </a:r>
+            <a:r>
+              <a:rPr lang="en-GB" dirty="0" err="1"/>
+              <a:t>aloso</a:t>
+            </a:r>
+            <a:r>
+              <a:rPr lang="en-GB" dirty="0"/>
+              <a:t> less </a:t>
+            </a:r>
+            <a:r>
+              <a:rPr lang="en-GB" dirty="0" smtClean="0"/>
+              <a:t>work</a:t>
+            </a:r>
+          </a:p>
+          <a:p>
+            <a:pPr lvl="1"/>
+            <a:r>
+              <a:rPr lang="en-GB" dirty="0" smtClean="0"/>
+              <a:t>No</a:t>
+            </a:r>
+            <a:r>
+              <a:rPr lang="en-GB" dirty="0"/>
+              <a:t>, because the C-API shall be independent of its implementation or </a:t>
+            </a:r>
+            <a:r>
+              <a:rPr lang="en-GB" dirty="0" smtClean="0"/>
+              <a:t>origin</a:t>
+            </a:r>
+            <a:endParaRPr lang="en-GB" dirty="0"/>
+          </a:p>
+          <a:p>
+            <a:r>
+              <a:rPr lang="en-GB" dirty="0"/>
+              <a:t>Duplicate Java API (or parts) 1:1?  (e.g. any method in Java gets its C counterpart)</a:t>
+            </a:r>
+          </a:p>
+          <a:p>
+            <a:pPr lvl="1"/>
+            <a:r>
+              <a:rPr lang="en-GB" dirty="0" smtClean="0"/>
+              <a:t>Yes</a:t>
+            </a:r>
+            <a:r>
+              <a:rPr lang="en-GB" dirty="0"/>
+              <a:t>, because the Java API docs can be reused for C API</a:t>
+            </a:r>
+            <a:r>
+              <a:rPr lang="en-GB" dirty="0" smtClean="0"/>
+              <a:t>.</a:t>
+            </a:r>
+          </a:p>
+          <a:p>
+            <a:pPr lvl="1"/>
+            <a:r>
+              <a:rPr lang="en-GB" dirty="0" smtClean="0"/>
+              <a:t>No</a:t>
+            </a:r>
+            <a:r>
+              <a:rPr lang="en-GB" dirty="0"/>
+              <a:t>, because a more concise C-API can be generated. And no, because changes in the Java API need to be reflected </a:t>
+            </a:r>
+            <a:r>
+              <a:rPr lang="en-GB" dirty="0" smtClean="0"/>
+              <a:t>in the </a:t>
+            </a:r>
+            <a:r>
+              <a:rPr lang="en-GB" dirty="0"/>
+              <a:t>C API </a:t>
+            </a:r>
+            <a:r>
+              <a:rPr lang="en-GB" dirty="0" smtClean="0"/>
+              <a:t>which </a:t>
+            </a:r>
+            <a:r>
+              <a:rPr lang="en-GB" dirty="0"/>
+              <a:t>will introduce a lot of work</a:t>
+            </a:r>
+            <a:r>
+              <a:rPr lang="en-GB" dirty="0" smtClean="0"/>
+              <a:t>.</a:t>
+            </a:r>
+            <a:endParaRPr lang="en-GB" dirty="0"/>
+          </a:p>
+          <a:p>
+            <a:r>
+              <a:rPr lang="en-GB" dirty="0"/>
+              <a:t>Shall C API functions return string buffers that users have to release </a:t>
+            </a:r>
+            <a:r>
+              <a:rPr lang="en-GB" dirty="0" smtClean="0"/>
+              <a:t>later?</a:t>
+            </a:r>
+          </a:p>
+          <a:p>
+            <a:pPr lvl="1"/>
+            <a:r>
+              <a:rPr lang="en-GB" dirty="0" smtClean="0"/>
+              <a:t>Yes</a:t>
+            </a:r>
+            <a:r>
+              <a:rPr lang="en-GB" dirty="0"/>
+              <a:t>, otherwise the signature of Java counterparts is will be different, because by-reference arguments passing </a:t>
+            </a:r>
+            <a:r>
+              <a:rPr lang="en-GB" dirty="0" smtClean="0"/>
+              <a:t>is required then.</a:t>
+            </a:r>
+            <a:br>
+              <a:rPr lang="en-GB" dirty="0" smtClean="0"/>
+            </a:br>
+            <a:r>
+              <a:rPr lang="en-GB" dirty="0" smtClean="0"/>
+              <a:t>E.g</a:t>
+            </a:r>
+            <a:r>
+              <a:rPr lang="en-GB" dirty="0"/>
+              <a:t>. instead </a:t>
+            </a:r>
+            <a:r>
+              <a:rPr lang="en-GB" dirty="0" smtClean="0"/>
+              <a:t>of</a:t>
+            </a:r>
+            <a:br>
+              <a:rPr lang="en-GB" dirty="0" smtClean="0"/>
+            </a:br>
+            <a:r>
+              <a:rPr lang="en-GB" dirty="0" smtClean="0"/>
+              <a:t>             </a:t>
+            </a:r>
+            <a:r>
+              <a:rPr lang="en-GB" dirty="0"/>
+              <a:t>char* name = </a:t>
+            </a:r>
+            <a:r>
+              <a:rPr lang="en-GB" dirty="0" err="1"/>
+              <a:t>get_name</a:t>
+            </a:r>
+            <a:r>
+              <a:rPr lang="en-GB" dirty="0"/>
+              <a:t>(</a:t>
+            </a:r>
+            <a:r>
+              <a:rPr lang="en-GB" dirty="0" err="1"/>
+              <a:t>obj</a:t>
+            </a:r>
+            <a:r>
+              <a:rPr lang="en-GB" dirty="0" smtClean="0"/>
+              <a:t>);</a:t>
+            </a:r>
+            <a:br>
+              <a:rPr lang="en-GB" dirty="0" smtClean="0"/>
+            </a:br>
+            <a:r>
+              <a:rPr lang="en-GB" dirty="0" smtClean="0"/>
+              <a:t>              ...</a:t>
+            </a:r>
+            <a:br>
+              <a:rPr lang="en-GB" dirty="0" smtClean="0"/>
+            </a:br>
+            <a:r>
+              <a:rPr lang="en-GB" dirty="0" smtClean="0"/>
+              <a:t>              </a:t>
+            </a:r>
+            <a:r>
+              <a:rPr lang="en-GB" dirty="0"/>
+              <a:t>free(name</a:t>
+            </a:r>
+            <a:r>
+              <a:rPr lang="en-GB" dirty="0" smtClean="0"/>
+              <a:t>);</a:t>
+            </a:r>
+            <a:br>
+              <a:rPr lang="en-GB" dirty="0" smtClean="0"/>
+            </a:br>
+            <a:r>
+              <a:rPr lang="en-GB" dirty="0" smtClean="0"/>
+              <a:t>we have</a:t>
+            </a:r>
+            <a:br>
+              <a:rPr lang="en-GB" dirty="0" smtClean="0"/>
+            </a:br>
+            <a:r>
+              <a:rPr lang="en-GB" dirty="0" smtClean="0"/>
+              <a:t>              </a:t>
+            </a:r>
+            <a:r>
+              <a:rPr lang="en-GB" dirty="0"/>
+              <a:t>char name[81</a:t>
+            </a:r>
+            <a:r>
+              <a:rPr lang="en-GB" dirty="0" smtClean="0"/>
+              <a:t>];</a:t>
+            </a:r>
+            <a:br>
+              <a:rPr lang="en-GB" dirty="0" smtClean="0"/>
+            </a:br>
+            <a:r>
+              <a:rPr lang="en-GB" dirty="0" smtClean="0"/>
+              <a:t>              </a:t>
+            </a:r>
+            <a:r>
+              <a:rPr lang="en-GB" dirty="0" err="1"/>
+              <a:t>get_name</a:t>
+            </a:r>
+            <a:r>
+              <a:rPr lang="en-GB" dirty="0"/>
+              <a:t>(</a:t>
+            </a:r>
+            <a:r>
+              <a:rPr lang="en-GB" dirty="0" err="1"/>
+              <a:t>obj</a:t>
+            </a:r>
+            <a:r>
+              <a:rPr lang="en-GB" dirty="0"/>
+              <a:t>, name, 80</a:t>
+            </a:r>
+            <a:r>
+              <a:rPr lang="en-GB" dirty="0" smtClean="0"/>
+              <a:t>);</a:t>
+            </a:r>
+          </a:p>
+          <a:p>
+            <a:pPr lvl="1"/>
+            <a:r>
+              <a:rPr lang="en-GB" dirty="0" smtClean="0"/>
+              <a:t>No</a:t>
+            </a:r>
+            <a:r>
+              <a:rPr lang="en-GB" dirty="0"/>
+              <a:t>, because it is </a:t>
+            </a:r>
+            <a:r>
+              <a:rPr lang="en-GB" dirty="0" smtClean="0"/>
+              <a:t>obvious </a:t>
+            </a:r>
+            <a:r>
+              <a:rPr lang="en-GB" dirty="0"/>
+              <a:t>that strings need to be freed on the users side</a:t>
+            </a:r>
+            <a:r>
+              <a:rPr lang="en-GB" dirty="0" smtClean="0"/>
+              <a:t>.</a:t>
+            </a:r>
+          </a:p>
+          <a:p>
+            <a:r>
+              <a:rPr lang="en-GB" dirty="0" smtClean="0"/>
+              <a:t>Shall </a:t>
+            </a:r>
+            <a:r>
+              <a:rPr lang="en-GB" dirty="0"/>
+              <a:t>the API allow for modification of single structures elements that are passed as arguments by-reference.?</a:t>
+            </a:r>
+          </a:p>
+          <a:p>
+            <a:endParaRPr lang="en-GB" dirty="0"/>
+          </a:p>
+          <a:p>
+            <a:endParaRPr lang="en-GB" dirty="0"/>
+          </a:p>
+        </p:txBody>
+      </p:sp>
+    </p:spTree>
+    <p:extLst>
+      <p:ext uri="{BB962C8B-B14F-4D97-AF65-F5344CB8AC3E}">
+        <p14:creationId xmlns:p14="http://schemas.microsoft.com/office/powerpoint/2010/main" val="1103487878"/>
+      </p:ext>
+    </p:extLst>
+  </p:cSld>
+  <p:clrMapOvr>
+    <a:masterClrMapping/>
+  </p:clrMapOvr>
+  <p:timing>
+    <p:tnLst>
+      <p:par>
+        <p:cTn id="1" dur="indefinite" restart="never" nodeType="tmRoot"/>
+      </p:par>
+    </p:tnLst>
+  </p:timing>
+</p:sld>
+</file>
+
 <file path=ppt/slides/slide2.xml><?xml version="1.0" encoding="utf-8"?>
 <p:sld xmlns:a="http://schemas.openxmlformats.org/drawingml/2006/main" xmlns:r="http://schemas.openxmlformats.org/officeDocument/2006/relationships" xmlns:p="http://schemas.openxmlformats.org/presentationml/2006/main">
   <p:cSld>
@@ -3419,7 +3791,6 @@
               <a:rPr lang="en-GB" dirty="0" smtClean="0"/>
               <a:t>(exe)</a:t>
             </a:r>
-            <a:endParaRPr lang="en-GB" dirty="0" smtClean="0"/>
           </a:p>
         </p:txBody>
       </p:sp>
@@ -3699,7 +4070,6 @@
               <a:rPr lang="en-GB" dirty="0" smtClean="0"/>
               <a:t>)</a:t>
             </a:r>
-            <a:endParaRPr lang="en-GB" dirty="0" smtClean="0"/>
           </a:p>
         </p:txBody>
       </p:sp>
@@ -3786,7 +4156,6 @@
               <a:rPr lang="en-GB" dirty="0" smtClean="0"/>
               <a:t>(jar)</a:t>
             </a:r>
-            <a:endParaRPr lang="en-GB" dirty="0" smtClean="0"/>
           </a:p>
         </p:txBody>
       </p:sp>
@@ -4545,11 +4914,7 @@
             <a:pPr algn="ctr"/>
             <a:r>
               <a:rPr lang="en-GB" dirty="0" smtClean="0"/>
-              <a:t>Java</a:t>
-            </a:r>
-            <a:r>
-              <a:rPr lang="en-GB" dirty="0" smtClean="0"/>
-              <a:t>-</a:t>
+              <a:t>Java-</a:t>
             </a:r>
             <a:br>
               <a:rPr lang="en-GB" dirty="0" smtClean="0"/>
@@ -4565,7 +4930,6 @@
               <a:rPr lang="en-GB" dirty="0" smtClean="0"/>
               <a:t>(jar)</a:t>
             </a:r>
-            <a:endParaRPr lang="en-GB" dirty="0" smtClean="0"/>
           </a:p>
         </p:txBody>
       </p:sp>
@@ -4621,6 +4985,13 @@
   <p:clrMapOvr>
     <a:masterClrMapping/>
   </p:clrMapOvr>
+  <p:timing>
+    <p:tnLst>
+      <p:par>
+        <p:cTn id="1" dur="indefinite" restart="never" nodeType="tmRoot"/>
+      </p:par>
+    </p:tnLst>
+  </p:timing>
 </p:sld>
 </file>
 
@@ -4726,7 +5097,6 @@
               <a:rPr lang="en-GB" dirty="0" smtClean="0"/>
               <a:t>)</a:t>
             </a:r>
-            <a:endParaRPr lang="en-GB" dirty="0" smtClean="0"/>
           </a:p>
         </p:txBody>
       </p:sp>
@@ -4971,7 +5341,6 @@
               <a:rPr lang="en-GB" dirty="0" smtClean="0"/>
               <a:t>)</a:t>
             </a:r>
-            <a:endParaRPr lang="en-GB" dirty="0" smtClean="0"/>
           </a:p>
         </p:txBody>
       </p:sp>
@@ -5022,7 +5391,6 @@
               <a:rPr lang="en-GB" dirty="0" smtClean="0"/>
               <a:t>(jar)</a:t>
             </a:r>
-            <a:endParaRPr lang="en-GB" dirty="0" smtClean="0"/>
           </a:p>
         </p:txBody>
       </p:sp>
@@ -5952,7 +6320,6 @@
               <a:rPr lang="en-GB" dirty="0" smtClean="0"/>
               <a:t>(jar)</a:t>
             </a:r>
-            <a:endParaRPr lang="en-GB" dirty="0" smtClean="0"/>
           </a:p>
         </p:txBody>
       </p:sp>
@@ -6083,6 +6450,13 @@
   <p:clrMapOvr>
     <a:masterClrMapping/>
   </p:clrMapOvr>
+  <p:timing>
+    <p:tnLst>
+      <p:par>
+        <p:cTn id="1" dur="indefinite" restart="never" nodeType="tmRoot"/>
+      </p:par>
+    </p:tnLst>
+  </p:timing>
 </p:sld>
 </file>
 
@@ -6188,7 +6562,6 @@
               <a:rPr lang="en-GB" dirty="0" smtClean="0"/>
               <a:t>)</a:t>
             </a:r>
-            <a:endParaRPr lang="en-GB" dirty="0" smtClean="0"/>
           </a:p>
         </p:txBody>
       </p:sp>
@@ -6433,7 +6806,6 @@
               <a:rPr lang="en-GB" dirty="0" smtClean="0"/>
               <a:t>)</a:t>
             </a:r>
-            <a:endParaRPr lang="en-GB" dirty="0" smtClean="0"/>
           </a:p>
         </p:txBody>
       </p:sp>
@@ -6484,7 +6856,6 @@
               <a:rPr lang="en-GB" dirty="0" smtClean="0"/>
               <a:t>(jar)</a:t>
             </a:r>
-            <a:endParaRPr lang="en-GB" dirty="0" smtClean="0"/>
           </a:p>
         </p:txBody>
       </p:sp>
@@ -7414,7 +7785,6 @@
               <a:rPr lang="en-GB" dirty="0" smtClean="0"/>
               <a:t>(jar)</a:t>
             </a:r>
-            <a:endParaRPr lang="en-GB" dirty="0" smtClean="0"/>
           </a:p>
         </p:txBody>
       </p:sp>
@@ -7589,7 +7959,6 @@
               <a:rPr lang="en-GB" dirty="0" smtClean="0"/>
               <a:t>(exe)</a:t>
             </a:r>
-            <a:endParaRPr lang="en-GB" dirty="0" smtClean="0"/>
           </a:p>
         </p:txBody>
       </p:sp>
@@ -8460,11 +8829,7 @@
             <a:pPr algn="ctr"/>
             <a:r>
               <a:rPr lang="en-GB" dirty="0" smtClean="0"/>
-              <a:t>Java</a:t>
-            </a:r>
-            <a:r>
-              <a:rPr lang="en-GB" dirty="0" smtClean="0"/>
-              <a:t>-</a:t>
+              <a:t>Java-</a:t>
             </a:r>
             <a:br>
               <a:rPr lang="en-GB" dirty="0" smtClean="0"/>
@@ -8480,7 +8845,6 @@
               <a:rPr lang="en-GB" dirty="0" smtClean="0"/>
               <a:t>(jar)</a:t>
             </a:r>
-            <a:endParaRPr lang="en-GB" dirty="0" smtClean="0"/>
           </a:p>
         </p:txBody>
       </p:sp>
@@ -8536,6 +8900,13 @@
   <p:clrMapOvr>
     <a:masterClrMapping/>
   </p:clrMapOvr>
+  <p:timing>
+    <p:tnLst>
+      <p:par>
+        <p:cTn id="1" dur="indefinite" restart="never" nodeType="tmRoot"/>
+      </p:par>
+    </p:tnLst>
+  </p:timing>
 </p:sld>
 </file>
 
@@ -10731,6 +11102,295 @@
     <p:extLst>
       <p:ext uri="{BB962C8B-B14F-4D97-AF65-F5344CB8AC3E}">
         <p14:creationId xmlns:p14="http://schemas.microsoft.com/office/powerpoint/2010/main" val="1969224"/>
+      </p:ext>
+    </p:extLst>
+  </p:cSld>
+  <p:clrMapOvr>
+    <a:masterClrMapping/>
+  </p:clrMapOvr>
+  <p:timing>
+    <p:tnLst>
+      <p:par>
+        <p:cTn id="1" dur="indefinite" restart="never" nodeType="tmRoot"/>
+      </p:par>
+    </p:tnLst>
+  </p:timing>
+</p:sld>
+</file>
+
+<file path=ppt/slides/slide8.xml><?xml version="1.0" encoding="utf-8"?>
+<p:sld xmlns:a="http://schemas.openxmlformats.org/drawingml/2006/main" xmlns:r="http://schemas.openxmlformats.org/officeDocument/2006/relationships" xmlns:p="http://schemas.openxmlformats.org/presentationml/2006/main">
+  <p:cSld>
+    <p:spTree>
+      <p:nvGrpSpPr>
+        <p:cNvPr id="1" name=""/>
+        <p:cNvGrpSpPr/>
+        <p:nvPr/>
+      </p:nvGrpSpPr>
+      <p:grpSpPr>
+        <a:xfrm>
+          <a:off x="0" y="0"/>
+          <a:ext cx="0" cy="0"/>
+          <a:chOff x="0" y="0"/>
+          <a:chExt cx="0" cy="0"/>
+        </a:xfrm>
+      </p:grpSpPr>
+      <p:sp>
+        <p:nvSpPr>
+          <p:cNvPr id="2" name="Titel 1"/>
+          <p:cNvSpPr>
+            <a:spLocks noGrp="1"/>
+          </p:cNvSpPr>
+          <p:nvPr>
+            <p:ph type="title"/>
+          </p:nvPr>
+        </p:nvSpPr>
+        <p:spPr/>
+        <p:txBody>
+          <a:bodyPr/>
+          <a:lstStyle/>
+          <a:p>
+            <a:r>
+              <a:rPr lang="en-GB" dirty="0" smtClean="0"/>
+              <a:t>Generate C and Python Code</a:t>
+            </a:r>
+            <a:endParaRPr lang="en-GB" dirty="0"/>
+          </a:p>
+        </p:txBody>
+      </p:sp>
+      <p:sp>
+        <p:nvSpPr>
+          <p:cNvPr id="3" name="Inhaltsplatzhalter 2"/>
+          <p:cNvSpPr>
+            <a:spLocks noGrp="1"/>
+          </p:cNvSpPr>
+          <p:nvPr>
+            <p:ph idx="1"/>
+          </p:nvPr>
+        </p:nvSpPr>
+        <p:spPr/>
+        <p:txBody>
+          <a:bodyPr>
+            <a:normAutofit fontScale="85000" lnSpcReduction="20000"/>
+          </a:bodyPr>
+          <a:lstStyle/>
+          <a:p>
+            <a:r>
+              <a:rPr lang="en-GB" dirty="0" smtClean="0"/>
+              <a:t>Create a compiler that generates the C and Python glue code</a:t>
+            </a:r>
+          </a:p>
+          <a:p>
+            <a:r>
+              <a:rPr lang="en-GB" dirty="0" smtClean="0"/>
+              <a:t>Pro</a:t>
+            </a:r>
+          </a:p>
+          <a:p>
+            <a:pPr lvl="1"/>
+            <a:r>
+              <a:rPr lang="en-GB" dirty="0" smtClean="0"/>
+              <a:t>Java API changes easily translate into Python/C code</a:t>
+            </a:r>
+          </a:p>
+          <a:p>
+            <a:pPr lvl="1"/>
+            <a:r>
+              <a:rPr lang="en-GB" dirty="0" smtClean="0"/>
+              <a:t>Also documentation can be generated from Java sources </a:t>
+            </a:r>
+          </a:p>
+          <a:p>
+            <a:pPr lvl="1"/>
+            <a:r>
+              <a:rPr lang="en-GB" dirty="0" smtClean="0"/>
+              <a:t>Code production can be automated</a:t>
+            </a:r>
+          </a:p>
+          <a:p>
+            <a:pPr lvl="1"/>
+            <a:r>
+              <a:rPr lang="en-GB" dirty="0" smtClean="0"/>
+              <a:t>Bugs are fixed in the compiler code, not in glue code</a:t>
+            </a:r>
+          </a:p>
+          <a:p>
+            <a:pPr lvl="1"/>
+            <a:r>
+              <a:rPr lang="en-GB" dirty="0" smtClean="0"/>
+              <a:t>Also test code might be generated</a:t>
+            </a:r>
+          </a:p>
+          <a:p>
+            <a:r>
+              <a:rPr lang="en-GB" dirty="0" smtClean="0"/>
+              <a:t>Contra</a:t>
+            </a:r>
+          </a:p>
+          <a:p>
+            <a:pPr lvl="1"/>
+            <a:r>
+              <a:rPr lang="en-GB" dirty="0" smtClean="0"/>
+              <a:t>It might take a long time to develop a mature compiler</a:t>
+            </a:r>
+          </a:p>
+          <a:p>
+            <a:pPr lvl="1"/>
+            <a:r>
+              <a:rPr lang="en-GB" dirty="0" smtClean="0"/>
+              <a:t>There might be a number of exceptions from rules</a:t>
+            </a:r>
+          </a:p>
+        </p:txBody>
+      </p:sp>
+    </p:spTree>
+    <p:extLst>
+      <p:ext uri="{BB962C8B-B14F-4D97-AF65-F5344CB8AC3E}">
+        <p14:creationId xmlns:p14="http://schemas.microsoft.com/office/powerpoint/2010/main" val="3643622142"/>
+      </p:ext>
+    </p:extLst>
+  </p:cSld>
+  <p:clrMapOvr>
+    <a:masterClrMapping/>
+  </p:clrMapOvr>
+  <p:timing>
+    <p:tnLst>
+      <p:par>
+        <p:cTn id="1" dur="indefinite" restart="never" nodeType="tmRoot"/>
+      </p:par>
+    </p:tnLst>
+  </p:timing>
+</p:sld>
+</file>
+
+<file path=ppt/slides/slide9.xml><?xml version="1.0" encoding="utf-8"?>
+<p:sld xmlns:a="http://schemas.openxmlformats.org/drawingml/2006/main" xmlns:r="http://schemas.openxmlformats.org/officeDocument/2006/relationships" xmlns:p="http://schemas.openxmlformats.org/presentationml/2006/main">
+  <p:cSld>
+    <p:spTree>
+      <p:nvGrpSpPr>
+        <p:cNvPr id="1" name=""/>
+        <p:cNvGrpSpPr/>
+        <p:nvPr/>
+      </p:nvGrpSpPr>
+      <p:grpSpPr>
+        <a:xfrm>
+          <a:off x="0" y="0"/>
+          <a:ext cx="0" cy="0"/>
+          <a:chOff x="0" y="0"/>
+          <a:chExt cx="0" cy="0"/>
+        </a:xfrm>
+      </p:grpSpPr>
+      <p:sp>
+        <p:nvSpPr>
+          <p:cNvPr id="2" name="Titel 1"/>
+          <p:cNvSpPr>
+            <a:spLocks noGrp="1"/>
+          </p:cNvSpPr>
+          <p:nvPr>
+            <p:ph type="title"/>
+          </p:nvPr>
+        </p:nvSpPr>
+        <p:spPr/>
+        <p:txBody>
+          <a:bodyPr/>
+          <a:lstStyle/>
+          <a:p>
+            <a:r>
+              <a:rPr lang="en-GB" dirty="0" smtClean="0"/>
+              <a:t>Compiler Design Issues</a:t>
+            </a:r>
+            <a:endParaRPr lang="en-GB" dirty="0"/>
+          </a:p>
+        </p:txBody>
+      </p:sp>
+      <p:sp>
+        <p:nvSpPr>
+          <p:cNvPr id="3" name="Inhaltsplatzhalter 2"/>
+          <p:cNvSpPr>
+            <a:spLocks noGrp="1"/>
+          </p:cNvSpPr>
+          <p:nvPr>
+            <p:ph idx="1"/>
+          </p:nvPr>
+        </p:nvSpPr>
+        <p:spPr/>
+        <p:txBody>
+          <a:bodyPr>
+            <a:normAutofit fontScale="92500" lnSpcReduction="20000"/>
+          </a:bodyPr>
+          <a:lstStyle/>
+          <a:p>
+            <a:r>
+              <a:rPr lang="en-GB" dirty="0" smtClean="0"/>
+              <a:t>In order to avoid binding of all Java code,</a:t>
+            </a:r>
+          </a:p>
+          <a:p>
+            <a:pPr lvl="1"/>
+            <a:r>
+              <a:rPr lang="en-GB" dirty="0" smtClean="0"/>
+              <a:t>define a list of types for which code shall be generated (Product, Band, </a:t>
+            </a:r>
+            <a:r>
+              <a:rPr lang="en-GB" dirty="0" err="1" smtClean="0"/>
+              <a:t>TiePointGrid</a:t>
+            </a:r>
+            <a:r>
+              <a:rPr lang="en-GB" dirty="0" smtClean="0"/>
+              <a:t>, …)</a:t>
+            </a:r>
+          </a:p>
+          <a:p>
+            <a:pPr lvl="1"/>
+            <a:r>
+              <a:rPr lang="en-GB" dirty="0"/>
+              <a:t>f</a:t>
+            </a:r>
+            <a:r>
+              <a:rPr lang="en-GB" dirty="0" smtClean="0"/>
+              <a:t>or some types or single methods, we will provide hand-written code (File, String, …)</a:t>
+            </a:r>
+            <a:endParaRPr lang="en-GB" dirty="0"/>
+          </a:p>
+          <a:p>
+            <a:pPr lvl="1"/>
+            <a:r>
+              <a:rPr lang="en-GB" dirty="0" smtClean="0"/>
+              <a:t>methods that have types in their signature, that are not in this list, will not be translated</a:t>
+            </a:r>
+          </a:p>
+          <a:p>
+            <a:r>
+              <a:rPr lang="en-GB" dirty="0" smtClean="0"/>
+              <a:t>consider </a:t>
+            </a:r>
+            <a:r>
+              <a:rPr lang="en-GB" dirty="0" err="1" smtClean="0"/>
+              <a:t>javacc</a:t>
+            </a:r>
+            <a:r>
+              <a:rPr lang="en-GB" dirty="0" smtClean="0"/>
+              <a:t> to do the job</a:t>
+            </a:r>
+          </a:p>
+          <a:p>
+            <a:r>
+              <a:rPr lang="en-GB" dirty="0" smtClean="0"/>
+              <a:t>consider annotations to control code generation</a:t>
+            </a:r>
+          </a:p>
+          <a:p>
+            <a:r>
+              <a:rPr lang="en-GB" dirty="0" smtClean="0"/>
+              <a:t>code generation might be done through patterns, e.g. implemented by velocity templates</a:t>
+            </a:r>
+          </a:p>
+        </p:txBody>
+      </p:sp>
+    </p:spTree>
+    <p:extLst>
+      <p:ext uri="{BB962C8B-B14F-4D97-AF65-F5344CB8AC3E}">
+        <p14:creationId xmlns:p14="http://schemas.microsoft.com/office/powerpoint/2010/main" val="1053306664"/>
       </p:ext>
     </p:extLst>
   </p:cSld>

--- a/docs/beam-extapi.pptx
+++ b/docs/beam-extapi.pptx
@@ -297,7 +297,7 @@
           <a:p>
             <a:fld id="{1BA50D42-C9CD-4801-B293-61D1F53EC57E}" type="datetimeFigureOut">
               <a:rPr lang="de-DE" smtClean="0"/>
-              <a:t>22.10.2012</a:t>
+              <a:t>31.10.2012</a:t>
             </a:fld>
             <a:endParaRPr lang="de-DE"/>
           </a:p>
@@ -462,7 +462,7 @@
           <a:p>
             <a:fld id="{1BA50D42-C9CD-4801-B293-61D1F53EC57E}" type="datetimeFigureOut">
               <a:rPr lang="de-DE" smtClean="0"/>
-              <a:t>22.10.2012</a:t>
+              <a:t>31.10.2012</a:t>
             </a:fld>
             <a:endParaRPr lang="de-DE"/>
           </a:p>
@@ -637,7 +637,7 @@
           <a:p>
             <a:fld id="{1BA50D42-C9CD-4801-B293-61D1F53EC57E}" type="datetimeFigureOut">
               <a:rPr lang="de-DE" smtClean="0"/>
-              <a:t>22.10.2012</a:t>
+              <a:t>31.10.2012</a:t>
             </a:fld>
             <a:endParaRPr lang="de-DE"/>
           </a:p>
@@ -802,7 +802,7 @@
           <a:p>
             <a:fld id="{1BA50D42-C9CD-4801-B293-61D1F53EC57E}" type="datetimeFigureOut">
               <a:rPr lang="de-DE" smtClean="0"/>
-              <a:t>22.10.2012</a:t>
+              <a:t>31.10.2012</a:t>
             </a:fld>
             <a:endParaRPr lang="de-DE"/>
           </a:p>
@@ -1043,7 +1043,7 @@
           <a:p>
             <a:fld id="{1BA50D42-C9CD-4801-B293-61D1F53EC57E}" type="datetimeFigureOut">
               <a:rPr lang="de-DE" smtClean="0"/>
-              <a:t>22.10.2012</a:t>
+              <a:t>31.10.2012</a:t>
             </a:fld>
             <a:endParaRPr lang="de-DE"/>
           </a:p>
@@ -1326,7 +1326,7 @@
           <a:p>
             <a:fld id="{1BA50D42-C9CD-4801-B293-61D1F53EC57E}" type="datetimeFigureOut">
               <a:rPr lang="de-DE" smtClean="0"/>
-              <a:t>22.10.2012</a:t>
+              <a:t>31.10.2012</a:t>
             </a:fld>
             <a:endParaRPr lang="de-DE"/>
           </a:p>
@@ -1743,7 +1743,7 @@
           <a:p>
             <a:fld id="{1BA50D42-C9CD-4801-B293-61D1F53EC57E}" type="datetimeFigureOut">
               <a:rPr lang="de-DE" smtClean="0"/>
-              <a:t>22.10.2012</a:t>
+              <a:t>31.10.2012</a:t>
             </a:fld>
             <a:endParaRPr lang="de-DE"/>
           </a:p>
@@ -1856,7 +1856,7 @@
           <a:p>
             <a:fld id="{1BA50D42-C9CD-4801-B293-61D1F53EC57E}" type="datetimeFigureOut">
               <a:rPr lang="de-DE" smtClean="0"/>
-              <a:t>22.10.2012</a:t>
+              <a:t>31.10.2012</a:t>
             </a:fld>
             <a:endParaRPr lang="de-DE"/>
           </a:p>
@@ -1946,7 +1946,7 @@
           <a:p>
             <a:fld id="{1BA50D42-C9CD-4801-B293-61D1F53EC57E}" type="datetimeFigureOut">
               <a:rPr lang="de-DE" smtClean="0"/>
-              <a:t>22.10.2012</a:t>
+              <a:t>31.10.2012</a:t>
             </a:fld>
             <a:endParaRPr lang="de-DE"/>
           </a:p>
@@ -2218,7 +2218,7 @@
           <a:p>
             <a:fld id="{1BA50D42-C9CD-4801-B293-61D1F53EC57E}" type="datetimeFigureOut">
               <a:rPr lang="de-DE" smtClean="0"/>
-              <a:t>22.10.2012</a:t>
+              <a:t>31.10.2012</a:t>
             </a:fld>
             <a:endParaRPr lang="de-DE"/>
           </a:p>
@@ -2466,7 +2466,7 @@
           <a:p>
             <a:fld id="{1BA50D42-C9CD-4801-B293-61D1F53EC57E}" type="datetimeFigureOut">
               <a:rPr lang="de-DE" smtClean="0"/>
-              <a:t>22.10.2012</a:t>
+              <a:t>31.10.2012</a:t>
             </a:fld>
             <a:endParaRPr lang="de-DE"/>
           </a:p>
@@ -2674,7 +2674,7 @@
           <a:p>
             <a:fld id="{1BA50D42-C9CD-4801-B293-61D1F53EC57E}" type="datetimeFigureOut">
               <a:rPr lang="de-DE" smtClean="0"/>
-              <a:t>22.10.2012</a:t>
+              <a:t>31.10.2012</a:t>
             </a:fld>
             <a:endParaRPr lang="de-DE"/>
           </a:p>
@@ -3694,6 +3694,13 @@
   <p:clrMapOvr>
     <a:masterClrMapping/>
   </p:clrMapOvr>
+  <p:timing>
+    <p:tnLst>
+      <p:par>
+        <p:cTn id="1" dur="indefinite" restart="never" nodeType="tmRoot"/>
+      </p:par>
+    </p:tnLst>
+  </p:timing>
 </p:sld>
 </file>
 
@@ -3753,16 +3760,14 @@
           </a:prstGeom>
         </p:spPr>
         <p:style>
-          <a:lnRef idx="2">
-            <a:schemeClr val="accent1">
-              <a:shade val="50000"/>
-            </a:schemeClr>
+          <a:lnRef idx="3">
+            <a:schemeClr val="lt1"/>
           </a:lnRef>
           <a:fillRef idx="1">
-            <a:schemeClr val="accent1"/>
+            <a:schemeClr val="accent5"/>
           </a:fillRef>
-          <a:effectRef idx="0">
-            <a:schemeClr val="accent1"/>
+          <a:effectRef idx="1">
+            <a:schemeClr val="accent5"/>
           </a:effectRef>
           <a:fontRef idx="minor">
             <a:schemeClr val="lt1"/>
@@ -3775,7 +3780,11 @@
             <a:pPr algn="ctr"/>
             <a:r>
               <a:rPr lang="en-GB" dirty="0" smtClean="0"/>
-              <a:t>C-</a:t>
+              <a:t>C</a:t>
+            </a:r>
+            <a:r>
+              <a:rPr lang="en-GB" dirty="0" smtClean="0"/>
+              <a:t/>
             </a:r>
             <a:br>
               <a:rPr lang="en-GB" dirty="0" smtClean="0"/>
@@ -3802,7 +3811,7 @@
         </p:nvGrpSpPr>
         <p:grpSpPr>
           <a:xfrm>
-            <a:off x="755576" y="3212426"/>
+            <a:off x="1187624" y="3218944"/>
             <a:ext cx="360040" cy="818939"/>
             <a:chOff x="683568" y="1844824"/>
             <a:chExt cx="720080" cy="1728192"/>
@@ -3982,9 +3991,9 @@
           <p:nvPr/>
         </p:nvCxnSpPr>
         <p:spPr>
-          <a:xfrm>
-            <a:off x="1385795" y="3628414"/>
-            <a:ext cx="1020737" cy="1"/>
+          <a:xfrm flipV="1">
+            <a:off x="1691680" y="3628415"/>
+            <a:ext cx="714852" cy="1583"/>
           </a:xfrm>
           <a:prstGeom prst="straightConnector1">
             <a:avLst/>
@@ -4024,16 +4033,14 @@
           </a:prstGeom>
         </p:spPr>
         <p:style>
-          <a:lnRef idx="2">
-            <a:schemeClr val="accent1">
-              <a:shade val="50000"/>
-            </a:schemeClr>
+          <a:lnRef idx="3">
+            <a:schemeClr val="lt1"/>
           </a:lnRef>
           <a:fillRef idx="1">
-            <a:schemeClr val="accent1"/>
+            <a:schemeClr val="accent3"/>
           </a:fillRef>
-          <a:effectRef idx="0">
-            <a:schemeClr val="accent1"/>
+          <a:effectRef idx="1">
+            <a:schemeClr val="accent3"/>
           </a:effectRef>
           <a:fontRef idx="minor">
             <a:schemeClr val="lt1"/>
@@ -4053,8 +4060,9 @@
             </a:br>
             <a:r>
               <a:rPr lang="en-GB" dirty="0" smtClean="0"/>
-              <a:t>C-API</a:t>
-            </a:r>
+              <a:t>C API</a:t>
+            </a:r>
+            <a:endParaRPr lang="en-GB" dirty="0" smtClean="0"/>
           </a:p>
           <a:p>
             <a:pPr algn="ctr"/>
@@ -4125,16 +4133,14 @@
           </a:prstGeom>
         </p:spPr>
         <p:style>
-          <a:lnRef idx="2">
-            <a:schemeClr val="accent1">
-              <a:shade val="50000"/>
-            </a:schemeClr>
+          <a:lnRef idx="3">
+            <a:schemeClr val="lt1"/>
           </a:lnRef>
           <a:fillRef idx="1">
-            <a:schemeClr val="accent1"/>
+            <a:schemeClr val="accent3"/>
           </a:fillRef>
-          <a:effectRef idx="0">
-            <a:schemeClr val="accent1"/>
+          <a:effectRef idx="1">
+            <a:schemeClr val="accent3"/>
           </a:effectRef>
           <a:fontRef idx="minor">
             <a:schemeClr val="lt1"/>
@@ -4147,7 +4153,22 @@
             <a:pPr algn="ctr"/>
             <a:r>
               <a:rPr lang="en-GB" dirty="0" smtClean="0"/>
-              <a:t>BEAM Java API</a:t>
+              <a:t>BEAM </a:t>
+            </a:r>
+            <a:r>
+              <a:rPr lang="en-GB" dirty="0" smtClean="0"/>
+              <a:t/>
+            </a:r>
+            <a:br>
+              <a:rPr lang="en-GB" dirty="0" smtClean="0"/>
+            </a:br>
+            <a:r>
+              <a:rPr lang="en-GB" dirty="0" smtClean="0"/>
+              <a:t>Java </a:t>
+            </a:r>
+            <a:r>
+              <a:rPr lang="en-GB" dirty="0" smtClean="0"/>
+              <a:t>API</a:t>
             </a:r>
           </a:p>
           <a:p>
@@ -4211,16 +4232,14 @@
           </a:prstGeom>
         </p:spPr>
         <p:style>
-          <a:lnRef idx="2">
-            <a:schemeClr val="accent1">
-              <a:shade val="50000"/>
-            </a:schemeClr>
+          <a:lnRef idx="3">
+            <a:schemeClr val="lt1"/>
           </a:lnRef>
           <a:fillRef idx="1">
-            <a:schemeClr val="accent1"/>
+            <a:schemeClr val="accent5"/>
           </a:fillRef>
-          <a:effectRef idx="0">
-            <a:schemeClr val="accent1"/>
+          <a:effectRef idx="1">
+            <a:schemeClr val="accent5"/>
           </a:effectRef>
           <a:fontRef idx="minor">
             <a:schemeClr val="lt1"/>
@@ -4233,8 +4252,16 @@
             <a:pPr algn="ctr"/>
             <a:r>
               <a:rPr lang="en-GB" dirty="0" smtClean="0"/>
-              <a:t>Python-Program</a:t>
-            </a:r>
+              <a:t>Python</a:t>
+            </a:r>
+            <a:br>
+              <a:rPr lang="en-GB" dirty="0" smtClean="0"/>
+            </a:br>
+            <a:r>
+              <a:rPr lang="en-GB" dirty="0" smtClean="0"/>
+              <a:t>Program</a:t>
+            </a:r>
+            <a:endParaRPr lang="en-GB" dirty="0" smtClean="0"/>
           </a:p>
           <a:p>
             <a:pPr algn="ctr"/>
@@ -4262,7 +4289,7 @@
         </p:nvGrpSpPr>
         <p:grpSpPr>
           <a:xfrm>
-            <a:off x="755576" y="4695368"/>
+            <a:off x="1187624" y="4658064"/>
             <a:ext cx="360040" cy="818939"/>
             <a:chOff x="683568" y="1844824"/>
             <a:chExt cx="720080" cy="1728192"/>
@@ -4443,8 +4470,8 @@
         </p:nvCxnSpPr>
         <p:spPr>
           <a:xfrm>
-            <a:off x="1385795" y="5067535"/>
-            <a:ext cx="1020737" cy="0"/>
+            <a:off x="1691680" y="5067535"/>
+            <a:ext cx="714852" cy="0"/>
           </a:xfrm>
           <a:prstGeom prst="straightConnector1">
             <a:avLst/>
@@ -4484,16 +4511,14 @@
           </a:prstGeom>
         </p:spPr>
         <p:style>
-          <a:lnRef idx="2">
-            <a:schemeClr val="accent1">
-              <a:shade val="50000"/>
-            </a:schemeClr>
+          <a:lnRef idx="3">
+            <a:schemeClr val="lt1"/>
           </a:lnRef>
           <a:fillRef idx="1">
-            <a:schemeClr val="accent1"/>
+            <a:schemeClr val="accent3"/>
           </a:fillRef>
-          <a:effectRef idx="0">
-            <a:schemeClr val="accent1"/>
+          <a:effectRef idx="1">
+            <a:schemeClr val="accent3"/>
           </a:effectRef>
           <a:fontRef idx="minor">
             <a:schemeClr val="lt1"/>
@@ -4614,7 +4639,7 @@
         </p:nvGrpSpPr>
         <p:grpSpPr>
           <a:xfrm>
-            <a:off x="755576" y="1777744"/>
+            <a:off x="1187624" y="1794673"/>
             <a:ext cx="360040" cy="818939"/>
             <a:chOff x="683568" y="1844824"/>
             <a:chExt cx="720080" cy="1728192"/>
@@ -4831,8 +4856,8 @@
         </p:nvCxnSpPr>
         <p:spPr>
           <a:xfrm>
-            <a:off x="1331640" y="2204144"/>
-            <a:ext cx="1074892" cy="0"/>
+            <a:off x="1691680" y="2204144"/>
+            <a:ext cx="714852" cy="0"/>
           </a:xfrm>
           <a:prstGeom prst="straightConnector1">
             <a:avLst/>
@@ -4840,8 +4865,8 @@
           <a:ln w="38100">
             <a:solidFill>
               <a:schemeClr val="accent1">
-                <a:lumMod val="20000"/>
-                <a:lumOff val="80000"/>
+                <a:lumMod val="60000"/>
+                <a:lumOff val="40000"/>
               </a:schemeClr>
             </a:solidFill>
             <a:tailEnd type="arrow"/>
@@ -4877,31 +4902,21 @@
             <a:avLst/>
           </a:prstGeom>
           <a:solidFill>
-            <a:schemeClr val="accent1">
-              <a:lumMod val="40000"/>
-              <a:lumOff val="60000"/>
+            <a:schemeClr val="accent5">
+              <a:alpha val="30000"/>
             </a:schemeClr>
           </a:solidFill>
-          <a:ln>
-            <a:solidFill>
-              <a:schemeClr val="accent1">
-                <a:lumMod val="20000"/>
-                <a:lumOff val="80000"/>
-              </a:schemeClr>
-            </a:solidFill>
-          </a:ln>
+          <a:ln/>
         </p:spPr>
         <p:style>
-          <a:lnRef idx="2">
-            <a:schemeClr val="accent1">
-              <a:shade val="50000"/>
-            </a:schemeClr>
+          <a:lnRef idx="3">
+            <a:schemeClr val="lt1"/>
           </a:lnRef>
           <a:fillRef idx="1">
-            <a:schemeClr val="accent1"/>
+            <a:schemeClr val="accent5"/>
           </a:fillRef>
-          <a:effectRef idx="0">
-            <a:schemeClr val="accent1"/>
+          <a:effectRef idx="1">
+            <a:schemeClr val="accent5"/>
           </a:effectRef>
           <a:fontRef idx="minor">
             <a:schemeClr val="lt1"/>
@@ -4914,20 +4929,24 @@
             <a:pPr algn="ctr"/>
             <a:r>
               <a:rPr lang="en-GB" dirty="0" smtClean="0"/>
-              <a:t>Java-</a:t>
+              <a:t>Java</a:t>
+            </a:r>
+            <a:r>
+              <a:rPr lang="en-GB" dirty="0"/>
+              <a:t/>
             </a:r>
             <a:br>
-              <a:rPr lang="en-GB" dirty="0" smtClean="0"/>
+              <a:rPr lang="en-GB" dirty="0"/>
             </a:br>
             <a:r>
-              <a:rPr lang="en-GB" dirty="0" smtClean="0"/>
+              <a:rPr lang="en-GB" dirty="0"/>
               <a:t>Program</a:t>
             </a:r>
           </a:p>
           <a:p>
             <a:pPr algn="ctr"/>
             <a:r>
-              <a:rPr lang="en-GB" dirty="0" smtClean="0"/>
+              <a:rPr lang="en-GB" dirty="0"/>
               <a:t>(jar)</a:t>
             </a:r>
           </a:p>
@@ -4953,8 +4972,8 @@
           <a:ln w="38100">
             <a:solidFill>
               <a:schemeClr val="accent1">
-                <a:lumMod val="20000"/>
-                <a:lumOff val="80000"/>
+                <a:lumMod val="60000"/>
+                <a:lumOff val="40000"/>
               </a:schemeClr>
             </a:solidFill>
             <a:tailEnd type="arrow"/>
@@ -5051,16 +5070,14 @@
           </a:prstGeom>
         </p:spPr>
         <p:style>
-          <a:lnRef idx="2">
-            <a:schemeClr val="accent1">
-              <a:shade val="50000"/>
-            </a:schemeClr>
+          <a:lnRef idx="3">
+            <a:schemeClr val="lt1"/>
           </a:lnRef>
           <a:fillRef idx="1">
-            <a:schemeClr val="accent1"/>
+            <a:schemeClr val="accent5"/>
           </a:fillRef>
-          <a:effectRef idx="0">
-            <a:schemeClr val="accent1"/>
+          <a:effectRef idx="1">
+            <a:schemeClr val="accent5"/>
           </a:effectRef>
           <a:fontRef idx="minor">
             <a:schemeClr val="lt1"/>
@@ -5073,7 +5090,11 @@
             <a:pPr algn="ctr"/>
             <a:r>
               <a:rPr lang="en-GB" dirty="0" smtClean="0"/>
-              <a:t>C-</a:t>
+              <a:t>C</a:t>
+            </a:r>
+            <a:r>
+              <a:rPr lang="en-GB" dirty="0" smtClean="0"/>
+              <a:t/>
             </a:r>
             <a:br>
               <a:rPr lang="en-GB" dirty="0" smtClean="0"/>
@@ -5108,7 +5129,7 @@
         </p:nvGrpSpPr>
         <p:grpSpPr>
           <a:xfrm>
-            <a:off x="7380312" y="3212426"/>
+            <a:off x="6876256" y="3222165"/>
             <a:ext cx="360040" cy="818939"/>
             <a:chOff x="683568" y="1844824"/>
             <a:chExt cx="720080" cy="1728192"/>
@@ -5295,16 +5316,14 @@
           </a:prstGeom>
         </p:spPr>
         <p:style>
-          <a:lnRef idx="2">
-            <a:schemeClr val="accent1">
-              <a:shade val="50000"/>
-            </a:schemeClr>
+          <a:lnRef idx="3">
+            <a:schemeClr val="lt1"/>
           </a:lnRef>
           <a:fillRef idx="1">
-            <a:schemeClr val="accent1"/>
+            <a:schemeClr val="accent3"/>
           </a:fillRef>
-          <a:effectRef idx="0">
-            <a:schemeClr val="accent1"/>
+          <a:effectRef idx="1">
+            <a:schemeClr val="accent3"/>
           </a:effectRef>
           <a:fontRef idx="minor">
             <a:schemeClr val="lt1"/>
@@ -5324,8 +5343,9 @@
             </a:br>
             <a:r>
               <a:rPr lang="en-GB" dirty="0" smtClean="0"/>
-              <a:t>C-API</a:t>
-            </a:r>
+              <a:t>C API</a:t>
+            </a:r>
+            <a:endParaRPr lang="en-GB" dirty="0" smtClean="0"/>
           </a:p>
           <a:p>
             <a:pPr algn="ctr"/>
@@ -5360,16 +5380,14 @@
           </a:prstGeom>
         </p:spPr>
         <p:style>
-          <a:lnRef idx="2">
-            <a:schemeClr val="accent1">
-              <a:shade val="50000"/>
-            </a:schemeClr>
+          <a:lnRef idx="3">
+            <a:schemeClr val="lt1"/>
           </a:lnRef>
           <a:fillRef idx="1">
-            <a:schemeClr val="accent1"/>
+            <a:schemeClr val="accent3"/>
           </a:fillRef>
-          <a:effectRef idx="0">
-            <a:schemeClr val="accent1"/>
+          <a:effectRef idx="1">
+            <a:schemeClr val="accent3"/>
           </a:effectRef>
           <a:fontRef idx="minor">
             <a:schemeClr val="lt1"/>
@@ -5382,7 +5400,22 @@
             <a:pPr algn="ctr"/>
             <a:r>
               <a:rPr lang="en-GB" dirty="0" smtClean="0"/>
-              <a:t>BEAM Java API</a:t>
+              <a:t>BEAM </a:t>
+            </a:r>
+            <a:r>
+              <a:rPr lang="en-GB" dirty="0" smtClean="0"/>
+              <a:t/>
+            </a:r>
+            <a:br>
+              <a:rPr lang="en-GB" dirty="0" smtClean="0"/>
+            </a:br>
+            <a:r>
+              <a:rPr lang="en-GB" dirty="0" smtClean="0"/>
+              <a:t>Java </a:t>
+            </a:r>
+            <a:r>
+              <a:rPr lang="en-GB" dirty="0" smtClean="0"/>
+              <a:t>API</a:t>
             </a:r>
           </a:p>
           <a:p>
@@ -5410,16 +5443,14 @@
           </a:prstGeom>
         </p:spPr>
         <p:style>
-          <a:lnRef idx="2">
-            <a:schemeClr val="accent1">
-              <a:shade val="50000"/>
-            </a:schemeClr>
+          <a:lnRef idx="3">
+            <a:schemeClr val="lt1"/>
           </a:lnRef>
           <a:fillRef idx="1">
-            <a:schemeClr val="accent1"/>
+            <a:schemeClr val="accent5"/>
           </a:fillRef>
-          <a:effectRef idx="0">
-            <a:schemeClr val="accent1"/>
+          <a:effectRef idx="1">
+            <a:schemeClr val="accent5"/>
           </a:effectRef>
           <a:fontRef idx="minor">
             <a:schemeClr val="lt1"/>
@@ -5432,8 +5463,9 @@
             <a:pPr algn="ctr"/>
             <a:r>
               <a:rPr lang="en-GB" dirty="0" smtClean="0"/>
-              <a:t>Python-</a:t>
-            </a:r>
+              <a:t>Python</a:t>
+            </a:r>
+            <a:endParaRPr lang="en-GB" dirty="0" smtClean="0"/>
           </a:p>
           <a:p>
             <a:pPr algn="ctr"/>
@@ -5476,16 +5508,14 @@
           </a:prstGeom>
         </p:spPr>
         <p:style>
-          <a:lnRef idx="2">
-            <a:schemeClr val="accent1">
-              <a:shade val="50000"/>
-            </a:schemeClr>
+          <a:lnRef idx="3">
+            <a:schemeClr val="lt1"/>
           </a:lnRef>
           <a:fillRef idx="1">
-            <a:schemeClr val="accent1"/>
+            <a:schemeClr val="accent3"/>
           </a:fillRef>
-          <a:effectRef idx="0">
-            <a:schemeClr val="accent1"/>
+          <a:effectRef idx="1">
+            <a:schemeClr val="accent3"/>
           </a:effectRef>
           <a:fontRef idx="minor">
             <a:schemeClr val="lt1"/>
@@ -5534,7 +5564,7 @@
         </p:nvGrpSpPr>
         <p:grpSpPr>
           <a:xfrm>
-            <a:off x="7334690" y="1786950"/>
+            <a:off x="6876256" y="1786950"/>
             <a:ext cx="360040" cy="818939"/>
             <a:chOff x="683568" y="1844824"/>
             <a:chExt cx="720080" cy="1728192"/>
@@ -5822,6 +5852,11 @@
             <a:avLst/>
           </a:prstGeom>
           <a:ln w="38100">
+            <a:solidFill>
+              <a:schemeClr val="accent6">
+                <a:lumMod val="75000"/>
+              </a:schemeClr>
+            </a:solidFill>
             <a:tailEnd type="arrow"/>
           </a:ln>
         </p:spPr>
@@ -5855,6 +5890,11 @@
             <a:avLst/>
           </a:prstGeom>
           <a:ln w="38100">
+            <a:solidFill>
+              <a:schemeClr val="accent6">
+                <a:lumMod val="75000"/>
+              </a:schemeClr>
+            </a:solidFill>
             <a:tailEnd type="arrow"/>
           </a:ln>
         </p:spPr>
@@ -5888,6 +5928,11 @@
             <a:avLst/>
           </a:prstGeom>
           <a:ln w="38100">
+            <a:solidFill>
+              <a:schemeClr val="accent6">
+                <a:lumMod val="75000"/>
+              </a:schemeClr>
+            </a:solidFill>
             <a:tailEnd type="arrow"/>
           </a:ln>
         </p:spPr>
@@ -5954,6 +5999,11 @@
             <a:avLst/>
           </a:prstGeom>
           <a:ln w="38100">
+            <a:solidFill>
+              <a:schemeClr val="accent6">
+                <a:lumMod val="75000"/>
+              </a:schemeClr>
+            </a:solidFill>
             <a:tailEnd type="arrow"/>
           </a:ln>
         </p:spPr>
@@ -6015,8 +6065,8 @@
         </p:nvCxnSpPr>
         <p:spPr>
           <a:xfrm flipH="1">
-            <a:off x="5961856" y="3631636"/>
-            <a:ext cx="1202432" cy="0"/>
+            <a:off x="5961856" y="3631635"/>
+            <a:ext cx="770384" cy="1"/>
           </a:xfrm>
           <a:prstGeom prst="straightConnector1">
             <a:avLst/>
@@ -6049,7 +6099,7 @@
         <p:spPr>
           <a:xfrm flipH="1">
             <a:off x="6012160" y="5069172"/>
-            <a:ext cx="1202432" cy="0"/>
+            <a:ext cx="720080" cy="0"/>
           </a:xfrm>
           <a:prstGeom prst="straightConnector1">
             <a:avLst/>
@@ -6081,7 +6131,7 @@
         </p:nvGrpSpPr>
         <p:grpSpPr>
           <a:xfrm>
-            <a:off x="7424700" y="4582766"/>
+            <a:off x="6876256" y="4659702"/>
             <a:ext cx="360040" cy="818939"/>
             <a:chOff x="683568" y="1844824"/>
             <a:chExt cx="720080" cy="1728192"/>
@@ -6267,31 +6317,21 @@
             <a:avLst/>
           </a:prstGeom>
           <a:solidFill>
-            <a:schemeClr val="accent1">
-              <a:lumMod val="40000"/>
-              <a:lumOff val="60000"/>
+            <a:schemeClr val="accent5">
+              <a:alpha val="30000"/>
             </a:schemeClr>
           </a:solidFill>
-          <a:ln>
-            <a:solidFill>
-              <a:schemeClr val="accent1">
-                <a:lumMod val="60000"/>
-                <a:lumOff val="40000"/>
-              </a:schemeClr>
-            </a:solidFill>
-          </a:ln>
+          <a:ln/>
         </p:spPr>
         <p:style>
-          <a:lnRef idx="2">
-            <a:schemeClr val="accent1">
-              <a:shade val="50000"/>
-            </a:schemeClr>
+          <a:lnRef idx="3">
+            <a:schemeClr val="lt1"/>
           </a:lnRef>
           <a:fillRef idx="1">
-            <a:schemeClr val="accent1"/>
+            <a:schemeClr val="accent5"/>
           </a:fillRef>
-          <a:effectRef idx="0">
-            <a:schemeClr val="accent1"/>
+          <a:effectRef idx="1">
+            <a:schemeClr val="accent5"/>
           </a:effectRef>
           <a:fontRef idx="minor">
             <a:schemeClr val="lt1"/>
@@ -6304,20 +6344,24 @@
             <a:pPr algn="ctr"/>
             <a:r>
               <a:rPr lang="en-GB" dirty="0" smtClean="0"/>
-              <a:t>Java-</a:t>
+              <a:t>Java</a:t>
+            </a:r>
+            <a:r>
+              <a:rPr lang="en-GB" dirty="0"/>
+              <a:t/>
             </a:r>
             <a:br>
-              <a:rPr lang="en-GB" dirty="0" smtClean="0"/>
+              <a:rPr lang="en-GB" dirty="0"/>
             </a:br>
             <a:r>
-              <a:rPr lang="en-GB" dirty="0" smtClean="0"/>
+              <a:rPr lang="en-GB" dirty="0"/>
               <a:t>Extension</a:t>
             </a:r>
           </a:p>
           <a:p>
             <a:pPr algn="ctr"/>
             <a:r>
-              <a:rPr lang="en-GB" dirty="0" smtClean="0"/>
+              <a:rPr lang="en-GB" dirty="0"/>
               <a:t>(jar)</a:t>
             </a:r>
           </a:p>
@@ -6332,6 +6376,45 @@
         <p:spPr>
           <a:xfrm>
             <a:off x="3842512" y="1986227"/>
+            <a:ext cx="679183" cy="0"/>
+          </a:xfrm>
+          <a:prstGeom prst="straightConnector1">
+            <a:avLst/>
+          </a:prstGeom>
+          <a:ln w="38100">
+            <a:solidFill>
+              <a:schemeClr val="accent6">
+                <a:lumMod val="60000"/>
+                <a:lumOff val="40000"/>
+              </a:schemeClr>
+            </a:solidFill>
+            <a:tailEnd type="arrow"/>
+          </a:ln>
+        </p:spPr>
+        <p:style>
+          <a:lnRef idx="1">
+            <a:schemeClr val="accent1"/>
+          </a:lnRef>
+          <a:fillRef idx="0">
+            <a:schemeClr val="accent1"/>
+          </a:fillRef>
+          <a:effectRef idx="0">
+            <a:schemeClr val="accent1"/>
+          </a:effectRef>
+          <a:fontRef idx="minor">
+            <a:schemeClr val="tx1"/>
+          </a:fontRef>
+        </p:style>
+      </p:cxnSp>
+      <p:cxnSp>
+        <p:nvCxnSpPr>
+          <p:cNvPr id="98" name="Gerade Verbindung mit Pfeil 97"/>
+          <p:cNvCxnSpPr/>
+          <p:nvPr/>
+        </p:nvCxnSpPr>
+        <p:spPr>
+          <a:xfrm flipH="1">
+            <a:off x="3842511" y="2446227"/>
             <a:ext cx="679183" cy="0"/>
           </a:xfrm>
           <a:prstGeom prst="straightConnector1">
@@ -6364,45 +6447,6 @@
       </p:cxnSp>
       <p:cxnSp>
         <p:nvCxnSpPr>
-          <p:cNvPr id="98" name="Gerade Verbindung mit Pfeil 97"/>
-          <p:cNvCxnSpPr/>
-          <p:nvPr/>
-        </p:nvCxnSpPr>
-        <p:spPr>
-          <a:xfrm flipH="1">
-            <a:off x="3842511" y="2446227"/>
-            <a:ext cx="679183" cy="0"/>
-          </a:xfrm>
-          <a:prstGeom prst="straightConnector1">
-            <a:avLst/>
-          </a:prstGeom>
-          <a:ln w="38100">
-            <a:solidFill>
-              <a:schemeClr val="accent1">
-                <a:lumMod val="60000"/>
-                <a:lumOff val="40000"/>
-              </a:schemeClr>
-            </a:solidFill>
-            <a:tailEnd type="arrow"/>
-          </a:ln>
-        </p:spPr>
-        <p:style>
-          <a:lnRef idx="1">
-            <a:schemeClr val="accent1"/>
-          </a:lnRef>
-          <a:fillRef idx="0">
-            <a:schemeClr val="accent1"/>
-          </a:fillRef>
-          <a:effectRef idx="0">
-            <a:schemeClr val="accent1"/>
-          </a:effectRef>
-          <a:fontRef idx="minor">
-            <a:schemeClr val="tx1"/>
-          </a:fontRef>
-        </p:style>
-      </p:cxnSp>
-      <p:cxnSp>
-        <p:nvCxnSpPr>
           <p:cNvPr id="99" name="Gerade Verbindung mit Pfeil 98"/>
           <p:cNvCxnSpPr/>
           <p:nvPr/>
@@ -6410,7 +6454,7 @@
         <p:spPr>
           <a:xfrm flipH="1">
             <a:off x="5961856" y="2196420"/>
-            <a:ext cx="1202432" cy="0"/>
+            <a:ext cx="770384" cy="0"/>
           </a:xfrm>
           <a:prstGeom prst="straightConnector1">
             <a:avLst/>
@@ -6516,16 +6560,14 @@
           </a:prstGeom>
         </p:spPr>
         <p:style>
-          <a:lnRef idx="2">
-            <a:schemeClr val="accent1">
-              <a:shade val="50000"/>
-            </a:schemeClr>
+          <a:lnRef idx="3">
+            <a:schemeClr val="lt1"/>
           </a:lnRef>
           <a:fillRef idx="1">
-            <a:schemeClr val="accent1"/>
+            <a:schemeClr val="accent5"/>
           </a:fillRef>
-          <a:effectRef idx="0">
-            <a:schemeClr val="accent1"/>
+          <a:effectRef idx="1">
+            <a:schemeClr val="accent5"/>
           </a:effectRef>
           <a:fontRef idx="minor">
             <a:schemeClr val="lt1"/>
@@ -6538,7 +6580,11 @@
             <a:pPr algn="ctr"/>
             <a:r>
               <a:rPr lang="en-GB" dirty="0" smtClean="0"/>
-              <a:t>C-</a:t>
+              <a:t>C</a:t>
+            </a:r>
+            <a:r>
+              <a:rPr lang="en-GB" dirty="0" smtClean="0"/>
+              <a:t/>
             </a:r>
             <a:br>
               <a:rPr lang="en-GB" dirty="0" smtClean="0"/>
@@ -6760,16 +6806,14 @@
           </a:prstGeom>
         </p:spPr>
         <p:style>
-          <a:lnRef idx="2">
-            <a:schemeClr val="accent1">
-              <a:shade val="50000"/>
-            </a:schemeClr>
+          <a:lnRef idx="3">
+            <a:schemeClr val="lt1"/>
           </a:lnRef>
           <a:fillRef idx="1">
-            <a:schemeClr val="accent1"/>
+            <a:schemeClr val="accent3"/>
           </a:fillRef>
-          <a:effectRef idx="0">
-            <a:schemeClr val="accent1"/>
+          <a:effectRef idx="1">
+            <a:schemeClr val="accent3"/>
           </a:effectRef>
           <a:fontRef idx="minor">
             <a:schemeClr val="lt1"/>
@@ -6789,8 +6833,9 @@
             </a:br>
             <a:r>
               <a:rPr lang="en-GB" dirty="0" smtClean="0"/>
-              <a:t>C-API</a:t>
-            </a:r>
+              <a:t>C API</a:t>
+            </a:r>
+            <a:endParaRPr lang="en-GB" dirty="0"/>
           </a:p>
           <a:p>
             <a:pPr algn="ctr"/>
@@ -6825,16 +6870,14 @@
           </a:prstGeom>
         </p:spPr>
         <p:style>
-          <a:lnRef idx="2">
-            <a:schemeClr val="accent1">
-              <a:shade val="50000"/>
-            </a:schemeClr>
+          <a:lnRef idx="3">
+            <a:schemeClr val="lt1"/>
           </a:lnRef>
           <a:fillRef idx="1">
-            <a:schemeClr val="accent1"/>
+            <a:schemeClr val="accent3"/>
           </a:fillRef>
-          <a:effectRef idx="0">
-            <a:schemeClr val="accent1"/>
+          <a:effectRef idx="1">
+            <a:schemeClr val="accent3"/>
           </a:effectRef>
           <a:fontRef idx="minor">
             <a:schemeClr val="lt1"/>
@@ -6847,7 +6890,18 @@
             <a:pPr algn="ctr"/>
             <a:r>
               <a:rPr lang="en-GB" dirty="0" smtClean="0"/>
-              <a:t>BEAM Java API</a:t>
+              <a:t>BEAM</a:t>
+            </a:r>
+            <a:br>
+              <a:rPr lang="en-GB" dirty="0" smtClean="0"/>
+            </a:br>
+            <a:r>
+              <a:rPr lang="en-GB" dirty="0" smtClean="0"/>
+              <a:t>Java </a:t>
+            </a:r>
+            <a:r>
+              <a:rPr lang="en-GB" dirty="0"/>
+              <a:t>API</a:t>
             </a:r>
           </a:p>
           <a:p>
@@ -6875,16 +6929,14 @@
           </a:prstGeom>
         </p:spPr>
         <p:style>
-          <a:lnRef idx="2">
-            <a:schemeClr val="accent1">
-              <a:shade val="50000"/>
-            </a:schemeClr>
+          <a:lnRef idx="3">
+            <a:schemeClr val="lt1"/>
           </a:lnRef>
           <a:fillRef idx="1">
-            <a:schemeClr val="accent1"/>
+            <a:schemeClr val="accent5"/>
           </a:fillRef>
-          <a:effectRef idx="0">
-            <a:schemeClr val="accent1"/>
+          <a:effectRef idx="1">
+            <a:schemeClr val="accent5"/>
           </a:effectRef>
           <a:fontRef idx="minor">
             <a:schemeClr val="lt1"/>
@@ -6897,7 +6949,7 @@
             <a:pPr algn="ctr"/>
             <a:r>
               <a:rPr lang="en-GB" dirty="0" smtClean="0"/>
-              <a:t>Python-</a:t>
+              <a:t>Python</a:t>
             </a:r>
           </a:p>
           <a:p>
@@ -6906,6 +6958,7 @@
               <a:rPr lang="en-GB" dirty="0" smtClean="0"/>
               <a:t>Extension</a:t>
             </a:r>
+            <a:endParaRPr lang="en-GB" dirty="0" smtClean="0"/>
           </a:p>
           <a:p>
             <a:pPr algn="ctr"/>
@@ -6941,16 +6994,14 @@
           </a:prstGeom>
         </p:spPr>
         <p:style>
-          <a:lnRef idx="2">
-            <a:schemeClr val="accent1">
-              <a:shade val="50000"/>
-            </a:schemeClr>
+          <a:lnRef idx="3">
+            <a:schemeClr val="lt1"/>
           </a:lnRef>
           <a:fillRef idx="1">
-            <a:schemeClr val="accent1"/>
+            <a:schemeClr val="accent3"/>
           </a:fillRef>
-          <a:effectRef idx="0">
-            <a:schemeClr val="accent1"/>
+          <a:effectRef idx="1">
+            <a:schemeClr val="accent3"/>
           </a:effectRef>
           <a:fontRef idx="minor">
             <a:schemeClr val="lt1"/>
@@ -7287,6 +7338,11 @@
             <a:avLst/>
           </a:prstGeom>
           <a:ln w="38100">
+            <a:solidFill>
+              <a:schemeClr val="accent6">
+                <a:lumMod val="75000"/>
+              </a:schemeClr>
+            </a:solidFill>
             <a:tailEnd type="arrow"/>
           </a:ln>
         </p:spPr>
@@ -7320,6 +7376,11 @@
             <a:avLst/>
           </a:prstGeom>
           <a:ln w="38100">
+            <a:solidFill>
+              <a:schemeClr val="accent6">
+                <a:lumMod val="75000"/>
+              </a:schemeClr>
+            </a:solidFill>
             <a:tailEnd type="arrow"/>
           </a:ln>
         </p:spPr>
@@ -7345,14 +7406,19 @@
           <p:nvPr/>
         </p:nvCxnSpPr>
         <p:spPr>
-          <a:xfrm>
-            <a:off x="5292080" y="3451282"/>
-            <a:ext cx="679183" cy="0"/>
+          <a:xfrm flipV="1">
+            <a:off x="5342384" y="3451282"/>
+            <a:ext cx="628879" cy="10209"/>
           </a:xfrm>
           <a:prstGeom prst="straightConnector1">
             <a:avLst/>
           </a:prstGeom>
           <a:ln w="38100">
+            <a:solidFill>
+              <a:schemeClr val="accent6">
+                <a:lumMod val="75000"/>
+              </a:schemeClr>
+            </a:solidFill>
             <a:tailEnd type="arrow"/>
           </a:ln>
         </p:spPr>
@@ -7419,6 +7485,11 @@
             <a:avLst/>
           </a:prstGeom>
           <a:ln w="38100">
+            <a:solidFill>
+              <a:schemeClr val="accent6">
+                <a:lumMod val="75000"/>
+              </a:schemeClr>
+            </a:solidFill>
             <a:tailEnd type="arrow"/>
           </a:ln>
         </p:spPr>
@@ -7732,31 +7803,21 @@
             <a:avLst/>
           </a:prstGeom>
           <a:solidFill>
-            <a:schemeClr val="accent1">
-              <a:lumMod val="40000"/>
-              <a:lumOff val="60000"/>
+            <a:schemeClr val="accent5">
+              <a:alpha val="30000"/>
             </a:schemeClr>
           </a:solidFill>
-          <a:ln>
-            <a:solidFill>
-              <a:schemeClr val="accent1">
-                <a:lumMod val="60000"/>
-                <a:lumOff val="40000"/>
-              </a:schemeClr>
-            </a:solidFill>
-          </a:ln>
+          <a:ln/>
         </p:spPr>
         <p:style>
-          <a:lnRef idx="2">
-            <a:schemeClr val="accent1">
-              <a:shade val="50000"/>
-            </a:schemeClr>
+          <a:lnRef idx="3">
+            <a:schemeClr val="lt1"/>
           </a:lnRef>
           <a:fillRef idx="1">
-            <a:schemeClr val="accent1"/>
+            <a:schemeClr val="accent5"/>
           </a:fillRef>
-          <a:effectRef idx="0">
-            <a:schemeClr val="accent1"/>
+          <a:effectRef idx="1">
+            <a:schemeClr val="accent5"/>
           </a:effectRef>
           <a:fontRef idx="minor">
             <a:schemeClr val="lt1"/>
@@ -7769,20 +7830,24 @@
             <a:pPr algn="ctr"/>
             <a:r>
               <a:rPr lang="en-GB" dirty="0" smtClean="0"/>
-              <a:t>Java-</a:t>
+              <a:t>Java</a:t>
+            </a:r>
+            <a:r>
+              <a:rPr lang="en-GB" dirty="0"/>
+              <a:t/>
             </a:r>
             <a:br>
-              <a:rPr lang="en-GB" dirty="0" smtClean="0"/>
+              <a:rPr lang="en-GB" dirty="0"/>
             </a:br>
             <a:r>
-              <a:rPr lang="en-GB" dirty="0" smtClean="0"/>
+              <a:rPr lang="en-GB" dirty="0"/>
               <a:t>Extension</a:t>
             </a:r>
           </a:p>
           <a:p>
             <a:pPr algn="ctr"/>
             <a:r>
-              <a:rPr lang="en-GB" dirty="0" smtClean="0"/>
+              <a:rPr lang="en-GB" dirty="0"/>
               <a:t>(jar)</a:t>
             </a:r>
           </a:p>
@@ -7797,6 +7862,45 @@
         <p:spPr>
           <a:xfrm>
             <a:off x="5292079" y="1986226"/>
+            <a:ext cx="679183" cy="0"/>
+          </a:xfrm>
+          <a:prstGeom prst="straightConnector1">
+            <a:avLst/>
+          </a:prstGeom>
+          <a:ln w="38100">
+            <a:solidFill>
+              <a:schemeClr val="accent6">
+                <a:lumMod val="60000"/>
+                <a:lumOff val="40000"/>
+              </a:schemeClr>
+            </a:solidFill>
+            <a:tailEnd type="arrow"/>
+          </a:ln>
+        </p:spPr>
+        <p:style>
+          <a:lnRef idx="1">
+            <a:schemeClr val="accent1"/>
+          </a:lnRef>
+          <a:fillRef idx="0">
+            <a:schemeClr val="accent1"/>
+          </a:fillRef>
+          <a:effectRef idx="0">
+            <a:schemeClr val="accent1"/>
+          </a:effectRef>
+          <a:fontRef idx="minor">
+            <a:schemeClr val="tx1"/>
+          </a:fontRef>
+        </p:style>
+      </p:cxnSp>
+      <p:cxnSp>
+        <p:nvCxnSpPr>
+          <p:cNvPr id="98" name="Gerade Verbindung mit Pfeil 97"/>
+          <p:cNvCxnSpPr/>
+          <p:nvPr/>
+        </p:nvCxnSpPr>
+        <p:spPr>
+          <a:xfrm flipH="1">
+            <a:off x="5292078" y="2446226"/>
             <a:ext cx="679183" cy="0"/>
           </a:xfrm>
           <a:prstGeom prst="straightConnector1">
@@ -7829,14 +7933,14 @@
       </p:cxnSp>
       <p:cxnSp>
         <p:nvCxnSpPr>
-          <p:cNvPr id="98" name="Gerade Verbindung mit Pfeil 97"/>
+          <p:cNvPr id="99" name="Gerade Verbindung mit Pfeil 98"/>
           <p:cNvCxnSpPr/>
           <p:nvPr/>
         </p:nvCxnSpPr>
         <p:spPr>
           <a:xfrm flipH="1">
-            <a:off x="5292078" y="2446226"/>
-            <a:ext cx="679183" cy="0"/>
+            <a:off x="7411423" y="2196419"/>
+            <a:ext cx="760977" cy="0"/>
           </a:xfrm>
           <a:prstGeom prst="straightConnector1">
             <a:avLst/>
@@ -7866,45 +7970,6 @@
           </a:fontRef>
         </p:style>
       </p:cxnSp>
-      <p:cxnSp>
-        <p:nvCxnSpPr>
-          <p:cNvPr id="99" name="Gerade Verbindung mit Pfeil 98"/>
-          <p:cNvCxnSpPr/>
-          <p:nvPr/>
-        </p:nvCxnSpPr>
-        <p:spPr>
-          <a:xfrm flipH="1">
-            <a:off x="7411423" y="2196419"/>
-            <a:ext cx="760977" cy="0"/>
-          </a:xfrm>
-          <a:prstGeom prst="straightConnector1">
-            <a:avLst/>
-          </a:prstGeom>
-          <a:ln w="38100">
-            <a:solidFill>
-              <a:schemeClr val="accent1">
-                <a:lumMod val="60000"/>
-                <a:lumOff val="40000"/>
-              </a:schemeClr>
-            </a:solidFill>
-            <a:tailEnd type="arrow"/>
-          </a:ln>
-        </p:spPr>
-        <p:style>
-          <a:lnRef idx="1">
-            <a:schemeClr val="accent1"/>
-          </a:lnRef>
-          <a:fillRef idx="0">
-            <a:schemeClr val="accent1"/>
-          </a:fillRef>
-          <a:effectRef idx="0">
-            <a:schemeClr val="accent1"/>
-          </a:effectRef>
-          <a:fontRef idx="minor">
-            <a:schemeClr val="tx1"/>
-          </a:fontRef>
-        </p:style>
-      </p:cxnSp>
       <p:sp>
         <p:nvSpPr>
           <p:cNvPr id="43" name="Rechteck 42"/>
@@ -7921,16 +7986,14 @@
           </a:prstGeom>
         </p:spPr>
         <p:style>
-          <a:lnRef idx="2">
-            <a:schemeClr val="accent1">
-              <a:shade val="50000"/>
-            </a:schemeClr>
+          <a:lnRef idx="3">
+            <a:schemeClr val="lt1"/>
           </a:lnRef>
           <a:fillRef idx="1">
-            <a:schemeClr val="accent1"/>
+            <a:schemeClr val="accent5"/>
           </a:fillRef>
-          <a:effectRef idx="0">
-            <a:schemeClr val="accent1"/>
+          <a:effectRef idx="1">
+            <a:schemeClr val="accent5"/>
           </a:effectRef>
           <a:fontRef idx="minor">
             <a:schemeClr val="lt1"/>
@@ -7943,7 +8006,11 @@
             <a:pPr algn="ctr"/>
             <a:r>
               <a:rPr lang="en-GB" dirty="0" smtClean="0"/>
-              <a:t>C-</a:t>
+              <a:t>C</a:t>
+            </a:r>
+            <a:r>
+              <a:rPr lang="en-GB" dirty="0" smtClean="0"/>
+              <a:t/>
             </a:r>
             <a:br>
               <a:rPr lang="en-GB" dirty="0" smtClean="0"/>
@@ -8228,16 +8295,14 @@
           </a:prstGeom>
         </p:spPr>
         <p:style>
-          <a:lnRef idx="2">
-            <a:schemeClr val="accent1">
-              <a:shade val="50000"/>
-            </a:schemeClr>
+          <a:lnRef idx="3">
+            <a:schemeClr val="lt1"/>
           </a:lnRef>
           <a:fillRef idx="1">
-            <a:schemeClr val="accent1"/>
+            <a:schemeClr val="accent5"/>
           </a:fillRef>
-          <a:effectRef idx="0">
-            <a:schemeClr val="accent1"/>
+          <a:effectRef idx="1">
+            <a:schemeClr val="accent5"/>
           </a:effectRef>
           <a:fontRef idx="minor">
             <a:schemeClr val="lt1"/>
@@ -8755,8 +8820,8 @@
           <a:ln w="38100">
             <a:solidFill>
               <a:schemeClr val="accent1">
-                <a:lumMod val="20000"/>
-                <a:lumOff val="80000"/>
+                <a:lumMod val="60000"/>
+                <a:lumOff val="40000"/>
               </a:schemeClr>
             </a:solidFill>
             <a:tailEnd type="arrow"/>
@@ -8792,31 +8857,21 @@
             <a:avLst/>
           </a:prstGeom>
           <a:solidFill>
-            <a:schemeClr val="accent1">
-              <a:lumMod val="40000"/>
-              <a:lumOff val="60000"/>
+            <a:schemeClr val="accent5">
+              <a:alpha val="30000"/>
             </a:schemeClr>
           </a:solidFill>
-          <a:ln>
-            <a:solidFill>
-              <a:schemeClr val="accent1">
-                <a:lumMod val="20000"/>
-                <a:lumOff val="80000"/>
-              </a:schemeClr>
-            </a:solidFill>
-          </a:ln>
+          <a:ln/>
         </p:spPr>
         <p:style>
-          <a:lnRef idx="2">
-            <a:schemeClr val="accent1">
-              <a:shade val="50000"/>
-            </a:schemeClr>
+          <a:lnRef idx="3">
+            <a:schemeClr val="lt1"/>
           </a:lnRef>
           <a:fillRef idx="1">
-            <a:schemeClr val="accent1"/>
+            <a:schemeClr val="accent5"/>
           </a:fillRef>
-          <a:effectRef idx="0">
-            <a:schemeClr val="accent1"/>
+          <a:effectRef idx="1">
+            <a:schemeClr val="accent5"/>
           </a:effectRef>
           <a:fontRef idx="minor">
             <a:schemeClr val="lt1"/>
@@ -8868,8 +8923,8 @@
           <a:ln w="38100">
             <a:solidFill>
               <a:schemeClr val="accent1">
-                <a:lumMod val="20000"/>
-                <a:lumOff val="80000"/>
+                <a:lumMod val="60000"/>
+                <a:lumOff val="40000"/>
               </a:schemeClr>
             </a:solidFill>
             <a:tailEnd type="arrow"/>
@@ -11316,7 +11371,7 @@
         <p:spPr/>
         <p:txBody>
           <a:bodyPr>
-            <a:normAutofit fontScale="92500" lnSpcReduction="20000"/>
+            <a:normAutofit fontScale="85000" lnSpcReduction="20000"/>
           </a:bodyPr>
           <a:lstStyle/>
           <a:p>
@@ -11376,8 +11431,33 @@
           <a:p>
             <a:r>
               <a:rPr lang="en-GB" dirty="0" smtClean="0"/>
-              <a:t>consider annotations to control code generation</a:t>
-            </a:r>
+              <a:t>consider </a:t>
+            </a:r>
+            <a:r>
+              <a:rPr lang="en-GB" dirty="0" smtClean="0"/>
+              <a:t>Java annotations </a:t>
+            </a:r>
+            <a:r>
+              <a:rPr lang="en-GB" dirty="0" smtClean="0"/>
+              <a:t>to control code </a:t>
+            </a:r>
+            <a:r>
+              <a:rPr lang="en-GB" dirty="0" smtClean="0"/>
+              <a:t>generation (e.g. parameter annotations </a:t>
+            </a:r>
+            <a:r>
+              <a:rPr lang="en-GB" dirty="0" smtClean="0"/>
+              <a:t>@In, @Out, @</a:t>
+            </a:r>
+            <a:r>
+              <a:rPr lang="en-GB" dirty="0" err="1" smtClean="0"/>
+              <a:t>InOut</a:t>
+            </a:r>
+            <a:r>
+              <a:rPr lang="en-GB" dirty="0" smtClean="0"/>
+              <a:t>)</a:t>
+            </a:r>
+            <a:endParaRPr lang="en-GB" dirty="0" smtClean="0"/>
           </a:p>
           <a:p>
             <a:r>

--- a/docs/beam-extapi.pptx
+++ b/docs/beam-extapi.pptx
@@ -15,6 +15,9 @@
     <p:sldId id="265" r:id="rId9"/>
     <p:sldId id="267" r:id="rId10"/>
     <p:sldId id="266" r:id="rId11"/>
+    <p:sldId id="268" r:id="rId12"/>
+    <p:sldId id="269" r:id="rId13"/>
+    <p:sldId id="270" r:id="rId14"/>
   </p:sldIdLst>
   <p:sldSz cx="9144000" cy="6858000" type="screen4x3"/>
   <p:notesSz cx="6858000" cy="9144000"/>
@@ -297,7 +300,7 @@
           <a:p>
             <a:fld id="{1BA50D42-C9CD-4801-B293-61D1F53EC57E}" type="datetimeFigureOut">
               <a:rPr lang="de-DE" smtClean="0"/>
-              <a:t>31.10.2012</a:t>
+              <a:t>10.03.2013</a:t>
             </a:fld>
             <a:endParaRPr lang="de-DE"/>
           </a:p>
@@ -462,7 +465,7 @@
           <a:p>
             <a:fld id="{1BA50D42-C9CD-4801-B293-61D1F53EC57E}" type="datetimeFigureOut">
               <a:rPr lang="de-DE" smtClean="0"/>
-              <a:t>31.10.2012</a:t>
+              <a:t>10.03.2013</a:t>
             </a:fld>
             <a:endParaRPr lang="de-DE"/>
           </a:p>
@@ -637,7 +640,7 @@
           <a:p>
             <a:fld id="{1BA50D42-C9CD-4801-B293-61D1F53EC57E}" type="datetimeFigureOut">
               <a:rPr lang="de-DE" smtClean="0"/>
-              <a:t>31.10.2012</a:t>
+              <a:t>10.03.2013</a:t>
             </a:fld>
             <a:endParaRPr lang="de-DE"/>
           </a:p>
@@ -802,7 +805,7 @@
           <a:p>
             <a:fld id="{1BA50D42-C9CD-4801-B293-61D1F53EC57E}" type="datetimeFigureOut">
               <a:rPr lang="de-DE" smtClean="0"/>
-              <a:t>31.10.2012</a:t>
+              <a:t>10.03.2013</a:t>
             </a:fld>
             <a:endParaRPr lang="de-DE"/>
           </a:p>
@@ -1043,7 +1046,7 @@
           <a:p>
             <a:fld id="{1BA50D42-C9CD-4801-B293-61D1F53EC57E}" type="datetimeFigureOut">
               <a:rPr lang="de-DE" smtClean="0"/>
-              <a:t>31.10.2012</a:t>
+              <a:t>10.03.2013</a:t>
             </a:fld>
             <a:endParaRPr lang="de-DE"/>
           </a:p>
@@ -1326,7 +1329,7 @@
           <a:p>
             <a:fld id="{1BA50D42-C9CD-4801-B293-61D1F53EC57E}" type="datetimeFigureOut">
               <a:rPr lang="de-DE" smtClean="0"/>
-              <a:t>31.10.2012</a:t>
+              <a:t>10.03.2013</a:t>
             </a:fld>
             <a:endParaRPr lang="de-DE"/>
           </a:p>
@@ -1743,7 +1746,7 @@
           <a:p>
             <a:fld id="{1BA50D42-C9CD-4801-B293-61D1F53EC57E}" type="datetimeFigureOut">
               <a:rPr lang="de-DE" smtClean="0"/>
-              <a:t>31.10.2012</a:t>
+              <a:t>10.03.2013</a:t>
             </a:fld>
             <a:endParaRPr lang="de-DE"/>
           </a:p>
@@ -1856,7 +1859,7 @@
           <a:p>
             <a:fld id="{1BA50D42-C9CD-4801-B293-61D1F53EC57E}" type="datetimeFigureOut">
               <a:rPr lang="de-DE" smtClean="0"/>
-              <a:t>31.10.2012</a:t>
+              <a:t>10.03.2013</a:t>
             </a:fld>
             <a:endParaRPr lang="de-DE"/>
           </a:p>
@@ -1946,7 +1949,7 @@
           <a:p>
             <a:fld id="{1BA50D42-C9CD-4801-B293-61D1F53EC57E}" type="datetimeFigureOut">
               <a:rPr lang="de-DE" smtClean="0"/>
-              <a:t>31.10.2012</a:t>
+              <a:t>10.03.2013</a:t>
             </a:fld>
             <a:endParaRPr lang="de-DE"/>
           </a:p>
@@ -2218,7 +2221,7 @@
           <a:p>
             <a:fld id="{1BA50D42-C9CD-4801-B293-61D1F53EC57E}" type="datetimeFigureOut">
               <a:rPr lang="de-DE" smtClean="0"/>
-              <a:t>31.10.2012</a:t>
+              <a:t>10.03.2013</a:t>
             </a:fld>
             <a:endParaRPr lang="de-DE"/>
           </a:p>
@@ -2466,7 +2469,7 @@
           <a:p>
             <a:fld id="{1BA50D42-C9CD-4801-B293-61D1F53EC57E}" type="datetimeFigureOut">
               <a:rPr lang="de-DE" smtClean="0"/>
-              <a:t>31.10.2012</a:t>
+              <a:t>10.03.2013</a:t>
             </a:fld>
             <a:endParaRPr lang="de-DE"/>
           </a:p>
@@ -2674,7 +2677,7 @@
           <a:p>
             <a:fld id="{1BA50D42-C9CD-4801-B293-61D1F53EC57E}" type="datetimeFigureOut">
               <a:rPr lang="de-DE" smtClean="0"/>
-              <a:t>31.10.2012</a:t>
+              <a:t>10.03.2013</a:t>
             </a:fld>
             <a:endParaRPr lang="de-DE"/>
           </a:p>
@@ -3479,6 +3482,807 @@
 </p:sld>
 </file>
 
+<file path=ppt/slides/slide11.xml><?xml version="1.0" encoding="utf-8"?>
+<p:sld xmlns:a="http://schemas.openxmlformats.org/drawingml/2006/main" xmlns:r="http://schemas.openxmlformats.org/officeDocument/2006/relationships" xmlns:p="http://schemas.openxmlformats.org/presentationml/2006/main">
+  <p:cSld>
+    <p:spTree>
+      <p:nvGrpSpPr>
+        <p:cNvPr id="1" name=""/>
+        <p:cNvGrpSpPr/>
+        <p:nvPr/>
+      </p:nvGrpSpPr>
+      <p:grpSpPr>
+        <a:xfrm>
+          <a:off x="0" y="0"/>
+          <a:ext cx="0" cy="0"/>
+          <a:chOff x="0" y="0"/>
+          <a:chExt cx="0" cy="0"/>
+        </a:xfrm>
+      </p:grpSpPr>
+      <p:sp>
+        <p:nvSpPr>
+          <p:cNvPr id="2" name="Titel 1"/>
+          <p:cNvSpPr>
+            <a:spLocks noGrp="1"/>
+          </p:cNvSpPr>
+          <p:nvPr>
+            <p:ph type="title"/>
+          </p:nvPr>
+        </p:nvSpPr>
+        <p:spPr/>
+        <p:txBody>
+          <a:bodyPr/>
+          <a:lstStyle/>
+          <a:p>
+            <a:r>
+              <a:rPr lang="en-GB" dirty="0" smtClean="0"/>
+              <a:t>Data Arrays</a:t>
+            </a:r>
+            <a:endParaRPr lang="en-GB" dirty="0"/>
+          </a:p>
+        </p:txBody>
+      </p:sp>
+      <p:sp>
+        <p:nvSpPr>
+          <p:cNvPr id="3" name="Inhaltsplatzhalter 2"/>
+          <p:cNvSpPr>
+            <a:spLocks noGrp="1"/>
+          </p:cNvSpPr>
+          <p:nvPr>
+            <p:ph idx="1"/>
+          </p:nvPr>
+        </p:nvSpPr>
+        <p:spPr/>
+        <p:txBody>
+          <a:bodyPr>
+            <a:normAutofit fontScale="47500" lnSpcReduction="20000"/>
+          </a:bodyPr>
+          <a:lstStyle/>
+          <a:p>
+            <a:r>
+              <a:rPr lang="en-GB" dirty="0" smtClean="0"/>
+              <a:t>We shall try to find a way to directly use the arrays allocated and returned by the C-API without copying them</a:t>
+            </a:r>
+          </a:p>
+          <a:p>
+            <a:endParaRPr lang="en-GB" dirty="0" smtClean="0"/>
+          </a:p>
+          <a:p>
+            <a:r>
+              <a:rPr lang="en-GB" b="1" dirty="0" smtClean="0"/>
+              <a:t>array</a:t>
+            </a:r>
+          </a:p>
+          <a:p>
+            <a:pPr lvl="1"/>
+            <a:r>
+              <a:rPr lang="en-GB" b="1" dirty="0" smtClean="0"/>
+              <a:t>array</a:t>
+            </a:r>
+            <a:r>
+              <a:rPr lang="en-GB" dirty="0" smtClean="0"/>
+              <a:t>(</a:t>
+            </a:r>
+            <a:r>
+              <a:rPr lang="en-GB" i="1" dirty="0" err="1" smtClean="0"/>
+              <a:t>typecode</a:t>
+            </a:r>
+            <a:r>
+              <a:rPr lang="en-GB" dirty="0"/>
+              <a:t>[, </a:t>
+            </a:r>
+            <a:r>
+              <a:rPr lang="en-GB" i="1" dirty="0"/>
+              <a:t>initializer</a:t>
+            </a:r>
+            <a:r>
+              <a:rPr lang="en-GB" dirty="0"/>
+              <a:t>])</a:t>
+            </a:r>
+            <a:br>
+              <a:rPr lang="en-GB" dirty="0"/>
+            </a:br>
+            <a:r>
+              <a:rPr lang="en-GB" sz="2900" i="1" dirty="0">
+                <a:solidFill>
+                  <a:schemeClr val="accent1">
+                    <a:lumMod val="75000"/>
+                  </a:schemeClr>
+                </a:solidFill>
+              </a:rPr>
+              <a:t>A new array whose items are restricted by </a:t>
+            </a:r>
+            <a:r>
+              <a:rPr lang="en-GB" sz="2900" i="1" dirty="0" err="1">
+                <a:solidFill>
+                  <a:schemeClr val="accent1">
+                    <a:lumMod val="75000"/>
+                  </a:schemeClr>
+                </a:solidFill>
+              </a:rPr>
+              <a:t>typecode</a:t>
+            </a:r>
+            <a:r>
+              <a:rPr lang="en-GB" sz="2900" i="1" dirty="0">
+                <a:solidFill>
+                  <a:schemeClr val="accent1">
+                    <a:lumMod val="75000"/>
+                  </a:schemeClr>
+                </a:solidFill>
+              </a:rPr>
+              <a:t>, and initialized from the optional initializer value, which must be a list, object supporting the buffer interface, or </a:t>
+            </a:r>
+            <a:r>
+              <a:rPr lang="en-GB" sz="2900" i="1" dirty="0" err="1">
+                <a:solidFill>
+                  <a:schemeClr val="accent1">
+                    <a:lumMod val="75000"/>
+                  </a:schemeClr>
+                </a:solidFill>
+              </a:rPr>
+              <a:t>iterable</a:t>
+            </a:r>
+            <a:r>
+              <a:rPr lang="en-GB" sz="2900" i="1" dirty="0">
+                <a:solidFill>
+                  <a:schemeClr val="accent1">
+                    <a:lumMod val="75000"/>
+                  </a:schemeClr>
+                </a:solidFill>
+              </a:rPr>
+              <a:t> over elements of the appropriate type.</a:t>
+            </a:r>
+          </a:p>
+          <a:p>
+            <a:pPr lvl="1"/>
+            <a:r>
+              <a:rPr lang="en-GB" dirty="0" smtClean="0"/>
+              <a:t>Note: the </a:t>
+            </a:r>
+            <a:r>
+              <a:rPr lang="en-GB" b="1" dirty="0" smtClean="0"/>
+              <a:t>array</a:t>
+            </a:r>
+            <a:r>
+              <a:rPr lang="en-GB" dirty="0" smtClean="0"/>
+              <a:t> constructor always make copies of buffers passed in as </a:t>
+            </a:r>
+            <a:r>
+              <a:rPr lang="en-GB" i="1" dirty="0"/>
+              <a:t>initializer</a:t>
+            </a:r>
+            <a:r>
+              <a:rPr lang="en-GB" dirty="0" smtClean="0"/>
+              <a:t> </a:t>
+            </a:r>
+          </a:p>
+          <a:p>
+            <a:pPr lvl="1"/>
+            <a:r>
+              <a:rPr lang="en-GB" dirty="0" smtClean="0"/>
+              <a:t>Note: arrays support the buffer interface</a:t>
+            </a:r>
+          </a:p>
+          <a:p>
+            <a:r>
+              <a:rPr lang="en-GB" b="1" dirty="0" err="1" smtClean="0"/>
+              <a:t>numpy</a:t>
+            </a:r>
+            <a:endParaRPr lang="en-GB" b="1" dirty="0" smtClean="0"/>
+          </a:p>
+          <a:p>
+            <a:pPr lvl="1"/>
+            <a:r>
+              <a:rPr lang="en-GB" b="1" dirty="0" err="1" smtClean="0"/>
+              <a:t>frombuffer</a:t>
+            </a:r>
+            <a:r>
+              <a:rPr lang="en-GB" dirty="0" smtClean="0"/>
+              <a:t>(buffer</a:t>
+            </a:r>
+            <a:r>
+              <a:rPr lang="en-GB" dirty="0"/>
+              <a:t>[, </a:t>
+            </a:r>
+            <a:r>
+              <a:rPr lang="en-GB" dirty="0" err="1"/>
+              <a:t>dtype</a:t>
+            </a:r>
+            <a:r>
+              <a:rPr lang="en-GB" dirty="0"/>
+              <a:t>, count, offset</a:t>
+            </a:r>
+            <a:r>
+              <a:rPr lang="en-GB" dirty="0" smtClean="0"/>
+              <a:t>]) </a:t>
+            </a:r>
+            <a:br>
+              <a:rPr lang="en-GB" dirty="0" smtClean="0"/>
+            </a:br>
+            <a:r>
+              <a:rPr lang="en-GB" i="1" dirty="0" smtClean="0">
+                <a:solidFill>
+                  <a:schemeClr val="accent1">
+                    <a:lumMod val="75000"/>
+                  </a:schemeClr>
+                </a:solidFill>
+              </a:rPr>
+              <a:t>Interpret </a:t>
+            </a:r>
+            <a:r>
+              <a:rPr lang="en-GB" i="1" dirty="0">
+                <a:solidFill>
+                  <a:schemeClr val="accent1">
+                    <a:lumMod val="75000"/>
+                  </a:schemeClr>
+                </a:solidFill>
+              </a:rPr>
+              <a:t>a buffer as a 1-dimensional </a:t>
+            </a:r>
+            <a:r>
+              <a:rPr lang="en-GB" i="1" dirty="0" smtClean="0">
+                <a:solidFill>
+                  <a:schemeClr val="accent1">
+                    <a:lumMod val="75000"/>
+                  </a:schemeClr>
+                </a:solidFill>
+              </a:rPr>
+              <a:t>array.</a:t>
+            </a:r>
+            <a:endParaRPr lang="en-GB" i="1" dirty="0">
+              <a:solidFill>
+                <a:schemeClr val="accent1">
+                  <a:lumMod val="75000"/>
+                </a:schemeClr>
+              </a:solidFill>
+            </a:endParaRPr>
+          </a:p>
+          <a:p>
+            <a:pPr lvl="1"/>
+            <a:r>
+              <a:rPr lang="en-GB" b="1" dirty="0" smtClean="0"/>
+              <a:t>reshape</a:t>
+            </a:r>
+            <a:r>
+              <a:rPr lang="en-GB" dirty="0" smtClean="0"/>
+              <a:t>(array,</a:t>
+            </a:r>
+            <a:r>
+              <a:rPr lang="en-GB" dirty="0"/>
+              <a:t> </a:t>
+            </a:r>
+            <a:r>
+              <a:rPr lang="en-GB" dirty="0" err="1" smtClean="0"/>
+              <a:t>newshape</a:t>
+            </a:r>
+            <a:r>
+              <a:rPr lang="en-GB" dirty="0" smtClean="0"/>
+              <a:t>[,</a:t>
+            </a:r>
+            <a:r>
+              <a:rPr lang="en-GB" dirty="0"/>
+              <a:t> </a:t>
+            </a:r>
+            <a:r>
+              <a:rPr lang="en-GB" dirty="0" smtClean="0"/>
+              <a:t>order])</a:t>
+            </a:r>
+            <a:br>
+              <a:rPr lang="en-GB" dirty="0" smtClean="0"/>
+            </a:br>
+            <a:r>
+              <a:rPr lang="en-GB" i="1" dirty="0">
+                <a:solidFill>
+                  <a:schemeClr val="accent1">
+                    <a:lumMod val="75000"/>
+                  </a:schemeClr>
+                </a:solidFill>
+              </a:rPr>
+              <a:t>Gives a new shape to an array without changing its data</a:t>
+            </a:r>
+            <a:r>
+              <a:rPr lang="en-GB" i="1" dirty="0" smtClean="0">
+                <a:solidFill>
+                  <a:schemeClr val="accent1">
+                    <a:lumMod val="75000"/>
+                  </a:schemeClr>
+                </a:solidFill>
+              </a:rPr>
+              <a:t>.</a:t>
+            </a:r>
+          </a:p>
+          <a:p>
+            <a:pPr lvl="1"/>
+            <a:r>
+              <a:rPr lang="en-GB" dirty="0"/>
+              <a:t>Note: </a:t>
+            </a:r>
+            <a:r>
+              <a:rPr lang="en-GB" dirty="0" smtClean="0"/>
+              <a:t>Neither </a:t>
+            </a:r>
+            <a:r>
+              <a:rPr lang="en-GB" b="1" dirty="0" err="1"/>
+              <a:t>frombuffer</a:t>
+            </a:r>
+            <a:r>
+              <a:rPr lang="en-GB" dirty="0" smtClean="0"/>
+              <a:t> nor </a:t>
+            </a:r>
+            <a:r>
+              <a:rPr lang="en-GB" b="1" dirty="0" smtClean="0"/>
+              <a:t>reshape </a:t>
+            </a:r>
+            <a:r>
+              <a:rPr lang="en-GB" dirty="0" smtClean="0"/>
+              <a:t>make copies of the input data</a:t>
+            </a:r>
+          </a:p>
+          <a:p>
+            <a:endParaRPr lang="en-GB" u="sng" dirty="0" smtClean="0"/>
+          </a:p>
+          <a:p>
+            <a:r>
+              <a:rPr lang="en-GB" u="sng" dirty="0" smtClean="0"/>
+              <a:t>Conclusion</a:t>
+            </a:r>
+            <a:r>
+              <a:rPr lang="en-GB" dirty="0" smtClean="0"/>
+              <a:t>: pixel data passed in and returned by the BEAM Python API shall be Python objects that support the </a:t>
+            </a:r>
+            <a:r>
+              <a:rPr lang="en-GB" b="1" i="1" dirty="0" smtClean="0"/>
+              <a:t>buffer interface </a:t>
+            </a:r>
+            <a:r>
+              <a:rPr lang="en-GB" dirty="0" smtClean="0"/>
+              <a:t>so that the data can be efficiently used with </a:t>
+            </a:r>
+            <a:r>
+              <a:rPr lang="en-GB" dirty="0" err="1" smtClean="0"/>
+              <a:t>numpy</a:t>
+            </a:r>
+            <a:r>
+              <a:rPr lang="en-GB" dirty="0" smtClean="0"/>
+              <a:t>.</a:t>
+            </a:r>
+          </a:p>
+          <a:p>
+            <a:pPr lvl="1"/>
+            <a:r>
+              <a:rPr lang="en-GB" dirty="0">
+                <a:hlinkClick r:id="rId2"/>
+              </a:rPr>
+              <a:t>http://</a:t>
+            </a:r>
+            <a:r>
+              <a:rPr lang="en-GB" dirty="0" smtClean="0">
+                <a:hlinkClick r:id="rId2"/>
+              </a:rPr>
+              <a:t>docs.python.org/3.2/c-api/buffer.html?highlight=buffer#Py_buffer</a:t>
+            </a:r>
+            <a:r>
+              <a:rPr lang="en-GB" dirty="0" smtClean="0"/>
+              <a:t> </a:t>
+            </a:r>
+          </a:p>
+          <a:p>
+            <a:pPr lvl="1"/>
+            <a:r>
+              <a:rPr lang="en-GB" dirty="0">
+                <a:hlinkClick r:id="rId3"/>
+              </a:rPr>
+              <a:t>http://</a:t>
+            </a:r>
+            <a:r>
+              <a:rPr lang="en-GB" dirty="0" smtClean="0">
+                <a:hlinkClick r:id="rId3"/>
+              </a:rPr>
+              <a:t>docs.python.org/3.2/c-api/typeobj.html#buffer-structs</a:t>
+            </a:r>
+            <a:endParaRPr lang="en-GB" dirty="0" smtClean="0"/>
+          </a:p>
+          <a:p>
+            <a:pPr lvl="1"/>
+            <a:r>
+              <a:rPr lang="en-GB" dirty="0" smtClean="0">
+                <a:hlinkClick r:id="rId4"/>
+              </a:rPr>
+              <a:t>http</a:t>
+            </a:r>
+            <a:r>
+              <a:rPr lang="en-GB" dirty="0">
+                <a:hlinkClick r:id="rId4"/>
+              </a:rPr>
+              <a:t>://</a:t>
+            </a:r>
+            <a:r>
+              <a:rPr lang="en-GB" dirty="0" smtClean="0">
+                <a:hlinkClick r:id="rId4"/>
+              </a:rPr>
+              <a:t>docs.python.org/3.2/library/stdtypes.html#memoryview</a:t>
+            </a:r>
+            <a:r>
+              <a:rPr lang="en-GB" dirty="0" smtClean="0"/>
+              <a:t> </a:t>
+            </a:r>
+            <a:endParaRPr lang="en-GB" dirty="0"/>
+          </a:p>
+          <a:p>
+            <a:pPr lvl="1"/>
+            <a:endParaRPr lang="en-GB" i="1" dirty="0">
+              <a:solidFill>
+                <a:schemeClr val="accent1">
+                  <a:lumMod val="75000"/>
+                </a:schemeClr>
+              </a:solidFill>
+            </a:endParaRPr>
+          </a:p>
+        </p:txBody>
+      </p:sp>
+    </p:spTree>
+    <p:extLst>
+      <p:ext uri="{BB962C8B-B14F-4D97-AF65-F5344CB8AC3E}">
+        <p14:creationId xmlns:p14="http://schemas.microsoft.com/office/powerpoint/2010/main" val="3309612122"/>
+      </p:ext>
+    </p:extLst>
+  </p:cSld>
+  <p:clrMapOvr>
+    <a:masterClrMapping/>
+  </p:clrMapOvr>
+  <p:timing>
+    <p:tnLst>
+      <p:par>
+        <p:cTn id="1" dur="indefinite" restart="never" nodeType="tmRoot"/>
+      </p:par>
+    </p:tnLst>
+  </p:timing>
+</p:sld>
+</file>
+
+<file path=ppt/slides/slide12.xml><?xml version="1.0" encoding="utf-8"?>
+<p:sld xmlns:a="http://schemas.openxmlformats.org/drawingml/2006/main" xmlns:r="http://schemas.openxmlformats.org/officeDocument/2006/relationships" xmlns:p="http://schemas.openxmlformats.org/presentationml/2006/main">
+  <p:cSld>
+    <p:spTree>
+      <p:nvGrpSpPr>
+        <p:cNvPr id="1" name=""/>
+        <p:cNvGrpSpPr/>
+        <p:nvPr/>
+      </p:nvGrpSpPr>
+      <p:grpSpPr>
+        <a:xfrm>
+          <a:off x="0" y="0"/>
+          <a:ext cx="0" cy="0"/>
+          <a:chOff x="0" y="0"/>
+          <a:chExt cx="0" cy="0"/>
+        </a:xfrm>
+      </p:grpSpPr>
+      <p:sp>
+        <p:nvSpPr>
+          <p:cNvPr id="2" name="Titel 1"/>
+          <p:cNvSpPr>
+            <a:spLocks noGrp="1"/>
+          </p:cNvSpPr>
+          <p:nvPr>
+            <p:ph type="title"/>
+          </p:nvPr>
+        </p:nvSpPr>
+        <p:spPr/>
+        <p:txBody>
+          <a:bodyPr/>
+          <a:lstStyle/>
+          <a:p>
+            <a:r>
+              <a:rPr lang="en-GB" dirty="0" smtClean="0"/>
+              <a:t>Alternatives (1/2)</a:t>
+            </a:r>
+            <a:endParaRPr lang="en-GB" dirty="0"/>
+          </a:p>
+        </p:txBody>
+      </p:sp>
+      <p:sp>
+        <p:nvSpPr>
+          <p:cNvPr id="3" name="Inhaltsplatzhalter 2"/>
+          <p:cNvSpPr>
+            <a:spLocks noGrp="1"/>
+          </p:cNvSpPr>
+          <p:nvPr>
+            <p:ph idx="1"/>
+          </p:nvPr>
+        </p:nvSpPr>
+        <p:spPr/>
+        <p:txBody>
+          <a:bodyPr/>
+          <a:lstStyle/>
+          <a:p>
+            <a:r>
+              <a:rPr lang="en-GB" b="1" dirty="0" err="1"/>
+              <a:t>Jep</a:t>
+            </a:r>
+            <a:r>
+              <a:rPr lang="en-GB" dirty="0"/>
+              <a:t> - Java Embedded Python</a:t>
+            </a:r>
+          </a:p>
+          <a:p>
+            <a:pPr lvl="1"/>
+            <a:r>
+              <a:rPr lang="en-GB" dirty="0" err="1"/>
+              <a:t>Jep</a:t>
+            </a:r>
+            <a:r>
+              <a:rPr lang="en-GB" dirty="0"/>
+              <a:t> embeds </a:t>
+            </a:r>
+            <a:r>
+              <a:rPr lang="en-GB" dirty="0" err="1"/>
+              <a:t>CPython</a:t>
+            </a:r>
+            <a:r>
+              <a:rPr lang="en-GB" dirty="0"/>
+              <a:t> in Java. It is safe to use in a heavily threaded environment, it is quite fast and its stability is a main feature and goal.</a:t>
+            </a:r>
+          </a:p>
+          <a:p>
+            <a:pPr lvl="1"/>
+            <a:r>
+              <a:rPr lang="en-GB" dirty="0" smtClean="0">
+                <a:hlinkClick r:id="rId2"/>
+              </a:rPr>
+              <a:t>https</a:t>
+            </a:r>
+            <a:r>
+              <a:rPr lang="en-GB" dirty="0">
+                <a:hlinkClick r:id="rId2"/>
+              </a:rPr>
+              <a:t>://</a:t>
+            </a:r>
+            <a:r>
+              <a:rPr lang="en-GB" dirty="0" smtClean="0">
+                <a:hlinkClick r:id="rId2"/>
+              </a:rPr>
+              <a:t>github.com/mrj0/jep</a:t>
+            </a:r>
+            <a:endParaRPr lang="en-GB" dirty="0" smtClean="0"/>
+          </a:p>
+          <a:p>
+            <a:pPr lvl="1"/>
+            <a:r>
+              <a:rPr lang="en-GB" dirty="0" smtClean="0"/>
+              <a:t>Check: can it be used to call Python from Java</a:t>
+            </a:r>
+          </a:p>
+          <a:p>
+            <a:pPr lvl="1"/>
+            <a:r>
+              <a:rPr lang="en-GB" dirty="0" smtClean="0"/>
+              <a:t>Check: No windows support</a:t>
+            </a:r>
+          </a:p>
+          <a:p>
+            <a:pPr lvl="1"/>
+            <a:r>
+              <a:rPr lang="en-GB" dirty="0" smtClean="0"/>
+              <a:t>Check: last activity 9 months ago</a:t>
+            </a:r>
+            <a:endParaRPr lang="en-GB" dirty="0"/>
+          </a:p>
+        </p:txBody>
+      </p:sp>
+    </p:spTree>
+    <p:extLst>
+      <p:ext uri="{BB962C8B-B14F-4D97-AF65-F5344CB8AC3E}">
+        <p14:creationId xmlns:p14="http://schemas.microsoft.com/office/powerpoint/2010/main" val="1310829027"/>
+      </p:ext>
+    </p:extLst>
+  </p:cSld>
+  <p:clrMapOvr>
+    <a:masterClrMapping/>
+  </p:clrMapOvr>
+  <p:timing>
+    <p:tnLst>
+      <p:par>
+        <p:cTn id="1" dur="indefinite" restart="never" nodeType="tmRoot"/>
+      </p:par>
+    </p:tnLst>
+  </p:timing>
+</p:sld>
+</file>
+
+<file path=ppt/slides/slide13.xml><?xml version="1.0" encoding="utf-8"?>
+<p:sld xmlns:a="http://schemas.openxmlformats.org/drawingml/2006/main" xmlns:r="http://schemas.openxmlformats.org/officeDocument/2006/relationships" xmlns:p="http://schemas.openxmlformats.org/presentationml/2006/main">
+  <p:cSld>
+    <p:spTree>
+      <p:nvGrpSpPr>
+        <p:cNvPr id="1" name=""/>
+        <p:cNvGrpSpPr/>
+        <p:nvPr/>
+      </p:nvGrpSpPr>
+      <p:grpSpPr>
+        <a:xfrm>
+          <a:off x="0" y="0"/>
+          <a:ext cx="0" cy="0"/>
+          <a:chOff x="0" y="0"/>
+          <a:chExt cx="0" cy="0"/>
+        </a:xfrm>
+      </p:grpSpPr>
+      <p:sp>
+        <p:nvSpPr>
+          <p:cNvPr id="2" name="Titel 1"/>
+          <p:cNvSpPr>
+            <a:spLocks noGrp="1"/>
+          </p:cNvSpPr>
+          <p:nvPr>
+            <p:ph type="title"/>
+          </p:nvPr>
+        </p:nvSpPr>
+        <p:spPr/>
+        <p:txBody>
+          <a:bodyPr/>
+          <a:lstStyle/>
+          <a:p>
+            <a:r>
+              <a:rPr lang="en-GB" dirty="0" smtClean="0"/>
+              <a:t>Alternatives (2/2)</a:t>
+            </a:r>
+            <a:endParaRPr lang="en-GB" dirty="0"/>
+          </a:p>
+        </p:txBody>
+      </p:sp>
+      <p:sp>
+        <p:nvSpPr>
+          <p:cNvPr id="3" name="Inhaltsplatzhalter 2"/>
+          <p:cNvSpPr>
+            <a:spLocks noGrp="1"/>
+          </p:cNvSpPr>
+          <p:nvPr>
+            <p:ph idx="1"/>
+          </p:nvPr>
+        </p:nvSpPr>
+        <p:spPr/>
+        <p:txBody>
+          <a:bodyPr>
+            <a:normAutofit fontScale="92500" lnSpcReduction="20000"/>
+          </a:bodyPr>
+          <a:lstStyle/>
+          <a:p>
+            <a:r>
+              <a:rPr lang="en-GB" b="1" dirty="0" err="1" smtClean="0"/>
+              <a:t>JPype</a:t>
+            </a:r>
+            <a:endParaRPr lang="en-GB" b="1" dirty="0" smtClean="0"/>
+          </a:p>
+          <a:p>
+            <a:pPr lvl="1"/>
+            <a:r>
+              <a:rPr lang="en-GB" dirty="0" err="1"/>
+              <a:t>JPype</a:t>
+            </a:r>
+            <a:r>
+              <a:rPr lang="en-GB" dirty="0"/>
+              <a:t> is an effort to allow python programs full access to java class libraries. </a:t>
+            </a:r>
+          </a:p>
+          <a:p>
+            <a:pPr lvl="1"/>
+            <a:r>
+              <a:rPr lang="en-GB" dirty="0">
+                <a:hlinkClick r:id="rId2"/>
+              </a:rPr>
+              <a:t>http://jpype.sourceforge.net</a:t>
+            </a:r>
+            <a:r>
+              <a:rPr lang="en-GB" dirty="0" smtClean="0">
+                <a:hlinkClick r:id="rId2"/>
+              </a:rPr>
+              <a:t>/</a:t>
+            </a:r>
+            <a:endParaRPr lang="en-GB" dirty="0" smtClean="0"/>
+          </a:p>
+          <a:p>
+            <a:pPr lvl="1"/>
+            <a:r>
+              <a:rPr lang="en-GB" dirty="0" smtClean="0"/>
+              <a:t>Check: cannot call python from Java</a:t>
+            </a:r>
+          </a:p>
+          <a:p>
+            <a:pPr lvl="1"/>
+            <a:r>
+              <a:rPr lang="en-GB" dirty="0"/>
+              <a:t>Last Update: </a:t>
+            </a:r>
+            <a:r>
+              <a:rPr lang="en-GB" dirty="0" smtClean="0"/>
+              <a:t>2011-07-28  </a:t>
+            </a:r>
+            <a:r>
+              <a:rPr lang="en-GB" dirty="0" smtClean="0">
+                <a:sym typeface="Wingdings" pitchFamily="2" charset="2"/>
+              </a:rPr>
+              <a:t></a:t>
+            </a:r>
+            <a:endParaRPr lang="en-GB" dirty="0" smtClean="0"/>
+          </a:p>
+          <a:p>
+            <a:r>
+              <a:rPr lang="en-GB" b="1" dirty="0" smtClean="0"/>
+              <a:t>JPE </a:t>
+            </a:r>
+          </a:p>
+          <a:p>
+            <a:pPr lvl="1"/>
+            <a:r>
+              <a:rPr lang="en-GB" dirty="0"/>
+              <a:t>JPE is a seamless, complete, and efficient integration of Java and standard </a:t>
+            </a:r>
+            <a:r>
+              <a:rPr lang="en-GB" dirty="0" smtClean="0"/>
+              <a:t>Python.</a:t>
+            </a:r>
+          </a:p>
+          <a:p>
+            <a:pPr lvl="1"/>
+            <a:r>
+              <a:rPr lang="en-GB" dirty="0">
+                <a:hlinkClick r:id="rId3"/>
+              </a:rPr>
+              <a:t>http://jpe.sourceforge.net</a:t>
+            </a:r>
+            <a:r>
+              <a:rPr lang="en-GB" dirty="0" smtClean="0">
+                <a:hlinkClick r:id="rId3"/>
+              </a:rPr>
+              <a:t>/</a:t>
+            </a:r>
+            <a:r>
+              <a:rPr lang="en-GB" dirty="0" smtClean="0"/>
+              <a:t> </a:t>
+            </a:r>
+          </a:p>
+          <a:p>
+            <a:pPr lvl="1"/>
+            <a:r>
+              <a:rPr lang="en-GB" dirty="0"/>
+              <a:t> Last Update: </a:t>
+            </a:r>
+            <a:r>
+              <a:rPr lang="en-GB" dirty="0" smtClean="0"/>
+              <a:t>2009-07-17  </a:t>
+            </a:r>
+            <a:r>
+              <a:rPr lang="en-GB" dirty="0" smtClean="0">
+                <a:sym typeface="Wingdings" pitchFamily="2" charset="2"/>
+              </a:rPr>
+              <a:t></a:t>
+            </a:r>
+          </a:p>
+          <a:p>
+            <a:pPr lvl="1"/>
+            <a:endParaRPr lang="en-GB" dirty="0"/>
+          </a:p>
+        </p:txBody>
+      </p:sp>
+    </p:spTree>
+    <p:extLst>
+      <p:ext uri="{BB962C8B-B14F-4D97-AF65-F5344CB8AC3E}">
+        <p14:creationId xmlns:p14="http://schemas.microsoft.com/office/powerpoint/2010/main" val="1553940326"/>
+      </p:ext>
+    </p:extLst>
+  </p:cSld>
+  <p:clrMapOvr>
+    <a:masterClrMapping/>
+  </p:clrMapOvr>
+  <p:timing>
+    <p:tnLst>
+      <p:par>
+        <p:cTn id="1" dur="indefinite" restart="never" nodeType="tmRoot"/>
+      </p:par>
+    </p:tnLst>
+  </p:timing>
+</p:sld>
+</file>
+
 <file path=ppt/slides/slide2.xml><?xml version="1.0" encoding="utf-8"?>
 <p:sld xmlns:a="http://schemas.openxmlformats.org/drawingml/2006/main" xmlns:r="http://schemas.openxmlformats.org/officeDocument/2006/relationships" xmlns:p="http://schemas.openxmlformats.org/presentationml/2006/main">
   <p:cSld>
@@ -3782,10 +4586,6 @@
               <a:rPr lang="en-GB" dirty="0" smtClean="0"/>
               <a:t>C</a:t>
             </a:r>
-            <a:r>
-              <a:rPr lang="en-GB" dirty="0" smtClean="0"/>
-              <a:t/>
-            </a:r>
             <a:br>
               <a:rPr lang="en-GB" dirty="0" smtClean="0"/>
             </a:br>
@@ -4062,7 +4862,6 @@
               <a:rPr lang="en-GB" dirty="0" smtClean="0"/>
               <a:t>C API</a:t>
             </a:r>
-            <a:endParaRPr lang="en-GB" dirty="0" smtClean="0"/>
           </a:p>
           <a:p>
             <a:pPr algn="ctr"/>
@@ -4155,20 +4954,12 @@
               <a:rPr lang="en-GB" dirty="0" smtClean="0"/>
               <a:t>BEAM </a:t>
             </a:r>
-            <a:r>
-              <a:rPr lang="en-GB" dirty="0" smtClean="0"/>
-              <a:t/>
-            </a:r>
             <a:br>
               <a:rPr lang="en-GB" dirty="0" smtClean="0"/>
             </a:br>
             <a:r>
               <a:rPr lang="en-GB" dirty="0" smtClean="0"/>
-              <a:t>Java </a:t>
-            </a:r>
-            <a:r>
-              <a:rPr lang="en-GB" dirty="0" smtClean="0"/>
-              <a:t>API</a:t>
+              <a:t>Java API</a:t>
             </a:r>
           </a:p>
           <a:p>
@@ -4261,7 +5052,6 @@
               <a:rPr lang="en-GB" dirty="0" smtClean="0"/>
               <a:t>Program</a:t>
             </a:r>
-            <a:endParaRPr lang="en-GB" dirty="0" smtClean="0"/>
           </a:p>
           <a:p>
             <a:pPr algn="ctr"/>
@@ -5092,10 +5882,6 @@
               <a:rPr lang="en-GB" dirty="0" smtClean="0"/>
               <a:t>C</a:t>
             </a:r>
-            <a:r>
-              <a:rPr lang="en-GB" dirty="0" smtClean="0"/>
-              <a:t/>
-            </a:r>
             <a:br>
               <a:rPr lang="en-GB" dirty="0" smtClean="0"/>
             </a:br>
@@ -5345,7 +6131,6 @@
               <a:rPr lang="en-GB" dirty="0" smtClean="0"/>
               <a:t>C API</a:t>
             </a:r>
-            <a:endParaRPr lang="en-GB" dirty="0" smtClean="0"/>
           </a:p>
           <a:p>
             <a:pPr algn="ctr"/>
@@ -5402,20 +6187,12 @@
               <a:rPr lang="en-GB" dirty="0" smtClean="0"/>
               <a:t>BEAM </a:t>
             </a:r>
-            <a:r>
-              <a:rPr lang="en-GB" dirty="0" smtClean="0"/>
-              <a:t/>
-            </a:r>
             <a:br>
               <a:rPr lang="en-GB" dirty="0" smtClean="0"/>
             </a:br>
             <a:r>
               <a:rPr lang="en-GB" dirty="0" smtClean="0"/>
-              <a:t>Java </a:t>
-            </a:r>
-            <a:r>
-              <a:rPr lang="en-GB" dirty="0" smtClean="0"/>
-              <a:t>API</a:t>
+              <a:t>Java API</a:t>
             </a:r>
           </a:p>
           <a:p>
@@ -5465,7 +6242,6 @@
               <a:rPr lang="en-GB" dirty="0" smtClean="0"/>
               <a:t>Python</a:t>
             </a:r>
-            <a:endParaRPr lang="en-GB" dirty="0" smtClean="0"/>
           </a:p>
           <a:p>
             <a:pPr algn="ctr"/>
@@ -6582,10 +7358,6 @@
               <a:rPr lang="en-GB" dirty="0" smtClean="0"/>
               <a:t>C</a:t>
             </a:r>
-            <a:r>
-              <a:rPr lang="en-GB" dirty="0" smtClean="0"/>
-              <a:t/>
-            </a:r>
             <a:br>
               <a:rPr lang="en-GB" dirty="0" smtClean="0"/>
             </a:br>
@@ -6958,7 +7730,6 @@
               <a:rPr lang="en-GB" dirty="0" smtClean="0"/>
               <a:t>Extension</a:t>
             </a:r>
-            <a:endParaRPr lang="en-GB" dirty="0" smtClean="0"/>
           </a:p>
           <a:p>
             <a:pPr algn="ctr"/>
@@ -8007,10 +8778,6 @@
             <a:r>
               <a:rPr lang="en-GB" dirty="0" smtClean="0"/>
               <a:t>C</a:t>
-            </a:r>
-            <a:r>
-              <a:rPr lang="en-GB" dirty="0" smtClean="0"/>
-              <a:t/>
             </a:r>
             <a:br>
               <a:rPr lang="en-GB" dirty="0" smtClean="0"/>
@@ -11431,23 +12198,7 @@
           <a:p>
             <a:r>
               <a:rPr lang="en-GB" dirty="0" smtClean="0"/>
-              <a:t>consider </a:t>
-            </a:r>
-            <a:r>
-              <a:rPr lang="en-GB" dirty="0" smtClean="0"/>
-              <a:t>Java annotations </a:t>
-            </a:r>
-            <a:r>
-              <a:rPr lang="en-GB" dirty="0" smtClean="0"/>
-              <a:t>to control code </a:t>
-            </a:r>
-            <a:r>
-              <a:rPr lang="en-GB" dirty="0" smtClean="0"/>
-              <a:t>generation (e.g. parameter annotations </a:t>
-            </a:r>
-            <a:r>
-              <a:rPr lang="en-GB" dirty="0" smtClean="0"/>
-              <a:t>@In, @Out, @</a:t>
+              <a:t>consider Java annotations to control code generation (e.g. parameter annotations @In, @Out, @</a:t>
             </a:r>
             <a:r>
               <a:rPr lang="en-GB" dirty="0" err="1" smtClean="0"/>
@@ -11457,7 +12208,6 @@
               <a:rPr lang="en-GB" dirty="0" smtClean="0"/>
               <a:t>)</a:t>
             </a:r>
-            <a:endParaRPr lang="en-GB" dirty="0" smtClean="0"/>
           </a:p>
           <a:p>
             <a:r>

--- a/docs/beam-extapi.pptx
+++ b/docs/beam-extapi.pptx
@@ -16,8 +16,12 @@
     <p:sldId id="267" r:id="rId10"/>
     <p:sldId id="266" r:id="rId11"/>
     <p:sldId id="268" r:id="rId12"/>
-    <p:sldId id="269" r:id="rId13"/>
-    <p:sldId id="270" r:id="rId14"/>
+    <p:sldId id="272" r:id="rId13"/>
+    <p:sldId id="275" r:id="rId14"/>
+    <p:sldId id="274" r:id="rId15"/>
+    <p:sldId id="269" r:id="rId16"/>
+    <p:sldId id="270" r:id="rId17"/>
+    <p:sldId id="273" r:id="rId18"/>
   </p:sldIdLst>
   <p:sldSz cx="9144000" cy="6858000" type="screen4x3"/>
   <p:notesSz cx="6858000" cy="9144000"/>
@@ -300,7 +304,7 @@
           <a:p>
             <a:fld id="{1BA50D42-C9CD-4801-B293-61D1F53EC57E}" type="datetimeFigureOut">
               <a:rPr lang="de-DE" smtClean="0"/>
-              <a:t>10.03.2013</a:t>
+              <a:t>14.03.2013</a:t>
             </a:fld>
             <a:endParaRPr lang="de-DE"/>
           </a:p>
@@ -465,7 +469,7 @@
           <a:p>
             <a:fld id="{1BA50D42-C9CD-4801-B293-61D1F53EC57E}" type="datetimeFigureOut">
               <a:rPr lang="de-DE" smtClean="0"/>
-              <a:t>10.03.2013</a:t>
+              <a:t>14.03.2013</a:t>
             </a:fld>
             <a:endParaRPr lang="de-DE"/>
           </a:p>
@@ -640,7 +644,7 @@
           <a:p>
             <a:fld id="{1BA50D42-C9CD-4801-B293-61D1F53EC57E}" type="datetimeFigureOut">
               <a:rPr lang="de-DE" smtClean="0"/>
-              <a:t>10.03.2013</a:t>
+              <a:t>14.03.2013</a:t>
             </a:fld>
             <a:endParaRPr lang="de-DE"/>
           </a:p>
@@ -805,7 +809,7 @@
           <a:p>
             <a:fld id="{1BA50D42-C9CD-4801-B293-61D1F53EC57E}" type="datetimeFigureOut">
               <a:rPr lang="de-DE" smtClean="0"/>
-              <a:t>10.03.2013</a:t>
+              <a:t>14.03.2013</a:t>
             </a:fld>
             <a:endParaRPr lang="de-DE"/>
           </a:p>
@@ -1046,7 +1050,7 @@
           <a:p>
             <a:fld id="{1BA50D42-C9CD-4801-B293-61D1F53EC57E}" type="datetimeFigureOut">
               <a:rPr lang="de-DE" smtClean="0"/>
-              <a:t>10.03.2013</a:t>
+              <a:t>14.03.2013</a:t>
             </a:fld>
             <a:endParaRPr lang="de-DE"/>
           </a:p>
@@ -1329,7 +1333,7 @@
           <a:p>
             <a:fld id="{1BA50D42-C9CD-4801-B293-61D1F53EC57E}" type="datetimeFigureOut">
               <a:rPr lang="de-DE" smtClean="0"/>
-              <a:t>10.03.2013</a:t>
+              <a:t>14.03.2013</a:t>
             </a:fld>
             <a:endParaRPr lang="de-DE"/>
           </a:p>
@@ -1746,7 +1750,7 @@
           <a:p>
             <a:fld id="{1BA50D42-C9CD-4801-B293-61D1F53EC57E}" type="datetimeFigureOut">
               <a:rPr lang="de-DE" smtClean="0"/>
-              <a:t>10.03.2013</a:t>
+              <a:t>14.03.2013</a:t>
             </a:fld>
             <a:endParaRPr lang="de-DE"/>
           </a:p>
@@ -1859,7 +1863,7 @@
           <a:p>
             <a:fld id="{1BA50D42-C9CD-4801-B293-61D1F53EC57E}" type="datetimeFigureOut">
               <a:rPr lang="de-DE" smtClean="0"/>
-              <a:t>10.03.2013</a:t>
+              <a:t>14.03.2013</a:t>
             </a:fld>
             <a:endParaRPr lang="de-DE"/>
           </a:p>
@@ -1949,7 +1953,7 @@
           <a:p>
             <a:fld id="{1BA50D42-C9CD-4801-B293-61D1F53EC57E}" type="datetimeFigureOut">
               <a:rPr lang="de-DE" smtClean="0"/>
-              <a:t>10.03.2013</a:t>
+              <a:t>14.03.2013</a:t>
             </a:fld>
             <a:endParaRPr lang="de-DE"/>
           </a:p>
@@ -2221,7 +2225,7 @@
           <a:p>
             <a:fld id="{1BA50D42-C9CD-4801-B293-61D1F53EC57E}" type="datetimeFigureOut">
               <a:rPr lang="de-DE" smtClean="0"/>
-              <a:t>10.03.2013</a:t>
+              <a:t>14.03.2013</a:t>
             </a:fld>
             <a:endParaRPr lang="de-DE"/>
           </a:p>
@@ -2469,7 +2473,7 @@
           <a:p>
             <a:fld id="{1BA50D42-C9CD-4801-B293-61D1F53EC57E}" type="datetimeFigureOut">
               <a:rPr lang="de-DE" smtClean="0"/>
-              <a:t>10.03.2013</a:t>
+              <a:t>14.03.2013</a:t>
             </a:fld>
             <a:endParaRPr lang="de-DE"/>
           </a:p>
@@ -2677,7 +2681,7 @@
           <a:p>
             <a:fld id="{1BA50D42-C9CD-4801-B293-61D1F53EC57E}" type="datetimeFigureOut">
               <a:rPr lang="de-DE" smtClean="0"/>
-              <a:t>10.03.2013</a:t>
+              <a:t>14.03.2013</a:t>
             </a:fld>
             <a:endParaRPr lang="de-DE"/>
           </a:p>
@@ -3516,7 +3520,11 @@
           <a:p>
             <a:r>
               <a:rPr lang="en-GB" dirty="0" smtClean="0"/>
-              <a:t>Data Arrays</a:t>
+              <a:t>Data Arrays (</a:t>
+            </a:r>
+            <a:r>
+              <a:rPr lang="en-GB" dirty="0" smtClean="0"/>
+              <a:t>1/3)</a:t>
             </a:r>
             <a:endParaRPr lang="en-GB" dirty="0"/>
           </a:p>
@@ -3974,7 +3982,11 @@
           <a:p>
             <a:r>
               <a:rPr lang="en-GB" dirty="0" smtClean="0"/>
-              <a:t>Alternatives (1/2)</a:t>
+              <a:t>Data Arrays (</a:t>
+            </a:r>
+            <a:r>
+              <a:rPr lang="en-GB" dirty="0" smtClean="0"/>
+              <a:t>2/3)</a:t>
             </a:r>
             <a:endParaRPr lang="en-GB" dirty="0"/>
           </a:p>
@@ -3992,87 +4004,290 @@
         </p:nvSpPr>
         <p:spPr/>
         <p:txBody>
-          <a:bodyPr/>
+          <a:bodyPr>
+            <a:normAutofit fontScale="62500" lnSpcReduction="20000"/>
+          </a:bodyPr>
           <a:lstStyle/>
           <a:p>
             <a:r>
-              <a:rPr lang="en-GB" b="1" dirty="0" err="1"/>
-              <a:t>Jep</a:t>
+              <a:rPr lang="en-GB" dirty="0" smtClean="0"/>
+              <a:t>Parsing buffer arguments:</a:t>
+            </a:r>
+          </a:p>
+          <a:p>
+            <a:pPr marL="457200" lvl="1" indent="0">
+              <a:buNone/>
+            </a:pPr>
+            <a:r>
+              <a:rPr lang="en-GB" dirty="0" err="1" smtClean="0"/>
+              <a:t>Py_buffer</a:t>
             </a:r>
             <a:r>
               <a:rPr lang="en-GB" dirty="0"/>
-              <a:t> - Java Embedded Python</a:t>
+              <a:t> </a:t>
+            </a:r>
+            <a:r>
+              <a:rPr lang="en-GB" dirty="0" smtClean="0"/>
+              <a:t>b;</a:t>
+            </a:r>
+            <a:endParaRPr lang="en-GB" dirty="0"/>
+          </a:p>
+          <a:p>
+            <a:pPr marL="457200" lvl="1" indent="0">
+              <a:buNone/>
+            </a:pPr>
+            <a:r>
+              <a:rPr lang="en-GB" dirty="0"/>
+              <a:t>ret = </a:t>
+            </a:r>
+            <a:r>
+              <a:rPr lang="en-GB" dirty="0" err="1" smtClean="0"/>
+              <a:t>PyArg_ParseTuple</a:t>
+            </a:r>
+            <a:r>
+              <a:rPr lang="en-GB" dirty="0" smtClean="0"/>
+              <a:t>(</a:t>
+            </a:r>
+            <a:r>
+              <a:rPr lang="en-GB" dirty="0" err="1" smtClean="0"/>
+              <a:t>args</a:t>
+            </a:r>
+            <a:r>
+              <a:rPr lang="en-GB" dirty="0"/>
+              <a:t>, </a:t>
+            </a:r>
+            <a:r>
+              <a:rPr lang="en-GB" dirty="0" smtClean="0"/>
+              <a:t>“y*”, &amp;b); </a:t>
             </a:r>
           </a:p>
           <a:p>
             <a:pPr lvl="1"/>
             <a:r>
-              <a:rPr lang="en-GB" dirty="0" err="1"/>
-              <a:t>Jep</a:t>
+              <a:rPr lang="en-GB" dirty="0" smtClean="0"/>
+              <a:t>See “Parsing </a:t>
             </a:r>
             <a:r>
               <a:rPr lang="en-GB" dirty="0"/>
-              <a:t> embeds </a:t>
-            </a:r>
-            <a:r>
-              <a:rPr lang="en-GB" dirty="0" err="1"/>
-              <a:t>CPython</a:t>
+              <a:t>arguments and building </a:t>
+            </a:r>
+            <a:r>
+              <a:rPr lang="en-GB" dirty="0" smtClean="0"/>
+              <a:t>values” in Python/C API Reference Manual</a:t>
+            </a:r>
+          </a:p>
+          <a:p>
+            <a:r>
+              <a:rPr lang="en-GB" dirty="0" smtClean="0"/>
+              <a:t>Directly using buffer arguments</a:t>
+            </a:r>
+          </a:p>
+          <a:p>
+            <a:pPr marL="457200" lvl="1" indent="0">
+              <a:buNone/>
+            </a:pPr>
+            <a:r>
+              <a:rPr lang="en-GB" dirty="0" err="1" smtClean="0"/>
+              <a:t>PyObject_CheckBuffer</a:t>
+            </a:r>
+            <a:r>
+              <a:rPr lang="en-GB" dirty="0" smtClean="0"/>
+              <a:t>(</a:t>
+            </a:r>
+            <a:r>
+              <a:rPr lang="en-GB" dirty="0" err="1" smtClean="0"/>
+              <a:t>obj</a:t>
+            </a:r>
+            <a:r>
+              <a:rPr lang="en-GB" dirty="0" smtClean="0"/>
+              <a:t>) == 1</a:t>
             </a:r>
             <a:r>
               <a:rPr lang="en-GB" dirty="0"/>
-              <a:t> in Java. It is safe to use in a heavily threaded environment, it is quite fast and its stability is a main feature and goal.</a:t>
-            </a:r>
-          </a:p>
-          <a:p>
-            <a:pPr lvl="1"/>
-            <a:r>
-              <a:rPr lang="en-GB" dirty="0" smtClean="0">
-                <a:hlinkClick r:id="rId2"/>
-              </a:rPr>
-              <a:t>https</a:t>
-            </a:r>
-            <a:r>
-              <a:rPr lang="en-GB" dirty="0">
-                <a:hlinkClick r:id="rId2"/>
-              </a:rPr>
-              <a:t>://</a:t>
-            </a:r>
-            <a:r>
-              <a:rPr lang="en-GB" dirty="0" smtClean="0">
-                <a:hlinkClick r:id="rId2"/>
-              </a:rPr>
-              <a:t>github.com/mrj0/jep</a:t>
+              <a:t/>
+            </a:r>
+            <a:br>
+              <a:rPr lang="en-GB" dirty="0"/>
+            </a:br>
+            <a:r>
+              <a:rPr lang="en-GB" dirty="0"/>
+              <a:t>ret = </a:t>
+            </a:r>
+            <a:r>
+              <a:rPr lang="en-GB" dirty="0" err="1" smtClean="0"/>
+              <a:t>PyObject_GetBuffer</a:t>
+            </a:r>
+            <a:r>
+              <a:rPr lang="en-GB" dirty="0" smtClean="0"/>
+              <a:t>(</a:t>
+            </a:r>
+            <a:r>
+              <a:rPr lang="en-GB" dirty="0" err="1" smtClean="0"/>
+              <a:t>obj</a:t>
+            </a:r>
+            <a:r>
+              <a:rPr lang="en-GB" dirty="0"/>
+              <a:t>, </a:t>
+            </a:r>
+            <a:r>
+              <a:rPr lang="en-GB" dirty="0" smtClean="0"/>
+              <a:t>&amp;</a:t>
+            </a:r>
+            <a:r>
+              <a:rPr lang="en-GB" dirty="0"/>
+              <a:t>b, </a:t>
+            </a:r>
+            <a:r>
+              <a:rPr lang="en-GB" dirty="0" err="1" smtClean="0"/>
+              <a:t>PyBUF_WRITABLE</a:t>
+            </a:r>
+            <a:r>
+              <a:rPr lang="en-GB" dirty="0" smtClean="0"/>
+              <a:t>); </a:t>
+            </a:r>
+          </a:p>
+          <a:p>
+            <a:r>
+              <a:rPr lang="en-GB" dirty="0" smtClean="0"/>
+              <a:t>In any case</a:t>
+            </a:r>
+            <a:endParaRPr lang="en-GB" dirty="0"/>
+          </a:p>
+          <a:p>
+            <a:pPr marL="457200" lvl="1" indent="0">
+              <a:buNone/>
+            </a:pPr>
+            <a:r>
+              <a:rPr lang="en-GB" dirty="0" err="1" smtClean="0"/>
+              <a:t>PyBuffer_Release</a:t>
+            </a:r>
+            <a:r>
+              <a:rPr lang="en-GB" dirty="0" smtClean="0"/>
+              <a:t>(&amp;b);</a:t>
+            </a:r>
+          </a:p>
+          <a:p>
+            <a:r>
+              <a:rPr lang="en-GB" dirty="0" smtClean="0"/>
+              <a:t>Consider</a:t>
+            </a:r>
+          </a:p>
+          <a:p>
+            <a:pPr marL="457200" lvl="1" indent="0">
+              <a:buNone/>
+            </a:pPr>
+            <a:r>
+              <a:rPr lang="en-GB" dirty="0"/>
+              <a:t>ret = </a:t>
+            </a:r>
+            <a:r>
+              <a:rPr lang="en-GB" dirty="0" err="1" smtClean="0"/>
+              <a:t>PyObject_TypeCheck</a:t>
+            </a:r>
+            <a:r>
+              <a:rPr lang="en-GB" dirty="0" smtClean="0"/>
+              <a:t>(</a:t>
+            </a:r>
+            <a:r>
+              <a:rPr lang="en-GB" dirty="0" err="1" smtClean="0"/>
+              <a:t>obj</a:t>
+            </a:r>
+            <a:r>
+              <a:rPr lang="en-GB" dirty="0" smtClean="0"/>
+              <a:t>, </a:t>
+            </a:r>
+            <a:r>
+              <a:rPr lang="en-GB" dirty="0" err="1" smtClean="0"/>
+              <a:t>type_obj</a:t>
+            </a:r>
+            <a:r>
+              <a:rPr lang="en-GB" dirty="0" smtClean="0"/>
+              <a:t>);</a:t>
+            </a:r>
+          </a:p>
+          <a:p>
+            <a:pPr marL="457200" lvl="1" indent="0">
+              <a:buNone/>
+            </a:pPr>
+            <a:r>
+              <a:rPr lang="en-GB" dirty="0" smtClean="0"/>
+              <a:t>or</a:t>
+            </a:r>
+          </a:p>
+          <a:p>
+            <a:pPr marL="457200" lvl="1" indent="0">
+              <a:buNone/>
+            </a:pPr>
+            <a:r>
+              <a:rPr lang="en-GB" dirty="0" err="1" smtClean="0"/>
+              <a:t>PyObject_Type</a:t>
+            </a:r>
+            <a:r>
+              <a:rPr lang="en-GB" dirty="0" smtClean="0"/>
+              <a:t>(</a:t>
+            </a:r>
+            <a:r>
+              <a:rPr lang="en-GB" dirty="0" err="1" smtClean="0"/>
+              <a:t>obj</a:t>
+            </a:r>
+            <a:r>
+              <a:rPr lang="en-GB" dirty="0" smtClean="0"/>
+              <a:t>) == </a:t>
+            </a:r>
+            <a:r>
+              <a:rPr lang="en-GB" dirty="0" err="1" smtClean="0"/>
+              <a:t>type_obj</a:t>
             </a:r>
             <a:endParaRPr lang="en-GB" dirty="0" smtClean="0"/>
           </a:p>
           <a:p>
-            <a:pPr lvl="1"/>
-            <a:r>
-              <a:rPr lang="en-GB" dirty="0" smtClean="0"/>
-              <a:t>Check: can it be used to call Python from Java</a:t>
-            </a:r>
-          </a:p>
-          <a:p>
-            <a:pPr lvl="1"/>
-            <a:r>
-              <a:rPr lang="en-GB" dirty="0" smtClean="0"/>
-              <a:t>Check: No windows support</a:t>
-            </a:r>
-          </a:p>
-          <a:p>
-            <a:pPr lvl="1"/>
-            <a:r>
-              <a:rPr lang="en-GB" dirty="0" smtClean="0"/>
-              <a:t>Check: last activity 9 months ago</a:t>
-            </a:r>
-            <a:endParaRPr lang="en-GB" dirty="0"/>
+            <a:pPr marL="457200" lvl="1" indent="0">
+              <a:buNone/>
+            </a:pPr>
+            <a:r>
+              <a:rPr lang="en-GB" dirty="0" smtClean="0"/>
+              <a:t>or simpler</a:t>
+            </a:r>
+          </a:p>
+          <a:p>
+            <a:pPr marL="457200" lvl="1" indent="0">
+              <a:buNone/>
+            </a:pPr>
+            <a:r>
+              <a:rPr lang="en-GB" dirty="0" err="1" smtClean="0"/>
+              <a:t>obj</a:t>
+            </a:r>
+            <a:r>
+              <a:rPr lang="en-GB" dirty="0"/>
+              <a:t>-</a:t>
+            </a:r>
+            <a:r>
+              <a:rPr lang="en-GB" dirty="0" smtClean="0"/>
+              <a:t>&gt;</a:t>
+            </a:r>
+            <a:r>
+              <a:rPr lang="en-GB" dirty="0" err="1" smtClean="0"/>
+              <a:t>ob_type</a:t>
+            </a:r>
+            <a:r>
+              <a:rPr lang="en-GB" dirty="0" smtClean="0"/>
+              <a:t> == </a:t>
+            </a:r>
+            <a:r>
+              <a:rPr lang="en-GB" dirty="0" err="1" smtClean="0"/>
+              <a:t>type_obj</a:t>
+            </a:r>
+            <a:r>
+              <a:rPr lang="en-GB" dirty="0" smtClean="0"/>
+              <a:t>  </a:t>
+            </a:r>
           </a:p>
         </p:txBody>
       </p:sp>
     </p:spTree>
     <p:extLst>
       <p:ext uri="{BB962C8B-B14F-4D97-AF65-F5344CB8AC3E}">
-        <p14:creationId xmlns:p14="http://schemas.microsoft.com/office/powerpoint/2010/main" val="1310829027"/>
+        <p14:creationId xmlns:p14="http://schemas.microsoft.com/office/powerpoint/2010/main" val="2973595614"/>
       </p:ext>
     </p:extLst>
   </p:cSld>
@@ -4123,7 +4338,19 @@
           <a:p>
             <a:r>
               <a:rPr lang="en-GB" dirty="0" smtClean="0"/>
-              <a:t>Alternatives (2/2)</a:t>
+              <a:t>Data Arrays </a:t>
+            </a:r>
+            <a:r>
+              <a:rPr lang="en-GB" dirty="0" smtClean="0"/>
+              <a:t>(</a:t>
+            </a:r>
+            <a:r>
+              <a:rPr lang="en-GB" dirty="0"/>
+              <a:t>3</a:t>
+            </a:r>
+            <a:r>
+              <a:rPr lang="en-GB" dirty="0" smtClean="0"/>
+              <a:t>/3)</a:t>
             </a:r>
             <a:endParaRPr lang="en-GB" dirty="0"/>
           </a:p>
@@ -4142,6 +4369,511 @@
         <p:spPr/>
         <p:txBody>
           <a:bodyPr>
+            <a:normAutofit/>
+          </a:bodyPr>
+          <a:lstStyle/>
+          <a:p>
+            <a:r>
+              <a:rPr lang="en-GB" dirty="0" err="1" smtClean="0"/>
+              <a:t>CArray</a:t>
+            </a:r>
+            <a:endParaRPr lang="en-GB" dirty="0" smtClean="0"/>
+          </a:p>
+          <a:p>
+            <a:pPr lvl="1"/>
+            <a:r>
+              <a:rPr lang="en-GB" dirty="0" smtClean="0"/>
+              <a:t>implements </a:t>
+            </a:r>
+            <a:r>
+              <a:rPr lang="en-GB" smtClean="0"/>
+              <a:t>Buffer protocol  </a:t>
+            </a:r>
+            <a:endParaRPr lang="en-GB" dirty="0" smtClean="0"/>
+          </a:p>
+          <a:p>
+            <a:pPr lvl="1"/>
+            <a:r>
+              <a:rPr lang="en-GB" dirty="0" smtClean="0"/>
+              <a:t>implements Sequence protocol</a:t>
+            </a:r>
+          </a:p>
+          <a:p>
+            <a:r>
+              <a:rPr lang="en-GB" dirty="0" smtClean="0"/>
+              <a:t>TODO</a:t>
+            </a:r>
+          </a:p>
+          <a:p>
+            <a:pPr lvl="1"/>
+            <a:r>
+              <a:rPr lang="en-GB" dirty="0" smtClean="0"/>
+              <a:t>Make </a:t>
+            </a:r>
+            <a:r>
+              <a:rPr lang="en-GB" dirty="0" err="1" smtClean="0"/>
+              <a:t>dtype</a:t>
+            </a:r>
+            <a:r>
+              <a:rPr lang="en-GB" dirty="0" smtClean="0"/>
+              <a:t>-format-string conform to Python ‘</a:t>
+            </a:r>
+            <a:r>
+              <a:rPr lang="en-GB" dirty="0" err="1" smtClean="0"/>
+              <a:t>struct</a:t>
+            </a:r>
+            <a:r>
+              <a:rPr lang="en-GB" dirty="0" smtClean="0"/>
+              <a:t>’ module, see </a:t>
+            </a:r>
+            <a:br>
+              <a:rPr lang="en-GB" dirty="0" smtClean="0"/>
+            </a:br>
+            <a:r>
+              <a:rPr lang="en-GB" dirty="0" smtClean="0"/>
+              <a:t>6.3.  </a:t>
+            </a:r>
+            <a:r>
+              <a:rPr lang="en-GB" dirty="0" err="1" smtClean="0"/>
+              <a:t>struct</a:t>
+            </a:r>
+            <a:r>
+              <a:rPr lang="en-GB" dirty="0" smtClean="0"/>
+              <a:t> </a:t>
+            </a:r>
+            <a:r>
+              <a:rPr lang="en-GB" dirty="0"/>
+              <a:t>— Interpret bytes as packed binary </a:t>
+            </a:r>
+            <a:r>
+              <a:rPr lang="en-GB" dirty="0" smtClean="0"/>
+              <a:t>data, see also</a:t>
+            </a:r>
+            <a:br>
+              <a:rPr lang="en-GB" dirty="0" smtClean="0"/>
+            </a:br>
+            <a:r>
+              <a:rPr lang="en-GB" dirty="0" err="1" smtClean="0"/>
+              <a:t>PyBuffer_SizeFromFormat</a:t>
+            </a:r>
+            <a:r>
+              <a:rPr lang="en-GB" dirty="0" smtClean="0"/>
+              <a:t>(format) </a:t>
+            </a:r>
+            <a:endParaRPr lang="en-GB" dirty="0"/>
+          </a:p>
+          <a:p>
+            <a:pPr lvl="1"/>
+            <a:endParaRPr lang="en-GB" dirty="0" smtClean="0"/>
+          </a:p>
+        </p:txBody>
+      </p:sp>
+    </p:spTree>
+    <p:extLst>
+      <p:ext uri="{BB962C8B-B14F-4D97-AF65-F5344CB8AC3E}">
+        <p14:creationId xmlns:p14="http://schemas.microsoft.com/office/powerpoint/2010/main" val="845572741"/>
+      </p:ext>
+    </p:extLst>
+  </p:cSld>
+  <p:clrMapOvr>
+    <a:masterClrMapping/>
+  </p:clrMapOvr>
+  <p:timing>
+    <p:tnLst>
+      <p:par>
+        <p:cTn id="1" dur="indefinite" restart="never" nodeType="tmRoot"/>
+      </p:par>
+    </p:tnLst>
+  </p:timing>
+</p:sld>
+</file>
+
+<file path=ppt/slides/slide14.xml><?xml version="1.0" encoding="utf-8"?>
+<p:sld xmlns:a="http://schemas.openxmlformats.org/drawingml/2006/main" xmlns:r="http://schemas.openxmlformats.org/officeDocument/2006/relationships" xmlns:p="http://schemas.openxmlformats.org/presentationml/2006/main">
+  <p:cSld>
+    <p:spTree>
+      <p:nvGrpSpPr>
+        <p:cNvPr id="1" name=""/>
+        <p:cNvGrpSpPr/>
+        <p:nvPr/>
+      </p:nvGrpSpPr>
+      <p:grpSpPr>
+        <a:xfrm>
+          <a:off x="0" y="0"/>
+          <a:ext cx="0" cy="0"/>
+          <a:chOff x="0" y="0"/>
+          <a:chExt cx="0" cy="0"/>
+        </a:xfrm>
+      </p:grpSpPr>
+      <p:sp>
+        <p:nvSpPr>
+          <p:cNvPr id="2" name="Titel 1"/>
+          <p:cNvSpPr>
+            <a:spLocks noGrp="1"/>
+          </p:cNvSpPr>
+          <p:nvPr>
+            <p:ph type="title"/>
+          </p:nvPr>
+        </p:nvSpPr>
+        <p:spPr/>
+        <p:txBody>
+          <a:bodyPr/>
+          <a:lstStyle/>
+          <a:p>
+            <a:r>
+              <a:rPr lang="en-GB" dirty="0" smtClean="0"/>
+              <a:t>Multithreading</a:t>
+            </a:r>
+            <a:endParaRPr lang="en-GB" dirty="0"/>
+          </a:p>
+        </p:txBody>
+      </p:sp>
+      <p:sp>
+        <p:nvSpPr>
+          <p:cNvPr id="3" name="Inhaltsplatzhalter 2"/>
+          <p:cNvSpPr>
+            <a:spLocks noGrp="1"/>
+          </p:cNvSpPr>
+          <p:nvPr>
+            <p:ph idx="1"/>
+          </p:nvPr>
+        </p:nvSpPr>
+        <p:spPr/>
+        <p:txBody>
+          <a:bodyPr>
+            <a:normAutofit lnSpcReduction="10000"/>
+          </a:bodyPr>
+          <a:lstStyle/>
+          <a:p>
+            <a:r>
+              <a:rPr lang="en-GB" dirty="0" smtClean="0"/>
+              <a:t>If BEAM Java calls into Python from multiple Java threads for executing e.g. a tile computation, we can consider</a:t>
+            </a:r>
+          </a:p>
+          <a:p>
+            <a:pPr lvl="1"/>
+            <a:r>
+              <a:rPr lang="en-GB" dirty="0" err="1" smtClean="0"/>
+              <a:t>PyThreadState</a:t>
+            </a:r>
+            <a:r>
+              <a:rPr lang="en-GB" dirty="0" smtClean="0"/>
+              <a:t>* </a:t>
+            </a:r>
+            <a:r>
+              <a:rPr lang="en-GB" dirty="0" err="1" smtClean="0"/>
+              <a:t>tstate</a:t>
+            </a:r>
+            <a:r>
+              <a:rPr lang="en-GB" dirty="0" smtClean="0"/>
+              <a:t>;</a:t>
+            </a:r>
+          </a:p>
+          <a:p>
+            <a:pPr lvl="1"/>
+            <a:r>
+              <a:rPr lang="en-GB" dirty="0" err="1" smtClean="0"/>
+              <a:t>tstate</a:t>
+            </a:r>
+            <a:r>
+              <a:rPr lang="en-GB" dirty="0" smtClean="0"/>
+              <a:t> = </a:t>
+            </a:r>
+            <a:r>
+              <a:rPr lang="en-GB" dirty="0" err="1"/>
+              <a:t>Py_NewInterpreter</a:t>
+            </a:r>
+            <a:r>
+              <a:rPr lang="en-GB" dirty="0" smtClean="0"/>
+              <a:t>();</a:t>
+            </a:r>
+          </a:p>
+          <a:p>
+            <a:pPr lvl="1"/>
+            <a:r>
+              <a:rPr lang="en-GB" dirty="0" smtClean="0"/>
+              <a:t>…</a:t>
+            </a:r>
+            <a:r>
+              <a:rPr lang="en-GB" i="1" dirty="0" smtClean="0"/>
+              <a:t> call into python code</a:t>
+            </a:r>
+          </a:p>
+          <a:p>
+            <a:pPr lvl="1"/>
+            <a:r>
+              <a:rPr lang="en-GB" dirty="0" err="1" smtClean="0"/>
+              <a:t>Py_EndInterpreter</a:t>
+            </a:r>
+            <a:r>
+              <a:rPr lang="en-GB" dirty="0" smtClean="0"/>
+              <a:t>(</a:t>
+            </a:r>
+            <a:r>
+              <a:rPr lang="en-GB" dirty="0" err="1" smtClean="0"/>
+              <a:t>tstate</a:t>
+            </a:r>
+            <a:r>
+              <a:rPr lang="en-GB" dirty="0" smtClean="0"/>
+              <a:t>);  </a:t>
+            </a:r>
+          </a:p>
+          <a:p>
+            <a:pPr marL="342900" lvl="1" indent="-342900">
+              <a:buFont typeface="Arial" pitchFamily="34" charset="0"/>
+              <a:buChar char="•"/>
+            </a:pPr>
+            <a:r>
+              <a:rPr lang="en-GB" dirty="0"/>
+              <a:t>See </a:t>
+            </a:r>
+            <a:r>
+              <a:rPr lang="en-GB" dirty="0" smtClean="0"/>
+              <a:t>“Initialization</a:t>
+            </a:r>
+            <a:r>
+              <a:rPr lang="en-GB" dirty="0"/>
+              <a:t>, Finalization, and </a:t>
+            </a:r>
+            <a:r>
+              <a:rPr lang="en-GB" dirty="0" smtClean="0"/>
+              <a:t>Threads” </a:t>
+            </a:r>
+            <a:r>
+              <a:rPr lang="en-GB" dirty="0"/>
+              <a:t>in Python/C API Reference Manual</a:t>
+            </a:r>
+          </a:p>
+          <a:p>
+            <a:pPr marL="0" indent="0">
+              <a:buNone/>
+            </a:pPr>
+            <a:endParaRPr lang="en-GB" dirty="0"/>
+          </a:p>
+        </p:txBody>
+      </p:sp>
+    </p:spTree>
+    <p:extLst>
+      <p:ext uri="{BB962C8B-B14F-4D97-AF65-F5344CB8AC3E}">
+        <p14:creationId xmlns:p14="http://schemas.microsoft.com/office/powerpoint/2010/main" val="183588086"/>
+      </p:ext>
+    </p:extLst>
+  </p:cSld>
+  <p:clrMapOvr>
+    <a:masterClrMapping/>
+  </p:clrMapOvr>
+  <p:timing>
+    <p:tnLst>
+      <p:par>
+        <p:cTn id="1" dur="indefinite" restart="never" nodeType="tmRoot"/>
+      </p:par>
+    </p:tnLst>
+  </p:timing>
+</p:sld>
+</file>
+
+<file path=ppt/slides/slide15.xml><?xml version="1.0" encoding="utf-8"?>
+<p:sld xmlns:a="http://schemas.openxmlformats.org/drawingml/2006/main" xmlns:r="http://schemas.openxmlformats.org/officeDocument/2006/relationships" xmlns:p="http://schemas.openxmlformats.org/presentationml/2006/main">
+  <p:cSld>
+    <p:spTree>
+      <p:nvGrpSpPr>
+        <p:cNvPr id="1" name=""/>
+        <p:cNvGrpSpPr/>
+        <p:nvPr/>
+      </p:nvGrpSpPr>
+      <p:grpSpPr>
+        <a:xfrm>
+          <a:off x="0" y="0"/>
+          <a:ext cx="0" cy="0"/>
+          <a:chOff x="0" y="0"/>
+          <a:chExt cx="0" cy="0"/>
+        </a:xfrm>
+      </p:grpSpPr>
+      <p:sp>
+        <p:nvSpPr>
+          <p:cNvPr id="2" name="Titel 1"/>
+          <p:cNvSpPr>
+            <a:spLocks noGrp="1"/>
+          </p:cNvSpPr>
+          <p:nvPr>
+            <p:ph type="title"/>
+          </p:nvPr>
+        </p:nvSpPr>
+        <p:spPr/>
+        <p:txBody>
+          <a:bodyPr/>
+          <a:lstStyle/>
+          <a:p>
+            <a:r>
+              <a:rPr lang="en-GB" dirty="0" smtClean="0"/>
+              <a:t>Alternatives (1/2)</a:t>
+            </a:r>
+            <a:endParaRPr lang="en-GB" dirty="0"/>
+          </a:p>
+        </p:txBody>
+      </p:sp>
+      <p:sp>
+        <p:nvSpPr>
+          <p:cNvPr id="3" name="Inhaltsplatzhalter 2"/>
+          <p:cNvSpPr>
+            <a:spLocks noGrp="1"/>
+          </p:cNvSpPr>
+          <p:nvPr>
+            <p:ph idx="1"/>
+          </p:nvPr>
+        </p:nvSpPr>
+        <p:spPr/>
+        <p:txBody>
+          <a:bodyPr/>
+          <a:lstStyle/>
+          <a:p>
+            <a:r>
+              <a:rPr lang="en-GB" b="1" dirty="0" err="1"/>
+              <a:t>Jep</a:t>
+            </a:r>
+            <a:r>
+              <a:rPr lang="en-GB" dirty="0"/>
+              <a:t> - Java Embedded Python</a:t>
+            </a:r>
+          </a:p>
+          <a:p>
+            <a:pPr lvl="1"/>
+            <a:r>
+              <a:rPr lang="en-GB" dirty="0" err="1"/>
+              <a:t>Jep</a:t>
+            </a:r>
+            <a:r>
+              <a:rPr lang="en-GB" dirty="0"/>
+              <a:t> embeds </a:t>
+            </a:r>
+            <a:r>
+              <a:rPr lang="en-GB" dirty="0" err="1"/>
+              <a:t>CPython</a:t>
+            </a:r>
+            <a:r>
+              <a:rPr lang="en-GB" dirty="0"/>
+              <a:t> in Java. It is safe to use in a heavily threaded environment, it is quite fast and its stability is a main feature and goal.</a:t>
+            </a:r>
+          </a:p>
+          <a:p>
+            <a:pPr lvl="1"/>
+            <a:r>
+              <a:rPr lang="en-GB" dirty="0" smtClean="0">
+                <a:hlinkClick r:id="rId2"/>
+              </a:rPr>
+              <a:t>https</a:t>
+            </a:r>
+            <a:r>
+              <a:rPr lang="en-GB" dirty="0">
+                <a:hlinkClick r:id="rId2"/>
+              </a:rPr>
+              <a:t>://</a:t>
+            </a:r>
+            <a:r>
+              <a:rPr lang="en-GB" dirty="0" smtClean="0">
+                <a:hlinkClick r:id="rId2"/>
+              </a:rPr>
+              <a:t>github.com/mrj0/jep</a:t>
+            </a:r>
+            <a:endParaRPr lang="en-GB" dirty="0" smtClean="0"/>
+          </a:p>
+          <a:p>
+            <a:pPr lvl="1"/>
+            <a:r>
+              <a:rPr lang="en-GB" dirty="0" smtClean="0"/>
+              <a:t>Check: can it be used to call Python from Java</a:t>
+            </a:r>
+          </a:p>
+          <a:p>
+            <a:pPr lvl="1"/>
+            <a:r>
+              <a:rPr lang="en-GB" dirty="0" smtClean="0"/>
+              <a:t>Check: No windows support</a:t>
+            </a:r>
+          </a:p>
+          <a:p>
+            <a:pPr lvl="1"/>
+            <a:r>
+              <a:rPr lang="en-GB" dirty="0" smtClean="0"/>
+              <a:t>Check: last activity 9 months ago</a:t>
+            </a:r>
+            <a:endParaRPr lang="en-GB" dirty="0"/>
+          </a:p>
+        </p:txBody>
+      </p:sp>
+    </p:spTree>
+    <p:extLst>
+      <p:ext uri="{BB962C8B-B14F-4D97-AF65-F5344CB8AC3E}">
+        <p14:creationId xmlns:p14="http://schemas.microsoft.com/office/powerpoint/2010/main" val="1310829027"/>
+      </p:ext>
+    </p:extLst>
+  </p:cSld>
+  <p:clrMapOvr>
+    <a:masterClrMapping/>
+  </p:clrMapOvr>
+  <p:timing>
+    <p:tnLst>
+      <p:par>
+        <p:cTn id="1" dur="indefinite" restart="never" nodeType="tmRoot"/>
+      </p:par>
+    </p:tnLst>
+  </p:timing>
+</p:sld>
+</file>
+
+<file path=ppt/slides/slide16.xml><?xml version="1.0" encoding="utf-8"?>
+<p:sld xmlns:a="http://schemas.openxmlformats.org/drawingml/2006/main" xmlns:r="http://schemas.openxmlformats.org/officeDocument/2006/relationships" xmlns:p="http://schemas.openxmlformats.org/presentationml/2006/main">
+  <p:cSld>
+    <p:spTree>
+      <p:nvGrpSpPr>
+        <p:cNvPr id="1" name=""/>
+        <p:cNvGrpSpPr/>
+        <p:nvPr/>
+      </p:nvGrpSpPr>
+      <p:grpSpPr>
+        <a:xfrm>
+          <a:off x="0" y="0"/>
+          <a:ext cx="0" cy="0"/>
+          <a:chOff x="0" y="0"/>
+          <a:chExt cx="0" cy="0"/>
+        </a:xfrm>
+      </p:grpSpPr>
+      <p:sp>
+        <p:nvSpPr>
+          <p:cNvPr id="2" name="Titel 1"/>
+          <p:cNvSpPr>
+            <a:spLocks noGrp="1"/>
+          </p:cNvSpPr>
+          <p:nvPr>
+            <p:ph type="title"/>
+          </p:nvPr>
+        </p:nvSpPr>
+        <p:spPr/>
+        <p:txBody>
+          <a:bodyPr/>
+          <a:lstStyle/>
+          <a:p>
+            <a:r>
+              <a:rPr lang="en-GB" dirty="0" smtClean="0"/>
+              <a:t>Alternatives (2/2)</a:t>
+            </a:r>
+            <a:endParaRPr lang="en-GB" dirty="0"/>
+          </a:p>
+        </p:txBody>
+      </p:sp>
+      <p:sp>
+        <p:nvSpPr>
+          <p:cNvPr id="3" name="Inhaltsplatzhalter 2"/>
+          <p:cNvSpPr>
+            <a:spLocks noGrp="1"/>
+          </p:cNvSpPr>
+          <p:nvPr>
+            <p:ph idx="1"/>
+          </p:nvPr>
+        </p:nvSpPr>
+        <p:spPr/>
+        <p:txBody>
+          <a:bodyPr>
             <a:normAutofit fontScale="92500" lnSpcReduction="20000"/>
           </a:bodyPr>
           <a:lstStyle/>
@@ -4267,6 +4999,156 @@
     <p:extLst>
       <p:ext uri="{BB962C8B-B14F-4D97-AF65-F5344CB8AC3E}">
         <p14:creationId xmlns:p14="http://schemas.microsoft.com/office/powerpoint/2010/main" val="1553940326"/>
+      </p:ext>
+    </p:extLst>
+  </p:cSld>
+  <p:clrMapOvr>
+    <a:masterClrMapping/>
+  </p:clrMapOvr>
+  <p:timing>
+    <p:tnLst>
+      <p:par>
+        <p:cTn id="1" dur="indefinite" restart="never" nodeType="tmRoot"/>
+      </p:par>
+    </p:tnLst>
+  </p:timing>
+</p:sld>
+</file>
+
+<file path=ppt/slides/slide17.xml><?xml version="1.0" encoding="utf-8"?>
+<p:sld xmlns:a="http://schemas.openxmlformats.org/drawingml/2006/main" xmlns:r="http://schemas.openxmlformats.org/officeDocument/2006/relationships" xmlns:p="http://schemas.openxmlformats.org/presentationml/2006/main">
+  <p:cSld>
+    <p:spTree>
+      <p:nvGrpSpPr>
+        <p:cNvPr id="1" name=""/>
+        <p:cNvGrpSpPr/>
+        <p:nvPr/>
+      </p:nvGrpSpPr>
+      <p:grpSpPr>
+        <a:xfrm>
+          <a:off x="0" y="0"/>
+          <a:ext cx="0" cy="0"/>
+          <a:chOff x="0" y="0"/>
+          <a:chExt cx="0" cy="0"/>
+        </a:xfrm>
+      </p:grpSpPr>
+      <p:sp>
+        <p:nvSpPr>
+          <p:cNvPr id="2" name="Titel 1"/>
+          <p:cNvSpPr>
+            <a:spLocks noGrp="1"/>
+          </p:cNvSpPr>
+          <p:nvPr>
+            <p:ph type="title"/>
+          </p:nvPr>
+        </p:nvSpPr>
+        <p:spPr/>
+        <p:txBody>
+          <a:bodyPr/>
+          <a:lstStyle/>
+          <a:p>
+            <a:r>
+              <a:rPr lang="en-GB" dirty="0" smtClean="0"/>
+              <a:t>Potential Users (External Testers)</a:t>
+            </a:r>
+            <a:endParaRPr lang="en-GB" dirty="0"/>
+          </a:p>
+        </p:txBody>
+      </p:sp>
+      <p:sp>
+        <p:nvSpPr>
+          <p:cNvPr id="3" name="Inhaltsplatzhalter 2"/>
+          <p:cNvSpPr>
+            <a:spLocks noGrp="1"/>
+          </p:cNvSpPr>
+          <p:nvPr>
+            <p:ph idx="1"/>
+          </p:nvPr>
+        </p:nvSpPr>
+        <p:spPr/>
+        <p:txBody>
+          <a:bodyPr/>
+          <a:lstStyle/>
+          <a:p>
+            <a:r>
+              <a:rPr lang="en-GB" dirty="0"/>
+              <a:t>Philipp </a:t>
+            </a:r>
+            <a:r>
+              <a:rPr lang="en-GB" dirty="0" err="1" smtClean="0"/>
+              <a:t>Groetsch</a:t>
+            </a:r>
+            <a:r>
+              <a:rPr lang="en-GB" dirty="0" smtClean="0"/>
+              <a:t/>
+            </a:r>
+            <a:br>
+              <a:rPr lang="en-GB" dirty="0" smtClean="0"/>
+            </a:br>
+            <a:r>
+              <a:rPr lang="en-GB" dirty="0" smtClean="0"/>
+              <a:t>Water Insight / Tartu Observatory, </a:t>
+            </a:r>
+            <a:r>
+              <a:rPr lang="en-GB" dirty="0" smtClean="0">
+                <a:hlinkClick r:id="rId2"/>
+              </a:rPr>
+              <a:t>groetsch@waterinsight.nl</a:t>
+            </a:r>
+            <a:endParaRPr lang="en-GB" dirty="0" smtClean="0"/>
+          </a:p>
+          <a:p>
+            <a:r>
+              <a:rPr lang="en-GB" dirty="0" err="1" smtClean="0"/>
+              <a:t>Alexeander</a:t>
+            </a:r>
+            <a:r>
+              <a:rPr lang="en-GB" dirty="0" smtClean="0"/>
+              <a:t> </a:t>
+            </a:r>
+            <a:r>
+              <a:rPr lang="en-GB" dirty="0" err="1" smtClean="0"/>
+              <a:t>Loew</a:t>
+            </a:r>
+            <a:r>
+              <a:rPr lang="en-GB" dirty="0" smtClean="0"/>
+              <a:t/>
+            </a:r>
+            <a:br>
+              <a:rPr lang="en-GB" dirty="0" smtClean="0"/>
+            </a:br>
+            <a:r>
+              <a:rPr lang="en-GB" dirty="0" smtClean="0"/>
+              <a:t>Max-Planck-Institute</a:t>
+            </a:r>
+          </a:p>
+          <a:p>
+            <a:r>
+              <a:rPr lang="en-GB" dirty="0" smtClean="0"/>
+              <a:t>Rene </a:t>
+            </a:r>
+            <a:r>
+              <a:rPr lang="en-GB" dirty="0" err="1" smtClean="0"/>
+              <a:t>Preusker</a:t>
+            </a:r>
+            <a:r>
+              <a:rPr lang="en-GB" dirty="0"/>
+              <a:t/>
+            </a:r>
+            <a:br>
+              <a:rPr lang="en-GB" dirty="0"/>
+            </a:br>
+            <a:r>
+              <a:rPr lang="en-GB" dirty="0" smtClean="0"/>
+              <a:t>FUB</a:t>
+            </a:r>
+          </a:p>
+        </p:txBody>
+      </p:sp>
+    </p:spTree>
+    <p:extLst>
+      <p:ext uri="{BB962C8B-B14F-4D97-AF65-F5344CB8AC3E}">
+        <p14:creationId xmlns:p14="http://schemas.microsoft.com/office/powerpoint/2010/main" val="1630517429"/>
       </p:ext>
     </p:extLst>
   </p:cSld>

--- a/docs/beam-extapi.pptx
+++ b/docs/beam-extapi.pptx
@@ -304,7 +304,7 @@
           <a:p>
             <a:fld id="{1BA50D42-C9CD-4801-B293-61D1F53EC57E}" type="datetimeFigureOut">
               <a:rPr lang="de-DE" smtClean="0"/>
-              <a:t>14.03.2013</a:t>
+              <a:t>15.03.2013</a:t>
             </a:fld>
             <a:endParaRPr lang="de-DE"/>
           </a:p>
@@ -469,7 +469,7 @@
           <a:p>
             <a:fld id="{1BA50D42-C9CD-4801-B293-61D1F53EC57E}" type="datetimeFigureOut">
               <a:rPr lang="de-DE" smtClean="0"/>
-              <a:t>14.03.2013</a:t>
+              <a:t>15.03.2013</a:t>
             </a:fld>
             <a:endParaRPr lang="de-DE"/>
           </a:p>
@@ -644,7 +644,7 @@
           <a:p>
             <a:fld id="{1BA50D42-C9CD-4801-B293-61D1F53EC57E}" type="datetimeFigureOut">
               <a:rPr lang="de-DE" smtClean="0"/>
-              <a:t>14.03.2013</a:t>
+              <a:t>15.03.2013</a:t>
             </a:fld>
             <a:endParaRPr lang="de-DE"/>
           </a:p>
@@ -809,7 +809,7 @@
           <a:p>
             <a:fld id="{1BA50D42-C9CD-4801-B293-61D1F53EC57E}" type="datetimeFigureOut">
               <a:rPr lang="de-DE" smtClean="0"/>
-              <a:t>14.03.2013</a:t>
+              <a:t>15.03.2013</a:t>
             </a:fld>
             <a:endParaRPr lang="de-DE"/>
           </a:p>
@@ -1050,7 +1050,7 @@
           <a:p>
             <a:fld id="{1BA50D42-C9CD-4801-B293-61D1F53EC57E}" type="datetimeFigureOut">
               <a:rPr lang="de-DE" smtClean="0"/>
-              <a:t>14.03.2013</a:t>
+              <a:t>15.03.2013</a:t>
             </a:fld>
             <a:endParaRPr lang="de-DE"/>
           </a:p>
@@ -1333,7 +1333,7 @@
           <a:p>
             <a:fld id="{1BA50D42-C9CD-4801-B293-61D1F53EC57E}" type="datetimeFigureOut">
               <a:rPr lang="de-DE" smtClean="0"/>
-              <a:t>14.03.2013</a:t>
+              <a:t>15.03.2013</a:t>
             </a:fld>
             <a:endParaRPr lang="de-DE"/>
           </a:p>
@@ -1750,7 +1750,7 @@
           <a:p>
             <a:fld id="{1BA50D42-C9CD-4801-B293-61D1F53EC57E}" type="datetimeFigureOut">
               <a:rPr lang="de-DE" smtClean="0"/>
-              <a:t>14.03.2013</a:t>
+              <a:t>15.03.2013</a:t>
             </a:fld>
             <a:endParaRPr lang="de-DE"/>
           </a:p>
@@ -1863,7 +1863,7 @@
           <a:p>
             <a:fld id="{1BA50D42-C9CD-4801-B293-61D1F53EC57E}" type="datetimeFigureOut">
               <a:rPr lang="de-DE" smtClean="0"/>
-              <a:t>14.03.2013</a:t>
+              <a:t>15.03.2013</a:t>
             </a:fld>
             <a:endParaRPr lang="de-DE"/>
           </a:p>
@@ -1953,7 +1953,7 @@
           <a:p>
             <a:fld id="{1BA50D42-C9CD-4801-B293-61D1F53EC57E}" type="datetimeFigureOut">
               <a:rPr lang="de-DE" smtClean="0"/>
-              <a:t>14.03.2013</a:t>
+              <a:t>15.03.2013</a:t>
             </a:fld>
             <a:endParaRPr lang="de-DE"/>
           </a:p>
@@ -2225,7 +2225,7 @@
           <a:p>
             <a:fld id="{1BA50D42-C9CD-4801-B293-61D1F53EC57E}" type="datetimeFigureOut">
               <a:rPr lang="de-DE" smtClean="0"/>
-              <a:t>14.03.2013</a:t>
+              <a:t>15.03.2013</a:t>
             </a:fld>
             <a:endParaRPr lang="de-DE"/>
           </a:p>
@@ -2473,7 +2473,7 @@
           <a:p>
             <a:fld id="{1BA50D42-C9CD-4801-B293-61D1F53EC57E}" type="datetimeFigureOut">
               <a:rPr lang="de-DE" smtClean="0"/>
-              <a:t>14.03.2013</a:t>
+              <a:t>15.03.2013</a:t>
             </a:fld>
             <a:endParaRPr lang="de-DE"/>
           </a:p>
@@ -2681,7 +2681,7 @@
           <a:p>
             <a:fld id="{1BA50D42-C9CD-4801-B293-61D1F53EC57E}" type="datetimeFigureOut">
               <a:rPr lang="de-DE" smtClean="0"/>
-              <a:t>14.03.2013</a:t>
+              <a:t>15.03.2013</a:t>
             </a:fld>
             <a:endParaRPr lang="de-DE"/>
           </a:p>
@@ -3520,11 +3520,7 @@
           <a:p>
             <a:r>
               <a:rPr lang="en-GB" dirty="0" smtClean="0"/>
-              <a:t>Data Arrays (</a:t>
-            </a:r>
-            <a:r>
-              <a:rPr lang="en-GB" dirty="0" smtClean="0"/>
-              <a:t>1/3)</a:t>
+              <a:t>Data Arrays (1/3)</a:t>
             </a:r>
             <a:endParaRPr lang="en-GB" dirty="0"/>
           </a:p>
@@ -3982,11 +3978,7 @@
           <a:p>
             <a:r>
               <a:rPr lang="en-GB" dirty="0" smtClean="0"/>
-              <a:t>Data Arrays (</a:t>
-            </a:r>
-            <a:r>
-              <a:rPr lang="en-GB" dirty="0" smtClean="0"/>
-              <a:t>2/3)</a:t>
+              <a:t>Data Arrays (2/3)</a:t>
             </a:r>
             <a:endParaRPr lang="en-GB" dirty="0"/>
           </a:p>
@@ -4338,11 +4330,7 @@
           <a:p>
             <a:r>
               <a:rPr lang="en-GB" dirty="0" smtClean="0"/>
-              <a:t>Data Arrays </a:t>
-            </a:r>
-            <a:r>
-              <a:rPr lang="en-GB" dirty="0" smtClean="0"/>
-              <a:t>(</a:t>
+              <a:t>Data Arrays (</a:t>
             </a:r>
             <a:r>
               <a:rPr lang="en-GB" dirty="0"/>
@@ -4383,13 +4371,8 @@
             <a:pPr lvl="1"/>
             <a:r>
               <a:rPr lang="en-GB" dirty="0" smtClean="0"/>
-              <a:t>implements </a:t>
-            </a:r>
-            <a:r>
-              <a:rPr lang="en-GB" smtClean="0"/>
-              <a:t>Buffer protocol  </a:t>
-            </a:r>
-            <a:endParaRPr lang="en-GB" dirty="0" smtClean="0"/>
+              <a:t>implements Buffer protocol  </a:t>
+            </a:r>
           </a:p>
           <a:p>
             <a:pPr lvl="1"/>

--- a/docs/beam-extapi.pptx
+++ b/docs/beam-extapi.pptx
@@ -12,16 +12,18 @@
     <p:sldId id="263" r:id="rId6"/>
     <p:sldId id="257" r:id="rId7"/>
     <p:sldId id="259" r:id="rId8"/>
-    <p:sldId id="265" r:id="rId9"/>
-    <p:sldId id="267" r:id="rId10"/>
-    <p:sldId id="266" r:id="rId11"/>
-    <p:sldId id="268" r:id="rId12"/>
-    <p:sldId id="272" r:id="rId13"/>
-    <p:sldId id="275" r:id="rId14"/>
-    <p:sldId id="274" r:id="rId15"/>
-    <p:sldId id="269" r:id="rId16"/>
-    <p:sldId id="270" r:id="rId17"/>
-    <p:sldId id="273" r:id="rId18"/>
+    <p:sldId id="277" r:id="rId9"/>
+    <p:sldId id="265" r:id="rId10"/>
+    <p:sldId id="267" r:id="rId11"/>
+    <p:sldId id="266" r:id="rId12"/>
+    <p:sldId id="268" r:id="rId13"/>
+    <p:sldId id="272" r:id="rId14"/>
+    <p:sldId id="275" r:id="rId15"/>
+    <p:sldId id="276" r:id="rId16"/>
+    <p:sldId id="274" r:id="rId17"/>
+    <p:sldId id="269" r:id="rId18"/>
+    <p:sldId id="270" r:id="rId19"/>
+    <p:sldId id="273" r:id="rId20"/>
   </p:sldIdLst>
   <p:sldSz cx="9144000" cy="6858000" type="screen4x3"/>
   <p:notesSz cx="6858000" cy="9144000"/>
@@ -304,7 +306,7 @@
           <a:p>
             <a:fld id="{1BA50D42-C9CD-4801-B293-61D1F53EC57E}" type="datetimeFigureOut">
               <a:rPr lang="de-DE" smtClean="0"/>
-              <a:t>15.03.2013</a:t>
+              <a:t>26.03.2013</a:t>
             </a:fld>
             <a:endParaRPr lang="de-DE"/>
           </a:p>
@@ -469,7 +471,7 @@
           <a:p>
             <a:fld id="{1BA50D42-C9CD-4801-B293-61D1F53EC57E}" type="datetimeFigureOut">
               <a:rPr lang="de-DE" smtClean="0"/>
-              <a:t>15.03.2013</a:t>
+              <a:t>26.03.2013</a:t>
             </a:fld>
             <a:endParaRPr lang="de-DE"/>
           </a:p>
@@ -644,7 +646,7 @@
           <a:p>
             <a:fld id="{1BA50D42-C9CD-4801-B293-61D1F53EC57E}" type="datetimeFigureOut">
               <a:rPr lang="de-DE" smtClean="0"/>
-              <a:t>15.03.2013</a:t>
+              <a:t>26.03.2013</a:t>
             </a:fld>
             <a:endParaRPr lang="de-DE"/>
           </a:p>
@@ -809,7 +811,7 @@
           <a:p>
             <a:fld id="{1BA50D42-C9CD-4801-B293-61D1F53EC57E}" type="datetimeFigureOut">
               <a:rPr lang="de-DE" smtClean="0"/>
-              <a:t>15.03.2013</a:t>
+              <a:t>26.03.2013</a:t>
             </a:fld>
             <a:endParaRPr lang="de-DE"/>
           </a:p>
@@ -1050,7 +1052,7 @@
           <a:p>
             <a:fld id="{1BA50D42-C9CD-4801-B293-61D1F53EC57E}" type="datetimeFigureOut">
               <a:rPr lang="de-DE" smtClean="0"/>
-              <a:t>15.03.2013</a:t>
+              <a:t>26.03.2013</a:t>
             </a:fld>
             <a:endParaRPr lang="de-DE"/>
           </a:p>
@@ -1333,7 +1335,7 @@
           <a:p>
             <a:fld id="{1BA50D42-C9CD-4801-B293-61D1F53EC57E}" type="datetimeFigureOut">
               <a:rPr lang="de-DE" smtClean="0"/>
-              <a:t>15.03.2013</a:t>
+              <a:t>26.03.2013</a:t>
             </a:fld>
             <a:endParaRPr lang="de-DE"/>
           </a:p>
@@ -1750,7 +1752,7 @@
           <a:p>
             <a:fld id="{1BA50D42-C9CD-4801-B293-61D1F53EC57E}" type="datetimeFigureOut">
               <a:rPr lang="de-DE" smtClean="0"/>
-              <a:t>15.03.2013</a:t>
+              <a:t>26.03.2013</a:t>
             </a:fld>
             <a:endParaRPr lang="de-DE"/>
           </a:p>
@@ -1863,7 +1865,7 @@
           <a:p>
             <a:fld id="{1BA50D42-C9CD-4801-B293-61D1F53EC57E}" type="datetimeFigureOut">
               <a:rPr lang="de-DE" smtClean="0"/>
-              <a:t>15.03.2013</a:t>
+              <a:t>26.03.2013</a:t>
             </a:fld>
             <a:endParaRPr lang="de-DE"/>
           </a:p>
@@ -1953,7 +1955,7 @@
           <a:p>
             <a:fld id="{1BA50D42-C9CD-4801-B293-61D1F53EC57E}" type="datetimeFigureOut">
               <a:rPr lang="de-DE" smtClean="0"/>
-              <a:t>15.03.2013</a:t>
+              <a:t>26.03.2013</a:t>
             </a:fld>
             <a:endParaRPr lang="de-DE"/>
           </a:p>
@@ -2225,7 +2227,7 @@
           <a:p>
             <a:fld id="{1BA50D42-C9CD-4801-B293-61D1F53EC57E}" type="datetimeFigureOut">
               <a:rPr lang="de-DE" smtClean="0"/>
-              <a:t>15.03.2013</a:t>
+              <a:t>26.03.2013</a:t>
             </a:fld>
             <a:endParaRPr lang="de-DE"/>
           </a:p>
@@ -2473,7 +2475,7 @@
           <a:p>
             <a:fld id="{1BA50D42-C9CD-4801-B293-61D1F53EC57E}" type="datetimeFigureOut">
               <a:rPr lang="de-DE" smtClean="0"/>
-              <a:t>15.03.2013</a:t>
+              <a:t>26.03.2013</a:t>
             </a:fld>
             <a:endParaRPr lang="de-DE"/>
           </a:p>
@@ -2681,7 +2683,7 @@
           <a:p>
             <a:fld id="{1BA50D42-C9CD-4801-B293-61D1F53EC57E}" type="datetimeFigureOut">
               <a:rPr lang="de-DE" smtClean="0"/>
-              <a:t>15.03.2013</a:t>
+              <a:t>26.03.2013</a:t>
             </a:fld>
             <a:endParaRPr lang="de-DE"/>
           </a:p>
@@ -3151,11 +3153,7 @@
           <a:p>
             <a:r>
               <a:rPr lang="en-GB" dirty="0" smtClean="0"/>
-              <a:t>Design </a:t>
-            </a:r>
-            <a:r>
-              <a:rPr lang="en-GB" dirty="0" err="1" smtClean="0"/>
-              <a:t>Decisons</a:t>
+              <a:t>Compiler Design Issues</a:t>
             </a:r>
             <a:endParaRPr lang="en-GB" dirty="0"/>
           </a:p>
@@ -3174,302 +3172,89 @@
         <p:spPr/>
         <p:txBody>
           <a:bodyPr>
-            <a:normAutofit fontScale="47500" lnSpcReduction="20000"/>
+            <a:normAutofit fontScale="85000" lnSpcReduction="20000"/>
           </a:bodyPr>
           <a:lstStyle/>
           <a:p>
             <a:r>
+              <a:rPr lang="en-GB" dirty="0" smtClean="0"/>
+              <a:t>In order to avoid binding of all Java code,</a:t>
+            </a:r>
+          </a:p>
+          <a:p>
+            <a:pPr lvl="1"/>
+            <a:r>
+              <a:rPr lang="en-GB" dirty="0" smtClean="0"/>
+              <a:t>define a list of types for which code shall be generated (Product, Band, </a:t>
+            </a:r>
+            <a:r>
+              <a:rPr lang="en-GB" dirty="0" err="1" smtClean="0"/>
+              <a:t>TiePointGrid</a:t>
+            </a:r>
+            <a:r>
+              <a:rPr lang="en-GB" dirty="0" smtClean="0"/>
+              <a:t>, …)</a:t>
+            </a:r>
+          </a:p>
+          <a:p>
+            <a:pPr lvl="1"/>
+            <a:r>
               <a:rPr lang="en-GB" dirty="0"/>
-              <a:t>Use JNI types in </a:t>
-            </a:r>
-            <a:r>
-              <a:rPr lang="en-GB" dirty="0" smtClean="0"/>
-              <a:t>C-interfaces</a:t>
-            </a:r>
+              <a:t>f</a:t>
+            </a:r>
+            <a:r>
+              <a:rPr lang="en-GB" dirty="0" smtClean="0"/>
+              <a:t>or some types or single methods, we will provide hand-written code (File, String, …)</a:t>
+            </a:r>
+            <a:endParaRPr lang="en-GB" dirty="0"/>
           </a:p>
           <a:p>
             <a:pPr lvl="1"/>
             <a:r>
               <a:rPr lang="en-GB" dirty="0" smtClean="0"/>
-              <a:t>Yes</a:t>
-            </a:r>
-            <a:r>
-              <a:rPr lang="en-GB" dirty="0"/>
-              <a:t>, because BEAM API is Java and as such it is much less </a:t>
-            </a:r>
-            <a:r>
-              <a:rPr lang="en-GB" dirty="0" err="1"/>
-              <a:t>verbous</a:t>
-            </a:r>
-            <a:r>
-              <a:rPr lang="en-GB" dirty="0"/>
-              <a:t> and more concise to reuse JNI types, and is </a:t>
-            </a:r>
-            <a:r>
-              <a:rPr lang="en-GB" dirty="0" err="1"/>
-              <a:t>aloso</a:t>
-            </a:r>
-            <a:r>
-              <a:rPr lang="en-GB" dirty="0"/>
-              <a:t> less </a:t>
-            </a:r>
-            <a:r>
-              <a:rPr lang="en-GB" dirty="0" smtClean="0"/>
-              <a:t>work</a:t>
-            </a:r>
-          </a:p>
-          <a:p>
-            <a:pPr lvl="1"/>
-            <a:r>
-              <a:rPr lang="en-GB" dirty="0" smtClean="0"/>
-              <a:t>No</a:t>
-            </a:r>
-            <a:r>
-              <a:rPr lang="en-GB" dirty="0"/>
-              <a:t>, because the C-API shall be independent of its implementation or </a:t>
-            </a:r>
-            <a:r>
-              <a:rPr lang="en-GB" dirty="0" smtClean="0"/>
-              <a:t>origin</a:t>
-            </a:r>
-            <a:endParaRPr lang="en-GB" dirty="0"/>
-          </a:p>
-          <a:p>
-            <a:r>
-              <a:rPr lang="en-GB" dirty="0"/>
-              <a:t>Duplicate Java API (or parts) 1:1?  (e.g. any method in Java gets its C counterpart)</a:t>
-            </a:r>
-          </a:p>
-          <a:p>
-            <a:pPr lvl="1"/>
-            <a:r>
-              <a:rPr lang="en-GB" dirty="0" smtClean="0"/>
-              <a:t>Yes</a:t>
-            </a:r>
-            <a:r>
-              <a:rPr lang="en-GB" dirty="0"/>
-              <a:t>, because the Java API docs can be reused for C API</a:t>
-            </a:r>
-            <a:r>
-              <a:rPr lang="en-GB" dirty="0" smtClean="0"/>
-              <a:t>.</a:t>
-            </a:r>
-          </a:p>
-          <a:p>
-            <a:pPr lvl="1"/>
-            <a:r>
-              <a:rPr lang="en-GB" dirty="0" smtClean="0"/>
-              <a:t>No</a:t>
-            </a:r>
-            <a:r>
-              <a:rPr lang="en-GB" dirty="0"/>
-              <a:t>, because a more concise C-API can be generated. And no, because changes in the Java API need to be reflected </a:t>
-            </a:r>
-            <a:r>
-              <a:rPr lang="en-GB" dirty="0" smtClean="0"/>
-              <a:t>in the </a:t>
-            </a:r>
-            <a:r>
-              <a:rPr lang="en-GB" dirty="0"/>
-              <a:t>C API </a:t>
-            </a:r>
-            <a:r>
-              <a:rPr lang="en-GB" dirty="0" smtClean="0"/>
-              <a:t>which </a:t>
-            </a:r>
-            <a:r>
-              <a:rPr lang="en-GB" dirty="0"/>
-              <a:t>will introduce a lot of work</a:t>
-            </a:r>
-            <a:r>
-              <a:rPr lang="en-GB" dirty="0" smtClean="0"/>
-              <a:t>.</a:t>
-            </a:r>
-            <a:endParaRPr lang="en-GB" dirty="0"/>
-          </a:p>
-          <a:p>
-            <a:r>
-              <a:rPr lang="en-GB" dirty="0"/>
-              <a:t>Shall C API functions return string buffers that users have to release </a:t>
-            </a:r>
-            <a:r>
-              <a:rPr lang="en-GB" dirty="0" smtClean="0"/>
-              <a:t>later?</a:t>
-            </a:r>
-          </a:p>
-          <a:p>
-            <a:pPr lvl="1"/>
-            <a:r>
-              <a:rPr lang="en-GB" dirty="0" smtClean="0"/>
-              <a:t>Yes</a:t>
-            </a:r>
-            <a:r>
-              <a:rPr lang="en-GB" dirty="0"/>
-              <a:t>, otherwise the signature of Java counterparts is will be different, because by-reference arguments passing </a:t>
-            </a:r>
-            <a:r>
-              <a:rPr lang="en-GB" dirty="0" smtClean="0"/>
-              <a:t>is required then.</a:t>
-            </a:r>
-            <a:br>
-              <a:rPr lang="en-GB" dirty="0" smtClean="0"/>
-            </a:br>
-            <a:r>
-              <a:rPr lang="en-GB" dirty="0" smtClean="0"/>
-              <a:t>E.g</a:t>
-            </a:r>
-            <a:r>
-              <a:rPr lang="en-GB" dirty="0"/>
-              <a:t>. instead </a:t>
-            </a:r>
-            <a:r>
-              <a:rPr lang="en-GB" dirty="0" smtClean="0"/>
-              <a:t>of</a:t>
-            </a:r>
-            <a:br>
-              <a:rPr lang="en-GB" dirty="0" smtClean="0"/>
-            </a:br>
-            <a:r>
-              <a:rPr lang="en-GB" dirty="0" smtClean="0"/>
-              <a:t>             </a:t>
-            </a:r>
-            <a:r>
-              <a:rPr lang="en-GB" dirty="0"/>
-              <a:t>char* name = </a:t>
-            </a:r>
-            <a:r>
-              <a:rPr lang="en-GB" dirty="0" err="1"/>
-              <a:t>get_name</a:t>
-            </a:r>
-            <a:r>
-              <a:rPr lang="en-GB" dirty="0"/>
-              <a:t>(</a:t>
-            </a:r>
-            <a:r>
-              <a:rPr lang="en-GB" dirty="0" err="1"/>
-              <a:t>obj</a:t>
-            </a:r>
-            <a:r>
-              <a:rPr lang="en-GB" dirty="0" smtClean="0"/>
-              <a:t>);</a:t>
-            </a:r>
-            <a:br>
-              <a:rPr lang="en-GB" dirty="0" smtClean="0"/>
-            </a:br>
-            <a:r>
-              <a:rPr lang="en-GB" dirty="0" smtClean="0"/>
-              <a:t>              ...</a:t>
-            </a:r>
-            <a:br>
-              <a:rPr lang="en-GB" dirty="0" smtClean="0"/>
-            </a:br>
-            <a:r>
-              <a:rPr lang="en-GB" dirty="0" smtClean="0"/>
-              <a:t>              </a:t>
-            </a:r>
-            <a:r>
-              <a:rPr lang="en-GB" dirty="0"/>
-              <a:t>free(name</a:t>
-            </a:r>
-            <a:r>
-              <a:rPr lang="en-GB" dirty="0" smtClean="0"/>
-              <a:t>);</a:t>
-            </a:r>
-            <a:br>
-              <a:rPr lang="en-GB" dirty="0" smtClean="0"/>
-            </a:br>
-            <a:r>
-              <a:rPr lang="en-GB" dirty="0" smtClean="0"/>
-              <a:t>we have</a:t>
-            </a:r>
-            <a:br>
-              <a:rPr lang="en-GB" dirty="0" smtClean="0"/>
-            </a:br>
-            <a:r>
-              <a:rPr lang="en-GB" dirty="0" smtClean="0"/>
-              <a:t>              </a:t>
-            </a:r>
-            <a:r>
-              <a:rPr lang="en-GB" dirty="0"/>
-              <a:t>char name[81</a:t>
-            </a:r>
-            <a:r>
-              <a:rPr lang="en-GB" dirty="0" smtClean="0"/>
-              <a:t>];</a:t>
-            </a:r>
-            <a:br>
-              <a:rPr lang="en-GB" dirty="0" smtClean="0"/>
-            </a:br>
-            <a:r>
-              <a:rPr lang="en-GB" dirty="0" smtClean="0"/>
-              <a:t>              </a:t>
-            </a:r>
-            <a:r>
-              <a:rPr lang="en-GB" dirty="0" err="1"/>
-              <a:t>get_name</a:t>
-            </a:r>
-            <a:r>
-              <a:rPr lang="en-GB" dirty="0"/>
-              <a:t>(</a:t>
-            </a:r>
-            <a:r>
-              <a:rPr lang="en-GB" dirty="0" err="1"/>
-              <a:t>obj</a:t>
-            </a:r>
-            <a:r>
-              <a:rPr lang="en-GB" dirty="0"/>
-              <a:t>, name, 80</a:t>
-            </a:r>
-            <a:r>
-              <a:rPr lang="en-GB" dirty="0" smtClean="0"/>
-              <a:t>);</a:t>
-            </a:r>
-          </a:p>
-          <a:p>
-            <a:pPr lvl="1"/>
-            <a:r>
-              <a:rPr lang="en-GB" dirty="0" smtClean="0"/>
-              <a:t>No</a:t>
-            </a:r>
-            <a:r>
-              <a:rPr lang="en-GB" dirty="0"/>
-              <a:t>, because it is </a:t>
-            </a:r>
-            <a:r>
-              <a:rPr lang="en-GB" dirty="0" smtClean="0"/>
-              <a:t>obvious </a:t>
-            </a:r>
-            <a:r>
-              <a:rPr lang="en-GB" dirty="0"/>
-              <a:t>that strings need to be freed on the users side</a:t>
-            </a:r>
-            <a:r>
-              <a:rPr lang="en-GB" dirty="0" smtClean="0"/>
-              <a:t>.</a:t>
-            </a:r>
-          </a:p>
-          <a:p>
-            <a:r>
-              <a:rPr lang="en-GB" dirty="0" smtClean="0"/>
-              <a:t>Shall </a:t>
-            </a:r>
-            <a:r>
-              <a:rPr lang="en-GB" dirty="0"/>
-              <a:t>the API allow for modification of single structures elements that are passed as arguments by-reference.?</a:t>
-            </a:r>
-          </a:p>
-          <a:p>
-            <a:endParaRPr lang="en-GB" dirty="0"/>
-          </a:p>
-          <a:p>
-            <a:endParaRPr lang="en-GB" dirty="0"/>
+              <a:t>methods that have types in their signature, that are not in this list, will not be translated</a:t>
+            </a:r>
+          </a:p>
+          <a:p>
+            <a:r>
+              <a:rPr lang="en-GB" dirty="0" smtClean="0"/>
+              <a:t>consider </a:t>
+            </a:r>
+            <a:r>
+              <a:rPr lang="en-GB" dirty="0" err="1" smtClean="0"/>
+              <a:t>javacc</a:t>
+            </a:r>
+            <a:r>
+              <a:rPr lang="en-GB" dirty="0" smtClean="0"/>
+              <a:t> to do the job</a:t>
+            </a:r>
+          </a:p>
+          <a:p>
+            <a:r>
+              <a:rPr lang="en-GB" dirty="0" smtClean="0"/>
+              <a:t>consider Java annotations to control code generation (e.g. parameter annotations @In, @Out, @</a:t>
+            </a:r>
+            <a:r>
+              <a:rPr lang="en-GB" dirty="0" err="1" smtClean="0"/>
+              <a:t>InOut</a:t>
+            </a:r>
+            <a:r>
+              <a:rPr lang="en-GB" dirty="0" smtClean="0"/>
+              <a:t>)</a:t>
+            </a:r>
+          </a:p>
+          <a:p>
+            <a:r>
+              <a:rPr lang="en-GB" dirty="0" smtClean="0"/>
+              <a:t>code generation might be done through patterns, e.g. implemented by velocity templates</a:t>
+            </a:r>
           </a:p>
         </p:txBody>
       </p:sp>
     </p:spTree>
     <p:extLst>
       <p:ext uri="{BB962C8B-B14F-4D97-AF65-F5344CB8AC3E}">
-        <p14:creationId xmlns:p14="http://schemas.microsoft.com/office/powerpoint/2010/main" val="1103487878"/>
+        <p14:creationId xmlns:p14="http://schemas.microsoft.com/office/powerpoint/2010/main" val="1053306664"/>
       </p:ext>
     </p:extLst>
   </p:cSld>
@@ -3520,7 +3305,11 @@
           <a:p>
             <a:r>
               <a:rPr lang="en-GB" dirty="0" smtClean="0"/>
-              <a:t>Data Arrays (1/3)</a:t>
+              <a:t>Design </a:t>
+            </a:r>
+            <a:r>
+              <a:rPr lang="en-GB" dirty="0" err="1" smtClean="0"/>
+              <a:t>Decisons</a:t>
             </a:r>
             <a:endParaRPr lang="en-GB" dirty="0"/>
           </a:p>
@@ -3544,390 +3333,297 @@
           <a:lstStyle/>
           <a:p>
             <a:r>
-              <a:rPr lang="en-GB" dirty="0" smtClean="0"/>
-              <a:t>We shall try to find a way to directly use the arrays allocated and returned by the C-API without copying them</a:t>
-            </a:r>
-          </a:p>
-          <a:p>
-            <a:endParaRPr lang="en-GB" dirty="0" smtClean="0"/>
-          </a:p>
-          <a:p>
-            <a:r>
-              <a:rPr lang="en-GB" b="1" dirty="0" smtClean="0"/>
-              <a:t>array</a:t>
+              <a:rPr lang="en-GB" dirty="0"/>
+              <a:t>Use JNI types in </a:t>
+            </a:r>
+            <a:r>
+              <a:rPr lang="en-GB" dirty="0" smtClean="0"/>
+              <a:t>C-interfaces</a:t>
             </a:r>
           </a:p>
           <a:p>
             <a:pPr lvl="1"/>
             <a:r>
-              <a:rPr lang="en-GB" b="1" dirty="0" smtClean="0"/>
-              <a:t>array</a:t>
-            </a:r>
-            <a:r>
-              <a:rPr lang="en-GB" dirty="0" smtClean="0"/>
+              <a:rPr lang="en-GB" dirty="0" smtClean="0"/>
+              <a:t>Yes</a:t>
+            </a:r>
+            <a:r>
+              <a:rPr lang="en-GB" dirty="0"/>
+              <a:t>, because BEAM API is Java and as such it is much less </a:t>
+            </a:r>
+            <a:r>
+              <a:rPr lang="en-GB" dirty="0" err="1"/>
+              <a:t>verbous</a:t>
+            </a:r>
+            <a:r>
+              <a:rPr lang="en-GB" dirty="0"/>
+              <a:t> and more concise to reuse JNI types, and is </a:t>
+            </a:r>
+            <a:r>
+              <a:rPr lang="en-GB" dirty="0" err="1"/>
+              <a:t>aloso</a:t>
+            </a:r>
+            <a:r>
+              <a:rPr lang="en-GB" dirty="0"/>
+              <a:t> less </a:t>
+            </a:r>
+            <a:r>
+              <a:rPr lang="en-GB" dirty="0" smtClean="0"/>
+              <a:t>work</a:t>
+            </a:r>
+          </a:p>
+          <a:p>
+            <a:pPr lvl="1"/>
+            <a:r>
+              <a:rPr lang="en-GB" dirty="0" smtClean="0"/>
+              <a:t>No</a:t>
+            </a:r>
+            <a:r>
+              <a:rPr lang="en-GB" dirty="0"/>
+              <a:t>, because the C-API shall be independent of its implementation or </a:t>
+            </a:r>
+            <a:r>
+              <a:rPr lang="en-GB" dirty="0" smtClean="0"/>
+              <a:t>origin</a:t>
+            </a:r>
+            <a:endParaRPr lang="en-GB" dirty="0"/>
+          </a:p>
+          <a:p>
+            <a:r>
+              <a:rPr lang="en-GB" dirty="0"/>
+              <a:t>Duplicate Java API (or parts) 1:1?  (e.g. any method in Java gets its C counterpart)</a:t>
+            </a:r>
+          </a:p>
+          <a:p>
+            <a:pPr lvl="1"/>
+            <a:r>
+              <a:rPr lang="en-GB" dirty="0" smtClean="0"/>
+              <a:t>Yes</a:t>
+            </a:r>
+            <a:r>
+              <a:rPr lang="en-GB" dirty="0"/>
+              <a:t>, because the Java API docs can be reused for C API</a:t>
+            </a:r>
+            <a:r>
+              <a:rPr lang="en-GB" dirty="0" smtClean="0"/>
+              <a:t>.</a:t>
+            </a:r>
+          </a:p>
+          <a:p>
+            <a:pPr lvl="1"/>
+            <a:r>
+              <a:rPr lang="en-GB" dirty="0" smtClean="0"/>
+              <a:t>No</a:t>
+            </a:r>
+            <a:r>
+              <a:rPr lang="en-GB" dirty="0"/>
+              <a:t>, because a more concise C-API can be generated. And no, because changes in the Java API need to be reflected </a:t>
+            </a:r>
+            <a:r>
+              <a:rPr lang="en-GB" dirty="0" smtClean="0"/>
+              <a:t>in the </a:t>
+            </a:r>
+            <a:r>
+              <a:rPr lang="en-GB" dirty="0"/>
+              <a:t>C API </a:t>
+            </a:r>
+            <a:r>
+              <a:rPr lang="en-GB" dirty="0" smtClean="0"/>
+              <a:t>which </a:t>
+            </a:r>
+            <a:r>
+              <a:rPr lang="en-GB" dirty="0"/>
+              <a:t>will introduce a lot of work</a:t>
+            </a:r>
+            <a:r>
+              <a:rPr lang="en-GB" dirty="0" smtClean="0"/>
+              <a:t>.</a:t>
+            </a:r>
+            <a:endParaRPr lang="en-GB" dirty="0"/>
+          </a:p>
+          <a:p>
+            <a:r>
+              <a:rPr lang="en-GB" dirty="0"/>
+              <a:t>Shall C API functions return string buffers that users have to release </a:t>
+            </a:r>
+            <a:r>
+              <a:rPr lang="en-GB" dirty="0" smtClean="0"/>
+              <a:t>later?</a:t>
+            </a:r>
+          </a:p>
+          <a:p>
+            <a:pPr lvl="1"/>
+            <a:r>
+              <a:rPr lang="en-GB" dirty="0" smtClean="0"/>
+              <a:t>Yes</a:t>
+            </a:r>
+            <a:r>
+              <a:rPr lang="en-GB" dirty="0"/>
+              <a:t>, otherwise the signature of Java counterparts is will be different, because by-reference arguments passing </a:t>
+            </a:r>
+            <a:r>
+              <a:rPr lang="en-GB" dirty="0" smtClean="0"/>
+              <a:t>is required then.</a:t>
+            </a:r>
+            <a:br>
+              <a:rPr lang="en-GB" dirty="0" smtClean="0"/>
+            </a:br>
+            <a:r>
+              <a:rPr lang="en-GB" dirty="0" smtClean="0"/>
+              <a:t>E.g</a:t>
+            </a:r>
+            <a:r>
+              <a:rPr lang="en-GB" dirty="0"/>
+              <a:t>. instead </a:t>
+            </a:r>
+            <a:r>
+              <a:rPr lang="en-GB" dirty="0" smtClean="0"/>
+              <a:t>of</a:t>
+            </a:r>
+            <a:br>
+              <a:rPr lang="en-GB" dirty="0" smtClean="0"/>
+            </a:br>
+            <a:r>
+              <a:rPr lang="en-GB" dirty="0" smtClean="0"/>
+              <a:t>             </a:t>
+            </a:r>
+            <a:r>
+              <a:rPr lang="en-GB" dirty="0"/>
+              <a:t>char* name = </a:t>
+            </a:r>
+            <a:r>
+              <a:rPr lang="en-GB" dirty="0" err="1"/>
+              <a:t>get_name</a:t>
+            </a:r>
+            <a:r>
+              <a:rPr lang="en-GB" dirty="0"/>
               <a:t>(</a:t>
             </a:r>
             <a:r>
-              <a:rPr lang="en-GB" i="1" dirty="0" err="1" smtClean="0"/>
-              <a:t>typecode</a:t>
+              <a:rPr lang="en-GB" dirty="0" err="1"/>
+              <a:t>obj</a:t>
+            </a:r>
+            <a:r>
+              <a:rPr lang="en-GB" dirty="0" smtClean="0"/>
+              <a:t>);</a:t>
+            </a:r>
+            <a:br>
+              <a:rPr lang="en-GB" dirty="0" smtClean="0"/>
+            </a:br>
+            <a:r>
+              <a:rPr lang="en-GB" dirty="0" smtClean="0"/>
+              <a:t>              ...</a:t>
+            </a:r>
+            <a:br>
+              <a:rPr lang="en-GB" dirty="0" smtClean="0"/>
+            </a:br>
+            <a:r>
+              <a:rPr lang="en-GB" dirty="0" smtClean="0"/>
+              <a:t>              </a:t>
             </a:r>
             <a:r>
               <a:rPr lang="en-GB" dirty="0"/>
-              <a:t>[, </a:t>
-            </a:r>
-            <a:r>
-              <a:rPr lang="en-GB" i="1" dirty="0"/>
-              <a:t>initializer</a:t>
+              <a:t>free(name</a:t>
+            </a:r>
+            <a:r>
+              <a:rPr lang="en-GB" dirty="0" smtClean="0"/>
+              <a:t>);</a:t>
+            </a:r>
+            <a:br>
+              <a:rPr lang="en-GB" dirty="0" smtClean="0"/>
+            </a:br>
+            <a:r>
+              <a:rPr lang="en-GB" dirty="0" smtClean="0"/>
+              <a:t>we have</a:t>
+            </a:r>
+            <a:br>
+              <a:rPr lang="en-GB" dirty="0" smtClean="0"/>
+            </a:br>
+            <a:r>
+              <a:rPr lang="en-GB" dirty="0" smtClean="0"/>
+              <a:t>              </a:t>
             </a:r>
             <a:r>
               <a:rPr lang="en-GB" dirty="0"/>
-              <a:t>])</a:t>
+              <a:t>char name[81</a:t>
+            </a:r>
+            <a:r>
+              <a:rPr lang="en-GB" dirty="0" smtClean="0"/>
+              <a:t>];</a:t>
             </a:r>
             <a:br>
+              <a:rPr lang="en-GB" dirty="0" smtClean="0"/>
+            </a:br>
+            <a:r>
+              <a:rPr lang="en-GB" dirty="0" smtClean="0"/>
+              <a:t>              </a:t>
+            </a:r>
+            <a:r>
+              <a:rPr lang="en-GB" dirty="0" err="1"/>
+              <a:t>get_name</a:t>
+            </a:r>
+            <a:r>
               <a:rPr lang="en-GB" dirty="0"/>
-            </a:br>
-            <a:r>
-              <a:rPr lang="en-GB" sz="2900" i="1" dirty="0">
-                <a:solidFill>
-                  <a:schemeClr val="accent1">
-                    <a:lumMod val="75000"/>
-                  </a:schemeClr>
-                </a:solidFill>
-              </a:rPr>
-              <a:t>A new array whose items are restricted by </a:t>
-            </a:r>
-            <a:r>
-              <a:rPr lang="en-GB" sz="2900" i="1" dirty="0" err="1">
-                <a:solidFill>
-                  <a:schemeClr val="accent1">
-                    <a:lumMod val="75000"/>
-                  </a:schemeClr>
-                </a:solidFill>
-              </a:rPr>
-              <a:t>typecode</a:t>
-            </a:r>
-            <a:r>
-              <a:rPr lang="en-GB" sz="2900" i="1" dirty="0">
-                <a:solidFill>
-                  <a:schemeClr val="accent1">
-                    <a:lumMod val="75000"/>
-                  </a:schemeClr>
-                </a:solidFill>
-              </a:rPr>
-              <a:t>, and initialized from the optional initializer value, which must be a list, object supporting the buffer interface, or </a:t>
-            </a:r>
-            <a:r>
-              <a:rPr lang="en-GB" sz="2900" i="1" dirty="0" err="1">
-                <a:solidFill>
-                  <a:schemeClr val="accent1">
-                    <a:lumMod val="75000"/>
-                  </a:schemeClr>
-                </a:solidFill>
-              </a:rPr>
-              <a:t>iterable</a:t>
-            </a:r>
-            <a:r>
-              <a:rPr lang="en-GB" sz="2900" i="1" dirty="0">
-                <a:solidFill>
-                  <a:schemeClr val="accent1">
-                    <a:lumMod val="75000"/>
-                  </a:schemeClr>
-                </a:solidFill>
-              </a:rPr>
-              <a:t> over elements of the appropriate type.</a:t>
+              <a:t>(</a:t>
+            </a:r>
+            <a:r>
+              <a:rPr lang="en-GB" dirty="0" err="1"/>
+              <a:t>obj</a:t>
+            </a:r>
+            <a:r>
+              <a:rPr lang="en-GB" dirty="0"/>
+              <a:t>, name, 80</a:t>
+            </a:r>
+            <a:r>
+              <a:rPr lang="en-GB" dirty="0" smtClean="0"/>
+              <a:t>);</a:t>
             </a:r>
           </a:p>
           <a:p>
             <a:pPr lvl="1"/>
             <a:r>
               <a:rPr lang="en-GB" dirty="0" smtClean="0"/>
-              <a:t>Note: the </a:t>
-            </a:r>
-            <a:r>
-              <a:rPr lang="en-GB" b="1" dirty="0" smtClean="0"/>
-              <a:t>array</a:t>
-            </a:r>
-            <a:r>
-              <a:rPr lang="en-GB" dirty="0" smtClean="0"/>
-              <a:t> constructor always make copies of buffers passed in as </a:t>
-            </a:r>
-            <a:r>
-              <a:rPr lang="en-GB" i="1" dirty="0"/>
-              <a:t>initializer</a:t>
-            </a:r>
-            <a:r>
-              <a:rPr lang="en-GB" dirty="0" smtClean="0"/>
-              <a:t> </a:t>
-            </a:r>
-          </a:p>
-          <a:p>
-            <a:pPr lvl="1"/>
-            <a:r>
-              <a:rPr lang="en-GB" dirty="0" smtClean="0"/>
-              <a:t>Note: arrays support the buffer interface</a:t>
-            </a:r>
-          </a:p>
-          <a:p>
-            <a:r>
-              <a:rPr lang="en-GB" b="1" dirty="0" err="1" smtClean="0"/>
-              <a:t>numpy</a:t>
-            </a:r>
-            <a:endParaRPr lang="en-GB" b="1" dirty="0" smtClean="0"/>
-          </a:p>
-          <a:p>
-            <a:pPr lvl="1"/>
-            <a:r>
-              <a:rPr lang="en-GB" b="1" dirty="0" err="1" smtClean="0"/>
-              <a:t>frombuffer</a:t>
-            </a:r>
-            <a:r>
-              <a:rPr lang="en-GB" dirty="0" smtClean="0"/>
-              <a:t>(buffer</a:t>
+              <a:t>No</a:t>
             </a:r>
             <a:r>
               <a:rPr lang="en-GB" dirty="0"/>
-              <a:t>[, </a:t>
-            </a:r>
-            <a:r>
-              <a:rPr lang="en-GB" dirty="0" err="1"/>
-              <a:t>dtype</a:t>
+              <a:t>, because it is </a:t>
+            </a:r>
+            <a:r>
+              <a:rPr lang="en-GB" dirty="0" smtClean="0"/>
+              <a:t>obvious </a:t>
             </a:r>
             <a:r>
               <a:rPr lang="en-GB" dirty="0"/>
-              <a:t>, count, offset</a:t>
-            </a:r>
-            <a:r>
-              <a:rPr lang="en-GB" dirty="0" smtClean="0"/>
-              <a:t>]) </a:t>
-            </a:r>
-            <a:br>
-              <a:rPr lang="en-GB" dirty="0" smtClean="0"/>
-            </a:br>
-            <a:r>
-              <a:rPr lang="en-GB" i="1" dirty="0" smtClean="0">
-                <a:solidFill>
-                  <a:schemeClr val="accent1">
-                    <a:lumMod val="75000"/>
-                  </a:schemeClr>
-                </a:solidFill>
-              </a:rPr>
-              <a:t>Interpret </a:t>
-            </a:r>
-            <a:r>
-              <a:rPr lang="en-GB" i="1" dirty="0">
-                <a:solidFill>
-                  <a:schemeClr val="accent1">
-                    <a:lumMod val="75000"/>
-                  </a:schemeClr>
-                </a:solidFill>
-              </a:rPr>
-              <a:t>a buffer as a 1-dimensional </a:t>
-            </a:r>
-            <a:r>
-              <a:rPr lang="en-GB" i="1" dirty="0" smtClean="0">
-                <a:solidFill>
-                  <a:schemeClr val="accent1">
-                    <a:lumMod val="75000"/>
-                  </a:schemeClr>
-                </a:solidFill>
-              </a:rPr>
-              <a:t>array.</a:t>
-            </a:r>
-            <a:endParaRPr lang="en-GB" i="1" dirty="0">
-              <a:solidFill>
-                <a:schemeClr val="accent1">
-                  <a:lumMod val="75000"/>
-                </a:schemeClr>
-              </a:solidFill>
-            </a:endParaRPr>
-          </a:p>
-          <a:p>
-            <a:pPr lvl="1"/>
-            <a:r>
-              <a:rPr lang="en-GB" b="1" dirty="0" smtClean="0"/>
-              <a:t>reshape</a:t>
-            </a:r>
-            <a:r>
-              <a:rPr lang="en-GB" dirty="0" smtClean="0"/>
-              <a:t>(array,</a:t>
+              <a:t>that strings need to be freed on the users side</a:t>
+            </a:r>
+            <a:r>
+              <a:rPr lang="en-GB" dirty="0" smtClean="0"/>
+              <a:t>.</a:t>
+            </a:r>
+          </a:p>
+          <a:p>
+            <a:r>
+              <a:rPr lang="en-GB" dirty="0" smtClean="0"/>
+              <a:t>Shall </a:t>
             </a:r>
             <a:r>
               <a:rPr lang="en-GB" dirty="0"/>
-              <a:t> </a:t>
-            </a:r>
-            <a:r>
-              <a:rPr lang="en-GB" dirty="0" err="1" smtClean="0"/>
-              <a:t>newshape</a:t>
-            </a:r>
-            <a:r>
-              <a:rPr lang="en-GB" dirty="0" smtClean="0"/>
-              <a:t>[,</a:t>
-            </a:r>
-            <a:r>
-              <a:rPr lang="en-GB" dirty="0"/>
-              <a:t> </a:t>
-            </a:r>
-            <a:r>
-              <a:rPr lang="en-GB" dirty="0" smtClean="0"/>
-              <a:t>order])</a:t>
-            </a:r>
-            <a:br>
-              <a:rPr lang="en-GB" dirty="0" smtClean="0"/>
-            </a:br>
-            <a:r>
-              <a:rPr lang="en-GB" i="1" dirty="0">
-                <a:solidFill>
-                  <a:schemeClr val="accent1">
-                    <a:lumMod val="75000"/>
-                  </a:schemeClr>
-                </a:solidFill>
-              </a:rPr>
-              <a:t>Gives a new shape to an array without changing its data</a:t>
-            </a:r>
-            <a:r>
-              <a:rPr lang="en-GB" i="1" dirty="0" smtClean="0">
-                <a:solidFill>
-                  <a:schemeClr val="accent1">
-                    <a:lumMod val="75000"/>
-                  </a:schemeClr>
-                </a:solidFill>
-              </a:rPr>
-              <a:t>.</a:t>
-            </a:r>
-          </a:p>
-          <a:p>
-            <a:pPr lvl="1"/>
-            <a:r>
-              <a:rPr lang="en-GB" dirty="0"/>
-              <a:t>Note: </a:t>
-            </a:r>
-            <a:r>
-              <a:rPr lang="en-GB" dirty="0" smtClean="0"/>
-              <a:t>Neither </a:t>
-            </a:r>
-            <a:r>
-              <a:rPr lang="en-GB" b="1" dirty="0" err="1"/>
-              <a:t>frombuffer</a:t>
-            </a:r>
-            <a:r>
-              <a:rPr lang="en-GB" dirty="0" smtClean="0"/>
-              <a:t> nor </a:t>
-            </a:r>
-            <a:r>
-              <a:rPr lang="en-GB" b="1" dirty="0" smtClean="0"/>
-              <a:t>reshape </a:t>
-            </a:r>
-            <a:r>
-              <a:rPr lang="en-GB" dirty="0" smtClean="0"/>
-              <a:t>make copies of the input data</a:t>
-            </a:r>
-          </a:p>
-          <a:p>
-            <a:endParaRPr lang="en-GB" u="sng" dirty="0" smtClean="0"/>
-          </a:p>
-          <a:p>
-            <a:r>
-              <a:rPr lang="en-GB" u="sng" dirty="0" smtClean="0"/>
-              <a:t>Conclusion</a:t>
-            </a:r>
-            <a:r>
-              <a:rPr lang="en-GB" dirty="0" smtClean="0"/>
-              <a:t>: pixel data passed in and returned by the BEAM Python API shall be Python objects that support the </a:t>
-            </a:r>
-            <a:r>
-              <a:rPr lang="en-GB" b="1" i="1" dirty="0" smtClean="0"/>
-              <a:t>buffer interface </a:t>
-            </a:r>
-            <a:r>
-              <a:rPr lang="en-GB" dirty="0" smtClean="0"/>
-              <a:t>so that the data can be efficiently used with </a:t>
-            </a:r>
-            <a:r>
-              <a:rPr lang="en-GB" dirty="0" err="1" smtClean="0"/>
-              <a:t>numpy</a:t>
-            </a:r>
-            <a:r>
-              <a:rPr lang="en-GB" dirty="0" smtClean="0"/>
-              <a:t>.</a:t>
-            </a:r>
-          </a:p>
-          <a:p>
-            <a:pPr lvl="1"/>
-            <a:r>
-              <a:rPr lang="en-GB" dirty="0">
-                <a:hlinkClick r:id="rId2"/>
-              </a:rPr>
-              <a:t>http://</a:t>
-            </a:r>
-            <a:r>
-              <a:rPr lang="en-GB" dirty="0" smtClean="0">
-                <a:hlinkClick r:id="rId2"/>
-              </a:rPr>
-              <a:t>docs.python.org/3.2/c-api/buffer.html?highlight=buffer#Py_buffer</a:t>
-            </a:r>
-            <a:r>
-              <a:rPr lang="en-GB" dirty="0" smtClean="0"/>
-              <a:t> </a:t>
-            </a:r>
-          </a:p>
-          <a:p>
-            <a:pPr lvl="1"/>
-            <a:r>
-              <a:rPr lang="en-GB" dirty="0">
-                <a:hlinkClick r:id="rId3"/>
-              </a:rPr>
-              <a:t>http://</a:t>
-            </a:r>
-            <a:r>
-              <a:rPr lang="en-GB" dirty="0" smtClean="0">
-                <a:hlinkClick r:id="rId3"/>
-              </a:rPr>
-              <a:t>docs.python.org/3.2/c-api/typeobj.html#buffer-structs</a:t>
-            </a:r>
-            <a:endParaRPr lang="en-GB" dirty="0" smtClean="0"/>
-          </a:p>
-          <a:p>
-            <a:pPr lvl="1"/>
-            <a:r>
-              <a:rPr lang="en-GB" dirty="0" smtClean="0">
-                <a:hlinkClick r:id="rId4"/>
-              </a:rPr>
-              <a:t>http</a:t>
-            </a:r>
-            <a:r>
-              <a:rPr lang="en-GB" dirty="0">
-                <a:hlinkClick r:id="rId4"/>
-              </a:rPr>
-              <a:t>://</a:t>
-            </a:r>
-            <a:r>
-              <a:rPr lang="en-GB" dirty="0" smtClean="0">
-                <a:hlinkClick r:id="rId4"/>
-              </a:rPr>
-              <a:t>docs.python.org/3.2/library/stdtypes.html#memoryview</a:t>
-            </a:r>
-            <a:r>
-              <a:rPr lang="en-GB" dirty="0" smtClean="0"/>
-              <a:t> </a:t>
-            </a:r>
+              <a:t>the API allow for modification of single structures elements that are passed as arguments by-reference.?</a:t>
+            </a:r>
+          </a:p>
+          <a:p>
             <a:endParaRPr lang="en-GB" dirty="0"/>
           </a:p>
           <a:p>
-            <a:pPr lvl="1"/>
-            <a:endParaRPr lang="en-GB" i="1" dirty="0">
-              <a:solidFill>
-                <a:schemeClr val="accent1">
-                  <a:lumMod val="75000"/>
-                </a:schemeClr>
-              </a:solidFill>
-            </a:endParaRPr>
+            <a:endParaRPr lang="en-GB" dirty="0"/>
           </a:p>
         </p:txBody>
       </p:sp>
     </p:spTree>
     <p:extLst>
       <p:ext uri="{BB962C8B-B14F-4D97-AF65-F5344CB8AC3E}">
-        <p14:creationId xmlns:p14="http://schemas.microsoft.com/office/powerpoint/2010/main" val="3309612122"/>
+        <p14:creationId xmlns:p14="http://schemas.microsoft.com/office/powerpoint/2010/main" val="1103487878"/>
       </p:ext>
     </p:extLst>
   </p:cSld>
@@ -3978,7 +3674,7 @@
           <a:p>
             <a:r>
               <a:rPr lang="en-GB" dirty="0" smtClean="0"/>
-              <a:t>Data Arrays (2/3)</a:t>
+              <a:t>Data Arrays (1/3)</a:t>
             </a:r>
             <a:endParaRPr lang="en-GB" dirty="0"/>
           </a:p>
@@ -3997,289 +3693,395 @@
         <p:spPr/>
         <p:txBody>
           <a:bodyPr>
-            <a:normAutofit fontScale="62500" lnSpcReduction="20000"/>
+            <a:normAutofit fontScale="47500" lnSpcReduction="20000"/>
           </a:bodyPr>
           <a:lstStyle/>
           <a:p>
             <a:r>
               <a:rPr lang="en-GB" dirty="0" smtClean="0"/>
-              <a:t>Parsing buffer arguments:</a:t>
-            </a:r>
-          </a:p>
-          <a:p>
-            <a:pPr marL="457200" lvl="1" indent="0">
-              <a:buNone/>
-            </a:pPr>
-            <a:r>
-              <a:rPr lang="en-GB" dirty="0" err="1" smtClean="0"/>
-              <a:t>Py_buffer</a:t>
+              <a:t>We shall try to find a way to directly use the arrays allocated and returned by the C-API without copying them</a:t>
+            </a:r>
+          </a:p>
+          <a:p>
+            <a:endParaRPr lang="en-GB" dirty="0" smtClean="0"/>
+          </a:p>
+          <a:p>
+            <a:r>
+              <a:rPr lang="en-GB" b="1" dirty="0" smtClean="0"/>
+              <a:t>array</a:t>
+            </a:r>
+          </a:p>
+          <a:p>
+            <a:pPr lvl="1"/>
+            <a:r>
+              <a:rPr lang="en-GB" b="1" dirty="0" smtClean="0"/>
+              <a:t>array</a:t>
+            </a:r>
+            <a:r>
+              <a:rPr lang="en-GB" dirty="0" smtClean="0"/>
+              <a:t>(</a:t>
+            </a:r>
+            <a:r>
+              <a:rPr lang="en-GB" i="1" dirty="0" err="1" smtClean="0"/>
+              <a:t>typecode</a:t>
             </a:r>
             <a:r>
               <a:rPr lang="en-GB" dirty="0"/>
-              <a:t> </a:t>
-            </a:r>
-            <a:r>
-              <a:rPr lang="en-GB" dirty="0" smtClean="0"/>
-              <a:t>b;</a:t>
-            </a:r>
-            <a:endParaRPr lang="en-GB" dirty="0"/>
-          </a:p>
-          <a:p>
-            <a:pPr marL="457200" lvl="1" indent="0">
-              <a:buNone/>
-            </a:pPr>
+              <a:t>[, </a:t>
+            </a:r>
+            <a:r>
+              <a:rPr lang="en-GB" i="1" dirty="0"/>
+              <a:t>initializer</a:t>
+            </a:r>
             <a:r>
               <a:rPr lang="en-GB" dirty="0"/>
-              <a:t>ret = </a:t>
-            </a:r>
-            <a:r>
-              <a:rPr lang="en-GB" dirty="0" err="1" smtClean="0"/>
-              <a:t>PyArg_ParseTuple</a:t>
-            </a:r>
-            <a:r>
-              <a:rPr lang="en-GB" dirty="0" smtClean="0"/>
-              <a:t>(</a:t>
-            </a:r>
-            <a:r>
-              <a:rPr lang="en-GB" dirty="0" err="1" smtClean="0"/>
-              <a:t>args</a:t>
-            </a:r>
-            <a:r>
-              <a:rPr lang="en-GB" dirty="0"/>
-              <a:t>, </a:t>
-            </a:r>
-            <a:r>
-              <a:rPr lang="en-GB" dirty="0" smtClean="0"/>
-              <a:t>“y*”, &amp;b); </a:t>
-            </a:r>
-          </a:p>
-          <a:p>
-            <a:pPr lvl="1"/>
-            <a:r>
-              <a:rPr lang="en-GB" dirty="0" smtClean="0"/>
-              <a:t>See “Parsing </a:t>
-            </a:r>
-            <a:r>
-              <a:rPr lang="en-GB" dirty="0"/>
-              <a:t>arguments and building </a:t>
-            </a:r>
-            <a:r>
-              <a:rPr lang="en-GB" dirty="0" smtClean="0"/>
-              <a:t>values” in Python/C API Reference Manual</a:t>
-            </a:r>
-          </a:p>
-          <a:p>
-            <a:r>
-              <a:rPr lang="en-GB" dirty="0" smtClean="0"/>
-              <a:t>Directly using buffer arguments</a:t>
-            </a:r>
-          </a:p>
-          <a:p>
-            <a:pPr marL="457200" lvl="1" indent="0">
-              <a:buNone/>
-            </a:pPr>
-            <a:r>
-              <a:rPr lang="en-GB" dirty="0" err="1" smtClean="0"/>
-              <a:t>PyObject_CheckBuffer</a:t>
-            </a:r>
-            <a:r>
-              <a:rPr lang="en-GB" dirty="0" smtClean="0"/>
-              <a:t>(</a:t>
-            </a:r>
-            <a:r>
-              <a:rPr lang="en-GB" dirty="0" err="1" smtClean="0"/>
-              <a:t>obj</a:t>
-            </a:r>
-            <a:r>
-              <a:rPr lang="en-GB" dirty="0" smtClean="0"/>
-              <a:t>) == 1</a:t>
-            </a:r>
-            <a:r>
-              <a:rPr lang="en-GB" dirty="0"/>
-              <a:t/>
+              <a:t>])</a:t>
             </a:r>
             <a:br>
               <a:rPr lang="en-GB" dirty="0"/>
             </a:br>
             <a:r>
+              <a:rPr lang="en-GB" sz="2900" i="1" dirty="0">
+                <a:solidFill>
+                  <a:schemeClr val="accent1">
+                    <a:lumMod val="75000"/>
+                  </a:schemeClr>
+                </a:solidFill>
+              </a:rPr>
+              <a:t>A new array whose items are restricted by </a:t>
+            </a:r>
+            <a:r>
+              <a:rPr lang="en-GB" sz="2900" i="1" dirty="0" err="1">
+                <a:solidFill>
+                  <a:schemeClr val="accent1">
+                    <a:lumMod val="75000"/>
+                  </a:schemeClr>
+                </a:solidFill>
+              </a:rPr>
+              <a:t>typecode</a:t>
+            </a:r>
+            <a:r>
+              <a:rPr lang="en-GB" sz="2900" i="1" dirty="0">
+                <a:solidFill>
+                  <a:schemeClr val="accent1">
+                    <a:lumMod val="75000"/>
+                  </a:schemeClr>
+                </a:solidFill>
+              </a:rPr>
+              <a:t>, and initialized from the optional initializer value, which must be a list, object supporting the buffer interface, or </a:t>
+            </a:r>
+            <a:r>
+              <a:rPr lang="en-GB" sz="2900" i="1" dirty="0" err="1">
+                <a:solidFill>
+                  <a:schemeClr val="accent1">
+                    <a:lumMod val="75000"/>
+                  </a:schemeClr>
+                </a:solidFill>
+              </a:rPr>
+              <a:t>iterable</a:t>
+            </a:r>
+            <a:r>
+              <a:rPr lang="en-GB" sz="2900" i="1" dirty="0">
+                <a:solidFill>
+                  <a:schemeClr val="accent1">
+                    <a:lumMod val="75000"/>
+                  </a:schemeClr>
+                </a:solidFill>
+              </a:rPr>
+              <a:t> over elements of the appropriate type.</a:t>
+            </a:r>
+          </a:p>
+          <a:p>
+            <a:pPr lvl="1"/>
+            <a:r>
+              <a:rPr lang="en-GB" dirty="0" smtClean="0"/>
+              <a:t>Note: the </a:t>
+            </a:r>
+            <a:r>
+              <a:rPr lang="en-GB" b="1" dirty="0" smtClean="0"/>
+              <a:t>array</a:t>
+            </a:r>
+            <a:r>
+              <a:rPr lang="en-GB" dirty="0" smtClean="0"/>
+              <a:t> constructor always make copies of buffers passed in as </a:t>
+            </a:r>
+            <a:r>
+              <a:rPr lang="en-GB" i="1" dirty="0"/>
+              <a:t>initializer</a:t>
+            </a:r>
+            <a:r>
+              <a:rPr lang="en-GB" dirty="0" smtClean="0"/>
+              <a:t> </a:t>
+            </a:r>
+          </a:p>
+          <a:p>
+            <a:pPr lvl="1"/>
+            <a:r>
+              <a:rPr lang="en-GB" dirty="0" smtClean="0"/>
+              <a:t>Note: arrays support the buffer interface</a:t>
+            </a:r>
+          </a:p>
+          <a:p>
+            <a:r>
+              <a:rPr lang="en-GB" b="1" dirty="0" err="1" smtClean="0"/>
+              <a:t>numpy</a:t>
+            </a:r>
+            <a:endParaRPr lang="en-GB" b="1" dirty="0" smtClean="0"/>
+          </a:p>
+          <a:p>
+            <a:pPr lvl="1"/>
+            <a:r>
+              <a:rPr lang="en-GB" b="1" dirty="0" err="1" smtClean="0"/>
+              <a:t>frombuffer</a:t>
+            </a:r>
+            <a:r>
+              <a:rPr lang="en-GB" dirty="0" smtClean="0"/>
+              <a:t>(buffer</a:t>
+            </a:r>
+            <a:r>
               <a:rPr lang="en-GB" dirty="0"/>
-              <a:t>ret = </a:t>
+              <a:t>[, </a:t>
+            </a:r>
+            <a:r>
+              <a:rPr lang="en-GB" dirty="0" err="1"/>
+              <a:t>dtype</a:t>
+            </a:r>
+            <a:r>
+              <a:rPr lang="en-GB" dirty="0"/>
+              <a:t>, count, offset</a:t>
+            </a:r>
+            <a:r>
+              <a:rPr lang="en-GB" dirty="0" smtClean="0"/>
+              <a:t>]) </a:t>
+            </a:r>
+            <a:br>
+              <a:rPr lang="en-GB" dirty="0" smtClean="0"/>
+            </a:br>
+            <a:r>
+              <a:rPr lang="en-GB" i="1" dirty="0" smtClean="0">
+                <a:solidFill>
+                  <a:schemeClr val="accent1">
+                    <a:lumMod val="75000"/>
+                  </a:schemeClr>
+                </a:solidFill>
+              </a:rPr>
+              <a:t>Interpret </a:t>
+            </a:r>
+            <a:r>
+              <a:rPr lang="en-GB" i="1" dirty="0">
+                <a:solidFill>
+                  <a:schemeClr val="accent1">
+                    <a:lumMod val="75000"/>
+                  </a:schemeClr>
+                </a:solidFill>
+              </a:rPr>
+              <a:t>a buffer as a 1-dimensional </a:t>
+            </a:r>
+            <a:r>
+              <a:rPr lang="en-GB" i="1" dirty="0" smtClean="0">
+                <a:solidFill>
+                  <a:schemeClr val="accent1">
+                    <a:lumMod val="75000"/>
+                  </a:schemeClr>
+                </a:solidFill>
+              </a:rPr>
+              <a:t>array.</a:t>
+            </a:r>
+            <a:endParaRPr lang="en-GB" i="1" dirty="0">
+              <a:solidFill>
+                <a:schemeClr val="accent1">
+                  <a:lumMod val="75000"/>
+                </a:schemeClr>
+              </a:solidFill>
+            </a:endParaRPr>
+          </a:p>
+          <a:p>
+            <a:pPr lvl="1"/>
+            <a:r>
+              <a:rPr lang="en-GB" b="1" dirty="0" smtClean="0"/>
+              <a:t>reshape</a:t>
+            </a:r>
+            <a:r>
+              <a:rPr lang="en-GB" dirty="0" smtClean="0"/>
+              <a:t>(array,</a:t>
+            </a:r>
+            <a:r>
+              <a:rPr lang="en-GB" dirty="0"/>
+              <a:t> </a:t>
             </a:r>
             <a:r>
               <a:rPr lang="en-GB" dirty="0" err="1" smtClean="0"/>
-              <a:t>PyObject_GetBuffer</a:t>
-            </a:r>
-            <a:r>
-              <a:rPr lang="en-GB" dirty="0" smtClean="0"/>
-              <a:t>(</a:t>
+              <a:t>newshape</a:t>
+            </a:r>
+            <a:r>
+              <a:rPr lang="en-GB" dirty="0" smtClean="0"/>
+              <a:t>[,</a:t>
+            </a:r>
+            <a:r>
+              <a:rPr lang="en-GB" dirty="0"/>
+              <a:t> </a:t>
+            </a:r>
+            <a:r>
+              <a:rPr lang="en-GB" dirty="0" smtClean="0"/>
+              <a:t>order])</a:t>
+            </a:r>
+            <a:br>
+              <a:rPr lang="en-GB" dirty="0" smtClean="0"/>
+            </a:br>
+            <a:r>
+              <a:rPr lang="en-GB" i="1" dirty="0">
+                <a:solidFill>
+                  <a:schemeClr val="accent1">
+                    <a:lumMod val="75000"/>
+                  </a:schemeClr>
+                </a:solidFill>
+              </a:rPr>
+              <a:t>Gives a new shape to an array without changing its data</a:t>
+            </a:r>
+            <a:r>
+              <a:rPr lang="en-GB" i="1" dirty="0" smtClean="0">
+                <a:solidFill>
+                  <a:schemeClr val="accent1">
+                    <a:lumMod val="75000"/>
+                  </a:schemeClr>
+                </a:solidFill>
+              </a:rPr>
+              <a:t>.</a:t>
+            </a:r>
+          </a:p>
+          <a:p>
+            <a:pPr lvl="1"/>
+            <a:r>
+              <a:rPr lang="en-GB" dirty="0"/>
+              <a:t>Note: </a:t>
+            </a:r>
+            <a:r>
+              <a:rPr lang="en-GB" dirty="0" smtClean="0"/>
+              <a:t>Neither </a:t>
+            </a:r>
+            <a:r>
+              <a:rPr lang="en-GB" b="1" dirty="0" err="1"/>
+              <a:t>frombuffer</a:t>
+            </a:r>
+            <a:r>
+              <a:rPr lang="en-GB" dirty="0" smtClean="0"/>
+              <a:t> nor </a:t>
+            </a:r>
+            <a:r>
+              <a:rPr lang="en-GB" b="1" dirty="0" smtClean="0"/>
+              <a:t>reshape </a:t>
+            </a:r>
+            <a:r>
+              <a:rPr lang="en-GB" dirty="0" smtClean="0"/>
+              <a:t>make copies of the input data</a:t>
+            </a:r>
+          </a:p>
+          <a:p>
+            <a:endParaRPr lang="en-GB" u="sng" dirty="0" smtClean="0"/>
+          </a:p>
+          <a:p>
+            <a:r>
+              <a:rPr lang="en-GB" u="sng" dirty="0" smtClean="0"/>
+              <a:t>Conclusion</a:t>
+            </a:r>
+            <a:r>
+              <a:rPr lang="en-GB" dirty="0" smtClean="0"/>
+              <a:t>: pixel data passed in and returned by the BEAM Python API shall be Python objects that support the </a:t>
+            </a:r>
+            <a:r>
+              <a:rPr lang="en-GB" b="1" i="1" dirty="0" smtClean="0"/>
+              <a:t>buffer interface </a:t>
+            </a:r>
+            <a:r>
+              <a:rPr lang="en-GB" dirty="0" smtClean="0"/>
+              <a:t>so that the data can be efficiently used with </a:t>
             </a:r>
             <a:r>
               <a:rPr lang="en-GB" dirty="0" err="1" smtClean="0"/>
-              <a:t>obj</a:t>
-            </a:r>
-            <a:r>
-              <a:rPr lang="en-GB" dirty="0"/>
-              <a:t>, </a:t>
-            </a:r>
-            <a:r>
-              <a:rPr lang="en-GB" dirty="0" smtClean="0"/>
-              <a:t>&amp;</a:t>
-            </a:r>
-            <a:r>
-              <a:rPr lang="en-GB" dirty="0"/>
-              <a:t>b, </a:t>
-            </a:r>
-            <a:r>
-              <a:rPr lang="en-GB" dirty="0" err="1" smtClean="0"/>
-              <a:t>PyBUF_WRITABLE</a:t>
-            </a:r>
-            <a:r>
-              <a:rPr lang="en-GB" dirty="0" smtClean="0"/>
-              <a:t>); </a:t>
-            </a:r>
-          </a:p>
-          <a:p>
-            <a:r>
-              <a:rPr lang="en-GB" dirty="0" smtClean="0"/>
-              <a:t>In any case</a:t>
+              <a:t>numpy</a:t>
+            </a:r>
+            <a:r>
+              <a:rPr lang="en-GB" dirty="0" smtClean="0"/>
+              <a:t>.</a:t>
+            </a:r>
+          </a:p>
+          <a:p>
+            <a:pPr lvl="1"/>
+            <a:r>
+              <a:rPr lang="en-GB" dirty="0">
+                <a:hlinkClick r:id="rId2"/>
+              </a:rPr>
+              <a:t>http://</a:t>
+            </a:r>
+            <a:r>
+              <a:rPr lang="en-GB" dirty="0" smtClean="0">
+                <a:hlinkClick r:id="rId2"/>
+              </a:rPr>
+              <a:t>docs.python.org/3.2/c-api/buffer.html?highlight=buffer#Py_buffer</a:t>
+            </a:r>
+            <a:r>
+              <a:rPr lang="en-GB" dirty="0" smtClean="0"/>
+              <a:t> </a:t>
+            </a:r>
+          </a:p>
+          <a:p>
+            <a:pPr lvl="1"/>
+            <a:r>
+              <a:rPr lang="en-GB" dirty="0">
+                <a:hlinkClick r:id="rId3"/>
+              </a:rPr>
+              <a:t>http://</a:t>
+            </a:r>
+            <a:r>
+              <a:rPr lang="en-GB" dirty="0" smtClean="0">
+                <a:hlinkClick r:id="rId3"/>
+              </a:rPr>
+              <a:t>docs.python.org/3.2/c-api/typeobj.html#buffer-structs</a:t>
+            </a:r>
+            <a:endParaRPr lang="en-GB" dirty="0" smtClean="0"/>
+          </a:p>
+          <a:p>
+            <a:pPr lvl="1"/>
+            <a:r>
+              <a:rPr lang="en-GB" dirty="0" smtClean="0">
+                <a:hlinkClick r:id="rId4"/>
+              </a:rPr>
+              <a:t>http</a:t>
+            </a:r>
+            <a:r>
+              <a:rPr lang="en-GB" dirty="0">
+                <a:hlinkClick r:id="rId4"/>
+              </a:rPr>
+              <a:t>://</a:t>
+            </a:r>
+            <a:r>
+              <a:rPr lang="en-GB" dirty="0" smtClean="0">
+                <a:hlinkClick r:id="rId4"/>
+              </a:rPr>
+              <a:t>docs.python.org/3.2/library/stdtypes.html#memoryview</a:t>
+            </a:r>
+            <a:r>
+              <a:rPr lang="en-GB" dirty="0" smtClean="0"/>
+              <a:t> </a:t>
             </a:r>
             <a:endParaRPr lang="en-GB" dirty="0"/>
           </a:p>
           <a:p>
-            <a:pPr marL="457200" lvl="1" indent="0">
-              <a:buNone/>
-            </a:pPr>
-            <a:r>
-              <a:rPr lang="en-GB" dirty="0" err="1" smtClean="0"/>
-              <a:t>PyBuffer_Release</a:t>
-            </a:r>
-            <a:r>
-              <a:rPr lang="en-GB" dirty="0" smtClean="0"/>
-              <a:t>(&amp;b);</a:t>
-            </a:r>
-          </a:p>
-          <a:p>
-            <a:r>
-              <a:rPr lang="en-GB" dirty="0" smtClean="0"/>
-              <a:t>Consider</a:t>
-            </a:r>
-          </a:p>
-          <a:p>
-            <a:pPr marL="457200" lvl="1" indent="0">
-              <a:buNone/>
-            </a:pPr>
-            <a:r>
-              <a:rPr lang="en-GB" dirty="0"/>
-              <a:t>ret = </a:t>
-            </a:r>
-            <a:r>
-              <a:rPr lang="en-GB" dirty="0" err="1" smtClean="0"/>
-              <a:t>PyObject_TypeCheck</a:t>
-            </a:r>
-            <a:r>
-              <a:rPr lang="en-GB" dirty="0" smtClean="0"/>
-              <a:t>(</a:t>
-            </a:r>
-            <a:r>
-              <a:rPr lang="en-GB" dirty="0" err="1" smtClean="0"/>
-              <a:t>obj</a:t>
-            </a:r>
-            <a:r>
-              <a:rPr lang="en-GB" dirty="0" smtClean="0"/>
-              <a:t>, </a:t>
-            </a:r>
-            <a:r>
-              <a:rPr lang="en-GB" dirty="0" err="1" smtClean="0"/>
-              <a:t>type_obj</a:t>
-            </a:r>
-            <a:r>
-              <a:rPr lang="en-GB" dirty="0" smtClean="0"/>
-              <a:t>);</a:t>
-            </a:r>
-          </a:p>
-          <a:p>
-            <a:pPr marL="457200" lvl="1" indent="0">
-              <a:buNone/>
-            </a:pPr>
-            <a:r>
-              <a:rPr lang="en-GB" dirty="0" smtClean="0"/>
-              <a:t>or</a:t>
-            </a:r>
-          </a:p>
-          <a:p>
-            <a:pPr marL="457200" lvl="1" indent="0">
-              <a:buNone/>
-            </a:pPr>
-            <a:r>
-              <a:rPr lang="en-GB" dirty="0" err="1" smtClean="0"/>
-              <a:t>PyObject_Type</a:t>
-            </a:r>
-            <a:r>
-              <a:rPr lang="en-GB" dirty="0" smtClean="0"/>
-              <a:t>(</a:t>
-            </a:r>
-            <a:r>
-              <a:rPr lang="en-GB" dirty="0" err="1" smtClean="0"/>
-              <a:t>obj</a:t>
-            </a:r>
-            <a:r>
-              <a:rPr lang="en-GB" dirty="0" smtClean="0"/>
-              <a:t>) == </a:t>
-            </a:r>
-            <a:r>
-              <a:rPr lang="en-GB" dirty="0" err="1" smtClean="0"/>
-              <a:t>type_obj</a:t>
-            </a:r>
-            <a:endParaRPr lang="en-GB" dirty="0" smtClean="0"/>
-          </a:p>
-          <a:p>
-            <a:pPr marL="457200" lvl="1" indent="0">
-              <a:buNone/>
-            </a:pPr>
-            <a:r>
-              <a:rPr lang="en-GB" dirty="0" smtClean="0"/>
-              <a:t>or simpler</a:t>
-            </a:r>
-          </a:p>
-          <a:p>
-            <a:pPr marL="457200" lvl="1" indent="0">
-              <a:buNone/>
-            </a:pPr>
-            <a:r>
-              <a:rPr lang="en-GB" dirty="0" err="1" smtClean="0"/>
-              <a:t>obj</a:t>
-            </a:r>
-            <a:r>
-              <a:rPr lang="en-GB" dirty="0"/>
-              <a:t>-</a:t>
-            </a:r>
-            <a:r>
-              <a:rPr lang="en-GB" dirty="0" smtClean="0"/>
-              <a:t>&gt;</a:t>
-            </a:r>
-            <a:r>
-              <a:rPr lang="en-GB" dirty="0" err="1" smtClean="0"/>
-              <a:t>ob_type</a:t>
-            </a:r>
-            <a:r>
-              <a:rPr lang="en-GB" dirty="0" smtClean="0"/>
-              <a:t> == </a:t>
-            </a:r>
-            <a:r>
-              <a:rPr lang="en-GB" dirty="0" err="1" smtClean="0"/>
-              <a:t>type_obj</a:t>
-            </a:r>
-            <a:r>
-              <a:rPr lang="en-GB" dirty="0" smtClean="0"/>
-              <a:t>  </a:t>
-            </a:r>
+            <a:pPr lvl="1"/>
+            <a:endParaRPr lang="en-GB" i="1" dirty="0">
+              <a:solidFill>
+                <a:schemeClr val="accent1">
+                  <a:lumMod val="75000"/>
+                </a:schemeClr>
+              </a:solidFill>
+            </a:endParaRPr>
           </a:p>
         </p:txBody>
       </p:sp>
     </p:spTree>
     <p:extLst>
       <p:ext uri="{BB962C8B-B14F-4D97-AF65-F5344CB8AC3E}">
-        <p14:creationId xmlns:p14="http://schemas.microsoft.com/office/powerpoint/2010/main" val="2973595614"/>
+        <p14:creationId xmlns:p14="http://schemas.microsoft.com/office/powerpoint/2010/main" val="3309612122"/>
       </p:ext>
     </p:extLst>
   </p:cSld>
@@ -4330,15 +4132,7 @@
           <a:p>
             <a:r>
               <a:rPr lang="en-GB" dirty="0" smtClean="0"/>
-              <a:t>Data Arrays (</a:t>
-            </a:r>
-            <a:r>
-              <a:rPr lang="en-GB" dirty="0"/>
-              <a:t>3</a:t>
-            </a:r>
-            <a:r>
-              <a:rPr lang="en-GB" dirty="0" smtClean="0"/>
-              <a:t>/3)</a:t>
+              <a:t>Data Arrays (2/3)</a:t>
             </a:r>
             <a:endParaRPr lang="en-GB" dirty="0"/>
           </a:p>
@@ -4357,104 +4151,289 @@
         <p:spPr/>
         <p:txBody>
           <a:bodyPr>
-            <a:normAutofit/>
+            <a:normAutofit fontScale="62500" lnSpcReduction="20000"/>
           </a:bodyPr>
           <a:lstStyle/>
           <a:p>
             <a:r>
+              <a:rPr lang="en-GB" dirty="0" smtClean="0"/>
+              <a:t>Parsing buffer arguments:</a:t>
+            </a:r>
+          </a:p>
+          <a:p>
+            <a:pPr marL="457200" lvl="1" indent="0">
+              <a:buNone/>
+            </a:pPr>
+            <a:r>
               <a:rPr lang="en-GB" dirty="0" err="1" smtClean="0"/>
-              <a:t>CArray</a:t>
+              <a:t>Py_buffer</a:t>
+            </a:r>
+            <a:r>
+              <a:rPr lang="en-GB" dirty="0"/>
+              <a:t> </a:t>
+            </a:r>
+            <a:r>
+              <a:rPr lang="en-GB" dirty="0" smtClean="0"/>
+              <a:t>b;</a:t>
+            </a:r>
+            <a:endParaRPr lang="en-GB" dirty="0"/>
+          </a:p>
+          <a:p>
+            <a:pPr marL="457200" lvl="1" indent="0">
+              <a:buNone/>
+            </a:pPr>
+            <a:r>
+              <a:rPr lang="en-GB" dirty="0"/>
+              <a:t>ret = </a:t>
+            </a:r>
+            <a:r>
+              <a:rPr lang="en-GB" dirty="0" err="1" smtClean="0"/>
+              <a:t>PyArg_ParseTuple</a:t>
+            </a:r>
+            <a:r>
+              <a:rPr lang="en-GB" dirty="0" smtClean="0"/>
+              <a:t>(</a:t>
+            </a:r>
+            <a:r>
+              <a:rPr lang="en-GB" dirty="0" err="1" smtClean="0"/>
+              <a:t>args</a:t>
+            </a:r>
+            <a:r>
+              <a:rPr lang="en-GB" dirty="0"/>
+              <a:t>, </a:t>
+            </a:r>
+            <a:r>
+              <a:rPr lang="en-GB" dirty="0" smtClean="0"/>
+              <a:t>“y*”, &amp;b); </a:t>
+            </a:r>
+          </a:p>
+          <a:p>
+            <a:pPr lvl="1"/>
+            <a:r>
+              <a:rPr lang="en-GB" dirty="0" smtClean="0"/>
+              <a:t>See “Parsing </a:t>
+            </a:r>
+            <a:r>
+              <a:rPr lang="en-GB" dirty="0"/>
+              <a:t>arguments and building </a:t>
+            </a:r>
+            <a:r>
+              <a:rPr lang="en-GB" dirty="0" smtClean="0"/>
+              <a:t>values” in Python/C API Reference Manual</a:t>
+            </a:r>
+          </a:p>
+          <a:p>
+            <a:r>
+              <a:rPr lang="en-GB" dirty="0" smtClean="0"/>
+              <a:t>Directly using buffer arguments</a:t>
+            </a:r>
+          </a:p>
+          <a:p>
+            <a:pPr marL="457200" lvl="1" indent="0">
+              <a:buNone/>
+            </a:pPr>
+            <a:r>
+              <a:rPr lang="en-GB" dirty="0" err="1" smtClean="0"/>
+              <a:t>PyObject_CheckBuffer</a:t>
+            </a:r>
+            <a:r>
+              <a:rPr lang="en-GB" dirty="0" smtClean="0"/>
+              <a:t>(</a:t>
+            </a:r>
+            <a:r>
+              <a:rPr lang="en-GB" dirty="0" err="1" smtClean="0"/>
+              <a:t>obj</a:t>
+            </a:r>
+            <a:r>
+              <a:rPr lang="en-GB" dirty="0" smtClean="0"/>
+              <a:t>) == 1</a:t>
+            </a:r>
+            <a:r>
+              <a:rPr lang="en-GB" dirty="0"/>
+              <a:t/>
+            </a:r>
+            <a:br>
+              <a:rPr lang="en-GB" dirty="0"/>
+            </a:br>
+            <a:r>
+              <a:rPr lang="en-GB" dirty="0"/>
+              <a:t>ret = </a:t>
+            </a:r>
+            <a:r>
+              <a:rPr lang="en-GB" dirty="0" err="1" smtClean="0"/>
+              <a:t>PyObject_GetBuffer</a:t>
+            </a:r>
+            <a:r>
+              <a:rPr lang="en-GB" dirty="0" smtClean="0"/>
+              <a:t>(</a:t>
+            </a:r>
+            <a:r>
+              <a:rPr lang="en-GB" dirty="0" err="1" smtClean="0"/>
+              <a:t>obj</a:t>
+            </a:r>
+            <a:r>
+              <a:rPr lang="en-GB" dirty="0"/>
+              <a:t>, </a:t>
+            </a:r>
+            <a:r>
+              <a:rPr lang="en-GB" dirty="0" smtClean="0"/>
+              <a:t>&amp;</a:t>
+            </a:r>
+            <a:r>
+              <a:rPr lang="en-GB" dirty="0"/>
+              <a:t>b, </a:t>
+            </a:r>
+            <a:r>
+              <a:rPr lang="en-GB" dirty="0" err="1" smtClean="0"/>
+              <a:t>PyBUF_WRITABLE</a:t>
+            </a:r>
+            <a:r>
+              <a:rPr lang="en-GB" dirty="0" smtClean="0"/>
+              <a:t>); </a:t>
+            </a:r>
+          </a:p>
+          <a:p>
+            <a:r>
+              <a:rPr lang="en-GB" dirty="0" smtClean="0"/>
+              <a:t>In any case</a:t>
+            </a:r>
+            <a:endParaRPr lang="en-GB" dirty="0"/>
+          </a:p>
+          <a:p>
+            <a:pPr marL="457200" lvl="1" indent="0">
+              <a:buNone/>
+            </a:pPr>
+            <a:r>
+              <a:rPr lang="en-GB" dirty="0" err="1" smtClean="0"/>
+              <a:t>PyBuffer_Release</a:t>
+            </a:r>
+            <a:r>
+              <a:rPr lang="en-GB" dirty="0" smtClean="0"/>
+              <a:t>(&amp;b);</a:t>
+            </a:r>
+          </a:p>
+          <a:p>
+            <a:r>
+              <a:rPr lang="en-GB" dirty="0" smtClean="0"/>
+              <a:t>Consider</a:t>
+            </a:r>
+          </a:p>
+          <a:p>
+            <a:pPr marL="457200" lvl="1" indent="0">
+              <a:buNone/>
+            </a:pPr>
+            <a:r>
+              <a:rPr lang="en-GB" dirty="0"/>
+              <a:t>ret = </a:t>
+            </a:r>
+            <a:r>
+              <a:rPr lang="en-GB" dirty="0" err="1" smtClean="0"/>
+              <a:t>PyObject_TypeCheck</a:t>
+            </a:r>
+            <a:r>
+              <a:rPr lang="en-GB" dirty="0" smtClean="0"/>
+              <a:t>(</a:t>
+            </a:r>
+            <a:r>
+              <a:rPr lang="en-GB" dirty="0" err="1" smtClean="0"/>
+              <a:t>obj</a:t>
+            </a:r>
+            <a:r>
+              <a:rPr lang="en-GB" dirty="0" smtClean="0"/>
+              <a:t>, </a:t>
+            </a:r>
+            <a:r>
+              <a:rPr lang="en-GB" dirty="0" err="1" smtClean="0"/>
+              <a:t>type_obj</a:t>
+            </a:r>
+            <a:r>
+              <a:rPr lang="en-GB" dirty="0" smtClean="0"/>
+              <a:t>);</a:t>
+            </a:r>
+          </a:p>
+          <a:p>
+            <a:pPr marL="457200" lvl="1" indent="0">
+              <a:buNone/>
+            </a:pPr>
+            <a:r>
+              <a:rPr lang="en-GB" dirty="0" smtClean="0"/>
+              <a:t>or</a:t>
+            </a:r>
+          </a:p>
+          <a:p>
+            <a:pPr marL="457200" lvl="1" indent="0">
+              <a:buNone/>
+            </a:pPr>
+            <a:r>
+              <a:rPr lang="en-GB" dirty="0" err="1" smtClean="0"/>
+              <a:t>PyObject_Type</a:t>
+            </a:r>
+            <a:r>
+              <a:rPr lang="en-GB" dirty="0" smtClean="0"/>
+              <a:t>(</a:t>
+            </a:r>
+            <a:r>
+              <a:rPr lang="en-GB" dirty="0" err="1" smtClean="0"/>
+              <a:t>obj</a:t>
+            </a:r>
+            <a:r>
+              <a:rPr lang="en-GB" dirty="0" smtClean="0"/>
+              <a:t>) == </a:t>
+            </a:r>
+            <a:r>
+              <a:rPr lang="en-GB" dirty="0" err="1" smtClean="0"/>
+              <a:t>type_obj</a:t>
             </a:r>
             <a:endParaRPr lang="en-GB" dirty="0" smtClean="0"/>
           </a:p>
           <a:p>
-            <a:pPr lvl="1"/>
-            <a:r>
-              <a:rPr lang="en-GB" dirty="0" smtClean="0"/>
-              <a:t>implements Buffer protocol  </a:t>
-            </a:r>
-          </a:p>
-          <a:p>
-            <a:pPr lvl="1"/>
-            <a:r>
-              <a:rPr lang="en-GB" dirty="0" smtClean="0"/>
-              <a:t>implements Sequence protocol</a:t>
-            </a:r>
-          </a:p>
-          <a:p>
-            <a:r>
-              <a:rPr lang="en-GB" dirty="0" smtClean="0"/>
-              <a:t>TODO</a:t>
-            </a:r>
-          </a:p>
-          <a:p>
-            <a:pPr lvl="1"/>
-            <a:r>
-              <a:rPr lang="en-GB" dirty="0" smtClean="0"/>
-              <a:t>Make </a:t>
-            </a:r>
+            <a:pPr marL="457200" lvl="1" indent="0">
+              <a:buNone/>
+            </a:pPr>
+            <a:r>
+              <a:rPr lang="en-GB" dirty="0" smtClean="0"/>
+              <a:t>or simpler</a:t>
+            </a:r>
+          </a:p>
+          <a:p>
+            <a:pPr marL="457200" lvl="1" indent="0">
+              <a:buNone/>
+            </a:pPr>
             <a:r>
               <a:rPr lang="en-GB" dirty="0" err="1" smtClean="0"/>
-              <a:t>dtype</a:t>
-            </a:r>
-            <a:r>
-              <a:rPr lang="en-GB" dirty="0" smtClean="0"/>
-              <a:t>-format-string conform to Python ‘</a:t>
+              <a:t>obj</a:t>
+            </a:r>
+            <a:r>
+              <a:rPr lang="en-GB" dirty="0"/>
+              <a:t>-</a:t>
+            </a:r>
+            <a:r>
+              <a:rPr lang="en-GB" dirty="0" smtClean="0"/>
+              <a:t>&gt;</a:t>
             </a:r>
             <a:r>
               <a:rPr lang="en-GB" dirty="0" err="1" smtClean="0"/>
-              <a:t>struct</a:t>
-            </a:r>
-            <a:r>
-              <a:rPr lang="en-GB" dirty="0" smtClean="0"/>
-              <a:t>’ module, see </a:t>
-            </a:r>
-            <a:br>
-              <a:rPr lang="en-GB" dirty="0" smtClean="0"/>
-            </a:br>
-            <a:r>
-              <a:rPr lang="en-GB" dirty="0" smtClean="0"/>
-              <a:t>6.3.  </a:t>
+              <a:t>ob_type</a:t>
+            </a:r>
+            <a:r>
+              <a:rPr lang="en-GB" dirty="0" smtClean="0"/>
+              <a:t> == </a:t>
             </a:r>
             <a:r>
               <a:rPr lang="en-GB" dirty="0" err="1" smtClean="0"/>
-              <a:t>struct</a:t>
-            </a:r>
-            <a:r>
-              <a:rPr lang="en-GB" dirty="0" smtClean="0"/>
-              <a:t> </a:t>
-            </a:r>
-            <a:r>
-              <a:rPr lang="en-GB" dirty="0"/>
-              <a:t>— Interpret bytes as packed binary </a:t>
-            </a:r>
-            <a:r>
-              <a:rPr lang="en-GB" dirty="0" smtClean="0"/>
-              <a:t>data, see also</a:t>
-            </a:r>
-            <a:br>
-              <a:rPr lang="en-GB" dirty="0" smtClean="0"/>
-            </a:br>
-            <a:r>
-              <a:rPr lang="en-GB" dirty="0" err="1" smtClean="0"/>
-              <a:t>PyBuffer_SizeFromFormat</a:t>
-            </a:r>
-            <a:r>
-              <a:rPr lang="en-GB" dirty="0" smtClean="0"/>
-              <a:t>(format) </a:t>
-            </a:r>
-            <a:endParaRPr lang="en-GB" dirty="0"/>
-          </a:p>
-          <a:p>
-            <a:pPr lvl="1"/>
-            <a:endParaRPr lang="en-GB" dirty="0" smtClean="0"/>
+              <a:t>type_obj</a:t>
+            </a:r>
+            <a:r>
+              <a:rPr lang="en-GB" dirty="0" smtClean="0"/>
+              <a:t>  </a:t>
+            </a:r>
           </a:p>
         </p:txBody>
       </p:sp>
     </p:spTree>
     <p:extLst>
       <p:ext uri="{BB962C8B-B14F-4D97-AF65-F5344CB8AC3E}">
-        <p14:creationId xmlns:p14="http://schemas.microsoft.com/office/powerpoint/2010/main" val="845572741"/>
+        <p14:creationId xmlns:p14="http://schemas.microsoft.com/office/powerpoint/2010/main" val="2973595614"/>
       </p:ext>
     </p:extLst>
   </p:cSld>
@@ -4505,7 +4484,15 @@
           <a:p>
             <a:r>
               <a:rPr lang="en-GB" dirty="0" smtClean="0"/>
-              <a:t>Multithreading</a:t>
+              <a:t>Data Arrays (</a:t>
+            </a:r>
+            <a:r>
+              <a:rPr lang="en-GB" dirty="0"/>
+              <a:t>3</a:t>
+            </a:r>
+            <a:r>
+              <a:rPr lang="en-GB" dirty="0" smtClean="0"/>
+              <a:t>/3)</a:t>
             </a:r>
             <a:endParaRPr lang="en-GB" dirty="0"/>
           </a:p>
@@ -4524,121 +4511,104 @@
         <p:spPr/>
         <p:txBody>
           <a:bodyPr>
-            <a:normAutofit lnSpcReduction="10000"/>
+            <a:normAutofit/>
           </a:bodyPr>
           <a:lstStyle/>
           <a:p>
             <a:r>
-              <a:rPr lang="en-GB" dirty="0" smtClean="0"/>
-              <a:t>If BEAM Java calls into Python from multiple Java threads for executing e.g. a tile computation, we can consider</a:t>
-            </a:r>
+              <a:rPr lang="en-GB" dirty="0" err="1" smtClean="0"/>
+              <a:t>CArray</a:t>
+            </a:r>
+            <a:endParaRPr lang="en-GB" dirty="0" smtClean="0"/>
           </a:p>
           <a:p>
             <a:pPr lvl="1"/>
             <a:r>
+              <a:rPr lang="en-GB" dirty="0" smtClean="0"/>
+              <a:t>implements Buffer protocol  </a:t>
+            </a:r>
+          </a:p>
+          <a:p>
+            <a:pPr lvl="1"/>
+            <a:r>
+              <a:rPr lang="en-GB" dirty="0" smtClean="0"/>
+              <a:t>implements Sequence protocol</a:t>
+            </a:r>
+          </a:p>
+          <a:p>
+            <a:r>
+              <a:rPr lang="en-GB" dirty="0" smtClean="0"/>
+              <a:t>TODO</a:t>
+            </a:r>
+          </a:p>
+          <a:p>
+            <a:pPr lvl="1"/>
+            <a:r>
+              <a:rPr lang="en-GB" dirty="0" smtClean="0"/>
+              <a:t>Make </a:t>
+            </a:r>
+            <a:r>
               <a:rPr lang="en-GB" dirty="0" err="1" smtClean="0"/>
-              <a:t>PyThreadState</a:t>
-            </a:r>
-            <a:r>
-              <a:rPr lang="en-GB" dirty="0" smtClean="0"/>
-              <a:t>* </a:t>
+              <a:t>dtype</a:t>
+            </a:r>
+            <a:r>
+              <a:rPr lang="en-GB" dirty="0" smtClean="0"/>
+              <a:t>-format-string conform to Python ‘</a:t>
             </a:r>
             <a:r>
               <a:rPr lang="en-GB" dirty="0" err="1" smtClean="0"/>
-              <a:t>tstate</a:t>
-            </a:r>
-            <a:r>
-              <a:rPr lang="en-GB" dirty="0" smtClean="0"/>
-              <a:t>;</a:t>
-            </a:r>
+              <a:t>struct</a:t>
+            </a:r>
+            <a:r>
+              <a:rPr lang="en-GB" dirty="0" smtClean="0"/>
+              <a:t>’ module, see </a:t>
+            </a:r>
+            <a:br>
+              <a:rPr lang="en-GB" dirty="0" smtClean="0"/>
+            </a:br>
+            <a:r>
+              <a:rPr lang="en-GB" dirty="0" smtClean="0"/>
+              <a:t>6.3.  </a:t>
+            </a:r>
+            <a:r>
+              <a:rPr lang="en-GB" dirty="0" err="1" smtClean="0"/>
+              <a:t>struct</a:t>
+            </a:r>
+            <a:r>
+              <a:rPr lang="en-GB" dirty="0" smtClean="0"/>
+              <a:t> </a:t>
+            </a:r>
+            <a:r>
+              <a:rPr lang="en-GB" dirty="0"/>
+              <a:t>— Interpret bytes as packed binary </a:t>
+            </a:r>
+            <a:r>
+              <a:rPr lang="en-GB" dirty="0" smtClean="0"/>
+              <a:t>data, see also</a:t>
+            </a:r>
+            <a:br>
+              <a:rPr lang="en-GB" dirty="0" smtClean="0"/>
+            </a:br>
+            <a:r>
+              <a:rPr lang="en-GB" dirty="0" err="1" smtClean="0"/>
+              <a:t>PyBuffer_SizeFromFormat</a:t>
+            </a:r>
+            <a:r>
+              <a:rPr lang="en-GB" dirty="0" smtClean="0"/>
+              <a:t>(format) </a:t>
+            </a:r>
+            <a:endParaRPr lang="en-GB" dirty="0"/>
           </a:p>
           <a:p>
             <a:pPr lvl="1"/>
-            <a:r>
-              <a:rPr lang="en-GB" dirty="0" err="1" smtClean="0"/>
-              <a:t>tstate</a:t>
-            </a:r>
-            <a:r>
-              <a:rPr lang="en-GB" dirty="0" smtClean="0"/>
-              <a:t> = </a:t>
-            </a:r>
-            <a:r>
-              <a:rPr lang="en-GB" dirty="0" err="1"/>
-              <a:t>Py_NewInterpreter</a:t>
-            </a:r>
-            <a:r>
-              <a:rPr lang="en-GB" dirty="0" smtClean="0"/>
-              <a:t>();</a:t>
-            </a:r>
-          </a:p>
-          <a:p>
-            <a:pPr lvl="1"/>
-            <a:r>
-              <a:rPr lang="en-GB" dirty="0" smtClean="0"/>
-              <a:t>…</a:t>
-            </a:r>
-            <a:r>
-              <a:rPr lang="en-GB" i="1" dirty="0" smtClean="0"/>
-              <a:t> call into python code</a:t>
-            </a:r>
-          </a:p>
-          <a:p>
-            <a:pPr lvl="1"/>
-            <a:r>
-              <a:rPr lang="en-GB" dirty="0" err="1" smtClean="0"/>
-              <a:t>Py_EndInterpreter</a:t>
-            </a:r>
-            <a:r>
-              <a:rPr lang="en-GB" dirty="0" smtClean="0"/>
-              <a:t>(</a:t>
-            </a:r>
-            <a:r>
-              <a:rPr lang="en-GB" dirty="0" err="1" smtClean="0"/>
-              <a:t>tstate</a:t>
-            </a:r>
-            <a:r>
-              <a:rPr lang="en-GB" dirty="0" smtClean="0"/>
-              <a:t>);  </a:t>
-            </a:r>
-          </a:p>
-          <a:p>
-            <a:pPr marL="342900" lvl="1" indent="-342900">
-              <a:buFont typeface="Arial" pitchFamily="34" charset="0"/>
-              <a:buChar char="•"/>
-            </a:pPr>
-            <a:r>
-              <a:rPr lang="en-GB" dirty="0"/>
-              <a:t>See </a:t>
-            </a:r>
-            <a:r>
-              <a:rPr lang="en-GB" dirty="0" smtClean="0"/>
-              <a:t>“Initialization</a:t>
-            </a:r>
-            <a:r>
-              <a:rPr lang="en-GB" dirty="0"/>
-              <a:t>, Finalization, and </a:t>
-            </a:r>
-            <a:r>
-              <a:rPr lang="en-GB" dirty="0" smtClean="0"/>
-              <a:t>Threads” </a:t>
-            </a:r>
-            <a:r>
-              <a:rPr lang="en-GB" dirty="0"/>
-              <a:t>in Python/C API Reference Manual</a:t>
-            </a:r>
-          </a:p>
-          <a:p>
-            <a:pPr marL="0" indent="0">
-              <a:buNone/>
-            </a:pPr>
-            <a:endParaRPr lang="en-GB" dirty="0"/>
+            <a:endParaRPr lang="en-GB" dirty="0" smtClean="0"/>
           </a:p>
         </p:txBody>
       </p:sp>
     </p:spTree>
     <p:extLst>
       <p:ext uri="{BB962C8B-B14F-4D97-AF65-F5344CB8AC3E}">
-        <p14:creationId xmlns:p14="http://schemas.microsoft.com/office/powerpoint/2010/main" val="183588086"/>
+        <p14:creationId xmlns:p14="http://schemas.microsoft.com/office/powerpoint/2010/main" val="845572741"/>
       </p:ext>
     </p:extLst>
   </p:cSld>
@@ -4689,105 +4659,687 @@
           <a:p>
             <a:r>
               <a:rPr lang="en-GB" dirty="0" smtClean="0"/>
-              <a:t>Alternatives (1/2)</a:t>
+              <a:t>Data Type Mappings</a:t>
             </a:r>
             <a:endParaRPr lang="en-GB" dirty="0"/>
           </a:p>
         </p:txBody>
       </p:sp>
-      <p:sp>
-        <p:nvSpPr>
-          <p:cNvPr id="3" name="Inhaltsplatzhalter 2"/>
-          <p:cNvSpPr>
-            <a:spLocks noGrp="1"/>
-          </p:cNvSpPr>
+      <p:graphicFrame>
+        <p:nvGraphicFramePr>
+          <p:cNvPr id="4" name="Inhaltsplatzhalter 3"/>
+          <p:cNvGraphicFramePr>
+            <a:graphicFrameLocks noGrp="1"/>
+          </p:cNvGraphicFramePr>
           <p:nvPr>
             <p:ph idx="1"/>
+            <p:extLst>
+              <p:ext uri="{D42A27DB-BD31-4B8C-83A1-F6EECF244321}">
+                <p14:modId xmlns:p14="http://schemas.microsoft.com/office/powerpoint/2010/main" val="664400467"/>
+              </p:ext>
+            </p:extLst>
           </p:nvPr>
-        </p:nvSpPr>
-        <p:spPr/>
-        <p:txBody>
-          <a:bodyPr/>
-          <a:lstStyle/>
-          <a:p>
-            <a:r>
-              <a:rPr lang="en-GB" b="1" dirty="0" err="1"/>
-              <a:t>Jep</a:t>
-            </a:r>
-            <a:r>
-              <a:rPr lang="en-GB" dirty="0"/>
-              <a:t> - Java Embedded Python</a:t>
-            </a:r>
-          </a:p>
-          <a:p>
-            <a:pPr lvl="1"/>
-            <a:r>
-              <a:rPr lang="en-GB" dirty="0" err="1"/>
-              <a:t>Jep</a:t>
-            </a:r>
-            <a:r>
-              <a:rPr lang="en-GB" dirty="0"/>
-              <a:t> embeds </a:t>
-            </a:r>
-            <a:r>
-              <a:rPr lang="en-GB" dirty="0" err="1"/>
-              <a:t>CPython</a:t>
-            </a:r>
-            <a:r>
-              <a:rPr lang="en-GB" dirty="0"/>
-              <a:t> in Java. It is safe to use in a heavily threaded environment, it is quite fast and its stability is a main feature and goal.</a:t>
-            </a:r>
-          </a:p>
-          <a:p>
-            <a:pPr lvl="1"/>
-            <a:r>
-              <a:rPr lang="en-GB" dirty="0" smtClean="0">
-                <a:hlinkClick r:id="rId2"/>
-              </a:rPr>
-              <a:t>https</a:t>
-            </a:r>
-            <a:r>
-              <a:rPr lang="en-GB" dirty="0">
-                <a:hlinkClick r:id="rId2"/>
-              </a:rPr>
-              <a:t>://</a:t>
-            </a:r>
-            <a:r>
-              <a:rPr lang="en-GB" dirty="0" smtClean="0">
-                <a:hlinkClick r:id="rId2"/>
-              </a:rPr>
-              <a:t>github.com/mrj0/jep</a:t>
-            </a:r>
-            <a:endParaRPr lang="en-GB" dirty="0" smtClean="0"/>
-          </a:p>
-          <a:p>
-            <a:pPr lvl="1"/>
-            <a:r>
-              <a:rPr lang="en-GB" dirty="0" smtClean="0"/>
-              <a:t>Check: can it be used to call Python from Java</a:t>
-            </a:r>
-          </a:p>
-          <a:p>
-            <a:pPr lvl="1"/>
-            <a:r>
-              <a:rPr lang="en-GB" dirty="0" smtClean="0"/>
-              <a:t>Check: No windows support</a:t>
-            </a:r>
-          </a:p>
-          <a:p>
-            <a:pPr lvl="1"/>
-            <a:r>
-              <a:rPr lang="en-GB" dirty="0" smtClean="0"/>
-              <a:t>Check: last activity 9 months ago</a:t>
-            </a:r>
-            <a:endParaRPr lang="en-GB" dirty="0"/>
-          </a:p>
-        </p:txBody>
-      </p:sp>
+        </p:nvGraphicFramePr>
+        <p:xfrm>
+          <a:off x="457200" y="1600200"/>
+          <a:ext cx="8229600" cy="4719320"/>
+        </p:xfrm>
+        <a:graphic>
+          <a:graphicData uri="http://schemas.openxmlformats.org/drawingml/2006/table">
+            <a:tbl>
+              <a:tblPr firstRow="1" bandRow="1">
+                <a:tableStyleId>{5C22544A-7EE6-4342-B048-85BDC9FD1C3A}</a:tableStyleId>
+              </a:tblPr>
+              <a:tblGrid>
+                <a:gridCol w="2743200"/>
+                <a:gridCol w="2743200"/>
+                <a:gridCol w="2743200"/>
+              </a:tblGrid>
+              <a:tr h="370840">
+                <a:tc>
+                  <a:txBody>
+                    <a:bodyPr/>
+                    <a:lstStyle/>
+                    <a:p>
+                      <a:r>
+                        <a:rPr lang="en-GB" dirty="0" smtClean="0"/>
+                        <a:t>Java</a:t>
+                      </a:r>
+                      <a:endParaRPr lang="en-GB" dirty="0"/>
+                    </a:p>
+                  </a:txBody>
+                  <a:tcPr/>
+                </a:tc>
+                <a:tc>
+                  <a:txBody>
+                    <a:bodyPr/>
+                    <a:lstStyle/>
+                    <a:p>
+                      <a:r>
+                        <a:rPr lang="en-GB" dirty="0" smtClean="0"/>
+                        <a:t>C</a:t>
+                      </a:r>
+                      <a:endParaRPr lang="en-GB" dirty="0"/>
+                    </a:p>
+                  </a:txBody>
+                  <a:tcPr/>
+                </a:tc>
+                <a:tc>
+                  <a:txBody>
+                    <a:bodyPr/>
+                    <a:lstStyle/>
+                    <a:p>
+                      <a:r>
+                        <a:rPr lang="en-GB" dirty="0" smtClean="0"/>
+                        <a:t>Python</a:t>
+                      </a:r>
+                      <a:endParaRPr lang="en-GB" dirty="0"/>
+                    </a:p>
+                  </a:txBody>
+                  <a:tcPr/>
+                </a:tc>
+              </a:tr>
+              <a:tr h="370840">
+                <a:tc>
+                  <a:txBody>
+                    <a:bodyPr/>
+                    <a:lstStyle/>
+                    <a:p>
+                      <a:r>
+                        <a:rPr lang="en-GB" dirty="0" smtClean="0"/>
+                        <a:t>Object</a:t>
+                      </a:r>
+                      <a:endParaRPr lang="en-GB" dirty="0"/>
+                    </a:p>
+                  </a:txBody>
+                  <a:tcPr/>
+                </a:tc>
+                <a:tc>
+                  <a:txBody>
+                    <a:bodyPr/>
+                    <a:lstStyle/>
+                    <a:p>
+                      <a:pPr marL="0" marR="0" indent="0" algn="l" defTabSz="914400" rtl="0" eaLnBrk="1" fontAlgn="auto" latinLnBrk="0" hangingPunct="1">
+                        <a:lnSpc>
+                          <a:spcPct val="100000"/>
+                        </a:lnSpc>
+                        <a:spcBef>
+                          <a:spcPts val="0"/>
+                        </a:spcBef>
+                        <a:spcAft>
+                          <a:spcPts val="0"/>
+                        </a:spcAft>
+                        <a:buClrTx/>
+                        <a:buSzTx/>
+                        <a:buFontTx/>
+                        <a:buNone/>
+                        <a:tabLst/>
+                        <a:defRPr/>
+                      </a:pPr>
+                      <a:r>
+                        <a:rPr lang="en-GB" dirty="0" smtClean="0"/>
+                        <a:t>void*</a:t>
+                      </a:r>
+                    </a:p>
+                  </a:txBody>
+                  <a:tcPr/>
+                </a:tc>
+                <a:tc>
+                  <a:txBody>
+                    <a:bodyPr/>
+                    <a:lstStyle/>
+                    <a:p>
+                      <a:r>
+                        <a:rPr lang="en-GB" dirty="0" smtClean="0"/>
+                        <a:t>(&lt;type&gt;, &lt;pointer&gt;)</a:t>
+                      </a:r>
+                      <a:endParaRPr lang="en-GB" dirty="0"/>
+                    </a:p>
+                  </a:txBody>
+                  <a:tcPr/>
+                </a:tc>
+              </a:tr>
+              <a:tr h="370840">
+                <a:tc>
+                  <a:txBody>
+                    <a:bodyPr/>
+                    <a:lstStyle/>
+                    <a:p>
+                      <a:r>
+                        <a:rPr lang="en-GB" dirty="0" smtClean="0"/>
+                        <a:t>Prim. arrays</a:t>
+                      </a:r>
+                      <a:endParaRPr lang="en-GB" dirty="0"/>
+                    </a:p>
+                  </a:txBody>
+                  <a:tcPr/>
+                </a:tc>
+                <a:tc>
+                  <a:txBody>
+                    <a:bodyPr/>
+                    <a:lstStyle/>
+                    <a:p>
+                      <a:pPr marL="0" marR="0" indent="0" algn="l" defTabSz="914400" rtl="0" eaLnBrk="1" fontAlgn="auto" latinLnBrk="0" hangingPunct="1">
+                        <a:lnSpc>
+                          <a:spcPct val="100000"/>
+                        </a:lnSpc>
+                        <a:spcBef>
+                          <a:spcPts val="0"/>
+                        </a:spcBef>
+                        <a:spcAft>
+                          <a:spcPts val="0"/>
+                        </a:spcAft>
+                        <a:buClrTx/>
+                        <a:buSzTx/>
+                        <a:buFontTx/>
+                        <a:buNone/>
+                        <a:tabLst/>
+                        <a:defRPr/>
+                      </a:pPr>
+                      <a:r>
+                        <a:rPr lang="en-GB" dirty="0" smtClean="0"/>
+                        <a:t>&lt;type&gt;*, length</a:t>
+                      </a:r>
+                    </a:p>
+                  </a:txBody>
+                  <a:tcPr/>
+                </a:tc>
+                <a:tc>
+                  <a:txBody>
+                    <a:bodyPr/>
+                    <a:lstStyle/>
+                    <a:p>
+                      <a:r>
+                        <a:rPr lang="en-GB" dirty="0" smtClean="0"/>
+                        <a:t>buffer, </a:t>
+                      </a:r>
+                      <a:r>
+                        <a:rPr lang="en-GB" dirty="0" err="1" smtClean="0"/>
+                        <a:t>array.array</a:t>
+                      </a:r>
+                      <a:r>
+                        <a:rPr lang="en-GB" dirty="0" smtClean="0"/>
+                        <a:t>, </a:t>
+                      </a:r>
+                      <a:r>
+                        <a:rPr lang="en-GB" dirty="0" err="1" smtClean="0"/>
+                        <a:t>numpy.array</a:t>
+                      </a:r>
+                      <a:endParaRPr lang="en-GB" dirty="0"/>
+                    </a:p>
+                  </a:txBody>
+                  <a:tcPr/>
+                </a:tc>
+              </a:tr>
+              <a:tr h="370840">
+                <a:tc>
+                  <a:txBody>
+                    <a:bodyPr/>
+                    <a:lstStyle/>
+                    <a:p>
+                      <a:r>
+                        <a:rPr lang="en-GB" dirty="0" smtClean="0"/>
+                        <a:t>String</a:t>
+                      </a:r>
+                      <a:endParaRPr lang="en-GB" dirty="0"/>
+                    </a:p>
+                  </a:txBody>
+                  <a:tcPr/>
+                </a:tc>
+                <a:tc>
+                  <a:txBody>
+                    <a:bodyPr/>
+                    <a:lstStyle/>
+                    <a:p>
+                      <a:r>
+                        <a:rPr lang="en-GB" dirty="0" smtClean="0"/>
+                        <a:t>char* (zero terminated)</a:t>
+                      </a:r>
+                      <a:endParaRPr lang="en-GB" dirty="0"/>
+                    </a:p>
+                  </a:txBody>
+                  <a:tcPr/>
+                </a:tc>
+                <a:tc>
+                  <a:txBody>
+                    <a:bodyPr/>
+                    <a:lstStyle/>
+                    <a:p>
+                      <a:r>
+                        <a:rPr lang="en-GB" dirty="0" smtClean="0"/>
+                        <a:t>string</a:t>
+                      </a:r>
+                      <a:endParaRPr lang="en-GB" dirty="0"/>
+                    </a:p>
+                  </a:txBody>
+                  <a:tcPr/>
+                </a:tc>
+              </a:tr>
+              <a:tr h="370840">
+                <a:tc>
+                  <a:txBody>
+                    <a:bodyPr/>
+                    <a:lstStyle/>
+                    <a:p>
+                      <a:r>
+                        <a:rPr lang="en-GB" dirty="0" smtClean="0"/>
+                        <a:t>Map</a:t>
+                      </a:r>
+                      <a:endParaRPr lang="en-GB" dirty="0"/>
+                    </a:p>
+                  </a:txBody>
+                  <a:tcPr/>
+                </a:tc>
+                <a:tc>
+                  <a:txBody>
+                    <a:bodyPr/>
+                    <a:lstStyle/>
+                    <a:p>
+                      <a:r>
+                        <a:rPr lang="en-GB" dirty="0" smtClean="0"/>
+                        <a:t>?</a:t>
+                      </a:r>
+                      <a:endParaRPr lang="en-GB" dirty="0"/>
+                    </a:p>
+                  </a:txBody>
+                  <a:tcPr/>
+                </a:tc>
+                <a:tc>
+                  <a:txBody>
+                    <a:bodyPr/>
+                    <a:lstStyle/>
+                    <a:p>
+                      <a:r>
+                        <a:rPr lang="en-GB" dirty="0" err="1" smtClean="0"/>
+                        <a:t>dict</a:t>
+                      </a:r>
+                      <a:endParaRPr lang="en-GB" dirty="0"/>
+                    </a:p>
+                  </a:txBody>
+                  <a:tcPr/>
+                </a:tc>
+              </a:tr>
+              <a:tr h="370840">
+                <a:tc>
+                  <a:txBody>
+                    <a:bodyPr/>
+                    <a:lstStyle/>
+                    <a:p>
+                      <a:r>
+                        <a:rPr lang="en-GB" dirty="0" smtClean="0"/>
+                        <a:t>Set</a:t>
+                      </a:r>
+                      <a:endParaRPr lang="en-GB" dirty="0"/>
+                    </a:p>
+                  </a:txBody>
+                  <a:tcPr/>
+                </a:tc>
+                <a:tc>
+                  <a:txBody>
+                    <a:bodyPr/>
+                    <a:lstStyle/>
+                    <a:p>
+                      <a:r>
+                        <a:rPr lang="en-GB" dirty="0" smtClean="0"/>
+                        <a:t>void**, length</a:t>
+                      </a:r>
+                      <a:endParaRPr lang="en-GB" dirty="0"/>
+                    </a:p>
+                  </a:txBody>
+                  <a:tcPr/>
+                </a:tc>
+                <a:tc>
+                  <a:txBody>
+                    <a:bodyPr/>
+                    <a:lstStyle/>
+                    <a:p>
+                      <a:pPr marL="0" marR="0" indent="0" algn="l" defTabSz="914400" rtl="0" eaLnBrk="1" fontAlgn="auto" latinLnBrk="0" hangingPunct="1">
+                        <a:lnSpc>
+                          <a:spcPct val="100000"/>
+                        </a:lnSpc>
+                        <a:spcBef>
+                          <a:spcPts val="0"/>
+                        </a:spcBef>
+                        <a:spcAft>
+                          <a:spcPts val="0"/>
+                        </a:spcAft>
+                        <a:buClrTx/>
+                        <a:buSzTx/>
+                        <a:buFontTx/>
+                        <a:buNone/>
+                        <a:tabLst/>
+                        <a:defRPr/>
+                      </a:pPr>
+                      <a:r>
+                        <a:rPr lang="en-GB" dirty="0" smtClean="0"/>
+                        <a:t>list,</a:t>
+                      </a:r>
+                      <a:r>
+                        <a:rPr lang="en-GB" baseline="0" dirty="0" smtClean="0"/>
+                        <a:t> </a:t>
+                      </a:r>
+                      <a:r>
+                        <a:rPr lang="en-GB" baseline="0" dirty="0" err="1" smtClean="0"/>
+                        <a:t>seq</a:t>
+                      </a:r>
+                      <a:r>
+                        <a:rPr lang="en-GB" baseline="0" dirty="0" smtClean="0"/>
+                        <a:t>, tuple</a:t>
+                      </a:r>
+                      <a:endParaRPr lang="en-GB" dirty="0" smtClean="0"/>
+                    </a:p>
+                  </a:txBody>
+                  <a:tcPr/>
+                </a:tc>
+              </a:tr>
+              <a:tr h="370840">
+                <a:tc>
+                  <a:txBody>
+                    <a:bodyPr/>
+                    <a:lstStyle/>
+                    <a:p>
+                      <a:r>
+                        <a:rPr lang="en-GB" dirty="0" smtClean="0"/>
+                        <a:t>List</a:t>
+                      </a:r>
+                      <a:endParaRPr lang="en-GB" dirty="0"/>
+                    </a:p>
+                  </a:txBody>
+                  <a:tcPr/>
+                </a:tc>
+                <a:tc>
+                  <a:txBody>
+                    <a:bodyPr/>
+                    <a:lstStyle/>
+                    <a:p>
+                      <a:r>
+                        <a:rPr lang="en-GB" dirty="0" smtClean="0"/>
+                        <a:t>void**, length</a:t>
+                      </a:r>
+                      <a:endParaRPr lang="en-GB" dirty="0"/>
+                    </a:p>
+                  </a:txBody>
+                  <a:tcPr/>
+                </a:tc>
+                <a:tc>
+                  <a:txBody>
+                    <a:bodyPr/>
+                    <a:lstStyle/>
+                    <a:p>
+                      <a:r>
+                        <a:rPr lang="en-GB" dirty="0" smtClean="0"/>
+                        <a:t>list,</a:t>
+                      </a:r>
+                      <a:r>
+                        <a:rPr lang="en-GB" baseline="0" dirty="0" smtClean="0"/>
+                        <a:t> </a:t>
+                      </a:r>
+                      <a:r>
+                        <a:rPr lang="en-GB" baseline="0" dirty="0" err="1" smtClean="0"/>
+                        <a:t>seq</a:t>
+                      </a:r>
+                      <a:r>
+                        <a:rPr lang="en-GB" baseline="0" dirty="0" smtClean="0"/>
+                        <a:t>, tuple</a:t>
+                      </a:r>
+                      <a:endParaRPr lang="en-GB" dirty="0"/>
+                    </a:p>
+                  </a:txBody>
+                  <a:tcPr/>
+                </a:tc>
+              </a:tr>
+              <a:tr h="370840">
+                <a:tc>
+                  <a:txBody>
+                    <a:bodyPr/>
+                    <a:lstStyle/>
+                    <a:p>
+                      <a:r>
+                        <a:rPr lang="en-GB" dirty="0" smtClean="0"/>
+                        <a:t>File</a:t>
+                      </a:r>
+                      <a:endParaRPr lang="en-GB" dirty="0"/>
+                    </a:p>
+                  </a:txBody>
+                  <a:tcPr/>
+                </a:tc>
+                <a:tc>
+                  <a:txBody>
+                    <a:bodyPr/>
+                    <a:lstStyle/>
+                    <a:p>
+                      <a:r>
+                        <a:rPr lang="en-GB" dirty="0" smtClean="0"/>
+                        <a:t>char* (zero terminated)</a:t>
+                      </a:r>
+                      <a:endParaRPr lang="en-GB" dirty="0"/>
+                    </a:p>
+                  </a:txBody>
+                  <a:tcPr/>
+                </a:tc>
+                <a:tc>
+                  <a:txBody>
+                    <a:bodyPr/>
+                    <a:lstStyle/>
+                    <a:p>
+                      <a:r>
+                        <a:rPr lang="en-GB" dirty="0" smtClean="0"/>
+                        <a:t>string</a:t>
+                      </a:r>
+                      <a:endParaRPr lang="en-GB" dirty="0"/>
+                    </a:p>
+                  </a:txBody>
+                  <a:tcPr/>
+                </a:tc>
+              </a:tr>
+              <a:tr h="370840">
+                <a:tc>
+                  <a:txBody>
+                    <a:bodyPr/>
+                    <a:lstStyle/>
+                    <a:p>
+                      <a:r>
+                        <a:rPr lang="en-GB" dirty="0" err="1" smtClean="0"/>
+                        <a:t>GeoPos</a:t>
+                      </a:r>
+                      <a:endParaRPr lang="en-GB" dirty="0"/>
+                    </a:p>
+                  </a:txBody>
+                  <a:tcPr/>
+                </a:tc>
+                <a:tc>
+                  <a:txBody>
+                    <a:bodyPr/>
+                    <a:lstStyle/>
+                    <a:p>
+                      <a:r>
+                        <a:rPr lang="en-GB" dirty="0" smtClean="0"/>
+                        <a:t>float[2]</a:t>
+                      </a:r>
+                      <a:endParaRPr lang="en-GB" dirty="0"/>
+                    </a:p>
+                  </a:txBody>
+                  <a:tcPr/>
+                </a:tc>
+                <a:tc>
+                  <a:txBody>
+                    <a:bodyPr/>
+                    <a:lstStyle/>
+                    <a:p>
+                      <a:r>
+                        <a:rPr lang="en-GB" smtClean="0"/>
+                        <a:t>(</a:t>
+                      </a:r>
+                      <a:r>
+                        <a:rPr lang="en-GB" dirty="0" err="1" smtClean="0"/>
+                        <a:t>lat</a:t>
+                      </a:r>
+                      <a:r>
+                        <a:rPr lang="en-GB" dirty="0" smtClean="0"/>
+                        <a:t>, </a:t>
+                      </a:r>
+                      <a:r>
+                        <a:rPr lang="en-GB" dirty="0" err="1" smtClean="0"/>
+                        <a:t>lon</a:t>
+                      </a:r>
+                      <a:r>
+                        <a:rPr lang="en-GB" dirty="0" smtClean="0"/>
+                        <a:t>)</a:t>
+                      </a:r>
+                      <a:endParaRPr lang="en-GB" dirty="0"/>
+                    </a:p>
+                  </a:txBody>
+                  <a:tcPr/>
+                </a:tc>
+              </a:tr>
+              <a:tr h="370840">
+                <a:tc>
+                  <a:txBody>
+                    <a:bodyPr/>
+                    <a:lstStyle/>
+                    <a:p>
+                      <a:r>
+                        <a:rPr lang="en-GB" dirty="0" err="1" smtClean="0"/>
+                        <a:t>PixelPos</a:t>
+                      </a:r>
+                      <a:endParaRPr lang="en-GB" dirty="0"/>
+                    </a:p>
+                  </a:txBody>
+                  <a:tcPr/>
+                </a:tc>
+                <a:tc>
+                  <a:txBody>
+                    <a:bodyPr/>
+                    <a:lstStyle/>
+                    <a:p>
+                      <a:r>
+                        <a:rPr lang="en-GB" dirty="0" smtClean="0"/>
+                        <a:t>float[2]</a:t>
+                      </a:r>
+                      <a:endParaRPr lang="en-GB" dirty="0"/>
+                    </a:p>
+                  </a:txBody>
+                  <a:tcPr/>
+                </a:tc>
+                <a:tc>
+                  <a:txBody>
+                    <a:bodyPr/>
+                    <a:lstStyle/>
+                    <a:p>
+                      <a:r>
+                        <a:rPr lang="en-GB" dirty="0" smtClean="0"/>
+                        <a:t>(x, y)</a:t>
+                      </a:r>
+                      <a:endParaRPr lang="en-GB" dirty="0"/>
+                    </a:p>
+                  </a:txBody>
+                  <a:tcPr/>
+                </a:tc>
+              </a:tr>
+              <a:tr h="370840">
+                <a:tc>
+                  <a:txBody>
+                    <a:bodyPr/>
+                    <a:lstStyle/>
+                    <a:p>
+                      <a:r>
+                        <a:rPr lang="en-GB" dirty="0" smtClean="0"/>
+                        <a:t>Point, Point2D</a:t>
+                      </a:r>
+                      <a:endParaRPr lang="en-GB" dirty="0"/>
+                    </a:p>
+                  </a:txBody>
+                  <a:tcPr/>
+                </a:tc>
+                <a:tc>
+                  <a:txBody>
+                    <a:bodyPr/>
+                    <a:lstStyle/>
+                    <a:p>
+                      <a:r>
+                        <a:rPr lang="en-GB" dirty="0" err="1" smtClean="0"/>
+                        <a:t>int</a:t>
+                      </a:r>
+                      <a:r>
+                        <a:rPr lang="en-GB" dirty="0" smtClean="0"/>
+                        <a:t>[2], float[2]</a:t>
+                      </a:r>
+                      <a:endParaRPr lang="en-GB" dirty="0"/>
+                    </a:p>
+                  </a:txBody>
+                  <a:tcPr/>
+                </a:tc>
+                <a:tc>
+                  <a:txBody>
+                    <a:bodyPr/>
+                    <a:lstStyle/>
+                    <a:p>
+                      <a:r>
+                        <a:rPr lang="en-GB" dirty="0" smtClean="0"/>
+                        <a:t>(x, y)</a:t>
+                      </a:r>
+                      <a:endParaRPr lang="en-GB" dirty="0"/>
+                    </a:p>
+                  </a:txBody>
+                  <a:tcPr/>
+                </a:tc>
+              </a:tr>
+              <a:tr h="370840">
+                <a:tc>
+                  <a:txBody>
+                    <a:bodyPr/>
+                    <a:lstStyle/>
+                    <a:p>
+                      <a:r>
+                        <a:rPr lang="en-GB" dirty="0" smtClean="0"/>
+                        <a:t>Rectangle, Rectangle2D</a:t>
+                      </a:r>
+                      <a:endParaRPr lang="en-GB" dirty="0"/>
+                    </a:p>
+                  </a:txBody>
+                  <a:tcPr/>
+                </a:tc>
+                <a:tc>
+                  <a:txBody>
+                    <a:bodyPr/>
+                    <a:lstStyle/>
+                    <a:p>
+                      <a:r>
+                        <a:rPr lang="en-GB" dirty="0" err="1" smtClean="0"/>
+                        <a:t>int</a:t>
+                      </a:r>
+                      <a:r>
+                        <a:rPr lang="en-GB" dirty="0" smtClean="0"/>
+                        <a:t>[4], float[4]</a:t>
+                      </a:r>
+                      <a:endParaRPr lang="en-GB" dirty="0"/>
+                    </a:p>
+                  </a:txBody>
+                  <a:tcPr/>
+                </a:tc>
+                <a:tc>
+                  <a:txBody>
+                    <a:bodyPr/>
+                    <a:lstStyle/>
+                    <a:p>
+                      <a:r>
+                        <a:rPr lang="en-GB" dirty="0" smtClean="0"/>
+                        <a:t>(x, y, w, h)</a:t>
+                      </a:r>
+                      <a:endParaRPr lang="en-GB" dirty="0"/>
+                    </a:p>
+                  </a:txBody>
+                  <a:tcPr/>
+                </a:tc>
+              </a:tr>
+            </a:tbl>
+          </a:graphicData>
+        </a:graphic>
+      </p:graphicFrame>
     </p:spTree>
     <p:extLst>
       <p:ext uri="{BB962C8B-B14F-4D97-AF65-F5344CB8AC3E}">
-        <p14:creationId xmlns:p14="http://schemas.microsoft.com/office/powerpoint/2010/main" val="1310829027"/>
+        <p14:creationId xmlns:p14="http://schemas.microsoft.com/office/powerpoint/2010/main" val="514377977"/>
       </p:ext>
     </p:extLst>
   </p:cSld>
@@ -4838,6 +5390,339 @@
           <a:p>
             <a:r>
               <a:rPr lang="en-GB" dirty="0" smtClean="0"/>
+              <a:t>Multithreading</a:t>
+            </a:r>
+            <a:endParaRPr lang="en-GB" dirty="0"/>
+          </a:p>
+        </p:txBody>
+      </p:sp>
+      <p:sp>
+        <p:nvSpPr>
+          <p:cNvPr id="3" name="Inhaltsplatzhalter 2"/>
+          <p:cNvSpPr>
+            <a:spLocks noGrp="1"/>
+          </p:cNvSpPr>
+          <p:nvPr>
+            <p:ph idx="1"/>
+          </p:nvPr>
+        </p:nvSpPr>
+        <p:spPr/>
+        <p:txBody>
+          <a:bodyPr>
+            <a:normAutofit lnSpcReduction="10000"/>
+          </a:bodyPr>
+          <a:lstStyle/>
+          <a:p>
+            <a:r>
+              <a:rPr lang="en-GB" dirty="0" smtClean="0"/>
+              <a:t>If BEAM Java calls into Python from multiple Java threads for executing e.g. a tile computation, we can consider</a:t>
+            </a:r>
+          </a:p>
+          <a:p>
+            <a:pPr lvl="1"/>
+            <a:r>
+              <a:rPr lang="en-GB" dirty="0" err="1" smtClean="0"/>
+              <a:t>PyThreadState</a:t>
+            </a:r>
+            <a:r>
+              <a:rPr lang="en-GB" dirty="0" smtClean="0"/>
+              <a:t>* </a:t>
+            </a:r>
+            <a:r>
+              <a:rPr lang="en-GB" dirty="0" err="1" smtClean="0"/>
+              <a:t>tstate</a:t>
+            </a:r>
+            <a:r>
+              <a:rPr lang="en-GB" dirty="0" smtClean="0"/>
+              <a:t>;</a:t>
+            </a:r>
+          </a:p>
+          <a:p>
+            <a:pPr lvl="1"/>
+            <a:r>
+              <a:rPr lang="en-GB" dirty="0" err="1" smtClean="0"/>
+              <a:t>tstate</a:t>
+            </a:r>
+            <a:r>
+              <a:rPr lang="en-GB" dirty="0" smtClean="0"/>
+              <a:t> = </a:t>
+            </a:r>
+            <a:r>
+              <a:rPr lang="en-GB" dirty="0" err="1"/>
+              <a:t>Py_NewInterpreter</a:t>
+            </a:r>
+            <a:r>
+              <a:rPr lang="en-GB" dirty="0" smtClean="0"/>
+              <a:t>();</a:t>
+            </a:r>
+          </a:p>
+          <a:p>
+            <a:pPr lvl="1"/>
+            <a:r>
+              <a:rPr lang="en-GB" dirty="0" smtClean="0"/>
+              <a:t>…</a:t>
+            </a:r>
+            <a:r>
+              <a:rPr lang="en-GB" i="1" dirty="0" smtClean="0"/>
+              <a:t> call into python code</a:t>
+            </a:r>
+          </a:p>
+          <a:p>
+            <a:pPr lvl="1"/>
+            <a:r>
+              <a:rPr lang="en-GB" dirty="0" err="1" smtClean="0"/>
+              <a:t>Py_EndInterpreter</a:t>
+            </a:r>
+            <a:r>
+              <a:rPr lang="en-GB" dirty="0" smtClean="0"/>
+              <a:t>(</a:t>
+            </a:r>
+            <a:r>
+              <a:rPr lang="en-GB" dirty="0" err="1" smtClean="0"/>
+              <a:t>tstate</a:t>
+            </a:r>
+            <a:r>
+              <a:rPr lang="en-GB" dirty="0" smtClean="0"/>
+              <a:t>);  </a:t>
+            </a:r>
+          </a:p>
+          <a:p>
+            <a:pPr marL="342900" lvl="1" indent="-342900">
+              <a:buFont typeface="Arial" pitchFamily="34" charset="0"/>
+              <a:buChar char="•"/>
+            </a:pPr>
+            <a:r>
+              <a:rPr lang="en-GB" dirty="0"/>
+              <a:t>See </a:t>
+            </a:r>
+            <a:r>
+              <a:rPr lang="en-GB" dirty="0" smtClean="0"/>
+              <a:t>“Initialization</a:t>
+            </a:r>
+            <a:r>
+              <a:rPr lang="en-GB" dirty="0"/>
+              <a:t>, Finalization, and </a:t>
+            </a:r>
+            <a:r>
+              <a:rPr lang="en-GB" dirty="0" smtClean="0"/>
+              <a:t>Threads” </a:t>
+            </a:r>
+            <a:r>
+              <a:rPr lang="en-GB" dirty="0"/>
+              <a:t>in Python/C API Reference Manual</a:t>
+            </a:r>
+          </a:p>
+          <a:p>
+            <a:pPr marL="0" indent="0">
+              <a:buNone/>
+            </a:pPr>
+            <a:endParaRPr lang="en-GB" dirty="0"/>
+          </a:p>
+        </p:txBody>
+      </p:sp>
+    </p:spTree>
+    <p:extLst>
+      <p:ext uri="{BB962C8B-B14F-4D97-AF65-F5344CB8AC3E}">
+        <p14:creationId xmlns:p14="http://schemas.microsoft.com/office/powerpoint/2010/main" val="183588086"/>
+      </p:ext>
+    </p:extLst>
+  </p:cSld>
+  <p:clrMapOvr>
+    <a:masterClrMapping/>
+  </p:clrMapOvr>
+  <p:timing>
+    <p:tnLst>
+      <p:par>
+        <p:cTn id="1" dur="indefinite" restart="never" nodeType="tmRoot"/>
+      </p:par>
+    </p:tnLst>
+  </p:timing>
+</p:sld>
+</file>
+
+<file path=ppt/slides/slide17.xml><?xml version="1.0" encoding="utf-8"?>
+<p:sld xmlns:a="http://schemas.openxmlformats.org/drawingml/2006/main" xmlns:r="http://schemas.openxmlformats.org/officeDocument/2006/relationships" xmlns:p="http://schemas.openxmlformats.org/presentationml/2006/main">
+  <p:cSld>
+    <p:spTree>
+      <p:nvGrpSpPr>
+        <p:cNvPr id="1" name=""/>
+        <p:cNvGrpSpPr/>
+        <p:nvPr/>
+      </p:nvGrpSpPr>
+      <p:grpSpPr>
+        <a:xfrm>
+          <a:off x="0" y="0"/>
+          <a:ext cx="0" cy="0"/>
+          <a:chOff x="0" y="0"/>
+          <a:chExt cx="0" cy="0"/>
+        </a:xfrm>
+      </p:grpSpPr>
+      <p:sp>
+        <p:nvSpPr>
+          <p:cNvPr id="2" name="Titel 1"/>
+          <p:cNvSpPr>
+            <a:spLocks noGrp="1"/>
+          </p:cNvSpPr>
+          <p:nvPr>
+            <p:ph type="title"/>
+          </p:nvPr>
+        </p:nvSpPr>
+        <p:spPr/>
+        <p:txBody>
+          <a:bodyPr/>
+          <a:lstStyle/>
+          <a:p>
+            <a:r>
+              <a:rPr lang="en-GB" dirty="0" smtClean="0"/>
+              <a:t>Alternatives (1/2)</a:t>
+            </a:r>
+            <a:endParaRPr lang="en-GB" dirty="0"/>
+          </a:p>
+        </p:txBody>
+      </p:sp>
+      <p:sp>
+        <p:nvSpPr>
+          <p:cNvPr id="3" name="Inhaltsplatzhalter 2"/>
+          <p:cNvSpPr>
+            <a:spLocks noGrp="1"/>
+          </p:cNvSpPr>
+          <p:nvPr>
+            <p:ph idx="1"/>
+          </p:nvPr>
+        </p:nvSpPr>
+        <p:spPr/>
+        <p:txBody>
+          <a:bodyPr/>
+          <a:lstStyle/>
+          <a:p>
+            <a:r>
+              <a:rPr lang="en-GB" b="1" dirty="0" err="1"/>
+              <a:t>Jep</a:t>
+            </a:r>
+            <a:r>
+              <a:rPr lang="en-GB" dirty="0"/>
+              <a:t> - Java Embedded Python</a:t>
+            </a:r>
+          </a:p>
+          <a:p>
+            <a:pPr lvl="1"/>
+            <a:r>
+              <a:rPr lang="en-GB" dirty="0" err="1"/>
+              <a:t>Jep</a:t>
+            </a:r>
+            <a:r>
+              <a:rPr lang="en-GB" dirty="0"/>
+              <a:t> embeds </a:t>
+            </a:r>
+            <a:r>
+              <a:rPr lang="en-GB" dirty="0" err="1"/>
+              <a:t>CPython</a:t>
+            </a:r>
+            <a:r>
+              <a:rPr lang="en-GB" dirty="0"/>
+              <a:t> in Java. It is safe to use in a heavily threaded environment, it is quite fast and its stability is a main feature and goal.</a:t>
+            </a:r>
+          </a:p>
+          <a:p>
+            <a:pPr lvl="1"/>
+            <a:r>
+              <a:rPr lang="en-GB" dirty="0" smtClean="0">
+                <a:hlinkClick r:id="rId2"/>
+              </a:rPr>
+              <a:t>https</a:t>
+            </a:r>
+            <a:r>
+              <a:rPr lang="en-GB" dirty="0">
+                <a:hlinkClick r:id="rId2"/>
+              </a:rPr>
+              <a:t>://</a:t>
+            </a:r>
+            <a:r>
+              <a:rPr lang="en-GB" dirty="0" smtClean="0">
+                <a:hlinkClick r:id="rId2"/>
+              </a:rPr>
+              <a:t>github.com/mrj0/jep</a:t>
+            </a:r>
+            <a:endParaRPr lang="en-GB" dirty="0" smtClean="0"/>
+          </a:p>
+          <a:p>
+            <a:pPr lvl="1"/>
+            <a:r>
+              <a:rPr lang="en-GB" dirty="0" smtClean="0"/>
+              <a:t>Check: can it be used to call Python from Java</a:t>
+            </a:r>
+          </a:p>
+          <a:p>
+            <a:pPr lvl="1"/>
+            <a:r>
+              <a:rPr lang="en-GB" dirty="0" smtClean="0"/>
+              <a:t>Check: No windows support</a:t>
+            </a:r>
+          </a:p>
+          <a:p>
+            <a:pPr lvl="1"/>
+            <a:r>
+              <a:rPr lang="en-GB" dirty="0" smtClean="0"/>
+              <a:t>Check: last activity 9 months ago</a:t>
+            </a:r>
+            <a:endParaRPr lang="en-GB" dirty="0"/>
+          </a:p>
+        </p:txBody>
+      </p:sp>
+    </p:spTree>
+    <p:extLst>
+      <p:ext uri="{BB962C8B-B14F-4D97-AF65-F5344CB8AC3E}">
+        <p14:creationId xmlns:p14="http://schemas.microsoft.com/office/powerpoint/2010/main" val="1310829027"/>
+      </p:ext>
+    </p:extLst>
+  </p:cSld>
+  <p:clrMapOvr>
+    <a:masterClrMapping/>
+  </p:clrMapOvr>
+  <p:timing>
+    <p:tnLst>
+      <p:par>
+        <p:cTn id="1" dur="indefinite" restart="never" nodeType="tmRoot"/>
+      </p:par>
+    </p:tnLst>
+  </p:timing>
+</p:sld>
+</file>
+
+<file path=ppt/slides/slide18.xml><?xml version="1.0" encoding="utf-8"?>
+<p:sld xmlns:a="http://schemas.openxmlformats.org/drawingml/2006/main" xmlns:r="http://schemas.openxmlformats.org/officeDocument/2006/relationships" xmlns:p="http://schemas.openxmlformats.org/presentationml/2006/main">
+  <p:cSld>
+    <p:spTree>
+      <p:nvGrpSpPr>
+        <p:cNvPr id="1" name=""/>
+        <p:cNvGrpSpPr/>
+        <p:nvPr/>
+      </p:nvGrpSpPr>
+      <p:grpSpPr>
+        <a:xfrm>
+          <a:off x="0" y="0"/>
+          <a:ext cx="0" cy="0"/>
+          <a:chOff x="0" y="0"/>
+          <a:chExt cx="0" cy="0"/>
+        </a:xfrm>
+      </p:grpSpPr>
+      <p:sp>
+        <p:nvSpPr>
+          <p:cNvPr id="2" name="Titel 1"/>
+          <p:cNvSpPr>
+            <a:spLocks noGrp="1"/>
+          </p:cNvSpPr>
+          <p:nvPr>
+            <p:ph type="title"/>
+          </p:nvPr>
+        </p:nvSpPr>
+        <p:spPr/>
+        <p:txBody>
+          <a:bodyPr/>
+          <a:lstStyle/>
+          <a:p>
+            <a:r>
+              <a:rPr lang="en-GB" dirty="0" smtClean="0"/>
               <a:t>Alternatives (2/2)</a:t>
             </a:r>
             <a:endParaRPr lang="en-GB" dirty="0"/>
@@ -4998,7 +5883,7 @@
 </p:sld>
 </file>
 
-<file path=ppt/slides/slide17.xml><?xml version="1.0" encoding="utf-8"?>
+<file path=ppt/slides/slide19.xml><?xml version="1.0" encoding="utf-8"?>
 <p:sld xmlns:a="http://schemas.openxmlformats.org/drawingml/2006/main" xmlns:r="http://schemas.openxmlformats.org/officeDocument/2006/relationships" xmlns:p="http://schemas.openxmlformats.org/presentationml/2006/main">
   <p:cSld>
     <p:spTree>
@@ -12834,12 +13719,42 @@
         </p:nvSpPr>
         <p:spPr/>
         <p:txBody>
-          <a:bodyPr/>
+          <a:bodyPr>
+            <a:normAutofit fontScale="90000"/>
+          </a:bodyPr>
           <a:lstStyle/>
           <a:p>
             <a:r>
-              <a:rPr lang="en-GB" dirty="0" smtClean="0"/>
-              <a:t>Generate C and Python Code</a:t>
+              <a:rPr lang="en-GB" dirty="0" err="1"/>
+              <a:t>PyObject</a:t>
+            </a:r>
+            <a:r>
+              <a:rPr lang="en-GB" dirty="0"/>
+              <a:t>* F(</a:t>
+            </a:r>
+            <a:r>
+              <a:rPr lang="en-GB" dirty="0" err="1"/>
+              <a:t>PyObject</a:t>
+            </a:r>
+            <a:r>
+              <a:rPr lang="en-GB" dirty="0"/>
+              <a:t>* self, </a:t>
+            </a:r>
+            <a:r>
+              <a:rPr lang="en-GB" dirty="0" err="1"/>
+              <a:t>PyObject</a:t>
+            </a:r>
+            <a:r>
+              <a:rPr lang="en-GB" dirty="0"/>
+              <a:t> * </a:t>
+            </a:r>
+            <a:r>
+              <a:rPr lang="en-GB" dirty="0" err="1"/>
+              <a:t>args</a:t>
+            </a:r>
+            <a:r>
+              <a:rPr lang="en-GB" dirty="0" smtClean="0"/>
+              <a:t>)</a:t>
             </a:r>
             <a:endParaRPr lang="en-GB" dirty="0"/>
           </a:p>
@@ -12858,82 +13773,242 @@
         <p:spPr/>
         <p:txBody>
           <a:bodyPr>
-            <a:normAutofit fontScale="85000" lnSpcReduction="20000"/>
+            <a:normAutofit fontScale="62500" lnSpcReduction="20000"/>
           </a:bodyPr>
           <a:lstStyle/>
           <a:p>
-            <a:r>
-              <a:rPr lang="en-GB" dirty="0" smtClean="0"/>
-              <a:t>Create a compiler that generates the C and Python glue code</a:t>
-            </a:r>
-          </a:p>
-          <a:p>
-            <a:r>
-              <a:rPr lang="en-GB" dirty="0" smtClean="0"/>
-              <a:t>Pro</a:t>
-            </a:r>
-          </a:p>
-          <a:p>
-            <a:pPr lvl="1"/>
-            <a:r>
-              <a:rPr lang="en-GB" dirty="0" smtClean="0"/>
-              <a:t>Java API changes easily translate into Python/C code</a:t>
-            </a:r>
-          </a:p>
-          <a:p>
-            <a:pPr lvl="1"/>
-            <a:r>
-              <a:rPr lang="en-GB" dirty="0" smtClean="0"/>
-              <a:t>Also documentation can be generated from Java sources </a:t>
-            </a:r>
-          </a:p>
-          <a:p>
-            <a:pPr lvl="1"/>
-            <a:r>
-              <a:rPr lang="en-GB" dirty="0" smtClean="0"/>
-              <a:t>Code production can be automated</a:t>
-            </a:r>
-          </a:p>
-          <a:p>
-            <a:pPr lvl="1"/>
-            <a:r>
-              <a:rPr lang="en-GB" dirty="0" smtClean="0"/>
-              <a:t>Bugs are fixed in the compiler code, not in glue code</a:t>
-            </a:r>
-          </a:p>
-          <a:p>
-            <a:pPr lvl="1"/>
-            <a:r>
-              <a:rPr lang="en-GB" dirty="0" smtClean="0"/>
-              <a:t>Also test code might be generated</a:t>
-            </a:r>
-          </a:p>
-          <a:p>
-            <a:r>
-              <a:rPr lang="en-GB" dirty="0" smtClean="0"/>
-              <a:t>Contra</a:t>
-            </a:r>
-          </a:p>
-          <a:p>
-            <a:pPr lvl="1"/>
-            <a:r>
-              <a:rPr lang="en-GB" dirty="0" smtClean="0"/>
-              <a:t>It might take a long time to develop a mature compiler</a:t>
-            </a:r>
-          </a:p>
-          <a:p>
-            <a:pPr lvl="1"/>
-            <a:r>
-              <a:rPr lang="en-GB" dirty="0" smtClean="0"/>
-              <a:t>There might be a number of exceptions from rules</a:t>
-            </a:r>
+            <a:pPr marL="514350" indent="-514350">
+              <a:buFont typeface="+mj-lt"/>
+              <a:buAutoNum type="arabicPeriod"/>
+            </a:pPr>
+            <a:r>
+              <a:rPr lang="en-GB" dirty="0" smtClean="0"/>
+              <a:t>declare local variables:</a:t>
+            </a:r>
+          </a:p>
+          <a:p>
+            <a:pPr marL="914400" lvl="1" indent="-514350">
+              <a:buFont typeface="+mj-lt"/>
+              <a:buAutoNum type="arabicPeriod"/>
+            </a:pPr>
+            <a:r>
+              <a:rPr lang="en-GB" dirty="0" smtClean="0"/>
+              <a:t>declare python </a:t>
+            </a:r>
+            <a:r>
+              <a:rPr lang="en-GB" dirty="0" err="1" smtClean="0"/>
+              <a:t>args</a:t>
+            </a:r>
+            <a:r>
+              <a:rPr lang="en-GB" dirty="0" smtClean="0"/>
+              <a:t> </a:t>
+            </a:r>
+          </a:p>
+          <a:p>
+            <a:pPr marL="914400" lvl="1" indent="-514350">
+              <a:buFont typeface="+mj-lt"/>
+              <a:buAutoNum type="arabicPeriod"/>
+            </a:pPr>
+            <a:r>
+              <a:rPr lang="en-GB" dirty="0"/>
+              <a:t>declare python return value</a:t>
+            </a:r>
+          </a:p>
+          <a:p>
+            <a:pPr marL="914400" lvl="1" indent="-514350">
+              <a:buFont typeface="+mj-lt"/>
+              <a:buAutoNum type="arabicPeriod"/>
+            </a:pPr>
+            <a:r>
+              <a:rPr lang="en-GB" dirty="0" smtClean="0"/>
+              <a:t>declare java self</a:t>
+            </a:r>
+          </a:p>
+          <a:p>
+            <a:pPr marL="914400" lvl="1" indent="-514350">
+              <a:buFont typeface="+mj-lt"/>
+              <a:buAutoNum type="arabicPeriod"/>
+            </a:pPr>
+            <a:r>
+              <a:rPr lang="en-GB" dirty="0" smtClean="0"/>
+              <a:t>declare java </a:t>
+            </a:r>
+            <a:r>
+              <a:rPr lang="en-GB" dirty="0" err="1" smtClean="0"/>
+              <a:t>args</a:t>
+            </a:r>
+            <a:endParaRPr lang="en-GB" dirty="0" smtClean="0"/>
+          </a:p>
+          <a:p>
+            <a:pPr marL="914400" lvl="1" indent="-514350">
+              <a:buFont typeface="+mj-lt"/>
+              <a:buAutoNum type="arabicPeriod"/>
+            </a:pPr>
+            <a:r>
+              <a:rPr lang="en-GB" dirty="0" smtClean="0"/>
+              <a:t>declare java return value</a:t>
+            </a:r>
+          </a:p>
+          <a:p>
+            <a:pPr marL="514350" indent="-514350">
+              <a:buFont typeface="+mj-lt"/>
+              <a:buAutoNum type="arabicPeriod"/>
+            </a:pPr>
+            <a:r>
+              <a:rPr lang="en-GB" dirty="0" smtClean="0"/>
+              <a:t>parse python </a:t>
+            </a:r>
+            <a:r>
+              <a:rPr lang="en-GB" dirty="0" err="1" smtClean="0"/>
+              <a:t>args</a:t>
+            </a:r>
+            <a:endParaRPr lang="en-GB" dirty="0" smtClean="0"/>
+          </a:p>
+          <a:p>
+            <a:pPr marL="514350" indent="-514350">
+              <a:buFont typeface="+mj-lt"/>
+              <a:buAutoNum type="arabicPeriod"/>
+            </a:pPr>
+            <a:r>
+              <a:rPr lang="en-GB" dirty="0"/>
+              <a:t>transform python </a:t>
+            </a:r>
+            <a:r>
+              <a:rPr lang="en-GB" dirty="0" err="1"/>
+              <a:t>args</a:t>
+            </a:r>
+            <a:r>
+              <a:rPr lang="en-GB" dirty="0"/>
+              <a:t> to java </a:t>
+            </a:r>
+            <a:r>
+              <a:rPr lang="en-GB" dirty="0" err="1"/>
+              <a:t>args</a:t>
+            </a:r>
+            <a:endParaRPr lang="en-GB" dirty="0"/>
+          </a:p>
+          <a:p>
+            <a:pPr marL="514350" indent="-514350">
+              <a:buFont typeface="+mj-lt"/>
+              <a:buAutoNum type="arabicPeriod"/>
+            </a:pPr>
+            <a:r>
+              <a:rPr lang="en-GB" dirty="0" smtClean="0"/>
+              <a:t>transform </a:t>
+            </a:r>
+            <a:r>
+              <a:rPr lang="en-GB" dirty="0"/>
+              <a:t>python self to java self</a:t>
+            </a:r>
+          </a:p>
+          <a:p>
+            <a:pPr marL="514350" indent="-514350">
+              <a:buFont typeface="+mj-lt"/>
+              <a:buAutoNum type="arabicPeriod"/>
+            </a:pPr>
+            <a:r>
+              <a:rPr lang="en-GB" dirty="0" smtClean="0"/>
+              <a:t>java return value = java self </a:t>
+            </a:r>
+            <a:r>
+              <a:rPr lang="en-GB" dirty="0" smtClean="0">
+                <a:sym typeface="Wingdings" pitchFamily="2" charset="2"/>
+              </a:rPr>
+              <a:t> </a:t>
+            </a:r>
+            <a:r>
+              <a:rPr lang="en-GB" dirty="0" err="1" smtClean="0"/>
+              <a:t>F</a:t>
+            </a:r>
+            <a:r>
+              <a:rPr lang="en-GB" sz="2600" baseline="-25000" dirty="0" err="1" smtClean="0"/>
+              <a:t>Java</a:t>
+            </a:r>
+            <a:r>
+              <a:rPr lang="en-GB" dirty="0" smtClean="0"/>
+              <a:t>(java </a:t>
+            </a:r>
+            <a:r>
+              <a:rPr lang="en-GB" dirty="0" err="1" smtClean="0"/>
+              <a:t>args</a:t>
+            </a:r>
+            <a:r>
+              <a:rPr lang="en-GB" dirty="0" smtClean="0"/>
+              <a:t>)</a:t>
+            </a:r>
+          </a:p>
+          <a:p>
+            <a:pPr marL="514350" indent="-514350">
+              <a:buFont typeface="+mj-lt"/>
+              <a:buAutoNum type="arabicPeriod"/>
+            </a:pPr>
+            <a:r>
+              <a:rPr lang="en-GB" dirty="0" smtClean="0"/>
+              <a:t>transform java return value to python return value</a:t>
+            </a:r>
+          </a:p>
+          <a:p>
+            <a:pPr marL="514350" indent="-514350">
+              <a:buFont typeface="+mj-lt"/>
+              <a:buAutoNum type="arabicPeriod"/>
+            </a:pPr>
+            <a:r>
+              <a:rPr lang="en-GB" dirty="0"/>
+              <a:t>clean-up java </a:t>
+            </a:r>
+            <a:r>
+              <a:rPr lang="en-GB" dirty="0" smtClean="0"/>
+              <a:t>self</a:t>
+            </a:r>
+            <a:endParaRPr lang="en-GB" dirty="0"/>
+          </a:p>
+          <a:p>
+            <a:pPr marL="514350" indent="-514350">
+              <a:buFont typeface="+mj-lt"/>
+              <a:buAutoNum type="arabicPeriod"/>
+            </a:pPr>
+            <a:r>
+              <a:rPr lang="en-GB" dirty="0"/>
+              <a:t>clean-up java </a:t>
+            </a:r>
+            <a:r>
+              <a:rPr lang="en-GB" dirty="0" err="1"/>
+              <a:t>args</a:t>
+            </a:r>
+            <a:endParaRPr lang="en-GB" dirty="0"/>
+          </a:p>
+          <a:p>
+            <a:pPr marL="514350" indent="-514350">
+              <a:buFont typeface="+mj-lt"/>
+              <a:buAutoNum type="arabicPeriod"/>
+            </a:pPr>
+            <a:r>
+              <a:rPr lang="en-GB" dirty="0" smtClean="0"/>
+              <a:t>clean-up java return value</a:t>
+            </a:r>
+          </a:p>
+          <a:p>
+            <a:pPr marL="514350" indent="-514350">
+              <a:buFont typeface="+mj-lt"/>
+              <a:buAutoNum type="arabicPeriod"/>
+            </a:pPr>
+            <a:r>
+              <a:rPr lang="en-GB" dirty="0" smtClean="0"/>
+              <a:t>return python return value</a:t>
+            </a:r>
+          </a:p>
+          <a:p>
+            <a:pPr marL="0" indent="0">
+              <a:buNone/>
+            </a:pPr>
+            <a:endParaRPr lang="en-GB" dirty="0"/>
           </a:p>
         </p:txBody>
       </p:sp>
     </p:spTree>
     <p:extLst>
       <p:ext uri="{BB962C8B-B14F-4D97-AF65-F5344CB8AC3E}">
-        <p14:creationId xmlns:p14="http://schemas.microsoft.com/office/powerpoint/2010/main" val="3643622142"/>
+        <p14:creationId xmlns:p14="http://schemas.microsoft.com/office/powerpoint/2010/main" val="2446221413"/>
       </p:ext>
     </p:extLst>
   </p:cSld>
@@ -12984,7 +14059,7 @@
           <a:p>
             <a:r>
               <a:rPr lang="en-GB" dirty="0" smtClean="0"/>
-              <a:t>Compiler Design Issues</a:t>
+              <a:t>Generate C and Python Code</a:t>
             </a:r>
             <a:endParaRPr lang="en-GB" dirty="0"/>
           </a:p>
@@ -13009,75 +14084,68 @@
           <a:p>
             <a:r>
               <a:rPr lang="en-GB" dirty="0" smtClean="0"/>
-              <a:t>In order to avoid binding of all Java code,</a:t>
+              <a:t>Create a compiler that generates the C and Python glue code</a:t>
+            </a:r>
+          </a:p>
+          <a:p>
+            <a:r>
+              <a:rPr lang="en-GB" dirty="0" smtClean="0"/>
+              <a:t>Pro</a:t>
             </a:r>
           </a:p>
           <a:p>
             <a:pPr lvl="1"/>
             <a:r>
               <a:rPr lang="en-GB" dirty="0" smtClean="0"/>
-              <a:t>define a list of types for which code shall be generated (Product, Band, </a:t>
-            </a:r>
-            <a:r>
-              <a:rPr lang="en-GB" dirty="0" err="1" smtClean="0"/>
-              <a:t>TiePointGrid</a:t>
-            </a:r>
-            <a:r>
-              <a:rPr lang="en-GB" dirty="0" smtClean="0"/>
-              <a:t>, …)</a:t>
+              <a:t>Java API changes easily translate into Python/C code</a:t>
             </a:r>
           </a:p>
           <a:p>
             <a:pPr lvl="1"/>
             <a:r>
-              <a:rPr lang="en-GB" dirty="0"/>
-              <a:t>f</a:t>
-            </a:r>
-            <a:r>
-              <a:rPr lang="en-GB" dirty="0" smtClean="0"/>
-              <a:t>or some types or single methods, we will provide hand-written code (File, String, …)</a:t>
-            </a:r>
-            <a:endParaRPr lang="en-GB" dirty="0"/>
+              <a:rPr lang="en-GB" dirty="0" smtClean="0"/>
+              <a:t>Also documentation can be generated from Java sources </a:t>
+            </a:r>
           </a:p>
           <a:p>
             <a:pPr lvl="1"/>
             <a:r>
               <a:rPr lang="en-GB" dirty="0" smtClean="0"/>
-              <a:t>methods that have types in their signature, that are not in this list, will not be translated</a:t>
-            </a:r>
-          </a:p>
-          <a:p>
-            <a:r>
-              <a:rPr lang="en-GB" dirty="0" smtClean="0"/>
-              <a:t>consider </a:t>
-            </a:r>
-            <a:r>
-              <a:rPr lang="en-GB" dirty="0" err="1" smtClean="0"/>
-              <a:t>javacc</a:t>
-            </a:r>
-            <a:r>
-              <a:rPr lang="en-GB" dirty="0" smtClean="0"/>
-              <a:t> to do the job</a:t>
-            </a:r>
-          </a:p>
-          <a:p>
-            <a:r>
-              <a:rPr lang="en-GB" dirty="0" smtClean="0"/>
-              <a:t>consider Java annotations to control code generation (e.g. parameter annotations @In, @Out, @</a:t>
-            </a:r>
-            <a:r>
-              <a:rPr lang="en-GB" dirty="0" err="1" smtClean="0"/>
-              <a:t>InOut</a:t>
-            </a:r>
-            <a:r>
-              <a:rPr lang="en-GB" dirty="0" smtClean="0"/>
-              <a:t>)</a:t>
-            </a:r>
-          </a:p>
-          <a:p>
-            <a:r>
-              <a:rPr lang="en-GB" dirty="0" smtClean="0"/>
-              <a:t>code generation might be done through patterns, e.g. implemented by velocity templates</a:t>
+              <a:t>Code production can be automated</a:t>
+            </a:r>
+          </a:p>
+          <a:p>
+            <a:pPr lvl="1"/>
+            <a:r>
+              <a:rPr lang="en-GB" dirty="0" smtClean="0"/>
+              <a:t>Bugs are fixed in the compiler code, not in glue code</a:t>
+            </a:r>
+          </a:p>
+          <a:p>
+            <a:pPr lvl="1"/>
+            <a:r>
+              <a:rPr lang="en-GB" dirty="0" smtClean="0"/>
+              <a:t>Also test code might be generated</a:t>
+            </a:r>
+          </a:p>
+          <a:p>
+            <a:r>
+              <a:rPr lang="en-GB" dirty="0" smtClean="0"/>
+              <a:t>Contra</a:t>
+            </a:r>
+          </a:p>
+          <a:p>
+            <a:pPr lvl="1"/>
+            <a:r>
+              <a:rPr lang="en-GB" dirty="0" smtClean="0"/>
+              <a:t>It might take a long time to develop a mature compiler</a:t>
+            </a:r>
+          </a:p>
+          <a:p>
+            <a:pPr lvl="1"/>
+            <a:r>
+              <a:rPr lang="en-GB" dirty="0" smtClean="0"/>
+              <a:t>There might be a number of exceptions from rules</a:t>
             </a:r>
           </a:p>
         </p:txBody>
@@ -13085,7 +14153,7 @@
     </p:spTree>
     <p:extLst>
       <p:ext uri="{BB962C8B-B14F-4D97-AF65-F5344CB8AC3E}">
-        <p14:creationId xmlns:p14="http://schemas.microsoft.com/office/powerpoint/2010/main" val="1053306664"/>
+        <p14:creationId xmlns:p14="http://schemas.microsoft.com/office/powerpoint/2010/main" val="3643622142"/>
       </p:ext>
     </p:extLst>
   </p:cSld>

--- a/docs/beam-extapi.pptx
+++ b/docs/beam-extapi.pptx
@@ -16,16 +16,17 @@
     <p:sldId id="279" r:id="rId10"/>
     <p:sldId id="281" r:id="rId11"/>
     <p:sldId id="280" r:id="rId12"/>
-    <p:sldId id="265" r:id="rId13"/>
-    <p:sldId id="267" r:id="rId14"/>
-    <p:sldId id="266" r:id="rId15"/>
-    <p:sldId id="268" r:id="rId16"/>
-    <p:sldId id="272" r:id="rId17"/>
-    <p:sldId id="275" r:id="rId18"/>
-    <p:sldId id="274" r:id="rId19"/>
-    <p:sldId id="269" r:id="rId20"/>
-    <p:sldId id="270" r:id="rId21"/>
-    <p:sldId id="273" r:id="rId22"/>
+    <p:sldId id="282" r:id="rId13"/>
+    <p:sldId id="265" r:id="rId14"/>
+    <p:sldId id="267" r:id="rId15"/>
+    <p:sldId id="266" r:id="rId16"/>
+    <p:sldId id="268" r:id="rId17"/>
+    <p:sldId id="272" r:id="rId18"/>
+    <p:sldId id="275" r:id="rId19"/>
+    <p:sldId id="274" r:id="rId20"/>
+    <p:sldId id="269" r:id="rId21"/>
+    <p:sldId id="270" r:id="rId22"/>
+    <p:sldId id="273" r:id="rId23"/>
   </p:sldIdLst>
   <p:sldSz cx="9144000" cy="6858000" type="screen4x3"/>
   <p:notesSz cx="6858000" cy="9144000"/>
@@ -308,7 +309,7 @@
           <a:p>
             <a:fld id="{1BA50D42-C9CD-4801-B293-61D1F53EC57E}" type="datetimeFigureOut">
               <a:rPr lang="de-DE" smtClean="0"/>
-              <a:t>01.05.2013</a:t>
+              <a:t>06.06.2013</a:t>
             </a:fld>
             <a:endParaRPr lang="de-DE"/>
           </a:p>
@@ -473,7 +474,7 @@
           <a:p>
             <a:fld id="{1BA50D42-C9CD-4801-B293-61D1F53EC57E}" type="datetimeFigureOut">
               <a:rPr lang="de-DE" smtClean="0"/>
-              <a:t>01.05.2013</a:t>
+              <a:t>06.06.2013</a:t>
             </a:fld>
             <a:endParaRPr lang="de-DE"/>
           </a:p>
@@ -648,7 +649,7 @@
           <a:p>
             <a:fld id="{1BA50D42-C9CD-4801-B293-61D1F53EC57E}" type="datetimeFigureOut">
               <a:rPr lang="de-DE" smtClean="0"/>
-              <a:t>01.05.2013</a:t>
+              <a:t>06.06.2013</a:t>
             </a:fld>
             <a:endParaRPr lang="de-DE"/>
           </a:p>
@@ -813,7 +814,7 @@
           <a:p>
             <a:fld id="{1BA50D42-C9CD-4801-B293-61D1F53EC57E}" type="datetimeFigureOut">
               <a:rPr lang="de-DE" smtClean="0"/>
-              <a:t>01.05.2013</a:t>
+              <a:t>06.06.2013</a:t>
             </a:fld>
             <a:endParaRPr lang="de-DE"/>
           </a:p>
@@ -1054,7 +1055,7 @@
           <a:p>
             <a:fld id="{1BA50D42-C9CD-4801-B293-61D1F53EC57E}" type="datetimeFigureOut">
               <a:rPr lang="de-DE" smtClean="0"/>
-              <a:t>01.05.2013</a:t>
+              <a:t>06.06.2013</a:t>
             </a:fld>
             <a:endParaRPr lang="de-DE"/>
           </a:p>
@@ -1337,7 +1338,7 @@
           <a:p>
             <a:fld id="{1BA50D42-C9CD-4801-B293-61D1F53EC57E}" type="datetimeFigureOut">
               <a:rPr lang="de-DE" smtClean="0"/>
-              <a:t>01.05.2013</a:t>
+              <a:t>06.06.2013</a:t>
             </a:fld>
             <a:endParaRPr lang="de-DE"/>
           </a:p>
@@ -1754,7 +1755,7 @@
           <a:p>
             <a:fld id="{1BA50D42-C9CD-4801-B293-61D1F53EC57E}" type="datetimeFigureOut">
               <a:rPr lang="de-DE" smtClean="0"/>
-              <a:t>01.05.2013</a:t>
+              <a:t>06.06.2013</a:t>
             </a:fld>
             <a:endParaRPr lang="de-DE"/>
           </a:p>
@@ -1867,7 +1868,7 @@
           <a:p>
             <a:fld id="{1BA50D42-C9CD-4801-B293-61D1F53EC57E}" type="datetimeFigureOut">
               <a:rPr lang="de-DE" smtClean="0"/>
-              <a:t>01.05.2013</a:t>
+              <a:t>06.06.2013</a:t>
             </a:fld>
             <a:endParaRPr lang="de-DE"/>
           </a:p>
@@ -1957,7 +1958,7 @@
           <a:p>
             <a:fld id="{1BA50D42-C9CD-4801-B293-61D1F53EC57E}" type="datetimeFigureOut">
               <a:rPr lang="de-DE" smtClean="0"/>
-              <a:t>01.05.2013</a:t>
+              <a:t>06.06.2013</a:t>
             </a:fld>
             <a:endParaRPr lang="de-DE"/>
           </a:p>
@@ -2229,7 +2230,7 @@
           <a:p>
             <a:fld id="{1BA50D42-C9CD-4801-B293-61D1F53EC57E}" type="datetimeFigureOut">
               <a:rPr lang="de-DE" smtClean="0"/>
-              <a:t>01.05.2013</a:t>
+              <a:t>06.06.2013</a:t>
             </a:fld>
             <a:endParaRPr lang="de-DE"/>
           </a:p>
@@ -2477,7 +2478,7 @@
           <a:p>
             <a:fld id="{1BA50D42-C9CD-4801-B293-61D1F53EC57E}" type="datetimeFigureOut">
               <a:rPr lang="de-DE" smtClean="0"/>
-              <a:t>01.05.2013</a:t>
+              <a:t>06.06.2013</a:t>
             </a:fld>
             <a:endParaRPr lang="de-DE"/>
           </a:p>
@@ -2685,7 +2686,7 @@
           <a:p>
             <a:fld id="{1BA50D42-C9CD-4801-B293-61D1F53EC57E}" type="datetimeFigureOut">
               <a:rPr lang="de-DE" smtClean="0"/>
-              <a:t>01.05.2013</a:t>
+              <a:t>06.06.2013</a:t>
             </a:fld>
             <a:endParaRPr lang="de-DE"/>
           </a:p>
@@ -3185,7 +3186,7 @@
           <p:nvPr>
             <p:extLst>
               <p:ext uri="{D42A27DB-BD31-4B8C-83A1-F6EECF244321}">
-                <p14:modId xmlns:p14="http://schemas.microsoft.com/office/powerpoint/2010/main" val="62561767"/>
+                <p14:modId xmlns:p14="http://schemas.microsoft.com/office/powerpoint/2010/main" val="2906543029"/>
               </p:ext>
             </p:extLst>
           </p:nvPr>
@@ -4060,16 +4061,6 @@
                         </a:rPr>
                         <a:t>;</a:t>
                       </a:r>
-                      <a:endParaRPr lang="en-GB" sz="1200" kern="1200" dirty="0" smtClean="0">
-                        <a:solidFill>
-                          <a:schemeClr val="accent1">
-                            <a:lumMod val="75000"/>
-                          </a:schemeClr>
-                        </a:solidFill>
-                        <a:latin typeface="+mn-lt"/>
-                        <a:ea typeface="+mn-ea"/>
-                        <a:cs typeface="+mn-cs"/>
-                      </a:endParaRPr>
                     </a:p>
                   </a:txBody>
                   <a:tcPr/>
@@ -4229,12 +4220,15 @@
                         <a:t>Declare </a:t>
                       </a:r>
                       <a:r>
-                        <a:rPr lang="en-GB" sz="1400" b="1" dirty="0" smtClean="0">
+                        <a:rPr lang="en-GB" sz="1400" b="1" kern="1200" dirty="0" smtClean="0">
                           <a:solidFill>
                             <a:schemeClr val="accent6">
                               <a:lumMod val="50000"/>
                             </a:schemeClr>
                           </a:solidFill>
+                          <a:latin typeface="+mn-lt"/>
+                          <a:ea typeface="+mn-ea"/>
+                          <a:cs typeface="+mn-cs"/>
                         </a:rPr>
                         <a:t>Java</a:t>
                       </a:r>
@@ -4693,14 +4687,14 @@
           <p:nvPr>
             <p:extLst>
               <p:ext uri="{D42A27DB-BD31-4B8C-83A1-F6EECF244321}">
-                <p14:modId xmlns:p14="http://schemas.microsoft.com/office/powerpoint/2010/main" val="3483966802"/>
+                <p14:modId xmlns:p14="http://schemas.microsoft.com/office/powerpoint/2010/main" val="1281726940"/>
               </p:ext>
             </p:extLst>
           </p:nvPr>
         </p:nvGraphicFramePr>
         <p:xfrm>
           <a:off x="4211959" y="1412776"/>
-          <a:ext cx="4752527" cy="5105400"/>
+          <a:ext cx="4752527" cy="5410200"/>
         </p:xfrm>
         <a:graphic>
           <a:graphicData uri="http://schemas.openxmlformats.org/drawingml/2006/table">
@@ -4740,7 +4734,6 @@
                         <a:rPr lang="en-GB" sz="1400" dirty="0" smtClean="0"/>
                         <a:t>5a</a:t>
                       </a:r>
-                      <a:endParaRPr lang="en-GB" sz="1400" dirty="0" smtClean="0"/>
                     </a:p>
                   </a:txBody>
                   <a:tcPr/>
@@ -4790,7 +4783,7 @@
                       </a:r>
                       <a:r>
                         <a:rPr lang="en-GB" sz="1400" dirty="0" smtClean="0"/>
-                        <a:t>arguments</a:t>
+                        <a:t>arguments from parsed parameters</a:t>
                       </a:r>
                       <a:endParaRPr lang="en-GB" sz="1400" dirty="0" smtClean="0"/>
                     </a:p>
@@ -5157,16 +5150,6 @@
                         </a:rPr>
                         <a:t>);</a:t>
                       </a:r>
-                      <a:endParaRPr lang="en-GB" sz="1200" kern="1200" dirty="0" smtClean="0">
-                        <a:solidFill>
-                          <a:schemeClr val="accent1">
-                            <a:lumMod val="75000"/>
-                          </a:schemeClr>
-                        </a:solidFill>
-                        <a:latin typeface="+mn-lt"/>
-                        <a:ea typeface="+mn-ea"/>
-                        <a:cs typeface="+mn-cs"/>
-                      </a:endParaRPr>
                     </a:p>
                   </a:txBody>
                   <a:tcPr/>
@@ -5199,7 +5182,6 @@
                         <a:rPr lang="en-GB" sz="1400" dirty="0" smtClean="0"/>
                         <a:t>5b</a:t>
                       </a:r>
-                      <a:endParaRPr lang="en-GB" sz="1400" dirty="0" smtClean="0"/>
                     </a:p>
                   </a:txBody>
                   <a:tcPr/>
@@ -5228,7 +5210,24 @@
                       </a:pPr>
                       <a:r>
                         <a:rPr lang="en-GB" sz="1400" dirty="0" smtClean="0"/>
-                        <a:t>Transform </a:t>
+                        <a:t>Assign  </a:t>
+                      </a:r>
+                      <a:r>
+                        <a:rPr lang="en-GB" sz="1400" b="1" kern="1200" dirty="0" smtClean="0">
+                          <a:solidFill>
+                            <a:schemeClr val="accent6">
+                              <a:lumMod val="50000"/>
+                            </a:schemeClr>
+                          </a:solidFill>
+                          <a:latin typeface="+mn-lt"/>
+                          <a:ea typeface="+mn-ea"/>
+                          <a:cs typeface="+mn-cs"/>
+                        </a:rPr>
+                        <a:t>Java</a:t>
+                      </a:r>
+                      <a:r>
+                        <a:rPr lang="en-GB" sz="1400" dirty="0" smtClean="0"/>
+                        <a:t> arguments from transformed </a:t>
                       </a:r>
                       <a:r>
                         <a:rPr lang="en-GB" sz="1400" b="1" kern="1200" dirty="0" err="1" smtClean="0">
@@ -5244,30 +5243,23 @@
                         <a:t>Py</a:t>
                       </a:r>
                       <a:r>
-                        <a:rPr lang="en-GB" sz="1400" baseline="0" dirty="0" smtClean="0"/>
+                        <a:rPr lang="en-GB" sz="1400" b="1" kern="1200" dirty="0" smtClean="0">
+                          <a:solidFill>
+                            <a:schemeClr val="accent2">
+                              <a:lumMod val="50000"/>
+                            </a:schemeClr>
+                          </a:solidFill>
+                          <a:latin typeface="+mn-lt"/>
+                          <a:ea typeface="+mn-ea"/>
+                          <a:cs typeface="+mn-cs"/>
+                        </a:rPr>
                         <a:t> </a:t>
                       </a:r>
                       <a:r>
                         <a:rPr lang="en-GB" sz="1400" dirty="0" smtClean="0"/>
-                        <a:t>to </a:t>
-                      </a:r>
-                      <a:r>
-                        <a:rPr lang="en-GB" sz="1400" b="1" kern="1200" dirty="0" smtClean="0">
-                          <a:solidFill>
-                            <a:schemeClr val="accent6">
-                              <a:lumMod val="50000"/>
-                            </a:schemeClr>
-                          </a:solidFill>
-                          <a:latin typeface="+mn-lt"/>
-                          <a:ea typeface="+mn-ea"/>
-                          <a:cs typeface="+mn-cs"/>
-                        </a:rPr>
-                        <a:t>Java</a:t>
-                      </a:r>
-                      <a:r>
-                        <a:rPr lang="en-GB" sz="1400" dirty="0" smtClean="0"/>
-                        <a:t> arguments</a:t>
-                      </a:r>
+                        <a:t>arguments </a:t>
+                      </a:r>
+                      <a:endParaRPr lang="en-GB" sz="1400" dirty="0" smtClean="0"/>
                     </a:p>
                   </a:txBody>
                   <a:tcPr/>
@@ -5318,7 +5310,20 @@
                           <a:ea typeface="+mn-ea"/>
                           <a:cs typeface="+mn-cs"/>
                         </a:rPr>
-                        <a:t> = </a:t>
+                        <a:t> = p2jObject(</a:t>
+                      </a:r>
+                      <a:r>
+                        <a:rPr lang="en-GB" sz="1200" kern="1200" dirty="0" err="1" smtClean="0">
+                          <a:solidFill>
+                            <a:schemeClr val="accent1">
+                              <a:lumMod val="75000"/>
+                            </a:schemeClr>
+                          </a:solidFill>
+                          <a:latin typeface="+mn-lt"/>
+                          <a:ea typeface="+mn-ea"/>
+                          <a:cs typeface="+mn-cs"/>
+                        </a:rPr>
+                        <a:t>selfT</a:t>
                       </a:r>
                       <a:r>
                         <a:rPr lang="en-GB" sz="1200" kern="1200" dirty="0" smtClean="0">
@@ -5331,7 +5336,7 @@
                           <a:ea typeface="+mn-ea"/>
                           <a:cs typeface="+mn-cs"/>
                         </a:rPr>
-                        <a:t>p2jObject(</a:t>
+                        <a:t>, </a:t>
                       </a:r>
                       <a:r>
                         <a:rPr lang="en-GB" sz="1200" kern="1200" dirty="0" err="1" smtClean="0">
@@ -5344,7 +5349,7 @@
                           <a:ea typeface="+mn-ea"/>
                           <a:cs typeface="+mn-cs"/>
                         </a:rPr>
-                        <a:t>selfT</a:t>
+                        <a:t>selfP</a:t>
                       </a:r>
                       <a:r>
                         <a:rPr lang="en-GB" sz="1200" kern="1200" dirty="0" smtClean="0">
@@ -5357,44 +5362,8 @@
                           <a:ea typeface="+mn-ea"/>
                           <a:cs typeface="+mn-cs"/>
                         </a:rPr>
-                        <a:t>, </a:t>
-                      </a:r>
-                      <a:r>
-                        <a:rPr lang="en-GB" sz="1200" kern="1200" dirty="0" err="1" smtClean="0">
-                          <a:solidFill>
-                            <a:schemeClr val="accent1">
-                              <a:lumMod val="75000"/>
-                            </a:schemeClr>
-                          </a:solidFill>
-                          <a:latin typeface="+mn-lt"/>
-                          <a:ea typeface="+mn-ea"/>
-                          <a:cs typeface="+mn-cs"/>
-                        </a:rPr>
-                        <a:t>selfP</a:t>
-                      </a:r>
-                      <a:r>
-                        <a:rPr lang="en-GB" sz="1200" kern="1200" dirty="0" smtClean="0">
-                          <a:solidFill>
-                            <a:schemeClr val="accent1">
-                              <a:lumMod val="75000"/>
-                            </a:schemeClr>
-                          </a:solidFill>
-                          <a:latin typeface="+mn-lt"/>
-                          <a:ea typeface="+mn-ea"/>
-                          <a:cs typeface="+mn-cs"/>
-                        </a:rPr>
                         <a:t>);</a:t>
                       </a:r>
-                      <a:endParaRPr lang="en-GB" sz="1200" kern="1200" dirty="0" smtClean="0">
-                        <a:solidFill>
-                          <a:schemeClr val="accent1">
-                            <a:lumMod val="75000"/>
-                          </a:schemeClr>
-                        </a:solidFill>
-                        <a:latin typeface="+mn-lt"/>
-                        <a:ea typeface="+mn-ea"/>
-                        <a:cs typeface="+mn-cs"/>
-                      </a:endParaRPr>
                     </a:p>
                     <a:p>
                       <a:pPr marL="0" lvl="0" indent="-57150">
@@ -5425,31 +5394,8 @@
                           <a:ea typeface="+mn-ea"/>
                           <a:cs typeface="+mn-cs"/>
                         </a:rPr>
-                        <a:t> = c2jString(s</a:t>
-                      </a:r>
-                      <a:r>
-                        <a:rPr lang="en-GB" sz="1200" kern="1200" dirty="0" smtClean="0">
-                          <a:solidFill>
-                            <a:schemeClr val="accent1">
-                              <a:lumMod val="75000"/>
-                            </a:schemeClr>
-                          </a:solidFill>
-                          <a:latin typeface="+mn-lt"/>
-                          <a:ea typeface="+mn-ea"/>
-                          <a:cs typeface="+mn-cs"/>
-                        </a:rPr>
-                        <a:t>);</a:t>
-                      </a:r>
-                      <a:endParaRPr lang="en-GB" sz="1200" kern="1200" dirty="0" smtClean="0">
-                        <a:solidFill>
-                          <a:schemeClr val="accent1">
-                            <a:lumMod val="75000"/>
-                          </a:schemeClr>
-                        </a:solidFill>
-                        <a:latin typeface="+mn-lt"/>
-                        <a:ea typeface="+mn-ea"/>
-                        <a:cs typeface="+mn-cs"/>
-                      </a:endParaRPr>
+                        <a:t> = c2jString(s);</a:t>
+                      </a:r>
                     </a:p>
                     <a:p>
                       <a:pPr marL="0" lvl="0" indent="-57150">
@@ -5538,33 +5484,7 @@
                           <a:ea typeface="+mn-ea"/>
                           <a:cs typeface="+mn-cs"/>
                         </a:rPr>
-                        <a:t> = </a:t>
-                      </a:r>
-                      <a:r>
-                        <a:rPr lang="en-GB" sz="1200" kern="1200" dirty="0" smtClean="0">
-                          <a:solidFill>
-                            <a:schemeClr val="accent1">
-                              <a:lumMod val="75000"/>
-                            </a:schemeClr>
-                          </a:solidFill>
-                          <a:latin typeface="+mn-lt"/>
-                          <a:ea typeface="+mn-ea"/>
-                          <a:cs typeface="+mn-cs"/>
-                        </a:rPr>
-                        <a:t>c2jRectangle(r</a:t>
-                      </a:r>
-                      <a:r>
-                        <a:rPr lang="en-GB" sz="1200" kern="1200" dirty="0" smtClean="0">
-                          <a:solidFill>
-                            <a:schemeClr val="accent1">
-                              <a:lumMod val="75000"/>
-                            </a:schemeClr>
-                          </a:solidFill>
-                          <a:latin typeface="+mn-lt"/>
-                          <a:ea typeface="+mn-ea"/>
-                          <a:cs typeface="+mn-cs"/>
-                        </a:rPr>
-                        <a:t>);</a:t>
+                        <a:t> = c2jRectangle(r);</a:t>
                       </a:r>
                     </a:p>
                     <a:p>
@@ -5596,7 +5516,20 @@
                           <a:ea typeface="+mn-ea"/>
                           <a:cs typeface="+mn-cs"/>
                         </a:rPr>
-                        <a:t> = </a:t>
+                        <a:t> = p2jObject(</a:t>
+                      </a:r>
+                      <a:r>
+                        <a:rPr lang="en-GB" sz="1200" kern="1200" dirty="0" err="1" smtClean="0">
+                          <a:solidFill>
+                            <a:schemeClr val="accent1">
+                              <a:lumMod val="75000"/>
+                            </a:schemeClr>
+                          </a:solidFill>
+                          <a:latin typeface="+mn-lt"/>
+                          <a:ea typeface="+mn-ea"/>
+                          <a:cs typeface="+mn-cs"/>
+                        </a:rPr>
+                        <a:t>bT</a:t>
                       </a:r>
                       <a:r>
                         <a:rPr lang="en-GB" sz="1200" kern="1200" dirty="0" smtClean="0">
@@ -5609,7 +5542,7 @@
                           <a:ea typeface="+mn-ea"/>
                           <a:cs typeface="+mn-cs"/>
                         </a:rPr>
-                        <a:t>p2jObject(</a:t>
+                        <a:t>, </a:t>
                       </a:r>
                       <a:r>
                         <a:rPr lang="en-GB" sz="1200" kern="1200" dirty="0" err="1" smtClean="0">
@@ -5622,7 +5555,7 @@
                           <a:ea typeface="+mn-ea"/>
                           <a:cs typeface="+mn-cs"/>
                         </a:rPr>
-                        <a:t>bT</a:t>
+                        <a:t>bP</a:t>
                       </a:r>
                       <a:r>
                         <a:rPr lang="en-GB" sz="1200" kern="1200" dirty="0" smtClean="0">
@@ -5635,44 +5568,8 @@
                           <a:ea typeface="+mn-ea"/>
                           <a:cs typeface="+mn-cs"/>
                         </a:rPr>
-                        <a:t>, </a:t>
-                      </a:r>
-                      <a:r>
-                        <a:rPr lang="en-GB" sz="1200" kern="1200" dirty="0" err="1" smtClean="0">
-                          <a:solidFill>
-                            <a:schemeClr val="accent1">
-                              <a:lumMod val="75000"/>
-                            </a:schemeClr>
-                          </a:solidFill>
-                          <a:latin typeface="+mn-lt"/>
-                          <a:ea typeface="+mn-ea"/>
-                          <a:cs typeface="+mn-cs"/>
-                        </a:rPr>
-                        <a:t>bP</a:t>
-                      </a:r>
-                      <a:r>
-                        <a:rPr lang="en-GB" sz="1200" kern="1200" dirty="0" smtClean="0">
-                          <a:solidFill>
-                            <a:schemeClr val="accent1">
-                              <a:lumMod val="75000"/>
-                            </a:schemeClr>
-                          </a:solidFill>
-                          <a:latin typeface="+mn-lt"/>
-                          <a:ea typeface="+mn-ea"/>
-                          <a:cs typeface="+mn-cs"/>
-                        </a:rPr>
                         <a:t>);</a:t>
                       </a:r>
-                      <a:endParaRPr lang="en-GB" sz="1200" kern="1200" dirty="0" smtClean="0">
-                        <a:solidFill>
-                          <a:schemeClr val="accent1">
-                            <a:lumMod val="75000"/>
-                          </a:schemeClr>
-                        </a:solidFill>
-                        <a:latin typeface="+mn-lt"/>
-                        <a:ea typeface="+mn-ea"/>
-                        <a:cs typeface="+mn-cs"/>
-                      </a:endParaRPr>
                     </a:p>
                   </a:txBody>
                   <a:tcPr/>
@@ -5705,7 +5602,6 @@
                         <a:rPr lang="en-GB" sz="1400" dirty="0" smtClean="0"/>
                         <a:t>5c</a:t>
                       </a:r>
-                      <a:endParaRPr lang="en-GB" sz="1400" dirty="0" smtClean="0"/>
                     </a:p>
                   </a:txBody>
                   <a:tcPr/>
@@ -5734,7 +5630,7 @@
                       </a:pPr>
                       <a:r>
                         <a:rPr lang="en-GB" sz="1400" dirty="0" smtClean="0"/>
-                        <a:t>Call </a:t>
+                        <a:t>Assign </a:t>
                       </a:r>
                       <a:r>
                         <a:rPr lang="en-GB" sz="1400" b="1" kern="1200" dirty="0" smtClean="0">
@@ -5751,7 +5647,7 @@
                       </a:r>
                       <a:r>
                         <a:rPr lang="en-GB" sz="1400" dirty="0" smtClean="0"/>
-                        <a:t> method, assign </a:t>
+                        <a:t> result from </a:t>
                       </a:r>
                       <a:r>
                         <a:rPr lang="en-GB" sz="1400" b="1" kern="1200" dirty="0" smtClean="0">
@@ -5768,8 +5664,17 @@
                       </a:r>
                       <a:r>
                         <a:rPr lang="en-GB" sz="1400" dirty="0" smtClean="0"/>
-                        <a:t> result</a:t>
-                      </a:r>
+                        <a:t> method</a:t>
+                      </a:r>
+                      <a:r>
+                        <a:rPr lang="en-GB" sz="1400" baseline="0" dirty="0" smtClean="0"/>
+                        <a:t> call</a:t>
+                      </a:r>
+                      <a:r>
+                        <a:rPr lang="en-GB" sz="1400" dirty="0" smtClean="0"/>
+                        <a:t> </a:t>
+                      </a:r>
+                      <a:endParaRPr lang="en-GB" sz="1400" dirty="0" smtClean="0"/>
                     </a:p>
                   </a:txBody>
                   <a:tcPr/>
@@ -5932,16 +5837,6 @@
                         </a:rPr>
                         <a:t>, </a:t>
                       </a:r>
-                      <a:endParaRPr lang="en-GB" sz="1200" kern="1200" dirty="0" smtClean="0">
-                        <a:solidFill>
-                          <a:schemeClr val="accent1">
-                            <a:lumMod val="75000"/>
-                          </a:schemeClr>
-                        </a:solidFill>
-                        <a:latin typeface="+mn-lt"/>
-                        <a:ea typeface="+mn-ea"/>
-                        <a:cs typeface="+mn-cs"/>
-                      </a:endParaRPr>
                     </a:p>
                     <a:p>
                       <a:pPr marL="0" marR="0" lvl="0" indent="-57150" algn="l" defTabSz="914400" rtl="0" eaLnBrk="1" fontAlgn="auto" latinLnBrk="0" hangingPunct="1">
@@ -6136,7 +6031,6 @@
                         <a:rPr lang="en-GB" sz="1400" dirty="0" smtClean="0"/>
                         <a:t>5d</a:t>
                       </a:r>
-                      <a:endParaRPr lang="en-GB" sz="1400" dirty="0" smtClean="0"/>
                     </a:p>
                   </a:txBody>
                   <a:tcPr/>
@@ -6165,7 +6059,28 @@
                       </a:pPr>
                       <a:r>
                         <a:rPr lang="en-GB" sz="1400" dirty="0" smtClean="0"/>
-                        <a:t>Transform </a:t>
+                        <a:t>Assign </a:t>
+                      </a:r>
+                      <a:r>
+                        <a:rPr lang="en-GB" sz="1400" b="1" kern="1200" dirty="0" err="1" smtClean="0">
+                          <a:solidFill>
+                            <a:schemeClr val="accent2">
+                              <a:lumMod val="50000"/>
+                            </a:schemeClr>
+                          </a:solidFill>
+                          <a:latin typeface="+mn-lt"/>
+                          <a:ea typeface="+mn-ea"/>
+                          <a:cs typeface="+mn-cs"/>
+                        </a:rPr>
+                        <a:t>Py</a:t>
+                      </a:r>
+                      <a:r>
+                        <a:rPr lang="en-GB" sz="1400" baseline="0" dirty="0" smtClean="0"/>
+                        <a:t> </a:t>
+                      </a:r>
+                      <a:r>
+                        <a:rPr lang="en-GB" sz="1400" dirty="0" smtClean="0"/>
+                        <a:t>result from transformed </a:t>
                       </a:r>
                       <a:r>
                         <a:rPr lang="en-GB" sz="1400" b="1" kern="1200" dirty="0" smtClean="0">
@@ -6182,23 +6097,6 @@
                       </a:r>
                       <a:r>
                         <a:rPr lang="en-GB" sz="1400" dirty="0" smtClean="0"/>
-                        <a:t> result to </a:t>
-                      </a:r>
-                      <a:r>
-                        <a:rPr lang="en-GB" sz="1400" b="1" kern="1200" dirty="0" err="1" smtClean="0">
-                          <a:solidFill>
-                            <a:schemeClr val="accent2">
-                              <a:lumMod val="50000"/>
-                            </a:schemeClr>
-                          </a:solidFill>
-                          <a:latin typeface="+mn-lt"/>
-                          <a:ea typeface="+mn-ea"/>
-                          <a:cs typeface="+mn-cs"/>
-                        </a:rPr>
-                        <a:t>Py</a:t>
-                      </a:r>
-                      <a:r>
-                        <a:rPr lang="en-GB" sz="1400" baseline="0" dirty="0" smtClean="0"/>
                         <a:t> </a:t>
                       </a:r>
                       <a:r>
@@ -6243,33 +6141,7 @@
                           <a:ea typeface="+mn-ea"/>
                           <a:cs typeface="+mn-cs"/>
                         </a:rPr>
-                        <a:t>_result = </a:t>
-                      </a:r>
-                      <a:r>
-                        <a:rPr lang="en-GB" sz="1200" kern="1200" dirty="0" smtClean="0">
-                          <a:solidFill>
-                            <a:schemeClr val="accent1">
-                              <a:lumMod val="75000"/>
-                            </a:schemeClr>
-                          </a:solidFill>
-                          <a:latin typeface="+mn-lt"/>
-                          <a:ea typeface="+mn-ea"/>
-                          <a:cs typeface="+mn-cs"/>
-                        </a:rPr>
-                        <a:t>j2pObject</a:t>
-                      </a:r>
-                      <a:r>
-                        <a:rPr lang="en-GB" sz="1200" kern="1200" dirty="0" smtClean="0">
-                          <a:solidFill>
-                            <a:schemeClr val="accent1">
-                              <a:lumMod val="75000"/>
-                            </a:schemeClr>
-                          </a:solidFill>
-                          <a:latin typeface="+mn-lt"/>
-                          <a:ea typeface="+mn-ea"/>
-                          <a:cs typeface="+mn-cs"/>
-                        </a:rPr>
-                        <a:t>(_</a:t>
+                        <a:t>_result = j2pObject(_</a:t>
                       </a:r>
                       <a:r>
                         <a:rPr lang="en-GB" sz="1200" kern="1200" dirty="0" err="1" smtClean="0">
@@ -7069,7 +6941,6 @@
               <a:rPr lang="en-GB" dirty="0"/>
               <a:t>Generator</a:t>
             </a:r>
-            <a:endParaRPr lang="en-GB" dirty="0"/>
           </a:p>
         </p:txBody>
       </p:sp>
@@ -7141,11 +7012,7 @@
                       </a:r>
                       <a:r>
                         <a:rPr lang="en-GB" sz="1400" dirty="0" smtClean="0"/>
-                        <a:t>function </a:t>
-                      </a:r>
-                      <a:r>
-                        <a:rPr lang="en-GB" sz="1400" dirty="0" smtClean="0"/>
-                        <a:t> return type</a:t>
+                        <a:t>function  return type</a:t>
                       </a:r>
                       <a:endParaRPr lang="en-GB" sz="1400" dirty="0"/>
                     </a:p>
@@ -8236,14 +8103,14 @@
           <p:nvPr>
             <p:extLst>
               <p:ext uri="{D42A27DB-BD31-4B8C-83A1-F6EECF244321}">
-                <p14:modId xmlns:p14="http://schemas.microsoft.com/office/powerpoint/2010/main" val="2293618256"/>
+                <p14:modId xmlns:p14="http://schemas.microsoft.com/office/powerpoint/2010/main" val="3995093704"/>
               </p:ext>
             </p:extLst>
           </p:nvPr>
         </p:nvGraphicFramePr>
         <p:xfrm>
           <a:off x="4211960" y="1412776"/>
-          <a:ext cx="4464495" cy="4653280"/>
+          <a:ext cx="4464495" cy="5318760"/>
         </p:xfrm>
         <a:graphic>
           <a:graphicData uri="http://schemas.openxmlformats.org/drawingml/2006/table">
@@ -8283,7 +8150,6 @@
                         <a:rPr lang="en-GB" sz="1400" dirty="0" smtClean="0"/>
                         <a:t>5a</a:t>
                       </a:r>
-                      <a:endParaRPr lang="en-GB" sz="1400" dirty="0" smtClean="0"/>
                     </a:p>
                   </a:txBody>
                   <a:tcPr/>
@@ -8325,12 +8191,13 @@
                           <a:ea typeface="+mn-ea"/>
                           <a:cs typeface="+mn-cs"/>
                         </a:rPr>
-                        <a:t>C</a:t>
+                        <a:t>C </a:t>
                       </a:r>
                       <a:r>
                         <a:rPr lang="en-GB" sz="1400" dirty="0" smtClean="0"/>
-                        <a:t> arguments</a:t>
-                      </a:r>
+                        <a:t>arguments from parsed parameters</a:t>
+                      </a:r>
+                      <a:endParaRPr lang="en-GB" sz="1400" dirty="0" smtClean="0"/>
                     </a:p>
                   </a:txBody>
                   <a:tcPr/>
@@ -8383,16 +8250,6 @@
                         </a:rPr>
                         <a:t>.</a:t>
                       </a:r>
-                      <a:endParaRPr lang="en-GB" sz="1200" kern="1200" dirty="0" smtClean="0">
-                        <a:solidFill>
-                          <a:schemeClr val="accent1">
-                            <a:lumMod val="75000"/>
-                          </a:schemeClr>
-                        </a:solidFill>
-                        <a:latin typeface="+mn-lt"/>
-                        <a:ea typeface="+mn-ea"/>
-                        <a:cs typeface="+mn-cs"/>
-                      </a:endParaRPr>
                     </a:p>
                   </a:txBody>
                   <a:tcPr/>
@@ -8425,7 +8282,6 @@
                         <a:rPr lang="en-GB" sz="1400" dirty="0" smtClean="0"/>
                         <a:t>5b</a:t>
                       </a:r>
-                      <a:endParaRPr lang="en-GB" sz="1400" dirty="0" smtClean="0"/>
                     </a:p>
                   </a:txBody>
                   <a:tcPr/>
@@ -8454,7 +8310,24 @@
                       </a:pPr>
                       <a:r>
                         <a:rPr lang="en-GB" sz="1400" dirty="0" smtClean="0"/>
-                        <a:t>Transform </a:t>
+                        <a:t>Assign  </a:t>
+                      </a:r>
+                      <a:r>
+                        <a:rPr lang="en-GB" sz="1400" b="1" kern="1200" dirty="0" smtClean="0">
+                          <a:solidFill>
+                            <a:schemeClr val="accent6">
+                              <a:lumMod val="50000"/>
+                            </a:schemeClr>
+                          </a:solidFill>
+                          <a:latin typeface="+mn-lt"/>
+                          <a:ea typeface="+mn-ea"/>
+                          <a:cs typeface="+mn-cs"/>
+                        </a:rPr>
+                        <a:t>Java</a:t>
+                      </a:r>
+                      <a:r>
+                        <a:rPr lang="en-GB" sz="1400" dirty="0" smtClean="0"/>
+                        <a:t> arguments from transformed </a:t>
                       </a:r>
                       <a:r>
                         <a:rPr lang="en-GB" sz="1400" b="1" kern="1200" dirty="0" smtClean="0">
@@ -8467,29 +8340,13 @@
                           <a:ea typeface="+mn-ea"/>
                           <a:cs typeface="+mn-cs"/>
                         </a:rPr>
-                        <a:t>C</a:t>
+                        <a:t>C </a:t>
                       </a:r>
                       <a:r>
                         <a:rPr lang="en-GB" sz="1400" dirty="0" smtClean="0"/>
-                        <a:t> to </a:t>
-                      </a:r>
-                      <a:r>
-                        <a:rPr lang="en-GB" sz="1400" b="1" kern="1200" dirty="0" smtClean="0">
-                          <a:solidFill>
-                            <a:schemeClr val="accent6">
-                              <a:lumMod val="50000"/>
-                            </a:schemeClr>
-                          </a:solidFill>
-                          <a:latin typeface="+mn-lt"/>
-                          <a:ea typeface="+mn-ea"/>
-                          <a:cs typeface="+mn-cs"/>
-                        </a:rPr>
-                        <a:t>Java</a:t>
-                      </a:r>
-                      <a:r>
-                        <a:rPr lang="en-GB" sz="1400" dirty="0" smtClean="0"/>
-                        <a:t> arguments</a:t>
-                      </a:r>
+                        <a:t>arguments </a:t>
+                      </a:r>
+                      <a:endParaRPr lang="en-GB" sz="1400" dirty="0" smtClean="0"/>
                     </a:p>
                   </a:txBody>
                   <a:tcPr/>
@@ -8728,7 +8585,6 @@
                         <a:rPr lang="en-GB" sz="1400" dirty="0" smtClean="0"/>
                         <a:t>5c</a:t>
                       </a:r>
-                      <a:endParaRPr lang="en-GB" sz="1400" dirty="0" smtClean="0"/>
                     </a:p>
                   </a:txBody>
                   <a:tcPr/>
@@ -8757,7 +8613,7 @@
                       </a:pPr>
                       <a:r>
                         <a:rPr lang="en-GB" sz="1400" dirty="0" smtClean="0"/>
-                        <a:t>Call </a:t>
+                        <a:t>Assign </a:t>
                       </a:r>
                       <a:r>
                         <a:rPr lang="en-GB" sz="1400" b="1" kern="1200" dirty="0" smtClean="0">
@@ -8774,7 +8630,7 @@
                       </a:r>
                       <a:r>
                         <a:rPr lang="en-GB" sz="1400" dirty="0" smtClean="0"/>
-                        <a:t> method, assign </a:t>
+                        <a:t> result from </a:t>
                       </a:r>
                       <a:r>
                         <a:rPr lang="en-GB" sz="1400" b="1" kern="1200" dirty="0" smtClean="0">
@@ -8791,8 +8647,17 @@
                       </a:r>
                       <a:r>
                         <a:rPr lang="en-GB" sz="1400" dirty="0" smtClean="0"/>
-                        <a:t> result</a:t>
-                      </a:r>
+                        <a:t> method</a:t>
+                      </a:r>
+                      <a:r>
+                        <a:rPr lang="en-GB" sz="1400" baseline="0" dirty="0" smtClean="0"/>
+                        <a:t> call</a:t>
+                      </a:r>
+                      <a:r>
+                        <a:rPr lang="en-GB" sz="1400" dirty="0" smtClean="0"/>
+                        <a:t> </a:t>
+                      </a:r>
+                      <a:endParaRPr lang="en-GB" sz="1400" dirty="0" smtClean="0"/>
                     </a:p>
                   </a:txBody>
                   <a:tcPr/>
@@ -8955,16 +8820,6 @@
                         </a:rPr>
                         <a:t>, </a:t>
                       </a:r>
-                      <a:endParaRPr lang="en-GB" sz="1200" kern="1200" dirty="0" smtClean="0">
-                        <a:solidFill>
-                          <a:schemeClr val="accent1">
-                            <a:lumMod val="75000"/>
-                          </a:schemeClr>
-                        </a:solidFill>
-                        <a:latin typeface="+mn-lt"/>
-                        <a:ea typeface="+mn-ea"/>
-                        <a:cs typeface="+mn-cs"/>
-                      </a:endParaRPr>
                     </a:p>
                     <a:p>
                       <a:pPr marL="0" marR="0" lvl="0" indent="-57150" algn="l" defTabSz="914400" rtl="0" eaLnBrk="1" fontAlgn="auto" latinLnBrk="0" hangingPunct="1">
@@ -9159,7 +9014,6 @@
                         <a:rPr lang="en-GB" sz="1400" dirty="0" smtClean="0"/>
                         <a:t>5d</a:t>
                       </a:r>
-                      <a:endParaRPr lang="en-GB" sz="1400" dirty="0" smtClean="0"/>
                     </a:p>
                   </a:txBody>
                   <a:tcPr/>
@@ -9188,7 +9042,24 @@
                       </a:pPr>
                       <a:r>
                         <a:rPr lang="en-GB" sz="1400" dirty="0" smtClean="0"/>
-                        <a:t>Transform </a:t>
+                        <a:t>Assign </a:t>
+                      </a:r>
+                      <a:r>
+                        <a:rPr lang="en-GB" sz="1400" b="1" kern="1200" dirty="0" smtClean="0">
+                          <a:solidFill>
+                            <a:schemeClr val="accent2">
+                              <a:lumMod val="50000"/>
+                            </a:schemeClr>
+                          </a:solidFill>
+                          <a:latin typeface="+mn-lt"/>
+                          <a:ea typeface="+mn-ea"/>
+                          <a:cs typeface="+mn-cs"/>
+                        </a:rPr>
+                        <a:t>C </a:t>
+                      </a:r>
+                      <a:r>
+                        <a:rPr lang="en-GB" sz="1400" dirty="0" smtClean="0"/>
+                        <a:t>result from transformed </a:t>
                       </a:r>
                       <a:r>
                         <a:rPr lang="en-GB" sz="1400" b="1" kern="1200" dirty="0" smtClean="0">
@@ -9205,25 +9076,9 @@
                       </a:r>
                       <a:r>
                         <a:rPr lang="en-GB" sz="1400" dirty="0" smtClean="0"/>
-                        <a:t> result to </a:t>
-                      </a:r>
-                      <a:r>
-                        <a:rPr lang="en-GB" sz="1400" b="1" kern="1200" dirty="0" smtClean="0">
-                          <a:solidFill>
-                            <a:schemeClr val="accent2">
-                              <a:lumMod val="50000"/>
-                            </a:schemeClr>
-                          </a:solidFill>
-                          <a:latin typeface="+mn-lt"/>
-                          <a:ea typeface="+mn-ea"/>
-                          <a:cs typeface="+mn-cs"/>
-                        </a:rPr>
-                        <a:t>C</a:t>
-                      </a:r>
-                      <a:r>
-                        <a:rPr lang="en-GB" sz="1400" dirty="0" smtClean="0"/>
                         <a:t> result</a:t>
                       </a:r>
+                      <a:endParaRPr lang="en-GB" sz="1400" dirty="0" smtClean="0"/>
                     </a:p>
                   </a:txBody>
                   <a:tcPr/>
@@ -10086,7 +9941,7 @@
       </p:grpSpPr>
       <p:sp>
         <p:nvSpPr>
-          <p:cNvPr id="2" name="Titel 1"/>
+          <p:cNvPr id="5" name="Titel 4"/>
           <p:cNvSpPr>
             <a:spLocks noGrp="1"/>
           </p:cNvSpPr>
@@ -10100,8 +9955,21 @@
           <a:lstStyle/>
           <a:p>
             <a:r>
-              <a:rPr lang="en-GB" dirty="0" smtClean="0"/>
-              <a:t>Generate C and Python Code</a:t>
+              <a:rPr lang="en-GB" b="1" dirty="0">
+                <a:solidFill>
+                  <a:schemeClr val="accent2">
+                    <a:lumMod val="50000"/>
+                  </a:schemeClr>
+                </a:solidFill>
+                <a:latin typeface="+mn-lt"/>
+                <a:ea typeface="+mn-ea"/>
+                <a:cs typeface="+mn-cs"/>
+              </a:rPr>
+              <a:t>X</a:t>
+            </a:r>
+            <a:r>
+              <a:rPr lang="en-GB" dirty="0" smtClean="0"/>
+              <a:t>-Target Function Generator</a:t>
             </a:r>
             <a:endParaRPr lang="en-GB" dirty="0"/>
           </a:p>
@@ -10109,106 +9977,551 @@
       </p:sp>
       <p:sp>
         <p:nvSpPr>
-          <p:cNvPr id="3" name="Inhaltsplatzhalter 2"/>
+          <p:cNvPr id="7" name="Inhaltsplatzhalter 6"/>
           <p:cNvSpPr>
             <a:spLocks noGrp="1"/>
           </p:cNvSpPr>
           <p:nvPr>
-            <p:ph idx="1"/>
+            <p:ph sz="half" idx="1"/>
           </p:nvPr>
         </p:nvSpPr>
         <p:spPr/>
         <p:txBody>
           <a:bodyPr>
-            <a:normAutofit fontScale="85000" lnSpcReduction="20000"/>
+            <a:normAutofit fontScale="92500" lnSpcReduction="20000"/>
           </a:bodyPr>
           <a:lstStyle/>
           <a:p>
-            <a:r>
-              <a:rPr lang="en-GB" dirty="0" smtClean="0"/>
-              <a:t>Create a compiler that generates the C and Python glue code</a:t>
-            </a:r>
-          </a:p>
-          <a:p>
-            <a:r>
-              <a:rPr lang="en-GB" dirty="0" smtClean="0"/>
-              <a:t>Pro</a:t>
+            <a:pPr fontAlgn="t"/>
+            <a:r>
+              <a:rPr lang="en-GB" dirty="0" smtClean="0"/>
+              <a:t>Head</a:t>
+            </a:r>
+          </a:p>
+          <a:p>
+            <a:pPr lvl="1" fontAlgn="t"/>
+            <a:r>
+              <a:rPr lang="en-GB" dirty="0" smtClean="0"/>
+              <a:t>Get </a:t>
+            </a:r>
+            <a:r>
+              <a:rPr lang="en-GB" b="1" dirty="0" smtClean="0">
+                <a:solidFill>
+                  <a:schemeClr val="accent2">
+                    <a:lumMod val="50000"/>
+                  </a:schemeClr>
+                </a:solidFill>
+              </a:rPr>
+              <a:t>X </a:t>
+            </a:r>
+            <a:r>
+              <a:rPr lang="en-GB" dirty="0" smtClean="0"/>
+              <a:t>function </a:t>
+            </a:r>
+            <a:r>
+              <a:rPr lang="en-GB" dirty="0"/>
+              <a:t>return </a:t>
+            </a:r>
+            <a:r>
+              <a:rPr lang="en-GB" dirty="0" smtClean="0"/>
+              <a:t>type</a:t>
+            </a:r>
+            <a:endParaRPr lang="en-GB" dirty="0"/>
+          </a:p>
+          <a:p>
+            <a:pPr lvl="1" fontAlgn="t"/>
+            <a:r>
+              <a:rPr lang="en-GB" dirty="0"/>
+              <a:t>Get </a:t>
+            </a:r>
+            <a:r>
+              <a:rPr lang="en-GB" b="1" dirty="0">
+                <a:solidFill>
+                  <a:schemeClr val="accent2">
+                    <a:lumMod val="50000"/>
+                  </a:schemeClr>
+                </a:solidFill>
+              </a:rPr>
+              <a:t>X </a:t>
+            </a:r>
+            <a:r>
+              <a:rPr lang="en-GB" b="1" dirty="0" smtClean="0">
+                <a:solidFill>
+                  <a:schemeClr val="accent2">
+                    <a:lumMod val="50000"/>
+                  </a:schemeClr>
+                </a:solidFill>
+              </a:rPr>
+              <a:t> </a:t>
+            </a:r>
+            <a:r>
+              <a:rPr lang="en-GB" dirty="0" smtClean="0"/>
+              <a:t>function </a:t>
+            </a:r>
+            <a:r>
+              <a:rPr lang="en-GB" dirty="0"/>
+              <a:t>name</a:t>
             </a:r>
           </a:p>
           <a:p>
             <a:pPr lvl="1"/>
             <a:r>
-              <a:rPr lang="en-GB" dirty="0" smtClean="0"/>
-              <a:t>Java API changes easily translate into Python/C code</a:t>
+              <a:rPr lang="en-GB" dirty="0"/>
+              <a:t>Get </a:t>
+            </a:r>
+            <a:r>
+              <a:rPr lang="en-GB" b="1" dirty="0">
+                <a:solidFill>
+                  <a:schemeClr val="accent2">
+                    <a:lumMod val="50000"/>
+                  </a:schemeClr>
+                </a:solidFill>
+              </a:rPr>
+              <a:t>X </a:t>
+            </a:r>
+            <a:r>
+              <a:rPr lang="en-GB" b="1" dirty="0" smtClean="0">
+                <a:solidFill>
+                  <a:schemeClr val="accent2">
+                    <a:lumMod val="50000"/>
+                  </a:schemeClr>
+                </a:solidFill>
+              </a:rPr>
+              <a:t> </a:t>
+            </a:r>
+            <a:r>
+              <a:rPr lang="en-GB" dirty="0" smtClean="0"/>
+              <a:t>function </a:t>
+            </a:r>
+            <a:r>
+              <a:rPr lang="en-GB" u="sng" dirty="0" smtClean="0"/>
+              <a:t>parameters</a:t>
+            </a:r>
+          </a:p>
+          <a:p>
+            <a:endParaRPr lang="en-GB" dirty="0" smtClean="0"/>
+          </a:p>
+          <a:p>
+            <a:endParaRPr lang="en-GB" dirty="0"/>
+          </a:p>
+          <a:p>
+            <a:r>
+              <a:rPr lang="en-GB" dirty="0" smtClean="0"/>
+              <a:t>Body</a:t>
             </a:r>
           </a:p>
           <a:p>
             <a:pPr lvl="1"/>
             <a:r>
-              <a:rPr lang="en-GB" dirty="0" smtClean="0"/>
-              <a:t>Also documentation can be generated from Java sources </a:t>
+              <a:rPr lang="en-GB" dirty="0"/>
+              <a:t>Declare </a:t>
+            </a:r>
+            <a:r>
+              <a:rPr lang="en-GB" b="1" u="sng" dirty="0">
+                <a:solidFill>
+                  <a:schemeClr val="accent2">
+                    <a:lumMod val="50000"/>
+                  </a:schemeClr>
+                </a:solidFill>
+              </a:rPr>
+              <a:t>X </a:t>
+            </a:r>
+            <a:r>
+              <a:rPr lang="en-GB" u="sng" dirty="0" smtClean="0"/>
+              <a:t>arguments</a:t>
+            </a:r>
+            <a:r>
+              <a:rPr lang="en-GB" dirty="0" smtClean="0"/>
+              <a:t> (opt)</a:t>
+            </a:r>
+            <a:endParaRPr lang="en-GB" dirty="0"/>
+          </a:p>
+          <a:p>
+            <a:pPr lvl="1" fontAlgn="t"/>
+            <a:r>
+              <a:rPr lang="en-GB" dirty="0"/>
+              <a:t>Declare </a:t>
+            </a:r>
+            <a:r>
+              <a:rPr lang="en-GB" b="1" u="sng" dirty="0">
+                <a:solidFill>
+                  <a:schemeClr val="accent2">
+                    <a:lumMod val="50000"/>
+                  </a:schemeClr>
+                </a:solidFill>
+              </a:rPr>
+              <a:t>X </a:t>
+            </a:r>
+            <a:r>
+              <a:rPr lang="en-GB" u="sng" dirty="0" smtClean="0"/>
+              <a:t>result</a:t>
+            </a:r>
+            <a:endParaRPr lang="en-GB" u="sng" dirty="0"/>
+          </a:p>
+          <a:p>
+            <a:pPr lvl="1" fontAlgn="t"/>
+            <a:r>
+              <a:rPr lang="en-GB" dirty="0"/>
+              <a:t>Declare </a:t>
+            </a:r>
+            <a:r>
+              <a:rPr lang="en-GB" b="1" u="sng" dirty="0">
+                <a:solidFill>
+                  <a:schemeClr val="accent6">
+                    <a:lumMod val="50000"/>
+                  </a:schemeClr>
+                </a:solidFill>
+              </a:rPr>
+              <a:t>Java</a:t>
+            </a:r>
+            <a:r>
+              <a:rPr lang="en-GB" u="sng" dirty="0"/>
+              <a:t> </a:t>
+            </a:r>
+            <a:r>
+              <a:rPr lang="en-GB" u="sng" dirty="0" smtClean="0"/>
+              <a:t>arguments</a:t>
+            </a:r>
+            <a:endParaRPr lang="en-GB" u="sng" dirty="0"/>
+          </a:p>
+          <a:p>
+            <a:pPr lvl="1" fontAlgn="t"/>
+            <a:r>
+              <a:rPr lang="en-GB" dirty="0"/>
+              <a:t>Declare </a:t>
+            </a:r>
+            <a:r>
+              <a:rPr lang="en-GB" b="1" u="sng" dirty="0">
+                <a:solidFill>
+                  <a:schemeClr val="accent6">
+                    <a:lumMod val="50000"/>
+                  </a:schemeClr>
+                </a:solidFill>
+              </a:rPr>
+              <a:t>Java</a:t>
+            </a:r>
+            <a:r>
+              <a:rPr lang="en-GB" u="sng" dirty="0"/>
+              <a:t> </a:t>
+            </a:r>
+            <a:r>
+              <a:rPr lang="en-GB" u="sng" dirty="0" smtClean="0"/>
+              <a:t>result</a:t>
+            </a:r>
+            <a:endParaRPr lang="en-GB" u="sng" dirty="0"/>
+          </a:p>
+          <a:p>
+            <a:endParaRPr lang="en-GB" dirty="0" smtClean="0"/>
+          </a:p>
+          <a:p>
+            <a:endParaRPr lang="en-GB" dirty="0"/>
+          </a:p>
+          <a:p>
+            <a:endParaRPr lang="en-GB" dirty="0"/>
+          </a:p>
+        </p:txBody>
+      </p:sp>
+      <p:sp>
+        <p:nvSpPr>
+          <p:cNvPr id="8" name="Inhaltsplatzhalter 7"/>
+          <p:cNvSpPr>
+            <a:spLocks noGrp="1"/>
+          </p:cNvSpPr>
+          <p:nvPr>
+            <p:ph sz="half" idx="2"/>
+          </p:nvPr>
+        </p:nvSpPr>
+        <p:spPr/>
+        <p:txBody>
+          <a:bodyPr>
+            <a:normAutofit fontScale="92500" lnSpcReduction="20000"/>
+          </a:bodyPr>
+          <a:lstStyle/>
+          <a:p>
+            <a:r>
+              <a:rPr lang="en-GB" dirty="0" smtClean="0"/>
+              <a:t>Body (cont.)</a:t>
             </a:r>
           </a:p>
           <a:p>
             <a:pPr lvl="1"/>
             <a:r>
-              <a:rPr lang="en-GB" dirty="0" smtClean="0"/>
-              <a:t>Code production can be automated</a:t>
-            </a:r>
+              <a:rPr lang="en-GB" dirty="0"/>
+              <a:t>Assign </a:t>
+            </a:r>
+            <a:r>
+              <a:rPr lang="en-GB" b="1" u="sng" dirty="0">
+                <a:solidFill>
+                  <a:schemeClr val="accent2">
+                    <a:lumMod val="50000"/>
+                  </a:schemeClr>
+                </a:solidFill>
+              </a:rPr>
+              <a:t>X </a:t>
+            </a:r>
+            <a:r>
+              <a:rPr lang="en-GB" u="sng" dirty="0" smtClean="0"/>
+              <a:t>arguments</a:t>
+            </a:r>
+            <a:r>
+              <a:rPr lang="en-GB" dirty="0" smtClean="0"/>
+              <a:t> </a:t>
+            </a:r>
+            <a:r>
+              <a:rPr lang="en-GB" dirty="0"/>
+              <a:t>from </a:t>
+            </a:r>
+            <a:r>
+              <a:rPr lang="en-GB" dirty="0" smtClean="0"/>
+              <a:t>parsed </a:t>
+            </a:r>
+            <a:r>
+              <a:rPr lang="en-GB" u="sng" dirty="0" smtClean="0"/>
+              <a:t>parameters</a:t>
+            </a:r>
+            <a:r>
+              <a:rPr lang="en-GB" dirty="0" smtClean="0"/>
+              <a:t> (opt)</a:t>
+            </a:r>
+            <a:endParaRPr lang="en-GB" dirty="0"/>
           </a:p>
           <a:p>
             <a:pPr lvl="1"/>
             <a:r>
-              <a:rPr lang="en-GB" dirty="0" smtClean="0"/>
-              <a:t>Bugs are fixed in the compiler code, not in glue code</a:t>
+              <a:rPr lang="en-GB" dirty="0"/>
+              <a:t>Assign </a:t>
+            </a:r>
+            <a:r>
+              <a:rPr lang="en-GB" b="1" u="sng" dirty="0" smtClean="0">
+                <a:solidFill>
+                  <a:schemeClr val="accent6">
+                    <a:lumMod val="50000"/>
+                  </a:schemeClr>
+                </a:solidFill>
+              </a:rPr>
+              <a:t>Java</a:t>
+            </a:r>
+            <a:r>
+              <a:rPr lang="en-GB" u="sng" dirty="0" smtClean="0"/>
+              <a:t> </a:t>
+            </a:r>
+            <a:r>
+              <a:rPr lang="en-GB" u="sng" dirty="0"/>
+              <a:t>arguments</a:t>
+            </a:r>
+            <a:r>
+              <a:rPr lang="en-GB" dirty="0"/>
+              <a:t> from transformed </a:t>
+            </a:r>
+            <a:r>
+              <a:rPr lang="en-GB" b="1" u="sng" dirty="0" smtClean="0">
+                <a:solidFill>
+                  <a:schemeClr val="accent2">
+                    <a:lumMod val="50000"/>
+                  </a:schemeClr>
+                </a:solidFill>
+              </a:rPr>
+              <a:t>X </a:t>
+            </a:r>
+            <a:r>
+              <a:rPr lang="en-GB" u="sng" dirty="0"/>
+              <a:t>arguments</a:t>
+            </a:r>
+            <a:r>
+              <a:rPr lang="en-GB" dirty="0"/>
+              <a:t> </a:t>
             </a:r>
           </a:p>
           <a:p>
             <a:pPr lvl="1"/>
             <a:r>
               <a:rPr lang="en-GB" dirty="0" smtClean="0"/>
-              <a:t>Also test code might be generated</a:t>
-            </a:r>
-          </a:p>
-          <a:p>
-            <a:r>
-              <a:rPr lang="en-GB" dirty="0" smtClean="0"/>
-              <a:t>Contra</a:t>
+              <a:t>Assign </a:t>
+            </a:r>
+            <a:r>
+              <a:rPr lang="en-GB" b="1" u="sng" dirty="0">
+                <a:solidFill>
+                  <a:schemeClr val="accent6">
+                    <a:lumMod val="50000"/>
+                  </a:schemeClr>
+                </a:solidFill>
+              </a:rPr>
+              <a:t>Java</a:t>
+            </a:r>
+            <a:r>
+              <a:rPr lang="en-GB" u="sng" dirty="0"/>
+              <a:t> </a:t>
+            </a:r>
+            <a:r>
+              <a:rPr lang="en-GB" u="sng" dirty="0" smtClean="0"/>
+              <a:t>result</a:t>
+            </a:r>
+            <a:r>
+              <a:rPr lang="en-GB" dirty="0" smtClean="0"/>
+              <a:t> from </a:t>
+            </a:r>
+            <a:r>
+              <a:rPr lang="en-GB" b="1" dirty="0">
+                <a:solidFill>
+                  <a:schemeClr val="accent6">
+                    <a:lumMod val="50000"/>
+                  </a:schemeClr>
+                </a:solidFill>
+              </a:rPr>
+              <a:t>Java</a:t>
+            </a:r>
+            <a:r>
+              <a:rPr lang="en-GB" dirty="0"/>
+              <a:t> </a:t>
+            </a:r>
+            <a:r>
+              <a:rPr lang="en-GB" dirty="0" smtClean="0"/>
+              <a:t>method call</a:t>
             </a:r>
           </a:p>
           <a:p>
             <a:pPr lvl="1"/>
             <a:r>
               <a:rPr lang="en-GB" dirty="0" smtClean="0"/>
-              <a:t>It might take a long time to develop a mature compiler</a:t>
-            </a:r>
+              <a:t>Assign </a:t>
+            </a:r>
+            <a:r>
+              <a:rPr lang="en-GB" b="1" u="sng" dirty="0" smtClean="0">
+                <a:solidFill>
+                  <a:schemeClr val="accent2">
+                    <a:lumMod val="50000"/>
+                  </a:schemeClr>
+                </a:solidFill>
+              </a:rPr>
+              <a:t>X </a:t>
+            </a:r>
+            <a:r>
+              <a:rPr lang="en-GB" u="sng" dirty="0"/>
+              <a:t>result</a:t>
+            </a:r>
+            <a:r>
+              <a:rPr lang="en-GB" dirty="0"/>
+              <a:t> from transformed </a:t>
+            </a:r>
+            <a:r>
+              <a:rPr lang="en-GB" b="1" u="sng" dirty="0">
+                <a:solidFill>
+                  <a:schemeClr val="accent6">
+                    <a:lumMod val="50000"/>
+                  </a:schemeClr>
+                </a:solidFill>
+              </a:rPr>
+              <a:t>Java</a:t>
+            </a:r>
+            <a:r>
+              <a:rPr lang="en-GB" u="sng" dirty="0"/>
+              <a:t> </a:t>
+            </a:r>
+            <a:r>
+              <a:rPr lang="en-GB" u="sng" dirty="0" smtClean="0"/>
+              <a:t>result</a:t>
+            </a:r>
+          </a:p>
+          <a:p>
+            <a:pPr lvl="1" fontAlgn="t"/>
+            <a:r>
+              <a:rPr lang="en-GB" dirty="0" err="1" smtClean="0"/>
+              <a:t>Deref</a:t>
+            </a:r>
+            <a:r>
+              <a:rPr lang="en-GB" dirty="0" smtClean="0"/>
+              <a:t> </a:t>
+            </a:r>
+            <a:r>
+              <a:rPr lang="en-GB" b="1" u="sng" dirty="0">
+                <a:solidFill>
+                  <a:schemeClr val="accent6">
+                    <a:lumMod val="50000"/>
+                  </a:schemeClr>
+                </a:solidFill>
+              </a:rPr>
+              <a:t>Java</a:t>
+            </a:r>
+            <a:r>
+              <a:rPr lang="en-GB" u="sng" dirty="0"/>
+              <a:t> </a:t>
+            </a:r>
+            <a:r>
+              <a:rPr lang="en-GB" u="sng" dirty="0" smtClean="0"/>
+              <a:t>arguments</a:t>
+            </a:r>
+            <a:endParaRPr lang="en-GB" u="sng" dirty="0"/>
           </a:p>
           <a:p>
             <a:pPr lvl="1"/>
             <a:r>
-              <a:rPr lang="en-GB" dirty="0" smtClean="0"/>
-              <a:t>There might be a number of exceptions from rules</a:t>
-            </a:r>
+              <a:rPr lang="en-GB" dirty="0" err="1"/>
+              <a:t>Deref</a:t>
+            </a:r>
+            <a:r>
+              <a:rPr lang="en-GB" dirty="0"/>
+              <a:t> </a:t>
+            </a:r>
+            <a:r>
+              <a:rPr lang="en-GB" b="1" u="sng" dirty="0">
+                <a:solidFill>
+                  <a:schemeClr val="accent6">
+                    <a:lumMod val="50000"/>
+                  </a:schemeClr>
+                </a:solidFill>
+              </a:rPr>
+              <a:t>Java</a:t>
+            </a:r>
+            <a:r>
+              <a:rPr lang="en-GB" u="sng" dirty="0"/>
+              <a:t> </a:t>
+            </a:r>
+            <a:r>
+              <a:rPr lang="en-GB" u="sng" dirty="0" smtClean="0"/>
+              <a:t>result</a:t>
+            </a:r>
+            <a:endParaRPr lang="en-GB" u="sng" dirty="0"/>
+          </a:p>
+          <a:p>
+            <a:pPr lvl="1"/>
+            <a:r>
+              <a:rPr lang="en-GB" dirty="0"/>
+              <a:t>Return </a:t>
+            </a:r>
+            <a:r>
+              <a:rPr lang="en-GB" b="1" u="sng" dirty="0">
+                <a:solidFill>
+                  <a:schemeClr val="accent2">
+                    <a:lumMod val="50000"/>
+                  </a:schemeClr>
+                </a:solidFill>
+              </a:rPr>
+              <a:t>X </a:t>
+            </a:r>
+            <a:r>
+              <a:rPr lang="en-GB" u="sng" dirty="0" smtClean="0"/>
+              <a:t>result</a:t>
+            </a:r>
+            <a:endParaRPr lang="en-GB" u="sng" dirty="0"/>
+          </a:p>
+          <a:p>
+            <a:pPr marL="0" indent="0">
+              <a:buNone/>
+            </a:pPr>
+            <a:endParaRPr lang="en-GB" dirty="0"/>
           </a:p>
         </p:txBody>
       </p:sp>
     </p:spTree>
     <p:extLst>
       <p:ext uri="{BB962C8B-B14F-4D97-AF65-F5344CB8AC3E}">
-        <p14:creationId xmlns:p14="http://schemas.microsoft.com/office/powerpoint/2010/main" val="3643622142"/>
+        <p14:creationId xmlns:p14="http://schemas.microsoft.com/office/powerpoint/2010/main" val="732695745"/>
       </p:ext>
     </p:extLst>
   </p:cSld>
   <p:clrMapOvr>
     <a:masterClrMapping/>
   </p:clrMapOvr>
-  <p:timing>
-    <p:tnLst>
-      <p:par>
-        <p:cTn id="1" dur="indefinite" restart="never" nodeType="tmRoot"/>
-      </p:par>
-    </p:tnLst>
-  </p:timing>
 </p:sld>
 </file>
 
@@ -10246,7 +10559,7 @@
           <a:p>
             <a:r>
               <a:rPr lang="en-GB" dirty="0" smtClean="0"/>
-              <a:t>Compiler Design Issues</a:t>
+              <a:t>Generate C and Python Code</a:t>
             </a:r>
             <a:endParaRPr lang="en-GB" dirty="0"/>
           </a:p>
@@ -10271,75 +10584,68 @@
           <a:p>
             <a:r>
               <a:rPr lang="en-GB" dirty="0" smtClean="0"/>
-              <a:t>In order to avoid binding of all Java code,</a:t>
+              <a:t>Create a compiler that generates the C and Python glue code</a:t>
+            </a:r>
+          </a:p>
+          <a:p>
+            <a:r>
+              <a:rPr lang="en-GB" dirty="0" smtClean="0"/>
+              <a:t>Pro</a:t>
             </a:r>
           </a:p>
           <a:p>
             <a:pPr lvl="1"/>
             <a:r>
               <a:rPr lang="en-GB" dirty="0" smtClean="0"/>
-              <a:t>define a list of types for which code shall be generated (Product, Band, </a:t>
-            </a:r>
-            <a:r>
-              <a:rPr lang="en-GB" dirty="0" err="1" smtClean="0"/>
-              <a:t>TiePointGrid</a:t>
-            </a:r>
-            <a:r>
-              <a:rPr lang="en-GB" dirty="0" smtClean="0"/>
-              <a:t>, …)</a:t>
+              <a:t>Java API changes easily translate into Python/C code</a:t>
             </a:r>
           </a:p>
           <a:p>
             <a:pPr lvl="1"/>
             <a:r>
-              <a:rPr lang="en-GB" dirty="0"/>
-              <a:t>f</a:t>
-            </a:r>
-            <a:r>
-              <a:rPr lang="en-GB" dirty="0" smtClean="0"/>
-              <a:t>or some types or single methods, we will provide hand-written code (File, String, …)</a:t>
-            </a:r>
-            <a:endParaRPr lang="en-GB" dirty="0"/>
+              <a:rPr lang="en-GB" dirty="0" smtClean="0"/>
+              <a:t>Also documentation can be generated from Java sources </a:t>
+            </a:r>
           </a:p>
           <a:p>
             <a:pPr lvl="1"/>
             <a:r>
               <a:rPr lang="en-GB" dirty="0" smtClean="0"/>
-              <a:t>methods that have types in their signature, that are not in this list, will not be translated</a:t>
-            </a:r>
-          </a:p>
-          <a:p>
-            <a:r>
-              <a:rPr lang="en-GB" dirty="0" smtClean="0"/>
-              <a:t>consider </a:t>
-            </a:r>
-            <a:r>
-              <a:rPr lang="en-GB" dirty="0" err="1" smtClean="0"/>
-              <a:t>javacc</a:t>
-            </a:r>
-            <a:r>
-              <a:rPr lang="en-GB" dirty="0" smtClean="0"/>
-              <a:t> to do the job</a:t>
-            </a:r>
-          </a:p>
-          <a:p>
-            <a:r>
-              <a:rPr lang="en-GB" dirty="0" smtClean="0"/>
-              <a:t>consider Java annotations to control code generation (e.g. parameter annotations @In, @Out, @</a:t>
-            </a:r>
-            <a:r>
-              <a:rPr lang="en-GB" dirty="0" err="1" smtClean="0"/>
-              <a:t>InOut</a:t>
-            </a:r>
-            <a:r>
-              <a:rPr lang="en-GB" dirty="0" smtClean="0"/>
-              <a:t>)</a:t>
-            </a:r>
-          </a:p>
-          <a:p>
-            <a:r>
-              <a:rPr lang="en-GB" dirty="0" smtClean="0"/>
-              <a:t>code generation might be done through patterns, e.g. implemented by velocity templates</a:t>
+              <a:t>Code production can be automated</a:t>
+            </a:r>
+          </a:p>
+          <a:p>
+            <a:pPr lvl="1"/>
+            <a:r>
+              <a:rPr lang="en-GB" dirty="0" smtClean="0"/>
+              <a:t>Bugs are fixed in the compiler code, not in glue code</a:t>
+            </a:r>
+          </a:p>
+          <a:p>
+            <a:pPr lvl="1"/>
+            <a:r>
+              <a:rPr lang="en-GB" dirty="0" smtClean="0"/>
+              <a:t>Also test code might be generated</a:t>
+            </a:r>
+          </a:p>
+          <a:p>
+            <a:r>
+              <a:rPr lang="en-GB" dirty="0" smtClean="0"/>
+              <a:t>Contra</a:t>
+            </a:r>
+          </a:p>
+          <a:p>
+            <a:pPr lvl="1"/>
+            <a:r>
+              <a:rPr lang="en-GB" dirty="0" smtClean="0"/>
+              <a:t>It might take a long time to develop a mature compiler</a:t>
+            </a:r>
+          </a:p>
+          <a:p>
+            <a:pPr lvl="1"/>
+            <a:r>
+              <a:rPr lang="en-GB" dirty="0" smtClean="0"/>
+              <a:t>There might be a number of exceptions from rules</a:t>
             </a:r>
           </a:p>
         </p:txBody>
@@ -10347,7 +10653,7 @@
     </p:spTree>
     <p:extLst>
       <p:ext uri="{BB962C8B-B14F-4D97-AF65-F5344CB8AC3E}">
-        <p14:creationId xmlns:p14="http://schemas.microsoft.com/office/powerpoint/2010/main" val="1053306664"/>
+        <p14:creationId xmlns:p14="http://schemas.microsoft.com/office/powerpoint/2010/main" val="3643622142"/>
       </p:ext>
     </p:extLst>
   </p:cSld>
@@ -10398,11 +10704,7 @@
           <a:p>
             <a:r>
               <a:rPr lang="en-GB" dirty="0" smtClean="0"/>
-              <a:t>Design </a:t>
-            </a:r>
-            <a:r>
-              <a:rPr lang="en-GB" dirty="0" err="1" smtClean="0"/>
-              <a:t>Decisons</a:t>
+              <a:t>Compiler Design Issues</a:t>
             </a:r>
             <a:endParaRPr lang="en-GB" dirty="0"/>
           </a:p>
@@ -10421,302 +10723,89 @@
         <p:spPr/>
         <p:txBody>
           <a:bodyPr>
-            <a:normAutofit fontScale="47500" lnSpcReduction="20000"/>
+            <a:normAutofit fontScale="85000" lnSpcReduction="20000"/>
           </a:bodyPr>
           <a:lstStyle/>
           <a:p>
             <a:r>
+              <a:rPr lang="en-GB" dirty="0" smtClean="0"/>
+              <a:t>In order to avoid binding of all Java code,</a:t>
+            </a:r>
+          </a:p>
+          <a:p>
+            <a:pPr lvl="1"/>
+            <a:r>
+              <a:rPr lang="en-GB" dirty="0" smtClean="0"/>
+              <a:t>define a list of types for which code shall be generated (Product, Band, </a:t>
+            </a:r>
+            <a:r>
+              <a:rPr lang="en-GB" dirty="0" err="1" smtClean="0"/>
+              <a:t>TiePointGrid</a:t>
+            </a:r>
+            <a:r>
+              <a:rPr lang="en-GB" dirty="0" smtClean="0"/>
+              <a:t>, …)</a:t>
+            </a:r>
+          </a:p>
+          <a:p>
+            <a:pPr lvl="1"/>
+            <a:r>
               <a:rPr lang="en-GB" dirty="0"/>
-              <a:t>Use JNI types in </a:t>
-            </a:r>
-            <a:r>
-              <a:rPr lang="en-GB" dirty="0" smtClean="0"/>
-              <a:t>C-interfaces</a:t>
-            </a:r>
+              <a:t>f</a:t>
+            </a:r>
+            <a:r>
+              <a:rPr lang="en-GB" dirty="0" smtClean="0"/>
+              <a:t>or some types or single methods, we will provide hand-written code (File, String, …)</a:t>
+            </a:r>
+            <a:endParaRPr lang="en-GB" dirty="0"/>
           </a:p>
           <a:p>
             <a:pPr lvl="1"/>
             <a:r>
               <a:rPr lang="en-GB" dirty="0" smtClean="0"/>
-              <a:t>Yes</a:t>
-            </a:r>
-            <a:r>
-              <a:rPr lang="en-GB" dirty="0"/>
-              <a:t>, because BEAM API is Java and as such it is much less </a:t>
-            </a:r>
-            <a:r>
-              <a:rPr lang="en-GB" dirty="0" err="1"/>
-              <a:t>verbous</a:t>
-            </a:r>
-            <a:r>
-              <a:rPr lang="en-GB" dirty="0"/>
-              <a:t> and more concise to reuse JNI types, and is </a:t>
-            </a:r>
-            <a:r>
-              <a:rPr lang="en-GB" dirty="0" err="1"/>
-              <a:t>aloso</a:t>
-            </a:r>
-            <a:r>
-              <a:rPr lang="en-GB" dirty="0"/>
-              <a:t> less </a:t>
-            </a:r>
-            <a:r>
-              <a:rPr lang="en-GB" dirty="0" smtClean="0"/>
-              <a:t>work</a:t>
-            </a:r>
-          </a:p>
-          <a:p>
-            <a:pPr lvl="1"/>
-            <a:r>
-              <a:rPr lang="en-GB" dirty="0" smtClean="0"/>
-              <a:t>No</a:t>
-            </a:r>
-            <a:r>
-              <a:rPr lang="en-GB" dirty="0"/>
-              <a:t>, because the C-API shall be independent of its implementation or </a:t>
-            </a:r>
-            <a:r>
-              <a:rPr lang="en-GB" dirty="0" smtClean="0"/>
-              <a:t>origin</a:t>
-            </a:r>
-            <a:endParaRPr lang="en-GB" dirty="0"/>
-          </a:p>
-          <a:p>
-            <a:r>
-              <a:rPr lang="en-GB" dirty="0"/>
-              <a:t>Duplicate Java API (or parts) 1:1?  (e.g. any method in Java gets its C counterpart)</a:t>
-            </a:r>
-          </a:p>
-          <a:p>
-            <a:pPr lvl="1"/>
-            <a:r>
-              <a:rPr lang="en-GB" dirty="0" smtClean="0"/>
-              <a:t>Yes</a:t>
-            </a:r>
-            <a:r>
-              <a:rPr lang="en-GB" dirty="0"/>
-              <a:t>, because the Java API docs can be reused for C API</a:t>
-            </a:r>
-            <a:r>
-              <a:rPr lang="en-GB" dirty="0" smtClean="0"/>
-              <a:t>.</a:t>
-            </a:r>
-          </a:p>
-          <a:p>
-            <a:pPr lvl="1"/>
-            <a:r>
-              <a:rPr lang="en-GB" dirty="0" smtClean="0"/>
-              <a:t>No</a:t>
-            </a:r>
-            <a:r>
-              <a:rPr lang="en-GB" dirty="0"/>
-              <a:t>, because a more concise C-API can be generated. And no, because changes in the Java API need to be reflected </a:t>
-            </a:r>
-            <a:r>
-              <a:rPr lang="en-GB" dirty="0" smtClean="0"/>
-              <a:t>in the </a:t>
-            </a:r>
-            <a:r>
-              <a:rPr lang="en-GB" dirty="0"/>
-              <a:t>C API </a:t>
-            </a:r>
-            <a:r>
-              <a:rPr lang="en-GB" dirty="0" smtClean="0"/>
-              <a:t>which </a:t>
-            </a:r>
-            <a:r>
-              <a:rPr lang="en-GB" dirty="0"/>
-              <a:t>will introduce a lot of work</a:t>
-            </a:r>
-            <a:r>
-              <a:rPr lang="en-GB" dirty="0" smtClean="0"/>
-              <a:t>.</a:t>
-            </a:r>
-            <a:endParaRPr lang="en-GB" dirty="0"/>
-          </a:p>
-          <a:p>
-            <a:r>
-              <a:rPr lang="en-GB" dirty="0"/>
-              <a:t>Shall C API functions return string buffers that users have to release </a:t>
-            </a:r>
-            <a:r>
-              <a:rPr lang="en-GB" dirty="0" smtClean="0"/>
-              <a:t>later?</a:t>
-            </a:r>
-          </a:p>
-          <a:p>
-            <a:pPr lvl="1"/>
-            <a:r>
-              <a:rPr lang="en-GB" dirty="0" smtClean="0"/>
-              <a:t>Yes</a:t>
-            </a:r>
-            <a:r>
-              <a:rPr lang="en-GB" dirty="0"/>
-              <a:t>, otherwise the signature of Java counterparts is will be different, because by-reference arguments passing </a:t>
-            </a:r>
-            <a:r>
-              <a:rPr lang="en-GB" dirty="0" smtClean="0"/>
-              <a:t>is required then.</a:t>
-            </a:r>
-            <a:br>
-              <a:rPr lang="en-GB" dirty="0" smtClean="0"/>
-            </a:br>
-            <a:r>
-              <a:rPr lang="en-GB" dirty="0" smtClean="0"/>
-              <a:t>E.g</a:t>
-            </a:r>
-            <a:r>
-              <a:rPr lang="en-GB" dirty="0"/>
-              <a:t>. instead </a:t>
-            </a:r>
-            <a:r>
-              <a:rPr lang="en-GB" dirty="0" smtClean="0"/>
-              <a:t>of</a:t>
-            </a:r>
-            <a:br>
-              <a:rPr lang="en-GB" dirty="0" smtClean="0"/>
-            </a:br>
-            <a:r>
-              <a:rPr lang="en-GB" dirty="0" smtClean="0"/>
-              <a:t>             </a:t>
-            </a:r>
-            <a:r>
-              <a:rPr lang="en-GB" dirty="0"/>
-              <a:t>char* name = </a:t>
-            </a:r>
-            <a:r>
-              <a:rPr lang="en-GB" dirty="0" err="1"/>
-              <a:t>get_name</a:t>
-            </a:r>
-            <a:r>
-              <a:rPr lang="en-GB" dirty="0"/>
-              <a:t>(</a:t>
-            </a:r>
-            <a:r>
-              <a:rPr lang="en-GB" dirty="0" err="1"/>
-              <a:t>obj</a:t>
-            </a:r>
-            <a:r>
-              <a:rPr lang="en-GB" dirty="0" smtClean="0"/>
-              <a:t>);</a:t>
-            </a:r>
-            <a:br>
-              <a:rPr lang="en-GB" dirty="0" smtClean="0"/>
-            </a:br>
-            <a:r>
-              <a:rPr lang="en-GB" dirty="0" smtClean="0"/>
-              <a:t>              ...</a:t>
-            </a:r>
-            <a:br>
-              <a:rPr lang="en-GB" dirty="0" smtClean="0"/>
-            </a:br>
-            <a:r>
-              <a:rPr lang="en-GB" dirty="0" smtClean="0"/>
-              <a:t>              </a:t>
-            </a:r>
-            <a:r>
-              <a:rPr lang="en-GB" dirty="0"/>
-              <a:t>free(name</a:t>
-            </a:r>
-            <a:r>
-              <a:rPr lang="en-GB" dirty="0" smtClean="0"/>
-              <a:t>);</a:t>
-            </a:r>
-            <a:br>
-              <a:rPr lang="en-GB" dirty="0" smtClean="0"/>
-            </a:br>
-            <a:r>
-              <a:rPr lang="en-GB" dirty="0" smtClean="0"/>
-              <a:t>we have</a:t>
-            </a:r>
-            <a:br>
-              <a:rPr lang="en-GB" dirty="0" smtClean="0"/>
-            </a:br>
-            <a:r>
-              <a:rPr lang="en-GB" dirty="0" smtClean="0"/>
-              <a:t>              </a:t>
-            </a:r>
-            <a:r>
-              <a:rPr lang="en-GB" dirty="0"/>
-              <a:t>char name[81</a:t>
-            </a:r>
-            <a:r>
-              <a:rPr lang="en-GB" dirty="0" smtClean="0"/>
-              <a:t>];</a:t>
-            </a:r>
-            <a:br>
-              <a:rPr lang="en-GB" dirty="0" smtClean="0"/>
-            </a:br>
-            <a:r>
-              <a:rPr lang="en-GB" dirty="0" smtClean="0"/>
-              <a:t>              </a:t>
-            </a:r>
-            <a:r>
-              <a:rPr lang="en-GB" dirty="0" err="1"/>
-              <a:t>get_name</a:t>
-            </a:r>
-            <a:r>
-              <a:rPr lang="en-GB" dirty="0"/>
-              <a:t>(</a:t>
-            </a:r>
-            <a:r>
-              <a:rPr lang="en-GB" dirty="0" err="1"/>
-              <a:t>obj</a:t>
-            </a:r>
-            <a:r>
-              <a:rPr lang="en-GB" dirty="0"/>
-              <a:t>, name, 80</a:t>
-            </a:r>
-            <a:r>
-              <a:rPr lang="en-GB" dirty="0" smtClean="0"/>
-              <a:t>);</a:t>
-            </a:r>
-          </a:p>
-          <a:p>
-            <a:pPr lvl="1"/>
-            <a:r>
-              <a:rPr lang="en-GB" dirty="0" smtClean="0"/>
-              <a:t>No</a:t>
-            </a:r>
-            <a:r>
-              <a:rPr lang="en-GB" dirty="0"/>
-              <a:t>, because it is </a:t>
-            </a:r>
-            <a:r>
-              <a:rPr lang="en-GB" dirty="0" smtClean="0"/>
-              <a:t>obvious </a:t>
-            </a:r>
-            <a:r>
-              <a:rPr lang="en-GB" dirty="0"/>
-              <a:t>that strings need to be freed on the users side</a:t>
-            </a:r>
-            <a:r>
-              <a:rPr lang="en-GB" dirty="0" smtClean="0"/>
-              <a:t>.</a:t>
-            </a:r>
-          </a:p>
-          <a:p>
-            <a:r>
-              <a:rPr lang="en-GB" dirty="0" smtClean="0"/>
-              <a:t>Shall </a:t>
-            </a:r>
-            <a:r>
-              <a:rPr lang="en-GB" dirty="0"/>
-              <a:t>the API allow for modification of single structures elements that are passed as arguments by-reference.?</a:t>
-            </a:r>
-          </a:p>
-          <a:p>
-            <a:endParaRPr lang="en-GB" dirty="0"/>
-          </a:p>
-          <a:p>
-            <a:endParaRPr lang="en-GB" dirty="0"/>
+              <a:t>methods that have types in their signature, that are not in this list, will not be translated</a:t>
+            </a:r>
+          </a:p>
+          <a:p>
+            <a:r>
+              <a:rPr lang="en-GB" dirty="0" smtClean="0"/>
+              <a:t>consider </a:t>
+            </a:r>
+            <a:r>
+              <a:rPr lang="en-GB" dirty="0" err="1" smtClean="0"/>
+              <a:t>javacc</a:t>
+            </a:r>
+            <a:r>
+              <a:rPr lang="en-GB" dirty="0" smtClean="0"/>
+              <a:t> to do the job</a:t>
+            </a:r>
+          </a:p>
+          <a:p>
+            <a:r>
+              <a:rPr lang="en-GB" dirty="0" smtClean="0"/>
+              <a:t>consider Java annotations to control code generation (e.g. parameter annotations @In, @Out, @</a:t>
+            </a:r>
+            <a:r>
+              <a:rPr lang="en-GB" dirty="0" err="1" smtClean="0"/>
+              <a:t>InOut</a:t>
+            </a:r>
+            <a:r>
+              <a:rPr lang="en-GB" dirty="0" smtClean="0"/>
+              <a:t>)</a:t>
+            </a:r>
+          </a:p>
+          <a:p>
+            <a:r>
+              <a:rPr lang="en-GB" dirty="0" smtClean="0"/>
+              <a:t>code generation might be done through patterns, e.g. implemented by velocity templates</a:t>
+            </a:r>
           </a:p>
         </p:txBody>
       </p:sp>
     </p:spTree>
     <p:extLst>
       <p:ext uri="{BB962C8B-B14F-4D97-AF65-F5344CB8AC3E}">
-        <p14:creationId xmlns:p14="http://schemas.microsoft.com/office/powerpoint/2010/main" val="1103487878"/>
+        <p14:creationId xmlns:p14="http://schemas.microsoft.com/office/powerpoint/2010/main" val="1053306664"/>
       </p:ext>
     </p:extLst>
   </p:cSld>
@@ -10767,7 +10856,11 @@
           <a:p>
             <a:r>
               <a:rPr lang="en-GB" dirty="0" smtClean="0"/>
-              <a:t>Data Arrays (1/3)</a:t>
+              <a:t>Design </a:t>
+            </a:r>
+            <a:r>
+              <a:rPr lang="en-GB" dirty="0" err="1" smtClean="0"/>
+              <a:t>Decisons</a:t>
             </a:r>
             <a:endParaRPr lang="en-GB" dirty="0"/>
           </a:p>
@@ -10791,390 +10884,297 @@
           <a:lstStyle/>
           <a:p>
             <a:r>
-              <a:rPr lang="en-GB" dirty="0" smtClean="0"/>
-              <a:t>We shall try to find a way to directly use the arrays allocated and returned by the C-API without copying them</a:t>
-            </a:r>
-          </a:p>
-          <a:p>
-            <a:endParaRPr lang="en-GB" dirty="0" smtClean="0"/>
-          </a:p>
-          <a:p>
-            <a:r>
-              <a:rPr lang="en-GB" b="1" dirty="0" smtClean="0"/>
-              <a:t>array</a:t>
+              <a:rPr lang="en-GB" dirty="0"/>
+              <a:t>Use JNI types in </a:t>
+            </a:r>
+            <a:r>
+              <a:rPr lang="en-GB" dirty="0" smtClean="0"/>
+              <a:t>C-interfaces</a:t>
             </a:r>
           </a:p>
           <a:p>
             <a:pPr lvl="1"/>
             <a:r>
-              <a:rPr lang="en-GB" b="1" dirty="0" smtClean="0"/>
-              <a:t>array</a:t>
-            </a:r>
-            <a:r>
-              <a:rPr lang="en-GB" dirty="0" smtClean="0"/>
+              <a:rPr lang="en-GB" dirty="0" smtClean="0"/>
+              <a:t>Yes</a:t>
+            </a:r>
+            <a:r>
+              <a:rPr lang="en-GB" dirty="0"/>
+              <a:t>, because BEAM API is Java and as such it is much less </a:t>
+            </a:r>
+            <a:r>
+              <a:rPr lang="en-GB" dirty="0" err="1"/>
+              <a:t>verbous</a:t>
+            </a:r>
+            <a:r>
+              <a:rPr lang="en-GB" dirty="0"/>
+              <a:t> and more concise to reuse JNI types, and is </a:t>
+            </a:r>
+            <a:r>
+              <a:rPr lang="en-GB" dirty="0" err="1"/>
+              <a:t>aloso</a:t>
+            </a:r>
+            <a:r>
+              <a:rPr lang="en-GB" dirty="0"/>
+              <a:t> less </a:t>
+            </a:r>
+            <a:r>
+              <a:rPr lang="en-GB" dirty="0" smtClean="0"/>
+              <a:t>work</a:t>
+            </a:r>
+          </a:p>
+          <a:p>
+            <a:pPr lvl="1"/>
+            <a:r>
+              <a:rPr lang="en-GB" dirty="0" smtClean="0"/>
+              <a:t>No</a:t>
+            </a:r>
+            <a:r>
+              <a:rPr lang="en-GB" dirty="0"/>
+              <a:t>, because the C-API shall be independent of its implementation or </a:t>
+            </a:r>
+            <a:r>
+              <a:rPr lang="en-GB" dirty="0" smtClean="0"/>
+              <a:t>origin</a:t>
+            </a:r>
+            <a:endParaRPr lang="en-GB" dirty="0"/>
+          </a:p>
+          <a:p>
+            <a:r>
+              <a:rPr lang="en-GB" dirty="0"/>
+              <a:t>Duplicate Java API (or parts) 1:1?  (e.g. any method in Java gets its C counterpart)</a:t>
+            </a:r>
+          </a:p>
+          <a:p>
+            <a:pPr lvl="1"/>
+            <a:r>
+              <a:rPr lang="en-GB" dirty="0" smtClean="0"/>
+              <a:t>Yes</a:t>
+            </a:r>
+            <a:r>
+              <a:rPr lang="en-GB" dirty="0"/>
+              <a:t>, because the Java API docs can be reused for C API</a:t>
+            </a:r>
+            <a:r>
+              <a:rPr lang="en-GB" dirty="0" smtClean="0"/>
+              <a:t>.</a:t>
+            </a:r>
+          </a:p>
+          <a:p>
+            <a:pPr lvl="1"/>
+            <a:r>
+              <a:rPr lang="en-GB" dirty="0" smtClean="0"/>
+              <a:t>No</a:t>
+            </a:r>
+            <a:r>
+              <a:rPr lang="en-GB" dirty="0"/>
+              <a:t>, because a more concise C-API can be generated. And no, because changes in the Java API need to be reflected </a:t>
+            </a:r>
+            <a:r>
+              <a:rPr lang="en-GB" dirty="0" smtClean="0"/>
+              <a:t>in the </a:t>
+            </a:r>
+            <a:r>
+              <a:rPr lang="en-GB" dirty="0"/>
+              <a:t>C API </a:t>
+            </a:r>
+            <a:r>
+              <a:rPr lang="en-GB" dirty="0" smtClean="0"/>
+              <a:t>which </a:t>
+            </a:r>
+            <a:r>
+              <a:rPr lang="en-GB" dirty="0"/>
+              <a:t>will introduce a lot of work</a:t>
+            </a:r>
+            <a:r>
+              <a:rPr lang="en-GB" dirty="0" smtClean="0"/>
+              <a:t>.</a:t>
+            </a:r>
+            <a:endParaRPr lang="en-GB" dirty="0"/>
+          </a:p>
+          <a:p>
+            <a:r>
+              <a:rPr lang="en-GB" dirty="0"/>
+              <a:t>Shall C API functions return string buffers that users have to release </a:t>
+            </a:r>
+            <a:r>
+              <a:rPr lang="en-GB" dirty="0" smtClean="0"/>
+              <a:t>later?</a:t>
+            </a:r>
+          </a:p>
+          <a:p>
+            <a:pPr lvl="1"/>
+            <a:r>
+              <a:rPr lang="en-GB" dirty="0" smtClean="0"/>
+              <a:t>Yes</a:t>
+            </a:r>
+            <a:r>
+              <a:rPr lang="en-GB" dirty="0"/>
+              <a:t>, otherwise the signature of Java counterparts is will be different, because by-reference arguments passing </a:t>
+            </a:r>
+            <a:r>
+              <a:rPr lang="en-GB" dirty="0" smtClean="0"/>
+              <a:t>is required then.</a:t>
+            </a:r>
+            <a:br>
+              <a:rPr lang="en-GB" dirty="0" smtClean="0"/>
+            </a:br>
+            <a:r>
+              <a:rPr lang="en-GB" dirty="0" smtClean="0"/>
+              <a:t>E.g</a:t>
+            </a:r>
+            <a:r>
+              <a:rPr lang="en-GB" dirty="0"/>
+              <a:t>. instead </a:t>
+            </a:r>
+            <a:r>
+              <a:rPr lang="en-GB" dirty="0" smtClean="0"/>
+              <a:t>of</a:t>
+            </a:r>
+            <a:br>
+              <a:rPr lang="en-GB" dirty="0" smtClean="0"/>
+            </a:br>
+            <a:r>
+              <a:rPr lang="en-GB" dirty="0" smtClean="0"/>
+              <a:t>             </a:t>
+            </a:r>
+            <a:r>
+              <a:rPr lang="en-GB" dirty="0"/>
+              <a:t>char* name = </a:t>
+            </a:r>
+            <a:r>
+              <a:rPr lang="en-GB" dirty="0" err="1"/>
+              <a:t>get_name</a:t>
+            </a:r>
+            <a:r>
+              <a:rPr lang="en-GB" dirty="0"/>
               <a:t>(</a:t>
             </a:r>
             <a:r>
-              <a:rPr lang="en-GB" i="1" dirty="0" err="1" smtClean="0"/>
-              <a:t>typecode</a:t>
+              <a:rPr lang="en-GB" dirty="0" err="1"/>
+              <a:t>obj</a:t>
+            </a:r>
+            <a:r>
+              <a:rPr lang="en-GB" dirty="0" smtClean="0"/>
+              <a:t>);</a:t>
+            </a:r>
+            <a:br>
+              <a:rPr lang="en-GB" dirty="0" smtClean="0"/>
+            </a:br>
+            <a:r>
+              <a:rPr lang="en-GB" dirty="0" smtClean="0"/>
+              <a:t>              ...</a:t>
+            </a:r>
+            <a:br>
+              <a:rPr lang="en-GB" dirty="0" smtClean="0"/>
+            </a:br>
+            <a:r>
+              <a:rPr lang="en-GB" dirty="0" smtClean="0"/>
+              <a:t>              </a:t>
             </a:r>
             <a:r>
               <a:rPr lang="en-GB" dirty="0"/>
-              <a:t>[, </a:t>
-            </a:r>
-            <a:r>
-              <a:rPr lang="en-GB" i="1" dirty="0"/>
-              <a:t>initializer</a:t>
+              <a:t>free(name</a:t>
+            </a:r>
+            <a:r>
+              <a:rPr lang="en-GB" dirty="0" smtClean="0"/>
+              <a:t>);</a:t>
+            </a:r>
+            <a:br>
+              <a:rPr lang="en-GB" dirty="0" smtClean="0"/>
+            </a:br>
+            <a:r>
+              <a:rPr lang="en-GB" dirty="0" smtClean="0"/>
+              <a:t>we have</a:t>
+            </a:r>
+            <a:br>
+              <a:rPr lang="en-GB" dirty="0" smtClean="0"/>
+            </a:br>
+            <a:r>
+              <a:rPr lang="en-GB" dirty="0" smtClean="0"/>
+              <a:t>              </a:t>
             </a:r>
             <a:r>
               <a:rPr lang="en-GB" dirty="0"/>
-              <a:t>])</a:t>
+              <a:t>char name[81</a:t>
+            </a:r>
+            <a:r>
+              <a:rPr lang="en-GB" dirty="0" smtClean="0"/>
+              <a:t>];</a:t>
             </a:r>
             <a:br>
+              <a:rPr lang="en-GB" dirty="0" smtClean="0"/>
+            </a:br>
+            <a:r>
+              <a:rPr lang="en-GB" dirty="0" smtClean="0"/>
+              <a:t>              </a:t>
+            </a:r>
+            <a:r>
+              <a:rPr lang="en-GB" dirty="0" err="1"/>
+              <a:t>get_name</a:t>
+            </a:r>
+            <a:r>
               <a:rPr lang="en-GB" dirty="0"/>
-            </a:br>
-            <a:r>
-              <a:rPr lang="en-GB" sz="2900" i="1" dirty="0">
-                <a:solidFill>
-                  <a:schemeClr val="accent1">
-                    <a:lumMod val="75000"/>
-                  </a:schemeClr>
-                </a:solidFill>
-              </a:rPr>
-              <a:t>A new array whose items are restricted by </a:t>
-            </a:r>
-            <a:r>
-              <a:rPr lang="en-GB" sz="2900" i="1" dirty="0" err="1">
-                <a:solidFill>
-                  <a:schemeClr val="accent1">
-                    <a:lumMod val="75000"/>
-                  </a:schemeClr>
-                </a:solidFill>
-              </a:rPr>
-              <a:t>typecode</a:t>
-            </a:r>
-            <a:r>
-              <a:rPr lang="en-GB" sz="2900" i="1" dirty="0">
-                <a:solidFill>
-                  <a:schemeClr val="accent1">
-                    <a:lumMod val="75000"/>
-                  </a:schemeClr>
-                </a:solidFill>
-              </a:rPr>
-              <a:t>, and initialized from the optional initializer value, which must be a list, object supporting the buffer interface, or </a:t>
-            </a:r>
-            <a:r>
-              <a:rPr lang="en-GB" sz="2900" i="1" dirty="0" err="1">
-                <a:solidFill>
-                  <a:schemeClr val="accent1">
-                    <a:lumMod val="75000"/>
-                  </a:schemeClr>
-                </a:solidFill>
-              </a:rPr>
-              <a:t>iterable</a:t>
-            </a:r>
-            <a:r>
-              <a:rPr lang="en-GB" sz="2900" i="1" dirty="0">
-                <a:solidFill>
-                  <a:schemeClr val="accent1">
-                    <a:lumMod val="75000"/>
-                  </a:schemeClr>
-                </a:solidFill>
-              </a:rPr>
-              <a:t> over elements of the appropriate type.</a:t>
+              <a:t>(</a:t>
+            </a:r>
+            <a:r>
+              <a:rPr lang="en-GB" dirty="0" err="1"/>
+              <a:t>obj</a:t>
+            </a:r>
+            <a:r>
+              <a:rPr lang="en-GB" dirty="0"/>
+              <a:t>, name, 80</a:t>
+            </a:r>
+            <a:r>
+              <a:rPr lang="en-GB" dirty="0" smtClean="0"/>
+              <a:t>);</a:t>
             </a:r>
           </a:p>
           <a:p>
             <a:pPr lvl="1"/>
             <a:r>
               <a:rPr lang="en-GB" dirty="0" smtClean="0"/>
-              <a:t>Note: the </a:t>
-            </a:r>
-            <a:r>
-              <a:rPr lang="en-GB" b="1" dirty="0" smtClean="0"/>
-              <a:t>array</a:t>
-            </a:r>
-            <a:r>
-              <a:rPr lang="en-GB" dirty="0" smtClean="0"/>
-              <a:t> constructor always make copies of buffers passed in as </a:t>
-            </a:r>
-            <a:r>
-              <a:rPr lang="en-GB" i="1" dirty="0"/>
-              <a:t>initializer</a:t>
-            </a:r>
-            <a:r>
-              <a:rPr lang="en-GB" dirty="0" smtClean="0"/>
-              <a:t> </a:t>
-            </a:r>
-          </a:p>
-          <a:p>
-            <a:pPr lvl="1"/>
-            <a:r>
-              <a:rPr lang="en-GB" dirty="0" smtClean="0"/>
-              <a:t>Note: arrays support the buffer interface</a:t>
-            </a:r>
-          </a:p>
-          <a:p>
-            <a:r>
-              <a:rPr lang="en-GB" b="1" dirty="0" err="1" smtClean="0"/>
-              <a:t>numpy</a:t>
-            </a:r>
-            <a:endParaRPr lang="en-GB" b="1" dirty="0" smtClean="0"/>
-          </a:p>
-          <a:p>
-            <a:pPr lvl="1"/>
-            <a:r>
-              <a:rPr lang="en-GB" b="1" dirty="0" err="1" smtClean="0"/>
-              <a:t>frombuffer</a:t>
-            </a:r>
-            <a:r>
-              <a:rPr lang="en-GB" dirty="0" smtClean="0"/>
-              <a:t>(buffer</a:t>
+              <a:t>No</a:t>
             </a:r>
             <a:r>
               <a:rPr lang="en-GB" dirty="0"/>
-              <a:t>[, </a:t>
-            </a:r>
-            <a:r>
-              <a:rPr lang="en-GB" dirty="0" err="1"/>
-              <a:t>dtype</a:t>
+              <a:t>, because it is </a:t>
+            </a:r>
+            <a:r>
+              <a:rPr lang="en-GB" dirty="0" smtClean="0"/>
+              <a:t>obvious </a:t>
             </a:r>
             <a:r>
               <a:rPr lang="en-GB" dirty="0"/>
-              <a:t>, count, offset</a:t>
-            </a:r>
-            <a:r>
-              <a:rPr lang="en-GB" dirty="0" smtClean="0"/>
-              <a:t>]) </a:t>
-            </a:r>
-            <a:br>
-              <a:rPr lang="en-GB" dirty="0" smtClean="0"/>
-            </a:br>
-            <a:r>
-              <a:rPr lang="en-GB" i="1" dirty="0" smtClean="0">
-                <a:solidFill>
-                  <a:schemeClr val="accent1">
-                    <a:lumMod val="75000"/>
-                  </a:schemeClr>
-                </a:solidFill>
-              </a:rPr>
-              <a:t>Interpret </a:t>
-            </a:r>
-            <a:r>
-              <a:rPr lang="en-GB" i="1" dirty="0">
-                <a:solidFill>
-                  <a:schemeClr val="accent1">
-                    <a:lumMod val="75000"/>
-                  </a:schemeClr>
-                </a:solidFill>
-              </a:rPr>
-              <a:t>a buffer as a 1-dimensional </a:t>
-            </a:r>
-            <a:r>
-              <a:rPr lang="en-GB" i="1" dirty="0" smtClean="0">
-                <a:solidFill>
-                  <a:schemeClr val="accent1">
-                    <a:lumMod val="75000"/>
-                  </a:schemeClr>
-                </a:solidFill>
-              </a:rPr>
-              <a:t>array.</a:t>
-            </a:r>
-            <a:endParaRPr lang="en-GB" i="1" dirty="0">
-              <a:solidFill>
-                <a:schemeClr val="accent1">
-                  <a:lumMod val="75000"/>
-                </a:schemeClr>
-              </a:solidFill>
-            </a:endParaRPr>
-          </a:p>
-          <a:p>
-            <a:pPr lvl="1"/>
-            <a:r>
-              <a:rPr lang="en-GB" b="1" dirty="0" smtClean="0"/>
-              <a:t>reshape</a:t>
-            </a:r>
-            <a:r>
-              <a:rPr lang="en-GB" dirty="0" smtClean="0"/>
-              <a:t>(array,</a:t>
+              <a:t>that strings need to be freed on the users side</a:t>
+            </a:r>
+            <a:r>
+              <a:rPr lang="en-GB" dirty="0" smtClean="0"/>
+              <a:t>.</a:t>
+            </a:r>
+          </a:p>
+          <a:p>
+            <a:r>
+              <a:rPr lang="en-GB" dirty="0" smtClean="0"/>
+              <a:t>Shall </a:t>
             </a:r>
             <a:r>
               <a:rPr lang="en-GB" dirty="0"/>
-              <a:t> </a:t>
-            </a:r>
-            <a:r>
-              <a:rPr lang="en-GB" dirty="0" err="1" smtClean="0"/>
-              <a:t>newshape</a:t>
-            </a:r>
-            <a:r>
-              <a:rPr lang="en-GB" dirty="0" smtClean="0"/>
-              <a:t>[,</a:t>
-            </a:r>
-            <a:r>
-              <a:rPr lang="en-GB" dirty="0"/>
-              <a:t> </a:t>
-            </a:r>
-            <a:r>
-              <a:rPr lang="en-GB" dirty="0" smtClean="0"/>
-              <a:t>order])</a:t>
-            </a:r>
-            <a:br>
-              <a:rPr lang="en-GB" dirty="0" smtClean="0"/>
-            </a:br>
-            <a:r>
-              <a:rPr lang="en-GB" i="1" dirty="0">
-                <a:solidFill>
-                  <a:schemeClr val="accent1">
-                    <a:lumMod val="75000"/>
-                  </a:schemeClr>
-                </a:solidFill>
-              </a:rPr>
-              <a:t>Gives a new shape to an array without changing its data</a:t>
-            </a:r>
-            <a:r>
-              <a:rPr lang="en-GB" i="1" dirty="0" smtClean="0">
-                <a:solidFill>
-                  <a:schemeClr val="accent1">
-                    <a:lumMod val="75000"/>
-                  </a:schemeClr>
-                </a:solidFill>
-              </a:rPr>
-              <a:t>.</a:t>
-            </a:r>
-          </a:p>
-          <a:p>
-            <a:pPr lvl="1"/>
-            <a:r>
-              <a:rPr lang="en-GB" dirty="0"/>
-              <a:t>Note: </a:t>
-            </a:r>
-            <a:r>
-              <a:rPr lang="en-GB" dirty="0" smtClean="0"/>
-              <a:t>Neither </a:t>
-            </a:r>
-            <a:r>
-              <a:rPr lang="en-GB" b="1" dirty="0" err="1"/>
-              <a:t>frombuffer</a:t>
-            </a:r>
-            <a:r>
-              <a:rPr lang="en-GB" dirty="0" smtClean="0"/>
-              <a:t> nor </a:t>
-            </a:r>
-            <a:r>
-              <a:rPr lang="en-GB" b="1" dirty="0" smtClean="0"/>
-              <a:t>reshape </a:t>
-            </a:r>
-            <a:r>
-              <a:rPr lang="en-GB" dirty="0" smtClean="0"/>
-              <a:t>make copies of the input data</a:t>
-            </a:r>
-          </a:p>
-          <a:p>
-            <a:endParaRPr lang="en-GB" u="sng" dirty="0" smtClean="0"/>
-          </a:p>
-          <a:p>
-            <a:r>
-              <a:rPr lang="en-GB" u="sng" dirty="0" smtClean="0"/>
-              <a:t>Conclusion</a:t>
-            </a:r>
-            <a:r>
-              <a:rPr lang="en-GB" dirty="0" smtClean="0"/>
-              <a:t>: pixel data passed in and returned by the BEAM Python API shall be Python objects that support the </a:t>
-            </a:r>
-            <a:r>
-              <a:rPr lang="en-GB" b="1" i="1" dirty="0" smtClean="0"/>
-              <a:t>buffer interface </a:t>
-            </a:r>
-            <a:r>
-              <a:rPr lang="en-GB" dirty="0" smtClean="0"/>
-              <a:t>so that the data can be efficiently used with </a:t>
-            </a:r>
-            <a:r>
-              <a:rPr lang="en-GB" dirty="0" err="1" smtClean="0"/>
-              <a:t>numpy</a:t>
-            </a:r>
-            <a:r>
-              <a:rPr lang="en-GB" dirty="0" smtClean="0"/>
-              <a:t>.</a:t>
-            </a:r>
-          </a:p>
-          <a:p>
-            <a:pPr lvl="1"/>
-            <a:r>
-              <a:rPr lang="en-GB" dirty="0">
-                <a:hlinkClick r:id="rId2"/>
-              </a:rPr>
-              <a:t>http://</a:t>
-            </a:r>
-            <a:r>
-              <a:rPr lang="en-GB" dirty="0" smtClean="0">
-                <a:hlinkClick r:id="rId2"/>
-              </a:rPr>
-              <a:t>docs.python.org/3.2/c-api/buffer.html?highlight=buffer#Py_buffer</a:t>
-            </a:r>
-            <a:r>
-              <a:rPr lang="en-GB" dirty="0" smtClean="0"/>
-              <a:t> </a:t>
-            </a:r>
-          </a:p>
-          <a:p>
-            <a:pPr lvl="1"/>
-            <a:r>
-              <a:rPr lang="en-GB" dirty="0">
-                <a:hlinkClick r:id="rId3"/>
-              </a:rPr>
-              <a:t>http://</a:t>
-            </a:r>
-            <a:r>
-              <a:rPr lang="en-GB" dirty="0" smtClean="0">
-                <a:hlinkClick r:id="rId3"/>
-              </a:rPr>
-              <a:t>docs.python.org/3.2/c-api/typeobj.html#buffer-structs</a:t>
-            </a:r>
-            <a:endParaRPr lang="en-GB" dirty="0" smtClean="0"/>
-          </a:p>
-          <a:p>
-            <a:pPr lvl="1"/>
-            <a:r>
-              <a:rPr lang="en-GB" dirty="0" smtClean="0">
-                <a:hlinkClick r:id="rId4"/>
-              </a:rPr>
-              <a:t>http</a:t>
-            </a:r>
-            <a:r>
-              <a:rPr lang="en-GB" dirty="0">
-                <a:hlinkClick r:id="rId4"/>
-              </a:rPr>
-              <a:t>://</a:t>
-            </a:r>
-            <a:r>
-              <a:rPr lang="en-GB" dirty="0" smtClean="0">
-                <a:hlinkClick r:id="rId4"/>
-              </a:rPr>
-              <a:t>docs.python.org/3.2/library/stdtypes.html#memoryview</a:t>
-            </a:r>
-            <a:r>
-              <a:rPr lang="en-GB" dirty="0" smtClean="0"/>
-              <a:t> </a:t>
-            </a:r>
+              <a:t>the API allow for modification of single structures elements that are passed as arguments by-reference.?</a:t>
+            </a:r>
+          </a:p>
+          <a:p>
             <a:endParaRPr lang="en-GB" dirty="0"/>
           </a:p>
           <a:p>
-            <a:pPr lvl="1"/>
-            <a:endParaRPr lang="en-GB" i="1" dirty="0">
-              <a:solidFill>
-                <a:schemeClr val="accent1">
-                  <a:lumMod val="75000"/>
-                </a:schemeClr>
-              </a:solidFill>
-            </a:endParaRPr>
+            <a:endParaRPr lang="en-GB" dirty="0"/>
           </a:p>
         </p:txBody>
       </p:sp>
     </p:spTree>
     <p:extLst>
       <p:ext uri="{BB962C8B-B14F-4D97-AF65-F5344CB8AC3E}">
-        <p14:creationId xmlns:p14="http://schemas.microsoft.com/office/powerpoint/2010/main" val="3309612122"/>
+        <p14:creationId xmlns:p14="http://schemas.microsoft.com/office/powerpoint/2010/main" val="1103487878"/>
       </p:ext>
     </p:extLst>
   </p:cSld>
@@ -11225,7 +11225,7 @@
           <a:p>
             <a:r>
               <a:rPr lang="en-GB" dirty="0" smtClean="0"/>
-              <a:t>Data Arrays (2/3)</a:t>
+              <a:t>Data Arrays (1/3)</a:t>
             </a:r>
             <a:endParaRPr lang="en-GB" dirty="0"/>
           </a:p>
@@ -11244,289 +11244,395 @@
         <p:spPr/>
         <p:txBody>
           <a:bodyPr>
-            <a:normAutofit fontScale="62500" lnSpcReduction="20000"/>
+            <a:normAutofit fontScale="47500" lnSpcReduction="20000"/>
           </a:bodyPr>
           <a:lstStyle/>
           <a:p>
             <a:r>
               <a:rPr lang="en-GB" dirty="0" smtClean="0"/>
-              <a:t>Parsing buffer arguments:</a:t>
-            </a:r>
-          </a:p>
-          <a:p>
-            <a:pPr marL="457200" lvl="1" indent="0">
-              <a:buNone/>
-            </a:pPr>
-            <a:r>
-              <a:rPr lang="en-GB" dirty="0" err="1" smtClean="0"/>
-              <a:t>Py_buffer</a:t>
+              <a:t>We shall try to find a way to directly use the arrays allocated and returned by the C-API without copying them</a:t>
+            </a:r>
+          </a:p>
+          <a:p>
+            <a:endParaRPr lang="en-GB" dirty="0" smtClean="0"/>
+          </a:p>
+          <a:p>
+            <a:r>
+              <a:rPr lang="en-GB" b="1" dirty="0" smtClean="0"/>
+              <a:t>array</a:t>
+            </a:r>
+          </a:p>
+          <a:p>
+            <a:pPr lvl="1"/>
+            <a:r>
+              <a:rPr lang="en-GB" b="1" dirty="0" smtClean="0"/>
+              <a:t>array</a:t>
+            </a:r>
+            <a:r>
+              <a:rPr lang="en-GB" dirty="0" smtClean="0"/>
+              <a:t>(</a:t>
+            </a:r>
+            <a:r>
+              <a:rPr lang="en-GB" i="1" dirty="0" err="1" smtClean="0"/>
+              <a:t>typecode</a:t>
             </a:r>
             <a:r>
               <a:rPr lang="en-GB" dirty="0"/>
-              <a:t> </a:t>
-            </a:r>
-            <a:r>
-              <a:rPr lang="en-GB" dirty="0" smtClean="0"/>
-              <a:t>b;</a:t>
-            </a:r>
-            <a:endParaRPr lang="en-GB" dirty="0"/>
-          </a:p>
-          <a:p>
-            <a:pPr marL="457200" lvl="1" indent="0">
-              <a:buNone/>
-            </a:pPr>
+              <a:t>[, </a:t>
+            </a:r>
+            <a:r>
+              <a:rPr lang="en-GB" i="1" dirty="0"/>
+              <a:t>initializer</a:t>
+            </a:r>
             <a:r>
               <a:rPr lang="en-GB" dirty="0"/>
-              <a:t>ret = </a:t>
-            </a:r>
-            <a:r>
-              <a:rPr lang="en-GB" dirty="0" err="1" smtClean="0"/>
-              <a:t>PyArg_ParseTuple</a:t>
-            </a:r>
-            <a:r>
-              <a:rPr lang="en-GB" dirty="0" smtClean="0"/>
-              <a:t>(</a:t>
-            </a:r>
-            <a:r>
-              <a:rPr lang="en-GB" dirty="0" err="1" smtClean="0"/>
-              <a:t>args</a:t>
-            </a:r>
-            <a:r>
-              <a:rPr lang="en-GB" dirty="0"/>
-              <a:t>, </a:t>
-            </a:r>
-            <a:r>
-              <a:rPr lang="en-GB" dirty="0" smtClean="0"/>
-              <a:t>“y*”, &amp;b); </a:t>
-            </a:r>
-          </a:p>
-          <a:p>
-            <a:pPr lvl="1"/>
-            <a:r>
-              <a:rPr lang="en-GB" dirty="0" smtClean="0"/>
-              <a:t>See “Parsing </a:t>
-            </a:r>
-            <a:r>
-              <a:rPr lang="en-GB" dirty="0"/>
-              <a:t>arguments and building </a:t>
-            </a:r>
-            <a:r>
-              <a:rPr lang="en-GB" dirty="0" smtClean="0"/>
-              <a:t>values” in Python/C API Reference Manual</a:t>
-            </a:r>
-          </a:p>
-          <a:p>
-            <a:r>
-              <a:rPr lang="en-GB" dirty="0" smtClean="0"/>
-              <a:t>Directly using buffer arguments</a:t>
-            </a:r>
-          </a:p>
-          <a:p>
-            <a:pPr marL="457200" lvl="1" indent="0">
-              <a:buNone/>
-            </a:pPr>
-            <a:r>
-              <a:rPr lang="en-GB" dirty="0" err="1" smtClean="0"/>
-              <a:t>PyObject_CheckBuffer</a:t>
-            </a:r>
-            <a:r>
-              <a:rPr lang="en-GB" dirty="0" smtClean="0"/>
-              <a:t>(</a:t>
-            </a:r>
-            <a:r>
-              <a:rPr lang="en-GB" dirty="0" err="1" smtClean="0"/>
-              <a:t>obj</a:t>
-            </a:r>
-            <a:r>
-              <a:rPr lang="en-GB" dirty="0" smtClean="0"/>
-              <a:t>) == 1</a:t>
-            </a:r>
-            <a:r>
-              <a:rPr lang="en-GB" dirty="0"/>
-              <a:t/>
+              <a:t>])</a:t>
             </a:r>
             <a:br>
               <a:rPr lang="en-GB" dirty="0"/>
             </a:br>
             <a:r>
+              <a:rPr lang="en-GB" sz="2900" i="1" dirty="0">
+                <a:solidFill>
+                  <a:schemeClr val="accent1">
+                    <a:lumMod val="75000"/>
+                  </a:schemeClr>
+                </a:solidFill>
+              </a:rPr>
+              <a:t>A new array whose items are restricted by </a:t>
+            </a:r>
+            <a:r>
+              <a:rPr lang="en-GB" sz="2900" i="1" dirty="0" err="1">
+                <a:solidFill>
+                  <a:schemeClr val="accent1">
+                    <a:lumMod val="75000"/>
+                  </a:schemeClr>
+                </a:solidFill>
+              </a:rPr>
+              <a:t>typecode</a:t>
+            </a:r>
+            <a:r>
+              <a:rPr lang="en-GB" sz="2900" i="1" dirty="0">
+                <a:solidFill>
+                  <a:schemeClr val="accent1">
+                    <a:lumMod val="75000"/>
+                  </a:schemeClr>
+                </a:solidFill>
+              </a:rPr>
+              <a:t>, and initialized from the optional initializer value, which must be a list, object supporting the buffer interface, or </a:t>
+            </a:r>
+            <a:r>
+              <a:rPr lang="en-GB" sz="2900" i="1" dirty="0" err="1">
+                <a:solidFill>
+                  <a:schemeClr val="accent1">
+                    <a:lumMod val="75000"/>
+                  </a:schemeClr>
+                </a:solidFill>
+              </a:rPr>
+              <a:t>iterable</a:t>
+            </a:r>
+            <a:r>
+              <a:rPr lang="en-GB" sz="2900" i="1" dirty="0">
+                <a:solidFill>
+                  <a:schemeClr val="accent1">
+                    <a:lumMod val="75000"/>
+                  </a:schemeClr>
+                </a:solidFill>
+              </a:rPr>
+              <a:t> over elements of the appropriate type.</a:t>
+            </a:r>
+          </a:p>
+          <a:p>
+            <a:pPr lvl="1"/>
+            <a:r>
+              <a:rPr lang="en-GB" dirty="0" smtClean="0"/>
+              <a:t>Note: the </a:t>
+            </a:r>
+            <a:r>
+              <a:rPr lang="en-GB" b="1" dirty="0" smtClean="0"/>
+              <a:t>array</a:t>
+            </a:r>
+            <a:r>
+              <a:rPr lang="en-GB" dirty="0" smtClean="0"/>
+              <a:t> constructor always make copies of buffers passed in as </a:t>
+            </a:r>
+            <a:r>
+              <a:rPr lang="en-GB" i="1" dirty="0"/>
+              <a:t>initializer</a:t>
+            </a:r>
+            <a:r>
+              <a:rPr lang="en-GB" dirty="0" smtClean="0"/>
+              <a:t> </a:t>
+            </a:r>
+          </a:p>
+          <a:p>
+            <a:pPr lvl="1"/>
+            <a:r>
+              <a:rPr lang="en-GB" dirty="0" smtClean="0"/>
+              <a:t>Note: arrays support the buffer interface</a:t>
+            </a:r>
+          </a:p>
+          <a:p>
+            <a:r>
+              <a:rPr lang="en-GB" b="1" dirty="0" err="1" smtClean="0"/>
+              <a:t>numpy</a:t>
+            </a:r>
+            <a:endParaRPr lang="en-GB" b="1" dirty="0" smtClean="0"/>
+          </a:p>
+          <a:p>
+            <a:pPr lvl="1"/>
+            <a:r>
+              <a:rPr lang="en-GB" b="1" dirty="0" err="1" smtClean="0"/>
+              <a:t>frombuffer</a:t>
+            </a:r>
+            <a:r>
+              <a:rPr lang="en-GB" dirty="0" smtClean="0"/>
+              <a:t>(buffer</a:t>
+            </a:r>
+            <a:r>
               <a:rPr lang="en-GB" dirty="0"/>
-              <a:t>ret = </a:t>
+              <a:t>[, </a:t>
+            </a:r>
+            <a:r>
+              <a:rPr lang="en-GB" dirty="0" err="1"/>
+              <a:t>dtype</a:t>
+            </a:r>
+            <a:r>
+              <a:rPr lang="en-GB" dirty="0"/>
+              <a:t>, count, offset</a:t>
+            </a:r>
+            <a:r>
+              <a:rPr lang="en-GB" dirty="0" smtClean="0"/>
+              <a:t>]) </a:t>
+            </a:r>
+            <a:br>
+              <a:rPr lang="en-GB" dirty="0" smtClean="0"/>
+            </a:br>
+            <a:r>
+              <a:rPr lang="en-GB" i="1" dirty="0" smtClean="0">
+                <a:solidFill>
+                  <a:schemeClr val="accent1">
+                    <a:lumMod val="75000"/>
+                  </a:schemeClr>
+                </a:solidFill>
+              </a:rPr>
+              <a:t>Interpret </a:t>
+            </a:r>
+            <a:r>
+              <a:rPr lang="en-GB" i="1" dirty="0">
+                <a:solidFill>
+                  <a:schemeClr val="accent1">
+                    <a:lumMod val="75000"/>
+                  </a:schemeClr>
+                </a:solidFill>
+              </a:rPr>
+              <a:t>a buffer as a 1-dimensional </a:t>
+            </a:r>
+            <a:r>
+              <a:rPr lang="en-GB" i="1" dirty="0" smtClean="0">
+                <a:solidFill>
+                  <a:schemeClr val="accent1">
+                    <a:lumMod val="75000"/>
+                  </a:schemeClr>
+                </a:solidFill>
+              </a:rPr>
+              <a:t>array.</a:t>
+            </a:r>
+            <a:endParaRPr lang="en-GB" i="1" dirty="0">
+              <a:solidFill>
+                <a:schemeClr val="accent1">
+                  <a:lumMod val="75000"/>
+                </a:schemeClr>
+              </a:solidFill>
+            </a:endParaRPr>
+          </a:p>
+          <a:p>
+            <a:pPr lvl="1"/>
+            <a:r>
+              <a:rPr lang="en-GB" b="1" dirty="0" smtClean="0"/>
+              <a:t>reshape</a:t>
+            </a:r>
+            <a:r>
+              <a:rPr lang="en-GB" dirty="0" smtClean="0"/>
+              <a:t>(array,</a:t>
+            </a:r>
+            <a:r>
+              <a:rPr lang="en-GB" dirty="0"/>
+              <a:t> </a:t>
             </a:r>
             <a:r>
               <a:rPr lang="en-GB" dirty="0" err="1" smtClean="0"/>
-              <a:t>PyObject_GetBuffer</a:t>
-            </a:r>
-            <a:r>
-              <a:rPr lang="en-GB" dirty="0" smtClean="0"/>
-              <a:t>(</a:t>
+              <a:t>newshape</a:t>
+            </a:r>
+            <a:r>
+              <a:rPr lang="en-GB" dirty="0" smtClean="0"/>
+              <a:t>[,</a:t>
+            </a:r>
+            <a:r>
+              <a:rPr lang="en-GB" dirty="0"/>
+              <a:t> </a:t>
+            </a:r>
+            <a:r>
+              <a:rPr lang="en-GB" dirty="0" smtClean="0"/>
+              <a:t>order])</a:t>
+            </a:r>
+            <a:br>
+              <a:rPr lang="en-GB" dirty="0" smtClean="0"/>
+            </a:br>
+            <a:r>
+              <a:rPr lang="en-GB" i="1" dirty="0">
+                <a:solidFill>
+                  <a:schemeClr val="accent1">
+                    <a:lumMod val="75000"/>
+                  </a:schemeClr>
+                </a:solidFill>
+              </a:rPr>
+              <a:t>Gives a new shape to an array without changing its data</a:t>
+            </a:r>
+            <a:r>
+              <a:rPr lang="en-GB" i="1" dirty="0" smtClean="0">
+                <a:solidFill>
+                  <a:schemeClr val="accent1">
+                    <a:lumMod val="75000"/>
+                  </a:schemeClr>
+                </a:solidFill>
+              </a:rPr>
+              <a:t>.</a:t>
+            </a:r>
+          </a:p>
+          <a:p>
+            <a:pPr lvl="1"/>
+            <a:r>
+              <a:rPr lang="en-GB" dirty="0"/>
+              <a:t>Note: </a:t>
+            </a:r>
+            <a:r>
+              <a:rPr lang="en-GB" dirty="0" smtClean="0"/>
+              <a:t>Neither </a:t>
+            </a:r>
+            <a:r>
+              <a:rPr lang="en-GB" b="1" dirty="0" err="1"/>
+              <a:t>frombuffer</a:t>
+            </a:r>
+            <a:r>
+              <a:rPr lang="en-GB" dirty="0" smtClean="0"/>
+              <a:t> nor </a:t>
+            </a:r>
+            <a:r>
+              <a:rPr lang="en-GB" b="1" dirty="0" smtClean="0"/>
+              <a:t>reshape </a:t>
+            </a:r>
+            <a:r>
+              <a:rPr lang="en-GB" dirty="0" smtClean="0"/>
+              <a:t>make copies of the input data</a:t>
+            </a:r>
+          </a:p>
+          <a:p>
+            <a:endParaRPr lang="en-GB" u="sng" dirty="0" smtClean="0"/>
+          </a:p>
+          <a:p>
+            <a:r>
+              <a:rPr lang="en-GB" u="sng" dirty="0" smtClean="0"/>
+              <a:t>Conclusion</a:t>
+            </a:r>
+            <a:r>
+              <a:rPr lang="en-GB" dirty="0" smtClean="0"/>
+              <a:t>: pixel data passed in and returned by the BEAM Python API shall be Python objects that support the </a:t>
+            </a:r>
+            <a:r>
+              <a:rPr lang="en-GB" b="1" i="1" dirty="0" smtClean="0"/>
+              <a:t>buffer interface </a:t>
+            </a:r>
+            <a:r>
+              <a:rPr lang="en-GB" dirty="0" smtClean="0"/>
+              <a:t>so that the data can be efficiently used with </a:t>
             </a:r>
             <a:r>
               <a:rPr lang="en-GB" dirty="0" err="1" smtClean="0"/>
-              <a:t>obj</a:t>
-            </a:r>
-            <a:r>
-              <a:rPr lang="en-GB" dirty="0"/>
-              <a:t>, </a:t>
-            </a:r>
-            <a:r>
-              <a:rPr lang="en-GB" dirty="0" smtClean="0"/>
-              <a:t>&amp;</a:t>
-            </a:r>
-            <a:r>
-              <a:rPr lang="en-GB" dirty="0"/>
-              <a:t>b, </a:t>
-            </a:r>
-            <a:r>
-              <a:rPr lang="en-GB" dirty="0" err="1" smtClean="0"/>
-              <a:t>PyBUF_WRITABLE</a:t>
-            </a:r>
-            <a:r>
-              <a:rPr lang="en-GB" dirty="0" smtClean="0"/>
-              <a:t>); </a:t>
-            </a:r>
-          </a:p>
-          <a:p>
-            <a:r>
-              <a:rPr lang="en-GB" dirty="0" smtClean="0"/>
-              <a:t>In any case</a:t>
+              <a:t>numpy</a:t>
+            </a:r>
+            <a:r>
+              <a:rPr lang="en-GB" dirty="0" smtClean="0"/>
+              <a:t>.</a:t>
+            </a:r>
+          </a:p>
+          <a:p>
+            <a:pPr lvl="1"/>
+            <a:r>
+              <a:rPr lang="en-GB" dirty="0">
+                <a:hlinkClick r:id="rId2"/>
+              </a:rPr>
+              <a:t>http://</a:t>
+            </a:r>
+            <a:r>
+              <a:rPr lang="en-GB" dirty="0" smtClean="0">
+                <a:hlinkClick r:id="rId2"/>
+              </a:rPr>
+              <a:t>docs.python.org/3.2/c-api/buffer.html?highlight=buffer#Py_buffer</a:t>
+            </a:r>
+            <a:r>
+              <a:rPr lang="en-GB" dirty="0" smtClean="0"/>
+              <a:t> </a:t>
+            </a:r>
+          </a:p>
+          <a:p>
+            <a:pPr lvl="1"/>
+            <a:r>
+              <a:rPr lang="en-GB" dirty="0">
+                <a:hlinkClick r:id="rId3"/>
+              </a:rPr>
+              <a:t>http://</a:t>
+            </a:r>
+            <a:r>
+              <a:rPr lang="en-GB" dirty="0" smtClean="0">
+                <a:hlinkClick r:id="rId3"/>
+              </a:rPr>
+              <a:t>docs.python.org/3.2/c-api/typeobj.html#buffer-structs</a:t>
+            </a:r>
+            <a:endParaRPr lang="en-GB" dirty="0" smtClean="0"/>
+          </a:p>
+          <a:p>
+            <a:pPr lvl="1"/>
+            <a:r>
+              <a:rPr lang="en-GB" dirty="0" smtClean="0">
+                <a:hlinkClick r:id="rId4"/>
+              </a:rPr>
+              <a:t>http</a:t>
+            </a:r>
+            <a:r>
+              <a:rPr lang="en-GB" dirty="0">
+                <a:hlinkClick r:id="rId4"/>
+              </a:rPr>
+              <a:t>://</a:t>
+            </a:r>
+            <a:r>
+              <a:rPr lang="en-GB" dirty="0" smtClean="0">
+                <a:hlinkClick r:id="rId4"/>
+              </a:rPr>
+              <a:t>docs.python.org/3.2/library/stdtypes.html#memoryview</a:t>
+            </a:r>
+            <a:r>
+              <a:rPr lang="en-GB" dirty="0" smtClean="0"/>
+              <a:t> </a:t>
             </a:r>
             <a:endParaRPr lang="en-GB" dirty="0"/>
           </a:p>
           <a:p>
-            <a:pPr marL="457200" lvl="1" indent="0">
-              <a:buNone/>
-            </a:pPr>
-            <a:r>
-              <a:rPr lang="en-GB" dirty="0" err="1" smtClean="0"/>
-              <a:t>PyBuffer_Release</a:t>
-            </a:r>
-            <a:r>
-              <a:rPr lang="en-GB" dirty="0" smtClean="0"/>
-              <a:t>(&amp;b);</a:t>
-            </a:r>
-          </a:p>
-          <a:p>
-            <a:r>
-              <a:rPr lang="en-GB" dirty="0" smtClean="0"/>
-              <a:t>Consider</a:t>
-            </a:r>
-          </a:p>
-          <a:p>
-            <a:pPr marL="457200" lvl="1" indent="0">
-              <a:buNone/>
-            </a:pPr>
-            <a:r>
-              <a:rPr lang="en-GB" dirty="0"/>
-              <a:t>ret = </a:t>
-            </a:r>
-            <a:r>
-              <a:rPr lang="en-GB" dirty="0" err="1" smtClean="0"/>
-              <a:t>PyObject_TypeCheck</a:t>
-            </a:r>
-            <a:r>
-              <a:rPr lang="en-GB" dirty="0" smtClean="0"/>
-              <a:t>(</a:t>
-            </a:r>
-            <a:r>
-              <a:rPr lang="en-GB" dirty="0" err="1" smtClean="0"/>
-              <a:t>obj</a:t>
-            </a:r>
-            <a:r>
-              <a:rPr lang="en-GB" dirty="0" smtClean="0"/>
-              <a:t>, </a:t>
-            </a:r>
-            <a:r>
-              <a:rPr lang="en-GB" dirty="0" err="1" smtClean="0"/>
-              <a:t>type_obj</a:t>
-            </a:r>
-            <a:r>
-              <a:rPr lang="en-GB" dirty="0" smtClean="0"/>
-              <a:t>);</a:t>
-            </a:r>
-          </a:p>
-          <a:p>
-            <a:pPr marL="457200" lvl="1" indent="0">
-              <a:buNone/>
-            </a:pPr>
-            <a:r>
-              <a:rPr lang="en-GB" dirty="0" smtClean="0"/>
-              <a:t>or</a:t>
-            </a:r>
-          </a:p>
-          <a:p>
-            <a:pPr marL="457200" lvl="1" indent="0">
-              <a:buNone/>
-            </a:pPr>
-            <a:r>
-              <a:rPr lang="en-GB" dirty="0" err="1" smtClean="0"/>
-              <a:t>PyObject_Type</a:t>
-            </a:r>
-            <a:r>
-              <a:rPr lang="en-GB" dirty="0" smtClean="0"/>
-              <a:t>(</a:t>
-            </a:r>
-            <a:r>
-              <a:rPr lang="en-GB" dirty="0" err="1" smtClean="0"/>
-              <a:t>obj</a:t>
-            </a:r>
-            <a:r>
-              <a:rPr lang="en-GB" dirty="0" smtClean="0"/>
-              <a:t>) == </a:t>
-            </a:r>
-            <a:r>
-              <a:rPr lang="en-GB" dirty="0" err="1" smtClean="0"/>
-              <a:t>type_obj</a:t>
-            </a:r>
-            <a:endParaRPr lang="en-GB" dirty="0" smtClean="0"/>
-          </a:p>
-          <a:p>
-            <a:pPr marL="457200" lvl="1" indent="0">
-              <a:buNone/>
-            </a:pPr>
-            <a:r>
-              <a:rPr lang="en-GB" dirty="0" smtClean="0"/>
-              <a:t>or simpler</a:t>
-            </a:r>
-          </a:p>
-          <a:p>
-            <a:pPr marL="457200" lvl="1" indent="0">
-              <a:buNone/>
-            </a:pPr>
-            <a:r>
-              <a:rPr lang="en-GB" dirty="0" err="1" smtClean="0"/>
-              <a:t>obj</a:t>
-            </a:r>
-            <a:r>
-              <a:rPr lang="en-GB" dirty="0"/>
-              <a:t>-</a:t>
-            </a:r>
-            <a:r>
-              <a:rPr lang="en-GB" dirty="0" smtClean="0"/>
-              <a:t>&gt;</a:t>
-            </a:r>
-            <a:r>
-              <a:rPr lang="en-GB" dirty="0" err="1" smtClean="0"/>
-              <a:t>ob_type</a:t>
-            </a:r>
-            <a:r>
-              <a:rPr lang="en-GB" dirty="0" smtClean="0"/>
-              <a:t> == </a:t>
-            </a:r>
-            <a:r>
-              <a:rPr lang="en-GB" dirty="0" err="1" smtClean="0"/>
-              <a:t>type_obj</a:t>
-            </a:r>
-            <a:r>
-              <a:rPr lang="en-GB" dirty="0" smtClean="0"/>
-              <a:t>  </a:t>
-            </a:r>
+            <a:pPr lvl="1"/>
+            <a:endParaRPr lang="en-GB" i="1" dirty="0">
+              <a:solidFill>
+                <a:schemeClr val="accent1">
+                  <a:lumMod val="75000"/>
+                </a:schemeClr>
+              </a:solidFill>
+            </a:endParaRPr>
           </a:p>
         </p:txBody>
       </p:sp>
     </p:spTree>
     <p:extLst>
       <p:ext uri="{BB962C8B-B14F-4D97-AF65-F5344CB8AC3E}">
-        <p14:creationId xmlns:p14="http://schemas.microsoft.com/office/powerpoint/2010/main" val="2973595614"/>
+        <p14:creationId xmlns:p14="http://schemas.microsoft.com/office/powerpoint/2010/main" val="3309612122"/>
       </p:ext>
     </p:extLst>
   </p:cSld>
@@ -11577,15 +11683,7 @@
           <a:p>
             <a:r>
               <a:rPr lang="en-GB" dirty="0" smtClean="0"/>
-              <a:t>Data Arrays (</a:t>
-            </a:r>
-            <a:r>
-              <a:rPr lang="en-GB" dirty="0"/>
-              <a:t>3</a:t>
-            </a:r>
-            <a:r>
-              <a:rPr lang="en-GB" dirty="0" smtClean="0"/>
-              <a:t>/3)</a:t>
+              <a:t>Data Arrays (2/3)</a:t>
             </a:r>
             <a:endParaRPr lang="en-GB" dirty="0"/>
           </a:p>
@@ -11604,104 +11702,289 @@
         <p:spPr/>
         <p:txBody>
           <a:bodyPr>
-            <a:normAutofit/>
+            <a:normAutofit fontScale="62500" lnSpcReduction="20000"/>
           </a:bodyPr>
           <a:lstStyle/>
           <a:p>
             <a:r>
+              <a:rPr lang="en-GB" dirty="0" smtClean="0"/>
+              <a:t>Parsing buffer arguments:</a:t>
+            </a:r>
+          </a:p>
+          <a:p>
+            <a:pPr marL="457200" lvl="1" indent="0">
+              <a:buNone/>
+            </a:pPr>
+            <a:r>
               <a:rPr lang="en-GB" dirty="0" err="1" smtClean="0"/>
-              <a:t>CArray</a:t>
+              <a:t>Py_buffer</a:t>
+            </a:r>
+            <a:r>
+              <a:rPr lang="en-GB" dirty="0"/>
+              <a:t> </a:t>
+            </a:r>
+            <a:r>
+              <a:rPr lang="en-GB" dirty="0" smtClean="0"/>
+              <a:t>b;</a:t>
+            </a:r>
+            <a:endParaRPr lang="en-GB" dirty="0"/>
+          </a:p>
+          <a:p>
+            <a:pPr marL="457200" lvl="1" indent="0">
+              <a:buNone/>
+            </a:pPr>
+            <a:r>
+              <a:rPr lang="en-GB" dirty="0"/>
+              <a:t>ret = </a:t>
+            </a:r>
+            <a:r>
+              <a:rPr lang="en-GB" dirty="0" err="1" smtClean="0"/>
+              <a:t>PyArg_ParseTuple</a:t>
+            </a:r>
+            <a:r>
+              <a:rPr lang="en-GB" dirty="0" smtClean="0"/>
+              <a:t>(</a:t>
+            </a:r>
+            <a:r>
+              <a:rPr lang="en-GB" dirty="0" err="1" smtClean="0"/>
+              <a:t>args</a:t>
+            </a:r>
+            <a:r>
+              <a:rPr lang="en-GB" dirty="0"/>
+              <a:t>, </a:t>
+            </a:r>
+            <a:r>
+              <a:rPr lang="en-GB" dirty="0" smtClean="0"/>
+              <a:t>“y*”, &amp;b); </a:t>
+            </a:r>
+          </a:p>
+          <a:p>
+            <a:pPr lvl="1"/>
+            <a:r>
+              <a:rPr lang="en-GB" dirty="0" smtClean="0"/>
+              <a:t>See “Parsing </a:t>
+            </a:r>
+            <a:r>
+              <a:rPr lang="en-GB" dirty="0"/>
+              <a:t>arguments and building </a:t>
+            </a:r>
+            <a:r>
+              <a:rPr lang="en-GB" dirty="0" smtClean="0"/>
+              <a:t>values” in Python/C API Reference Manual</a:t>
+            </a:r>
+          </a:p>
+          <a:p>
+            <a:r>
+              <a:rPr lang="en-GB" dirty="0" smtClean="0"/>
+              <a:t>Directly using buffer arguments</a:t>
+            </a:r>
+          </a:p>
+          <a:p>
+            <a:pPr marL="457200" lvl="1" indent="0">
+              <a:buNone/>
+            </a:pPr>
+            <a:r>
+              <a:rPr lang="en-GB" dirty="0" err="1" smtClean="0"/>
+              <a:t>PyObject_CheckBuffer</a:t>
+            </a:r>
+            <a:r>
+              <a:rPr lang="en-GB" dirty="0" smtClean="0"/>
+              <a:t>(</a:t>
+            </a:r>
+            <a:r>
+              <a:rPr lang="en-GB" dirty="0" err="1" smtClean="0"/>
+              <a:t>obj</a:t>
+            </a:r>
+            <a:r>
+              <a:rPr lang="en-GB" dirty="0" smtClean="0"/>
+              <a:t>) == 1</a:t>
+            </a:r>
+            <a:r>
+              <a:rPr lang="en-GB" dirty="0"/>
+              <a:t/>
+            </a:r>
+            <a:br>
+              <a:rPr lang="en-GB" dirty="0"/>
+            </a:br>
+            <a:r>
+              <a:rPr lang="en-GB" dirty="0"/>
+              <a:t>ret = </a:t>
+            </a:r>
+            <a:r>
+              <a:rPr lang="en-GB" dirty="0" err="1" smtClean="0"/>
+              <a:t>PyObject_GetBuffer</a:t>
+            </a:r>
+            <a:r>
+              <a:rPr lang="en-GB" dirty="0" smtClean="0"/>
+              <a:t>(</a:t>
+            </a:r>
+            <a:r>
+              <a:rPr lang="en-GB" dirty="0" err="1" smtClean="0"/>
+              <a:t>obj</a:t>
+            </a:r>
+            <a:r>
+              <a:rPr lang="en-GB" dirty="0"/>
+              <a:t>, </a:t>
+            </a:r>
+            <a:r>
+              <a:rPr lang="en-GB" dirty="0" smtClean="0"/>
+              <a:t>&amp;</a:t>
+            </a:r>
+            <a:r>
+              <a:rPr lang="en-GB" dirty="0"/>
+              <a:t>b, </a:t>
+            </a:r>
+            <a:r>
+              <a:rPr lang="en-GB" dirty="0" err="1" smtClean="0"/>
+              <a:t>PyBUF_WRITABLE</a:t>
+            </a:r>
+            <a:r>
+              <a:rPr lang="en-GB" dirty="0" smtClean="0"/>
+              <a:t>); </a:t>
+            </a:r>
+          </a:p>
+          <a:p>
+            <a:r>
+              <a:rPr lang="en-GB" dirty="0" smtClean="0"/>
+              <a:t>In any case</a:t>
+            </a:r>
+            <a:endParaRPr lang="en-GB" dirty="0"/>
+          </a:p>
+          <a:p>
+            <a:pPr marL="457200" lvl="1" indent="0">
+              <a:buNone/>
+            </a:pPr>
+            <a:r>
+              <a:rPr lang="en-GB" dirty="0" err="1" smtClean="0"/>
+              <a:t>PyBuffer_Release</a:t>
+            </a:r>
+            <a:r>
+              <a:rPr lang="en-GB" dirty="0" smtClean="0"/>
+              <a:t>(&amp;b);</a:t>
+            </a:r>
+          </a:p>
+          <a:p>
+            <a:r>
+              <a:rPr lang="en-GB" dirty="0" smtClean="0"/>
+              <a:t>Consider</a:t>
+            </a:r>
+          </a:p>
+          <a:p>
+            <a:pPr marL="457200" lvl="1" indent="0">
+              <a:buNone/>
+            </a:pPr>
+            <a:r>
+              <a:rPr lang="en-GB" dirty="0"/>
+              <a:t>ret = </a:t>
+            </a:r>
+            <a:r>
+              <a:rPr lang="en-GB" dirty="0" err="1" smtClean="0"/>
+              <a:t>PyObject_TypeCheck</a:t>
+            </a:r>
+            <a:r>
+              <a:rPr lang="en-GB" dirty="0" smtClean="0"/>
+              <a:t>(</a:t>
+            </a:r>
+            <a:r>
+              <a:rPr lang="en-GB" dirty="0" err="1" smtClean="0"/>
+              <a:t>obj</a:t>
+            </a:r>
+            <a:r>
+              <a:rPr lang="en-GB" dirty="0" smtClean="0"/>
+              <a:t>, </a:t>
+            </a:r>
+            <a:r>
+              <a:rPr lang="en-GB" dirty="0" err="1" smtClean="0"/>
+              <a:t>type_obj</a:t>
+            </a:r>
+            <a:r>
+              <a:rPr lang="en-GB" dirty="0" smtClean="0"/>
+              <a:t>);</a:t>
+            </a:r>
+          </a:p>
+          <a:p>
+            <a:pPr marL="457200" lvl="1" indent="0">
+              <a:buNone/>
+            </a:pPr>
+            <a:r>
+              <a:rPr lang="en-GB" dirty="0" smtClean="0"/>
+              <a:t>or</a:t>
+            </a:r>
+          </a:p>
+          <a:p>
+            <a:pPr marL="457200" lvl="1" indent="0">
+              <a:buNone/>
+            </a:pPr>
+            <a:r>
+              <a:rPr lang="en-GB" dirty="0" err="1" smtClean="0"/>
+              <a:t>PyObject_Type</a:t>
+            </a:r>
+            <a:r>
+              <a:rPr lang="en-GB" dirty="0" smtClean="0"/>
+              <a:t>(</a:t>
+            </a:r>
+            <a:r>
+              <a:rPr lang="en-GB" dirty="0" err="1" smtClean="0"/>
+              <a:t>obj</a:t>
+            </a:r>
+            <a:r>
+              <a:rPr lang="en-GB" dirty="0" smtClean="0"/>
+              <a:t>) == </a:t>
+            </a:r>
+            <a:r>
+              <a:rPr lang="en-GB" dirty="0" err="1" smtClean="0"/>
+              <a:t>type_obj</a:t>
             </a:r>
             <a:endParaRPr lang="en-GB" dirty="0" smtClean="0"/>
           </a:p>
           <a:p>
-            <a:pPr lvl="1"/>
-            <a:r>
-              <a:rPr lang="en-GB" dirty="0" smtClean="0"/>
-              <a:t>implements Buffer protocol  </a:t>
-            </a:r>
-          </a:p>
-          <a:p>
-            <a:pPr lvl="1"/>
-            <a:r>
-              <a:rPr lang="en-GB" dirty="0" smtClean="0"/>
-              <a:t>implements Sequence protocol</a:t>
-            </a:r>
-          </a:p>
-          <a:p>
-            <a:r>
-              <a:rPr lang="en-GB" dirty="0" smtClean="0"/>
-              <a:t>TODO</a:t>
-            </a:r>
-          </a:p>
-          <a:p>
-            <a:pPr lvl="1"/>
-            <a:r>
-              <a:rPr lang="en-GB" dirty="0" smtClean="0"/>
-              <a:t>Make </a:t>
-            </a:r>
+            <a:pPr marL="457200" lvl="1" indent="0">
+              <a:buNone/>
+            </a:pPr>
+            <a:r>
+              <a:rPr lang="en-GB" dirty="0" smtClean="0"/>
+              <a:t>or simpler</a:t>
+            </a:r>
+          </a:p>
+          <a:p>
+            <a:pPr marL="457200" lvl="1" indent="0">
+              <a:buNone/>
+            </a:pPr>
             <a:r>
               <a:rPr lang="en-GB" dirty="0" err="1" smtClean="0"/>
-              <a:t>dtype</a:t>
-            </a:r>
-            <a:r>
-              <a:rPr lang="en-GB" dirty="0" smtClean="0"/>
-              <a:t>-format-string conform to Python ‘</a:t>
+              <a:t>obj</a:t>
+            </a:r>
+            <a:r>
+              <a:rPr lang="en-GB" dirty="0"/>
+              <a:t>-</a:t>
+            </a:r>
+            <a:r>
+              <a:rPr lang="en-GB" dirty="0" smtClean="0"/>
+              <a:t>&gt;</a:t>
             </a:r>
             <a:r>
               <a:rPr lang="en-GB" dirty="0" err="1" smtClean="0"/>
-              <a:t>struct</a:t>
-            </a:r>
-            <a:r>
-              <a:rPr lang="en-GB" dirty="0" smtClean="0"/>
-              <a:t>’ module, see </a:t>
-            </a:r>
-            <a:br>
-              <a:rPr lang="en-GB" dirty="0" smtClean="0"/>
-            </a:br>
-            <a:r>
-              <a:rPr lang="en-GB" dirty="0" smtClean="0"/>
-              <a:t>6.3.  </a:t>
+              <a:t>ob_type</a:t>
+            </a:r>
+            <a:r>
+              <a:rPr lang="en-GB" dirty="0" smtClean="0"/>
+              <a:t> == </a:t>
             </a:r>
             <a:r>
               <a:rPr lang="en-GB" dirty="0" err="1" smtClean="0"/>
-              <a:t>struct</a:t>
-            </a:r>
-            <a:r>
-              <a:rPr lang="en-GB" dirty="0" smtClean="0"/>
-              <a:t> </a:t>
-            </a:r>
-            <a:r>
-              <a:rPr lang="en-GB" dirty="0"/>
-              <a:t>— Interpret bytes as packed binary </a:t>
-            </a:r>
-            <a:r>
-              <a:rPr lang="en-GB" dirty="0" smtClean="0"/>
-              <a:t>data, see also</a:t>
-            </a:r>
-            <a:br>
-              <a:rPr lang="en-GB" dirty="0" smtClean="0"/>
-            </a:br>
-            <a:r>
-              <a:rPr lang="en-GB" dirty="0" err="1" smtClean="0"/>
-              <a:t>PyBuffer_SizeFromFormat</a:t>
-            </a:r>
-            <a:r>
-              <a:rPr lang="en-GB" dirty="0" smtClean="0"/>
-              <a:t>(format) </a:t>
-            </a:r>
-            <a:endParaRPr lang="en-GB" dirty="0"/>
-          </a:p>
-          <a:p>
-            <a:pPr lvl="1"/>
-            <a:endParaRPr lang="en-GB" dirty="0" smtClean="0"/>
+              <a:t>type_obj</a:t>
+            </a:r>
+            <a:r>
+              <a:rPr lang="en-GB" dirty="0" smtClean="0"/>
+              <a:t>  </a:t>
+            </a:r>
           </a:p>
         </p:txBody>
       </p:sp>
     </p:spTree>
     <p:extLst>
       <p:ext uri="{BB962C8B-B14F-4D97-AF65-F5344CB8AC3E}">
-        <p14:creationId xmlns:p14="http://schemas.microsoft.com/office/powerpoint/2010/main" val="845572741"/>
+        <p14:creationId xmlns:p14="http://schemas.microsoft.com/office/powerpoint/2010/main" val="2973595614"/>
       </p:ext>
     </p:extLst>
   </p:cSld>
@@ -11752,7 +12035,15 @@
           <a:p>
             <a:r>
               <a:rPr lang="en-GB" dirty="0" smtClean="0"/>
-              <a:t>Multithreading</a:t>
+              <a:t>Data Arrays (</a:t>
+            </a:r>
+            <a:r>
+              <a:rPr lang="en-GB" dirty="0"/>
+              <a:t>3</a:t>
+            </a:r>
+            <a:r>
+              <a:rPr lang="en-GB" dirty="0" smtClean="0"/>
+              <a:t>/3)</a:t>
             </a:r>
             <a:endParaRPr lang="en-GB" dirty="0"/>
           </a:p>
@@ -11771,121 +12062,104 @@
         <p:spPr/>
         <p:txBody>
           <a:bodyPr>
-            <a:normAutofit lnSpcReduction="10000"/>
+            <a:normAutofit/>
           </a:bodyPr>
           <a:lstStyle/>
           <a:p>
             <a:r>
-              <a:rPr lang="en-GB" dirty="0" smtClean="0"/>
-              <a:t>If BEAM Java calls into Python from multiple Java threads for executing e.g. a tile computation, we can consider</a:t>
-            </a:r>
+              <a:rPr lang="en-GB" dirty="0" err="1" smtClean="0"/>
+              <a:t>CArray</a:t>
+            </a:r>
+            <a:endParaRPr lang="en-GB" dirty="0" smtClean="0"/>
           </a:p>
           <a:p>
             <a:pPr lvl="1"/>
             <a:r>
+              <a:rPr lang="en-GB" dirty="0" smtClean="0"/>
+              <a:t>implements Buffer protocol  </a:t>
+            </a:r>
+          </a:p>
+          <a:p>
+            <a:pPr lvl="1"/>
+            <a:r>
+              <a:rPr lang="en-GB" dirty="0" smtClean="0"/>
+              <a:t>implements Sequence protocol</a:t>
+            </a:r>
+          </a:p>
+          <a:p>
+            <a:r>
+              <a:rPr lang="en-GB" dirty="0" smtClean="0"/>
+              <a:t>TODO</a:t>
+            </a:r>
+          </a:p>
+          <a:p>
+            <a:pPr lvl="1"/>
+            <a:r>
+              <a:rPr lang="en-GB" dirty="0" smtClean="0"/>
+              <a:t>Make </a:t>
+            </a:r>
+            <a:r>
               <a:rPr lang="en-GB" dirty="0" err="1" smtClean="0"/>
-              <a:t>PyThreadState</a:t>
-            </a:r>
-            <a:r>
-              <a:rPr lang="en-GB" dirty="0" smtClean="0"/>
-              <a:t>* </a:t>
+              <a:t>dtype</a:t>
+            </a:r>
+            <a:r>
+              <a:rPr lang="en-GB" dirty="0" smtClean="0"/>
+              <a:t>-format-string conform to Python ‘</a:t>
             </a:r>
             <a:r>
               <a:rPr lang="en-GB" dirty="0" err="1" smtClean="0"/>
-              <a:t>tstate</a:t>
-            </a:r>
-            <a:r>
-              <a:rPr lang="en-GB" dirty="0" smtClean="0"/>
-              <a:t>;</a:t>
-            </a:r>
+              <a:t>struct</a:t>
+            </a:r>
+            <a:r>
+              <a:rPr lang="en-GB" dirty="0" smtClean="0"/>
+              <a:t>’ module, see </a:t>
+            </a:r>
+            <a:br>
+              <a:rPr lang="en-GB" dirty="0" smtClean="0"/>
+            </a:br>
+            <a:r>
+              <a:rPr lang="en-GB" dirty="0" smtClean="0"/>
+              <a:t>6.3.  </a:t>
+            </a:r>
+            <a:r>
+              <a:rPr lang="en-GB" dirty="0" err="1" smtClean="0"/>
+              <a:t>struct</a:t>
+            </a:r>
+            <a:r>
+              <a:rPr lang="en-GB" dirty="0" smtClean="0"/>
+              <a:t> </a:t>
+            </a:r>
+            <a:r>
+              <a:rPr lang="en-GB" dirty="0"/>
+              <a:t>— Interpret bytes as packed binary </a:t>
+            </a:r>
+            <a:r>
+              <a:rPr lang="en-GB" dirty="0" smtClean="0"/>
+              <a:t>data, see also</a:t>
+            </a:r>
+            <a:br>
+              <a:rPr lang="en-GB" dirty="0" smtClean="0"/>
+            </a:br>
+            <a:r>
+              <a:rPr lang="en-GB" dirty="0" err="1" smtClean="0"/>
+              <a:t>PyBuffer_SizeFromFormat</a:t>
+            </a:r>
+            <a:r>
+              <a:rPr lang="en-GB" dirty="0" smtClean="0"/>
+              <a:t>(format) </a:t>
+            </a:r>
+            <a:endParaRPr lang="en-GB" dirty="0"/>
           </a:p>
           <a:p>
             <a:pPr lvl="1"/>
-            <a:r>
-              <a:rPr lang="en-GB" dirty="0" err="1" smtClean="0"/>
-              <a:t>tstate</a:t>
-            </a:r>
-            <a:r>
-              <a:rPr lang="en-GB" dirty="0" smtClean="0"/>
-              <a:t> = </a:t>
-            </a:r>
-            <a:r>
-              <a:rPr lang="en-GB" dirty="0" err="1"/>
-              <a:t>Py_NewInterpreter</a:t>
-            </a:r>
-            <a:r>
-              <a:rPr lang="en-GB" dirty="0" smtClean="0"/>
-              <a:t>();</a:t>
-            </a:r>
-          </a:p>
-          <a:p>
-            <a:pPr lvl="1"/>
-            <a:r>
-              <a:rPr lang="en-GB" dirty="0" smtClean="0"/>
-              <a:t>…</a:t>
-            </a:r>
-            <a:r>
-              <a:rPr lang="en-GB" i="1" dirty="0" smtClean="0"/>
-              <a:t> call into python code</a:t>
-            </a:r>
-          </a:p>
-          <a:p>
-            <a:pPr lvl="1"/>
-            <a:r>
-              <a:rPr lang="en-GB" dirty="0" err="1" smtClean="0"/>
-              <a:t>Py_EndInterpreter</a:t>
-            </a:r>
-            <a:r>
-              <a:rPr lang="en-GB" dirty="0" smtClean="0"/>
-              <a:t>(</a:t>
-            </a:r>
-            <a:r>
-              <a:rPr lang="en-GB" dirty="0" err="1" smtClean="0"/>
-              <a:t>tstate</a:t>
-            </a:r>
-            <a:r>
-              <a:rPr lang="en-GB" dirty="0" smtClean="0"/>
-              <a:t>);  </a:t>
-            </a:r>
-          </a:p>
-          <a:p>
-            <a:pPr marL="342900" lvl="1" indent="-342900">
-              <a:buFont typeface="Arial" pitchFamily="34" charset="0"/>
-              <a:buChar char="•"/>
-            </a:pPr>
-            <a:r>
-              <a:rPr lang="en-GB" dirty="0"/>
-              <a:t>See </a:t>
-            </a:r>
-            <a:r>
-              <a:rPr lang="en-GB" dirty="0" smtClean="0"/>
-              <a:t>“Initialization</a:t>
-            </a:r>
-            <a:r>
-              <a:rPr lang="en-GB" dirty="0"/>
-              <a:t>, Finalization, and </a:t>
-            </a:r>
-            <a:r>
-              <a:rPr lang="en-GB" dirty="0" smtClean="0"/>
-              <a:t>Threads” </a:t>
-            </a:r>
-            <a:r>
-              <a:rPr lang="en-GB" dirty="0"/>
-              <a:t>in Python/C API Reference Manual</a:t>
-            </a:r>
-          </a:p>
-          <a:p>
-            <a:pPr marL="0" indent="0">
-              <a:buNone/>
-            </a:pPr>
-            <a:endParaRPr lang="en-GB" dirty="0"/>
+            <a:endParaRPr lang="en-GB" dirty="0" smtClean="0"/>
           </a:p>
         </p:txBody>
       </p:sp>
     </p:spTree>
     <p:extLst>
       <p:ext uri="{BB962C8B-B14F-4D97-AF65-F5344CB8AC3E}">
-        <p14:creationId xmlns:p14="http://schemas.microsoft.com/office/powerpoint/2010/main" val="183588086"/>
+        <p14:creationId xmlns:p14="http://schemas.microsoft.com/office/powerpoint/2010/main" val="845572741"/>
       </p:ext>
     </p:extLst>
   </p:cSld>
@@ -11936,7 +12210,7 @@
           <a:p>
             <a:r>
               <a:rPr lang="en-GB" dirty="0" smtClean="0"/>
-              <a:t>Alternatives (1/2)</a:t>
+              <a:t>Multithreading</a:t>
             </a:r>
             <a:endParaRPr lang="en-GB" dirty="0"/>
           </a:p>
@@ -11954,79 +12228,114 @@
         </p:nvSpPr>
         <p:spPr/>
         <p:txBody>
-          <a:bodyPr/>
+          <a:bodyPr>
+            <a:normAutofit lnSpcReduction="10000"/>
+          </a:bodyPr>
           <a:lstStyle/>
           <a:p>
             <a:r>
-              <a:rPr lang="en-GB" b="1" dirty="0" err="1"/>
-              <a:t>Jep</a:t>
-            </a:r>
+              <a:rPr lang="en-GB" dirty="0" smtClean="0"/>
+              <a:t>If BEAM Java calls into Python from multiple Java threads for executing e.g. a tile computation, we can consider</a:t>
+            </a:r>
+          </a:p>
+          <a:p>
+            <a:pPr lvl="1"/>
+            <a:r>
+              <a:rPr lang="en-GB" dirty="0" err="1" smtClean="0"/>
+              <a:t>PyThreadState</a:t>
+            </a:r>
+            <a:r>
+              <a:rPr lang="en-GB" dirty="0" smtClean="0"/>
+              <a:t>* </a:t>
+            </a:r>
+            <a:r>
+              <a:rPr lang="en-GB" dirty="0" err="1" smtClean="0"/>
+              <a:t>tstate</a:t>
+            </a:r>
+            <a:r>
+              <a:rPr lang="en-GB" dirty="0" smtClean="0"/>
+              <a:t>;</a:t>
+            </a:r>
+          </a:p>
+          <a:p>
+            <a:pPr lvl="1"/>
+            <a:r>
+              <a:rPr lang="en-GB" dirty="0" err="1" smtClean="0"/>
+              <a:t>tstate</a:t>
+            </a:r>
+            <a:r>
+              <a:rPr lang="en-GB" dirty="0" smtClean="0"/>
+              <a:t> = </a:t>
+            </a:r>
+            <a:r>
+              <a:rPr lang="en-GB" dirty="0" err="1"/>
+              <a:t>Py_NewInterpreter</a:t>
+            </a:r>
+            <a:r>
+              <a:rPr lang="en-GB" dirty="0" smtClean="0"/>
+              <a:t>();</a:t>
+            </a:r>
+          </a:p>
+          <a:p>
+            <a:pPr lvl="1"/>
+            <a:r>
+              <a:rPr lang="en-GB" dirty="0" smtClean="0"/>
+              <a:t>…</a:t>
+            </a:r>
+            <a:r>
+              <a:rPr lang="en-GB" i="1" dirty="0" smtClean="0"/>
+              <a:t> call into python code</a:t>
+            </a:r>
+          </a:p>
+          <a:p>
+            <a:pPr lvl="1"/>
+            <a:r>
+              <a:rPr lang="en-GB" dirty="0" err="1" smtClean="0"/>
+              <a:t>Py_EndInterpreter</a:t>
+            </a:r>
+            <a:r>
+              <a:rPr lang="en-GB" dirty="0" smtClean="0"/>
+              <a:t>(</a:t>
+            </a:r>
+            <a:r>
+              <a:rPr lang="en-GB" dirty="0" err="1" smtClean="0"/>
+              <a:t>tstate</a:t>
+            </a:r>
+            <a:r>
+              <a:rPr lang="en-GB" dirty="0" smtClean="0"/>
+              <a:t>);  </a:t>
+            </a:r>
+          </a:p>
+          <a:p>
+            <a:pPr marL="342900" lvl="1" indent="-342900">
+              <a:buFont typeface="Arial" pitchFamily="34" charset="0"/>
+              <a:buChar char="•"/>
+            </a:pPr>
             <a:r>
               <a:rPr lang="en-GB" dirty="0"/>
-              <a:t> - Java Embedded Python</a:t>
-            </a:r>
-          </a:p>
-          <a:p>
-            <a:pPr lvl="1"/>
-            <a:r>
-              <a:rPr lang="en-GB" dirty="0" err="1"/>
-              <a:t>Jep</a:t>
+              <a:t>See </a:t>
+            </a:r>
+            <a:r>
+              <a:rPr lang="en-GB" dirty="0" smtClean="0"/>
+              <a:t>“Initialization</a:t>
             </a:r>
             <a:r>
               <a:rPr lang="en-GB" dirty="0"/>
-              <a:t> embeds </a:t>
-            </a:r>
-            <a:r>
-              <a:rPr lang="en-GB" dirty="0" err="1"/>
-              <a:t>CPython</a:t>
+              <a:t>, Finalization, and </a:t>
+            </a:r>
+            <a:r>
+              <a:rPr lang="en-GB" dirty="0" smtClean="0"/>
+              <a:t>Threads” </a:t>
             </a:r>
             <a:r>
               <a:rPr lang="en-GB" dirty="0"/>
-              <a:t> in Java. It is safe to use in a heavily threaded environment, it is quite fast and its stability is a main feature and goal.</a:t>
-            </a:r>
-          </a:p>
-          <a:p>
-            <a:pPr lvl="1"/>
-            <a:r>
-              <a:rPr lang="en-GB" dirty="0" smtClean="0">
-                <a:hlinkClick r:id="rId2"/>
-              </a:rPr>
-              <a:t>https</a:t>
-            </a:r>
-            <a:r>
-              <a:rPr lang="en-GB" dirty="0">
-                <a:hlinkClick r:id="rId2"/>
-              </a:rPr>
-              <a:t>://</a:t>
-            </a:r>
-            <a:r>
-              <a:rPr lang="en-GB" dirty="0" smtClean="0">
-                <a:hlinkClick r:id="rId2"/>
-              </a:rPr>
-              <a:t>github.com/mrj0/jep</a:t>
-            </a:r>
-            <a:endParaRPr lang="en-GB" dirty="0" smtClean="0"/>
-          </a:p>
-          <a:p>
-            <a:pPr lvl="1"/>
-            <a:r>
-              <a:rPr lang="en-GB" dirty="0" smtClean="0"/>
-              <a:t>Check: can it be used to call Python from Java</a:t>
-            </a:r>
-          </a:p>
-          <a:p>
-            <a:pPr lvl="1"/>
-            <a:r>
-              <a:rPr lang="en-GB" dirty="0" smtClean="0"/>
-              <a:t>Check: No windows support</a:t>
-            </a:r>
-          </a:p>
-          <a:p>
-            <a:pPr lvl="1"/>
-            <a:r>
-              <a:rPr lang="en-GB" dirty="0" smtClean="0"/>
-              <a:t>Check: last activity 9 months ago</a:t>
-            </a:r>
+              <a:t>in Python/C API Reference Manual</a:t>
+            </a:r>
+          </a:p>
+          <a:p>
+            <a:pPr marL="0" indent="0">
+              <a:buNone/>
+            </a:pPr>
             <a:endParaRPr lang="en-GB" dirty="0"/>
           </a:p>
         </p:txBody>
@@ -12034,7 +12343,7 @@
     </p:spTree>
     <p:extLst>
       <p:ext uri="{BB962C8B-B14F-4D97-AF65-F5344CB8AC3E}">
-        <p14:creationId xmlns:p14="http://schemas.microsoft.com/office/powerpoint/2010/main" val="1310829027"/>
+        <p14:creationId xmlns:p14="http://schemas.microsoft.com/office/powerpoint/2010/main" val="183588086"/>
       </p:ext>
     </p:extLst>
   </p:cSld>
@@ -12310,6 +12619,161 @@
           <a:p>
             <a:r>
               <a:rPr lang="en-GB" dirty="0" smtClean="0"/>
+              <a:t>Alternatives (1/2)</a:t>
+            </a:r>
+            <a:endParaRPr lang="en-GB" dirty="0"/>
+          </a:p>
+        </p:txBody>
+      </p:sp>
+      <p:sp>
+        <p:nvSpPr>
+          <p:cNvPr id="3" name="Inhaltsplatzhalter 2"/>
+          <p:cNvSpPr>
+            <a:spLocks noGrp="1"/>
+          </p:cNvSpPr>
+          <p:nvPr>
+            <p:ph idx="1"/>
+          </p:nvPr>
+        </p:nvSpPr>
+        <p:spPr/>
+        <p:txBody>
+          <a:bodyPr/>
+          <a:lstStyle/>
+          <a:p>
+            <a:r>
+              <a:rPr lang="en-GB" b="1" dirty="0" err="1"/>
+              <a:t>Jep</a:t>
+            </a:r>
+            <a:r>
+              <a:rPr lang="en-GB" dirty="0"/>
+              <a:t> - Java Embedded Python</a:t>
+            </a:r>
+          </a:p>
+          <a:p>
+            <a:pPr lvl="1"/>
+            <a:r>
+              <a:rPr lang="en-GB" dirty="0" err="1"/>
+              <a:t>Jep</a:t>
+            </a:r>
+            <a:r>
+              <a:rPr lang="en-GB" dirty="0"/>
+              <a:t> embeds </a:t>
+            </a:r>
+            <a:r>
+              <a:rPr lang="en-GB" dirty="0" err="1"/>
+              <a:t>CPython</a:t>
+            </a:r>
+            <a:r>
+              <a:rPr lang="en-GB" dirty="0"/>
+              <a:t> in Java. It is safe to use in a heavily threaded environment, it is quite fast and its stability is a main feature and goal.</a:t>
+            </a:r>
+          </a:p>
+          <a:p>
+            <a:pPr lvl="1"/>
+            <a:r>
+              <a:rPr lang="en-GB" dirty="0" smtClean="0">
+                <a:hlinkClick r:id="rId2"/>
+              </a:rPr>
+              <a:t>https</a:t>
+            </a:r>
+            <a:r>
+              <a:rPr lang="en-GB" dirty="0">
+                <a:hlinkClick r:id="rId2"/>
+              </a:rPr>
+              <a:t>://</a:t>
+            </a:r>
+            <a:r>
+              <a:rPr lang="en-GB" dirty="0" smtClean="0">
+                <a:hlinkClick r:id="rId2"/>
+              </a:rPr>
+              <a:t>github.com/mrj0/jep</a:t>
+            </a:r>
+            <a:endParaRPr lang="en-GB" dirty="0" smtClean="0"/>
+          </a:p>
+          <a:p>
+            <a:pPr lvl="1"/>
+            <a:r>
+              <a:rPr lang="en-GB" dirty="0" smtClean="0"/>
+              <a:t>Check: can it be used to call </a:t>
+            </a:r>
+            <a:r>
+              <a:rPr lang="en-GB" dirty="0" smtClean="0"/>
+              <a:t>Java </a:t>
+            </a:r>
+            <a:r>
+              <a:rPr lang="en-GB" dirty="0"/>
+              <a:t>from Python?</a:t>
+            </a:r>
+            <a:endParaRPr lang="en-GB" dirty="0" smtClean="0"/>
+          </a:p>
+          <a:p>
+            <a:pPr lvl="1"/>
+            <a:r>
+              <a:rPr lang="en-GB" dirty="0" smtClean="0"/>
+              <a:t>Check: No windows </a:t>
+            </a:r>
+            <a:r>
+              <a:rPr lang="en-GB" dirty="0" smtClean="0"/>
+              <a:t>support</a:t>
+            </a:r>
+            <a:endParaRPr lang="en-GB" dirty="0" smtClean="0"/>
+          </a:p>
+        </p:txBody>
+      </p:sp>
+    </p:spTree>
+    <p:extLst>
+      <p:ext uri="{BB962C8B-B14F-4D97-AF65-F5344CB8AC3E}">
+        <p14:creationId xmlns:p14="http://schemas.microsoft.com/office/powerpoint/2010/main" val="1310829027"/>
+      </p:ext>
+    </p:extLst>
+  </p:cSld>
+  <p:clrMapOvr>
+    <a:masterClrMapping/>
+  </p:clrMapOvr>
+  <p:timing>
+    <p:tnLst>
+      <p:par>
+        <p:cTn id="1" dur="indefinite" restart="never" nodeType="tmRoot"/>
+      </p:par>
+    </p:tnLst>
+  </p:timing>
+</p:sld>
+</file>
+
+<file path=ppt/slides/slide21.xml><?xml version="1.0" encoding="utf-8"?>
+<p:sld xmlns:a="http://schemas.openxmlformats.org/drawingml/2006/main" xmlns:r="http://schemas.openxmlformats.org/officeDocument/2006/relationships" xmlns:p="http://schemas.openxmlformats.org/presentationml/2006/main">
+  <p:cSld>
+    <p:spTree>
+      <p:nvGrpSpPr>
+        <p:cNvPr id="1" name=""/>
+        <p:cNvGrpSpPr/>
+        <p:nvPr/>
+      </p:nvGrpSpPr>
+      <p:grpSpPr>
+        <a:xfrm>
+          <a:off x="0" y="0"/>
+          <a:ext cx="0" cy="0"/>
+          <a:chOff x="0" y="0"/>
+          <a:chExt cx="0" cy="0"/>
+        </a:xfrm>
+      </p:grpSpPr>
+      <p:sp>
+        <p:nvSpPr>
+          <p:cNvPr id="2" name="Titel 1"/>
+          <p:cNvSpPr>
+            <a:spLocks noGrp="1"/>
+          </p:cNvSpPr>
+          <p:nvPr>
+            <p:ph type="title"/>
+          </p:nvPr>
+        </p:nvSpPr>
+        <p:spPr/>
+        <p:txBody>
+          <a:bodyPr/>
+          <a:lstStyle/>
+          <a:p>
+            <a:r>
+              <a:rPr lang="en-GB" dirty="0" smtClean="0"/>
               <a:t>Alternatives (2/2)</a:t>
             </a:r>
             <a:endParaRPr lang="en-GB" dirty="0"/>
@@ -12370,8 +12834,17 @@
             <a:pPr lvl="1"/>
             <a:r>
               <a:rPr lang="en-GB" dirty="0" smtClean="0"/>
-              <a:t>Check: cannot call python from Java</a:t>
-            </a:r>
+              <a:t>Check: </a:t>
+            </a:r>
+            <a:r>
+              <a:rPr lang="en-GB" dirty="0"/>
+              <a:t>can it be used to call Python </a:t>
+            </a:r>
+            <a:r>
+              <a:rPr lang="en-GB" dirty="0" smtClean="0"/>
+              <a:t>from Java?</a:t>
+            </a:r>
+            <a:endParaRPr lang="en-GB" dirty="0" smtClean="0"/>
           </a:p>
           <a:p>
             <a:pPr lvl="1"/>
@@ -12470,7 +12943,7 @@
 </p:sld>
 </file>
 
-<file path=ppt/slides/slide21.xml><?xml version="1.0" encoding="utf-8"?>
+<file path=ppt/slides/slide22.xml><?xml version="1.0" encoding="utf-8"?>
 <p:sld xmlns:a="http://schemas.openxmlformats.org/drawingml/2006/main" xmlns:r="http://schemas.openxmlformats.org/officeDocument/2006/relationships" xmlns:p="http://schemas.openxmlformats.org/presentationml/2006/main">
   <p:cSld>
     <p:spTree>
@@ -20102,14 +20575,14 @@
             <p:ph idx="1"/>
             <p:extLst>
               <p:ext uri="{D42A27DB-BD31-4B8C-83A1-F6EECF244321}">
-                <p14:modId xmlns:p14="http://schemas.microsoft.com/office/powerpoint/2010/main" val="2904863150"/>
+                <p14:modId xmlns:p14="http://schemas.microsoft.com/office/powerpoint/2010/main" val="1874795633"/>
               </p:ext>
             </p:extLst>
           </p:nvPr>
         </p:nvGraphicFramePr>
         <p:xfrm>
           <a:off x="457200" y="1600200"/>
-          <a:ext cx="8229600" cy="4719320"/>
+          <a:ext cx="8229600" cy="5090160"/>
         </p:xfrm>
         <a:graphic>
           <a:graphicData uri="http://schemas.openxmlformats.org/drawingml/2006/table">
@@ -20548,6 +21021,66 @@
                       <a:r>
                         <a:rPr lang="en-GB" dirty="0" smtClean="0"/>
                         <a:t>string</a:t>
+                      </a:r>
+                      <a:endParaRPr lang="en-GB" dirty="0"/>
+                    </a:p>
+                  </a:txBody>
+                  <a:tcPr/>
+                </a:tc>
+              </a:tr>
+              <a:tr h="370840">
+                <a:tc>
+                  <a:txBody>
+                    <a:bodyPr/>
+                    <a:lstStyle/>
+                    <a:p>
+                      <a:r>
+                        <a:rPr lang="en-GB" dirty="0" err="1" smtClean="0"/>
+                        <a:t>Color</a:t>
+                      </a:r>
+                      <a:endParaRPr lang="en-GB" dirty="0"/>
+                    </a:p>
+                  </a:txBody>
+                  <a:tcPr/>
+                </a:tc>
+                <a:tc>
+                  <a:txBody>
+                    <a:bodyPr/>
+                    <a:lstStyle/>
+                    <a:p>
+                      <a:r>
+                        <a:rPr lang="en-GB" dirty="0" err="1" smtClean="0"/>
+                        <a:t>int</a:t>
+                      </a:r>
+                      <a:r>
+                        <a:rPr lang="en-GB" dirty="0" smtClean="0"/>
+                        <a:t>[3]</a:t>
+                      </a:r>
+                      <a:endParaRPr lang="en-GB" dirty="0"/>
+                    </a:p>
+                  </a:txBody>
+                  <a:tcPr/>
+                </a:tc>
+                <a:tc>
+                  <a:txBody>
+                    <a:bodyPr/>
+                    <a:lstStyle/>
+                    <a:p>
+                      <a:r>
+                        <a:rPr lang="en-GB" dirty="0" smtClean="0"/>
+                        <a:t>(</a:t>
+                      </a:r>
+                      <a:r>
+                        <a:rPr lang="en-GB" err="1" smtClean="0"/>
+                        <a:t>r</a:t>
+                      </a:r>
+                      <a:r>
+                        <a:rPr lang="en-GB" smtClean="0"/>
+                        <a:t>, g</a:t>
+                      </a:r>
+                      <a:r>
+                        <a:rPr lang="en-GB" dirty="0" smtClean="0"/>
+                        <a:t>, b)</a:t>
                       </a:r>
                       <a:endParaRPr lang="en-GB" dirty="0"/>
                     </a:p>
@@ -21244,13 +21777,6 @@
               </a:rPr>
               <a:t>);</a:t>
             </a:r>
-            <a:endParaRPr lang="en-GB" dirty="0">
-              <a:solidFill>
-                <a:schemeClr val="accent1">
-                  <a:lumMod val="75000"/>
-                </a:schemeClr>
-              </a:solidFill>
-            </a:endParaRPr>
           </a:p>
         </p:txBody>
       </p:sp>

--- a/docs/beam-extapi.pptx
+++ b/docs/beam-extapi.pptx
@@ -21068,19 +21068,7 @@
                     <a:p>
                       <a:r>
                         <a:rPr lang="en-GB" dirty="0" smtClean="0"/>
-                        <a:t>(</a:t>
-                      </a:r>
-                      <a:r>
-                        <a:rPr lang="en-GB" err="1" smtClean="0"/>
-                        <a:t>r</a:t>
-                      </a:r>
-                      <a:r>
-                        <a:rPr lang="en-GB" smtClean="0"/>
-                        <a:t>, g</a:t>
-                      </a:r>
-                      <a:r>
-                        <a:rPr lang="en-GB" dirty="0" smtClean="0"/>
-                        <a:t>, b)</a:t>
+                        <a:t>(r, g, b)</a:t>
                       </a:r>
                       <a:endParaRPr lang="en-GB" dirty="0"/>
                     </a:p>

--- a/docs/beam-extapi.pptx
+++ b/docs/beam-extapi.pptx
@@ -11,13 +11,13 @@
     <p:sldId id="262" r:id="rId5"/>
     <p:sldId id="263" r:id="rId6"/>
     <p:sldId id="257" r:id="rId7"/>
-    <p:sldId id="282" r:id="rId8"/>
-    <p:sldId id="283" r:id="rId9"/>
-    <p:sldId id="259" r:id="rId10"/>
-    <p:sldId id="276" r:id="rId11"/>
-    <p:sldId id="279" r:id="rId12"/>
-    <p:sldId id="281" r:id="rId13"/>
-    <p:sldId id="280" r:id="rId14"/>
+    <p:sldId id="286" r:id="rId8"/>
+    <p:sldId id="259" r:id="rId9"/>
+    <p:sldId id="276" r:id="rId10"/>
+    <p:sldId id="279" r:id="rId11"/>
+    <p:sldId id="281" r:id="rId12"/>
+    <p:sldId id="280" r:id="rId13"/>
+    <p:sldId id="282" r:id="rId14"/>
     <p:sldId id="265" r:id="rId15"/>
     <p:sldId id="267" r:id="rId16"/>
     <p:sldId id="266" r:id="rId17"/>
@@ -127,6 +127,12 @@
     </a:lvl9pPr>
   </p:defaultTextStyle>
 </p:presentation>
+</file>
+
+<file path=ppt/commentAuthors.xml><?xml version="1.0" encoding="utf-8"?>
+<p:cmAuthorLst xmlns:a="http://schemas.openxmlformats.org/drawingml/2006/main" xmlns:r="http://schemas.openxmlformats.org/officeDocument/2006/relationships" xmlns:p="http://schemas.openxmlformats.org/presentationml/2006/main">
+  <p:cmAuthor id="0" name="Norman Fomferra" initials="" lastIdx="0" clrIdx="0"/>
+</p:cmAuthorLst>
 </file>
 
 <file path=ppt/slideLayouts/slideLayout1.xml><?xml version="1.0" encoding="utf-8"?>
@@ -310,7 +316,7 @@
           <a:p>
             <a:fld id="{1BA50D42-C9CD-4801-B293-61D1F53EC57E}" type="datetimeFigureOut">
               <a:rPr lang="de-DE" smtClean="0"/>
-              <a:t>08.05.2013</a:t>
+              <a:t>07.06.2013</a:t>
             </a:fld>
             <a:endParaRPr lang="de-DE"/>
           </a:p>
@@ -475,7 +481,7 @@
           <a:p>
             <a:fld id="{1BA50D42-C9CD-4801-B293-61D1F53EC57E}" type="datetimeFigureOut">
               <a:rPr lang="de-DE" smtClean="0"/>
-              <a:t>08.05.2013</a:t>
+              <a:t>07.06.2013</a:t>
             </a:fld>
             <a:endParaRPr lang="de-DE"/>
           </a:p>
@@ -650,7 +656,7 @@
           <a:p>
             <a:fld id="{1BA50D42-C9CD-4801-B293-61D1F53EC57E}" type="datetimeFigureOut">
               <a:rPr lang="de-DE" smtClean="0"/>
-              <a:t>08.05.2013</a:t>
+              <a:t>07.06.2013</a:t>
             </a:fld>
             <a:endParaRPr lang="de-DE"/>
           </a:p>
@@ -815,7 +821,7 @@
           <a:p>
             <a:fld id="{1BA50D42-C9CD-4801-B293-61D1F53EC57E}" type="datetimeFigureOut">
               <a:rPr lang="de-DE" smtClean="0"/>
-              <a:t>08.05.2013</a:t>
+              <a:t>07.06.2013</a:t>
             </a:fld>
             <a:endParaRPr lang="de-DE"/>
           </a:p>
@@ -1056,7 +1062,7 @@
           <a:p>
             <a:fld id="{1BA50D42-C9CD-4801-B293-61D1F53EC57E}" type="datetimeFigureOut">
               <a:rPr lang="de-DE" smtClean="0"/>
-              <a:t>08.05.2013</a:t>
+              <a:t>07.06.2013</a:t>
             </a:fld>
             <a:endParaRPr lang="de-DE"/>
           </a:p>
@@ -1339,7 +1345,7 @@
           <a:p>
             <a:fld id="{1BA50D42-C9CD-4801-B293-61D1F53EC57E}" type="datetimeFigureOut">
               <a:rPr lang="de-DE" smtClean="0"/>
-              <a:t>08.05.2013</a:t>
+              <a:t>07.06.2013</a:t>
             </a:fld>
             <a:endParaRPr lang="de-DE"/>
           </a:p>
@@ -1756,7 +1762,7 @@
           <a:p>
             <a:fld id="{1BA50D42-C9CD-4801-B293-61D1F53EC57E}" type="datetimeFigureOut">
               <a:rPr lang="de-DE" smtClean="0"/>
-              <a:t>08.05.2013</a:t>
+              <a:t>07.06.2013</a:t>
             </a:fld>
             <a:endParaRPr lang="de-DE"/>
           </a:p>
@@ -1869,7 +1875,7 @@
           <a:p>
             <a:fld id="{1BA50D42-C9CD-4801-B293-61D1F53EC57E}" type="datetimeFigureOut">
               <a:rPr lang="de-DE" smtClean="0"/>
-              <a:t>08.05.2013</a:t>
+              <a:t>07.06.2013</a:t>
             </a:fld>
             <a:endParaRPr lang="de-DE"/>
           </a:p>
@@ -1959,7 +1965,7 @@
           <a:p>
             <a:fld id="{1BA50D42-C9CD-4801-B293-61D1F53EC57E}" type="datetimeFigureOut">
               <a:rPr lang="de-DE" smtClean="0"/>
-              <a:t>08.05.2013</a:t>
+              <a:t>07.06.2013</a:t>
             </a:fld>
             <a:endParaRPr lang="de-DE"/>
           </a:p>
@@ -2231,7 +2237,7 @@
           <a:p>
             <a:fld id="{1BA50D42-C9CD-4801-B293-61D1F53EC57E}" type="datetimeFigureOut">
               <a:rPr lang="de-DE" smtClean="0"/>
-              <a:t>08.05.2013</a:t>
+              <a:t>07.06.2013</a:t>
             </a:fld>
             <a:endParaRPr lang="de-DE"/>
           </a:p>
@@ -2479,7 +2485,7 @@
           <a:p>
             <a:fld id="{1BA50D42-C9CD-4801-B293-61D1F53EC57E}" type="datetimeFigureOut">
               <a:rPr lang="de-DE" smtClean="0"/>
-              <a:t>08.05.2013</a:t>
+              <a:t>07.06.2013</a:t>
             </a:fld>
             <a:endParaRPr lang="de-DE"/>
           </a:p>
@@ -2687,7 +2693,7 @@
           <a:p>
             <a:fld id="{1BA50D42-C9CD-4801-B293-61D1F53EC57E}" type="datetimeFigureOut">
               <a:rPr lang="de-DE" smtClean="0"/>
-              <a:t>08.05.2013</a:t>
+              <a:t>07.06.2013</a:t>
             </a:fld>
             <a:endParaRPr lang="de-DE"/>
           </a:p>
@@ -3152,733 +3158,6 @@
         </p:nvSpPr>
         <p:spPr/>
         <p:txBody>
-          <a:bodyPr/>
-          <a:lstStyle/>
-          <a:p>
-            <a:r>
-              <a:rPr lang="en-GB" dirty="0" smtClean="0"/>
-              <a:t>Data Type Mappings</a:t>
-            </a:r>
-            <a:endParaRPr lang="en-GB" dirty="0"/>
-          </a:p>
-        </p:txBody>
-      </p:sp>
-      <p:graphicFrame>
-        <p:nvGraphicFramePr>
-          <p:cNvPr id="4" name="Inhaltsplatzhalter 3"/>
-          <p:cNvGraphicFramePr>
-            <a:graphicFrameLocks noGrp="1"/>
-          </p:cNvGraphicFramePr>
-          <p:nvPr>
-            <p:ph idx="1"/>
-            <p:extLst>
-              <p:ext uri="{D42A27DB-BD31-4B8C-83A1-F6EECF244321}">
-                <p14:modId xmlns:p14="http://schemas.microsoft.com/office/powerpoint/2010/main" val="2904863150"/>
-              </p:ext>
-            </p:extLst>
-          </p:nvPr>
-        </p:nvGraphicFramePr>
-        <p:xfrm>
-          <a:off x="457200" y="1600200"/>
-          <a:ext cx="8229600" cy="4719320"/>
-        </p:xfrm>
-        <a:graphic>
-          <a:graphicData uri="http://schemas.openxmlformats.org/drawingml/2006/table">
-            <a:tbl>
-              <a:tblPr firstRow="1" bandRow="1">
-                <a:tableStyleId>{5C22544A-7EE6-4342-B048-85BDC9FD1C3A}</a:tableStyleId>
-              </a:tblPr>
-              <a:tblGrid>
-                <a:gridCol w="2743200"/>
-                <a:gridCol w="2743200"/>
-                <a:gridCol w="2743200"/>
-              </a:tblGrid>
-              <a:tr h="370840">
-                <a:tc>
-                  <a:txBody>
-                    <a:bodyPr/>
-                    <a:lstStyle/>
-                    <a:p>
-                      <a:r>
-                        <a:rPr lang="en-GB" dirty="0" smtClean="0"/>
-                        <a:t>Java</a:t>
-                      </a:r>
-                      <a:endParaRPr lang="en-GB" dirty="0"/>
-                    </a:p>
-                  </a:txBody>
-                  <a:tcPr/>
-                </a:tc>
-                <a:tc>
-                  <a:txBody>
-                    <a:bodyPr/>
-                    <a:lstStyle/>
-                    <a:p>
-                      <a:r>
-                        <a:rPr lang="en-GB" dirty="0" smtClean="0"/>
-                        <a:t>C</a:t>
-                      </a:r>
-                      <a:endParaRPr lang="en-GB" dirty="0"/>
-                    </a:p>
-                  </a:txBody>
-                  <a:tcPr/>
-                </a:tc>
-                <a:tc>
-                  <a:txBody>
-                    <a:bodyPr/>
-                    <a:lstStyle/>
-                    <a:p>
-                      <a:r>
-                        <a:rPr lang="en-GB" dirty="0" smtClean="0"/>
-                        <a:t>Python</a:t>
-                      </a:r>
-                      <a:endParaRPr lang="en-GB" dirty="0"/>
-                    </a:p>
-                  </a:txBody>
-                  <a:tcPr/>
-                </a:tc>
-              </a:tr>
-              <a:tr h="370840">
-                <a:tc>
-                  <a:txBody>
-                    <a:bodyPr/>
-                    <a:lstStyle/>
-                    <a:p>
-                      <a:r>
-                        <a:rPr lang="en-GB" dirty="0" smtClean="0"/>
-                        <a:t>Object</a:t>
-                      </a:r>
-                      <a:endParaRPr lang="en-GB" dirty="0"/>
-                    </a:p>
-                  </a:txBody>
-                  <a:tcPr/>
-                </a:tc>
-                <a:tc>
-                  <a:txBody>
-                    <a:bodyPr/>
-                    <a:lstStyle/>
-                    <a:p>
-                      <a:pPr marL="0" marR="0" indent="0" algn="l" defTabSz="914400" rtl="0" eaLnBrk="1" fontAlgn="auto" latinLnBrk="0" hangingPunct="1">
-                        <a:lnSpc>
-                          <a:spcPct val="100000"/>
-                        </a:lnSpc>
-                        <a:spcBef>
-                          <a:spcPts val="0"/>
-                        </a:spcBef>
-                        <a:spcAft>
-                          <a:spcPts val="0"/>
-                        </a:spcAft>
-                        <a:buClrTx/>
-                        <a:buSzTx/>
-                        <a:buFontTx/>
-                        <a:buNone/>
-                        <a:tabLst/>
-                        <a:defRPr/>
-                      </a:pPr>
-                      <a:r>
-                        <a:rPr lang="en-GB" dirty="0" smtClean="0"/>
-                        <a:t>void*</a:t>
-                      </a:r>
-                    </a:p>
-                  </a:txBody>
-                  <a:tcPr/>
-                </a:tc>
-                <a:tc>
-                  <a:txBody>
-                    <a:bodyPr/>
-                    <a:lstStyle/>
-                    <a:p>
-                      <a:r>
-                        <a:rPr lang="en-GB" dirty="0" smtClean="0"/>
-                        <a:t>(&lt;type&gt;, &lt;pointer&gt;)</a:t>
-                      </a:r>
-                      <a:endParaRPr lang="en-GB" dirty="0"/>
-                    </a:p>
-                  </a:txBody>
-                  <a:tcPr/>
-                </a:tc>
-              </a:tr>
-              <a:tr h="370840">
-                <a:tc>
-                  <a:txBody>
-                    <a:bodyPr/>
-                    <a:lstStyle/>
-                    <a:p>
-                      <a:r>
-                        <a:rPr lang="en-GB" dirty="0" smtClean="0"/>
-                        <a:t>Prim. arrays</a:t>
-                      </a:r>
-                      <a:endParaRPr lang="en-GB" dirty="0"/>
-                    </a:p>
-                  </a:txBody>
-                  <a:tcPr/>
-                </a:tc>
-                <a:tc>
-                  <a:txBody>
-                    <a:bodyPr/>
-                    <a:lstStyle/>
-                    <a:p>
-                      <a:pPr marL="0" marR="0" indent="0" algn="l" defTabSz="914400" rtl="0" eaLnBrk="1" fontAlgn="auto" latinLnBrk="0" hangingPunct="1">
-                        <a:lnSpc>
-                          <a:spcPct val="100000"/>
-                        </a:lnSpc>
-                        <a:spcBef>
-                          <a:spcPts val="0"/>
-                        </a:spcBef>
-                        <a:spcAft>
-                          <a:spcPts val="0"/>
-                        </a:spcAft>
-                        <a:buClrTx/>
-                        <a:buSzTx/>
-                        <a:buFontTx/>
-                        <a:buNone/>
-                        <a:tabLst/>
-                        <a:defRPr/>
-                      </a:pPr>
-                      <a:r>
-                        <a:rPr lang="en-GB" dirty="0" smtClean="0"/>
-                        <a:t>&lt;type&gt;*, length</a:t>
-                      </a:r>
-                    </a:p>
-                  </a:txBody>
-                  <a:tcPr/>
-                </a:tc>
-                <a:tc>
-                  <a:txBody>
-                    <a:bodyPr/>
-                    <a:lstStyle/>
-                    <a:p>
-                      <a:r>
-                        <a:rPr lang="en-GB" dirty="0" smtClean="0"/>
-                        <a:t>buffer, </a:t>
-                      </a:r>
-                      <a:r>
-                        <a:rPr lang="en-GB" dirty="0" err="1" smtClean="0"/>
-                        <a:t>array.array</a:t>
-                      </a:r>
-                      <a:r>
-                        <a:rPr lang="en-GB" dirty="0" smtClean="0"/>
-                        <a:t>, </a:t>
-                      </a:r>
-                      <a:r>
-                        <a:rPr lang="en-GB" dirty="0" err="1" smtClean="0"/>
-                        <a:t>numpy.array</a:t>
-                      </a:r>
-                      <a:endParaRPr lang="en-GB" dirty="0"/>
-                    </a:p>
-                  </a:txBody>
-                  <a:tcPr/>
-                </a:tc>
-              </a:tr>
-              <a:tr h="370840">
-                <a:tc>
-                  <a:txBody>
-                    <a:bodyPr/>
-                    <a:lstStyle/>
-                    <a:p>
-                      <a:r>
-                        <a:rPr lang="en-GB" dirty="0" smtClean="0"/>
-                        <a:t>String</a:t>
-                      </a:r>
-                      <a:endParaRPr lang="en-GB" dirty="0"/>
-                    </a:p>
-                  </a:txBody>
-                  <a:tcPr/>
-                </a:tc>
-                <a:tc>
-                  <a:txBody>
-                    <a:bodyPr/>
-                    <a:lstStyle/>
-                    <a:p>
-                      <a:r>
-                        <a:rPr lang="en-GB" dirty="0" smtClean="0"/>
-                        <a:t>char* (zero terminated)</a:t>
-                      </a:r>
-                      <a:endParaRPr lang="en-GB" dirty="0"/>
-                    </a:p>
-                  </a:txBody>
-                  <a:tcPr/>
-                </a:tc>
-                <a:tc>
-                  <a:txBody>
-                    <a:bodyPr/>
-                    <a:lstStyle/>
-                    <a:p>
-                      <a:r>
-                        <a:rPr lang="en-GB" dirty="0" smtClean="0"/>
-                        <a:t>string</a:t>
-                      </a:r>
-                      <a:endParaRPr lang="en-GB" dirty="0"/>
-                    </a:p>
-                  </a:txBody>
-                  <a:tcPr/>
-                </a:tc>
-              </a:tr>
-              <a:tr h="370840">
-                <a:tc>
-                  <a:txBody>
-                    <a:bodyPr/>
-                    <a:lstStyle/>
-                    <a:p>
-                      <a:r>
-                        <a:rPr lang="en-GB" dirty="0" smtClean="0"/>
-                        <a:t>Map</a:t>
-                      </a:r>
-                      <a:endParaRPr lang="en-GB" dirty="0"/>
-                    </a:p>
-                  </a:txBody>
-                  <a:tcPr/>
-                </a:tc>
-                <a:tc>
-                  <a:txBody>
-                    <a:bodyPr/>
-                    <a:lstStyle/>
-                    <a:p>
-                      <a:r>
-                        <a:rPr lang="en-GB" dirty="0" err="1" smtClean="0"/>
-                        <a:t>struct</a:t>
-                      </a:r>
-                      <a:r>
-                        <a:rPr lang="en-GB" dirty="0" smtClean="0"/>
-                        <a:t> Map</a:t>
-                      </a:r>
-                      <a:endParaRPr lang="en-GB" dirty="0"/>
-                    </a:p>
-                  </a:txBody>
-                  <a:tcPr/>
-                </a:tc>
-                <a:tc>
-                  <a:txBody>
-                    <a:bodyPr/>
-                    <a:lstStyle/>
-                    <a:p>
-                      <a:r>
-                        <a:rPr lang="en-GB" dirty="0" err="1" smtClean="0"/>
-                        <a:t>dict</a:t>
-                      </a:r>
-                      <a:endParaRPr lang="en-GB" dirty="0"/>
-                    </a:p>
-                  </a:txBody>
-                  <a:tcPr/>
-                </a:tc>
-              </a:tr>
-              <a:tr h="370840">
-                <a:tc>
-                  <a:txBody>
-                    <a:bodyPr/>
-                    <a:lstStyle/>
-                    <a:p>
-                      <a:r>
-                        <a:rPr lang="en-GB" dirty="0" smtClean="0"/>
-                        <a:t>Set</a:t>
-                      </a:r>
-                      <a:endParaRPr lang="en-GB" dirty="0"/>
-                    </a:p>
-                  </a:txBody>
-                  <a:tcPr/>
-                </a:tc>
-                <a:tc>
-                  <a:txBody>
-                    <a:bodyPr/>
-                    <a:lstStyle/>
-                    <a:p>
-                      <a:r>
-                        <a:rPr lang="en-GB" dirty="0" err="1" smtClean="0"/>
-                        <a:t>struct</a:t>
-                      </a:r>
-                      <a:r>
-                        <a:rPr lang="en-GB" dirty="0" smtClean="0"/>
-                        <a:t> </a:t>
-                      </a:r>
-                      <a:r>
-                        <a:rPr lang="en-GB" dirty="0" err="1" smtClean="0"/>
-                        <a:t>Seq</a:t>
-                      </a:r>
-                      <a:endParaRPr lang="en-GB" dirty="0"/>
-                    </a:p>
-                  </a:txBody>
-                  <a:tcPr/>
-                </a:tc>
-                <a:tc>
-                  <a:txBody>
-                    <a:bodyPr/>
-                    <a:lstStyle/>
-                    <a:p>
-                      <a:pPr marL="0" marR="0" indent="0" algn="l" defTabSz="914400" rtl="0" eaLnBrk="1" fontAlgn="auto" latinLnBrk="0" hangingPunct="1">
-                        <a:lnSpc>
-                          <a:spcPct val="100000"/>
-                        </a:lnSpc>
-                        <a:spcBef>
-                          <a:spcPts val="0"/>
-                        </a:spcBef>
-                        <a:spcAft>
-                          <a:spcPts val="0"/>
-                        </a:spcAft>
-                        <a:buClrTx/>
-                        <a:buSzTx/>
-                        <a:buFontTx/>
-                        <a:buNone/>
-                        <a:tabLst/>
-                        <a:defRPr/>
-                      </a:pPr>
-                      <a:r>
-                        <a:rPr lang="en-GB" baseline="0" dirty="0" smtClean="0"/>
-                        <a:t>set, </a:t>
-                      </a:r>
-                      <a:r>
-                        <a:rPr lang="en-GB" baseline="0" dirty="0" err="1" smtClean="0"/>
-                        <a:t>seq</a:t>
-                      </a:r>
-                      <a:endParaRPr lang="en-GB" dirty="0" smtClean="0"/>
-                    </a:p>
-                  </a:txBody>
-                  <a:tcPr/>
-                </a:tc>
-              </a:tr>
-              <a:tr h="370840">
-                <a:tc>
-                  <a:txBody>
-                    <a:bodyPr/>
-                    <a:lstStyle/>
-                    <a:p>
-                      <a:r>
-                        <a:rPr lang="en-GB" dirty="0" smtClean="0"/>
-                        <a:t>List</a:t>
-                      </a:r>
-                      <a:endParaRPr lang="en-GB" dirty="0"/>
-                    </a:p>
-                  </a:txBody>
-                  <a:tcPr/>
-                </a:tc>
-                <a:tc>
-                  <a:txBody>
-                    <a:bodyPr/>
-                    <a:lstStyle/>
-                    <a:p>
-                      <a:r>
-                        <a:rPr lang="en-GB" dirty="0" err="1" smtClean="0"/>
-                        <a:t>struct</a:t>
-                      </a:r>
-                      <a:r>
-                        <a:rPr lang="en-GB" dirty="0" smtClean="0"/>
-                        <a:t> List</a:t>
-                      </a:r>
-                      <a:endParaRPr lang="en-GB" dirty="0"/>
-                    </a:p>
-                  </a:txBody>
-                  <a:tcPr/>
-                </a:tc>
-                <a:tc>
-                  <a:txBody>
-                    <a:bodyPr/>
-                    <a:lstStyle/>
-                    <a:p>
-                      <a:r>
-                        <a:rPr lang="en-GB" baseline="0" dirty="0" err="1" smtClean="0"/>
-                        <a:t>seq</a:t>
-                      </a:r>
-                      <a:endParaRPr lang="en-GB" dirty="0"/>
-                    </a:p>
-                  </a:txBody>
-                  <a:tcPr/>
-                </a:tc>
-              </a:tr>
-              <a:tr h="370840">
-                <a:tc>
-                  <a:txBody>
-                    <a:bodyPr/>
-                    <a:lstStyle/>
-                    <a:p>
-                      <a:r>
-                        <a:rPr lang="en-GB" dirty="0" smtClean="0"/>
-                        <a:t>File</a:t>
-                      </a:r>
-                      <a:endParaRPr lang="en-GB" dirty="0"/>
-                    </a:p>
-                  </a:txBody>
-                  <a:tcPr/>
-                </a:tc>
-                <a:tc>
-                  <a:txBody>
-                    <a:bodyPr/>
-                    <a:lstStyle/>
-                    <a:p>
-                      <a:r>
-                        <a:rPr lang="en-GB" dirty="0" smtClean="0"/>
-                        <a:t>char* (zero terminated)</a:t>
-                      </a:r>
-                      <a:endParaRPr lang="en-GB" dirty="0"/>
-                    </a:p>
-                  </a:txBody>
-                  <a:tcPr/>
-                </a:tc>
-                <a:tc>
-                  <a:txBody>
-                    <a:bodyPr/>
-                    <a:lstStyle/>
-                    <a:p>
-                      <a:r>
-                        <a:rPr lang="en-GB" dirty="0" smtClean="0"/>
-                        <a:t>string</a:t>
-                      </a:r>
-                      <a:endParaRPr lang="en-GB" dirty="0"/>
-                    </a:p>
-                  </a:txBody>
-                  <a:tcPr/>
-                </a:tc>
-              </a:tr>
-              <a:tr h="370840">
-                <a:tc>
-                  <a:txBody>
-                    <a:bodyPr/>
-                    <a:lstStyle/>
-                    <a:p>
-                      <a:r>
-                        <a:rPr lang="en-GB" dirty="0" err="1" smtClean="0"/>
-                        <a:t>GeoPos</a:t>
-                      </a:r>
-                      <a:endParaRPr lang="en-GB" dirty="0"/>
-                    </a:p>
-                  </a:txBody>
-                  <a:tcPr/>
-                </a:tc>
-                <a:tc>
-                  <a:txBody>
-                    <a:bodyPr/>
-                    <a:lstStyle/>
-                    <a:p>
-                      <a:r>
-                        <a:rPr lang="en-GB" dirty="0" smtClean="0"/>
-                        <a:t>float[2]</a:t>
-                      </a:r>
-                      <a:endParaRPr lang="en-GB" dirty="0"/>
-                    </a:p>
-                  </a:txBody>
-                  <a:tcPr/>
-                </a:tc>
-                <a:tc>
-                  <a:txBody>
-                    <a:bodyPr/>
-                    <a:lstStyle/>
-                    <a:p>
-                      <a:r>
-                        <a:rPr lang="en-GB" dirty="0" smtClean="0"/>
-                        <a:t>(</a:t>
-                      </a:r>
-                      <a:r>
-                        <a:rPr lang="en-GB" dirty="0" err="1" smtClean="0"/>
-                        <a:t>lat</a:t>
-                      </a:r>
-                      <a:r>
-                        <a:rPr lang="en-GB" dirty="0" smtClean="0"/>
-                        <a:t>, </a:t>
-                      </a:r>
-                      <a:r>
-                        <a:rPr lang="en-GB" dirty="0" err="1" smtClean="0"/>
-                        <a:t>lon</a:t>
-                      </a:r>
-                      <a:r>
-                        <a:rPr lang="en-GB" dirty="0" smtClean="0"/>
-                        <a:t>)</a:t>
-                      </a:r>
-                      <a:endParaRPr lang="en-GB" dirty="0"/>
-                    </a:p>
-                  </a:txBody>
-                  <a:tcPr/>
-                </a:tc>
-              </a:tr>
-              <a:tr h="370840">
-                <a:tc>
-                  <a:txBody>
-                    <a:bodyPr/>
-                    <a:lstStyle/>
-                    <a:p>
-                      <a:r>
-                        <a:rPr lang="en-GB" dirty="0" err="1" smtClean="0"/>
-                        <a:t>PixelPos</a:t>
-                      </a:r>
-                      <a:endParaRPr lang="en-GB" dirty="0"/>
-                    </a:p>
-                  </a:txBody>
-                  <a:tcPr/>
-                </a:tc>
-                <a:tc>
-                  <a:txBody>
-                    <a:bodyPr/>
-                    <a:lstStyle/>
-                    <a:p>
-                      <a:r>
-                        <a:rPr lang="en-GB" dirty="0" smtClean="0"/>
-                        <a:t>float[2]</a:t>
-                      </a:r>
-                      <a:endParaRPr lang="en-GB" dirty="0"/>
-                    </a:p>
-                  </a:txBody>
-                  <a:tcPr/>
-                </a:tc>
-                <a:tc>
-                  <a:txBody>
-                    <a:bodyPr/>
-                    <a:lstStyle/>
-                    <a:p>
-                      <a:r>
-                        <a:rPr lang="en-GB" dirty="0" smtClean="0"/>
-                        <a:t>(x, y)</a:t>
-                      </a:r>
-                      <a:endParaRPr lang="en-GB" dirty="0"/>
-                    </a:p>
-                  </a:txBody>
-                  <a:tcPr/>
-                </a:tc>
-              </a:tr>
-              <a:tr h="370840">
-                <a:tc>
-                  <a:txBody>
-                    <a:bodyPr/>
-                    <a:lstStyle/>
-                    <a:p>
-                      <a:r>
-                        <a:rPr lang="en-GB" dirty="0" smtClean="0"/>
-                        <a:t>Point, Point2D</a:t>
-                      </a:r>
-                      <a:endParaRPr lang="en-GB" dirty="0"/>
-                    </a:p>
-                  </a:txBody>
-                  <a:tcPr/>
-                </a:tc>
-                <a:tc>
-                  <a:txBody>
-                    <a:bodyPr/>
-                    <a:lstStyle/>
-                    <a:p>
-                      <a:r>
-                        <a:rPr lang="en-GB" dirty="0" err="1" smtClean="0"/>
-                        <a:t>int</a:t>
-                      </a:r>
-                      <a:r>
-                        <a:rPr lang="en-GB" dirty="0" smtClean="0"/>
-                        <a:t>[2], float[2]</a:t>
-                      </a:r>
-                      <a:endParaRPr lang="en-GB" dirty="0"/>
-                    </a:p>
-                  </a:txBody>
-                  <a:tcPr/>
-                </a:tc>
-                <a:tc>
-                  <a:txBody>
-                    <a:bodyPr/>
-                    <a:lstStyle/>
-                    <a:p>
-                      <a:r>
-                        <a:rPr lang="en-GB" dirty="0" smtClean="0"/>
-                        <a:t>(x, y)</a:t>
-                      </a:r>
-                      <a:endParaRPr lang="en-GB" dirty="0"/>
-                    </a:p>
-                  </a:txBody>
-                  <a:tcPr/>
-                </a:tc>
-              </a:tr>
-              <a:tr h="370840">
-                <a:tc>
-                  <a:txBody>
-                    <a:bodyPr/>
-                    <a:lstStyle/>
-                    <a:p>
-                      <a:r>
-                        <a:rPr lang="en-GB" dirty="0" smtClean="0"/>
-                        <a:t>Rectangle, Rectangle2D</a:t>
-                      </a:r>
-                      <a:endParaRPr lang="en-GB" dirty="0"/>
-                    </a:p>
-                  </a:txBody>
-                  <a:tcPr/>
-                </a:tc>
-                <a:tc>
-                  <a:txBody>
-                    <a:bodyPr/>
-                    <a:lstStyle/>
-                    <a:p>
-                      <a:r>
-                        <a:rPr lang="en-GB" dirty="0" err="1" smtClean="0"/>
-                        <a:t>int</a:t>
-                      </a:r>
-                      <a:r>
-                        <a:rPr lang="en-GB" dirty="0" smtClean="0"/>
-                        <a:t>[4], float[4]</a:t>
-                      </a:r>
-                      <a:endParaRPr lang="en-GB" dirty="0"/>
-                    </a:p>
-                  </a:txBody>
-                  <a:tcPr/>
-                </a:tc>
-                <a:tc>
-                  <a:txBody>
-                    <a:bodyPr/>
-                    <a:lstStyle/>
-                    <a:p>
-                      <a:r>
-                        <a:rPr lang="en-GB" dirty="0" smtClean="0"/>
-                        <a:t>(x, y, w, h)</a:t>
-                      </a:r>
-                      <a:endParaRPr lang="en-GB" dirty="0"/>
-                    </a:p>
-                  </a:txBody>
-                  <a:tcPr/>
-                </a:tc>
-              </a:tr>
-            </a:tbl>
-          </a:graphicData>
-        </a:graphic>
-      </p:graphicFrame>
-    </p:spTree>
-    <p:extLst>
-      <p:ext uri="{BB962C8B-B14F-4D97-AF65-F5344CB8AC3E}">
-        <p14:creationId xmlns:p14="http://schemas.microsoft.com/office/powerpoint/2010/main" val="514377977"/>
-      </p:ext>
-    </p:extLst>
-  </p:cSld>
-  <p:clrMapOvr>
-    <a:masterClrMapping/>
-  </p:clrMapOvr>
-  <p:timing>
-    <p:tnLst>
-      <p:par>
-        <p:cTn id="1" dur="indefinite" restart="never" nodeType="tmRoot"/>
-      </p:par>
-    </p:tnLst>
-  </p:timing>
-</p:sld>
-</file>
-
-<file path=ppt/slides/slide11.xml><?xml version="1.0" encoding="utf-8"?>
-<p:sld xmlns:a="http://schemas.openxmlformats.org/drawingml/2006/main" xmlns:r="http://schemas.openxmlformats.org/officeDocument/2006/relationships" xmlns:p="http://schemas.openxmlformats.org/presentationml/2006/main">
-  <p:cSld>
-    <p:spTree>
-      <p:nvGrpSpPr>
-        <p:cNvPr id="1" name=""/>
-        <p:cNvGrpSpPr/>
-        <p:nvPr/>
-      </p:nvGrpSpPr>
-      <p:grpSpPr>
-        <a:xfrm>
-          <a:off x="0" y="0"/>
-          <a:ext cx="0" cy="0"/>
-          <a:chOff x="0" y="0"/>
-          <a:chExt cx="0" cy="0"/>
-        </a:xfrm>
-      </p:grpSpPr>
-      <p:sp>
-        <p:nvSpPr>
-          <p:cNvPr id="2" name="Titel 1"/>
-          <p:cNvSpPr>
-            <a:spLocks noGrp="1"/>
-          </p:cNvSpPr>
-          <p:nvPr>
-            <p:ph type="title"/>
-          </p:nvPr>
-        </p:nvSpPr>
-        <p:spPr/>
-        <p:txBody>
           <a:bodyPr>
             <a:normAutofit/>
           </a:bodyPr>
@@ -4338,7 +3617,7 @@
 </p:sld>
 </file>
 
-<file path=ppt/slides/slide12.xml><?xml version="1.0" encoding="utf-8"?>
+<file path=ppt/slides/slide11.xml><?xml version="1.0" encoding="utf-8"?>
 <p:sld xmlns:a="http://schemas.openxmlformats.org/drawingml/2006/main" xmlns:r="http://schemas.openxmlformats.org/officeDocument/2006/relationships" xmlns:p="http://schemas.openxmlformats.org/presentationml/2006/main">
   <p:cSld>
     <p:spTree>
@@ -8074,7 +7353,7 @@
 </p:sld>
 </file>
 
-<file path=ppt/slides/slide13.xml><?xml version="1.0" encoding="utf-8"?>
+<file path=ppt/slides/slide12.xml><?xml version="1.0" encoding="utf-8"?>
 <p:sld xmlns:a="http://schemas.openxmlformats.org/drawingml/2006/main" xmlns:r="http://schemas.openxmlformats.org/officeDocument/2006/relationships" xmlns:p="http://schemas.openxmlformats.org/presentationml/2006/main">
   <p:cSld>
     <p:spTree>
@@ -11082,6 +10361,616 @@
     <p:extLst>
       <p:ext uri="{BB962C8B-B14F-4D97-AF65-F5344CB8AC3E}">
         <p14:creationId xmlns:p14="http://schemas.microsoft.com/office/powerpoint/2010/main" val="2298274009"/>
+      </p:ext>
+    </p:extLst>
+  </p:cSld>
+  <p:clrMapOvr>
+    <a:masterClrMapping/>
+  </p:clrMapOvr>
+  <p:timing>
+    <p:tnLst>
+      <p:par>
+        <p:cTn id="1" dur="indefinite" restart="never" nodeType="tmRoot"/>
+      </p:par>
+    </p:tnLst>
+  </p:timing>
+</p:sld>
+</file>
+
+<file path=ppt/slides/slide13.xml><?xml version="1.0" encoding="utf-8"?>
+<p:sld xmlns:a="http://schemas.openxmlformats.org/drawingml/2006/main" xmlns:r="http://schemas.openxmlformats.org/officeDocument/2006/relationships" xmlns:p="http://schemas.openxmlformats.org/presentationml/2006/main">
+  <p:cSld>
+    <p:spTree>
+      <p:nvGrpSpPr>
+        <p:cNvPr id="1" name=""/>
+        <p:cNvGrpSpPr/>
+        <p:nvPr/>
+      </p:nvGrpSpPr>
+      <p:grpSpPr>
+        <a:xfrm>
+          <a:off x="0" y="0"/>
+          <a:ext cx="0" cy="0"/>
+          <a:chOff x="0" y="0"/>
+          <a:chExt cx="0" cy="0"/>
+        </a:xfrm>
+      </p:grpSpPr>
+      <p:sp>
+        <p:nvSpPr>
+          <p:cNvPr id="5" name="Titel 4"/>
+          <p:cNvSpPr>
+            <a:spLocks noGrp="1"/>
+          </p:cNvSpPr>
+          <p:nvPr>
+            <p:ph type="title"/>
+          </p:nvPr>
+        </p:nvSpPr>
+        <p:spPr/>
+        <p:txBody>
+          <a:bodyPr/>
+          <a:lstStyle/>
+          <a:p>
+            <a:r>
+              <a:rPr lang="en-GB" b="1" dirty="0">
+                <a:solidFill>
+                  <a:schemeClr val="accent2">
+                    <a:lumMod val="50000"/>
+                  </a:schemeClr>
+                </a:solidFill>
+                <a:latin typeface="+mn-lt"/>
+                <a:ea typeface="+mn-ea"/>
+                <a:cs typeface="+mn-cs"/>
+              </a:rPr>
+              <a:t>X</a:t>
+            </a:r>
+            <a:r>
+              <a:rPr lang="en-GB" dirty="0" smtClean="0"/>
+              <a:t>-Target Function Generator</a:t>
+            </a:r>
+            <a:endParaRPr lang="en-GB" dirty="0"/>
+          </a:p>
+        </p:txBody>
+      </p:sp>
+      <p:sp>
+        <p:nvSpPr>
+          <p:cNvPr id="7" name="Inhaltsplatzhalter 6"/>
+          <p:cNvSpPr>
+            <a:spLocks noGrp="1"/>
+          </p:cNvSpPr>
+          <p:nvPr>
+            <p:ph sz="half" idx="1"/>
+          </p:nvPr>
+        </p:nvSpPr>
+        <p:spPr/>
+        <p:txBody>
+          <a:bodyPr>
+            <a:normAutofit fontScale="92500" lnSpcReduction="20000"/>
+          </a:bodyPr>
+          <a:lstStyle/>
+          <a:p>
+            <a:pPr fontAlgn="t"/>
+            <a:r>
+              <a:rPr lang="en-GB" dirty="0" smtClean="0"/>
+              <a:t>Head</a:t>
+            </a:r>
+          </a:p>
+          <a:p>
+            <a:pPr lvl="1" fontAlgn="t"/>
+            <a:r>
+              <a:rPr lang="en-GB" dirty="0" smtClean="0"/>
+              <a:t>Get </a:t>
+            </a:r>
+            <a:r>
+              <a:rPr lang="en-GB" b="1" dirty="0" smtClean="0">
+                <a:solidFill>
+                  <a:schemeClr val="accent2">
+                    <a:lumMod val="50000"/>
+                  </a:schemeClr>
+                </a:solidFill>
+              </a:rPr>
+              <a:t>X </a:t>
+            </a:r>
+            <a:r>
+              <a:rPr lang="en-GB" dirty="0" smtClean="0"/>
+              <a:t>function </a:t>
+            </a:r>
+            <a:r>
+              <a:rPr lang="en-GB" dirty="0"/>
+              <a:t>return </a:t>
+            </a:r>
+            <a:r>
+              <a:rPr lang="en-GB" dirty="0" smtClean="0"/>
+              <a:t>type</a:t>
+            </a:r>
+            <a:endParaRPr lang="en-GB" dirty="0"/>
+          </a:p>
+          <a:p>
+            <a:pPr lvl="1" fontAlgn="t"/>
+            <a:r>
+              <a:rPr lang="en-GB" dirty="0"/>
+              <a:t>Get </a:t>
+            </a:r>
+            <a:r>
+              <a:rPr lang="en-GB" b="1" dirty="0">
+                <a:solidFill>
+                  <a:schemeClr val="accent2">
+                    <a:lumMod val="50000"/>
+                  </a:schemeClr>
+                </a:solidFill>
+              </a:rPr>
+              <a:t>X </a:t>
+            </a:r>
+            <a:r>
+              <a:rPr lang="en-GB" b="1" dirty="0" smtClean="0">
+                <a:solidFill>
+                  <a:schemeClr val="accent2">
+                    <a:lumMod val="50000"/>
+                  </a:schemeClr>
+                </a:solidFill>
+              </a:rPr>
+              <a:t> </a:t>
+            </a:r>
+            <a:r>
+              <a:rPr lang="en-GB" dirty="0" smtClean="0"/>
+              <a:t>function </a:t>
+            </a:r>
+            <a:r>
+              <a:rPr lang="en-GB" dirty="0"/>
+              <a:t>name</a:t>
+            </a:r>
+          </a:p>
+          <a:p>
+            <a:pPr lvl="1"/>
+            <a:r>
+              <a:rPr lang="en-GB" dirty="0"/>
+              <a:t>Get </a:t>
+            </a:r>
+            <a:r>
+              <a:rPr lang="en-GB" b="1" dirty="0">
+                <a:solidFill>
+                  <a:schemeClr val="accent2">
+                    <a:lumMod val="50000"/>
+                  </a:schemeClr>
+                </a:solidFill>
+              </a:rPr>
+              <a:t>X </a:t>
+            </a:r>
+            <a:r>
+              <a:rPr lang="en-GB" b="1" dirty="0" smtClean="0">
+                <a:solidFill>
+                  <a:schemeClr val="accent2">
+                    <a:lumMod val="50000"/>
+                  </a:schemeClr>
+                </a:solidFill>
+              </a:rPr>
+              <a:t> </a:t>
+            </a:r>
+            <a:r>
+              <a:rPr lang="en-GB" dirty="0" smtClean="0"/>
+              <a:t>function </a:t>
+            </a:r>
+            <a:r>
+              <a:rPr lang="en-GB" u="sng" dirty="0" smtClean="0"/>
+              <a:t>parameters</a:t>
+            </a:r>
+          </a:p>
+          <a:p>
+            <a:endParaRPr lang="en-GB" dirty="0" smtClean="0"/>
+          </a:p>
+          <a:p>
+            <a:endParaRPr lang="en-GB" dirty="0"/>
+          </a:p>
+          <a:p>
+            <a:r>
+              <a:rPr lang="en-GB" dirty="0" smtClean="0"/>
+              <a:t>Body</a:t>
+            </a:r>
+          </a:p>
+          <a:p>
+            <a:pPr lvl="1"/>
+            <a:r>
+              <a:rPr lang="en-GB" dirty="0"/>
+              <a:t>Declare </a:t>
+            </a:r>
+            <a:r>
+              <a:rPr lang="en-GB" b="1" u="sng" dirty="0">
+                <a:solidFill>
+                  <a:schemeClr val="accent2">
+                    <a:lumMod val="50000"/>
+                  </a:schemeClr>
+                </a:solidFill>
+              </a:rPr>
+              <a:t>X </a:t>
+            </a:r>
+            <a:r>
+              <a:rPr lang="en-GB" u="sng" dirty="0" smtClean="0"/>
+              <a:t>arguments</a:t>
+            </a:r>
+            <a:r>
+              <a:rPr lang="en-GB" dirty="0" smtClean="0"/>
+              <a:t> (opt)</a:t>
+            </a:r>
+            <a:endParaRPr lang="en-GB" dirty="0"/>
+          </a:p>
+          <a:p>
+            <a:pPr lvl="1" fontAlgn="t"/>
+            <a:r>
+              <a:rPr lang="en-GB" dirty="0"/>
+              <a:t>Declare </a:t>
+            </a:r>
+            <a:r>
+              <a:rPr lang="en-GB" b="1" u="sng" dirty="0">
+                <a:solidFill>
+                  <a:schemeClr val="accent2">
+                    <a:lumMod val="50000"/>
+                  </a:schemeClr>
+                </a:solidFill>
+              </a:rPr>
+              <a:t>X </a:t>
+            </a:r>
+            <a:r>
+              <a:rPr lang="en-GB" u="sng" dirty="0" smtClean="0"/>
+              <a:t>result</a:t>
+            </a:r>
+            <a:endParaRPr lang="en-GB" u="sng" dirty="0"/>
+          </a:p>
+          <a:p>
+            <a:pPr lvl="1" fontAlgn="t"/>
+            <a:r>
+              <a:rPr lang="en-GB" dirty="0"/>
+              <a:t>Declare </a:t>
+            </a:r>
+            <a:r>
+              <a:rPr lang="en-GB" b="1" u="sng" dirty="0">
+                <a:solidFill>
+                  <a:schemeClr val="accent6">
+                    <a:lumMod val="50000"/>
+                  </a:schemeClr>
+                </a:solidFill>
+              </a:rPr>
+              <a:t>Java</a:t>
+            </a:r>
+            <a:r>
+              <a:rPr lang="en-GB" u="sng" dirty="0"/>
+              <a:t> </a:t>
+            </a:r>
+            <a:r>
+              <a:rPr lang="en-GB" u="sng" dirty="0" smtClean="0"/>
+              <a:t>arguments</a:t>
+            </a:r>
+            <a:endParaRPr lang="en-GB" u="sng" dirty="0"/>
+          </a:p>
+          <a:p>
+            <a:pPr lvl="1" fontAlgn="t"/>
+            <a:r>
+              <a:rPr lang="en-GB" dirty="0"/>
+              <a:t>Declare </a:t>
+            </a:r>
+            <a:r>
+              <a:rPr lang="en-GB" b="1" u="sng" dirty="0">
+                <a:solidFill>
+                  <a:schemeClr val="accent6">
+                    <a:lumMod val="50000"/>
+                  </a:schemeClr>
+                </a:solidFill>
+              </a:rPr>
+              <a:t>Java</a:t>
+            </a:r>
+            <a:r>
+              <a:rPr lang="en-GB" u="sng" dirty="0"/>
+              <a:t> </a:t>
+            </a:r>
+            <a:r>
+              <a:rPr lang="en-GB" u="sng" dirty="0" smtClean="0"/>
+              <a:t>result</a:t>
+            </a:r>
+            <a:endParaRPr lang="en-GB" u="sng" dirty="0"/>
+          </a:p>
+          <a:p>
+            <a:endParaRPr lang="en-GB" dirty="0" smtClean="0"/>
+          </a:p>
+          <a:p>
+            <a:endParaRPr lang="en-GB" dirty="0"/>
+          </a:p>
+          <a:p>
+            <a:endParaRPr lang="en-GB" dirty="0"/>
+          </a:p>
+        </p:txBody>
+      </p:sp>
+      <p:sp>
+        <p:nvSpPr>
+          <p:cNvPr id="8" name="Inhaltsplatzhalter 7"/>
+          <p:cNvSpPr>
+            <a:spLocks noGrp="1"/>
+          </p:cNvSpPr>
+          <p:nvPr>
+            <p:ph sz="half" idx="2"/>
+          </p:nvPr>
+        </p:nvSpPr>
+        <p:spPr/>
+        <p:txBody>
+          <a:bodyPr>
+            <a:normAutofit fontScale="92500" lnSpcReduction="20000"/>
+          </a:bodyPr>
+          <a:lstStyle/>
+          <a:p>
+            <a:r>
+              <a:rPr lang="en-GB" dirty="0" smtClean="0"/>
+              <a:t>Body (cont.)</a:t>
+            </a:r>
+          </a:p>
+          <a:p>
+            <a:pPr lvl="1"/>
+            <a:r>
+              <a:rPr lang="en-GB" dirty="0"/>
+              <a:t>Assign </a:t>
+            </a:r>
+            <a:r>
+              <a:rPr lang="en-GB" b="1" u="sng" dirty="0">
+                <a:solidFill>
+                  <a:schemeClr val="accent2">
+                    <a:lumMod val="50000"/>
+                  </a:schemeClr>
+                </a:solidFill>
+              </a:rPr>
+              <a:t>X </a:t>
+            </a:r>
+            <a:r>
+              <a:rPr lang="en-GB" u="sng" dirty="0" smtClean="0"/>
+              <a:t>arguments</a:t>
+            </a:r>
+            <a:r>
+              <a:rPr lang="en-GB" dirty="0" smtClean="0"/>
+              <a:t> </a:t>
+            </a:r>
+            <a:r>
+              <a:rPr lang="en-GB" dirty="0"/>
+              <a:t>from </a:t>
+            </a:r>
+            <a:r>
+              <a:rPr lang="en-GB" dirty="0" smtClean="0"/>
+              <a:t>parsed </a:t>
+            </a:r>
+            <a:r>
+              <a:rPr lang="en-GB" u="sng" dirty="0" smtClean="0"/>
+              <a:t>parameters</a:t>
+            </a:r>
+            <a:r>
+              <a:rPr lang="en-GB" dirty="0" smtClean="0"/>
+              <a:t> (opt)</a:t>
+            </a:r>
+            <a:endParaRPr lang="en-GB" dirty="0"/>
+          </a:p>
+          <a:p>
+            <a:pPr lvl="1"/>
+            <a:r>
+              <a:rPr lang="en-GB" dirty="0"/>
+              <a:t>Assign </a:t>
+            </a:r>
+            <a:r>
+              <a:rPr lang="en-GB" b="1" u="sng" dirty="0" smtClean="0">
+                <a:solidFill>
+                  <a:schemeClr val="accent6">
+                    <a:lumMod val="50000"/>
+                  </a:schemeClr>
+                </a:solidFill>
+              </a:rPr>
+              <a:t>Java</a:t>
+            </a:r>
+            <a:r>
+              <a:rPr lang="en-GB" u="sng" dirty="0" smtClean="0"/>
+              <a:t> </a:t>
+            </a:r>
+            <a:r>
+              <a:rPr lang="en-GB" u="sng" dirty="0"/>
+              <a:t>arguments</a:t>
+            </a:r>
+            <a:r>
+              <a:rPr lang="en-GB" dirty="0"/>
+              <a:t> from transformed </a:t>
+            </a:r>
+            <a:r>
+              <a:rPr lang="en-GB" b="1" u="sng" dirty="0" smtClean="0">
+                <a:solidFill>
+                  <a:schemeClr val="accent2">
+                    <a:lumMod val="50000"/>
+                  </a:schemeClr>
+                </a:solidFill>
+              </a:rPr>
+              <a:t>X </a:t>
+            </a:r>
+            <a:r>
+              <a:rPr lang="en-GB" u="sng" dirty="0"/>
+              <a:t>arguments</a:t>
+            </a:r>
+            <a:r>
+              <a:rPr lang="en-GB" dirty="0"/>
+              <a:t> </a:t>
+            </a:r>
+          </a:p>
+          <a:p>
+            <a:pPr lvl="1"/>
+            <a:r>
+              <a:rPr lang="en-GB" dirty="0" smtClean="0"/>
+              <a:t>Assign </a:t>
+            </a:r>
+            <a:r>
+              <a:rPr lang="en-GB" b="1" u="sng" dirty="0">
+                <a:solidFill>
+                  <a:schemeClr val="accent6">
+                    <a:lumMod val="50000"/>
+                  </a:schemeClr>
+                </a:solidFill>
+              </a:rPr>
+              <a:t>Java</a:t>
+            </a:r>
+            <a:r>
+              <a:rPr lang="en-GB" u="sng" dirty="0"/>
+              <a:t> </a:t>
+            </a:r>
+            <a:r>
+              <a:rPr lang="en-GB" u="sng" dirty="0" smtClean="0"/>
+              <a:t>result</a:t>
+            </a:r>
+            <a:r>
+              <a:rPr lang="en-GB" dirty="0" smtClean="0"/>
+              <a:t> from </a:t>
+            </a:r>
+            <a:r>
+              <a:rPr lang="en-GB" b="1" dirty="0">
+                <a:solidFill>
+                  <a:schemeClr val="accent6">
+                    <a:lumMod val="50000"/>
+                  </a:schemeClr>
+                </a:solidFill>
+              </a:rPr>
+              <a:t>Java</a:t>
+            </a:r>
+            <a:r>
+              <a:rPr lang="en-GB" dirty="0"/>
+              <a:t> </a:t>
+            </a:r>
+            <a:r>
+              <a:rPr lang="en-GB" dirty="0" smtClean="0"/>
+              <a:t>method call</a:t>
+            </a:r>
+          </a:p>
+          <a:p>
+            <a:pPr lvl="1"/>
+            <a:r>
+              <a:rPr lang="en-GB" dirty="0" smtClean="0"/>
+              <a:t>Assign </a:t>
+            </a:r>
+            <a:r>
+              <a:rPr lang="en-GB" b="1" u="sng" dirty="0" smtClean="0">
+                <a:solidFill>
+                  <a:schemeClr val="accent2">
+                    <a:lumMod val="50000"/>
+                  </a:schemeClr>
+                </a:solidFill>
+              </a:rPr>
+              <a:t>X </a:t>
+            </a:r>
+            <a:r>
+              <a:rPr lang="en-GB" u="sng" dirty="0"/>
+              <a:t>result</a:t>
+            </a:r>
+            <a:r>
+              <a:rPr lang="en-GB" dirty="0"/>
+              <a:t> from transformed </a:t>
+            </a:r>
+            <a:r>
+              <a:rPr lang="en-GB" b="1" u="sng" dirty="0">
+                <a:solidFill>
+                  <a:schemeClr val="accent6">
+                    <a:lumMod val="50000"/>
+                  </a:schemeClr>
+                </a:solidFill>
+              </a:rPr>
+              <a:t>Java</a:t>
+            </a:r>
+            <a:r>
+              <a:rPr lang="en-GB" u="sng" dirty="0"/>
+              <a:t> </a:t>
+            </a:r>
+            <a:r>
+              <a:rPr lang="en-GB" u="sng" dirty="0" smtClean="0"/>
+              <a:t>result</a:t>
+            </a:r>
+          </a:p>
+          <a:p>
+            <a:pPr lvl="1" fontAlgn="t"/>
+            <a:r>
+              <a:rPr lang="en-GB" dirty="0" err="1" smtClean="0"/>
+              <a:t>Deref</a:t>
+            </a:r>
+            <a:r>
+              <a:rPr lang="en-GB" dirty="0" smtClean="0"/>
+              <a:t> </a:t>
+            </a:r>
+            <a:r>
+              <a:rPr lang="en-GB" b="1" u="sng" dirty="0">
+                <a:solidFill>
+                  <a:schemeClr val="accent6">
+                    <a:lumMod val="50000"/>
+                  </a:schemeClr>
+                </a:solidFill>
+              </a:rPr>
+              <a:t>Java</a:t>
+            </a:r>
+            <a:r>
+              <a:rPr lang="en-GB" u="sng" dirty="0"/>
+              <a:t> </a:t>
+            </a:r>
+            <a:r>
+              <a:rPr lang="en-GB" u="sng" dirty="0" smtClean="0"/>
+              <a:t>arguments</a:t>
+            </a:r>
+            <a:endParaRPr lang="en-GB" u="sng" dirty="0"/>
+          </a:p>
+          <a:p>
+            <a:pPr lvl="1"/>
+            <a:r>
+              <a:rPr lang="en-GB" dirty="0" err="1"/>
+              <a:t>Deref</a:t>
+            </a:r>
+            <a:r>
+              <a:rPr lang="en-GB" dirty="0"/>
+              <a:t> </a:t>
+            </a:r>
+            <a:r>
+              <a:rPr lang="en-GB" b="1" u="sng" dirty="0">
+                <a:solidFill>
+                  <a:schemeClr val="accent6">
+                    <a:lumMod val="50000"/>
+                  </a:schemeClr>
+                </a:solidFill>
+              </a:rPr>
+              <a:t>Java</a:t>
+            </a:r>
+            <a:r>
+              <a:rPr lang="en-GB" u="sng" dirty="0"/>
+              <a:t> </a:t>
+            </a:r>
+            <a:r>
+              <a:rPr lang="en-GB" u="sng" dirty="0" smtClean="0"/>
+              <a:t>result</a:t>
+            </a:r>
+            <a:endParaRPr lang="en-GB" u="sng" dirty="0"/>
+          </a:p>
+          <a:p>
+            <a:pPr lvl="1"/>
+            <a:r>
+              <a:rPr lang="en-GB" dirty="0"/>
+              <a:t>Return </a:t>
+            </a:r>
+            <a:r>
+              <a:rPr lang="en-GB" b="1" u="sng" dirty="0">
+                <a:solidFill>
+                  <a:schemeClr val="accent2">
+                    <a:lumMod val="50000"/>
+                  </a:schemeClr>
+                </a:solidFill>
+              </a:rPr>
+              <a:t>X </a:t>
+            </a:r>
+            <a:r>
+              <a:rPr lang="en-GB" u="sng" dirty="0" smtClean="0"/>
+              <a:t>result</a:t>
+            </a:r>
+            <a:endParaRPr lang="en-GB" u="sng" dirty="0"/>
+          </a:p>
+          <a:p>
+            <a:pPr marL="0" indent="0">
+              <a:buNone/>
+            </a:pPr>
+            <a:endParaRPr lang="en-GB" dirty="0"/>
+          </a:p>
+        </p:txBody>
+      </p:sp>
+    </p:spTree>
+    <p:extLst>
+      <p:ext uri="{BB962C8B-B14F-4D97-AF65-F5344CB8AC3E}">
+        <p14:creationId xmlns:p14="http://schemas.microsoft.com/office/powerpoint/2010/main" val="732695745"/>
       </p:ext>
     </p:extLst>
   </p:cSld>
@@ -20173,96 +20062,6 @@
         </p:nvSpPr>
         <p:spPr/>
         <p:txBody>
-          <a:bodyPr/>
-          <a:lstStyle/>
-          <a:p>
-            <a:endParaRPr lang="en-GB"/>
-          </a:p>
-        </p:txBody>
-      </p:sp>
-      <p:sp>
-        <p:nvSpPr>
-          <p:cNvPr id="3" name="Inhaltsplatzhalter 2"/>
-          <p:cNvSpPr>
-            <a:spLocks noGrp="1"/>
-          </p:cNvSpPr>
-          <p:nvPr>
-            <p:ph idx="1"/>
-          </p:nvPr>
-        </p:nvSpPr>
-        <p:spPr/>
-        <p:txBody>
-          <a:bodyPr/>
-          <a:lstStyle/>
-          <a:p>
-            <a:pPr marL="0" indent="0">
-              <a:buNone/>
-            </a:pPr>
-            <a:r>
-              <a:rPr lang="en-GB" dirty="0" smtClean="0"/>
-              <a:t>class Operator:</a:t>
-            </a:r>
-          </a:p>
-          <a:p>
-            <a:pPr marL="0" indent="0">
-              <a:buNone/>
-            </a:pPr>
-            <a:r>
-              <a:rPr lang="en-GB" dirty="0"/>
-              <a:t>	</a:t>
-            </a:r>
-          </a:p>
-        </p:txBody>
-      </p:sp>
-    </p:spTree>
-    <p:extLst>
-      <p:ext uri="{BB962C8B-B14F-4D97-AF65-F5344CB8AC3E}">
-        <p14:creationId xmlns:p14="http://schemas.microsoft.com/office/powerpoint/2010/main" val="9632054"/>
-      </p:ext>
-    </p:extLst>
-  </p:cSld>
-  <p:clrMapOvr>
-    <a:masterClrMapping/>
-  </p:clrMapOvr>
-  <p:timing>
-    <p:tnLst>
-      <p:par>
-        <p:cTn id="1" dur="indefinite" restart="never" nodeType="tmRoot"/>
-      </p:par>
-    </p:tnLst>
-  </p:timing>
-</p:sld>
-</file>
-
-<file path=ppt/slides/slide9.xml><?xml version="1.0" encoding="utf-8"?>
-<p:sld xmlns:a="http://schemas.openxmlformats.org/drawingml/2006/main" xmlns:r="http://schemas.openxmlformats.org/officeDocument/2006/relationships" xmlns:p="http://schemas.openxmlformats.org/presentationml/2006/main">
-  <p:cSld>
-    <p:spTree>
-      <p:nvGrpSpPr>
-        <p:cNvPr id="1" name=""/>
-        <p:cNvGrpSpPr/>
-        <p:nvPr/>
-      </p:nvGrpSpPr>
-      <p:grpSpPr>
-        <a:xfrm>
-          <a:off x="0" y="0"/>
-          <a:ext cx="0" cy="0"/>
-          <a:chOff x="0" y="0"/>
-          <a:chExt cx="0" cy="0"/>
-        </a:xfrm>
-      </p:grpSpPr>
-      <p:sp>
-        <p:nvSpPr>
-          <p:cNvPr id="2" name="Titel 1"/>
-          <p:cNvSpPr>
-            <a:spLocks noGrp="1"/>
-          </p:cNvSpPr>
-          <p:nvPr>
-            <p:ph type="title"/>
-          </p:nvPr>
-        </p:nvSpPr>
-        <p:spPr/>
-        <p:txBody>
           <a:bodyPr>
             <a:normAutofit fontScale="90000"/>
           </a:bodyPr>
@@ -21322,6 +21121,733 @@
     <p:extLst>
       <p:ext uri="{BB962C8B-B14F-4D97-AF65-F5344CB8AC3E}">
         <p14:creationId xmlns:p14="http://schemas.microsoft.com/office/powerpoint/2010/main" val="1969224"/>
+      </p:ext>
+    </p:extLst>
+  </p:cSld>
+  <p:clrMapOvr>
+    <a:masterClrMapping/>
+  </p:clrMapOvr>
+  <p:timing>
+    <p:tnLst>
+      <p:par>
+        <p:cTn id="1" dur="indefinite" restart="never" nodeType="tmRoot"/>
+      </p:par>
+    </p:tnLst>
+  </p:timing>
+</p:sld>
+</file>
+
+<file path=ppt/slides/slide9.xml><?xml version="1.0" encoding="utf-8"?>
+<p:sld xmlns:a="http://schemas.openxmlformats.org/drawingml/2006/main" xmlns:r="http://schemas.openxmlformats.org/officeDocument/2006/relationships" xmlns:p="http://schemas.openxmlformats.org/presentationml/2006/main">
+  <p:cSld>
+    <p:spTree>
+      <p:nvGrpSpPr>
+        <p:cNvPr id="1" name=""/>
+        <p:cNvGrpSpPr/>
+        <p:nvPr/>
+      </p:nvGrpSpPr>
+      <p:grpSpPr>
+        <a:xfrm>
+          <a:off x="0" y="0"/>
+          <a:ext cx="0" cy="0"/>
+          <a:chOff x="0" y="0"/>
+          <a:chExt cx="0" cy="0"/>
+        </a:xfrm>
+      </p:grpSpPr>
+      <p:sp>
+        <p:nvSpPr>
+          <p:cNvPr id="2" name="Titel 1"/>
+          <p:cNvSpPr>
+            <a:spLocks noGrp="1"/>
+          </p:cNvSpPr>
+          <p:nvPr>
+            <p:ph type="title"/>
+          </p:nvPr>
+        </p:nvSpPr>
+        <p:spPr/>
+        <p:txBody>
+          <a:bodyPr/>
+          <a:lstStyle/>
+          <a:p>
+            <a:r>
+              <a:rPr lang="en-GB" dirty="0" smtClean="0"/>
+              <a:t>Data Type Mappings</a:t>
+            </a:r>
+            <a:endParaRPr lang="en-GB" dirty="0"/>
+          </a:p>
+        </p:txBody>
+      </p:sp>
+      <p:graphicFrame>
+        <p:nvGraphicFramePr>
+          <p:cNvPr id="4" name="Inhaltsplatzhalter 3"/>
+          <p:cNvGraphicFramePr>
+            <a:graphicFrameLocks noGrp="1"/>
+          </p:cNvGraphicFramePr>
+          <p:nvPr>
+            <p:ph idx="1"/>
+            <p:extLst>
+              <p:ext uri="{D42A27DB-BD31-4B8C-83A1-F6EECF244321}">
+                <p14:modId xmlns:p14="http://schemas.microsoft.com/office/powerpoint/2010/main" val="2904863150"/>
+              </p:ext>
+            </p:extLst>
+          </p:nvPr>
+        </p:nvGraphicFramePr>
+        <p:xfrm>
+          <a:off x="457200" y="1600200"/>
+          <a:ext cx="8229600" cy="4719320"/>
+        </p:xfrm>
+        <a:graphic>
+          <a:graphicData uri="http://schemas.openxmlformats.org/drawingml/2006/table">
+            <a:tbl>
+              <a:tblPr firstRow="1" bandRow="1">
+                <a:tableStyleId>{5C22544A-7EE6-4342-B048-85BDC9FD1C3A}</a:tableStyleId>
+              </a:tblPr>
+              <a:tblGrid>
+                <a:gridCol w="2743200"/>
+                <a:gridCol w="2743200"/>
+                <a:gridCol w="2743200"/>
+              </a:tblGrid>
+              <a:tr h="370840">
+                <a:tc>
+                  <a:txBody>
+                    <a:bodyPr/>
+                    <a:lstStyle/>
+                    <a:p>
+                      <a:r>
+                        <a:rPr lang="en-GB" dirty="0" smtClean="0"/>
+                        <a:t>Java</a:t>
+                      </a:r>
+                      <a:endParaRPr lang="en-GB" dirty="0"/>
+                    </a:p>
+                  </a:txBody>
+                  <a:tcPr/>
+                </a:tc>
+                <a:tc>
+                  <a:txBody>
+                    <a:bodyPr/>
+                    <a:lstStyle/>
+                    <a:p>
+                      <a:r>
+                        <a:rPr lang="en-GB" dirty="0" smtClean="0"/>
+                        <a:t>C</a:t>
+                      </a:r>
+                      <a:endParaRPr lang="en-GB" dirty="0"/>
+                    </a:p>
+                  </a:txBody>
+                  <a:tcPr/>
+                </a:tc>
+                <a:tc>
+                  <a:txBody>
+                    <a:bodyPr/>
+                    <a:lstStyle/>
+                    <a:p>
+                      <a:r>
+                        <a:rPr lang="en-GB" dirty="0" smtClean="0"/>
+                        <a:t>Python</a:t>
+                      </a:r>
+                      <a:endParaRPr lang="en-GB" dirty="0"/>
+                    </a:p>
+                  </a:txBody>
+                  <a:tcPr/>
+                </a:tc>
+              </a:tr>
+              <a:tr h="370840">
+                <a:tc>
+                  <a:txBody>
+                    <a:bodyPr/>
+                    <a:lstStyle/>
+                    <a:p>
+                      <a:r>
+                        <a:rPr lang="en-GB" dirty="0" smtClean="0"/>
+                        <a:t>Object</a:t>
+                      </a:r>
+                      <a:endParaRPr lang="en-GB" dirty="0"/>
+                    </a:p>
+                  </a:txBody>
+                  <a:tcPr/>
+                </a:tc>
+                <a:tc>
+                  <a:txBody>
+                    <a:bodyPr/>
+                    <a:lstStyle/>
+                    <a:p>
+                      <a:pPr marL="0" marR="0" indent="0" algn="l" defTabSz="914400" rtl="0" eaLnBrk="1" fontAlgn="auto" latinLnBrk="0" hangingPunct="1">
+                        <a:lnSpc>
+                          <a:spcPct val="100000"/>
+                        </a:lnSpc>
+                        <a:spcBef>
+                          <a:spcPts val="0"/>
+                        </a:spcBef>
+                        <a:spcAft>
+                          <a:spcPts val="0"/>
+                        </a:spcAft>
+                        <a:buClrTx/>
+                        <a:buSzTx/>
+                        <a:buFontTx/>
+                        <a:buNone/>
+                        <a:tabLst/>
+                        <a:defRPr/>
+                      </a:pPr>
+                      <a:r>
+                        <a:rPr lang="en-GB" dirty="0" smtClean="0"/>
+                        <a:t>void*</a:t>
+                      </a:r>
+                    </a:p>
+                  </a:txBody>
+                  <a:tcPr/>
+                </a:tc>
+                <a:tc>
+                  <a:txBody>
+                    <a:bodyPr/>
+                    <a:lstStyle/>
+                    <a:p>
+                      <a:r>
+                        <a:rPr lang="en-GB" dirty="0" smtClean="0"/>
+                        <a:t>(&lt;type&gt;, &lt;pointer&gt;)</a:t>
+                      </a:r>
+                      <a:endParaRPr lang="en-GB" dirty="0"/>
+                    </a:p>
+                  </a:txBody>
+                  <a:tcPr/>
+                </a:tc>
+              </a:tr>
+              <a:tr h="370840">
+                <a:tc>
+                  <a:txBody>
+                    <a:bodyPr/>
+                    <a:lstStyle/>
+                    <a:p>
+                      <a:r>
+                        <a:rPr lang="en-GB" dirty="0" smtClean="0"/>
+                        <a:t>Prim. arrays</a:t>
+                      </a:r>
+                      <a:endParaRPr lang="en-GB" dirty="0"/>
+                    </a:p>
+                  </a:txBody>
+                  <a:tcPr/>
+                </a:tc>
+                <a:tc>
+                  <a:txBody>
+                    <a:bodyPr/>
+                    <a:lstStyle/>
+                    <a:p>
+                      <a:pPr marL="0" marR="0" indent="0" algn="l" defTabSz="914400" rtl="0" eaLnBrk="1" fontAlgn="auto" latinLnBrk="0" hangingPunct="1">
+                        <a:lnSpc>
+                          <a:spcPct val="100000"/>
+                        </a:lnSpc>
+                        <a:spcBef>
+                          <a:spcPts val="0"/>
+                        </a:spcBef>
+                        <a:spcAft>
+                          <a:spcPts val="0"/>
+                        </a:spcAft>
+                        <a:buClrTx/>
+                        <a:buSzTx/>
+                        <a:buFontTx/>
+                        <a:buNone/>
+                        <a:tabLst/>
+                        <a:defRPr/>
+                      </a:pPr>
+                      <a:r>
+                        <a:rPr lang="en-GB" dirty="0" smtClean="0"/>
+                        <a:t>&lt;type&gt;*, length</a:t>
+                      </a:r>
+                    </a:p>
+                  </a:txBody>
+                  <a:tcPr/>
+                </a:tc>
+                <a:tc>
+                  <a:txBody>
+                    <a:bodyPr/>
+                    <a:lstStyle/>
+                    <a:p>
+                      <a:r>
+                        <a:rPr lang="en-GB" dirty="0" smtClean="0"/>
+                        <a:t>buffer, </a:t>
+                      </a:r>
+                      <a:r>
+                        <a:rPr lang="en-GB" dirty="0" err="1" smtClean="0"/>
+                        <a:t>array.array</a:t>
+                      </a:r>
+                      <a:r>
+                        <a:rPr lang="en-GB" dirty="0" smtClean="0"/>
+                        <a:t>, </a:t>
+                      </a:r>
+                      <a:r>
+                        <a:rPr lang="en-GB" dirty="0" err="1" smtClean="0"/>
+                        <a:t>numpy.array</a:t>
+                      </a:r>
+                      <a:endParaRPr lang="en-GB" dirty="0"/>
+                    </a:p>
+                  </a:txBody>
+                  <a:tcPr/>
+                </a:tc>
+              </a:tr>
+              <a:tr h="370840">
+                <a:tc>
+                  <a:txBody>
+                    <a:bodyPr/>
+                    <a:lstStyle/>
+                    <a:p>
+                      <a:r>
+                        <a:rPr lang="en-GB" dirty="0" smtClean="0"/>
+                        <a:t>String</a:t>
+                      </a:r>
+                      <a:endParaRPr lang="en-GB" dirty="0"/>
+                    </a:p>
+                  </a:txBody>
+                  <a:tcPr/>
+                </a:tc>
+                <a:tc>
+                  <a:txBody>
+                    <a:bodyPr/>
+                    <a:lstStyle/>
+                    <a:p>
+                      <a:r>
+                        <a:rPr lang="en-GB" dirty="0" smtClean="0"/>
+                        <a:t>char* (zero terminated)</a:t>
+                      </a:r>
+                      <a:endParaRPr lang="en-GB" dirty="0"/>
+                    </a:p>
+                  </a:txBody>
+                  <a:tcPr/>
+                </a:tc>
+                <a:tc>
+                  <a:txBody>
+                    <a:bodyPr/>
+                    <a:lstStyle/>
+                    <a:p>
+                      <a:r>
+                        <a:rPr lang="en-GB" dirty="0" smtClean="0"/>
+                        <a:t>string</a:t>
+                      </a:r>
+                      <a:endParaRPr lang="en-GB" dirty="0"/>
+                    </a:p>
+                  </a:txBody>
+                  <a:tcPr/>
+                </a:tc>
+              </a:tr>
+              <a:tr h="370840">
+                <a:tc>
+                  <a:txBody>
+                    <a:bodyPr/>
+                    <a:lstStyle/>
+                    <a:p>
+                      <a:r>
+                        <a:rPr lang="en-GB" dirty="0" smtClean="0"/>
+                        <a:t>Map</a:t>
+                      </a:r>
+                      <a:endParaRPr lang="en-GB" dirty="0"/>
+                    </a:p>
+                  </a:txBody>
+                  <a:tcPr/>
+                </a:tc>
+                <a:tc>
+                  <a:txBody>
+                    <a:bodyPr/>
+                    <a:lstStyle/>
+                    <a:p>
+                      <a:r>
+                        <a:rPr lang="en-GB" dirty="0" err="1" smtClean="0"/>
+                        <a:t>struct</a:t>
+                      </a:r>
+                      <a:r>
+                        <a:rPr lang="en-GB" dirty="0" smtClean="0"/>
+                        <a:t> Map</a:t>
+                      </a:r>
+                      <a:endParaRPr lang="en-GB" dirty="0"/>
+                    </a:p>
+                  </a:txBody>
+                  <a:tcPr/>
+                </a:tc>
+                <a:tc>
+                  <a:txBody>
+                    <a:bodyPr/>
+                    <a:lstStyle/>
+                    <a:p>
+                      <a:r>
+                        <a:rPr lang="en-GB" dirty="0" err="1" smtClean="0"/>
+                        <a:t>dict</a:t>
+                      </a:r>
+                      <a:endParaRPr lang="en-GB" dirty="0"/>
+                    </a:p>
+                  </a:txBody>
+                  <a:tcPr/>
+                </a:tc>
+              </a:tr>
+              <a:tr h="370840">
+                <a:tc>
+                  <a:txBody>
+                    <a:bodyPr/>
+                    <a:lstStyle/>
+                    <a:p>
+                      <a:r>
+                        <a:rPr lang="en-GB" dirty="0" smtClean="0"/>
+                        <a:t>Set</a:t>
+                      </a:r>
+                      <a:endParaRPr lang="en-GB" dirty="0"/>
+                    </a:p>
+                  </a:txBody>
+                  <a:tcPr/>
+                </a:tc>
+                <a:tc>
+                  <a:txBody>
+                    <a:bodyPr/>
+                    <a:lstStyle/>
+                    <a:p>
+                      <a:r>
+                        <a:rPr lang="en-GB" dirty="0" err="1" smtClean="0"/>
+                        <a:t>struct</a:t>
+                      </a:r>
+                      <a:r>
+                        <a:rPr lang="en-GB" dirty="0" smtClean="0"/>
+                        <a:t> </a:t>
+                      </a:r>
+                      <a:r>
+                        <a:rPr lang="en-GB" dirty="0" err="1" smtClean="0"/>
+                        <a:t>Seq</a:t>
+                      </a:r>
+                      <a:endParaRPr lang="en-GB" dirty="0"/>
+                    </a:p>
+                  </a:txBody>
+                  <a:tcPr/>
+                </a:tc>
+                <a:tc>
+                  <a:txBody>
+                    <a:bodyPr/>
+                    <a:lstStyle/>
+                    <a:p>
+                      <a:pPr marL="0" marR="0" indent="0" algn="l" defTabSz="914400" rtl="0" eaLnBrk="1" fontAlgn="auto" latinLnBrk="0" hangingPunct="1">
+                        <a:lnSpc>
+                          <a:spcPct val="100000"/>
+                        </a:lnSpc>
+                        <a:spcBef>
+                          <a:spcPts val="0"/>
+                        </a:spcBef>
+                        <a:spcAft>
+                          <a:spcPts val="0"/>
+                        </a:spcAft>
+                        <a:buClrTx/>
+                        <a:buSzTx/>
+                        <a:buFontTx/>
+                        <a:buNone/>
+                        <a:tabLst/>
+                        <a:defRPr/>
+                      </a:pPr>
+                      <a:r>
+                        <a:rPr lang="en-GB" baseline="0" dirty="0" smtClean="0"/>
+                        <a:t>set, </a:t>
+                      </a:r>
+                      <a:r>
+                        <a:rPr lang="en-GB" baseline="0" dirty="0" err="1" smtClean="0"/>
+                        <a:t>seq</a:t>
+                      </a:r>
+                      <a:endParaRPr lang="en-GB" dirty="0" smtClean="0"/>
+                    </a:p>
+                  </a:txBody>
+                  <a:tcPr/>
+                </a:tc>
+              </a:tr>
+              <a:tr h="370840">
+                <a:tc>
+                  <a:txBody>
+                    <a:bodyPr/>
+                    <a:lstStyle/>
+                    <a:p>
+                      <a:r>
+                        <a:rPr lang="en-GB" dirty="0" smtClean="0"/>
+                        <a:t>List</a:t>
+                      </a:r>
+                      <a:endParaRPr lang="en-GB" dirty="0"/>
+                    </a:p>
+                  </a:txBody>
+                  <a:tcPr/>
+                </a:tc>
+                <a:tc>
+                  <a:txBody>
+                    <a:bodyPr/>
+                    <a:lstStyle/>
+                    <a:p>
+                      <a:r>
+                        <a:rPr lang="en-GB" dirty="0" err="1" smtClean="0"/>
+                        <a:t>struct</a:t>
+                      </a:r>
+                      <a:r>
+                        <a:rPr lang="en-GB" dirty="0" smtClean="0"/>
+                        <a:t> List</a:t>
+                      </a:r>
+                      <a:endParaRPr lang="en-GB" dirty="0"/>
+                    </a:p>
+                  </a:txBody>
+                  <a:tcPr/>
+                </a:tc>
+                <a:tc>
+                  <a:txBody>
+                    <a:bodyPr/>
+                    <a:lstStyle/>
+                    <a:p>
+                      <a:r>
+                        <a:rPr lang="en-GB" baseline="0" dirty="0" err="1" smtClean="0"/>
+                        <a:t>seq</a:t>
+                      </a:r>
+                      <a:endParaRPr lang="en-GB" dirty="0"/>
+                    </a:p>
+                  </a:txBody>
+                  <a:tcPr/>
+                </a:tc>
+              </a:tr>
+              <a:tr h="370840">
+                <a:tc>
+                  <a:txBody>
+                    <a:bodyPr/>
+                    <a:lstStyle/>
+                    <a:p>
+                      <a:r>
+                        <a:rPr lang="en-GB" dirty="0" smtClean="0"/>
+                        <a:t>File</a:t>
+                      </a:r>
+                      <a:endParaRPr lang="en-GB" dirty="0"/>
+                    </a:p>
+                  </a:txBody>
+                  <a:tcPr/>
+                </a:tc>
+                <a:tc>
+                  <a:txBody>
+                    <a:bodyPr/>
+                    <a:lstStyle/>
+                    <a:p>
+                      <a:r>
+                        <a:rPr lang="en-GB" dirty="0" smtClean="0"/>
+                        <a:t>char* (zero terminated)</a:t>
+                      </a:r>
+                      <a:endParaRPr lang="en-GB" dirty="0"/>
+                    </a:p>
+                  </a:txBody>
+                  <a:tcPr/>
+                </a:tc>
+                <a:tc>
+                  <a:txBody>
+                    <a:bodyPr/>
+                    <a:lstStyle/>
+                    <a:p>
+                      <a:r>
+                        <a:rPr lang="en-GB" dirty="0" smtClean="0"/>
+                        <a:t>string</a:t>
+                      </a:r>
+                      <a:endParaRPr lang="en-GB" dirty="0"/>
+                    </a:p>
+                  </a:txBody>
+                  <a:tcPr/>
+                </a:tc>
+              </a:tr>
+              <a:tr h="370840">
+                <a:tc>
+                  <a:txBody>
+                    <a:bodyPr/>
+                    <a:lstStyle/>
+                    <a:p>
+                      <a:r>
+                        <a:rPr lang="en-GB" dirty="0" err="1" smtClean="0"/>
+                        <a:t>GeoPos</a:t>
+                      </a:r>
+                      <a:endParaRPr lang="en-GB" dirty="0"/>
+                    </a:p>
+                  </a:txBody>
+                  <a:tcPr/>
+                </a:tc>
+                <a:tc>
+                  <a:txBody>
+                    <a:bodyPr/>
+                    <a:lstStyle/>
+                    <a:p>
+                      <a:r>
+                        <a:rPr lang="en-GB" dirty="0" smtClean="0"/>
+                        <a:t>float[2]</a:t>
+                      </a:r>
+                      <a:endParaRPr lang="en-GB" dirty="0"/>
+                    </a:p>
+                  </a:txBody>
+                  <a:tcPr/>
+                </a:tc>
+                <a:tc>
+                  <a:txBody>
+                    <a:bodyPr/>
+                    <a:lstStyle/>
+                    <a:p>
+                      <a:r>
+                        <a:rPr lang="en-GB" dirty="0" smtClean="0"/>
+                        <a:t>(</a:t>
+                      </a:r>
+                      <a:r>
+                        <a:rPr lang="en-GB" dirty="0" err="1" smtClean="0"/>
+                        <a:t>lat</a:t>
+                      </a:r>
+                      <a:r>
+                        <a:rPr lang="en-GB" dirty="0" smtClean="0"/>
+                        <a:t>, </a:t>
+                      </a:r>
+                      <a:r>
+                        <a:rPr lang="en-GB" dirty="0" err="1" smtClean="0"/>
+                        <a:t>lon</a:t>
+                      </a:r>
+                      <a:r>
+                        <a:rPr lang="en-GB" dirty="0" smtClean="0"/>
+                        <a:t>)</a:t>
+                      </a:r>
+                      <a:endParaRPr lang="en-GB" dirty="0"/>
+                    </a:p>
+                  </a:txBody>
+                  <a:tcPr/>
+                </a:tc>
+              </a:tr>
+              <a:tr h="370840">
+                <a:tc>
+                  <a:txBody>
+                    <a:bodyPr/>
+                    <a:lstStyle/>
+                    <a:p>
+                      <a:r>
+                        <a:rPr lang="en-GB" dirty="0" err="1" smtClean="0"/>
+                        <a:t>PixelPos</a:t>
+                      </a:r>
+                      <a:endParaRPr lang="en-GB" dirty="0"/>
+                    </a:p>
+                  </a:txBody>
+                  <a:tcPr/>
+                </a:tc>
+                <a:tc>
+                  <a:txBody>
+                    <a:bodyPr/>
+                    <a:lstStyle/>
+                    <a:p>
+                      <a:r>
+                        <a:rPr lang="en-GB" dirty="0" smtClean="0"/>
+                        <a:t>float[2]</a:t>
+                      </a:r>
+                      <a:endParaRPr lang="en-GB" dirty="0"/>
+                    </a:p>
+                  </a:txBody>
+                  <a:tcPr/>
+                </a:tc>
+                <a:tc>
+                  <a:txBody>
+                    <a:bodyPr/>
+                    <a:lstStyle/>
+                    <a:p>
+                      <a:r>
+                        <a:rPr lang="en-GB" dirty="0" smtClean="0"/>
+                        <a:t>(x, y)</a:t>
+                      </a:r>
+                      <a:endParaRPr lang="en-GB" dirty="0"/>
+                    </a:p>
+                  </a:txBody>
+                  <a:tcPr/>
+                </a:tc>
+              </a:tr>
+              <a:tr h="370840">
+                <a:tc>
+                  <a:txBody>
+                    <a:bodyPr/>
+                    <a:lstStyle/>
+                    <a:p>
+                      <a:r>
+                        <a:rPr lang="en-GB" dirty="0" smtClean="0"/>
+                        <a:t>Point, Point2D</a:t>
+                      </a:r>
+                      <a:endParaRPr lang="en-GB" dirty="0"/>
+                    </a:p>
+                  </a:txBody>
+                  <a:tcPr/>
+                </a:tc>
+                <a:tc>
+                  <a:txBody>
+                    <a:bodyPr/>
+                    <a:lstStyle/>
+                    <a:p>
+                      <a:r>
+                        <a:rPr lang="en-GB" dirty="0" err="1" smtClean="0"/>
+                        <a:t>int</a:t>
+                      </a:r>
+                      <a:r>
+                        <a:rPr lang="en-GB" dirty="0" smtClean="0"/>
+                        <a:t>[2], float[2]</a:t>
+                      </a:r>
+                      <a:endParaRPr lang="en-GB" dirty="0"/>
+                    </a:p>
+                  </a:txBody>
+                  <a:tcPr/>
+                </a:tc>
+                <a:tc>
+                  <a:txBody>
+                    <a:bodyPr/>
+                    <a:lstStyle/>
+                    <a:p>
+                      <a:r>
+                        <a:rPr lang="en-GB" dirty="0" smtClean="0"/>
+                        <a:t>(x, y)</a:t>
+                      </a:r>
+                      <a:endParaRPr lang="en-GB" dirty="0"/>
+                    </a:p>
+                  </a:txBody>
+                  <a:tcPr/>
+                </a:tc>
+              </a:tr>
+              <a:tr h="370840">
+                <a:tc>
+                  <a:txBody>
+                    <a:bodyPr/>
+                    <a:lstStyle/>
+                    <a:p>
+                      <a:r>
+                        <a:rPr lang="en-GB" dirty="0" smtClean="0"/>
+                        <a:t>Rectangle, Rectangle2D</a:t>
+                      </a:r>
+                      <a:endParaRPr lang="en-GB" dirty="0"/>
+                    </a:p>
+                  </a:txBody>
+                  <a:tcPr/>
+                </a:tc>
+                <a:tc>
+                  <a:txBody>
+                    <a:bodyPr/>
+                    <a:lstStyle/>
+                    <a:p>
+                      <a:r>
+                        <a:rPr lang="en-GB" dirty="0" err="1" smtClean="0"/>
+                        <a:t>int</a:t>
+                      </a:r>
+                      <a:r>
+                        <a:rPr lang="en-GB" dirty="0" smtClean="0"/>
+                        <a:t>[4], float[4]</a:t>
+                      </a:r>
+                      <a:endParaRPr lang="en-GB" dirty="0"/>
+                    </a:p>
+                  </a:txBody>
+                  <a:tcPr/>
+                </a:tc>
+                <a:tc>
+                  <a:txBody>
+                    <a:bodyPr/>
+                    <a:lstStyle/>
+                    <a:p>
+                      <a:r>
+                        <a:rPr lang="en-GB" dirty="0" smtClean="0"/>
+                        <a:t>(x, y, w, h)</a:t>
+                      </a:r>
+                      <a:endParaRPr lang="en-GB" dirty="0"/>
+                    </a:p>
+                  </a:txBody>
+                  <a:tcPr/>
+                </a:tc>
+              </a:tr>
+            </a:tbl>
+          </a:graphicData>
+        </a:graphic>
+      </p:graphicFrame>
+    </p:spTree>
+    <p:extLst>
+      <p:ext uri="{BB962C8B-B14F-4D97-AF65-F5344CB8AC3E}">
+        <p14:creationId xmlns:p14="http://schemas.microsoft.com/office/powerpoint/2010/main" val="514377977"/>
       </p:ext>
     </p:extLst>
   </p:cSld>

--- a/docs/beam-extapi.pptx
+++ b/docs/beam-extapi.pptx
@@ -316,7 +316,7 @@
           <a:p>
             <a:fld id="{1BA50D42-C9CD-4801-B293-61D1F53EC57E}" type="datetimeFigureOut">
               <a:rPr lang="de-DE" smtClean="0"/>
-              <a:t>07.06.2013</a:t>
+              <a:t>08.06.2013</a:t>
             </a:fld>
             <a:endParaRPr lang="de-DE"/>
           </a:p>
@@ -481,7 +481,7 @@
           <a:p>
             <a:fld id="{1BA50D42-C9CD-4801-B293-61D1F53EC57E}" type="datetimeFigureOut">
               <a:rPr lang="de-DE" smtClean="0"/>
-              <a:t>07.06.2013</a:t>
+              <a:t>08.06.2013</a:t>
             </a:fld>
             <a:endParaRPr lang="de-DE"/>
           </a:p>
@@ -656,7 +656,7 @@
           <a:p>
             <a:fld id="{1BA50D42-C9CD-4801-B293-61D1F53EC57E}" type="datetimeFigureOut">
               <a:rPr lang="de-DE" smtClean="0"/>
-              <a:t>07.06.2013</a:t>
+              <a:t>08.06.2013</a:t>
             </a:fld>
             <a:endParaRPr lang="de-DE"/>
           </a:p>
@@ -821,7 +821,7 @@
           <a:p>
             <a:fld id="{1BA50D42-C9CD-4801-B293-61D1F53EC57E}" type="datetimeFigureOut">
               <a:rPr lang="de-DE" smtClean="0"/>
-              <a:t>07.06.2013</a:t>
+              <a:t>08.06.2013</a:t>
             </a:fld>
             <a:endParaRPr lang="de-DE"/>
           </a:p>
@@ -1062,7 +1062,7 @@
           <a:p>
             <a:fld id="{1BA50D42-C9CD-4801-B293-61D1F53EC57E}" type="datetimeFigureOut">
               <a:rPr lang="de-DE" smtClean="0"/>
-              <a:t>07.06.2013</a:t>
+              <a:t>08.06.2013</a:t>
             </a:fld>
             <a:endParaRPr lang="de-DE"/>
           </a:p>
@@ -1345,7 +1345,7 @@
           <a:p>
             <a:fld id="{1BA50D42-C9CD-4801-B293-61D1F53EC57E}" type="datetimeFigureOut">
               <a:rPr lang="de-DE" smtClean="0"/>
-              <a:t>07.06.2013</a:t>
+              <a:t>08.06.2013</a:t>
             </a:fld>
             <a:endParaRPr lang="de-DE"/>
           </a:p>
@@ -1762,7 +1762,7 @@
           <a:p>
             <a:fld id="{1BA50D42-C9CD-4801-B293-61D1F53EC57E}" type="datetimeFigureOut">
               <a:rPr lang="de-DE" smtClean="0"/>
-              <a:t>07.06.2013</a:t>
+              <a:t>08.06.2013</a:t>
             </a:fld>
             <a:endParaRPr lang="de-DE"/>
           </a:p>
@@ -1875,7 +1875,7 @@
           <a:p>
             <a:fld id="{1BA50D42-C9CD-4801-B293-61D1F53EC57E}" type="datetimeFigureOut">
               <a:rPr lang="de-DE" smtClean="0"/>
-              <a:t>07.06.2013</a:t>
+              <a:t>08.06.2013</a:t>
             </a:fld>
             <a:endParaRPr lang="de-DE"/>
           </a:p>
@@ -1965,7 +1965,7 @@
           <a:p>
             <a:fld id="{1BA50D42-C9CD-4801-B293-61D1F53EC57E}" type="datetimeFigureOut">
               <a:rPr lang="de-DE" smtClean="0"/>
-              <a:t>07.06.2013</a:t>
+              <a:t>08.06.2013</a:t>
             </a:fld>
             <a:endParaRPr lang="de-DE"/>
           </a:p>
@@ -2237,7 +2237,7 @@
           <a:p>
             <a:fld id="{1BA50D42-C9CD-4801-B293-61D1F53EC57E}" type="datetimeFigureOut">
               <a:rPr lang="de-DE" smtClean="0"/>
-              <a:t>07.06.2013</a:t>
+              <a:t>08.06.2013</a:t>
             </a:fld>
             <a:endParaRPr lang="de-DE"/>
           </a:p>
@@ -2485,7 +2485,7 @@
           <a:p>
             <a:fld id="{1BA50D42-C9CD-4801-B293-61D1F53EC57E}" type="datetimeFigureOut">
               <a:rPr lang="de-DE" smtClean="0"/>
-              <a:t>07.06.2013</a:t>
+              <a:t>08.06.2013</a:t>
             </a:fld>
             <a:endParaRPr lang="de-DE"/>
           </a:p>
@@ -2693,7 +2693,7 @@
           <a:p>
             <a:fld id="{1BA50D42-C9CD-4801-B293-61D1F53EC57E}" type="datetimeFigureOut">
               <a:rPr lang="de-DE" smtClean="0"/>
-              <a:t>07.06.2013</a:t>
+              <a:t>08.06.2013</a:t>
             </a:fld>
             <a:endParaRPr lang="de-DE"/>
           </a:p>
@@ -10410,7 +10410,7 @@
           <a:lstStyle/>
           <a:p>
             <a:r>
-              <a:rPr lang="en-GB" b="1" dirty="0">
+              <a:rPr lang="en-GB" b="1" dirty="0" smtClean="0">
                 <a:solidFill>
                   <a:schemeClr val="accent2">
                     <a:lumMod val="50000"/>
@@ -10420,11 +10420,23 @@
                 <a:ea typeface="+mn-ea"/>
                 <a:cs typeface="+mn-cs"/>
               </a:rPr>
-              <a:t>X</a:t>
-            </a:r>
-            <a:r>
-              <a:rPr lang="en-GB" dirty="0" smtClean="0"/>
-              <a:t>-Target Function Generator</a:t>
+              <a:t>T</a:t>
+            </a:r>
+            <a:r>
+              <a:rPr lang="en-GB" dirty="0"/>
+              <a:t> </a:t>
+            </a:r>
+            <a:r>
+              <a:rPr lang="en-GB" dirty="0" smtClean="0"/>
+              <a:t>(</a:t>
+            </a:r>
+            <a:r>
+              <a:rPr lang="en-GB" dirty="0" smtClean="0"/>
+              <a:t>Target) </a:t>
+            </a:r>
+            <a:r>
+              <a:rPr lang="en-GB" dirty="0" smtClean="0"/>
+              <a:t>Function Generator</a:t>
             </a:r>
             <a:endParaRPr lang="en-GB" dirty="0"/>
           </a:p>
@@ -10443,7 +10455,7 @@
         <p:spPr/>
         <p:txBody>
           <a:bodyPr>
-            <a:normAutofit fontScale="92500" lnSpcReduction="20000"/>
+            <a:normAutofit fontScale="92500" lnSpcReduction="10000"/>
           </a:bodyPr>
           <a:lstStyle/>
           <a:p>
@@ -10467,7 +10479,7 @@
                   </a:schemeClr>
                 </a:solidFill>
               </a:rPr>
-              <a:t>X </a:t>
+              <a:t>T </a:t>
             </a:r>
             <a:r>
               <a:rPr lang="en-GB" dirty="0" smtClean="0"/>
@@ -10488,16 +10500,6 @@
             <a:r>
               <a:rPr lang="en-GB" dirty="0"/>
               <a:t>Get </a:t>
-            </a:r>
-            <a:r>
-              <a:rPr lang="en-GB" b="1" dirty="0">
-                <a:solidFill>
-                  <a:schemeClr val="accent2">
-                    <a:lumMod val="50000"/>
-                  </a:schemeClr>
-                </a:solidFill>
-              </a:rPr>
-              <a:t>X </a:t>
             </a:r>
             <a:r>
               <a:rPr lang="en-GB" b="1" dirty="0" smtClean="0">
@@ -10507,7 +10509,7 @@
                   </a:schemeClr>
                 </a:solidFill>
               </a:rPr>
-              <a:t> </a:t>
+              <a:t>T  </a:t>
             </a:r>
             <a:r>
               <a:rPr lang="en-GB" dirty="0" smtClean="0"/>
@@ -10523,16 +10525,6 @@
             <a:r>
               <a:rPr lang="en-GB" dirty="0"/>
               <a:t>Get </a:t>
-            </a:r>
-            <a:r>
-              <a:rPr lang="en-GB" b="1" dirty="0">
-                <a:solidFill>
-                  <a:schemeClr val="accent2">
-                    <a:lumMod val="50000"/>
-                  </a:schemeClr>
-                </a:solidFill>
-              </a:rPr>
-              <a:t>X </a:t>
             </a:r>
             <a:r>
               <a:rPr lang="en-GB" b="1" dirty="0" smtClean="0">
@@ -10542,7 +10534,7 @@
                   </a:schemeClr>
                 </a:solidFill>
               </a:rPr>
-              <a:t> </a:t>
+              <a:t>T  </a:t>
             </a:r>
             <a:r>
               <a:rPr lang="en-GB" dirty="0" smtClean="0"/>
@@ -10567,6 +10559,36 @@
           </a:p>
           <a:p>
             <a:pPr lvl="1"/>
+            <a:r>
+              <a:rPr lang="en-GB" dirty="0"/>
+              <a:t>Declare </a:t>
+            </a:r>
+            <a:r>
+              <a:rPr lang="en-GB" b="1" u="sng" dirty="0" smtClean="0">
+                <a:solidFill>
+                  <a:schemeClr val="accent2">
+                    <a:lumMod val="50000"/>
+                  </a:schemeClr>
+                </a:solidFill>
+              </a:rPr>
+              <a:t>T </a:t>
+            </a:r>
+            <a:r>
+              <a:rPr lang="en-GB" u="sng" dirty="0" err="1" smtClean="0"/>
+              <a:t>args</a:t>
+            </a:r>
+            <a:r>
+              <a:rPr lang="en-GB" dirty="0" smtClean="0"/>
+              <a:t> </a:t>
+            </a:r>
+            <a:r>
+              <a:rPr lang="en-GB" dirty="0" smtClean="0"/>
+              <a:t>(opt)</a:t>
+            </a:r>
+            <a:endParaRPr lang="en-GB" dirty="0"/>
+          </a:p>
+          <a:p>
+            <a:pPr lvl="1" fontAlgn="t"/>
             <a:r>
               <a:rPr lang="en-GB" dirty="0"/>
               <a:t>Declare </a:t>
@@ -10579,33 +10601,17 @@
                   </a:schemeClr>
                 </a:solidFill>
               </a:rPr>
-              <a:t>X </a:t>
-            </a:r>
-            <a:r>
-              <a:rPr lang="en-GB" u="sng" dirty="0" smtClean="0"/>
-              <a:t>arguments</a:t>
-            </a:r>
-            <a:r>
-              <a:rPr lang="en-GB" dirty="0" smtClean="0"/>
-              <a:t> (opt)</a:t>
-            </a:r>
-            <a:endParaRPr lang="en-GB" dirty="0"/>
-          </a:p>
-          <a:p>
-            <a:pPr lvl="1" fontAlgn="t"/>
-            <a:r>
-              <a:rPr lang="en-GB" dirty="0"/>
-              <a:t>Declare </a:t>
-            </a:r>
-            <a:r>
-              <a:rPr lang="en-GB" b="1" u="sng" dirty="0">
+              <a:t>T</a:t>
+            </a:r>
+            <a:r>
+              <a:rPr lang="en-GB" b="1" u="sng" dirty="0" smtClean="0">
                 <a:solidFill>
                   <a:schemeClr val="accent2">
                     <a:lumMod val="50000"/>
                   </a:schemeClr>
                 </a:solidFill>
               </a:rPr>
-              <a:t>X </a:t>
+              <a:t> </a:t>
             </a:r>
             <a:r>
               <a:rPr lang="en-GB" u="sng" dirty="0" smtClean="0"/>
@@ -10620,22 +10626,22 @@
               <a:t>Declare </a:t>
             </a:r>
             <a:r>
-              <a:rPr lang="en-GB" b="1" u="sng" dirty="0">
+              <a:rPr lang="en-GB" b="1" u="sng" dirty="0" smtClean="0">
                 <a:solidFill>
                   <a:schemeClr val="accent6">
                     <a:lumMod val="50000"/>
                   </a:schemeClr>
                 </a:solidFill>
               </a:rPr>
-              <a:t>Java</a:t>
-            </a:r>
-            <a:r>
-              <a:rPr lang="en-GB" u="sng" dirty="0"/>
+              <a:t>JNI</a:t>
+            </a:r>
+            <a:r>
+              <a:rPr lang="en-GB" u="sng" dirty="0" smtClean="0"/>
               <a:t> </a:t>
             </a:r>
             <a:r>
-              <a:rPr lang="en-GB" u="sng" dirty="0" smtClean="0"/>
-              <a:t>arguments</a:t>
+              <a:rPr lang="en-GB" u="sng" dirty="0" err="1" smtClean="0"/>
+              <a:t>args</a:t>
             </a:r>
             <a:endParaRPr lang="en-GB" u="sng" dirty="0"/>
           </a:p>
@@ -10646,17 +10652,17 @@
               <a:t>Declare </a:t>
             </a:r>
             <a:r>
-              <a:rPr lang="en-GB" b="1" u="sng" dirty="0">
+              <a:rPr lang="en-GB" b="1" u="sng" dirty="0" smtClean="0">
                 <a:solidFill>
                   <a:schemeClr val="accent6">
                     <a:lumMod val="50000"/>
                   </a:schemeClr>
                 </a:solidFill>
               </a:rPr>
-              <a:t>Java</a:t>
-            </a:r>
-            <a:r>
-              <a:rPr lang="en-GB" u="sng" dirty="0"/>
+              <a:t>JNI</a:t>
+            </a:r>
+            <a:r>
+              <a:rPr lang="en-GB" u="sng" dirty="0" smtClean="0"/>
               <a:t> </a:t>
             </a:r>
             <a:r>
@@ -10689,7 +10695,7 @@
         <p:spPr/>
         <p:txBody>
           <a:bodyPr>
-            <a:normAutofit fontScale="92500" lnSpcReduction="20000"/>
+            <a:normAutofit fontScale="92500" lnSpcReduction="10000"/>
           </a:bodyPr>
           <a:lstStyle/>
           <a:p>
@@ -10712,11 +10718,21 @@
                   </a:schemeClr>
                 </a:solidFill>
               </a:rPr>
-              <a:t>X </a:t>
-            </a:r>
-            <a:r>
-              <a:rPr lang="en-GB" u="sng" dirty="0" smtClean="0"/>
-              <a:t>arguments</a:t>
+              <a:t>T</a:t>
+            </a:r>
+            <a:r>
+              <a:rPr lang="en-GB" b="1" u="sng" dirty="0" smtClean="0">
+                <a:solidFill>
+                  <a:schemeClr val="accent2">
+                    <a:lumMod val="50000"/>
+                  </a:schemeClr>
+                </a:solidFill>
+              </a:rPr>
+              <a:t> </a:t>
+            </a:r>
+            <a:r>
+              <a:rPr lang="en-GB" u="sng" dirty="0" err="1" smtClean="0"/>
+              <a:t>args</a:t>
             </a:r>
             <a:r>
               <a:rPr lang="en-GB" dirty="0" smtClean="0"/>
@@ -10754,19 +10770,23 @@
                   </a:schemeClr>
                 </a:solidFill>
               </a:rPr>
-              <a:t>Java</a:t>
+              <a:t>JNI</a:t>
             </a:r>
             <a:r>
               <a:rPr lang="en-GB" u="sng" dirty="0" smtClean="0"/>
               <a:t> </a:t>
             </a:r>
             <a:r>
-              <a:rPr lang="en-GB" u="sng" dirty="0"/>
-              <a:t>arguments</a:t>
+              <a:rPr lang="en-GB" u="sng" dirty="0" err="1" smtClean="0"/>
+              <a:t>args</a:t>
+            </a:r>
+            <a:r>
+              <a:rPr lang="en-GB" dirty="0" smtClean="0"/>
+              <a:t> </a:t>
             </a:r>
             <a:r>
               <a:rPr lang="en-GB" dirty="0"/>
-              <a:t> from transformed </a:t>
+              <a:t>from transformed </a:t>
             </a:r>
             <a:r>
               <a:rPr lang="en-GB" b="1" u="sng" dirty="0" smtClean="0">
@@ -10776,16 +10796,17 @@
                   </a:schemeClr>
                 </a:solidFill>
               </a:rPr>
-              <a:t>X </a:t>
-            </a:r>
-            <a:r>
-              <a:rPr lang="en-GB" u="sng" dirty="0"/>
-              <a:t>arguments</a:t>
-            </a:r>
-            <a:r>
-              <a:rPr lang="en-GB" dirty="0"/>
+              <a:t>T </a:t>
+            </a:r>
+            <a:r>
+              <a:rPr lang="en-GB" u="sng" dirty="0" err="1" smtClean="0"/>
+              <a:t>args</a:t>
+            </a:r>
+            <a:r>
+              <a:rPr lang="en-GB" dirty="0" smtClean="0"/>
               <a:t> </a:t>
             </a:r>
+            <a:endParaRPr lang="en-GB" dirty="0"/>
           </a:p>
           <a:p>
             <a:pPr lvl="1"/>
@@ -10794,17 +10815,17 @@
               <a:t>Assign </a:t>
             </a:r>
             <a:r>
-              <a:rPr lang="en-GB" b="1" u="sng" dirty="0">
+              <a:rPr lang="en-GB" b="1" u="sng" dirty="0" smtClean="0">
                 <a:solidFill>
                   <a:schemeClr val="accent6">
                     <a:lumMod val="50000"/>
                   </a:schemeClr>
                 </a:solidFill>
               </a:rPr>
-              <a:t>Java</a:t>
-            </a:r>
-            <a:r>
-              <a:rPr lang="en-GB" u="sng" dirty="0"/>
+              <a:t>JNI</a:t>
+            </a:r>
+            <a:r>
+              <a:rPr lang="en-GB" u="sng" dirty="0" smtClean="0"/>
               <a:t> </a:t>
             </a:r>
             <a:r>
@@ -10816,17 +10837,17 @@
               <a:t> from </a:t>
             </a:r>
             <a:r>
-              <a:rPr lang="en-GB" b="1" dirty="0">
+              <a:rPr lang="en-GB" b="1" dirty="0" smtClean="0">
                 <a:solidFill>
                   <a:schemeClr val="accent6">
                     <a:lumMod val="50000"/>
                   </a:schemeClr>
                 </a:solidFill>
               </a:rPr>
-              <a:t>Java</a:t>
-            </a:r>
-            <a:r>
-              <a:rPr lang="en-GB" dirty="0"/>
+              <a:t>JNI</a:t>
+            </a:r>
+            <a:r>
+              <a:rPr lang="en-GB" dirty="0" smtClean="0"/>
               <a:t> </a:t>
             </a:r>
             <a:r>
@@ -10848,7 +10869,7 @@
                   </a:schemeClr>
                 </a:solidFill>
               </a:rPr>
-              <a:t>X </a:t>
+              <a:t>T </a:t>
             </a:r>
             <a:r>
               <a:rPr lang="en-GB" u="sng" dirty="0"/>
@@ -10859,17 +10880,17 @@
               <a:t> from transformed </a:t>
             </a:r>
             <a:r>
-              <a:rPr lang="en-GB" b="1" u="sng" dirty="0">
+              <a:rPr lang="en-GB" b="1" u="sng" dirty="0" smtClean="0">
                 <a:solidFill>
                   <a:schemeClr val="accent6">
                     <a:lumMod val="50000"/>
                   </a:schemeClr>
                 </a:solidFill>
               </a:rPr>
-              <a:t>Java</a:t>
-            </a:r>
-            <a:r>
-              <a:rPr lang="en-GB" u="sng" dirty="0"/>
+              <a:t>JNI</a:t>
+            </a:r>
+            <a:r>
+              <a:rPr lang="en-GB" u="sng" dirty="0" smtClean="0"/>
               <a:t> </a:t>
             </a:r>
             <a:r>
@@ -10888,22 +10909,22 @@
               <a:t> </a:t>
             </a:r>
             <a:r>
-              <a:rPr lang="en-GB" b="1" u="sng" dirty="0">
+              <a:rPr lang="en-GB" b="1" u="sng" dirty="0" smtClean="0">
                 <a:solidFill>
                   <a:schemeClr val="accent6">
                     <a:lumMod val="50000"/>
                   </a:schemeClr>
                 </a:solidFill>
               </a:rPr>
-              <a:t>Java</a:t>
-            </a:r>
-            <a:r>
-              <a:rPr lang="en-GB" u="sng" dirty="0"/>
+              <a:t>JNI</a:t>
+            </a:r>
+            <a:r>
+              <a:rPr lang="en-GB" u="sng" dirty="0" smtClean="0"/>
               <a:t> </a:t>
             </a:r>
             <a:r>
-              <a:rPr lang="en-GB" u="sng" dirty="0" smtClean="0"/>
-              <a:t>arguments</a:t>
+              <a:rPr lang="en-GB" u="sng" dirty="0" err="1" smtClean="0"/>
+              <a:t>args</a:t>
             </a:r>
             <a:endParaRPr lang="en-GB" u="sng" dirty="0"/>
           </a:p>
@@ -10918,22 +10939,18 @@
               <a:t> </a:t>
             </a:r>
             <a:r>
-              <a:rPr lang="en-GB" b="1" u="sng" dirty="0">
+              <a:rPr lang="en-GB" b="1" u="sng" smtClean="0">
                 <a:solidFill>
                   <a:schemeClr val="accent6">
                     <a:lumMod val="50000"/>
                   </a:schemeClr>
                 </a:solidFill>
               </a:rPr>
-              <a:t>Java</a:t>
-            </a:r>
-            <a:r>
-              <a:rPr lang="en-GB" u="sng" dirty="0"/>
-              <a:t> </a:t>
-            </a:r>
-            <a:r>
-              <a:rPr lang="en-GB" u="sng" dirty="0" smtClean="0"/>
-              <a:t>result</a:t>
+              <a:t>JNI</a:t>
+            </a:r>
+            <a:r>
+              <a:rPr lang="en-GB" u="sng" smtClean="0"/>
+              <a:t> result</a:t>
             </a:r>
             <a:endParaRPr lang="en-GB" u="sng" dirty="0"/>
           </a:p>
@@ -10944,18 +10961,18 @@
               <a:t>Return </a:t>
             </a:r>
             <a:r>
-              <a:rPr lang="en-GB" b="1" u="sng" dirty="0">
+              <a:rPr lang="en-GB" b="1" u="sng" dirty="0" smtClean="0">
                 <a:solidFill>
                   <a:schemeClr val="accent2">
                     <a:lumMod val="50000"/>
                   </a:schemeClr>
                 </a:solidFill>
               </a:rPr>
-              <a:t>X </a:t>
+              <a:t>T</a:t>
             </a:r>
             <a:r>
               <a:rPr lang="en-GB" u="sng" dirty="0" smtClean="0"/>
-              <a:t>result</a:t>
+              <a:t> result</a:t>
             </a:r>
             <a:endParaRPr lang="en-GB" u="sng" dirty="0"/>
           </a:p>

--- a/docs/beam-extapi.pptx
+++ b/docs/beam-extapi.pptx
@@ -316,7 +316,7 @@
           <a:p>
             <a:fld id="{1BA50D42-C9CD-4801-B293-61D1F53EC57E}" type="datetimeFigureOut">
               <a:rPr lang="de-DE" smtClean="0"/>
-              <a:t>08.06.2013</a:t>
+              <a:t>10.06.2013</a:t>
             </a:fld>
             <a:endParaRPr lang="de-DE"/>
           </a:p>
@@ -481,7 +481,7 @@
           <a:p>
             <a:fld id="{1BA50D42-C9CD-4801-B293-61D1F53EC57E}" type="datetimeFigureOut">
               <a:rPr lang="de-DE" smtClean="0"/>
-              <a:t>08.06.2013</a:t>
+              <a:t>10.06.2013</a:t>
             </a:fld>
             <a:endParaRPr lang="de-DE"/>
           </a:p>
@@ -656,7 +656,7 @@
           <a:p>
             <a:fld id="{1BA50D42-C9CD-4801-B293-61D1F53EC57E}" type="datetimeFigureOut">
               <a:rPr lang="de-DE" smtClean="0"/>
-              <a:t>08.06.2013</a:t>
+              <a:t>10.06.2013</a:t>
             </a:fld>
             <a:endParaRPr lang="de-DE"/>
           </a:p>
@@ -821,7 +821,7 @@
           <a:p>
             <a:fld id="{1BA50D42-C9CD-4801-B293-61D1F53EC57E}" type="datetimeFigureOut">
               <a:rPr lang="de-DE" smtClean="0"/>
-              <a:t>08.06.2013</a:t>
+              <a:t>10.06.2013</a:t>
             </a:fld>
             <a:endParaRPr lang="de-DE"/>
           </a:p>
@@ -1062,7 +1062,7 @@
           <a:p>
             <a:fld id="{1BA50D42-C9CD-4801-B293-61D1F53EC57E}" type="datetimeFigureOut">
               <a:rPr lang="de-DE" smtClean="0"/>
-              <a:t>08.06.2013</a:t>
+              <a:t>10.06.2013</a:t>
             </a:fld>
             <a:endParaRPr lang="de-DE"/>
           </a:p>
@@ -1345,7 +1345,7 @@
           <a:p>
             <a:fld id="{1BA50D42-C9CD-4801-B293-61D1F53EC57E}" type="datetimeFigureOut">
               <a:rPr lang="de-DE" smtClean="0"/>
-              <a:t>08.06.2013</a:t>
+              <a:t>10.06.2013</a:t>
             </a:fld>
             <a:endParaRPr lang="de-DE"/>
           </a:p>
@@ -1762,7 +1762,7 @@
           <a:p>
             <a:fld id="{1BA50D42-C9CD-4801-B293-61D1F53EC57E}" type="datetimeFigureOut">
               <a:rPr lang="de-DE" smtClean="0"/>
-              <a:t>08.06.2013</a:t>
+              <a:t>10.06.2013</a:t>
             </a:fld>
             <a:endParaRPr lang="de-DE"/>
           </a:p>
@@ -1875,7 +1875,7 @@
           <a:p>
             <a:fld id="{1BA50D42-C9CD-4801-B293-61D1F53EC57E}" type="datetimeFigureOut">
               <a:rPr lang="de-DE" smtClean="0"/>
-              <a:t>08.06.2013</a:t>
+              <a:t>10.06.2013</a:t>
             </a:fld>
             <a:endParaRPr lang="de-DE"/>
           </a:p>
@@ -1965,7 +1965,7 @@
           <a:p>
             <a:fld id="{1BA50D42-C9CD-4801-B293-61D1F53EC57E}" type="datetimeFigureOut">
               <a:rPr lang="de-DE" smtClean="0"/>
-              <a:t>08.06.2013</a:t>
+              <a:t>10.06.2013</a:t>
             </a:fld>
             <a:endParaRPr lang="de-DE"/>
           </a:p>
@@ -2237,7 +2237,7 @@
           <a:p>
             <a:fld id="{1BA50D42-C9CD-4801-B293-61D1F53EC57E}" type="datetimeFigureOut">
               <a:rPr lang="de-DE" smtClean="0"/>
-              <a:t>08.06.2013</a:t>
+              <a:t>10.06.2013</a:t>
             </a:fld>
             <a:endParaRPr lang="de-DE"/>
           </a:p>
@@ -2485,7 +2485,7 @@
           <a:p>
             <a:fld id="{1BA50D42-C9CD-4801-B293-61D1F53EC57E}" type="datetimeFigureOut">
               <a:rPr lang="de-DE" smtClean="0"/>
-              <a:t>08.06.2013</a:t>
+              <a:t>10.06.2013</a:t>
             </a:fld>
             <a:endParaRPr lang="de-DE"/>
           </a:p>
@@ -2693,7 +2693,7 @@
           <a:p>
             <a:fld id="{1BA50D42-C9CD-4801-B293-61D1F53EC57E}" type="datetimeFigureOut">
               <a:rPr lang="de-DE" smtClean="0"/>
-              <a:t>08.06.2013</a:t>
+              <a:t>10.06.2013</a:t>
             </a:fld>
             <a:endParaRPr lang="de-DE"/>
           </a:p>
@@ -10428,15 +10428,7 @@
             </a:r>
             <a:r>
               <a:rPr lang="en-GB" dirty="0" smtClean="0"/>
-              <a:t>(</a:t>
-            </a:r>
-            <a:r>
-              <a:rPr lang="en-GB" dirty="0" smtClean="0"/>
-              <a:t>Target) </a:t>
-            </a:r>
-            <a:r>
-              <a:rPr lang="en-GB" dirty="0" smtClean="0"/>
-              <a:t>Function Generator</a:t>
+              <a:t>(Target) Function Generator</a:t>
             </a:r>
             <a:endParaRPr lang="en-GB" dirty="0"/>
           </a:p>
@@ -10455,7 +10447,7 @@
         <p:spPr/>
         <p:txBody>
           <a:bodyPr>
-            <a:normAutofit fontScale="92500" lnSpcReduction="10000"/>
+            <a:normAutofit fontScale="85000" lnSpcReduction="20000"/>
           </a:bodyPr>
           <a:lstStyle/>
           <a:p>
@@ -10583,7 +10575,15 @@
             </a:r>
             <a:r>
               <a:rPr lang="en-GB" dirty="0" smtClean="0"/>
-              <a:t>(opt)</a:t>
+              <a:t>¹ (</a:t>
+            </a:r>
+            <a:r>
+              <a:rPr lang="en-GB" dirty="0"/>
+              <a:t>opt</a:t>
+            </a:r>
+            <a:r>
+              <a:rPr lang="en-GB" dirty="0" smtClean="0"/>
+              <a:t>)</a:t>
             </a:r>
             <a:endParaRPr lang="en-GB" dirty="0"/>
           </a:p>
@@ -10643,6 +10643,10 @@
               <a:rPr lang="en-GB" u="sng" dirty="0" err="1" smtClean="0"/>
               <a:t>args</a:t>
             </a:r>
+            <a:r>
+              <a:rPr lang="en-GB" dirty="0" smtClean="0"/>
+              <a:t> ¹</a:t>
+            </a:r>
             <a:endParaRPr lang="en-GB" u="sng" dirty="0"/>
           </a:p>
           <a:p>
@@ -10663,11 +10667,7 @@
             </a:r>
             <a:r>
               <a:rPr lang="en-GB" u="sng" dirty="0" smtClean="0"/>
-              <a:t> </a:t>
-            </a:r>
-            <a:r>
-              <a:rPr lang="en-GB" u="sng" dirty="0" smtClean="0"/>
-              <a:t>result</a:t>
+              <a:t> result</a:t>
             </a:r>
             <a:endParaRPr lang="en-GB" u="sng" dirty="0"/>
           </a:p>
@@ -10695,7 +10695,7 @@
         <p:spPr/>
         <p:txBody>
           <a:bodyPr>
-            <a:normAutofit fontScale="92500" lnSpcReduction="10000"/>
+            <a:normAutofit fontScale="85000" lnSpcReduction="20000"/>
           </a:bodyPr>
           <a:lstStyle/>
           <a:p>
@@ -10806,6 +10806,10 @@
               <a:rPr lang="en-GB" dirty="0" smtClean="0"/>
               <a:t> </a:t>
             </a:r>
+            <a:r>
+              <a:rPr lang="en-GB" dirty="0"/>
+              <a:t>¹</a:t>
+            </a:r>
             <a:endParaRPr lang="en-GB" dirty="0"/>
           </a:p>
           <a:p>
@@ -10826,11 +10830,7 @@
             </a:r>
             <a:r>
               <a:rPr lang="en-GB" u="sng" dirty="0" smtClean="0"/>
-              <a:t> </a:t>
-            </a:r>
-            <a:r>
-              <a:rPr lang="en-GB" u="sng" dirty="0" smtClean="0"/>
-              <a:t>result</a:t>
+              <a:t> result</a:t>
             </a:r>
             <a:r>
               <a:rPr lang="en-GB" dirty="0" smtClean="0"/>
@@ -10848,11 +10848,7 @@
             </a:r>
             <a:r>
               <a:rPr lang="en-GB" dirty="0" smtClean="0"/>
-              <a:t> </a:t>
-            </a:r>
-            <a:r>
-              <a:rPr lang="en-GB" dirty="0" smtClean="0"/>
-              <a:t>method call</a:t>
+              <a:t> method call</a:t>
             </a:r>
           </a:p>
           <a:p>
@@ -10897,6 +10893,7 @@
               <a:rPr lang="en-GB" u="sng" dirty="0" smtClean="0"/>
               <a:t>result</a:t>
             </a:r>
+            <a:endParaRPr lang="en-GB" u="sng" dirty="0" smtClean="0"/>
           </a:p>
           <a:p>
             <a:pPr lvl="1" fontAlgn="t"/>
@@ -10926,6 +10923,14 @@
               <a:rPr lang="en-GB" u="sng" dirty="0" err="1" smtClean="0"/>
               <a:t>args</a:t>
             </a:r>
+            <a:r>
+              <a:rPr lang="en-GB" dirty="0" smtClean="0"/>
+              <a:t> </a:t>
+            </a:r>
+            <a:r>
+              <a:rPr lang="en-GB" dirty="0"/>
+              <a:t>¹</a:t>
+            </a:r>
             <a:endParaRPr lang="en-GB" u="sng" dirty="0"/>
           </a:p>
           <a:p>
@@ -10939,7 +10944,7 @@
               <a:t> </a:t>
             </a:r>
             <a:r>
-              <a:rPr lang="en-GB" b="1" u="sng" smtClean="0">
+              <a:rPr lang="en-GB" b="1" u="sng" dirty="0" smtClean="0">
                 <a:solidFill>
                   <a:schemeClr val="accent6">
                     <a:lumMod val="50000"/>
@@ -10949,7 +10954,7 @@
               <a:t>JNI</a:t>
             </a:r>
             <a:r>
-              <a:rPr lang="en-GB" u="sng" smtClean="0"/>
+              <a:rPr lang="en-GB" u="sng" dirty="0" smtClean="0"/>
               <a:t> result</a:t>
             </a:r>
             <a:endParaRPr lang="en-GB" u="sng" dirty="0"/>
@@ -10972,8 +10977,46 @@
             </a:r>
             <a:r>
               <a:rPr lang="en-GB" u="sng" dirty="0" smtClean="0"/>
-              <a:t> result</a:t>
-            </a:r>
+              <a:t> </a:t>
+            </a:r>
+            <a:r>
+              <a:rPr lang="en-GB" u="sng" dirty="0" smtClean="0"/>
+              <a:t>result</a:t>
+            </a:r>
+          </a:p>
+          <a:p>
+            <a:pPr lvl="1"/>
+            <a:endParaRPr lang="en-GB" u="sng" dirty="0" smtClean="0"/>
+          </a:p>
+          <a:p>
+            <a:pPr lvl="1"/>
+            <a:endParaRPr lang="en-GB" u="sng" dirty="0"/>
+          </a:p>
+          <a:p>
+            <a:pPr marL="457200" lvl="1" indent="0">
+              <a:buNone/>
+            </a:pPr>
+            <a:r>
+              <a:rPr lang="en-GB" dirty="0" smtClean="0"/>
+              <a:t>¹</a:t>
+            </a:r>
+            <a:r>
+              <a:rPr lang="en-GB" sz="2600" dirty="0" smtClean="0"/>
+              <a:t> </a:t>
+            </a:r>
+            <a:r>
+              <a:rPr lang="en-GB" sz="1900" dirty="0" smtClean="0"/>
+              <a:t>Iterates over </a:t>
+            </a:r>
+            <a:r>
+              <a:rPr lang="en-GB" sz="1900" u="sng" dirty="0"/>
+              <a:t>parameters</a:t>
+            </a:r>
+          </a:p>
+          <a:p>
+            <a:pPr marL="457200" lvl="1" indent="0">
+              <a:buNone/>
+            </a:pPr>
             <a:endParaRPr lang="en-GB" u="sng" dirty="0"/>
           </a:p>
           <a:p>

--- a/docs/beam-extapi.pptx
+++ b/docs/beam-extapi.pptx
@@ -18,16 +18,20 @@
     <p:sldId id="281" r:id="rId12"/>
     <p:sldId id="280" r:id="rId13"/>
     <p:sldId id="282" r:id="rId14"/>
-    <p:sldId id="265" r:id="rId15"/>
-    <p:sldId id="267" r:id="rId16"/>
-    <p:sldId id="266" r:id="rId17"/>
-    <p:sldId id="268" r:id="rId18"/>
-    <p:sldId id="272" r:id="rId19"/>
-    <p:sldId id="275" r:id="rId20"/>
-    <p:sldId id="274" r:id="rId21"/>
-    <p:sldId id="269" r:id="rId22"/>
-    <p:sldId id="270" r:id="rId23"/>
-    <p:sldId id="273" r:id="rId24"/>
+    <p:sldId id="289" r:id="rId15"/>
+    <p:sldId id="290" r:id="rId16"/>
+    <p:sldId id="291" r:id="rId17"/>
+    <p:sldId id="292" r:id="rId18"/>
+    <p:sldId id="265" r:id="rId19"/>
+    <p:sldId id="267" r:id="rId20"/>
+    <p:sldId id="266" r:id="rId21"/>
+    <p:sldId id="268" r:id="rId22"/>
+    <p:sldId id="272" r:id="rId23"/>
+    <p:sldId id="275" r:id="rId24"/>
+    <p:sldId id="274" r:id="rId25"/>
+    <p:sldId id="269" r:id="rId26"/>
+    <p:sldId id="270" r:id="rId27"/>
+    <p:sldId id="273" r:id="rId28"/>
   </p:sldIdLst>
   <p:sldSz cx="9144000" cy="6858000" type="screen4x3"/>
   <p:notesSz cx="6858000" cy="9144000"/>
@@ -316,7 +320,7 @@
           <a:p>
             <a:fld id="{1BA50D42-C9CD-4801-B293-61D1F53EC57E}" type="datetimeFigureOut">
               <a:rPr lang="de-DE" smtClean="0"/>
-              <a:t>10.06.2013</a:t>
+              <a:t>11.06.2013</a:t>
             </a:fld>
             <a:endParaRPr lang="de-DE"/>
           </a:p>
@@ -481,7 +485,7 @@
           <a:p>
             <a:fld id="{1BA50D42-C9CD-4801-B293-61D1F53EC57E}" type="datetimeFigureOut">
               <a:rPr lang="de-DE" smtClean="0"/>
-              <a:t>10.06.2013</a:t>
+              <a:t>11.06.2013</a:t>
             </a:fld>
             <a:endParaRPr lang="de-DE"/>
           </a:p>
@@ -656,7 +660,7 @@
           <a:p>
             <a:fld id="{1BA50D42-C9CD-4801-B293-61D1F53EC57E}" type="datetimeFigureOut">
               <a:rPr lang="de-DE" smtClean="0"/>
-              <a:t>10.06.2013</a:t>
+              <a:t>11.06.2013</a:t>
             </a:fld>
             <a:endParaRPr lang="de-DE"/>
           </a:p>
@@ -821,7 +825,7 @@
           <a:p>
             <a:fld id="{1BA50D42-C9CD-4801-B293-61D1F53EC57E}" type="datetimeFigureOut">
               <a:rPr lang="de-DE" smtClean="0"/>
-              <a:t>10.06.2013</a:t>
+              <a:t>11.06.2013</a:t>
             </a:fld>
             <a:endParaRPr lang="de-DE"/>
           </a:p>
@@ -1062,7 +1066,7 @@
           <a:p>
             <a:fld id="{1BA50D42-C9CD-4801-B293-61D1F53EC57E}" type="datetimeFigureOut">
               <a:rPr lang="de-DE" smtClean="0"/>
-              <a:t>10.06.2013</a:t>
+              <a:t>11.06.2013</a:t>
             </a:fld>
             <a:endParaRPr lang="de-DE"/>
           </a:p>
@@ -1345,7 +1349,7 @@
           <a:p>
             <a:fld id="{1BA50D42-C9CD-4801-B293-61D1F53EC57E}" type="datetimeFigureOut">
               <a:rPr lang="de-DE" smtClean="0"/>
-              <a:t>10.06.2013</a:t>
+              <a:t>11.06.2013</a:t>
             </a:fld>
             <a:endParaRPr lang="de-DE"/>
           </a:p>
@@ -1762,7 +1766,7 @@
           <a:p>
             <a:fld id="{1BA50D42-C9CD-4801-B293-61D1F53EC57E}" type="datetimeFigureOut">
               <a:rPr lang="de-DE" smtClean="0"/>
-              <a:t>10.06.2013</a:t>
+              <a:t>11.06.2013</a:t>
             </a:fld>
             <a:endParaRPr lang="de-DE"/>
           </a:p>
@@ -1875,7 +1879,7 @@
           <a:p>
             <a:fld id="{1BA50D42-C9CD-4801-B293-61D1F53EC57E}" type="datetimeFigureOut">
               <a:rPr lang="de-DE" smtClean="0"/>
-              <a:t>10.06.2013</a:t>
+              <a:t>11.06.2013</a:t>
             </a:fld>
             <a:endParaRPr lang="de-DE"/>
           </a:p>
@@ -1965,7 +1969,7 @@
           <a:p>
             <a:fld id="{1BA50D42-C9CD-4801-B293-61D1F53EC57E}" type="datetimeFigureOut">
               <a:rPr lang="de-DE" smtClean="0"/>
-              <a:t>10.06.2013</a:t>
+              <a:t>11.06.2013</a:t>
             </a:fld>
             <a:endParaRPr lang="de-DE"/>
           </a:p>
@@ -2237,7 +2241,7 @@
           <a:p>
             <a:fld id="{1BA50D42-C9CD-4801-B293-61D1F53EC57E}" type="datetimeFigureOut">
               <a:rPr lang="de-DE" smtClean="0"/>
-              <a:t>10.06.2013</a:t>
+              <a:t>11.06.2013</a:t>
             </a:fld>
             <a:endParaRPr lang="de-DE"/>
           </a:p>
@@ -2485,7 +2489,7 @@
           <a:p>
             <a:fld id="{1BA50D42-C9CD-4801-B293-61D1F53EC57E}" type="datetimeFigureOut">
               <a:rPr lang="de-DE" smtClean="0"/>
-              <a:t>10.06.2013</a:t>
+              <a:t>11.06.2013</a:t>
             </a:fld>
             <a:endParaRPr lang="de-DE"/>
           </a:p>
@@ -2693,7 +2697,7 @@
           <a:p>
             <a:fld id="{1BA50D42-C9CD-4801-B293-61D1F53EC57E}" type="datetimeFigureOut">
               <a:rPr lang="de-DE" smtClean="0"/>
-              <a:t>10.06.2013</a:t>
+              <a:t>11.06.2013</a:t>
             </a:fld>
             <a:endParaRPr lang="de-DE"/>
           </a:p>
@@ -5179,7 +5183,7 @@
           <p:nvPr>
             <p:extLst>
               <p:ext uri="{D42A27DB-BD31-4B8C-83A1-F6EECF244321}">
-                <p14:modId xmlns:p14="http://schemas.microsoft.com/office/powerpoint/2010/main" val="3483966802"/>
+                <p14:modId xmlns:p14="http://schemas.microsoft.com/office/powerpoint/2010/main" val="1799130856"/>
               </p:ext>
             </p:extLst>
           </p:nvPr>
@@ -5791,7 +5795,20 @@
                           <a:ea typeface="+mn-ea"/>
                           <a:cs typeface="+mn-cs"/>
                         </a:rPr>
-                        <a:t> = p2jObject(</a:t>
+                        <a:t> = </a:t>
+                      </a:r>
+                      <a:r>
+                        <a:rPr lang="en-GB" sz="1200" kern="1200" dirty="0" smtClean="0">
+                          <a:solidFill>
+                            <a:schemeClr val="accent1">
+                              <a:lumMod val="75000"/>
+                            </a:schemeClr>
+                          </a:solidFill>
+                          <a:latin typeface="+mn-lt"/>
+                          <a:ea typeface="+mn-ea"/>
+                          <a:cs typeface="+mn-cs"/>
+                        </a:rPr>
+                        <a:t>py2jObject(</a:t>
                       </a:r>
                       <a:r>
                         <a:rPr lang="en-GB" sz="1200" kern="1200" dirty="0" err="1" smtClean="0">
@@ -5875,7 +5892,33 @@
                           <a:ea typeface="+mn-ea"/>
                           <a:cs typeface="+mn-cs"/>
                         </a:rPr>
-                        <a:t> = c2jString(s);</a:t>
+                        <a:t> = </a:t>
+                      </a:r>
+                      <a:r>
+                        <a:rPr lang="en-GB" sz="1200" kern="1200" dirty="0" smtClean="0">
+                          <a:solidFill>
+                            <a:schemeClr val="accent1">
+                              <a:lumMod val="75000"/>
+                            </a:schemeClr>
+                          </a:solidFill>
+                          <a:latin typeface="+mn-lt"/>
+                          <a:ea typeface="+mn-ea"/>
+                          <a:cs typeface="+mn-cs"/>
+                        </a:rPr>
+                        <a:t>py2jString(s</a:t>
+                      </a:r>
+                      <a:r>
+                        <a:rPr lang="en-GB" sz="1200" kern="1200" dirty="0" smtClean="0">
+                          <a:solidFill>
+                            <a:schemeClr val="accent1">
+                              <a:lumMod val="75000"/>
+                            </a:schemeClr>
+                          </a:solidFill>
+                          <a:latin typeface="+mn-lt"/>
+                          <a:ea typeface="+mn-ea"/>
+                          <a:cs typeface="+mn-cs"/>
+                        </a:rPr>
+                        <a:t>);</a:t>
                       </a:r>
                     </a:p>
                     <a:p>
@@ -5965,7 +6008,33 @@
                           <a:ea typeface="+mn-ea"/>
                           <a:cs typeface="+mn-cs"/>
                         </a:rPr>
-                        <a:t> = c2jRectangle(r);</a:t>
+                        <a:t> = </a:t>
+                      </a:r>
+                      <a:r>
+                        <a:rPr lang="en-GB" sz="1200" kern="1200" dirty="0" smtClean="0">
+                          <a:solidFill>
+                            <a:schemeClr val="accent1">
+                              <a:lumMod val="75000"/>
+                            </a:schemeClr>
+                          </a:solidFill>
+                          <a:latin typeface="+mn-lt"/>
+                          <a:ea typeface="+mn-ea"/>
+                          <a:cs typeface="+mn-cs"/>
+                        </a:rPr>
+                        <a:t>py2jRectangle(r</a:t>
+                      </a:r>
+                      <a:r>
+                        <a:rPr lang="en-GB" sz="1200" kern="1200" dirty="0" smtClean="0">
+                          <a:solidFill>
+                            <a:schemeClr val="accent1">
+                              <a:lumMod val="75000"/>
+                            </a:schemeClr>
+                          </a:solidFill>
+                          <a:latin typeface="+mn-lt"/>
+                          <a:ea typeface="+mn-ea"/>
+                          <a:cs typeface="+mn-cs"/>
+                        </a:rPr>
+                        <a:t>);</a:t>
                       </a:r>
                     </a:p>
                     <a:p>
@@ -5997,7 +6066,20 @@
                           <a:ea typeface="+mn-ea"/>
                           <a:cs typeface="+mn-cs"/>
                         </a:rPr>
-                        <a:t> = p2jObject(</a:t>
+                        <a:t> = </a:t>
+                      </a:r>
+                      <a:r>
+                        <a:rPr lang="en-GB" sz="1200" kern="1200" dirty="0" smtClean="0">
+                          <a:solidFill>
+                            <a:schemeClr val="accent1">
+                              <a:lumMod val="75000"/>
+                            </a:schemeClr>
+                          </a:solidFill>
+                          <a:latin typeface="+mn-lt"/>
+                          <a:ea typeface="+mn-ea"/>
+                          <a:cs typeface="+mn-cs"/>
+                        </a:rPr>
+                        <a:t>py2jObject(</a:t>
                       </a:r>
                       <a:r>
                         <a:rPr lang="en-GB" sz="1200" kern="1200" dirty="0" err="1" smtClean="0">
@@ -10571,11 +10653,7 @@
             </a:r>
             <a:r>
               <a:rPr lang="en-GB" dirty="0" smtClean="0"/>
-              <a:t> </a:t>
-            </a:r>
-            <a:r>
-              <a:rPr lang="en-GB" dirty="0" smtClean="0"/>
-              <a:t>¹ (</a:t>
+              <a:t> ¹ (</a:t>
             </a:r>
             <a:r>
               <a:rPr lang="en-GB" dirty="0"/>
@@ -10810,7 +10888,6 @@
               <a:rPr lang="en-GB" dirty="0"/>
               <a:t>¹</a:t>
             </a:r>
-            <a:endParaRPr lang="en-GB" dirty="0"/>
           </a:p>
           <a:p>
             <a:pPr lvl="1"/>
@@ -10887,13 +10964,8 @@
             </a:r>
             <a:r>
               <a:rPr lang="en-GB" u="sng" dirty="0" smtClean="0"/>
-              <a:t> </a:t>
-            </a:r>
-            <a:r>
-              <a:rPr lang="en-GB" u="sng" dirty="0" smtClean="0"/>
-              <a:t>result</a:t>
-            </a:r>
-            <a:endParaRPr lang="en-GB" u="sng" dirty="0" smtClean="0"/>
+              <a:t> result</a:t>
+            </a:r>
           </a:p>
           <a:p>
             <a:pPr lvl="1" fontAlgn="t"/>
@@ -10977,11 +11049,7 @@
             </a:r>
             <a:r>
               <a:rPr lang="en-GB" u="sng" dirty="0" smtClean="0"/>
-              <a:t> </a:t>
-            </a:r>
-            <a:r>
-              <a:rPr lang="en-GB" u="sng" dirty="0" smtClean="0"/>
-              <a:t>result</a:t>
+              <a:t> result</a:t>
             </a:r>
           </a:p>
           <a:p>
@@ -11081,7 +11149,17 @@
           <a:p>
             <a:r>
               <a:rPr lang="en-GB" dirty="0" smtClean="0"/>
-              <a:t>Generate C and Python Code</a:t>
+              <a:t>Object Type Conversion: </a:t>
+            </a:r>
+            <a:r>
+              <a:rPr lang="en-GB" dirty="0" err="1" smtClean="0"/>
+              <a:t>Java</a:t>
+            </a:r>
+            <a:r>
+              <a:rPr lang="en-GB" dirty="0" err="1" smtClean="0">
+                <a:sym typeface="Wingdings" pitchFamily="2" charset="2"/>
+              </a:rPr>
+              <a:t>C</a:t>
             </a:r>
             <a:endParaRPr lang="en-GB" dirty="0"/>
           </a:p>
@@ -11100,82 +11178,400 @@
         <p:spPr/>
         <p:txBody>
           <a:bodyPr>
-            <a:normAutofit fontScale="85000" lnSpcReduction="20000"/>
+            <a:normAutofit lnSpcReduction="10000"/>
           </a:bodyPr>
           <a:lstStyle/>
           <a:p>
             <a:r>
-              <a:rPr lang="en-GB" dirty="0" smtClean="0"/>
-              <a:t>Create a compiler that generates the C and Python glue code</a:t>
-            </a:r>
-          </a:p>
-          <a:p>
-            <a:r>
-              <a:rPr lang="en-GB" dirty="0" smtClean="0"/>
-              <a:t>Pro</a:t>
+              <a:rPr lang="en-GB" sz="2400" dirty="0" smtClean="0"/>
+              <a:t>Conversion / Construction</a:t>
             </a:r>
           </a:p>
           <a:p>
             <a:pPr lvl="1"/>
             <a:r>
-              <a:rPr lang="en-GB" dirty="0" smtClean="0"/>
-              <a:t>Java API changes easily translate into Python/C code</a:t>
+              <a:rPr lang="en-GB" sz="2000" dirty="0" smtClean="0"/>
+              <a:t>void* </a:t>
+            </a:r>
+            <a:r>
+              <a:rPr lang="en-GB" sz="2000" dirty="0" err="1" smtClean="0"/>
+              <a:t>beam_toCObject</a:t>
+            </a:r>
+            <a:r>
+              <a:rPr lang="en-GB" sz="2000" dirty="0" smtClean="0"/>
+              <a:t> (</a:t>
+            </a:r>
+            <a:r>
+              <a:rPr lang="en-GB" sz="2000" dirty="0" err="1" smtClean="0"/>
+              <a:t>jobject</a:t>
+            </a:r>
+            <a:r>
+              <a:rPr lang="en-GB" sz="2000" dirty="0" smtClean="0"/>
+              <a:t> o)</a:t>
             </a:r>
           </a:p>
           <a:p>
             <a:pPr lvl="1"/>
             <a:r>
-              <a:rPr lang="en-GB" dirty="0" smtClean="0"/>
-              <a:t>Also documentation can be generated from Java sources </a:t>
+              <a:rPr lang="en-GB" sz="2000" dirty="0" smtClean="0"/>
+              <a:t>char</a:t>
+            </a:r>
+            <a:r>
+              <a:rPr lang="en-GB" sz="2000" dirty="0"/>
+              <a:t>* </a:t>
+            </a:r>
+            <a:r>
+              <a:rPr lang="en-GB" sz="2000" dirty="0" err="1"/>
+              <a:t>beam_newCString</a:t>
+            </a:r>
+            <a:r>
+              <a:rPr lang="en-GB" sz="2000" dirty="0"/>
+              <a:t>(</a:t>
+            </a:r>
+            <a:r>
+              <a:rPr lang="en-GB" sz="2000" dirty="0" err="1"/>
+              <a:t>jstring</a:t>
+            </a:r>
+            <a:r>
+              <a:rPr lang="en-GB" sz="2000" dirty="0"/>
+              <a:t> s</a:t>
+            </a:r>
+            <a:r>
+              <a:rPr lang="en-GB" sz="2000" dirty="0" smtClean="0"/>
+              <a:t>)</a:t>
             </a:r>
           </a:p>
           <a:p>
             <a:pPr lvl="1"/>
             <a:r>
-              <a:rPr lang="en-GB" dirty="0" smtClean="0"/>
-              <a:t>Code production can be automated</a:t>
+              <a:rPr lang="en-GB" sz="2000" dirty="0" smtClean="0"/>
+              <a:t>&lt;</a:t>
+            </a:r>
+            <a:r>
+              <a:rPr lang="en-GB" sz="2000" dirty="0"/>
+              <a:t>T&gt;* </a:t>
+            </a:r>
+            <a:r>
+              <a:rPr lang="en-GB" sz="2000" dirty="0" err="1"/>
+              <a:t>beam_newC</a:t>
+            </a:r>
+            <a:r>
+              <a:rPr lang="en-GB" sz="2000" dirty="0"/>
+              <a:t>&lt;T&gt;Array(</a:t>
+            </a:r>
+            <a:r>
+              <a:rPr lang="en-GB" sz="2000" dirty="0" err="1"/>
+              <a:t>jarray</a:t>
+            </a:r>
+            <a:r>
+              <a:rPr lang="en-GB" sz="2000" dirty="0"/>
+              <a:t> a, </a:t>
+            </a:r>
+            <a:r>
+              <a:rPr lang="en-GB" sz="2000" dirty="0" err="1" smtClean="0"/>
+              <a:t>int</a:t>
+            </a:r>
+            <a:r>
+              <a:rPr lang="en-GB" sz="2000" dirty="0"/>
+              <a:t>* </a:t>
+            </a:r>
+            <a:r>
+              <a:rPr lang="en-GB" sz="2000" dirty="0" err="1" smtClean="0"/>
+              <a:t>len</a:t>
+            </a:r>
+            <a:r>
+              <a:rPr lang="en-GB" sz="2000" dirty="0" smtClean="0"/>
+              <a:t>)</a:t>
+            </a:r>
+            <a:r>
+              <a:rPr lang="en-GB" sz="2000" baseline="30000" dirty="0" smtClean="0"/>
+              <a:t>1</a:t>
             </a:r>
           </a:p>
           <a:p>
             <a:pPr lvl="1"/>
             <a:r>
-              <a:rPr lang="en-GB" dirty="0" smtClean="0"/>
-              <a:t>Bugs are fixed in the compiler code, not in glue code</a:t>
+              <a:rPr lang="en-GB" sz="2000" dirty="0" smtClean="0"/>
+              <a:t>void** </a:t>
+            </a:r>
+            <a:r>
+              <a:rPr lang="en-GB" sz="2000" dirty="0" err="1" smtClean="0"/>
+              <a:t>beam_newC</a:t>
+            </a:r>
+            <a:r>
+              <a:rPr lang="en-GB" sz="2000" dirty="0" err="1"/>
+              <a:t>Object</a:t>
+            </a:r>
+            <a:r>
+              <a:rPr lang="en-GB" sz="2000" dirty="0" err="1" smtClean="0"/>
+              <a:t>Array</a:t>
+            </a:r>
+            <a:r>
+              <a:rPr lang="en-GB" sz="2000" dirty="0" smtClean="0"/>
+              <a:t>(</a:t>
+            </a:r>
+            <a:r>
+              <a:rPr lang="en-GB" sz="2000" dirty="0" err="1" smtClean="0"/>
+              <a:t>jarray</a:t>
+            </a:r>
+            <a:r>
+              <a:rPr lang="en-GB" sz="2000" dirty="0" smtClean="0"/>
+              <a:t> a, </a:t>
+            </a:r>
+            <a:r>
+              <a:rPr lang="en-GB" sz="2000" dirty="0" err="1" smtClean="0"/>
+              <a:t>int</a:t>
+            </a:r>
+            <a:r>
+              <a:rPr lang="en-GB" sz="2000" dirty="0" smtClean="0"/>
+              <a:t>* </a:t>
+            </a:r>
+            <a:r>
+              <a:rPr lang="en-GB" sz="2000" dirty="0" err="1" smtClean="0"/>
+              <a:t>len</a:t>
+            </a:r>
+            <a:r>
+              <a:rPr lang="en-GB" sz="2000" dirty="0" smtClean="0"/>
+              <a:t>)</a:t>
             </a:r>
           </a:p>
           <a:p>
             <a:pPr lvl="1"/>
             <a:r>
-              <a:rPr lang="en-GB" dirty="0" smtClean="0"/>
-              <a:t>Also test code might be generated</a:t>
-            </a:r>
-          </a:p>
-          <a:p>
-            <a:r>
-              <a:rPr lang="en-GB" dirty="0" smtClean="0"/>
-              <a:t>Contra</a:t>
+              <a:rPr lang="en-GB" sz="2000" dirty="0" smtClean="0"/>
+              <a:t>char</a:t>
+            </a:r>
+            <a:r>
+              <a:rPr lang="en-GB" sz="2000" dirty="0"/>
+              <a:t>** </a:t>
+            </a:r>
+            <a:r>
+              <a:rPr lang="en-GB" sz="2000" dirty="0" err="1" smtClean="0"/>
+              <a:t>beam_newCStringArray</a:t>
+            </a:r>
+            <a:r>
+              <a:rPr lang="en-GB" sz="2000" dirty="0" smtClean="0"/>
+              <a:t>(</a:t>
+            </a:r>
+            <a:r>
+              <a:rPr lang="en-GB" sz="2000" dirty="0" err="1" smtClean="0"/>
+              <a:t>jstringArray</a:t>
+            </a:r>
+            <a:r>
+              <a:rPr lang="en-GB" sz="2000" dirty="0" smtClean="0"/>
+              <a:t> </a:t>
+            </a:r>
+            <a:r>
+              <a:rPr lang="en-GB" sz="2000" dirty="0"/>
+              <a:t>a, </a:t>
+            </a:r>
+            <a:r>
+              <a:rPr lang="en-GB" sz="2000" dirty="0" err="1" smtClean="0"/>
+              <a:t>int</a:t>
+            </a:r>
+            <a:r>
+              <a:rPr lang="en-GB" sz="2000" dirty="0"/>
+              <a:t>* </a:t>
+            </a:r>
+            <a:r>
+              <a:rPr lang="en-GB" sz="2000" dirty="0" err="1" smtClean="0"/>
+              <a:t>len</a:t>
+            </a:r>
+            <a:r>
+              <a:rPr lang="en-GB" sz="2000" dirty="0" smtClean="0"/>
+              <a:t>)</a:t>
+            </a:r>
+          </a:p>
+          <a:p>
+            <a:r>
+              <a:rPr lang="en-GB" sz="2400" dirty="0" smtClean="0"/>
+              <a:t>Destruction</a:t>
             </a:r>
           </a:p>
           <a:p>
             <a:pPr lvl="1"/>
             <a:r>
-              <a:rPr lang="en-GB" dirty="0" smtClean="0"/>
-              <a:t>It might take a long time to develop a mature compiler</a:t>
+              <a:rPr lang="en-GB" sz="2000" dirty="0"/>
+              <a:t>void </a:t>
+            </a:r>
+            <a:r>
+              <a:rPr lang="en-GB" sz="2000" dirty="0" err="1"/>
+              <a:t>beam_deleteCString</a:t>
+            </a:r>
+            <a:r>
+              <a:rPr lang="en-GB" sz="2000" dirty="0"/>
+              <a:t>(char* s)</a:t>
             </a:r>
           </a:p>
           <a:p>
             <a:pPr lvl="1"/>
             <a:r>
-              <a:rPr lang="en-GB" dirty="0" smtClean="0"/>
-              <a:t>There might be a number of exceptions from rules</a:t>
-            </a:r>
+              <a:rPr lang="en-GB" sz="2000" dirty="0" smtClean="0"/>
+              <a:t>void </a:t>
+            </a:r>
+            <a:r>
+              <a:rPr lang="en-GB" sz="2000" dirty="0" err="1" smtClean="0"/>
+              <a:t>beam_deleteC</a:t>
+            </a:r>
+            <a:r>
+              <a:rPr lang="en-GB" sz="2000" dirty="0" smtClean="0"/>
+              <a:t>&lt;T&gt;Array</a:t>
+            </a:r>
+            <a:r>
+              <a:rPr lang="en-GB" sz="2000" dirty="0"/>
+              <a:t>(&lt;T&gt;* </a:t>
+            </a:r>
+            <a:r>
+              <a:rPr lang="en-GB" sz="2000" dirty="0" smtClean="0"/>
+              <a:t>a, </a:t>
+            </a:r>
+            <a:r>
+              <a:rPr lang="en-GB" sz="2000" dirty="0" err="1" smtClean="0"/>
+              <a:t>int</a:t>
+            </a:r>
+            <a:r>
+              <a:rPr lang="en-GB" sz="2000" dirty="0" smtClean="0"/>
+              <a:t> </a:t>
+            </a:r>
+            <a:r>
+              <a:rPr lang="en-GB" sz="2000" dirty="0" err="1" smtClean="0"/>
+              <a:t>len</a:t>
+            </a:r>
+            <a:r>
+              <a:rPr lang="en-GB" sz="2000" dirty="0" smtClean="0"/>
+              <a:t>)</a:t>
+            </a:r>
+            <a:r>
+              <a:rPr lang="en-GB" sz="2000" baseline="30000" dirty="0" smtClean="0"/>
+              <a:t> </a:t>
+            </a:r>
+            <a:r>
+              <a:rPr lang="en-GB" sz="2000" baseline="30000" dirty="0"/>
+              <a:t>1</a:t>
+            </a:r>
+            <a:endParaRPr lang="en-GB" sz="2000" dirty="0"/>
+          </a:p>
+          <a:p>
+            <a:pPr lvl="1"/>
+            <a:r>
+              <a:rPr lang="en-GB" sz="2000" dirty="0" smtClean="0"/>
+              <a:t>void </a:t>
+            </a:r>
+            <a:r>
+              <a:rPr lang="en-GB" sz="2000" dirty="0" err="1" smtClean="0"/>
+              <a:t>beam_deleteCObjectArray</a:t>
+            </a:r>
+            <a:r>
+              <a:rPr lang="en-GB" sz="2000" dirty="0" smtClean="0"/>
+              <a:t>(void</a:t>
+            </a:r>
+            <a:r>
+              <a:rPr lang="en-GB" sz="2000" dirty="0"/>
+              <a:t>** a, </a:t>
+            </a:r>
+            <a:r>
+              <a:rPr lang="en-GB" sz="2000" dirty="0" err="1" smtClean="0"/>
+              <a:t>int</a:t>
+            </a:r>
+            <a:r>
+              <a:rPr lang="en-GB" sz="2000" dirty="0" smtClean="0"/>
+              <a:t> </a:t>
+            </a:r>
+            <a:r>
+              <a:rPr lang="en-GB" sz="2000" dirty="0" err="1"/>
+              <a:t>len</a:t>
+            </a:r>
+            <a:r>
+              <a:rPr lang="en-GB" sz="2000" dirty="0" smtClean="0"/>
+              <a:t>)</a:t>
+            </a:r>
+            <a:endParaRPr lang="en-GB" sz="2000" dirty="0"/>
+          </a:p>
+          <a:p>
+            <a:pPr lvl="1"/>
+            <a:r>
+              <a:rPr lang="en-GB" sz="2000" dirty="0" smtClean="0"/>
+              <a:t>void </a:t>
+            </a:r>
+            <a:r>
+              <a:rPr lang="en-GB" sz="2000" dirty="0" err="1" smtClean="0"/>
+              <a:t>beam_deleteCStringArray</a:t>
+            </a:r>
+            <a:r>
+              <a:rPr lang="en-GB" sz="2000" dirty="0" smtClean="0"/>
+              <a:t>(char** a, </a:t>
+            </a:r>
+            <a:r>
+              <a:rPr lang="en-GB" sz="2000" dirty="0" err="1" smtClean="0"/>
+              <a:t>int</a:t>
+            </a:r>
+            <a:r>
+              <a:rPr lang="en-GB" sz="2000" dirty="0" smtClean="0"/>
+              <a:t> </a:t>
+            </a:r>
+            <a:r>
+              <a:rPr lang="en-GB" sz="2000" dirty="0" err="1" smtClean="0"/>
+              <a:t>len</a:t>
+            </a:r>
+            <a:r>
+              <a:rPr lang="en-GB" sz="2000" dirty="0" smtClean="0"/>
+              <a:t>)</a:t>
+            </a:r>
+          </a:p>
+          <a:p>
+            <a:pPr marL="0" indent="0">
+              <a:buNone/>
+            </a:pPr>
+            <a:endParaRPr lang="en-GB" sz="2400" baseline="30000" dirty="0"/>
+          </a:p>
+          <a:p>
+            <a:pPr marL="0" indent="0">
+              <a:buNone/>
+            </a:pPr>
+            <a:r>
+              <a:rPr lang="en-GB" sz="1800" baseline="30000" dirty="0" smtClean="0"/>
+              <a:t>1 </a:t>
+            </a:r>
+            <a:r>
+              <a:rPr lang="en-GB" sz="1800" dirty="0" smtClean="0"/>
+              <a:t>T = </a:t>
+            </a:r>
+            <a:r>
+              <a:rPr lang="en-GB" sz="1800" dirty="0" err="1" smtClean="0"/>
+              <a:t>boolean</a:t>
+            </a:r>
+            <a:r>
+              <a:rPr lang="en-GB" sz="1800" dirty="0" smtClean="0"/>
+              <a:t>, byte, char, short, </a:t>
+            </a:r>
+            <a:r>
+              <a:rPr lang="en-GB" sz="1800" dirty="0" err="1" smtClean="0"/>
+              <a:t>int</a:t>
+            </a:r>
+            <a:r>
+              <a:rPr lang="en-GB" sz="1800" dirty="0" smtClean="0"/>
+              <a:t>, long, float, double</a:t>
+            </a:r>
+            <a:endParaRPr lang="en-GB" sz="1800" dirty="0"/>
+          </a:p>
+          <a:p>
+            <a:pPr lvl="1"/>
+            <a:endParaRPr lang="en-GB" sz="2000" dirty="0" smtClean="0"/>
+          </a:p>
+          <a:p>
+            <a:pPr lvl="1"/>
+            <a:endParaRPr lang="en-GB" dirty="0" smtClean="0"/>
+          </a:p>
+          <a:p>
+            <a:pPr lvl="1"/>
+            <a:endParaRPr lang="en-GB" dirty="0"/>
           </a:p>
         </p:txBody>
       </p:sp>
     </p:spTree>
     <p:extLst>
       <p:ext uri="{BB962C8B-B14F-4D97-AF65-F5344CB8AC3E}">
-        <p14:creationId xmlns:p14="http://schemas.microsoft.com/office/powerpoint/2010/main" val="3643622142"/>
+        <p14:creationId xmlns:p14="http://schemas.microsoft.com/office/powerpoint/2010/main" val="2870151392"/>
       </p:ext>
     </p:extLst>
   </p:cSld>
@@ -11226,7 +11622,17 @@
           <a:p>
             <a:r>
               <a:rPr lang="en-GB" dirty="0" smtClean="0"/>
-              <a:t>Compiler Design Issues</a:t>
+              <a:t>Object Type Conversion: </a:t>
+            </a:r>
+            <a:r>
+              <a:rPr lang="en-GB" dirty="0" err="1" smtClean="0"/>
+              <a:t>C</a:t>
+            </a:r>
+            <a:r>
+              <a:rPr lang="en-GB" dirty="0" err="1" smtClean="0">
+                <a:sym typeface="Wingdings" pitchFamily="2" charset="2"/>
+              </a:rPr>
+              <a:t>Java</a:t>
             </a:r>
             <a:endParaRPr lang="en-GB" dirty="0"/>
           </a:p>
@@ -11245,89 +11651,301 @@
         <p:spPr/>
         <p:txBody>
           <a:bodyPr>
-            <a:normAutofit fontScale="85000" lnSpcReduction="20000"/>
+            <a:normAutofit/>
           </a:bodyPr>
           <a:lstStyle/>
           <a:p>
             <a:r>
-              <a:rPr lang="en-GB" dirty="0" smtClean="0"/>
-              <a:t>In order to avoid binding of all Java code,</a:t>
+              <a:rPr lang="en-GB" sz="2400" dirty="0" smtClean="0"/>
+              <a:t>Conversion</a:t>
             </a:r>
           </a:p>
           <a:p>
             <a:pPr lvl="1"/>
             <a:r>
-              <a:rPr lang="en-GB" dirty="0" smtClean="0"/>
-              <a:t>define a list of types for which code shall be generated (Product, Band, </a:t>
-            </a:r>
-            <a:r>
-              <a:rPr lang="en-GB" dirty="0" err="1" smtClean="0"/>
-              <a:t>TiePointGrid</a:t>
-            </a:r>
-            <a:r>
-              <a:rPr lang="en-GB" dirty="0" smtClean="0"/>
-              <a:t>, …)</a:t>
-            </a:r>
+              <a:rPr lang="en-GB" sz="2000" dirty="0" err="1" smtClean="0"/>
+              <a:t>jobject</a:t>
+            </a:r>
+            <a:r>
+              <a:rPr lang="en-GB" sz="2000" dirty="0" smtClean="0"/>
+              <a:t> </a:t>
+            </a:r>
+            <a:r>
+              <a:rPr lang="en-GB" sz="2000" dirty="0" err="1"/>
+              <a:t>Object_</a:t>
+            </a:r>
+            <a:r>
+              <a:rPr lang="en-GB" sz="2000" dirty="0" err="1" smtClean="0"/>
+              <a:t>toJObject</a:t>
+            </a:r>
+            <a:r>
+              <a:rPr lang="en-GB" sz="2000" dirty="0" smtClean="0"/>
+              <a:t> (</a:t>
+            </a:r>
+            <a:r>
+              <a:rPr lang="en-GB" sz="2000" dirty="0"/>
+              <a:t>void* </a:t>
+            </a:r>
+            <a:r>
+              <a:rPr lang="en-GB" sz="2000" dirty="0" smtClean="0"/>
+              <a:t>o)</a:t>
+            </a:r>
+          </a:p>
+          <a:p>
+            <a:r>
+              <a:rPr lang="en-GB" sz="2400" dirty="0"/>
+              <a:t>Object </a:t>
+            </a:r>
+            <a:r>
+              <a:rPr lang="en-GB" sz="2400" dirty="0" smtClean="0"/>
+              <a:t>Construction</a:t>
+            </a:r>
+            <a:endParaRPr lang="en-GB" sz="2000" dirty="0" smtClean="0"/>
           </a:p>
           <a:p>
             <a:pPr lvl="1"/>
             <a:r>
-              <a:rPr lang="en-GB" dirty="0"/>
-              <a:t>f</a:t>
-            </a:r>
-            <a:r>
-              <a:rPr lang="en-GB" dirty="0" smtClean="0"/>
-              <a:t>or some types or single methods, we will provide hand-written code (File, String, …)</a:t>
-            </a:r>
+              <a:rPr lang="en-GB" sz="2000" dirty="0" err="1" smtClean="0"/>
+              <a:t>jstring</a:t>
+            </a:r>
+            <a:r>
+              <a:rPr lang="en-GB" sz="2000" dirty="0" smtClean="0"/>
+              <a:t> </a:t>
+            </a:r>
+            <a:r>
+              <a:rPr lang="en-GB" sz="2000" dirty="0" err="1"/>
+              <a:t>Object_</a:t>
+            </a:r>
+            <a:r>
+              <a:rPr lang="en-GB" sz="2000" dirty="0" err="1" smtClean="0"/>
+              <a:t>newJString</a:t>
+            </a:r>
+            <a:r>
+              <a:rPr lang="en-GB" sz="2000" dirty="0" smtClean="0"/>
+              <a:t>(</a:t>
+            </a:r>
+            <a:r>
+              <a:rPr lang="en-GB" sz="2000" dirty="0" err="1" smtClean="0"/>
+              <a:t>const</a:t>
+            </a:r>
+            <a:r>
+              <a:rPr lang="en-GB" sz="2000" dirty="0" smtClean="0"/>
+              <a:t> char* s)</a:t>
+            </a:r>
+          </a:p>
+          <a:p>
+            <a:pPr lvl="1"/>
+            <a:r>
+              <a:rPr lang="en-GB" sz="2000" dirty="0" err="1"/>
+              <a:t>jarray</a:t>
+            </a:r>
+            <a:r>
+              <a:rPr lang="en-GB" sz="2000" dirty="0"/>
+              <a:t> </a:t>
+            </a:r>
+            <a:r>
+              <a:rPr lang="en-GB" sz="2000" dirty="0" err="1"/>
+              <a:t>Object_</a:t>
+            </a:r>
+            <a:r>
+              <a:rPr lang="en-GB" sz="2000" dirty="0" err="1" smtClean="0"/>
+              <a:t>newJ</a:t>
+            </a:r>
+            <a:r>
+              <a:rPr lang="en-GB" sz="2000" dirty="0" smtClean="0"/>
+              <a:t>&lt;T&gt;Array</a:t>
+            </a:r>
+            <a:r>
+              <a:rPr lang="en-GB" sz="2000" dirty="0"/>
+              <a:t>(&lt;T&gt;* a, </a:t>
+            </a:r>
+            <a:r>
+              <a:rPr lang="en-GB" sz="2000" dirty="0" err="1"/>
+              <a:t>int</a:t>
+            </a:r>
+            <a:r>
+              <a:rPr lang="en-GB" sz="2000" dirty="0"/>
+              <a:t> </a:t>
+            </a:r>
+            <a:r>
+              <a:rPr lang="en-GB" sz="2000" dirty="0" err="1" smtClean="0"/>
+              <a:t>len</a:t>
+            </a:r>
+            <a:r>
+              <a:rPr lang="en-GB" sz="2000" dirty="0" smtClean="0"/>
+              <a:t>)</a:t>
+            </a:r>
+            <a:r>
+              <a:rPr lang="en-GB" sz="2000" baseline="30000" dirty="0" smtClean="0"/>
+              <a:t>1</a:t>
+            </a:r>
+            <a:endParaRPr lang="en-GB" sz="2000" baseline="30000" dirty="0"/>
+          </a:p>
+          <a:p>
+            <a:pPr lvl="1"/>
+            <a:r>
+              <a:rPr lang="en-GB" sz="2000" dirty="0" err="1" smtClean="0"/>
+              <a:t>jarray</a:t>
+            </a:r>
+            <a:r>
+              <a:rPr lang="en-GB" sz="2000" dirty="0" smtClean="0"/>
+              <a:t> </a:t>
+            </a:r>
+            <a:r>
+              <a:rPr lang="en-GB" sz="2000" dirty="0" err="1"/>
+              <a:t>Object_</a:t>
+            </a:r>
+            <a:r>
+              <a:rPr lang="en-GB" sz="2000" dirty="0" err="1" smtClean="0"/>
+              <a:t>newJObjectArray</a:t>
+            </a:r>
+            <a:r>
+              <a:rPr lang="en-GB" sz="2000" dirty="0" smtClean="0"/>
+              <a:t>(void** a, </a:t>
+            </a:r>
+            <a:r>
+              <a:rPr lang="en-GB" sz="2000" dirty="0" err="1" smtClean="0"/>
+              <a:t>int</a:t>
+            </a:r>
+            <a:r>
+              <a:rPr lang="en-GB" sz="2000" dirty="0" smtClean="0"/>
+              <a:t> </a:t>
+            </a:r>
+            <a:r>
+              <a:rPr lang="en-GB" sz="2000" dirty="0" err="1" smtClean="0"/>
+              <a:t>len</a:t>
+            </a:r>
+            <a:r>
+              <a:rPr lang="en-GB" sz="2000" dirty="0" smtClean="0"/>
+              <a:t>)</a:t>
+            </a:r>
+          </a:p>
+          <a:p>
+            <a:pPr lvl="1"/>
+            <a:r>
+              <a:rPr lang="en-GB" sz="2000" dirty="0" err="1" smtClean="0"/>
+              <a:t>jstringArray</a:t>
+            </a:r>
+            <a:r>
+              <a:rPr lang="en-GB" sz="2000" dirty="0" smtClean="0"/>
+              <a:t> </a:t>
+            </a:r>
+            <a:r>
+              <a:rPr lang="en-GB" sz="2000" dirty="0" err="1"/>
+              <a:t>Object_</a:t>
+            </a:r>
+            <a:r>
+              <a:rPr lang="en-GB" sz="2000" dirty="0" err="1" smtClean="0"/>
+              <a:t>newJStringArray</a:t>
+            </a:r>
+            <a:r>
+              <a:rPr lang="en-GB" sz="2000" dirty="0" smtClean="0"/>
+              <a:t>(</a:t>
+            </a:r>
+            <a:r>
+              <a:rPr lang="en-GB" sz="2000" dirty="0" err="1" smtClean="0"/>
+              <a:t>const</a:t>
+            </a:r>
+            <a:r>
+              <a:rPr lang="en-GB" sz="2000" dirty="0" smtClean="0"/>
+              <a:t> char** </a:t>
+            </a:r>
+            <a:r>
+              <a:rPr lang="en-GB" sz="2000" dirty="0"/>
+              <a:t>a, </a:t>
+            </a:r>
+            <a:r>
+              <a:rPr lang="en-GB" sz="2000" dirty="0" err="1"/>
+              <a:t>int</a:t>
+            </a:r>
+            <a:r>
+              <a:rPr lang="en-GB" sz="2000" dirty="0"/>
+              <a:t>* </a:t>
+            </a:r>
+            <a:r>
+              <a:rPr lang="en-GB" sz="2000" dirty="0" err="1"/>
+              <a:t>len</a:t>
+            </a:r>
+            <a:r>
+              <a:rPr lang="en-GB" sz="2000" dirty="0" smtClean="0"/>
+              <a:t>)</a:t>
+            </a:r>
+          </a:p>
+          <a:p>
+            <a:r>
+              <a:rPr lang="en-GB" sz="2400" dirty="0" smtClean="0"/>
+              <a:t>Object Destruction</a:t>
+            </a:r>
+          </a:p>
+          <a:p>
+            <a:pPr lvl="1"/>
+            <a:r>
+              <a:rPr lang="en-GB" sz="2000" dirty="0" err="1"/>
+              <a:t>DeleteLocalRef</a:t>
+            </a:r>
+            <a:r>
+              <a:rPr lang="en-GB" sz="2000" dirty="0"/>
+              <a:t>   (from JNI </a:t>
+            </a:r>
+            <a:r>
+              <a:rPr lang="en-GB" sz="2000" dirty="0" smtClean="0"/>
+              <a:t>API, for objects with local scope)</a:t>
+            </a:r>
+            <a:endParaRPr lang="en-GB" sz="2000" dirty="0"/>
+          </a:p>
+          <a:p>
+            <a:endParaRPr lang="en-GB" sz="2400" baseline="30000" dirty="0"/>
+          </a:p>
+          <a:p>
+            <a:endParaRPr lang="en-GB" sz="2400" baseline="30000" dirty="0" smtClean="0"/>
+          </a:p>
+          <a:p>
+            <a:pPr marL="0" indent="0">
+              <a:buNone/>
+            </a:pPr>
+            <a:r>
+              <a:rPr lang="en-GB" sz="1800" baseline="30000" dirty="0" smtClean="0"/>
+              <a:t>1 </a:t>
+            </a:r>
+            <a:r>
+              <a:rPr lang="en-GB" sz="1800" dirty="0"/>
+              <a:t>T = </a:t>
+            </a:r>
+            <a:r>
+              <a:rPr lang="en-GB" sz="1800" dirty="0" err="1"/>
+              <a:t>boolean</a:t>
+            </a:r>
+            <a:r>
+              <a:rPr lang="en-GB" sz="1800" dirty="0"/>
+              <a:t>, byte, char, short, </a:t>
+            </a:r>
+            <a:r>
+              <a:rPr lang="en-GB" sz="1800" dirty="0" err="1"/>
+              <a:t>int</a:t>
+            </a:r>
+            <a:r>
+              <a:rPr lang="en-GB" sz="1800" dirty="0"/>
+              <a:t>, long, float, double</a:t>
+            </a:r>
+          </a:p>
+          <a:p>
+            <a:pPr lvl="1"/>
+            <a:endParaRPr lang="en-GB" sz="2000" dirty="0" smtClean="0"/>
+          </a:p>
+          <a:p>
+            <a:pPr lvl="1"/>
+            <a:endParaRPr lang="en-GB" dirty="0" smtClean="0"/>
+          </a:p>
+          <a:p>
+            <a:pPr lvl="1"/>
             <a:endParaRPr lang="en-GB" dirty="0"/>
-          </a:p>
-          <a:p>
-            <a:pPr lvl="1"/>
-            <a:r>
-              <a:rPr lang="en-GB" dirty="0" smtClean="0"/>
-              <a:t>methods that have types in their signature, that are not in this list, will not be translated</a:t>
-            </a:r>
-          </a:p>
-          <a:p>
-            <a:r>
-              <a:rPr lang="en-GB" dirty="0" smtClean="0"/>
-              <a:t>consider </a:t>
-            </a:r>
-            <a:r>
-              <a:rPr lang="en-GB" dirty="0" err="1" smtClean="0"/>
-              <a:t>javacc</a:t>
-            </a:r>
-            <a:r>
-              <a:rPr lang="en-GB" dirty="0" smtClean="0"/>
-              <a:t> to do the job</a:t>
-            </a:r>
-          </a:p>
-          <a:p>
-            <a:r>
-              <a:rPr lang="en-GB" dirty="0" smtClean="0"/>
-              <a:t>consider Java annotations to control code generation (e.g. parameter annotations @In, @Out, @</a:t>
-            </a:r>
-            <a:r>
-              <a:rPr lang="en-GB" dirty="0" err="1" smtClean="0"/>
-              <a:t>InOut</a:t>
-            </a:r>
-            <a:r>
-              <a:rPr lang="en-GB" dirty="0" smtClean="0"/>
-              <a:t>)</a:t>
-            </a:r>
-          </a:p>
-          <a:p>
-            <a:r>
-              <a:rPr lang="en-GB" dirty="0" smtClean="0"/>
-              <a:t>code generation might be done through patterns, e.g. implemented by velocity templates</a:t>
-            </a:r>
           </a:p>
         </p:txBody>
       </p:sp>
     </p:spTree>
     <p:extLst>
       <p:ext uri="{BB962C8B-B14F-4D97-AF65-F5344CB8AC3E}">
-        <p14:creationId xmlns:p14="http://schemas.microsoft.com/office/powerpoint/2010/main" val="1053306664"/>
+        <p14:creationId xmlns:p14="http://schemas.microsoft.com/office/powerpoint/2010/main" val="1952445805"/>
       </p:ext>
     </p:extLst>
   </p:cSld>
@@ -11378,11 +11996,17 @@
           <a:p>
             <a:r>
               <a:rPr lang="en-GB" dirty="0" smtClean="0"/>
-              <a:t>Design </a:t>
+              <a:t>Object Type Conversion: </a:t>
             </a:r>
             <a:r>
               <a:rPr lang="en-GB" dirty="0" err="1" smtClean="0"/>
-              <a:t>Decisons</a:t>
+              <a:t>Java</a:t>
+            </a:r>
+            <a:r>
+              <a:rPr lang="en-GB" dirty="0" err="1" smtClean="0">
+                <a:sym typeface="Wingdings" pitchFamily="2" charset="2"/>
+              </a:rPr>
+              <a:t>Py</a:t>
             </a:r>
             <a:endParaRPr lang="en-GB" dirty="0"/>
           </a:p>
@@ -11401,294 +12025,320 @@
         <p:spPr/>
         <p:txBody>
           <a:bodyPr>
-            <a:normAutofit fontScale="47500" lnSpcReduction="20000"/>
+            <a:normAutofit/>
           </a:bodyPr>
           <a:lstStyle/>
           <a:p>
             <a:r>
-              <a:rPr lang="en-GB" dirty="0"/>
-              <a:t>Use JNI types in </a:t>
-            </a:r>
-            <a:r>
-              <a:rPr lang="en-GB" dirty="0" smtClean="0"/>
-              <a:t>C-interfaces</a:t>
+              <a:rPr lang="en-GB" sz="2400" dirty="0" smtClean="0"/>
+              <a:t>Object Construction</a:t>
             </a:r>
           </a:p>
           <a:p>
             <a:pPr lvl="1"/>
             <a:r>
-              <a:rPr lang="en-GB" dirty="0" smtClean="0"/>
-              <a:t>Yes</a:t>
-            </a:r>
-            <a:r>
-              <a:rPr lang="en-GB" dirty="0"/>
-              <a:t>, because BEAM API is Java and as such it is much less </a:t>
-            </a:r>
-            <a:r>
-              <a:rPr lang="en-GB" dirty="0" err="1"/>
-              <a:t>verbous</a:t>
-            </a:r>
-            <a:r>
-              <a:rPr lang="en-GB" dirty="0"/>
-              <a:t> and more concise to reuse JNI types, and is </a:t>
-            </a:r>
-            <a:r>
-              <a:rPr lang="en-GB" dirty="0" err="1"/>
-              <a:t>aloso</a:t>
-            </a:r>
-            <a:r>
-              <a:rPr lang="en-GB" dirty="0"/>
-              <a:t> less </a:t>
-            </a:r>
-            <a:r>
-              <a:rPr lang="en-GB" dirty="0" smtClean="0"/>
-              <a:t>work</a:t>
-            </a:r>
+              <a:rPr lang="en-GB" sz="2000" dirty="0" err="1"/>
+              <a:t>PyObject</a:t>
+            </a:r>
+            <a:r>
+              <a:rPr lang="en-GB" sz="2000" dirty="0"/>
+              <a:t>* </a:t>
+            </a:r>
+            <a:r>
+              <a:rPr lang="en-GB" sz="2000" dirty="0" err="1" smtClean="0"/>
+              <a:t>beam_newP</a:t>
+            </a:r>
+            <a:r>
+              <a:rPr lang="en-GB" sz="2000" dirty="0" smtClean="0"/>
+              <a:t>&lt;T&gt;(j</a:t>
+            </a:r>
+            <a:r>
+              <a:rPr lang="en-GB" sz="2000" dirty="0"/>
+              <a:t>&lt;T&gt;</a:t>
+            </a:r>
+            <a:r>
+              <a:rPr lang="en-GB" sz="2000" dirty="0" smtClean="0"/>
+              <a:t> v)</a:t>
+            </a:r>
+            <a:r>
+              <a:rPr lang="en-GB" sz="2000" baseline="30000" dirty="0" smtClean="0"/>
+              <a:t>1</a:t>
+            </a:r>
+            <a:endParaRPr lang="en-GB" sz="2000" dirty="0" smtClean="0"/>
           </a:p>
           <a:p>
             <a:pPr lvl="1"/>
             <a:r>
-              <a:rPr lang="en-GB" dirty="0" smtClean="0"/>
-              <a:t>No</a:t>
-            </a:r>
-            <a:r>
-              <a:rPr lang="en-GB" dirty="0"/>
-              <a:t>, because the C-API shall be independent of its implementation or </a:t>
-            </a:r>
-            <a:r>
-              <a:rPr lang="en-GB" dirty="0" smtClean="0"/>
-              <a:t>origin</a:t>
-            </a:r>
-            <a:endParaRPr lang="en-GB" dirty="0"/>
-          </a:p>
-          <a:p>
-            <a:r>
-              <a:rPr lang="en-GB" dirty="0"/>
-              <a:t>Duplicate Java API (or parts) 1:1?  (e.g. any method in Java gets its C counterpart)</a:t>
+              <a:rPr lang="en-GB" sz="2000" dirty="0" err="1" smtClean="0"/>
+              <a:t>PyObject</a:t>
+            </a:r>
+            <a:r>
+              <a:rPr lang="en-GB" sz="2000" dirty="0"/>
+              <a:t>*</a:t>
+            </a:r>
+            <a:r>
+              <a:rPr lang="en-GB" sz="2000" dirty="0" smtClean="0"/>
+              <a:t> </a:t>
+            </a:r>
+            <a:r>
+              <a:rPr lang="en-GB" sz="2000" dirty="0" err="1" smtClean="0"/>
+              <a:t>beam_newPyObject</a:t>
+            </a:r>
+            <a:r>
+              <a:rPr lang="en-GB" sz="2000" dirty="0" smtClean="0"/>
+              <a:t> (</a:t>
+            </a:r>
+            <a:r>
+              <a:rPr lang="en-GB" sz="2000" dirty="0" err="1" smtClean="0"/>
+              <a:t>jobject</a:t>
+            </a:r>
+            <a:r>
+              <a:rPr lang="en-GB" sz="2000" dirty="0" smtClean="0"/>
+              <a:t> o)</a:t>
             </a:r>
           </a:p>
           <a:p>
             <a:pPr lvl="1"/>
             <a:r>
-              <a:rPr lang="en-GB" dirty="0" smtClean="0"/>
-              <a:t>Yes</a:t>
-            </a:r>
-            <a:r>
-              <a:rPr lang="en-GB" dirty="0"/>
-              <a:t>, because the Java API docs can be reused for C API</a:t>
-            </a:r>
-            <a:r>
-              <a:rPr lang="en-GB" dirty="0" smtClean="0"/>
+              <a:rPr lang="en-GB" sz="2000" dirty="0" err="1" smtClean="0"/>
+              <a:t>PyObject</a:t>
+            </a:r>
+            <a:r>
+              <a:rPr lang="en-GB" sz="2000" dirty="0" smtClean="0"/>
+              <a:t>* </a:t>
+            </a:r>
+            <a:r>
+              <a:rPr lang="en-GB" sz="2000" dirty="0" err="1" smtClean="0"/>
+              <a:t>beam_newPyString</a:t>
+            </a:r>
+            <a:r>
+              <a:rPr lang="en-GB" sz="2000" dirty="0" smtClean="0"/>
+              <a:t>(</a:t>
+            </a:r>
+            <a:r>
+              <a:rPr lang="en-GB" sz="2000" dirty="0" err="1" smtClean="0"/>
+              <a:t>jstring</a:t>
+            </a:r>
+            <a:r>
+              <a:rPr lang="en-GB" sz="2000" dirty="0" smtClean="0"/>
+              <a:t> </a:t>
+            </a:r>
+            <a:r>
+              <a:rPr lang="en-GB" sz="2000" dirty="0"/>
+              <a:t>s</a:t>
+            </a:r>
+            <a:r>
+              <a:rPr lang="en-GB" sz="2000" dirty="0" smtClean="0"/>
+              <a:t>)</a:t>
+            </a:r>
+          </a:p>
+          <a:p>
+            <a:pPr lvl="1"/>
+            <a:r>
+              <a:rPr lang="en-GB" sz="2000" dirty="0" err="1"/>
+              <a:t>PyObject</a:t>
+            </a:r>
+            <a:r>
+              <a:rPr lang="en-GB" sz="2000" dirty="0"/>
+              <a:t>* </a:t>
+            </a:r>
+            <a:r>
+              <a:rPr lang="en-GB" sz="2000" dirty="0" err="1" smtClean="0"/>
+              <a:t>beam_newPy</a:t>
+            </a:r>
+            <a:r>
+              <a:rPr lang="en-GB" sz="2000" dirty="0" smtClean="0"/>
+              <a:t>&lt;T&gt;Array(</a:t>
+            </a:r>
+            <a:r>
+              <a:rPr lang="en-GB" sz="2000" dirty="0" err="1" smtClean="0"/>
+              <a:t>jarray</a:t>
+            </a:r>
+            <a:r>
+              <a:rPr lang="en-GB" sz="2000" dirty="0" smtClean="0"/>
+              <a:t> </a:t>
+            </a:r>
+            <a:r>
+              <a:rPr lang="en-GB" sz="2000" dirty="0"/>
+              <a:t>a, </a:t>
+            </a:r>
+            <a:r>
+              <a:rPr lang="en-GB" sz="2000" dirty="0" err="1"/>
+              <a:t>int</a:t>
+            </a:r>
+            <a:r>
+              <a:rPr lang="en-GB" sz="2000" dirty="0"/>
+              <a:t>* </a:t>
+            </a:r>
+            <a:r>
+              <a:rPr lang="en-GB" sz="2000" dirty="0" err="1" smtClean="0"/>
+              <a:t>len</a:t>
+            </a:r>
+            <a:r>
+              <a:rPr lang="en-GB" sz="2000" dirty="0" smtClean="0"/>
+              <a:t>)</a:t>
+            </a:r>
+            <a:r>
+              <a:rPr lang="en-GB" sz="2000" baseline="30000" dirty="0" smtClean="0"/>
+              <a:t>1</a:t>
+            </a:r>
+          </a:p>
+          <a:p>
+            <a:pPr lvl="1"/>
+            <a:r>
+              <a:rPr lang="en-GB" sz="2000" dirty="0" err="1"/>
+              <a:t>PyObject</a:t>
+            </a:r>
+            <a:r>
+              <a:rPr lang="en-GB" sz="2000" dirty="0"/>
+              <a:t>* </a:t>
+            </a:r>
+            <a:r>
+              <a:rPr lang="en-GB" sz="2000" dirty="0" err="1" smtClean="0"/>
+              <a:t>beam_newPyObjectList</a:t>
+            </a:r>
+            <a:r>
+              <a:rPr lang="en-GB" sz="2000" dirty="0" smtClean="0"/>
+              <a:t>(</a:t>
+            </a:r>
+            <a:r>
+              <a:rPr lang="en-GB" sz="2000" dirty="0" err="1" smtClean="0"/>
+              <a:t>jarray</a:t>
+            </a:r>
+            <a:r>
+              <a:rPr lang="en-GB" sz="2000" dirty="0" smtClean="0"/>
+              <a:t> a, </a:t>
+            </a:r>
+            <a:r>
+              <a:rPr lang="en-GB" sz="2000" dirty="0" err="1" smtClean="0"/>
+              <a:t>int</a:t>
+            </a:r>
+            <a:r>
+              <a:rPr lang="en-GB" sz="2000" dirty="0" smtClean="0"/>
+              <a:t>* </a:t>
+            </a:r>
+            <a:r>
+              <a:rPr lang="en-GB" sz="2000" dirty="0" err="1" smtClean="0"/>
+              <a:t>len</a:t>
+            </a:r>
+            <a:r>
+              <a:rPr lang="en-GB" sz="2000" dirty="0" smtClean="0"/>
+              <a:t>)</a:t>
+            </a:r>
+          </a:p>
+          <a:p>
+            <a:pPr lvl="1"/>
+            <a:r>
+              <a:rPr lang="en-GB" sz="2000" dirty="0" err="1"/>
+              <a:t>PyObject</a:t>
+            </a:r>
+            <a:r>
+              <a:rPr lang="en-GB" sz="2000" dirty="0"/>
+              <a:t>* </a:t>
+            </a:r>
+            <a:r>
+              <a:rPr lang="en-GB" sz="2000" dirty="0" err="1" smtClean="0"/>
+              <a:t>beam_newPyStringList</a:t>
+            </a:r>
+            <a:r>
+              <a:rPr lang="en-GB" sz="2000" dirty="0" smtClean="0"/>
+              <a:t>(</a:t>
+            </a:r>
+            <a:r>
+              <a:rPr lang="en-GB" sz="2000" dirty="0" err="1" smtClean="0"/>
+              <a:t>jstringArray</a:t>
+            </a:r>
+            <a:r>
+              <a:rPr lang="en-GB" sz="2000" dirty="0" smtClean="0"/>
+              <a:t> </a:t>
+            </a:r>
+            <a:r>
+              <a:rPr lang="en-GB" sz="2000" dirty="0"/>
+              <a:t>a, </a:t>
+            </a:r>
+            <a:r>
+              <a:rPr lang="en-GB" sz="2000" dirty="0" err="1"/>
+              <a:t>int</a:t>
+            </a:r>
+            <a:r>
+              <a:rPr lang="en-GB" sz="2000" dirty="0"/>
+              <a:t>* </a:t>
+            </a:r>
+            <a:r>
+              <a:rPr lang="en-GB" sz="2000" dirty="0" err="1" smtClean="0"/>
+              <a:t>len</a:t>
+            </a:r>
+            <a:r>
+              <a:rPr lang="en-GB" sz="2000" dirty="0" smtClean="0"/>
+              <a:t>)</a:t>
+            </a:r>
+          </a:p>
+          <a:p>
+            <a:endParaRPr lang="en-GB" sz="2400" dirty="0" smtClean="0"/>
+          </a:p>
+          <a:p>
+            <a:r>
+              <a:rPr lang="en-GB" sz="2400" dirty="0" smtClean="0"/>
+              <a:t>Object Destruction</a:t>
+            </a:r>
+          </a:p>
+          <a:p>
+            <a:pPr lvl="1"/>
+            <a:r>
+              <a:rPr lang="en-GB" sz="2000" dirty="0" err="1" smtClean="0"/>
+              <a:t>n.a</a:t>
+            </a:r>
+            <a:r>
+              <a:rPr lang="en-GB" sz="2000" dirty="0" smtClean="0"/>
               <a:t>.</a:t>
             </a:r>
           </a:p>
           <a:p>
+            <a:pPr marL="0" indent="0">
+              <a:buNone/>
+            </a:pPr>
+            <a:endParaRPr lang="en-GB" sz="2400" baseline="30000" dirty="0"/>
+          </a:p>
+          <a:p>
+            <a:pPr marL="0" indent="0">
+              <a:buNone/>
+            </a:pPr>
+            <a:r>
+              <a:rPr lang="en-GB" sz="1800" baseline="30000" dirty="0" smtClean="0"/>
+              <a:t>1 </a:t>
+            </a:r>
+            <a:r>
+              <a:rPr lang="en-GB" sz="1800" dirty="0" smtClean="0"/>
+              <a:t>T = </a:t>
+            </a:r>
+            <a:r>
+              <a:rPr lang="en-GB" sz="1800" dirty="0" err="1" smtClean="0"/>
+              <a:t>boolean</a:t>
+            </a:r>
+            <a:r>
+              <a:rPr lang="en-GB" sz="1800" dirty="0" smtClean="0"/>
+              <a:t>, byte, char, short, </a:t>
+            </a:r>
+            <a:r>
+              <a:rPr lang="en-GB" sz="1800" dirty="0" err="1" smtClean="0"/>
+              <a:t>int</a:t>
+            </a:r>
+            <a:r>
+              <a:rPr lang="en-GB" sz="1800" dirty="0" smtClean="0"/>
+              <a:t>, long, float, double</a:t>
+            </a:r>
+            <a:endParaRPr lang="en-GB" sz="1800" dirty="0"/>
+          </a:p>
+          <a:p>
             <a:pPr lvl="1"/>
-            <a:r>
-              <a:rPr lang="en-GB" dirty="0" smtClean="0"/>
-              <a:t>No</a:t>
-            </a:r>
-            <a:r>
-              <a:rPr lang="en-GB" dirty="0"/>
-              <a:t>, because a more concise C-API can be generated. And no, because changes in the Java API need to be reflected </a:t>
-            </a:r>
-            <a:r>
-              <a:rPr lang="en-GB" dirty="0" smtClean="0"/>
-              <a:t>in the </a:t>
-            </a:r>
-            <a:r>
-              <a:rPr lang="en-GB" dirty="0"/>
-              <a:t>C API </a:t>
-            </a:r>
-            <a:r>
-              <a:rPr lang="en-GB" dirty="0" smtClean="0"/>
-              <a:t>which </a:t>
-            </a:r>
-            <a:r>
-              <a:rPr lang="en-GB" dirty="0"/>
-              <a:t>will introduce a lot of work</a:t>
-            </a:r>
-            <a:r>
-              <a:rPr lang="en-GB" dirty="0" smtClean="0"/>
-              <a:t>.</a:t>
-            </a:r>
-            <a:endParaRPr lang="en-GB" dirty="0"/>
-          </a:p>
-          <a:p>
-            <a:r>
-              <a:rPr lang="en-GB" dirty="0"/>
-              <a:t>Shall C API functions return string buffers that users have to release </a:t>
-            </a:r>
-            <a:r>
-              <a:rPr lang="en-GB" dirty="0" smtClean="0"/>
-              <a:t>later?</a:t>
-            </a:r>
+            <a:endParaRPr lang="en-GB" sz="2000" dirty="0" smtClean="0"/>
           </a:p>
           <a:p>
             <a:pPr lvl="1"/>
-            <a:r>
-              <a:rPr lang="en-GB" dirty="0" smtClean="0"/>
-              <a:t>Yes</a:t>
-            </a:r>
-            <a:r>
-              <a:rPr lang="en-GB" dirty="0"/>
-              <a:t>, otherwise the signature of Java counterparts is will be different, because by-reference arguments passing </a:t>
-            </a:r>
-            <a:r>
-              <a:rPr lang="en-GB" dirty="0" smtClean="0"/>
-              <a:t>is required then.</a:t>
-            </a:r>
-            <a:br>
-              <a:rPr lang="en-GB" dirty="0" smtClean="0"/>
-            </a:br>
-            <a:r>
-              <a:rPr lang="en-GB" dirty="0" smtClean="0"/>
-              <a:t>E.g</a:t>
-            </a:r>
-            <a:r>
-              <a:rPr lang="en-GB" dirty="0"/>
-              <a:t>. instead </a:t>
-            </a:r>
-            <a:r>
-              <a:rPr lang="en-GB" dirty="0" smtClean="0"/>
-              <a:t>of</a:t>
-            </a:r>
-            <a:br>
-              <a:rPr lang="en-GB" dirty="0" smtClean="0"/>
-            </a:br>
-            <a:r>
-              <a:rPr lang="en-GB" dirty="0" smtClean="0"/>
-              <a:t>             </a:t>
-            </a:r>
-            <a:r>
-              <a:rPr lang="en-GB" dirty="0"/>
-              <a:t>char* name = </a:t>
-            </a:r>
-            <a:r>
-              <a:rPr lang="en-GB" dirty="0" err="1"/>
-              <a:t>get_name</a:t>
-            </a:r>
-            <a:r>
-              <a:rPr lang="en-GB" dirty="0"/>
-              <a:t>(</a:t>
-            </a:r>
-            <a:r>
-              <a:rPr lang="en-GB" dirty="0" err="1"/>
-              <a:t>obj</a:t>
-            </a:r>
-            <a:r>
-              <a:rPr lang="en-GB" dirty="0" smtClean="0"/>
-              <a:t>);</a:t>
-            </a:r>
-            <a:br>
-              <a:rPr lang="en-GB" dirty="0" smtClean="0"/>
-            </a:br>
-            <a:r>
-              <a:rPr lang="en-GB" dirty="0" smtClean="0"/>
-              <a:t>              ...</a:t>
-            </a:r>
-            <a:br>
-              <a:rPr lang="en-GB" dirty="0" smtClean="0"/>
-            </a:br>
-            <a:r>
-              <a:rPr lang="en-GB" dirty="0" smtClean="0"/>
-              <a:t>              </a:t>
-            </a:r>
-            <a:r>
-              <a:rPr lang="en-GB" dirty="0"/>
-              <a:t>free(name</a:t>
-            </a:r>
-            <a:r>
-              <a:rPr lang="en-GB" dirty="0" smtClean="0"/>
-              <a:t>);</a:t>
-            </a:r>
-            <a:br>
-              <a:rPr lang="en-GB" dirty="0" smtClean="0"/>
-            </a:br>
-            <a:r>
-              <a:rPr lang="en-GB" dirty="0" smtClean="0"/>
-              <a:t>we have</a:t>
-            </a:r>
-            <a:br>
-              <a:rPr lang="en-GB" dirty="0" smtClean="0"/>
-            </a:br>
-            <a:r>
-              <a:rPr lang="en-GB" dirty="0" smtClean="0"/>
-              <a:t>              </a:t>
-            </a:r>
-            <a:r>
-              <a:rPr lang="en-GB" dirty="0"/>
-              <a:t>char name[81</a:t>
-            </a:r>
-            <a:r>
-              <a:rPr lang="en-GB" dirty="0" smtClean="0"/>
-              <a:t>];</a:t>
-            </a:r>
-            <a:br>
-              <a:rPr lang="en-GB" dirty="0" smtClean="0"/>
-            </a:br>
-            <a:r>
-              <a:rPr lang="en-GB" dirty="0" smtClean="0"/>
-              <a:t>              </a:t>
-            </a:r>
-            <a:r>
-              <a:rPr lang="en-GB" dirty="0" err="1"/>
-              <a:t>get_name</a:t>
-            </a:r>
-            <a:r>
-              <a:rPr lang="en-GB" dirty="0"/>
-              <a:t>(</a:t>
-            </a:r>
-            <a:r>
-              <a:rPr lang="en-GB" dirty="0" err="1"/>
-              <a:t>obj</a:t>
-            </a:r>
-            <a:r>
-              <a:rPr lang="en-GB" dirty="0"/>
-              <a:t>, name, 80</a:t>
-            </a:r>
-            <a:r>
-              <a:rPr lang="en-GB" dirty="0" smtClean="0"/>
-              <a:t>);</a:t>
-            </a:r>
+            <a:endParaRPr lang="en-GB" dirty="0" smtClean="0"/>
           </a:p>
           <a:p>
             <a:pPr lvl="1"/>
-            <a:r>
-              <a:rPr lang="en-GB" dirty="0" smtClean="0"/>
-              <a:t>No</a:t>
-            </a:r>
-            <a:r>
-              <a:rPr lang="en-GB" dirty="0"/>
-              <a:t>, because it is </a:t>
-            </a:r>
-            <a:r>
-              <a:rPr lang="en-GB" dirty="0" smtClean="0"/>
-              <a:t>obvious </a:t>
-            </a:r>
-            <a:r>
-              <a:rPr lang="en-GB" dirty="0"/>
-              <a:t>that strings need to be freed on the users side</a:t>
-            </a:r>
-            <a:r>
-              <a:rPr lang="en-GB" dirty="0" smtClean="0"/>
-              <a:t>.</a:t>
-            </a:r>
-          </a:p>
-          <a:p>
-            <a:r>
-              <a:rPr lang="en-GB" dirty="0" smtClean="0"/>
-              <a:t>Shall </a:t>
-            </a:r>
-            <a:r>
-              <a:rPr lang="en-GB" dirty="0"/>
-              <a:t>the API allow for modification of single structures elements that are passed as arguments by-reference.?</a:t>
-            </a:r>
-          </a:p>
-          <a:p>
-            <a:endParaRPr lang="en-GB" dirty="0"/>
-          </a:p>
-          <a:p>
             <a:endParaRPr lang="en-GB" dirty="0"/>
           </a:p>
         </p:txBody>
@@ -11696,7 +12346,7 @@
     </p:spTree>
     <p:extLst>
       <p:ext uri="{BB962C8B-B14F-4D97-AF65-F5344CB8AC3E}">
-        <p14:creationId xmlns:p14="http://schemas.microsoft.com/office/powerpoint/2010/main" val="1103487878"/>
+        <p14:creationId xmlns:p14="http://schemas.microsoft.com/office/powerpoint/2010/main" val="3300826174"/>
       </p:ext>
     </p:extLst>
   </p:cSld>
@@ -11747,7 +12397,17 @@
           <a:p>
             <a:r>
               <a:rPr lang="en-GB" dirty="0" smtClean="0"/>
-              <a:t>Data Arrays (1/3)</a:t>
+              <a:t>Object Type Conversion: </a:t>
+            </a:r>
+            <a:r>
+              <a:rPr lang="en-GB" dirty="0" err="1" smtClean="0"/>
+              <a:t>Py</a:t>
+            </a:r>
+            <a:r>
+              <a:rPr lang="en-GB" dirty="0" err="1" smtClean="0">
+                <a:sym typeface="Wingdings" pitchFamily="2" charset="2"/>
+              </a:rPr>
+              <a:t>Java</a:t>
             </a:r>
             <a:endParaRPr lang="en-GB" dirty="0"/>
           </a:p>
@@ -11766,395 +12426,312 @@
         <p:spPr/>
         <p:txBody>
           <a:bodyPr>
-            <a:normAutofit fontScale="47500" lnSpcReduction="20000"/>
+            <a:normAutofit lnSpcReduction="10000"/>
           </a:bodyPr>
           <a:lstStyle/>
           <a:p>
             <a:r>
-              <a:rPr lang="en-GB" dirty="0" smtClean="0"/>
-              <a:t>We shall try to find a way to directly use the arrays allocated and returned by the C-API without copying them</a:t>
-            </a:r>
-          </a:p>
-          <a:p>
+              <a:rPr lang="en-GB" sz="2400" dirty="0" smtClean="0"/>
+              <a:t>Conversion</a:t>
+            </a:r>
+          </a:p>
+          <a:p>
+            <a:pPr lvl="1"/>
+            <a:r>
+              <a:rPr lang="en-GB" sz="2000" dirty="0" smtClean="0"/>
+              <a:t>j&lt;T&gt; </a:t>
+            </a:r>
+            <a:r>
+              <a:rPr lang="en-GB" sz="2000" dirty="0" err="1"/>
+              <a:t>beam_</a:t>
+            </a:r>
+            <a:r>
+              <a:rPr lang="en-GB" sz="2000" dirty="0" err="1" smtClean="0"/>
+              <a:t>toJ</a:t>
+            </a:r>
+            <a:r>
+              <a:rPr lang="en-GB" sz="2000" dirty="0" smtClean="0"/>
+              <a:t>&lt;T&gt; </a:t>
+            </a:r>
+            <a:r>
+              <a:rPr lang="en-GB" sz="2000" dirty="0"/>
+              <a:t>(</a:t>
+            </a:r>
+            <a:r>
+              <a:rPr lang="en-GB" sz="2000" dirty="0" err="1"/>
+              <a:t>PyObject</a:t>
+            </a:r>
+            <a:r>
+              <a:rPr lang="en-GB" sz="2000" dirty="0"/>
+              <a:t>* a</a:t>
+            </a:r>
+            <a:r>
+              <a:rPr lang="en-GB" sz="2000" dirty="0" smtClean="0"/>
+              <a:t>)</a:t>
+            </a:r>
+            <a:r>
+              <a:rPr lang="en-GB" sz="2000" baseline="30000" dirty="0"/>
+              <a:t> 1</a:t>
+            </a:r>
+            <a:endParaRPr lang="en-GB" sz="2000" dirty="0" smtClean="0"/>
+          </a:p>
+          <a:p>
+            <a:pPr lvl="1"/>
+            <a:r>
+              <a:rPr lang="en-GB" sz="2000" dirty="0" err="1" smtClean="0"/>
+              <a:t>jobject</a:t>
+            </a:r>
+            <a:r>
+              <a:rPr lang="en-GB" sz="2000" dirty="0" smtClean="0"/>
+              <a:t> </a:t>
+            </a:r>
+            <a:r>
+              <a:rPr lang="en-GB" sz="2000" dirty="0" err="1"/>
+              <a:t>beam_</a:t>
+            </a:r>
+            <a:r>
+              <a:rPr lang="en-GB" sz="2000" dirty="0" err="1" smtClean="0"/>
+              <a:t>toJObject</a:t>
+            </a:r>
+            <a:r>
+              <a:rPr lang="en-GB" sz="2000" dirty="0" smtClean="0"/>
+              <a:t> (</a:t>
+            </a:r>
+            <a:r>
+              <a:rPr lang="en-GB" sz="2000" dirty="0" err="1"/>
+              <a:t>PyObject</a:t>
+            </a:r>
+            <a:r>
+              <a:rPr lang="en-GB" sz="2000" dirty="0"/>
+              <a:t>* a</a:t>
+            </a:r>
+            <a:r>
+              <a:rPr lang="en-GB" sz="2000" dirty="0" smtClean="0"/>
+              <a:t>)</a:t>
+            </a:r>
+          </a:p>
+          <a:p>
+            <a:r>
+              <a:rPr lang="en-GB" sz="2400" dirty="0"/>
+              <a:t>Object Construction</a:t>
+            </a:r>
+            <a:endParaRPr lang="en-GB" sz="2400" dirty="0" smtClean="0"/>
+          </a:p>
+          <a:p>
+            <a:pPr lvl="1"/>
+            <a:r>
+              <a:rPr lang="en-GB" sz="2000" dirty="0" err="1" smtClean="0"/>
+              <a:t>jstring</a:t>
+            </a:r>
+            <a:r>
+              <a:rPr lang="en-GB" sz="2000" dirty="0"/>
+              <a:t> </a:t>
+            </a:r>
+            <a:r>
+              <a:rPr lang="en-GB" sz="2000" dirty="0" err="1" smtClean="0"/>
+              <a:t>beam_newJString</a:t>
+            </a:r>
+            <a:r>
+              <a:rPr lang="en-GB" sz="2000" dirty="0" smtClean="0"/>
+              <a:t>(</a:t>
+            </a:r>
+            <a:r>
+              <a:rPr lang="en-GB" sz="2000" dirty="0" err="1" smtClean="0"/>
+              <a:t>PyObject</a:t>
+            </a:r>
+            <a:r>
+              <a:rPr lang="en-GB" sz="2000" dirty="0"/>
+              <a:t>* </a:t>
+            </a:r>
+            <a:r>
+              <a:rPr lang="en-GB" sz="2000" dirty="0" smtClean="0"/>
+              <a:t>s)</a:t>
+            </a:r>
+          </a:p>
+          <a:p>
+            <a:pPr lvl="1"/>
+            <a:r>
+              <a:rPr lang="en-GB" sz="2000" dirty="0" err="1"/>
+              <a:t>jarray</a:t>
+            </a:r>
+            <a:r>
+              <a:rPr lang="en-GB" sz="2000" dirty="0"/>
+              <a:t> </a:t>
+            </a:r>
+            <a:r>
+              <a:rPr lang="en-GB" sz="2000" dirty="0" err="1"/>
+              <a:t>beam_</a:t>
+            </a:r>
+            <a:r>
+              <a:rPr lang="en-GB" sz="2000" dirty="0" err="1" smtClean="0"/>
+              <a:t>newJ</a:t>
+            </a:r>
+            <a:r>
+              <a:rPr lang="en-GB" sz="2000" dirty="0" smtClean="0"/>
+              <a:t>&lt;T&gt;Array(</a:t>
+            </a:r>
+            <a:r>
+              <a:rPr lang="en-GB" sz="2000" dirty="0" err="1" smtClean="0"/>
+              <a:t>PyObject</a:t>
+            </a:r>
+            <a:r>
+              <a:rPr lang="en-GB" sz="2000" dirty="0"/>
+              <a:t>* </a:t>
+            </a:r>
+            <a:r>
+              <a:rPr lang="en-GB" sz="2000" dirty="0" smtClean="0"/>
+              <a:t>a)</a:t>
+            </a:r>
+            <a:r>
+              <a:rPr lang="en-GB" sz="2000" baseline="30000" dirty="0" smtClean="0"/>
+              <a:t>1</a:t>
+            </a:r>
+            <a:endParaRPr lang="en-GB" sz="2000" baseline="30000" dirty="0"/>
+          </a:p>
+          <a:p>
+            <a:pPr lvl="1"/>
+            <a:r>
+              <a:rPr lang="en-GB" sz="2000" dirty="0" err="1" smtClean="0"/>
+              <a:t>jarray</a:t>
+            </a:r>
+            <a:r>
+              <a:rPr lang="en-GB" sz="2000" dirty="0" smtClean="0"/>
+              <a:t> </a:t>
+            </a:r>
+            <a:r>
+              <a:rPr lang="en-GB" sz="2000" dirty="0" err="1"/>
+              <a:t>beam_</a:t>
+            </a:r>
+            <a:r>
+              <a:rPr lang="en-GB" sz="2000" dirty="0" err="1" smtClean="0"/>
+              <a:t>newJObjectArray</a:t>
+            </a:r>
+            <a:r>
+              <a:rPr lang="en-GB" sz="2000" dirty="0" smtClean="0"/>
+              <a:t>(</a:t>
+            </a:r>
+            <a:r>
+              <a:rPr lang="en-GB" sz="2000" dirty="0" err="1" smtClean="0"/>
+              <a:t>PyObject</a:t>
+            </a:r>
+            <a:r>
+              <a:rPr lang="en-GB" sz="2000" dirty="0" smtClean="0"/>
+              <a:t>* a)</a:t>
+            </a:r>
+          </a:p>
+          <a:p>
+            <a:pPr lvl="1"/>
+            <a:r>
+              <a:rPr lang="en-GB" sz="2000" dirty="0" err="1" smtClean="0"/>
+              <a:t>jstringArray</a:t>
+            </a:r>
+            <a:r>
+              <a:rPr lang="en-GB" sz="2000" dirty="0" smtClean="0"/>
+              <a:t> </a:t>
+            </a:r>
+            <a:r>
+              <a:rPr lang="en-GB" sz="2000" dirty="0" err="1"/>
+              <a:t>beam_</a:t>
+            </a:r>
+            <a:r>
+              <a:rPr lang="en-GB" sz="2000" dirty="0" err="1" smtClean="0"/>
+              <a:t>newJStringArray</a:t>
+            </a:r>
+            <a:r>
+              <a:rPr lang="en-GB" sz="2000" dirty="0" smtClean="0"/>
+              <a:t>(</a:t>
+            </a:r>
+            <a:r>
+              <a:rPr lang="en-GB" sz="2000" dirty="0" err="1" smtClean="0"/>
+              <a:t>PyObject</a:t>
+            </a:r>
+            <a:r>
+              <a:rPr lang="en-GB" sz="2000" dirty="0"/>
+              <a:t>* a</a:t>
+            </a:r>
+            <a:r>
+              <a:rPr lang="en-GB" sz="2000" dirty="0" smtClean="0"/>
+              <a:t>)</a:t>
+            </a:r>
+          </a:p>
+          <a:p>
+            <a:r>
+              <a:rPr lang="en-GB" sz="2400" dirty="0" smtClean="0"/>
+              <a:t>Object Destruction</a:t>
+            </a:r>
+          </a:p>
+          <a:p>
+            <a:pPr lvl="1"/>
+            <a:r>
+              <a:rPr lang="en-GB" sz="2000" dirty="0" err="1" smtClean="0"/>
+              <a:t>DeleteLocalRef</a:t>
+            </a:r>
+            <a:r>
+              <a:rPr lang="en-GB" sz="2000" dirty="0" smtClean="0"/>
+              <a:t>   (from JNI API, </a:t>
+            </a:r>
+            <a:r>
+              <a:rPr lang="en-GB" sz="2000" dirty="0"/>
+              <a:t>for objects with local scope</a:t>
+            </a:r>
+            <a:r>
+              <a:rPr lang="en-GB" sz="2000" dirty="0" smtClean="0"/>
+              <a:t>)</a:t>
+            </a:r>
+          </a:p>
+          <a:p>
+            <a:endParaRPr lang="en-GB" sz="2400" baseline="30000" dirty="0"/>
+          </a:p>
+          <a:p>
+            <a:endParaRPr lang="en-GB" sz="2400" baseline="30000" dirty="0" smtClean="0"/>
+          </a:p>
+          <a:p>
+            <a:pPr marL="0" indent="0">
+              <a:buNone/>
+            </a:pPr>
+            <a:r>
+              <a:rPr lang="en-GB" sz="1800" baseline="30000" dirty="0" smtClean="0"/>
+              <a:t>1 </a:t>
+            </a:r>
+            <a:r>
+              <a:rPr lang="en-GB" sz="1800" dirty="0"/>
+              <a:t>T = </a:t>
+            </a:r>
+            <a:r>
+              <a:rPr lang="en-GB" sz="1800" dirty="0" err="1"/>
+              <a:t>boolean</a:t>
+            </a:r>
+            <a:r>
+              <a:rPr lang="en-GB" sz="1800" dirty="0"/>
+              <a:t>, byte, char, short, </a:t>
+            </a:r>
+            <a:r>
+              <a:rPr lang="en-GB" sz="1800" dirty="0" err="1"/>
+              <a:t>int</a:t>
+            </a:r>
+            <a:r>
+              <a:rPr lang="en-GB" sz="1800" dirty="0"/>
+              <a:t>, long, float, double</a:t>
+            </a:r>
+          </a:p>
+          <a:p>
+            <a:pPr lvl="1"/>
+            <a:endParaRPr lang="en-GB" sz="2000" dirty="0" smtClean="0"/>
+          </a:p>
+          <a:p>
+            <a:pPr lvl="1"/>
             <a:endParaRPr lang="en-GB" dirty="0" smtClean="0"/>
           </a:p>
           <a:p>
-            <a:r>
-              <a:rPr lang="en-GB" b="1" dirty="0" smtClean="0"/>
-              <a:t>array</a:t>
-            </a:r>
-          </a:p>
-          <a:p>
             <a:pPr lvl="1"/>
-            <a:r>
-              <a:rPr lang="en-GB" b="1" dirty="0" smtClean="0"/>
-              <a:t>array</a:t>
-            </a:r>
-            <a:r>
-              <a:rPr lang="en-GB" dirty="0" smtClean="0"/>
-              <a:t>(</a:t>
-            </a:r>
-            <a:r>
-              <a:rPr lang="en-GB" i="1" dirty="0" err="1" smtClean="0"/>
-              <a:t>typecode</a:t>
-            </a:r>
-            <a:r>
-              <a:rPr lang="en-GB" dirty="0"/>
-              <a:t>[, </a:t>
-            </a:r>
-            <a:r>
-              <a:rPr lang="en-GB" i="1" dirty="0"/>
-              <a:t>initializer</a:t>
-            </a:r>
-            <a:r>
-              <a:rPr lang="en-GB" dirty="0"/>
-              <a:t>])</a:t>
-            </a:r>
-            <a:br>
-              <a:rPr lang="en-GB" dirty="0"/>
-            </a:br>
-            <a:r>
-              <a:rPr lang="en-GB" sz="2900" i="1" dirty="0">
-                <a:solidFill>
-                  <a:schemeClr val="accent1">
-                    <a:lumMod val="75000"/>
-                  </a:schemeClr>
-                </a:solidFill>
-              </a:rPr>
-              <a:t>A new array whose items are restricted by </a:t>
-            </a:r>
-            <a:r>
-              <a:rPr lang="en-GB" sz="2900" i="1" dirty="0" err="1">
-                <a:solidFill>
-                  <a:schemeClr val="accent1">
-                    <a:lumMod val="75000"/>
-                  </a:schemeClr>
-                </a:solidFill>
-              </a:rPr>
-              <a:t>typecode</a:t>
-            </a:r>
-            <a:r>
-              <a:rPr lang="en-GB" sz="2900" i="1" dirty="0">
-                <a:solidFill>
-                  <a:schemeClr val="accent1">
-                    <a:lumMod val="75000"/>
-                  </a:schemeClr>
-                </a:solidFill>
-              </a:rPr>
-              <a:t>, and initialized from the optional initializer value, which must be a list, object supporting the buffer interface, or </a:t>
-            </a:r>
-            <a:r>
-              <a:rPr lang="en-GB" sz="2900" i="1" dirty="0" err="1">
-                <a:solidFill>
-                  <a:schemeClr val="accent1">
-                    <a:lumMod val="75000"/>
-                  </a:schemeClr>
-                </a:solidFill>
-              </a:rPr>
-              <a:t>iterable</a:t>
-            </a:r>
-            <a:r>
-              <a:rPr lang="en-GB" sz="2900" i="1" dirty="0">
-                <a:solidFill>
-                  <a:schemeClr val="accent1">
-                    <a:lumMod val="75000"/>
-                  </a:schemeClr>
-                </a:solidFill>
-              </a:rPr>
-              <a:t> over elements of the appropriate type.</a:t>
-            </a:r>
-          </a:p>
-          <a:p>
-            <a:pPr lvl="1"/>
-            <a:r>
-              <a:rPr lang="en-GB" dirty="0" smtClean="0"/>
-              <a:t>Note: the </a:t>
-            </a:r>
-            <a:r>
-              <a:rPr lang="en-GB" b="1" dirty="0" smtClean="0"/>
-              <a:t>array</a:t>
-            </a:r>
-            <a:r>
-              <a:rPr lang="en-GB" dirty="0" smtClean="0"/>
-              <a:t> constructor always make copies of buffers passed in as </a:t>
-            </a:r>
-            <a:r>
-              <a:rPr lang="en-GB" i="1" dirty="0"/>
-              <a:t>initializer</a:t>
-            </a:r>
-            <a:r>
-              <a:rPr lang="en-GB" dirty="0" smtClean="0"/>
-              <a:t> </a:t>
-            </a:r>
-          </a:p>
-          <a:p>
-            <a:pPr lvl="1"/>
-            <a:r>
-              <a:rPr lang="en-GB" dirty="0" smtClean="0"/>
-              <a:t>Note: arrays support the buffer interface</a:t>
-            </a:r>
-          </a:p>
-          <a:p>
-            <a:r>
-              <a:rPr lang="en-GB" b="1" dirty="0" err="1" smtClean="0"/>
-              <a:t>numpy</a:t>
-            </a:r>
-            <a:endParaRPr lang="en-GB" b="1" dirty="0" smtClean="0"/>
-          </a:p>
-          <a:p>
-            <a:pPr lvl="1"/>
-            <a:r>
-              <a:rPr lang="en-GB" b="1" dirty="0" err="1" smtClean="0"/>
-              <a:t>frombuffer</a:t>
-            </a:r>
-            <a:r>
-              <a:rPr lang="en-GB" dirty="0" smtClean="0"/>
-              <a:t>(buffer</a:t>
-            </a:r>
-            <a:r>
-              <a:rPr lang="en-GB" dirty="0"/>
-              <a:t>[, </a:t>
-            </a:r>
-            <a:r>
-              <a:rPr lang="en-GB" dirty="0" err="1"/>
-              <a:t>dtype</a:t>
-            </a:r>
-            <a:r>
-              <a:rPr lang="en-GB" dirty="0"/>
-              <a:t>, count, offset</a:t>
-            </a:r>
-            <a:r>
-              <a:rPr lang="en-GB" dirty="0" smtClean="0"/>
-              <a:t>]) </a:t>
-            </a:r>
-            <a:br>
-              <a:rPr lang="en-GB" dirty="0" smtClean="0"/>
-            </a:br>
-            <a:r>
-              <a:rPr lang="en-GB" i="1" dirty="0" smtClean="0">
-                <a:solidFill>
-                  <a:schemeClr val="accent1">
-                    <a:lumMod val="75000"/>
-                  </a:schemeClr>
-                </a:solidFill>
-              </a:rPr>
-              <a:t>Interpret </a:t>
-            </a:r>
-            <a:r>
-              <a:rPr lang="en-GB" i="1" dirty="0">
-                <a:solidFill>
-                  <a:schemeClr val="accent1">
-                    <a:lumMod val="75000"/>
-                  </a:schemeClr>
-                </a:solidFill>
-              </a:rPr>
-              <a:t>a buffer as a 1-dimensional </a:t>
-            </a:r>
-            <a:r>
-              <a:rPr lang="en-GB" i="1" dirty="0" smtClean="0">
-                <a:solidFill>
-                  <a:schemeClr val="accent1">
-                    <a:lumMod val="75000"/>
-                  </a:schemeClr>
-                </a:solidFill>
-              </a:rPr>
-              <a:t>array.</a:t>
-            </a:r>
-            <a:endParaRPr lang="en-GB" i="1" dirty="0">
-              <a:solidFill>
-                <a:schemeClr val="accent1">
-                  <a:lumMod val="75000"/>
-                </a:schemeClr>
-              </a:solidFill>
-            </a:endParaRPr>
-          </a:p>
-          <a:p>
-            <a:pPr lvl="1"/>
-            <a:r>
-              <a:rPr lang="en-GB" b="1" dirty="0" smtClean="0"/>
-              <a:t>reshape</a:t>
-            </a:r>
-            <a:r>
-              <a:rPr lang="en-GB" dirty="0" smtClean="0"/>
-              <a:t>(array,</a:t>
-            </a:r>
-            <a:r>
-              <a:rPr lang="en-GB" dirty="0"/>
-              <a:t> </a:t>
-            </a:r>
-            <a:r>
-              <a:rPr lang="en-GB" dirty="0" err="1" smtClean="0"/>
-              <a:t>newshape</a:t>
-            </a:r>
-            <a:r>
-              <a:rPr lang="en-GB" dirty="0" smtClean="0"/>
-              <a:t>[,</a:t>
-            </a:r>
-            <a:r>
-              <a:rPr lang="en-GB" dirty="0"/>
-              <a:t> </a:t>
-            </a:r>
-            <a:r>
-              <a:rPr lang="en-GB" dirty="0" smtClean="0"/>
-              <a:t>order])</a:t>
-            </a:r>
-            <a:br>
-              <a:rPr lang="en-GB" dirty="0" smtClean="0"/>
-            </a:br>
-            <a:r>
-              <a:rPr lang="en-GB" i="1" dirty="0">
-                <a:solidFill>
-                  <a:schemeClr val="accent1">
-                    <a:lumMod val="75000"/>
-                  </a:schemeClr>
-                </a:solidFill>
-              </a:rPr>
-              <a:t>Gives a new shape to an array without changing its data</a:t>
-            </a:r>
-            <a:r>
-              <a:rPr lang="en-GB" i="1" dirty="0" smtClean="0">
-                <a:solidFill>
-                  <a:schemeClr val="accent1">
-                    <a:lumMod val="75000"/>
-                  </a:schemeClr>
-                </a:solidFill>
-              </a:rPr>
-              <a:t>.</a:t>
-            </a:r>
-          </a:p>
-          <a:p>
-            <a:pPr lvl="1"/>
-            <a:r>
-              <a:rPr lang="en-GB" dirty="0"/>
-              <a:t>Note: </a:t>
-            </a:r>
-            <a:r>
-              <a:rPr lang="en-GB" dirty="0" smtClean="0"/>
-              <a:t>Neither </a:t>
-            </a:r>
-            <a:r>
-              <a:rPr lang="en-GB" b="1" dirty="0" err="1"/>
-              <a:t>frombuffer</a:t>
-            </a:r>
-            <a:r>
-              <a:rPr lang="en-GB" dirty="0" smtClean="0"/>
-              <a:t> nor </a:t>
-            </a:r>
-            <a:r>
-              <a:rPr lang="en-GB" b="1" dirty="0" smtClean="0"/>
-              <a:t>reshape </a:t>
-            </a:r>
-            <a:r>
-              <a:rPr lang="en-GB" dirty="0" smtClean="0"/>
-              <a:t>make copies of the input data</a:t>
-            </a:r>
-          </a:p>
-          <a:p>
-            <a:endParaRPr lang="en-GB" u="sng" dirty="0" smtClean="0"/>
-          </a:p>
-          <a:p>
-            <a:r>
-              <a:rPr lang="en-GB" u="sng" dirty="0" smtClean="0"/>
-              <a:t>Conclusion</a:t>
-            </a:r>
-            <a:r>
-              <a:rPr lang="en-GB" dirty="0" smtClean="0"/>
-              <a:t>: pixel data passed in and returned by the BEAM Python API shall be Python objects that support the </a:t>
-            </a:r>
-            <a:r>
-              <a:rPr lang="en-GB" b="1" i="1" dirty="0" smtClean="0"/>
-              <a:t>buffer interface </a:t>
-            </a:r>
-            <a:r>
-              <a:rPr lang="en-GB" dirty="0" smtClean="0"/>
-              <a:t>so that the data can be efficiently used with </a:t>
-            </a:r>
-            <a:r>
-              <a:rPr lang="en-GB" dirty="0" err="1" smtClean="0"/>
-              <a:t>numpy</a:t>
-            </a:r>
-            <a:r>
-              <a:rPr lang="en-GB" dirty="0" smtClean="0"/>
-              <a:t>.</a:t>
-            </a:r>
-          </a:p>
-          <a:p>
-            <a:pPr lvl="1"/>
-            <a:r>
-              <a:rPr lang="en-GB" dirty="0">
-                <a:hlinkClick r:id="rId2"/>
-              </a:rPr>
-              <a:t>http://</a:t>
-            </a:r>
-            <a:r>
-              <a:rPr lang="en-GB" dirty="0" smtClean="0">
-                <a:hlinkClick r:id="rId2"/>
-              </a:rPr>
-              <a:t>docs.python.org/3.2/c-api/buffer.html?highlight=buffer#Py_buffer</a:t>
-            </a:r>
-            <a:r>
-              <a:rPr lang="en-GB" dirty="0" smtClean="0"/>
-              <a:t> </a:t>
-            </a:r>
-          </a:p>
-          <a:p>
-            <a:pPr lvl="1"/>
-            <a:r>
-              <a:rPr lang="en-GB" dirty="0">
-                <a:hlinkClick r:id="rId3"/>
-              </a:rPr>
-              <a:t>http://</a:t>
-            </a:r>
-            <a:r>
-              <a:rPr lang="en-GB" dirty="0" smtClean="0">
-                <a:hlinkClick r:id="rId3"/>
-              </a:rPr>
-              <a:t>docs.python.org/3.2/c-api/typeobj.html#buffer-structs</a:t>
-            </a:r>
-            <a:endParaRPr lang="en-GB" dirty="0" smtClean="0"/>
-          </a:p>
-          <a:p>
-            <a:pPr lvl="1"/>
-            <a:r>
-              <a:rPr lang="en-GB" dirty="0" smtClean="0">
-                <a:hlinkClick r:id="rId4"/>
-              </a:rPr>
-              <a:t>http</a:t>
-            </a:r>
-            <a:r>
-              <a:rPr lang="en-GB" dirty="0">
-                <a:hlinkClick r:id="rId4"/>
-              </a:rPr>
-              <a:t>://</a:t>
-            </a:r>
-            <a:r>
-              <a:rPr lang="en-GB" dirty="0" smtClean="0">
-                <a:hlinkClick r:id="rId4"/>
-              </a:rPr>
-              <a:t>docs.python.org/3.2/library/stdtypes.html#memoryview</a:t>
-            </a:r>
-            <a:r>
-              <a:rPr lang="en-GB" dirty="0" smtClean="0"/>
-              <a:t> </a:t>
-            </a:r>
             <a:endParaRPr lang="en-GB" dirty="0"/>
-          </a:p>
-          <a:p>
-            <a:pPr lvl="1"/>
-            <a:endParaRPr lang="en-GB" i="1" dirty="0">
-              <a:solidFill>
-                <a:schemeClr val="accent1">
-                  <a:lumMod val="75000"/>
-                </a:schemeClr>
-              </a:solidFill>
-            </a:endParaRPr>
           </a:p>
         </p:txBody>
       </p:sp>
     </p:spTree>
     <p:extLst>
       <p:ext uri="{BB962C8B-B14F-4D97-AF65-F5344CB8AC3E}">
-        <p14:creationId xmlns:p14="http://schemas.microsoft.com/office/powerpoint/2010/main" val="3309612122"/>
+        <p14:creationId xmlns:p14="http://schemas.microsoft.com/office/powerpoint/2010/main" val="429934936"/>
       </p:ext>
     </p:extLst>
   </p:cSld>
@@ -12205,7 +12782,7 @@
           <a:p>
             <a:r>
               <a:rPr lang="en-GB" dirty="0" smtClean="0"/>
-              <a:t>Data Arrays (2/3)</a:t>
+              <a:t>Generate C and Python Code</a:t>
             </a:r>
             <a:endParaRPr lang="en-GB" dirty="0"/>
           </a:p>
@@ -12224,281 +12801,74 @@
         <p:spPr/>
         <p:txBody>
           <a:bodyPr>
-            <a:normAutofit fontScale="62500" lnSpcReduction="20000"/>
+            <a:normAutofit fontScale="85000" lnSpcReduction="20000"/>
           </a:bodyPr>
           <a:lstStyle/>
           <a:p>
             <a:r>
               <a:rPr lang="en-GB" dirty="0" smtClean="0"/>
-              <a:t>Parsing buffer arguments:</a:t>
-            </a:r>
-          </a:p>
-          <a:p>
-            <a:pPr marL="457200" lvl="1" indent="0">
-              <a:buNone/>
-            </a:pPr>
-            <a:r>
-              <a:rPr lang="en-GB" dirty="0" err="1" smtClean="0"/>
-              <a:t>Py_buffer</a:t>
-            </a:r>
-            <a:r>
-              <a:rPr lang="en-GB" dirty="0"/>
-              <a:t> </a:t>
-            </a:r>
-            <a:r>
-              <a:rPr lang="en-GB" dirty="0" smtClean="0"/>
-              <a:t>b;</a:t>
-            </a:r>
-            <a:endParaRPr lang="en-GB" dirty="0"/>
-          </a:p>
-          <a:p>
-            <a:pPr marL="457200" lvl="1" indent="0">
-              <a:buNone/>
-            </a:pPr>
-            <a:r>
-              <a:rPr lang="en-GB" dirty="0"/>
-              <a:t>ret = </a:t>
-            </a:r>
-            <a:r>
-              <a:rPr lang="en-GB" dirty="0" err="1" smtClean="0"/>
-              <a:t>PyArg_ParseTuple</a:t>
-            </a:r>
-            <a:r>
-              <a:rPr lang="en-GB" dirty="0" smtClean="0"/>
-              <a:t>(</a:t>
-            </a:r>
-            <a:r>
-              <a:rPr lang="en-GB" dirty="0" err="1" smtClean="0"/>
-              <a:t>args</a:t>
-            </a:r>
-            <a:r>
-              <a:rPr lang="en-GB" dirty="0"/>
-              <a:t>, </a:t>
-            </a:r>
-            <a:r>
-              <a:rPr lang="en-GB" dirty="0" smtClean="0"/>
-              <a:t>“y*”, &amp;b); </a:t>
+              <a:t>Create a compiler that generates the C and Python glue code</a:t>
+            </a:r>
+          </a:p>
+          <a:p>
+            <a:r>
+              <a:rPr lang="en-GB" dirty="0" smtClean="0"/>
+              <a:t>Pro</a:t>
             </a:r>
           </a:p>
           <a:p>
             <a:pPr lvl="1"/>
             <a:r>
               <a:rPr lang="en-GB" dirty="0" smtClean="0"/>
-              <a:t>See “Parsing </a:t>
-            </a:r>
-            <a:r>
-              <a:rPr lang="en-GB" dirty="0"/>
-              <a:t>arguments and building </a:t>
-            </a:r>
-            <a:r>
-              <a:rPr lang="en-GB" dirty="0" smtClean="0"/>
-              <a:t>values” in Python/C API Reference Manual</a:t>
-            </a:r>
-          </a:p>
-          <a:p>
-            <a:r>
-              <a:rPr lang="en-GB" dirty="0" smtClean="0"/>
-              <a:t>Directly using buffer arguments</a:t>
-            </a:r>
-          </a:p>
-          <a:p>
-            <a:pPr marL="457200" lvl="1" indent="0">
-              <a:buNone/>
-            </a:pPr>
-            <a:r>
-              <a:rPr lang="en-GB" dirty="0" err="1" smtClean="0"/>
-              <a:t>PyObject_CheckBuffer</a:t>
-            </a:r>
-            <a:r>
-              <a:rPr lang="en-GB" dirty="0" smtClean="0"/>
-              <a:t>(</a:t>
-            </a:r>
-            <a:r>
-              <a:rPr lang="en-GB" dirty="0" err="1" smtClean="0"/>
-              <a:t>obj</a:t>
-            </a:r>
-            <a:r>
-              <a:rPr lang="en-GB" dirty="0" smtClean="0"/>
-              <a:t>) == 1</a:t>
-            </a:r>
-            <a:r>
-              <a:rPr lang="en-GB" dirty="0"/>
-              <a:t/>
-            </a:r>
-            <a:br>
-              <a:rPr lang="en-GB" dirty="0"/>
-            </a:br>
-            <a:r>
-              <a:rPr lang="en-GB" dirty="0"/>
-              <a:t>ret = </a:t>
-            </a:r>
-            <a:r>
-              <a:rPr lang="en-GB" dirty="0" err="1" smtClean="0"/>
-              <a:t>PyObject_GetBuffer</a:t>
-            </a:r>
-            <a:r>
-              <a:rPr lang="en-GB" dirty="0" smtClean="0"/>
-              <a:t>(</a:t>
-            </a:r>
-            <a:r>
-              <a:rPr lang="en-GB" dirty="0" err="1" smtClean="0"/>
-              <a:t>obj</a:t>
-            </a:r>
-            <a:r>
-              <a:rPr lang="en-GB" dirty="0"/>
-              <a:t>, </a:t>
-            </a:r>
-            <a:r>
-              <a:rPr lang="en-GB" dirty="0" smtClean="0"/>
-              <a:t>&amp;</a:t>
-            </a:r>
-            <a:r>
-              <a:rPr lang="en-GB" dirty="0"/>
-              <a:t>b, </a:t>
-            </a:r>
-            <a:r>
-              <a:rPr lang="en-GB" dirty="0" err="1" smtClean="0"/>
-              <a:t>PyBUF_WRITABLE</a:t>
-            </a:r>
-            <a:r>
-              <a:rPr lang="en-GB" dirty="0" smtClean="0"/>
-              <a:t>); </a:t>
-            </a:r>
-          </a:p>
-          <a:p>
-            <a:r>
-              <a:rPr lang="en-GB" dirty="0" smtClean="0"/>
-              <a:t>In any case</a:t>
-            </a:r>
-            <a:endParaRPr lang="en-GB" dirty="0"/>
-          </a:p>
-          <a:p>
-            <a:pPr marL="457200" lvl="1" indent="0">
-              <a:buNone/>
-            </a:pPr>
-            <a:r>
-              <a:rPr lang="en-GB" dirty="0" err="1" smtClean="0"/>
-              <a:t>PyBuffer_Release</a:t>
-            </a:r>
-            <a:r>
-              <a:rPr lang="en-GB" dirty="0" smtClean="0"/>
-              <a:t>(&amp;b);</a:t>
-            </a:r>
-          </a:p>
-          <a:p>
-            <a:r>
-              <a:rPr lang="en-GB" dirty="0" smtClean="0"/>
-              <a:t>Consider</a:t>
-            </a:r>
-          </a:p>
-          <a:p>
-            <a:pPr marL="457200" lvl="1" indent="0">
-              <a:buNone/>
-            </a:pPr>
-            <a:r>
-              <a:rPr lang="en-GB" dirty="0"/>
-              <a:t>ret = </a:t>
-            </a:r>
-            <a:r>
-              <a:rPr lang="en-GB" dirty="0" err="1" smtClean="0"/>
-              <a:t>PyObject_TypeCheck</a:t>
-            </a:r>
-            <a:r>
-              <a:rPr lang="en-GB" dirty="0" smtClean="0"/>
-              <a:t>(</a:t>
-            </a:r>
-            <a:r>
-              <a:rPr lang="en-GB" dirty="0" err="1" smtClean="0"/>
-              <a:t>obj</a:t>
-            </a:r>
-            <a:r>
-              <a:rPr lang="en-GB" dirty="0" smtClean="0"/>
-              <a:t>, </a:t>
-            </a:r>
-            <a:r>
-              <a:rPr lang="en-GB" dirty="0" err="1" smtClean="0"/>
-              <a:t>type_obj</a:t>
-            </a:r>
-            <a:r>
-              <a:rPr lang="en-GB" dirty="0" smtClean="0"/>
-              <a:t>);</a:t>
-            </a:r>
-          </a:p>
-          <a:p>
-            <a:pPr marL="457200" lvl="1" indent="0">
-              <a:buNone/>
-            </a:pPr>
-            <a:r>
-              <a:rPr lang="en-GB" dirty="0" smtClean="0"/>
-              <a:t>or</a:t>
-            </a:r>
-          </a:p>
-          <a:p>
-            <a:pPr marL="457200" lvl="1" indent="0">
-              <a:buNone/>
-            </a:pPr>
-            <a:r>
-              <a:rPr lang="en-GB" dirty="0" err="1" smtClean="0"/>
-              <a:t>PyObject_Type</a:t>
-            </a:r>
-            <a:r>
-              <a:rPr lang="en-GB" dirty="0" smtClean="0"/>
-              <a:t>(</a:t>
-            </a:r>
-            <a:r>
-              <a:rPr lang="en-GB" dirty="0" err="1" smtClean="0"/>
-              <a:t>obj</a:t>
-            </a:r>
-            <a:r>
-              <a:rPr lang="en-GB" dirty="0" smtClean="0"/>
-              <a:t>) == </a:t>
-            </a:r>
-            <a:r>
-              <a:rPr lang="en-GB" dirty="0" err="1" smtClean="0"/>
-              <a:t>type_obj</a:t>
-            </a:r>
-            <a:endParaRPr lang="en-GB" dirty="0" smtClean="0"/>
-          </a:p>
-          <a:p>
-            <a:pPr marL="457200" lvl="1" indent="0">
-              <a:buNone/>
-            </a:pPr>
-            <a:r>
-              <a:rPr lang="en-GB" dirty="0" smtClean="0"/>
-              <a:t>or simpler</a:t>
-            </a:r>
-          </a:p>
-          <a:p>
-            <a:pPr marL="457200" lvl="1" indent="0">
-              <a:buNone/>
-            </a:pPr>
-            <a:r>
-              <a:rPr lang="en-GB" dirty="0" err="1" smtClean="0"/>
-              <a:t>obj</a:t>
-            </a:r>
-            <a:r>
-              <a:rPr lang="en-GB" dirty="0"/>
-              <a:t>-</a:t>
-            </a:r>
-            <a:r>
-              <a:rPr lang="en-GB" dirty="0" smtClean="0"/>
-              <a:t>&gt;</a:t>
-            </a:r>
-            <a:r>
-              <a:rPr lang="en-GB" dirty="0" err="1" smtClean="0"/>
-              <a:t>ob_type</a:t>
-            </a:r>
-            <a:r>
-              <a:rPr lang="en-GB" dirty="0" smtClean="0"/>
-              <a:t> == </a:t>
-            </a:r>
-            <a:r>
-              <a:rPr lang="en-GB" dirty="0" err="1" smtClean="0"/>
-              <a:t>type_obj</a:t>
-            </a:r>
-            <a:r>
-              <a:rPr lang="en-GB" dirty="0" smtClean="0"/>
-              <a:t>  </a:t>
+              <a:t>Java API changes easily translate into Python/C code</a:t>
+            </a:r>
+          </a:p>
+          <a:p>
+            <a:pPr lvl="1"/>
+            <a:r>
+              <a:rPr lang="en-GB" dirty="0" smtClean="0"/>
+              <a:t>Also documentation can be generated from Java sources </a:t>
+            </a:r>
+          </a:p>
+          <a:p>
+            <a:pPr lvl="1"/>
+            <a:r>
+              <a:rPr lang="en-GB" dirty="0" smtClean="0"/>
+              <a:t>Code production can be automated</a:t>
+            </a:r>
+          </a:p>
+          <a:p>
+            <a:pPr lvl="1"/>
+            <a:r>
+              <a:rPr lang="en-GB" dirty="0" smtClean="0"/>
+              <a:t>Bugs are fixed in the compiler code, not in glue code</a:t>
+            </a:r>
+          </a:p>
+          <a:p>
+            <a:pPr lvl="1"/>
+            <a:r>
+              <a:rPr lang="en-GB" dirty="0" smtClean="0"/>
+              <a:t>Also test code might be generated</a:t>
+            </a:r>
+          </a:p>
+          <a:p>
+            <a:r>
+              <a:rPr lang="en-GB" dirty="0" smtClean="0"/>
+              <a:t>Contra</a:t>
+            </a:r>
+          </a:p>
+          <a:p>
+            <a:pPr lvl="1"/>
+            <a:r>
+              <a:rPr lang="en-GB" dirty="0" smtClean="0"/>
+              <a:t>It might take a long time to develop a mature compiler</a:t>
+            </a:r>
+          </a:p>
+          <a:p>
+            <a:pPr lvl="1"/>
+            <a:r>
+              <a:rPr lang="en-GB" dirty="0" smtClean="0"/>
+              <a:t>There might be a number of exceptions from rules</a:t>
             </a:r>
           </a:p>
         </p:txBody>
@@ -12506,7 +12876,7 @@
     </p:spTree>
     <p:extLst>
       <p:ext uri="{BB962C8B-B14F-4D97-AF65-F5344CB8AC3E}">
-        <p14:creationId xmlns:p14="http://schemas.microsoft.com/office/powerpoint/2010/main" val="2973595614"/>
+        <p14:creationId xmlns:p14="http://schemas.microsoft.com/office/powerpoint/2010/main" val="3643622142"/>
       </p:ext>
     </p:extLst>
   </p:cSld>
@@ -12557,15 +12927,7 @@
           <a:p>
             <a:r>
               <a:rPr lang="en-GB" dirty="0" smtClean="0"/>
-              <a:t>Data Arrays (</a:t>
-            </a:r>
-            <a:r>
-              <a:rPr lang="en-GB" dirty="0"/>
-              <a:t>3</a:t>
-            </a:r>
-            <a:r>
-              <a:rPr lang="en-GB" dirty="0" smtClean="0"/>
-              <a:t>/3)</a:t>
+              <a:t>Compiler Design Issues</a:t>
             </a:r>
             <a:endParaRPr lang="en-GB" dirty="0"/>
           </a:p>
@@ -12584,104 +12946,89 @@
         <p:spPr/>
         <p:txBody>
           <a:bodyPr>
-            <a:normAutofit/>
+            <a:normAutofit fontScale="85000" lnSpcReduction="20000"/>
           </a:bodyPr>
           <a:lstStyle/>
           <a:p>
             <a:r>
+              <a:rPr lang="en-GB" dirty="0" smtClean="0"/>
+              <a:t>In order to avoid binding of all Java code,</a:t>
+            </a:r>
+          </a:p>
+          <a:p>
+            <a:pPr lvl="1"/>
+            <a:r>
+              <a:rPr lang="en-GB" dirty="0" smtClean="0"/>
+              <a:t>define a list of types for which code shall be generated (Product, Band, </a:t>
+            </a:r>
+            <a:r>
               <a:rPr lang="en-GB" dirty="0" err="1" smtClean="0"/>
-              <a:t>CArray</a:t>
-            </a:r>
-            <a:endParaRPr lang="en-GB" dirty="0" smtClean="0"/>
+              <a:t>TiePointGrid</a:t>
+            </a:r>
+            <a:r>
+              <a:rPr lang="en-GB" dirty="0" smtClean="0"/>
+              <a:t>, …)</a:t>
+            </a:r>
           </a:p>
           <a:p>
             <a:pPr lvl="1"/>
             <a:r>
-              <a:rPr lang="en-GB" dirty="0" smtClean="0"/>
-              <a:t>implements Buffer protocol  </a:t>
-            </a:r>
+              <a:rPr lang="en-GB" dirty="0"/>
+              <a:t>f</a:t>
+            </a:r>
+            <a:r>
+              <a:rPr lang="en-GB" dirty="0" smtClean="0"/>
+              <a:t>or some types or single methods, we will provide hand-written code (File, String, …)</a:t>
+            </a:r>
+            <a:endParaRPr lang="en-GB" dirty="0"/>
           </a:p>
           <a:p>
             <a:pPr lvl="1"/>
             <a:r>
               <a:rPr lang="en-GB" dirty="0" smtClean="0"/>
-              <a:t>implements Sequence protocol</a:t>
-            </a:r>
-          </a:p>
-          <a:p>
-            <a:r>
-              <a:rPr lang="en-GB" dirty="0" smtClean="0"/>
-              <a:t>TODO</a:t>
-            </a:r>
-          </a:p>
-          <a:p>
-            <a:pPr lvl="1"/>
-            <a:r>
-              <a:rPr lang="en-GB" dirty="0" smtClean="0"/>
-              <a:t>Make </a:t>
+              <a:t>methods that have types in their signature, that are not in this list, will not be translated</a:t>
+            </a:r>
+          </a:p>
+          <a:p>
+            <a:r>
+              <a:rPr lang="en-GB" dirty="0" smtClean="0"/>
+              <a:t>consider </a:t>
             </a:r>
             <a:r>
               <a:rPr lang="en-GB" dirty="0" err="1" smtClean="0"/>
-              <a:t>dtype</a:t>
-            </a:r>
-            <a:r>
-              <a:rPr lang="en-GB" dirty="0" smtClean="0"/>
-              <a:t>-format-string conform to Python ‘</a:t>
+              <a:t>javacc</a:t>
+            </a:r>
+            <a:r>
+              <a:rPr lang="en-GB" dirty="0" smtClean="0"/>
+              <a:t> to do the job</a:t>
+            </a:r>
+          </a:p>
+          <a:p>
+            <a:r>
+              <a:rPr lang="en-GB" dirty="0" smtClean="0"/>
+              <a:t>consider Java annotations to control code generation (e.g. parameter annotations @In, @Out, @</a:t>
             </a:r>
             <a:r>
               <a:rPr lang="en-GB" dirty="0" err="1" smtClean="0"/>
-              <a:t>struct</a:t>
-            </a:r>
-            <a:r>
-              <a:rPr lang="en-GB" dirty="0" smtClean="0"/>
-              <a:t>’ module, see </a:t>
-            </a:r>
-            <a:br>
-              <a:rPr lang="en-GB" dirty="0" smtClean="0"/>
-            </a:br>
-            <a:r>
-              <a:rPr lang="en-GB" dirty="0" smtClean="0"/>
-              <a:t>6.3.  </a:t>
-            </a:r>
-            <a:r>
-              <a:rPr lang="en-GB" dirty="0" err="1" smtClean="0"/>
-              <a:t>struct</a:t>
-            </a:r>
-            <a:r>
-              <a:rPr lang="en-GB" dirty="0" smtClean="0"/>
-              <a:t> </a:t>
-            </a:r>
-            <a:r>
-              <a:rPr lang="en-GB" dirty="0"/>
-              <a:t>— Interpret bytes as packed binary </a:t>
-            </a:r>
-            <a:r>
-              <a:rPr lang="en-GB" dirty="0" smtClean="0"/>
-              <a:t>data, see also</a:t>
-            </a:r>
-            <a:br>
-              <a:rPr lang="en-GB" dirty="0" smtClean="0"/>
-            </a:br>
-            <a:r>
-              <a:rPr lang="en-GB" dirty="0" err="1" smtClean="0"/>
-              <a:t>PyBuffer_SizeFromFormat</a:t>
-            </a:r>
-            <a:r>
-              <a:rPr lang="en-GB" dirty="0" smtClean="0"/>
-              <a:t>(format) </a:t>
-            </a:r>
-            <a:endParaRPr lang="en-GB" dirty="0"/>
-          </a:p>
-          <a:p>
-            <a:pPr lvl="1"/>
-            <a:endParaRPr lang="en-GB" dirty="0" smtClean="0"/>
+              <a:t>InOut</a:t>
+            </a:r>
+            <a:r>
+              <a:rPr lang="en-GB" dirty="0" smtClean="0"/>
+              <a:t>)</a:t>
+            </a:r>
+          </a:p>
+          <a:p>
+            <a:r>
+              <a:rPr lang="en-GB" dirty="0" smtClean="0"/>
+              <a:t>code generation might be done through patterns, e.g. implemented by velocity templates</a:t>
+            </a:r>
           </a:p>
         </p:txBody>
       </p:sp>
     </p:spTree>
     <p:extLst>
       <p:ext uri="{BB962C8B-B14F-4D97-AF65-F5344CB8AC3E}">
-        <p14:creationId xmlns:p14="http://schemas.microsoft.com/office/powerpoint/2010/main" val="845572741"/>
+        <p14:creationId xmlns:p14="http://schemas.microsoft.com/office/powerpoint/2010/main" val="1053306664"/>
       </p:ext>
     </p:extLst>
   </p:cSld>
@@ -12957,7 +13304,11 @@
           <a:p>
             <a:r>
               <a:rPr lang="en-GB" dirty="0" smtClean="0"/>
-              <a:t>Multithreading</a:t>
+              <a:t>Design </a:t>
+            </a:r>
+            <a:r>
+              <a:rPr lang="en-GB" dirty="0" err="1" smtClean="0"/>
+              <a:t>Decisons</a:t>
             </a:r>
             <a:endParaRPr lang="en-GB" dirty="0"/>
           </a:p>
@@ -12976,113 +13327,294 @@
         <p:spPr/>
         <p:txBody>
           <a:bodyPr>
-            <a:normAutofit lnSpcReduction="10000"/>
+            <a:normAutofit fontScale="47500" lnSpcReduction="20000"/>
           </a:bodyPr>
           <a:lstStyle/>
           <a:p>
             <a:r>
-              <a:rPr lang="en-GB" dirty="0" smtClean="0"/>
-              <a:t>If BEAM Java calls into Python from multiple Java threads for executing e.g. a tile computation, we can consider</a:t>
+              <a:rPr lang="en-GB" dirty="0"/>
+              <a:t>Use JNI types in </a:t>
+            </a:r>
+            <a:r>
+              <a:rPr lang="en-GB" dirty="0" smtClean="0"/>
+              <a:t>C-interfaces</a:t>
             </a:r>
           </a:p>
           <a:p>
             <a:pPr lvl="1"/>
             <a:r>
-              <a:rPr lang="en-GB" dirty="0" err="1" smtClean="0"/>
-              <a:t>PyThreadState</a:t>
-            </a:r>
-            <a:r>
-              <a:rPr lang="en-GB" dirty="0" smtClean="0"/>
-              <a:t>* </a:t>
-            </a:r>
-            <a:r>
-              <a:rPr lang="en-GB" dirty="0" err="1" smtClean="0"/>
-              <a:t>tstate</a:t>
-            </a:r>
-            <a:r>
-              <a:rPr lang="en-GB" dirty="0" smtClean="0"/>
-              <a:t>;</a:t>
+              <a:rPr lang="en-GB" dirty="0" smtClean="0"/>
+              <a:t>Yes</a:t>
+            </a:r>
+            <a:r>
+              <a:rPr lang="en-GB" dirty="0"/>
+              <a:t>, because BEAM API is Java and as such it is much less </a:t>
+            </a:r>
+            <a:r>
+              <a:rPr lang="en-GB" dirty="0" err="1"/>
+              <a:t>verbous</a:t>
+            </a:r>
+            <a:r>
+              <a:rPr lang="en-GB" dirty="0"/>
+              <a:t> and more concise to reuse JNI types, and is </a:t>
+            </a:r>
+            <a:r>
+              <a:rPr lang="en-GB" dirty="0" err="1"/>
+              <a:t>aloso</a:t>
+            </a:r>
+            <a:r>
+              <a:rPr lang="en-GB" dirty="0"/>
+              <a:t> less </a:t>
+            </a:r>
+            <a:r>
+              <a:rPr lang="en-GB" dirty="0" smtClean="0"/>
+              <a:t>work</a:t>
             </a:r>
           </a:p>
           <a:p>
             <a:pPr lvl="1"/>
             <a:r>
-              <a:rPr lang="en-GB" dirty="0" err="1" smtClean="0"/>
-              <a:t>tstate</a:t>
-            </a:r>
-            <a:r>
-              <a:rPr lang="en-GB" dirty="0" smtClean="0"/>
-              <a:t> = </a:t>
+              <a:rPr lang="en-GB" dirty="0" smtClean="0"/>
+              <a:t>No</a:t>
+            </a:r>
+            <a:r>
+              <a:rPr lang="en-GB" dirty="0"/>
+              <a:t>, because the C-API shall be independent of its implementation or </a:t>
+            </a:r>
+            <a:r>
+              <a:rPr lang="en-GB" dirty="0" smtClean="0"/>
+              <a:t>origin</a:t>
+            </a:r>
+            <a:endParaRPr lang="en-GB" dirty="0"/>
+          </a:p>
+          <a:p>
+            <a:r>
+              <a:rPr lang="en-GB" dirty="0"/>
+              <a:t>Duplicate Java API (or parts) 1:1?  (e.g. any method in Java gets its C counterpart)</a:t>
+            </a:r>
+          </a:p>
+          <a:p>
+            <a:pPr lvl="1"/>
+            <a:r>
+              <a:rPr lang="en-GB" dirty="0" smtClean="0"/>
+              <a:t>Yes</a:t>
+            </a:r>
+            <a:r>
+              <a:rPr lang="en-GB" dirty="0"/>
+              <a:t>, because the Java API docs can be reused for C API</a:t>
+            </a:r>
+            <a:r>
+              <a:rPr lang="en-GB" dirty="0" smtClean="0"/>
+              <a:t>.</a:t>
+            </a:r>
+          </a:p>
+          <a:p>
+            <a:pPr lvl="1"/>
+            <a:r>
+              <a:rPr lang="en-GB" dirty="0" smtClean="0"/>
+              <a:t>No</a:t>
+            </a:r>
+            <a:r>
+              <a:rPr lang="en-GB" dirty="0"/>
+              <a:t>, because a more concise C-API can be generated. And no, because changes in the Java API need to be reflected </a:t>
+            </a:r>
+            <a:r>
+              <a:rPr lang="en-GB" dirty="0" smtClean="0"/>
+              <a:t>in the </a:t>
+            </a:r>
+            <a:r>
+              <a:rPr lang="en-GB" dirty="0"/>
+              <a:t>C API </a:t>
+            </a:r>
+            <a:r>
+              <a:rPr lang="en-GB" dirty="0" smtClean="0"/>
+              <a:t>which </a:t>
+            </a:r>
+            <a:r>
+              <a:rPr lang="en-GB" dirty="0"/>
+              <a:t>will introduce a lot of work</a:t>
+            </a:r>
+            <a:r>
+              <a:rPr lang="en-GB" dirty="0" smtClean="0"/>
+              <a:t>.</a:t>
+            </a:r>
+            <a:endParaRPr lang="en-GB" dirty="0"/>
+          </a:p>
+          <a:p>
+            <a:r>
+              <a:rPr lang="en-GB" dirty="0"/>
+              <a:t>Shall C API functions return string buffers that users have to release </a:t>
+            </a:r>
+            <a:r>
+              <a:rPr lang="en-GB" dirty="0" smtClean="0"/>
+              <a:t>later?</a:t>
+            </a:r>
+          </a:p>
+          <a:p>
+            <a:pPr lvl="1"/>
+            <a:r>
+              <a:rPr lang="en-GB" dirty="0" smtClean="0"/>
+              <a:t>Yes</a:t>
+            </a:r>
+            <a:r>
+              <a:rPr lang="en-GB" dirty="0"/>
+              <a:t>, otherwise the signature of Java counterparts is will be different, because by-reference arguments passing </a:t>
+            </a:r>
+            <a:r>
+              <a:rPr lang="en-GB" dirty="0" smtClean="0"/>
+              <a:t>is required then.</a:t>
+            </a:r>
+            <a:br>
+              <a:rPr lang="en-GB" dirty="0" smtClean="0"/>
+            </a:br>
+            <a:r>
+              <a:rPr lang="en-GB" dirty="0" smtClean="0"/>
+              <a:t>E.g</a:t>
+            </a:r>
+            <a:r>
+              <a:rPr lang="en-GB" dirty="0"/>
+              <a:t>. instead </a:t>
+            </a:r>
+            <a:r>
+              <a:rPr lang="en-GB" dirty="0" smtClean="0"/>
+              <a:t>of</a:t>
+            </a:r>
+            <a:br>
+              <a:rPr lang="en-GB" dirty="0" smtClean="0"/>
+            </a:br>
+            <a:r>
+              <a:rPr lang="en-GB" dirty="0" smtClean="0"/>
+              <a:t>             </a:t>
+            </a:r>
+            <a:r>
+              <a:rPr lang="en-GB" dirty="0"/>
+              <a:t>char* name = </a:t>
             </a:r>
             <a:r>
               <a:rPr lang="en-GB" dirty="0" err="1"/>
-              <a:t>Py_NewInterpreter</a:t>
-            </a:r>
-            <a:r>
-              <a:rPr lang="en-GB" dirty="0" smtClean="0"/>
-              <a:t>();</a:t>
+              <a:t>get_name</a:t>
+            </a:r>
+            <a:r>
+              <a:rPr lang="en-GB" dirty="0"/>
+              <a:t>(</a:t>
+            </a:r>
+            <a:r>
+              <a:rPr lang="en-GB" dirty="0" err="1"/>
+              <a:t>obj</a:t>
+            </a:r>
+            <a:r>
+              <a:rPr lang="en-GB" dirty="0" smtClean="0"/>
+              <a:t>);</a:t>
+            </a:r>
+            <a:br>
+              <a:rPr lang="en-GB" dirty="0" smtClean="0"/>
+            </a:br>
+            <a:r>
+              <a:rPr lang="en-GB" dirty="0" smtClean="0"/>
+              <a:t>              ...</a:t>
+            </a:r>
+            <a:br>
+              <a:rPr lang="en-GB" dirty="0" smtClean="0"/>
+            </a:br>
+            <a:r>
+              <a:rPr lang="en-GB" dirty="0" smtClean="0"/>
+              <a:t>              </a:t>
+            </a:r>
+            <a:r>
+              <a:rPr lang="en-GB" dirty="0"/>
+              <a:t>free(name</a:t>
+            </a:r>
+            <a:r>
+              <a:rPr lang="en-GB" dirty="0" smtClean="0"/>
+              <a:t>);</a:t>
+            </a:r>
+            <a:br>
+              <a:rPr lang="en-GB" dirty="0" smtClean="0"/>
+            </a:br>
+            <a:r>
+              <a:rPr lang="en-GB" dirty="0" smtClean="0"/>
+              <a:t>we have</a:t>
+            </a:r>
+            <a:br>
+              <a:rPr lang="en-GB" dirty="0" smtClean="0"/>
+            </a:br>
+            <a:r>
+              <a:rPr lang="en-GB" dirty="0" smtClean="0"/>
+              <a:t>              </a:t>
+            </a:r>
+            <a:r>
+              <a:rPr lang="en-GB" dirty="0"/>
+              <a:t>char name[81</a:t>
+            </a:r>
+            <a:r>
+              <a:rPr lang="en-GB" dirty="0" smtClean="0"/>
+              <a:t>];</a:t>
+            </a:r>
+            <a:br>
+              <a:rPr lang="en-GB" dirty="0" smtClean="0"/>
+            </a:br>
+            <a:r>
+              <a:rPr lang="en-GB" dirty="0" smtClean="0"/>
+              <a:t>              </a:t>
+            </a:r>
+            <a:r>
+              <a:rPr lang="en-GB" dirty="0" err="1"/>
+              <a:t>get_name</a:t>
+            </a:r>
+            <a:r>
+              <a:rPr lang="en-GB" dirty="0"/>
+              <a:t>(</a:t>
+            </a:r>
+            <a:r>
+              <a:rPr lang="en-GB" dirty="0" err="1"/>
+              <a:t>obj</a:t>
+            </a:r>
+            <a:r>
+              <a:rPr lang="en-GB" dirty="0"/>
+              <a:t>, name, 80</a:t>
+            </a:r>
+            <a:r>
+              <a:rPr lang="en-GB" dirty="0" smtClean="0"/>
+              <a:t>);</a:t>
             </a:r>
           </a:p>
           <a:p>
             <a:pPr lvl="1"/>
             <a:r>
               <a:rPr lang="en-GB" dirty="0" smtClean="0"/>
-              <a:t>…</a:t>
-            </a:r>
-            <a:r>
-              <a:rPr lang="en-GB" i="1" dirty="0" smtClean="0"/>
-              <a:t> call into python code</a:t>
-            </a:r>
-          </a:p>
-          <a:p>
-            <a:pPr lvl="1"/>
-            <a:r>
-              <a:rPr lang="en-GB" dirty="0" err="1" smtClean="0"/>
-              <a:t>Py_EndInterpreter</a:t>
-            </a:r>
-            <a:r>
-              <a:rPr lang="en-GB" dirty="0" smtClean="0"/>
-              <a:t>(</a:t>
-            </a:r>
-            <a:r>
-              <a:rPr lang="en-GB" dirty="0" err="1" smtClean="0"/>
-              <a:t>tstate</a:t>
-            </a:r>
-            <a:r>
-              <a:rPr lang="en-GB" dirty="0" smtClean="0"/>
-              <a:t>);  </a:t>
-            </a:r>
-          </a:p>
-          <a:p>
-            <a:pPr marL="342900" lvl="1" indent="-342900">
-              <a:buFont typeface="Arial" pitchFamily="34" charset="0"/>
-              <a:buChar char="•"/>
-            </a:pPr>
+              <a:t>No</a:t>
+            </a:r>
             <a:r>
               <a:rPr lang="en-GB" dirty="0"/>
-              <a:t>See </a:t>
-            </a:r>
-            <a:r>
-              <a:rPr lang="en-GB" dirty="0" smtClean="0"/>
-              <a:t>“Initialization</a:t>
+              <a:t>, because it is </a:t>
+            </a:r>
+            <a:r>
+              <a:rPr lang="en-GB" dirty="0" smtClean="0"/>
+              <a:t>obvious </a:t>
             </a:r>
             <a:r>
               <a:rPr lang="en-GB" dirty="0"/>
-              <a:t>, Finalization, and </a:t>
-            </a:r>
-            <a:r>
-              <a:rPr lang="en-GB" dirty="0" smtClean="0"/>
-              <a:t>Threads” </a:t>
+              <a:t>that strings need to be freed on the users side</a:t>
+            </a:r>
+            <a:r>
+              <a:rPr lang="en-GB" dirty="0" smtClean="0"/>
+              <a:t>.</a:t>
+            </a:r>
+          </a:p>
+          <a:p>
+            <a:r>
+              <a:rPr lang="en-GB" dirty="0" smtClean="0"/>
+              <a:t>Shall </a:t>
             </a:r>
             <a:r>
               <a:rPr lang="en-GB" dirty="0"/>
-              <a:t>in Python/C API Reference Manual</a:t>
-            </a:r>
-          </a:p>
-          <a:p>
-            <a:pPr marL="0" indent="0">
-              <a:buNone/>
-            </a:pPr>
+              <a:t>the API allow for modification of single structures elements that are passed as arguments by-reference.?</a:t>
+            </a:r>
+          </a:p>
+          <a:p>
+            <a:endParaRPr lang="en-GB" dirty="0"/>
+          </a:p>
+          <a:p>
             <a:endParaRPr lang="en-GB" dirty="0"/>
           </a:p>
         </p:txBody>
@@ -13090,7 +13622,7 @@
     </p:spTree>
     <p:extLst>
       <p:ext uri="{BB962C8B-B14F-4D97-AF65-F5344CB8AC3E}">
-        <p14:creationId xmlns:p14="http://schemas.microsoft.com/office/powerpoint/2010/main" val="183588086"/>
+        <p14:creationId xmlns:p14="http://schemas.microsoft.com/office/powerpoint/2010/main" val="1103487878"/>
       </p:ext>
     </p:extLst>
   </p:cSld>
@@ -13141,7 +13673,7 @@
           <a:p>
             <a:r>
               <a:rPr lang="en-GB" dirty="0" smtClean="0"/>
-              <a:t>Alternatives (1/2)</a:t>
+              <a:t>Data Arrays (1/3)</a:t>
             </a:r>
             <a:endParaRPr lang="en-GB" dirty="0"/>
           </a:p>
@@ -13159,87 +13691,396 @@
         </p:nvSpPr>
         <p:spPr/>
         <p:txBody>
-          <a:bodyPr/>
+          <a:bodyPr>
+            <a:normAutofit fontScale="47500" lnSpcReduction="20000"/>
+          </a:bodyPr>
           <a:lstStyle/>
           <a:p>
             <a:r>
+              <a:rPr lang="en-GB" dirty="0" smtClean="0"/>
+              <a:t>We shall try to find a way to directly use the arrays allocated and returned by the C-API without copying them</a:t>
+            </a:r>
+          </a:p>
+          <a:p>
+            <a:endParaRPr lang="en-GB" dirty="0" smtClean="0"/>
+          </a:p>
+          <a:p>
+            <a:r>
+              <a:rPr lang="en-GB" b="1" dirty="0" smtClean="0"/>
+              <a:t>array</a:t>
+            </a:r>
+          </a:p>
+          <a:p>
+            <a:pPr lvl="1"/>
+            <a:r>
+              <a:rPr lang="en-GB" b="1" dirty="0" smtClean="0"/>
+              <a:t>array</a:t>
+            </a:r>
+            <a:r>
+              <a:rPr lang="en-GB" dirty="0" smtClean="0"/>
+              <a:t>(</a:t>
+            </a:r>
+            <a:r>
+              <a:rPr lang="en-GB" i="1" dirty="0" err="1" smtClean="0"/>
+              <a:t>typecode</a:t>
+            </a:r>
+            <a:r>
+              <a:rPr lang="en-GB" dirty="0"/>
+              <a:t>[, </a:t>
+            </a:r>
+            <a:r>
+              <a:rPr lang="en-GB" i="1" dirty="0"/>
+              <a:t>initializer</a:t>
+            </a:r>
+            <a:r>
+              <a:rPr lang="en-GB" dirty="0"/>
+              <a:t>])</a:t>
+            </a:r>
+            <a:br>
+              <a:rPr lang="en-GB" dirty="0"/>
+            </a:br>
+            <a:r>
+              <a:rPr lang="en-GB" sz="2900" i="1" dirty="0">
+                <a:solidFill>
+                  <a:schemeClr val="accent1">
+                    <a:lumMod val="75000"/>
+                  </a:schemeClr>
+                </a:solidFill>
+              </a:rPr>
+              <a:t>A new array whose items are restricted by </a:t>
+            </a:r>
+            <a:r>
+              <a:rPr lang="en-GB" sz="2900" i="1" dirty="0" err="1">
+                <a:solidFill>
+                  <a:schemeClr val="accent1">
+                    <a:lumMod val="75000"/>
+                  </a:schemeClr>
+                </a:solidFill>
+              </a:rPr>
+              <a:t>typecode</a:t>
+            </a:r>
+            <a:r>
+              <a:rPr lang="en-GB" sz="2900" i="1" dirty="0">
+                <a:solidFill>
+                  <a:schemeClr val="accent1">
+                    <a:lumMod val="75000"/>
+                  </a:schemeClr>
+                </a:solidFill>
+              </a:rPr>
+              <a:t>, and initialized from the optional initializer value, which must be a list, object supporting the buffer interface, or </a:t>
+            </a:r>
+            <a:r>
+              <a:rPr lang="en-GB" sz="2900" i="1" dirty="0" err="1">
+                <a:solidFill>
+                  <a:schemeClr val="accent1">
+                    <a:lumMod val="75000"/>
+                  </a:schemeClr>
+                </a:solidFill>
+              </a:rPr>
+              <a:t>iterable</a:t>
+            </a:r>
+            <a:r>
+              <a:rPr lang="en-GB" sz="2900" i="1" dirty="0">
+                <a:solidFill>
+                  <a:schemeClr val="accent1">
+                    <a:lumMod val="75000"/>
+                  </a:schemeClr>
+                </a:solidFill>
+              </a:rPr>
+              <a:t> over elements of the appropriate type.</a:t>
+            </a:r>
+          </a:p>
+          <a:p>
+            <a:pPr lvl="1"/>
+            <a:r>
+              <a:rPr lang="en-GB" dirty="0" smtClean="0"/>
+              <a:t>Note: the </a:t>
+            </a:r>
+            <a:r>
+              <a:rPr lang="en-GB" b="1" dirty="0" smtClean="0"/>
+              <a:t>array</a:t>
+            </a:r>
+            <a:r>
+              <a:rPr lang="en-GB" dirty="0" smtClean="0"/>
+              <a:t> constructor always make copies of buffers passed in as </a:t>
+            </a:r>
+            <a:r>
+              <a:rPr lang="en-GB" i="1" dirty="0"/>
+              <a:t>initializer</a:t>
+            </a:r>
+            <a:r>
+              <a:rPr lang="en-GB" dirty="0" smtClean="0"/>
+              <a:t> </a:t>
+            </a:r>
+          </a:p>
+          <a:p>
+            <a:pPr lvl="1"/>
+            <a:r>
+              <a:rPr lang="en-GB" dirty="0" smtClean="0"/>
+              <a:t>Note: arrays support the buffer interface</a:t>
+            </a:r>
+          </a:p>
+          <a:p>
+            <a:r>
+              <a:rPr lang="en-GB" b="1" dirty="0" err="1" smtClean="0"/>
+              <a:t>numpy</a:t>
+            </a:r>
+            <a:endParaRPr lang="en-GB" b="1" dirty="0" smtClean="0"/>
+          </a:p>
+          <a:p>
+            <a:pPr lvl="1"/>
+            <a:r>
+              <a:rPr lang="en-GB" b="1" dirty="0" err="1" smtClean="0"/>
+              <a:t>frombuffer</a:t>
+            </a:r>
+            <a:r>
+              <a:rPr lang="en-GB" dirty="0" smtClean="0"/>
+              <a:t>(buffer</a:t>
+            </a:r>
+            <a:r>
+              <a:rPr lang="en-GB" dirty="0"/>
+              <a:t>[, </a:t>
+            </a:r>
+            <a:r>
+              <a:rPr lang="en-GB" dirty="0" err="1"/>
+              <a:t>dtype</a:t>
+            </a:r>
+            <a:r>
+              <a:rPr lang="en-GB" dirty="0"/>
+              <a:t>, count, offset</a:t>
+            </a:r>
+            <a:r>
+              <a:rPr lang="en-GB" dirty="0" smtClean="0"/>
+              <a:t>]) </a:t>
+            </a:r>
+            <a:br>
+              <a:rPr lang="en-GB" dirty="0" smtClean="0"/>
+            </a:br>
+            <a:r>
+              <a:rPr lang="en-GB" i="1" dirty="0" smtClean="0">
+                <a:solidFill>
+                  <a:schemeClr val="accent1">
+                    <a:lumMod val="75000"/>
+                  </a:schemeClr>
+                </a:solidFill>
+              </a:rPr>
+              <a:t>Interpret </a:t>
+            </a:r>
+            <a:r>
+              <a:rPr lang="en-GB" i="1" dirty="0">
+                <a:solidFill>
+                  <a:schemeClr val="accent1">
+                    <a:lumMod val="75000"/>
+                  </a:schemeClr>
+                </a:solidFill>
+              </a:rPr>
+              <a:t>a buffer as a 1-dimensional </a:t>
+            </a:r>
+            <a:r>
+              <a:rPr lang="en-GB" i="1" dirty="0" smtClean="0">
+                <a:solidFill>
+                  <a:schemeClr val="accent1">
+                    <a:lumMod val="75000"/>
+                  </a:schemeClr>
+                </a:solidFill>
+              </a:rPr>
+              <a:t>array.</a:t>
+            </a:r>
+            <a:endParaRPr lang="en-GB" i="1" dirty="0">
+              <a:solidFill>
+                <a:schemeClr val="accent1">
+                  <a:lumMod val="75000"/>
+                </a:schemeClr>
+              </a:solidFill>
+            </a:endParaRPr>
+          </a:p>
+          <a:p>
+            <a:pPr lvl="1"/>
+            <a:r>
+              <a:rPr lang="en-GB" b="1" dirty="0" smtClean="0"/>
+              <a:t>reshape</a:t>
+            </a:r>
+            <a:r>
+              <a:rPr lang="en-GB" dirty="0" smtClean="0"/>
+              <a:t>(array,</a:t>
+            </a:r>
+            <a:r>
+              <a:rPr lang="en-GB" dirty="0"/>
+              <a:t> </a:t>
+            </a:r>
+            <a:r>
+              <a:rPr lang="en-GB" dirty="0" err="1" smtClean="0"/>
+              <a:t>newshape</a:t>
+            </a:r>
+            <a:r>
+              <a:rPr lang="en-GB" dirty="0" smtClean="0"/>
+              <a:t>[,</a:t>
+            </a:r>
+            <a:r>
+              <a:rPr lang="en-GB" dirty="0"/>
+              <a:t> </a:t>
+            </a:r>
+            <a:r>
+              <a:rPr lang="en-GB" dirty="0" smtClean="0"/>
+              <a:t>order])</a:t>
+            </a:r>
+            <a:br>
+              <a:rPr lang="en-GB" dirty="0" smtClean="0"/>
+            </a:br>
+            <a:r>
+              <a:rPr lang="en-GB" i="1" dirty="0">
+                <a:solidFill>
+                  <a:schemeClr val="accent1">
+                    <a:lumMod val="75000"/>
+                  </a:schemeClr>
+                </a:solidFill>
+              </a:rPr>
+              <a:t>Gives a new shape to an array without changing its data</a:t>
+            </a:r>
+            <a:r>
+              <a:rPr lang="en-GB" i="1" dirty="0" smtClean="0">
+                <a:solidFill>
+                  <a:schemeClr val="accent1">
+                    <a:lumMod val="75000"/>
+                  </a:schemeClr>
+                </a:solidFill>
+              </a:rPr>
+              <a:t>.</a:t>
+            </a:r>
+          </a:p>
+          <a:p>
+            <a:pPr lvl="1"/>
+            <a:r>
+              <a:rPr lang="en-GB" dirty="0"/>
+              <a:t>Note: </a:t>
+            </a:r>
+            <a:r>
+              <a:rPr lang="en-GB" dirty="0" smtClean="0"/>
+              <a:t>Neither </a:t>
+            </a:r>
+            <a:r>
               <a:rPr lang="en-GB" b="1" dirty="0" err="1"/>
-              <a:t>Jep</a:t>
-            </a:r>
-            <a:r>
-              <a:rPr lang="en-GB" dirty="0"/>
-              <a:t> - Java Embedded Python</a:t>
+              <a:t>frombuffer</a:t>
+            </a:r>
+            <a:r>
+              <a:rPr lang="en-GB" dirty="0" smtClean="0"/>
+              <a:t> nor </a:t>
+            </a:r>
+            <a:r>
+              <a:rPr lang="en-GB" b="1" dirty="0" smtClean="0"/>
+              <a:t>reshape </a:t>
+            </a:r>
+            <a:r>
+              <a:rPr lang="en-GB" dirty="0" smtClean="0"/>
+              <a:t>make copies of the input data</a:t>
+            </a:r>
+          </a:p>
+          <a:p>
+            <a:endParaRPr lang="en-GB" u="sng" dirty="0" smtClean="0"/>
+          </a:p>
+          <a:p>
+            <a:r>
+              <a:rPr lang="en-GB" u="sng" dirty="0" smtClean="0"/>
+              <a:t>Conclusion</a:t>
+            </a:r>
+            <a:r>
+              <a:rPr lang="en-GB" dirty="0" smtClean="0"/>
+              <a:t>: pixel data passed in and returned by the BEAM Python API shall be Python objects that support the </a:t>
+            </a:r>
+            <a:r>
+              <a:rPr lang="en-GB" b="1" i="1" dirty="0" smtClean="0"/>
+              <a:t>buffer interface </a:t>
+            </a:r>
+            <a:r>
+              <a:rPr lang="en-GB" dirty="0" smtClean="0"/>
+              <a:t>so that the data can be efficiently used with </a:t>
+            </a:r>
+            <a:r>
+              <a:rPr lang="en-GB" dirty="0" err="1" smtClean="0"/>
+              <a:t>numpy</a:t>
+            </a:r>
+            <a:r>
+              <a:rPr lang="en-GB" dirty="0" smtClean="0"/>
+              <a:t>.</a:t>
             </a:r>
           </a:p>
           <a:p>
             <a:pPr lvl="1"/>
             <a:r>
-              <a:rPr lang="en-GB" dirty="0" err="1"/>
-              <a:t>Jep</a:t>
-            </a:r>
-            <a:r>
-              <a:rPr lang="en-GB" dirty="0"/>
-              <a:t> embeds </a:t>
-            </a:r>
-            <a:r>
-              <a:rPr lang="en-GB" dirty="0" err="1"/>
-              <a:t>CPython</a:t>
-            </a:r>
-            <a:r>
-              <a:rPr lang="en-GB" dirty="0"/>
-              <a:t> in Java. It is safe to use in a heavily threaded environment, it is quite fast and its stability is a main feature and goal.</a:t>
-            </a:r>
-          </a:p>
-          <a:p>
-            <a:pPr lvl="1"/>
+              <a:rPr lang="en-GB" dirty="0">
+                <a:hlinkClick r:id="rId2"/>
+              </a:rPr>
+              <a:t>http://</a:t>
+            </a:r>
             <a:r>
               <a:rPr lang="en-GB" dirty="0" smtClean="0">
                 <a:hlinkClick r:id="rId2"/>
               </a:rPr>
-              <a:t>https</a:t>
-            </a:r>
+              <a:t>docs.python.org/3.2/c-api/buffer.html?highlight=buffer#Py_buffer</a:t>
+            </a:r>
+            <a:r>
+              <a:rPr lang="en-GB" dirty="0" smtClean="0"/>
+              <a:t> </a:t>
+            </a:r>
+          </a:p>
+          <a:p>
+            <a:pPr lvl="1"/>
             <a:r>
               <a:rPr lang="en-GB" dirty="0">
-                <a:hlinkClick r:id="rId2"/>
+                <a:hlinkClick r:id="rId3"/>
+              </a:rPr>
+              <a:t>http://</a:t>
+            </a:r>
+            <a:r>
+              <a:rPr lang="en-GB" dirty="0" smtClean="0">
+                <a:hlinkClick r:id="rId3"/>
+              </a:rPr>
+              <a:t>docs.python.org/3.2/c-api/typeobj.html#buffer-structs</a:t>
+            </a:r>
+            <a:endParaRPr lang="en-GB" dirty="0" smtClean="0"/>
+          </a:p>
+          <a:p>
+            <a:pPr lvl="1"/>
+            <a:r>
+              <a:rPr lang="en-GB" dirty="0" smtClean="0">
+                <a:hlinkClick r:id="rId4"/>
+              </a:rPr>
+              <a:t>http</a:t>
+            </a:r>
+            <a:r>
+              <a:rPr lang="en-GB" dirty="0">
+                <a:hlinkClick r:id="rId4"/>
               </a:rPr>
               <a:t>://</a:t>
             </a:r>
             <a:r>
               <a:rPr lang="en-GB" dirty="0" smtClean="0">
-                <a:hlinkClick r:id="rId2"/>
+                <a:hlinkClick r:id="rId4"/>
               </a:rPr>
-              <a:t>github.com/mrj0/jep</a:t>
-            </a:r>
-            <a:endParaRPr lang="en-GB" dirty="0" smtClean="0"/>
+              <a:t>docs.python.org/3.2/library/stdtypes.html#memoryview</a:t>
+            </a:r>
+            <a:r>
+              <a:rPr lang="en-GB" dirty="0" smtClean="0"/>
+              <a:t> </a:t>
+            </a:r>
+            <a:endParaRPr lang="en-GB" dirty="0"/>
           </a:p>
           <a:p>
             <a:pPr lvl="1"/>
-            <a:r>
-              <a:rPr lang="en-GB" dirty="0" smtClean="0"/>
-              <a:t>Check: can it be used to call Python from Java</a:t>
-            </a:r>
-          </a:p>
-          <a:p>
-            <a:pPr lvl="1"/>
-            <a:r>
-              <a:rPr lang="en-GB" dirty="0" smtClean="0"/>
-              <a:t>Check: No windows support</a:t>
-            </a:r>
-          </a:p>
-          <a:p>
-            <a:pPr lvl="1"/>
-            <a:r>
-              <a:rPr lang="en-GB" dirty="0" smtClean="0"/>
-              <a:t>Check: last activity 9 months ago</a:t>
-            </a:r>
-            <a:endParaRPr lang="en-GB" dirty="0"/>
+            <a:endParaRPr lang="en-GB" i="1" dirty="0">
+              <a:solidFill>
+                <a:schemeClr val="accent1">
+                  <a:lumMod val="75000"/>
+                </a:schemeClr>
+              </a:solidFill>
+            </a:endParaRPr>
           </a:p>
         </p:txBody>
       </p:sp>
     </p:spTree>
     <p:extLst>
       <p:ext uri="{BB962C8B-B14F-4D97-AF65-F5344CB8AC3E}">
-        <p14:creationId xmlns:p14="http://schemas.microsoft.com/office/powerpoint/2010/main" val="1310829027"/>
+        <p14:creationId xmlns:p14="http://schemas.microsoft.com/office/powerpoint/2010/main" val="3309612122"/>
       </p:ext>
     </p:extLst>
   </p:cSld>
@@ -13290,6 +14131,866 @@
           <a:p>
             <a:r>
               <a:rPr lang="en-GB" dirty="0" smtClean="0"/>
+              <a:t>Data Arrays (2/3)</a:t>
+            </a:r>
+            <a:endParaRPr lang="en-GB" dirty="0"/>
+          </a:p>
+        </p:txBody>
+      </p:sp>
+      <p:sp>
+        <p:nvSpPr>
+          <p:cNvPr id="3" name="Inhaltsplatzhalter 2"/>
+          <p:cNvSpPr>
+            <a:spLocks noGrp="1"/>
+          </p:cNvSpPr>
+          <p:nvPr>
+            <p:ph idx="1"/>
+          </p:nvPr>
+        </p:nvSpPr>
+        <p:spPr/>
+        <p:txBody>
+          <a:bodyPr>
+            <a:normAutofit fontScale="62500" lnSpcReduction="20000"/>
+          </a:bodyPr>
+          <a:lstStyle/>
+          <a:p>
+            <a:r>
+              <a:rPr lang="en-GB" dirty="0" smtClean="0"/>
+              <a:t>Parsing buffer arguments:</a:t>
+            </a:r>
+          </a:p>
+          <a:p>
+            <a:pPr marL="457200" lvl="1" indent="0">
+              <a:buNone/>
+            </a:pPr>
+            <a:r>
+              <a:rPr lang="en-GB" dirty="0" err="1" smtClean="0"/>
+              <a:t>Py_buffer</a:t>
+            </a:r>
+            <a:r>
+              <a:rPr lang="en-GB" dirty="0"/>
+              <a:t> </a:t>
+            </a:r>
+            <a:r>
+              <a:rPr lang="en-GB" dirty="0" smtClean="0"/>
+              <a:t>b;</a:t>
+            </a:r>
+            <a:endParaRPr lang="en-GB" dirty="0"/>
+          </a:p>
+          <a:p>
+            <a:pPr marL="457200" lvl="1" indent="0">
+              <a:buNone/>
+            </a:pPr>
+            <a:r>
+              <a:rPr lang="en-GB" dirty="0"/>
+              <a:t>ret = </a:t>
+            </a:r>
+            <a:r>
+              <a:rPr lang="en-GB" dirty="0" err="1" smtClean="0"/>
+              <a:t>PyArg_ParseTuple</a:t>
+            </a:r>
+            <a:r>
+              <a:rPr lang="en-GB" dirty="0" smtClean="0"/>
+              <a:t>(</a:t>
+            </a:r>
+            <a:r>
+              <a:rPr lang="en-GB" dirty="0" err="1" smtClean="0"/>
+              <a:t>args</a:t>
+            </a:r>
+            <a:r>
+              <a:rPr lang="en-GB" dirty="0"/>
+              <a:t>, </a:t>
+            </a:r>
+            <a:r>
+              <a:rPr lang="en-GB" dirty="0" smtClean="0"/>
+              <a:t>“y*”, &amp;b); </a:t>
+            </a:r>
+          </a:p>
+          <a:p>
+            <a:pPr lvl="1"/>
+            <a:r>
+              <a:rPr lang="en-GB" dirty="0" smtClean="0"/>
+              <a:t>See “Parsing </a:t>
+            </a:r>
+            <a:r>
+              <a:rPr lang="en-GB" dirty="0"/>
+              <a:t>arguments and building </a:t>
+            </a:r>
+            <a:r>
+              <a:rPr lang="en-GB" dirty="0" smtClean="0"/>
+              <a:t>values” in Python/C API Reference Manual</a:t>
+            </a:r>
+          </a:p>
+          <a:p>
+            <a:r>
+              <a:rPr lang="en-GB" dirty="0" smtClean="0"/>
+              <a:t>Directly using buffer arguments</a:t>
+            </a:r>
+          </a:p>
+          <a:p>
+            <a:pPr marL="457200" lvl="1" indent="0">
+              <a:buNone/>
+            </a:pPr>
+            <a:r>
+              <a:rPr lang="en-GB" dirty="0" err="1" smtClean="0"/>
+              <a:t>PyObject_CheckBuffer</a:t>
+            </a:r>
+            <a:r>
+              <a:rPr lang="en-GB" dirty="0" smtClean="0"/>
+              <a:t>(</a:t>
+            </a:r>
+            <a:r>
+              <a:rPr lang="en-GB" dirty="0" err="1" smtClean="0"/>
+              <a:t>obj</a:t>
+            </a:r>
+            <a:r>
+              <a:rPr lang="en-GB" dirty="0" smtClean="0"/>
+              <a:t>) == 1</a:t>
+            </a:r>
+            <a:r>
+              <a:rPr lang="en-GB" dirty="0"/>
+              <a:t/>
+            </a:r>
+            <a:br>
+              <a:rPr lang="en-GB" dirty="0"/>
+            </a:br>
+            <a:r>
+              <a:rPr lang="en-GB" dirty="0"/>
+              <a:t>ret = </a:t>
+            </a:r>
+            <a:r>
+              <a:rPr lang="en-GB" dirty="0" err="1" smtClean="0"/>
+              <a:t>PyObject_GetBuffer</a:t>
+            </a:r>
+            <a:r>
+              <a:rPr lang="en-GB" dirty="0" smtClean="0"/>
+              <a:t>(</a:t>
+            </a:r>
+            <a:r>
+              <a:rPr lang="en-GB" dirty="0" err="1" smtClean="0"/>
+              <a:t>obj</a:t>
+            </a:r>
+            <a:r>
+              <a:rPr lang="en-GB" dirty="0"/>
+              <a:t>, </a:t>
+            </a:r>
+            <a:r>
+              <a:rPr lang="en-GB" dirty="0" smtClean="0"/>
+              <a:t>&amp;</a:t>
+            </a:r>
+            <a:r>
+              <a:rPr lang="en-GB" dirty="0"/>
+              <a:t>b, </a:t>
+            </a:r>
+            <a:r>
+              <a:rPr lang="en-GB" dirty="0" err="1" smtClean="0"/>
+              <a:t>PyBUF_WRITABLE</a:t>
+            </a:r>
+            <a:r>
+              <a:rPr lang="en-GB" dirty="0" smtClean="0"/>
+              <a:t>); </a:t>
+            </a:r>
+          </a:p>
+          <a:p>
+            <a:r>
+              <a:rPr lang="en-GB" dirty="0" smtClean="0"/>
+              <a:t>In any case</a:t>
+            </a:r>
+            <a:endParaRPr lang="en-GB" dirty="0"/>
+          </a:p>
+          <a:p>
+            <a:pPr marL="457200" lvl="1" indent="0">
+              <a:buNone/>
+            </a:pPr>
+            <a:r>
+              <a:rPr lang="en-GB" dirty="0" err="1" smtClean="0"/>
+              <a:t>PyBuffer_Release</a:t>
+            </a:r>
+            <a:r>
+              <a:rPr lang="en-GB" dirty="0" smtClean="0"/>
+              <a:t>(&amp;b);</a:t>
+            </a:r>
+          </a:p>
+          <a:p>
+            <a:r>
+              <a:rPr lang="en-GB" dirty="0" smtClean="0"/>
+              <a:t>Consider</a:t>
+            </a:r>
+          </a:p>
+          <a:p>
+            <a:pPr marL="457200" lvl="1" indent="0">
+              <a:buNone/>
+            </a:pPr>
+            <a:r>
+              <a:rPr lang="en-GB" dirty="0"/>
+              <a:t>ret = </a:t>
+            </a:r>
+            <a:r>
+              <a:rPr lang="en-GB" dirty="0" err="1" smtClean="0"/>
+              <a:t>PyObject_TypeCheck</a:t>
+            </a:r>
+            <a:r>
+              <a:rPr lang="en-GB" dirty="0" smtClean="0"/>
+              <a:t>(</a:t>
+            </a:r>
+            <a:r>
+              <a:rPr lang="en-GB" dirty="0" err="1" smtClean="0"/>
+              <a:t>obj</a:t>
+            </a:r>
+            <a:r>
+              <a:rPr lang="en-GB" dirty="0" smtClean="0"/>
+              <a:t>, </a:t>
+            </a:r>
+            <a:r>
+              <a:rPr lang="en-GB" dirty="0" err="1" smtClean="0"/>
+              <a:t>type_obj</a:t>
+            </a:r>
+            <a:r>
+              <a:rPr lang="en-GB" dirty="0" smtClean="0"/>
+              <a:t>);</a:t>
+            </a:r>
+          </a:p>
+          <a:p>
+            <a:pPr marL="457200" lvl="1" indent="0">
+              <a:buNone/>
+            </a:pPr>
+            <a:r>
+              <a:rPr lang="en-GB" dirty="0" smtClean="0"/>
+              <a:t>or</a:t>
+            </a:r>
+          </a:p>
+          <a:p>
+            <a:pPr marL="457200" lvl="1" indent="0">
+              <a:buNone/>
+            </a:pPr>
+            <a:r>
+              <a:rPr lang="en-GB" dirty="0" err="1" smtClean="0"/>
+              <a:t>PyObject_Type</a:t>
+            </a:r>
+            <a:r>
+              <a:rPr lang="en-GB" dirty="0" smtClean="0"/>
+              <a:t>(</a:t>
+            </a:r>
+            <a:r>
+              <a:rPr lang="en-GB" dirty="0" err="1" smtClean="0"/>
+              <a:t>obj</a:t>
+            </a:r>
+            <a:r>
+              <a:rPr lang="en-GB" dirty="0" smtClean="0"/>
+              <a:t>) == </a:t>
+            </a:r>
+            <a:r>
+              <a:rPr lang="en-GB" dirty="0" err="1" smtClean="0"/>
+              <a:t>type_obj</a:t>
+            </a:r>
+            <a:endParaRPr lang="en-GB" dirty="0" smtClean="0"/>
+          </a:p>
+          <a:p>
+            <a:pPr marL="457200" lvl="1" indent="0">
+              <a:buNone/>
+            </a:pPr>
+            <a:r>
+              <a:rPr lang="en-GB" dirty="0" smtClean="0"/>
+              <a:t>or simpler</a:t>
+            </a:r>
+          </a:p>
+          <a:p>
+            <a:pPr marL="457200" lvl="1" indent="0">
+              <a:buNone/>
+            </a:pPr>
+            <a:r>
+              <a:rPr lang="en-GB" dirty="0" err="1" smtClean="0"/>
+              <a:t>obj</a:t>
+            </a:r>
+            <a:r>
+              <a:rPr lang="en-GB" dirty="0"/>
+              <a:t>-</a:t>
+            </a:r>
+            <a:r>
+              <a:rPr lang="en-GB" dirty="0" smtClean="0"/>
+              <a:t>&gt;</a:t>
+            </a:r>
+            <a:r>
+              <a:rPr lang="en-GB" dirty="0" err="1" smtClean="0"/>
+              <a:t>ob_type</a:t>
+            </a:r>
+            <a:r>
+              <a:rPr lang="en-GB" dirty="0" smtClean="0"/>
+              <a:t> == </a:t>
+            </a:r>
+            <a:r>
+              <a:rPr lang="en-GB" dirty="0" err="1" smtClean="0"/>
+              <a:t>type_obj</a:t>
+            </a:r>
+            <a:r>
+              <a:rPr lang="en-GB" dirty="0" smtClean="0"/>
+              <a:t>  </a:t>
+            </a:r>
+          </a:p>
+        </p:txBody>
+      </p:sp>
+    </p:spTree>
+    <p:extLst>
+      <p:ext uri="{BB962C8B-B14F-4D97-AF65-F5344CB8AC3E}">
+        <p14:creationId xmlns:p14="http://schemas.microsoft.com/office/powerpoint/2010/main" val="2973595614"/>
+      </p:ext>
+    </p:extLst>
+  </p:cSld>
+  <p:clrMapOvr>
+    <a:masterClrMapping/>
+  </p:clrMapOvr>
+  <p:timing>
+    <p:tnLst>
+      <p:par>
+        <p:cTn id="1" dur="indefinite" restart="never" nodeType="tmRoot"/>
+      </p:par>
+    </p:tnLst>
+  </p:timing>
+</p:sld>
+</file>
+
+<file path=ppt/slides/slide23.xml><?xml version="1.0" encoding="utf-8"?>
+<p:sld xmlns:a="http://schemas.openxmlformats.org/drawingml/2006/main" xmlns:r="http://schemas.openxmlformats.org/officeDocument/2006/relationships" xmlns:p="http://schemas.openxmlformats.org/presentationml/2006/main">
+  <p:cSld>
+    <p:spTree>
+      <p:nvGrpSpPr>
+        <p:cNvPr id="1" name=""/>
+        <p:cNvGrpSpPr/>
+        <p:nvPr/>
+      </p:nvGrpSpPr>
+      <p:grpSpPr>
+        <a:xfrm>
+          <a:off x="0" y="0"/>
+          <a:ext cx="0" cy="0"/>
+          <a:chOff x="0" y="0"/>
+          <a:chExt cx="0" cy="0"/>
+        </a:xfrm>
+      </p:grpSpPr>
+      <p:sp>
+        <p:nvSpPr>
+          <p:cNvPr id="2" name="Titel 1"/>
+          <p:cNvSpPr>
+            <a:spLocks noGrp="1"/>
+          </p:cNvSpPr>
+          <p:nvPr>
+            <p:ph type="title"/>
+          </p:nvPr>
+        </p:nvSpPr>
+        <p:spPr/>
+        <p:txBody>
+          <a:bodyPr/>
+          <a:lstStyle/>
+          <a:p>
+            <a:r>
+              <a:rPr lang="en-GB" dirty="0" smtClean="0"/>
+              <a:t>Data Arrays (</a:t>
+            </a:r>
+            <a:r>
+              <a:rPr lang="en-GB" dirty="0"/>
+              <a:t>3</a:t>
+            </a:r>
+            <a:r>
+              <a:rPr lang="en-GB" dirty="0" smtClean="0"/>
+              <a:t>/3)</a:t>
+            </a:r>
+            <a:endParaRPr lang="en-GB" dirty="0"/>
+          </a:p>
+        </p:txBody>
+      </p:sp>
+      <p:sp>
+        <p:nvSpPr>
+          <p:cNvPr id="3" name="Inhaltsplatzhalter 2"/>
+          <p:cNvSpPr>
+            <a:spLocks noGrp="1"/>
+          </p:cNvSpPr>
+          <p:nvPr>
+            <p:ph idx="1"/>
+          </p:nvPr>
+        </p:nvSpPr>
+        <p:spPr/>
+        <p:txBody>
+          <a:bodyPr>
+            <a:normAutofit/>
+          </a:bodyPr>
+          <a:lstStyle/>
+          <a:p>
+            <a:r>
+              <a:rPr lang="en-GB" dirty="0" err="1" smtClean="0"/>
+              <a:t>CArray</a:t>
+            </a:r>
+            <a:endParaRPr lang="en-GB" dirty="0" smtClean="0"/>
+          </a:p>
+          <a:p>
+            <a:pPr lvl="1"/>
+            <a:r>
+              <a:rPr lang="en-GB" dirty="0" smtClean="0"/>
+              <a:t>implements Buffer protocol  </a:t>
+            </a:r>
+          </a:p>
+          <a:p>
+            <a:pPr lvl="1"/>
+            <a:r>
+              <a:rPr lang="en-GB" dirty="0" smtClean="0"/>
+              <a:t>implements Sequence protocol</a:t>
+            </a:r>
+          </a:p>
+          <a:p>
+            <a:r>
+              <a:rPr lang="en-GB" dirty="0" smtClean="0"/>
+              <a:t>TODO</a:t>
+            </a:r>
+          </a:p>
+          <a:p>
+            <a:pPr lvl="1"/>
+            <a:r>
+              <a:rPr lang="en-GB" dirty="0" smtClean="0"/>
+              <a:t>Make </a:t>
+            </a:r>
+            <a:r>
+              <a:rPr lang="en-GB" dirty="0" err="1" smtClean="0"/>
+              <a:t>dtype</a:t>
+            </a:r>
+            <a:r>
+              <a:rPr lang="en-GB" dirty="0" smtClean="0"/>
+              <a:t>-format-string conform to Python ‘</a:t>
+            </a:r>
+            <a:r>
+              <a:rPr lang="en-GB" dirty="0" err="1" smtClean="0"/>
+              <a:t>struct</a:t>
+            </a:r>
+            <a:r>
+              <a:rPr lang="en-GB" dirty="0" smtClean="0"/>
+              <a:t>’ module, see </a:t>
+            </a:r>
+            <a:br>
+              <a:rPr lang="en-GB" dirty="0" smtClean="0"/>
+            </a:br>
+            <a:r>
+              <a:rPr lang="en-GB" dirty="0" smtClean="0"/>
+              <a:t>6.3.  </a:t>
+            </a:r>
+            <a:r>
+              <a:rPr lang="en-GB" dirty="0" err="1" smtClean="0"/>
+              <a:t>struct</a:t>
+            </a:r>
+            <a:r>
+              <a:rPr lang="en-GB" dirty="0" smtClean="0"/>
+              <a:t> </a:t>
+            </a:r>
+            <a:r>
+              <a:rPr lang="en-GB" dirty="0"/>
+              <a:t>— Interpret bytes as packed binary </a:t>
+            </a:r>
+            <a:r>
+              <a:rPr lang="en-GB" dirty="0" smtClean="0"/>
+              <a:t>data, see also</a:t>
+            </a:r>
+            <a:br>
+              <a:rPr lang="en-GB" dirty="0" smtClean="0"/>
+            </a:br>
+            <a:r>
+              <a:rPr lang="en-GB" dirty="0" err="1" smtClean="0"/>
+              <a:t>PyBuffer_SizeFromFormat</a:t>
+            </a:r>
+            <a:r>
+              <a:rPr lang="en-GB" dirty="0" smtClean="0"/>
+              <a:t>(format) </a:t>
+            </a:r>
+            <a:endParaRPr lang="en-GB" dirty="0"/>
+          </a:p>
+          <a:p>
+            <a:pPr lvl="1"/>
+            <a:endParaRPr lang="en-GB" dirty="0" smtClean="0"/>
+          </a:p>
+        </p:txBody>
+      </p:sp>
+    </p:spTree>
+    <p:extLst>
+      <p:ext uri="{BB962C8B-B14F-4D97-AF65-F5344CB8AC3E}">
+        <p14:creationId xmlns:p14="http://schemas.microsoft.com/office/powerpoint/2010/main" val="845572741"/>
+      </p:ext>
+    </p:extLst>
+  </p:cSld>
+  <p:clrMapOvr>
+    <a:masterClrMapping/>
+  </p:clrMapOvr>
+  <p:timing>
+    <p:tnLst>
+      <p:par>
+        <p:cTn id="1" dur="indefinite" restart="never" nodeType="tmRoot"/>
+      </p:par>
+    </p:tnLst>
+  </p:timing>
+</p:sld>
+</file>
+
+<file path=ppt/slides/slide24.xml><?xml version="1.0" encoding="utf-8"?>
+<p:sld xmlns:a="http://schemas.openxmlformats.org/drawingml/2006/main" xmlns:r="http://schemas.openxmlformats.org/officeDocument/2006/relationships" xmlns:p="http://schemas.openxmlformats.org/presentationml/2006/main">
+  <p:cSld>
+    <p:spTree>
+      <p:nvGrpSpPr>
+        <p:cNvPr id="1" name=""/>
+        <p:cNvGrpSpPr/>
+        <p:nvPr/>
+      </p:nvGrpSpPr>
+      <p:grpSpPr>
+        <a:xfrm>
+          <a:off x="0" y="0"/>
+          <a:ext cx="0" cy="0"/>
+          <a:chOff x="0" y="0"/>
+          <a:chExt cx="0" cy="0"/>
+        </a:xfrm>
+      </p:grpSpPr>
+      <p:sp>
+        <p:nvSpPr>
+          <p:cNvPr id="2" name="Titel 1"/>
+          <p:cNvSpPr>
+            <a:spLocks noGrp="1"/>
+          </p:cNvSpPr>
+          <p:nvPr>
+            <p:ph type="title"/>
+          </p:nvPr>
+        </p:nvSpPr>
+        <p:spPr/>
+        <p:txBody>
+          <a:bodyPr/>
+          <a:lstStyle/>
+          <a:p>
+            <a:r>
+              <a:rPr lang="en-GB" dirty="0" smtClean="0"/>
+              <a:t>Multithreading</a:t>
+            </a:r>
+            <a:endParaRPr lang="en-GB" dirty="0"/>
+          </a:p>
+        </p:txBody>
+      </p:sp>
+      <p:sp>
+        <p:nvSpPr>
+          <p:cNvPr id="3" name="Inhaltsplatzhalter 2"/>
+          <p:cNvSpPr>
+            <a:spLocks noGrp="1"/>
+          </p:cNvSpPr>
+          <p:nvPr>
+            <p:ph idx="1"/>
+          </p:nvPr>
+        </p:nvSpPr>
+        <p:spPr/>
+        <p:txBody>
+          <a:bodyPr>
+            <a:normAutofit lnSpcReduction="10000"/>
+          </a:bodyPr>
+          <a:lstStyle/>
+          <a:p>
+            <a:r>
+              <a:rPr lang="en-GB" dirty="0" smtClean="0"/>
+              <a:t>If BEAM Java calls into Python from multiple Java threads for executing e.g. a tile computation, we can consider</a:t>
+            </a:r>
+          </a:p>
+          <a:p>
+            <a:pPr lvl="1"/>
+            <a:r>
+              <a:rPr lang="en-GB" dirty="0" err="1" smtClean="0"/>
+              <a:t>PyThreadState</a:t>
+            </a:r>
+            <a:r>
+              <a:rPr lang="en-GB" dirty="0" smtClean="0"/>
+              <a:t>* </a:t>
+            </a:r>
+            <a:r>
+              <a:rPr lang="en-GB" dirty="0" err="1" smtClean="0"/>
+              <a:t>tstate</a:t>
+            </a:r>
+            <a:r>
+              <a:rPr lang="en-GB" dirty="0" smtClean="0"/>
+              <a:t>;</a:t>
+            </a:r>
+          </a:p>
+          <a:p>
+            <a:pPr lvl="1"/>
+            <a:r>
+              <a:rPr lang="en-GB" dirty="0" err="1" smtClean="0"/>
+              <a:t>tstate</a:t>
+            </a:r>
+            <a:r>
+              <a:rPr lang="en-GB" dirty="0" smtClean="0"/>
+              <a:t> = </a:t>
+            </a:r>
+            <a:r>
+              <a:rPr lang="en-GB" dirty="0" err="1"/>
+              <a:t>Py_NewInterpreter</a:t>
+            </a:r>
+            <a:r>
+              <a:rPr lang="en-GB" dirty="0" smtClean="0"/>
+              <a:t>();</a:t>
+            </a:r>
+          </a:p>
+          <a:p>
+            <a:pPr lvl="1"/>
+            <a:r>
+              <a:rPr lang="en-GB" dirty="0" smtClean="0"/>
+              <a:t>…</a:t>
+            </a:r>
+            <a:r>
+              <a:rPr lang="en-GB" i="1" dirty="0" smtClean="0"/>
+              <a:t> call into python code</a:t>
+            </a:r>
+          </a:p>
+          <a:p>
+            <a:pPr lvl="1"/>
+            <a:r>
+              <a:rPr lang="en-GB" dirty="0" err="1" smtClean="0"/>
+              <a:t>Py_EndInterpreter</a:t>
+            </a:r>
+            <a:r>
+              <a:rPr lang="en-GB" dirty="0" smtClean="0"/>
+              <a:t>(</a:t>
+            </a:r>
+            <a:r>
+              <a:rPr lang="en-GB" dirty="0" err="1" smtClean="0"/>
+              <a:t>tstate</a:t>
+            </a:r>
+            <a:r>
+              <a:rPr lang="en-GB" dirty="0" smtClean="0"/>
+              <a:t>);  </a:t>
+            </a:r>
+          </a:p>
+          <a:p>
+            <a:pPr marL="342900" lvl="1" indent="-342900">
+              <a:buFont typeface="Arial" pitchFamily="34" charset="0"/>
+              <a:buChar char="•"/>
+            </a:pPr>
+            <a:r>
+              <a:rPr lang="en-GB" dirty="0"/>
+              <a:t>See </a:t>
+            </a:r>
+            <a:r>
+              <a:rPr lang="en-GB" dirty="0" smtClean="0"/>
+              <a:t>“Initialization</a:t>
+            </a:r>
+            <a:r>
+              <a:rPr lang="en-GB" dirty="0"/>
+              <a:t>, Finalization, and </a:t>
+            </a:r>
+            <a:r>
+              <a:rPr lang="en-GB" dirty="0" smtClean="0"/>
+              <a:t>Threads” </a:t>
+            </a:r>
+            <a:r>
+              <a:rPr lang="en-GB" dirty="0"/>
+              <a:t>in Python/C API Reference Manual</a:t>
+            </a:r>
+          </a:p>
+          <a:p>
+            <a:pPr marL="0" indent="0">
+              <a:buNone/>
+            </a:pPr>
+            <a:endParaRPr lang="en-GB" dirty="0"/>
+          </a:p>
+        </p:txBody>
+      </p:sp>
+    </p:spTree>
+    <p:extLst>
+      <p:ext uri="{BB962C8B-B14F-4D97-AF65-F5344CB8AC3E}">
+        <p14:creationId xmlns:p14="http://schemas.microsoft.com/office/powerpoint/2010/main" val="183588086"/>
+      </p:ext>
+    </p:extLst>
+  </p:cSld>
+  <p:clrMapOvr>
+    <a:masterClrMapping/>
+  </p:clrMapOvr>
+  <p:timing>
+    <p:tnLst>
+      <p:par>
+        <p:cTn id="1" dur="indefinite" restart="never" nodeType="tmRoot"/>
+      </p:par>
+    </p:tnLst>
+  </p:timing>
+</p:sld>
+</file>
+
+<file path=ppt/slides/slide25.xml><?xml version="1.0" encoding="utf-8"?>
+<p:sld xmlns:a="http://schemas.openxmlformats.org/drawingml/2006/main" xmlns:r="http://schemas.openxmlformats.org/officeDocument/2006/relationships" xmlns:p="http://schemas.openxmlformats.org/presentationml/2006/main">
+  <p:cSld>
+    <p:spTree>
+      <p:nvGrpSpPr>
+        <p:cNvPr id="1" name=""/>
+        <p:cNvGrpSpPr/>
+        <p:nvPr/>
+      </p:nvGrpSpPr>
+      <p:grpSpPr>
+        <a:xfrm>
+          <a:off x="0" y="0"/>
+          <a:ext cx="0" cy="0"/>
+          <a:chOff x="0" y="0"/>
+          <a:chExt cx="0" cy="0"/>
+        </a:xfrm>
+      </p:grpSpPr>
+      <p:sp>
+        <p:nvSpPr>
+          <p:cNvPr id="2" name="Titel 1"/>
+          <p:cNvSpPr>
+            <a:spLocks noGrp="1"/>
+          </p:cNvSpPr>
+          <p:nvPr>
+            <p:ph type="title"/>
+          </p:nvPr>
+        </p:nvSpPr>
+        <p:spPr/>
+        <p:txBody>
+          <a:bodyPr/>
+          <a:lstStyle/>
+          <a:p>
+            <a:r>
+              <a:rPr lang="en-GB" dirty="0" smtClean="0"/>
+              <a:t>Alternatives (1/2)</a:t>
+            </a:r>
+            <a:endParaRPr lang="en-GB" dirty="0"/>
+          </a:p>
+        </p:txBody>
+      </p:sp>
+      <p:sp>
+        <p:nvSpPr>
+          <p:cNvPr id="3" name="Inhaltsplatzhalter 2"/>
+          <p:cNvSpPr>
+            <a:spLocks noGrp="1"/>
+          </p:cNvSpPr>
+          <p:nvPr>
+            <p:ph idx="1"/>
+          </p:nvPr>
+        </p:nvSpPr>
+        <p:spPr/>
+        <p:txBody>
+          <a:bodyPr/>
+          <a:lstStyle/>
+          <a:p>
+            <a:r>
+              <a:rPr lang="en-GB" b="1" dirty="0" err="1"/>
+              <a:t>Jep</a:t>
+            </a:r>
+            <a:r>
+              <a:rPr lang="en-GB" dirty="0"/>
+              <a:t> - Java Embedded Python</a:t>
+            </a:r>
+          </a:p>
+          <a:p>
+            <a:pPr lvl="1"/>
+            <a:r>
+              <a:rPr lang="en-GB" dirty="0" err="1"/>
+              <a:t>Jep</a:t>
+            </a:r>
+            <a:r>
+              <a:rPr lang="en-GB" dirty="0"/>
+              <a:t> embeds </a:t>
+            </a:r>
+            <a:r>
+              <a:rPr lang="en-GB" dirty="0" err="1"/>
+              <a:t>CPython</a:t>
+            </a:r>
+            <a:r>
+              <a:rPr lang="en-GB" dirty="0"/>
+              <a:t> in Java. It is safe to use in a heavily threaded environment, it is quite fast and its stability is a main feature and goal.</a:t>
+            </a:r>
+          </a:p>
+          <a:p>
+            <a:pPr lvl="1"/>
+            <a:r>
+              <a:rPr lang="en-GB" dirty="0" smtClean="0">
+                <a:hlinkClick r:id="rId2"/>
+              </a:rPr>
+              <a:t>https</a:t>
+            </a:r>
+            <a:r>
+              <a:rPr lang="en-GB" dirty="0">
+                <a:hlinkClick r:id="rId2"/>
+              </a:rPr>
+              <a:t>://</a:t>
+            </a:r>
+            <a:r>
+              <a:rPr lang="en-GB" dirty="0" smtClean="0">
+                <a:hlinkClick r:id="rId2"/>
+              </a:rPr>
+              <a:t>github.com/mrj0/jep</a:t>
+            </a:r>
+            <a:endParaRPr lang="en-GB" dirty="0" smtClean="0"/>
+          </a:p>
+          <a:p>
+            <a:pPr lvl="1"/>
+            <a:r>
+              <a:rPr lang="en-GB" dirty="0" smtClean="0"/>
+              <a:t>Check: can it be used to call Python from Java</a:t>
+            </a:r>
+          </a:p>
+          <a:p>
+            <a:pPr lvl="1"/>
+            <a:r>
+              <a:rPr lang="en-GB" dirty="0" smtClean="0"/>
+              <a:t>Check: No windows support</a:t>
+            </a:r>
+          </a:p>
+          <a:p>
+            <a:pPr lvl="1"/>
+            <a:r>
+              <a:rPr lang="en-GB" dirty="0" smtClean="0"/>
+              <a:t>Check: last activity 9 months ago</a:t>
+            </a:r>
+            <a:endParaRPr lang="en-GB" dirty="0"/>
+          </a:p>
+        </p:txBody>
+      </p:sp>
+    </p:spTree>
+    <p:extLst>
+      <p:ext uri="{BB962C8B-B14F-4D97-AF65-F5344CB8AC3E}">
+        <p14:creationId xmlns:p14="http://schemas.microsoft.com/office/powerpoint/2010/main" val="1310829027"/>
+      </p:ext>
+    </p:extLst>
+  </p:cSld>
+  <p:clrMapOvr>
+    <a:masterClrMapping/>
+  </p:clrMapOvr>
+  <p:timing>
+    <p:tnLst>
+      <p:par>
+        <p:cTn id="1" dur="indefinite" restart="never" nodeType="tmRoot"/>
+      </p:par>
+    </p:tnLst>
+  </p:timing>
+</p:sld>
+</file>
+
+<file path=ppt/slides/slide26.xml><?xml version="1.0" encoding="utf-8"?>
+<p:sld xmlns:a="http://schemas.openxmlformats.org/drawingml/2006/main" xmlns:r="http://schemas.openxmlformats.org/officeDocument/2006/relationships" xmlns:p="http://schemas.openxmlformats.org/presentationml/2006/main">
+  <p:cSld>
+    <p:spTree>
+      <p:nvGrpSpPr>
+        <p:cNvPr id="1" name=""/>
+        <p:cNvGrpSpPr/>
+        <p:nvPr/>
+      </p:nvGrpSpPr>
+      <p:grpSpPr>
+        <a:xfrm>
+          <a:off x="0" y="0"/>
+          <a:ext cx="0" cy="0"/>
+          <a:chOff x="0" y="0"/>
+          <a:chExt cx="0" cy="0"/>
+        </a:xfrm>
+      </p:grpSpPr>
+      <p:sp>
+        <p:nvSpPr>
+          <p:cNvPr id="2" name="Titel 1"/>
+          <p:cNvSpPr>
+            <a:spLocks noGrp="1"/>
+          </p:cNvSpPr>
+          <p:nvPr>
+            <p:ph type="title"/>
+          </p:nvPr>
+        </p:nvSpPr>
+        <p:spPr/>
+        <p:txBody>
+          <a:bodyPr/>
+          <a:lstStyle/>
+          <a:p>
+            <a:r>
+              <a:rPr lang="en-GB" dirty="0" smtClean="0"/>
               <a:t>Alternatives (2/2)</a:t>
             </a:r>
             <a:endParaRPr lang="en-GB" dirty="0"/>
@@ -13450,7 +15151,7 @@
 </p:sld>
 </file>
 
-<file path=ppt/slides/slide23.xml><?xml version="1.0" encoding="utf-8"?>
+<file path=ppt/slides/slide27.xml><?xml version="1.0" encoding="utf-8"?>
 <p:sld xmlns:a="http://schemas.openxmlformats.org/drawingml/2006/main" xmlns:r="http://schemas.openxmlformats.org/officeDocument/2006/relationships" xmlns:p="http://schemas.openxmlformats.org/presentationml/2006/main">
   <p:cSld>
     <p:spTree>

--- a/docs/beam-extapi.pptx
+++ b/docs/beam-extapi.pptx
@@ -5183,14 +5183,14 @@
           <p:nvPr>
             <p:extLst>
               <p:ext uri="{D42A27DB-BD31-4B8C-83A1-F6EECF244321}">
-                <p14:modId xmlns:p14="http://schemas.microsoft.com/office/powerpoint/2010/main" val="1799130856"/>
+                <p14:modId xmlns:p14="http://schemas.microsoft.com/office/powerpoint/2010/main" val="1993881139"/>
               </p:ext>
             </p:extLst>
           </p:nvPr>
         </p:nvGraphicFramePr>
         <p:xfrm>
           <a:off x="4211959" y="1412776"/>
-          <a:ext cx="4752527" cy="5105400"/>
+          <a:ext cx="4752527" cy="5191760"/>
         </p:xfrm>
         <a:graphic>
           <a:graphicData uri="http://schemas.openxmlformats.org/drawingml/2006/table">
@@ -6819,7 +6819,21 @@
                           <a:ea typeface="+mn-ea"/>
                           <a:cs typeface="+mn-cs"/>
                         </a:rPr>
-                        <a:t>: </a:t>
+                        <a:t>:</a:t>
+                      </a:r>
+                      <a:r>
+                        <a:rPr lang="en-GB" sz="1200" kern="1200" dirty="0" smtClean="0">
+                          <a:solidFill>
+                            <a:schemeClr val="accent1">
+                              <a:lumMod val="75000"/>
+                            </a:schemeClr>
+                          </a:solidFill>
+                          <a:latin typeface="+mn-lt"/>
+                          <a:ea typeface="+mn-ea"/>
+                          <a:cs typeface="+mn-cs"/>
+                          <a:sym typeface="Wingdings" pitchFamily="2" charset="2"/>
+                        </a:rPr>
+                        <a:t> </a:t>
                       </a:r>
                       <a:r>
                         <a:rPr lang="en-GB" sz="1200" kern="1200" dirty="0" err="1" smtClean="0">
@@ -6831,6 +6845,7 @@
                           <a:latin typeface="+mn-lt"/>
                           <a:ea typeface="+mn-ea"/>
                           <a:cs typeface="+mn-cs"/>
+                          <a:sym typeface="Wingdings" pitchFamily="2" charset="2"/>
                         </a:rPr>
                         <a:t>n.a</a:t>
                       </a:r>
@@ -6844,9 +6859,20 @@
                           <a:latin typeface="+mn-lt"/>
                           <a:ea typeface="+mn-ea"/>
                           <a:cs typeface="+mn-cs"/>
+                          <a:sym typeface="Wingdings" pitchFamily="2" charset="2"/>
                         </a:rPr>
                         <a:t>.</a:t>
                       </a:r>
+                      <a:endParaRPr lang="en-GB" sz="1200" kern="1200" dirty="0" smtClean="0">
+                        <a:solidFill>
+                          <a:schemeClr val="accent1">
+                            <a:lumMod val="75000"/>
+                          </a:schemeClr>
+                        </a:solidFill>
+                        <a:latin typeface="+mn-lt"/>
+                        <a:ea typeface="+mn-ea"/>
+                        <a:cs typeface="+mn-cs"/>
+                      </a:endParaRPr>
                     </a:p>
                     <a:p>
                       <a:pPr marL="0" lvl="0" indent="-57150" algn="l" defTabSz="914400" rtl="0" eaLnBrk="1" latinLnBrk="0" hangingPunct="1">
@@ -6854,6 +6880,19 @@
                         <a:buNone/>
                       </a:pPr>
                       <a:r>
+                        <a:rPr lang="en-GB" sz="1200" kern="1200" dirty="0" smtClean="0">
+                          <a:solidFill>
+                            <a:schemeClr val="accent1">
+                              <a:lumMod val="75000"/>
+                            </a:schemeClr>
+                          </a:solidFill>
+                          <a:latin typeface="+mn-lt"/>
+                          <a:ea typeface="+mn-ea"/>
+                          <a:cs typeface="+mn-cs"/>
+                        </a:rPr>
+                        <a:t>(*</a:t>
+                      </a:r>
+                      <a:r>
                         <a:rPr lang="en-GB" sz="1200" kern="1200" dirty="0" err="1" smtClean="0">
                           <a:solidFill>
                             <a:schemeClr val="accent1">
@@ -6864,7 +6903,7 @@
                           <a:ea typeface="+mn-ea"/>
                           <a:cs typeface="+mn-cs"/>
                         </a:rPr>
-                        <a:t>derefObject</a:t>
+                        <a:t>jenv</a:t>
                       </a:r>
                       <a:r>
                         <a:rPr lang="en-GB" sz="1200" kern="1200" dirty="0" smtClean="0">
@@ -6877,6 +6916,32 @@
                           <a:ea typeface="+mn-ea"/>
                           <a:cs typeface="+mn-cs"/>
                         </a:rPr>
+                        <a:t>)-&gt;</a:t>
+                      </a:r>
+                      <a:r>
+                        <a:rPr lang="en-GB" sz="1200" kern="1200" dirty="0" err="1" smtClean="0">
+                          <a:solidFill>
+                            <a:schemeClr val="accent1">
+                              <a:lumMod val="75000"/>
+                            </a:schemeClr>
+                          </a:solidFill>
+                          <a:latin typeface="+mn-lt"/>
+                          <a:ea typeface="+mn-ea"/>
+                          <a:cs typeface="+mn-cs"/>
+                        </a:rPr>
+                        <a:t>DeleteLocalRef</a:t>
+                      </a:r>
+                      <a:r>
+                        <a:rPr lang="en-GB" sz="1200" kern="1200" dirty="0" smtClean="0">
+                          <a:solidFill>
+                            <a:schemeClr val="accent1">
+                              <a:lumMod val="75000"/>
+                            </a:schemeClr>
+                          </a:solidFill>
+                          <a:latin typeface="+mn-lt"/>
+                          <a:ea typeface="+mn-ea"/>
+                          <a:cs typeface="+mn-cs"/>
+                        </a:rPr>
                         <a:t>(</a:t>
                       </a:r>
                       <a:r>
@@ -6890,7 +6955,7 @@
                           <a:ea typeface="+mn-ea"/>
                           <a:cs typeface="+mn-cs"/>
                         </a:rPr>
-                        <a:t>js</a:t>
+                        <a:t>jenv,js</a:t>
                       </a:r>
                       <a:r>
                         <a:rPr lang="en-GB" sz="1200" kern="1200" dirty="0" smtClean="0">
@@ -6948,7 +7013,21 @@
                           <a:ea typeface="+mn-ea"/>
                           <a:cs typeface="+mn-cs"/>
                         </a:rPr>
-                        <a:t>: </a:t>
+                        <a:t>:</a:t>
+                      </a:r>
+                      <a:r>
+                        <a:rPr lang="en-GB" sz="1200" kern="1200" dirty="0" smtClean="0">
+                          <a:solidFill>
+                            <a:schemeClr val="accent1">
+                              <a:lumMod val="75000"/>
+                            </a:schemeClr>
+                          </a:solidFill>
+                          <a:latin typeface="+mn-lt"/>
+                          <a:ea typeface="+mn-ea"/>
+                          <a:cs typeface="+mn-cs"/>
+                          <a:sym typeface="Wingdings" pitchFamily="2" charset="2"/>
+                        </a:rPr>
+                        <a:t> </a:t>
                       </a:r>
                       <a:r>
                         <a:rPr lang="en-GB" sz="1200" kern="1200" dirty="0" err="1" smtClean="0">
@@ -6960,6 +7039,7 @@
                           <a:latin typeface="+mn-lt"/>
                           <a:ea typeface="+mn-ea"/>
                           <a:cs typeface="+mn-cs"/>
+                          <a:sym typeface="Wingdings" pitchFamily="2" charset="2"/>
                         </a:rPr>
                         <a:t>n.a</a:t>
                       </a:r>
@@ -6973,9 +7053,20 @@
                           <a:latin typeface="+mn-lt"/>
                           <a:ea typeface="+mn-ea"/>
                           <a:cs typeface="+mn-cs"/>
+                          <a:sym typeface="Wingdings" pitchFamily="2" charset="2"/>
                         </a:rPr>
                         <a:t>.</a:t>
                       </a:r>
+                      <a:endParaRPr lang="en-GB" sz="1200" kern="1200" dirty="0" smtClean="0">
+                        <a:solidFill>
+                          <a:schemeClr val="accent1">
+                            <a:lumMod val="75000"/>
+                          </a:schemeClr>
+                        </a:solidFill>
+                        <a:latin typeface="+mn-lt"/>
+                        <a:ea typeface="+mn-ea"/>
+                        <a:cs typeface="+mn-cs"/>
+                      </a:endParaRPr>
                     </a:p>
                     <a:p>
                       <a:pPr marL="0" lvl="0" indent="-57150" algn="l" defTabSz="914400" rtl="0" eaLnBrk="1" latinLnBrk="0" hangingPunct="1">
@@ -6983,6 +7074,19 @@
                         <a:buNone/>
                       </a:pPr>
                       <a:r>
+                        <a:rPr lang="en-GB" sz="1200" kern="1200" dirty="0" smtClean="0">
+                          <a:solidFill>
+                            <a:schemeClr val="accent1">
+                              <a:lumMod val="75000"/>
+                            </a:schemeClr>
+                          </a:solidFill>
+                          <a:latin typeface="+mn-lt"/>
+                          <a:ea typeface="+mn-ea"/>
+                          <a:cs typeface="+mn-cs"/>
+                        </a:rPr>
+                        <a:t>(*</a:t>
+                      </a:r>
+                      <a:r>
                         <a:rPr lang="en-GB" sz="1200" kern="1200" dirty="0" err="1" smtClean="0">
                           <a:solidFill>
                             <a:schemeClr val="accent1">
@@ -6993,7 +7097,7 @@
                           <a:ea typeface="+mn-ea"/>
                           <a:cs typeface="+mn-cs"/>
                         </a:rPr>
-                        <a:t>derefObject</a:t>
+                        <a:t>jenv</a:t>
                       </a:r>
                       <a:r>
                         <a:rPr lang="en-GB" sz="1200" kern="1200" dirty="0" smtClean="0">
@@ -7006,7 +7110,59 @@
                           <a:ea typeface="+mn-ea"/>
                           <a:cs typeface="+mn-cs"/>
                         </a:rPr>
-                        <a:t>(r) ;</a:t>
+                        <a:t>)-&gt;</a:t>
+                      </a:r>
+                      <a:r>
+                        <a:rPr lang="en-GB" sz="1200" kern="1200" dirty="0" err="1" smtClean="0">
+                          <a:solidFill>
+                            <a:schemeClr val="accent1">
+                              <a:lumMod val="75000"/>
+                            </a:schemeClr>
+                          </a:solidFill>
+                          <a:latin typeface="+mn-lt"/>
+                          <a:ea typeface="+mn-ea"/>
+                          <a:cs typeface="+mn-cs"/>
+                        </a:rPr>
+                        <a:t>DeleteLocalRef</a:t>
+                      </a:r>
+                      <a:r>
+                        <a:rPr lang="en-GB" sz="1200" kern="1200" dirty="0" smtClean="0">
+                          <a:solidFill>
+                            <a:schemeClr val="accent1">
+                              <a:lumMod val="75000"/>
+                            </a:schemeClr>
+                          </a:solidFill>
+                          <a:latin typeface="+mn-lt"/>
+                          <a:ea typeface="+mn-ea"/>
+                          <a:cs typeface="+mn-cs"/>
+                        </a:rPr>
+                        <a:t>(</a:t>
+                      </a:r>
+                      <a:r>
+                        <a:rPr lang="en-GB" sz="1200" kern="1200" dirty="0" err="1" smtClean="0">
+                          <a:solidFill>
+                            <a:schemeClr val="accent1">
+                              <a:lumMod val="75000"/>
+                            </a:schemeClr>
+                          </a:solidFill>
+                          <a:latin typeface="+mn-lt"/>
+                          <a:ea typeface="+mn-ea"/>
+                          <a:cs typeface="+mn-cs"/>
+                        </a:rPr>
+                        <a:t>jenv,jr</a:t>
+                      </a:r>
+                      <a:r>
+                        <a:rPr lang="en-GB" sz="1200" kern="1200" dirty="0" smtClean="0">
+                          <a:solidFill>
+                            <a:schemeClr val="accent1">
+                              <a:lumMod val="75000"/>
+                            </a:schemeClr>
+                          </a:solidFill>
+                          <a:latin typeface="+mn-lt"/>
+                          <a:ea typeface="+mn-ea"/>
+                          <a:cs typeface="+mn-cs"/>
+                        </a:rPr>
+                        <a:t>) ;</a:t>
                       </a:r>
                     </a:p>
                     <a:p>
@@ -7050,6 +7206,7 @@
                           <a:latin typeface="+mn-lt"/>
                           <a:ea typeface="+mn-ea"/>
                           <a:cs typeface="+mn-cs"/>
+                          <a:sym typeface="Wingdings" pitchFamily="2" charset="2"/>
                         </a:rPr>
                         <a:t>: </a:t>
                       </a:r>
@@ -7063,6 +7220,7 @@
                           <a:latin typeface="+mn-lt"/>
                           <a:ea typeface="+mn-ea"/>
                           <a:cs typeface="+mn-cs"/>
+                          <a:sym typeface="Wingdings" pitchFamily="2" charset="2"/>
                         </a:rPr>
                         <a:t>n.a</a:t>
                       </a:r>
@@ -7076,9 +7234,20 @@
                           <a:latin typeface="+mn-lt"/>
                           <a:ea typeface="+mn-ea"/>
                           <a:cs typeface="+mn-cs"/>
+                          <a:sym typeface="Wingdings" pitchFamily="2" charset="2"/>
                         </a:rPr>
                         <a:t>.</a:t>
                       </a:r>
+                      <a:endParaRPr lang="en-GB" sz="1200" kern="1200" dirty="0" smtClean="0">
+                        <a:solidFill>
+                          <a:schemeClr val="accent1">
+                            <a:lumMod val="75000"/>
+                          </a:schemeClr>
+                        </a:solidFill>
+                        <a:latin typeface="+mn-lt"/>
+                        <a:ea typeface="+mn-ea"/>
+                        <a:cs typeface="+mn-cs"/>
+                      </a:endParaRPr>
                     </a:p>
                   </a:txBody>
                   <a:tcPr/>
@@ -7160,6 +7329,19 @@
                         <a:buNone/>
                       </a:pPr>
                       <a:r>
+                        <a:rPr lang="en-GB" sz="1200" kern="1200" dirty="0" smtClean="0">
+                          <a:solidFill>
+                            <a:schemeClr val="accent1">
+                              <a:lumMod val="75000"/>
+                            </a:schemeClr>
+                          </a:solidFill>
+                          <a:latin typeface="+mn-lt"/>
+                          <a:ea typeface="+mn-ea"/>
+                          <a:cs typeface="+mn-cs"/>
+                        </a:rPr>
+                        <a:t>(*</a:t>
+                      </a:r>
+                      <a:r>
                         <a:rPr lang="en-GB" sz="1200" kern="1200" dirty="0" err="1" smtClean="0">
                           <a:solidFill>
                             <a:schemeClr val="accent1">
@@ -7170,7 +7352,7 @@
                           <a:ea typeface="+mn-ea"/>
                           <a:cs typeface="+mn-cs"/>
                         </a:rPr>
-                        <a:t>derefObject</a:t>
+                        <a:t>jenv</a:t>
                       </a:r>
                       <a:r>
                         <a:rPr lang="en-GB" sz="1200" kern="1200" dirty="0" smtClean="0">
@@ -7183,7 +7365,7 @@
                           <a:ea typeface="+mn-ea"/>
                           <a:cs typeface="+mn-cs"/>
                         </a:rPr>
-                        <a:t>(_</a:t>
+                        <a:t>)-&gt;</a:t>
                       </a:r>
                       <a:r>
                         <a:rPr lang="en-GB" sz="1200" kern="1200" dirty="0" err="1" smtClean="0">
@@ -7196,6 +7378,58 @@
                           <a:ea typeface="+mn-ea"/>
                           <a:cs typeface="+mn-cs"/>
                         </a:rPr>
+                        <a:t>DeleteLocalRef</a:t>
+                      </a:r>
+                      <a:r>
+                        <a:rPr lang="en-GB" sz="1200" kern="1200" dirty="0" smtClean="0">
+                          <a:solidFill>
+                            <a:schemeClr val="accent1">
+                              <a:lumMod val="75000"/>
+                            </a:schemeClr>
+                          </a:solidFill>
+                          <a:latin typeface="+mn-lt"/>
+                          <a:ea typeface="+mn-ea"/>
+                          <a:cs typeface="+mn-cs"/>
+                        </a:rPr>
+                        <a:t>(</a:t>
+                      </a:r>
+                      <a:r>
+                        <a:rPr lang="en-GB" sz="1200" kern="1200" dirty="0" err="1" smtClean="0">
+                          <a:solidFill>
+                            <a:schemeClr val="accent1">
+                              <a:lumMod val="75000"/>
+                            </a:schemeClr>
+                          </a:solidFill>
+                          <a:latin typeface="+mn-lt"/>
+                          <a:ea typeface="+mn-ea"/>
+                          <a:cs typeface="+mn-cs"/>
+                        </a:rPr>
+                        <a:t>jenv</a:t>
+                      </a:r>
+                      <a:r>
+                        <a:rPr lang="en-GB" sz="1200" kern="1200" dirty="0" smtClean="0">
+                          <a:solidFill>
+                            <a:schemeClr val="accent1">
+                              <a:lumMod val="75000"/>
+                            </a:schemeClr>
+                          </a:solidFill>
+                          <a:latin typeface="+mn-lt"/>
+                          <a:ea typeface="+mn-ea"/>
+                          <a:cs typeface="+mn-cs"/>
+                        </a:rPr>
+                        <a:t>, _</a:t>
+                      </a:r>
+                      <a:r>
+                        <a:rPr lang="en-GB" sz="1200" kern="1200" dirty="0" err="1" smtClean="0">
+                          <a:solidFill>
+                            <a:schemeClr val="accent1">
+                              <a:lumMod val="75000"/>
+                            </a:schemeClr>
+                          </a:solidFill>
+                          <a:latin typeface="+mn-lt"/>
+                          <a:ea typeface="+mn-ea"/>
+                          <a:cs typeface="+mn-cs"/>
+                        </a:rPr>
                         <a:t>jresult</a:t>
                       </a:r>
                       <a:r>
@@ -7211,7 +7445,7 @@
                         </a:rPr>
                         <a:t>);</a:t>
                       </a:r>
-                      <a:endParaRPr lang="en-GB" sz="1200" kern="1200" dirty="0">
+                      <a:endParaRPr lang="en-GB" sz="1200" kern="1200" dirty="0" smtClean="0">
                         <a:solidFill>
                           <a:schemeClr val="accent1">
                             <a:lumMod val="75000"/>
@@ -8652,14 +8886,14 @@
           <p:nvPr>
             <p:extLst>
               <p:ext uri="{D42A27DB-BD31-4B8C-83A1-F6EECF244321}">
-                <p14:modId xmlns:p14="http://schemas.microsoft.com/office/powerpoint/2010/main" val="2293618256"/>
+                <p14:modId xmlns:p14="http://schemas.microsoft.com/office/powerpoint/2010/main" val="3341701999"/>
               </p:ext>
             </p:extLst>
           </p:nvPr>
         </p:nvGraphicFramePr>
         <p:xfrm>
           <a:off x="4211960" y="1412776"/>
-          <a:ext cx="4464495" cy="4653280"/>
+          <a:ext cx="4464495" cy="4739640"/>
         </p:xfrm>
         <a:graphic>
           <a:graphicData uri="http://schemas.openxmlformats.org/drawingml/2006/table">
@@ -9098,8 +9332,31 @@
                           <a:ea typeface="+mn-ea"/>
                           <a:cs typeface="+mn-cs"/>
                         </a:rPr>
-                        <a:t> = c2jObject(r);</a:t>
-                      </a:r>
+                        <a:t> = </a:t>
+                      </a:r>
+                      <a:r>
+                        <a:rPr lang="en-GB" sz="1200" kern="1200" dirty="0" smtClean="0">
+                          <a:solidFill>
+                            <a:schemeClr val="accent1">
+                              <a:lumMod val="75000"/>
+                            </a:schemeClr>
+                          </a:solidFill>
+                          <a:latin typeface="+mn-lt"/>
+                          <a:ea typeface="+mn-ea"/>
+                          <a:cs typeface="+mn-cs"/>
+                        </a:rPr>
+                        <a:t>c2jObject(b);</a:t>
+                      </a:r>
+                      <a:endParaRPr lang="en-GB" sz="1200" kern="1200" dirty="0" smtClean="0">
+                        <a:solidFill>
+                          <a:schemeClr val="accent1">
+                            <a:lumMod val="75000"/>
+                          </a:schemeClr>
+                        </a:solidFill>
+                        <a:latin typeface="+mn-lt"/>
+                        <a:ea typeface="+mn-ea"/>
+                        <a:cs typeface="+mn-cs"/>
+                      </a:endParaRPr>
                     </a:p>
                   </a:txBody>
                   <a:tcPr/>
@@ -9843,6 +10100,19 @@
                         <a:buNone/>
                       </a:pPr>
                       <a:r>
+                        <a:rPr lang="en-GB" sz="1200" kern="1200" dirty="0" smtClean="0">
+                          <a:solidFill>
+                            <a:schemeClr val="accent1">
+                              <a:lumMod val="75000"/>
+                            </a:schemeClr>
+                          </a:solidFill>
+                          <a:latin typeface="+mn-lt"/>
+                          <a:ea typeface="+mn-ea"/>
+                          <a:cs typeface="+mn-cs"/>
+                        </a:rPr>
+                        <a:t>(*</a:t>
+                      </a:r>
+                      <a:r>
                         <a:rPr lang="en-GB" sz="1200" kern="1200" dirty="0" err="1" smtClean="0">
                           <a:solidFill>
                             <a:schemeClr val="accent1">
@@ -9853,7 +10123,7 @@
                           <a:ea typeface="+mn-ea"/>
                           <a:cs typeface="+mn-cs"/>
                         </a:rPr>
-                        <a:t>derefObject</a:t>
+                        <a:t>jenv</a:t>
                       </a:r>
                       <a:r>
                         <a:rPr lang="en-GB" sz="1200" kern="1200" dirty="0" smtClean="0">
@@ -9866,6 +10136,32 @@
                           <a:ea typeface="+mn-ea"/>
                           <a:cs typeface="+mn-cs"/>
                         </a:rPr>
+                        <a:t>)-&gt;</a:t>
+                      </a:r>
+                      <a:r>
+                        <a:rPr lang="en-GB" sz="1200" kern="1200" dirty="0" err="1" smtClean="0">
+                          <a:solidFill>
+                            <a:schemeClr val="accent1">
+                              <a:lumMod val="75000"/>
+                            </a:schemeClr>
+                          </a:solidFill>
+                          <a:latin typeface="+mn-lt"/>
+                          <a:ea typeface="+mn-ea"/>
+                          <a:cs typeface="+mn-cs"/>
+                        </a:rPr>
+                        <a:t>DeleteLocalRef</a:t>
+                      </a:r>
+                      <a:r>
+                        <a:rPr lang="en-GB" sz="1200" kern="1200" dirty="0" smtClean="0">
+                          <a:solidFill>
+                            <a:schemeClr val="accent1">
+                              <a:lumMod val="75000"/>
+                            </a:schemeClr>
+                          </a:solidFill>
+                          <a:latin typeface="+mn-lt"/>
+                          <a:ea typeface="+mn-ea"/>
+                          <a:cs typeface="+mn-cs"/>
+                        </a:rPr>
                         <a:t>(</a:t>
                       </a:r>
                       <a:r>
@@ -9879,7 +10175,7 @@
                           <a:ea typeface="+mn-ea"/>
                           <a:cs typeface="+mn-cs"/>
                         </a:rPr>
-                        <a:t>js</a:t>
+                        <a:t>jenv,js</a:t>
                       </a:r>
                       <a:r>
                         <a:rPr lang="en-GB" sz="1200" kern="1200" dirty="0" smtClean="0">
@@ -9998,6 +10294,19 @@
                         <a:buNone/>
                       </a:pPr>
                       <a:r>
+                        <a:rPr lang="en-GB" sz="1200" kern="1200" dirty="0" smtClean="0">
+                          <a:solidFill>
+                            <a:schemeClr val="accent1">
+                              <a:lumMod val="75000"/>
+                            </a:schemeClr>
+                          </a:solidFill>
+                          <a:latin typeface="+mn-lt"/>
+                          <a:ea typeface="+mn-ea"/>
+                          <a:cs typeface="+mn-cs"/>
+                        </a:rPr>
+                        <a:t>(*</a:t>
+                      </a:r>
+                      <a:r>
                         <a:rPr lang="en-GB" sz="1200" kern="1200" dirty="0" err="1" smtClean="0">
                           <a:solidFill>
                             <a:schemeClr val="accent1">
@@ -10008,7 +10317,7 @@
                           <a:ea typeface="+mn-ea"/>
                           <a:cs typeface="+mn-cs"/>
                         </a:rPr>
-                        <a:t>derefObject</a:t>
+                        <a:t>jenv</a:t>
                       </a:r>
                       <a:r>
                         <a:rPr lang="en-GB" sz="1200" kern="1200" dirty="0" smtClean="0">
@@ -10021,7 +10330,59 @@
                           <a:ea typeface="+mn-ea"/>
                           <a:cs typeface="+mn-cs"/>
                         </a:rPr>
-                        <a:t>(r) ;</a:t>
+                        <a:t>)-&gt;</a:t>
+                      </a:r>
+                      <a:r>
+                        <a:rPr lang="en-GB" sz="1200" kern="1200" dirty="0" err="1" smtClean="0">
+                          <a:solidFill>
+                            <a:schemeClr val="accent1">
+                              <a:lumMod val="75000"/>
+                            </a:schemeClr>
+                          </a:solidFill>
+                          <a:latin typeface="+mn-lt"/>
+                          <a:ea typeface="+mn-ea"/>
+                          <a:cs typeface="+mn-cs"/>
+                        </a:rPr>
+                        <a:t>DeleteLocalRef</a:t>
+                      </a:r>
+                      <a:r>
+                        <a:rPr lang="en-GB" sz="1200" kern="1200" dirty="0" smtClean="0">
+                          <a:solidFill>
+                            <a:schemeClr val="accent1">
+                              <a:lumMod val="75000"/>
+                            </a:schemeClr>
+                          </a:solidFill>
+                          <a:latin typeface="+mn-lt"/>
+                          <a:ea typeface="+mn-ea"/>
+                          <a:cs typeface="+mn-cs"/>
+                        </a:rPr>
+                        <a:t>(</a:t>
+                      </a:r>
+                      <a:r>
+                        <a:rPr lang="en-GB" sz="1200" kern="1200" dirty="0" err="1" smtClean="0">
+                          <a:solidFill>
+                            <a:schemeClr val="accent1">
+                              <a:lumMod val="75000"/>
+                            </a:schemeClr>
+                          </a:solidFill>
+                          <a:latin typeface="+mn-lt"/>
+                          <a:ea typeface="+mn-ea"/>
+                          <a:cs typeface="+mn-cs"/>
+                        </a:rPr>
+                        <a:t>jenv,jr</a:t>
+                      </a:r>
+                      <a:r>
+                        <a:rPr lang="en-GB" sz="1200" kern="1200" dirty="0" smtClean="0">
+                          <a:solidFill>
+                            <a:schemeClr val="accent1">
+                              <a:lumMod val="75000"/>
+                            </a:schemeClr>
+                          </a:solidFill>
+                          <a:latin typeface="+mn-lt"/>
+                          <a:ea typeface="+mn-ea"/>
+                          <a:cs typeface="+mn-cs"/>
+                        </a:rPr>
+                        <a:t>) ;</a:t>
                       </a:r>
                     </a:p>
                     <a:p>
@@ -10188,6 +10549,19 @@
                         <a:buNone/>
                       </a:pPr>
                       <a:r>
+                        <a:rPr lang="en-GB" sz="1200" kern="1200" dirty="0" smtClean="0">
+                          <a:solidFill>
+                            <a:schemeClr val="accent1">
+                              <a:lumMod val="75000"/>
+                            </a:schemeClr>
+                          </a:solidFill>
+                          <a:latin typeface="+mn-lt"/>
+                          <a:ea typeface="+mn-ea"/>
+                          <a:cs typeface="+mn-cs"/>
+                        </a:rPr>
+                        <a:t>(*</a:t>
+                      </a:r>
+                      <a:r>
                         <a:rPr lang="en-GB" sz="1200" kern="1200" dirty="0" err="1" smtClean="0">
                           <a:solidFill>
                             <a:schemeClr val="accent1">
@@ -10198,7 +10572,7 @@
                           <a:ea typeface="+mn-ea"/>
                           <a:cs typeface="+mn-cs"/>
                         </a:rPr>
-                        <a:t>derefObject</a:t>
+                        <a:t>jenv</a:t>
                       </a:r>
                       <a:r>
                         <a:rPr lang="en-GB" sz="1200" kern="1200" dirty="0" smtClean="0">
@@ -10211,7 +10585,7 @@
                           <a:ea typeface="+mn-ea"/>
                           <a:cs typeface="+mn-cs"/>
                         </a:rPr>
-                        <a:t>(_</a:t>
+                        <a:t>)-&gt;</a:t>
                       </a:r>
                       <a:r>
                         <a:rPr lang="en-GB" sz="1200" kern="1200" dirty="0" err="1" smtClean="0">
@@ -10224,6 +10598,58 @@
                           <a:ea typeface="+mn-ea"/>
                           <a:cs typeface="+mn-cs"/>
                         </a:rPr>
+                        <a:t>DeleteLocalRef</a:t>
+                      </a:r>
+                      <a:r>
+                        <a:rPr lang="en-GB" sz="1200" kern="1200" dirty="0" smtClean="0">
+                          <a:solidFill>
+                            <a:schemeClr val="accent1">
+                              <a:lumMod val="75000"/>
+                            </a:schemeClr>
+                          </a:solidFill>
+                          <a:latin typeface="+mn-lt"/>
+                          <a:ea typeface="+mn-ea"/>
+                          <a:cs typeface="+mn-cs"/>
+                        </a:rPr>
+                        <a:t>(</a:t>
+                      </a:r>
+                      <a:r>
+                        <a:rPr lang="en-GB" sz="1200" kern="1200" dirty="0" err="1" smtClean="0">
+                          <a:solidFill>
+                            <a:schemeClr val="accent1">
+                              <a:lumMod val="75000"/>
+                            </a:schemeClr>
+                          </a:solidFill>
+                          <a:latin typeface="+mn-lt"/>
+                          <a:ea typeface="+mn-ea"/>
+                          <a:cs typeface="+mn-cs"/>
+                        </a:rPr>
+                        <a:t>jenv</a:t>
+                      </a:r>
+                      <a:r>
+                        <a:rPr lang="en-GB" sz="1200" kern="1200" dirty="0" smtClean="0">
+                          <a:solidFill>
+                            <a:schemeClr val="accent1">
+                              <a:lumMod val="75000"/>
+                            </a:schemeClr>
+                          </a:solidFill>
+                          <a:latin typeface="+mn-lt"/>
+                          <a:ea typeface="+mn-ea"/>
+                          <a:cs typeface="+mn-cs"/>
+                        </a:rPr>
+                        <a:t>, _</a:t>
+                      </a:r>
+                      <a:r>
+                        <a:rPr lang="en-GB" sz="1200" kern="1200" dirty="0" err="1" smtClean="0">
+                          <a:solidFill>
+                            <a:schemeClr val="accent1">
+                              <a:lumMod val="75000"/>
+                            </a:schemeClr>
+                          </a:solidFill>
+                          <a:latin typeface="+mn-lt"/>
+                          <a:ea typeface="+mn-ea"/>
+                          <a:cs typeface="+mn-cs"/>
+                        </a:rPr>
                         <a:t>jresult</a:t>
                       </a:r>
                       <a:r>
@@ -10237,9 +10663,9 @@
                           <a:ea typeface="+mn-ea"/>
                           <a:cs typeface="+mn-cs"/>
                         </a:rPr>
-                        <a:t>);</a:t>
-                      </a:r>
-                      <a:endParaRPr lang="en-GB" sz="1200" kern="1200" dirty="0">
+                        <a:t>) ;</a:t>
+                      </a:r>
+                      <a:endParaRPr lang="en-GB" sz="1200" kern="1200" dirty="0" smtClean="0">
                         <a:solidFill>
                           <a:schemeClr val="accent1">
                             <a:lumMod val="75000"/>
@@ -11178,7 +11604,7 @@
         <p:spPr/>
         <p:txBody>
           <a:bodyPr>
-            <a:normAutofit lnSpcReduction="10000"/>
+            <a:normAutofit fontScale="62500" lnSpcReduction="20000"/>
           </a:bodyPr>
           <a:lstStyle/>
           <a:p>
@@ -11383,6 +11809,94 @@
             </a:r>
           </a:p>
           <a:p>
+            <a:pPr lvl="1"/>
+            <a:r>
+              <a:rPr lang="en-GB" sz="2000" dirty="0" err="1" smtClean="0"/>
+              <a:t>int</a:t>
+            </a:r>
+            <a:r>
+              <a:rPr lang="en-GB" sz="2000" dirty="0" smtClean="0"/>
+              <a:t>* </a:t>
+            </a:r>
+            <a:r>
+              <a:rPr lang="en-GB" sz="2000" dirty="0" err="1" smtClean="0"/>
+              <a:t>beam_newCRectangle</a:t>
+            </a:r>
+            <a:r>
+              <a:rPr lang="en-GB" sz="2000" dirty="0" smtClean="0"/>
+              <a:t>(</a:t>
+            </a:r>
+            <a:r>
+              <a:rPr lang="en-GB" sz="2000" dirty="0" err="1" smtClean="0"/>
+              <a:t>jobject</a:t>
+            </a:r>
+            <a:r>
+              <a:rPr lang="en-GB" sz="2000" dirty="0" smtClean="0"/>
+              <a:t> r)</a:t>
+            </a:r>
+          </a:p>
+          <a:p>
+            <a:pPr lvl="1"/>
+            <a:r>
+              <a:rPr lang="en-GB" sz="2000" dirty="0" err="1" smtClean="0"/>
+              <a:t>CMap</a:t>
+            </a:r>
+            <a:r>
+              <a:rPr lang="en-GB" sz="2000" dirty="0" smtClean="0"/>
+              <a:t> </a:t>
+            </a:r>
+            <a:r>
+              <a:rPr lang="en-GB" sz="2000" dirty="0" err="1" smtClean="0"/>
+              <a:t>beam_newCMap</a:t>
+            </a:r>
+            <a:r>
+              <a:rPr lang="en-GB" sz="2000" dirty="0" smtClean="0"/>
+              <a:t>(</a:t>
+            </a:r>
+            <a:r>
+              <a:rPr lang="en-GB" sz="2000" dirty="0" err="1" smtClean="0"/>
+              <a:t>jobject</a:t>
+            </a:r>
+            <a:r>
+              <a:rPr lang="en-GB" sz="2000" dirty="0" smtClean="0"/>
+              <a:t> m)</a:t>
+            </a:r>
+          </a:p>
+          <a:p>
+            <a:pPr lvl="1"/>
+            <a:r>
+              <a:rPr lang="en-GB" sz="2000" dirty="0" err="1" smtClean="0"/>
+              <a:t>CList</a:t>
+            </a:r>
+            <a:r>
+              <a:rPr lang="en-GB" sz="2000" dirty="0" smtClean="0"/>
+              <a:t>  </a:t>
+            </a:r>
+            <a:r>
+              <a:rPr lang="en-GB" sz="2000" dirty="0" err="1" smtClean="0"/>
+              <a:t>beam_newCList</a:t>
+            </a:r>
+            <a:r>
+              <a:rPr lang="en-GB" sz="2000" dirty="0" smtClean="0"/>
+              <a:t>(</a:t>
+            </a:r>
+            <a:r>
+              <a:rPr lang="en-GB" sz="2000" dirty="0" err="1" smtClean="0"/>
+              <a:t>jobject</a:t>
+            </a:r>
+            <a:r>
+              <a:rPr lang="en-GB" sz="2000" dirty="0" smtClean="0"/>
+              <a:t> l)</a:t>
+            </a:r>
+          </a:p>
+          <a:p>
+            <a:pPr lvl="1"/>
+            <a:r>
+              <a:rPr lang="en-GB" sz="2000" dirty="0" smtClean="0"/>
+              <a:t>…</a:t>
+            </a:r>
+          </a:p>
+          <a:p>
             <a:r>
               <a:rPr lang="en-GB" sz="2400" dirty="0" smtClean="0"/>
               <a:t>Destruction</a:t>
@@ -11517,6 +12031,83 @@
               <a:rPr lang="en-GB" sz="2000" dirty="0" smtClean="0"/>
               <a:t>)</a:t>
             </a:r>
+          </a:p>
+          <a:p>
+            <a:pPr lvl="1"/>
+            <a:r>
+              <a:rPr lang="en-GB" sz="2000" dirty="0" smtClean="0"/>
+              <a:t>void </a:t>
+            </a:r>
+            <a:r>
+              <a:rPr lang="en-GB" sz="2000" dirty="0" err="1" smtClean="0"/>
+              <a:t>beam_deleteCRectangle</a:t>
+            </a:r>
+            <a:r>
+              <a:rPr lang="en-GB" sz="2000" dirty="0" smtClean="0"/>
+              <a:t>(</a:t>
+            </a:r>
+            <a:r>
+              <a:rPr lang="en-GB" sz="2000" dirty="0" err="1" smtClean="0"/>
+              <a:t>int</a:t>
+            </a:r>
+            <a:r>
+              <a:rPr lang="en-GB" sz="2000" dirty="0" smtClean="0"/>
+              <a:t>* r)</a:t>
+            </a:r>
+          </a:p>
+          <a:p>
+            <a:pPr lvl="1"/>
+            <a:r>
+              <a:rPr lang="en-GB" sz="2000" dirty="0" smtClean="0"/>
+              <a:t>void </a:t>
+            </a:r>
+            <a:r>
+              <a:rPr lang="en-GB" sz="2000" dirty="0" err="1" smtClean="0"/>
+              <a:t>beam_deleteCMap</a:t>
+            </a:r>
+            <a:r>
+              <a:rPr lang="en-GB" sz="2000" dirty="0" smtClean="0"/>
+              <a:t>(</a:t>
+            </a:r>
+            <a:r>
+              <a:rPr lang="en-GB" sz="2000" dirty="0" err="1" smtClean="0"/>
+              <a:t>CMap</a:t>
+            </a:r>
+            <a:r>
+              <a:rPr lang="en-GB" sz="2000" dirty="0" smtClean="0"/>
+              <a:t> m)</a:t>
+            </a:r>
+          </a:p>
+          <a:p>
+            <a:pPr lvl="1"/>
+            <a:r>
+              <a:rPr lang="en-GB" sz="2000" dirty="0" smtClean="0"/>
+              <a:t>void </a:t>
+            </a:r>
+            <a:r>
+              <a:rPr lang="en-GB" sz="2000" dirty="0" err="1" smtClean="0"/>
+              <a:t>beam_deleteCList</a:t>
+            </a:r>
+            <a:r>
+              <a:rPr lang="en-GB" sz="2000" dirty="0" smtClean="0"/>
+              <a:t>(</a:t>
+            </a:r>
+            <a:r>
+              <a:rPr lang="en-GB" sz="2000" dirty="0" err="1" smtClean="0"/>
+              <a:t>CList</a:t>
+            </a:r>
+            <a:r>
+              <a:rPr lang="en-GB" sz="2000" dirty="0" smtClean="0"/>
+              <a:t> l)</a:t>
+            </a:r>
+          </a:p>
+          <a:p>
+            <a:pPr lvl="1"/>
+            <a:r>
+              <a:rPr lang="en-GB" sz="2000" dirty="0" smtClean="0"/>
+              <a:t>…</a:t>
+            </a:r>
+            <a:endParaRPr lang="en-GB" sz="2000" dirty="0"/>
           </a:p>
           <a:p>
             <a:pPr marL="0" indent="0">
@@ -11651,7 +12242,7 @@
         <p:spPr/>
         <p:txBody>
           <a:bodyPr>
-            <a:normAutofit/>
+            <a:normAutofit fontScale="85000" lnSpcReduction="20000"/>
           </a:bodyPr>
           <a:lstStyle/>
           <a:p>
@@ -11671,12 +12262,8 @@
               <a:t> </a:t>
             </a:r>
             <a:r>
-              <a:rPr lang="en-GB" sz="2000" dirty="0" err="1"/>
-              <a:t>Object_</a:t>
-            </a:r>
-            <a:r>
               <a:rPr lang="en-GB" sz="2000" dirty="0" err="1" smtClean="0"/>
-              <a:t>toJObject</a:t>
+              <a:t>beam_toJObject</a:t>
             </a:r>
             <a:r>
               <a:rPr lang="en-GB" sz="2000" dirty="0" smtClean="0"/>
@@ -11714,11 +12301,11 @@
             </a:r>
             <a:r>
               <a:rPr lang="en-GB" sz="2000" dirty="0" err="1"/>
-              <a:t>Object_</a:t>
+              <a:t>beam</a:t>
             </a:r>
             <a:r>
               <a:rPr lang="en-GB" sz="2000" dirty="0" err="1" smtClean="0"/>
-              <a:t>newJString</a:t>
+              <a:t>_newJString</a:t>
             </a:r>
             <a:r>
               <a:rPr lang="en-GB" sz="2000" dirty="0" smtClean="0"/>
@@ -11745,11 +12332,11 @@
             </a:r>
             <a:r>
               <a:rPr lang="en-GB" sz="2000" dirty="0" err="1"/>
-              <a:t>Object_</a:t>
+              <a:t>beam</a:t>
             </a:r>
             <a:r>
               <a:rPr lang="en-GB" sz="2000" dirty="0" err="1" smtClean="0"/>
-              <a:t>newJ</a:t>
+              <a:t>_newJ</a:t>
             </a:r>
             <a:r>
               <a:rPr lang="en-GB" sz="2000" dirty="0" smtClean="0"/>
@@ -11793,11 +12380,11 @@
             </a:r>
             <a:r>
               <a:rPr lang="en-GB" sz="2000" dirty="0" err="1"/>
-              <a:t>Object_</a:t>
+              <a:t>beam</a:t>
             </a:r>
             <a:r>
               <a:rPr lang="en-GB" sz="2000" dirty="0" err="1" smtClean="0"/>
-              <a:t>newJObjectArray</a:t>
+              <a:t>_newJObjectArray</a:t>
             </a:r>
             <a:r>
               <a:rPr lang="en-GB" sz="2000" dirty="0" smtClean="0"/>
@@ -11832,11 +12419,11 @@
             </a:r>
             <a:r>
               <a:rPr lang="en-GB" sz="2000" dirty="0" err="1"/>
-              <a:t>Object_</a:t>
+              <a:t>beam</a:t>
             </a:r>
             <a:r>
               <a:rPr lang="en-GB" sz="2000" dirty="0" err="1" smtClean="0"/>
-              <a:t>newJStringArray</a:t>
+              <a:t>_newJStringArray</a:t>
             </a:r>
             <a:r>
               <a:rPr lang="en-GB" sz="2000" dirty="0" smtClean="0"/>
@@ -11869,6 +12456,102 @@
             <a:r>
               <a:rPr lang="en-GB" sz="2000" dirty="0" smtClean="0"/>
               <a:t>)</a:t>
+            </a:r>
+          </a:p>
+          <a:p>
+            <a:pPr lvl="1"/>
+            <a:r>
+              <a:rPr lang="en-GB" sz="2000" dirty="0" err="1" smtClean="0"/>
+              <a:t>jobject</a:t>
+            </a:r>
+            <a:r>
+              <a:rPr lang="en-GB" sz="2000" dirty="0" smtClean="0"/>
+              <a:t> </a:t>
+            </a:r>
+            <a:r>
+              <a:rPr lang="en-GB" sz="2000" dirty="0" err="1"/>
+              <a:t>beam</a:t>
+            </a:r>
+            <a:r>
+              <a:rPr lang="en-GB" sz="2000" dirty="0" err="1" smtClean="0"/>
+              <a:t>_newJRectangle</a:t>
+            </a:r>
+            <a:r>
+              <a:rPr lang="en-GB" sz="2000" dirty="0" smtClean="0"/>
+              <a:t>(</a:t>
+            </a:r>
+            <a:r>
+              <a:rPr lang="en-GB" sz="2000" dirty="0" err="1" smtClean="0"/>
+              <a:t>int</a:t>
+            </a:r>
+            <a:r>
+              <a:rPr lang="en-GB" sz="2000" dirty="0" smtClean="0"/>
+              <a:t>* r)</a:t>
+            </a:r>
+          </a:p>
+          <a:p>
+            <a:pPr lvl="1"/>
+            <a:r>
+              <a:rPr lang="en-GB" sz="2000" dirty="0" err="1" smtClean="0"/>
+              <a:t>jobject</a:t>
+            </a:r>
+            <a:r>
+              <a:rPr lang="en-GB" sz="2000" dirty="0" smtClean="0"/>
+              <a:t> </a:t>
+            </a:r>
+            <a:r>
+              <a:rPr lang="en-GB" sz="2000" dirty="0" err="1" smtClean="0"/>
+              <a:t>beam_newJMap</a:t>
+            </a:r>
+            <a:r>
+              <a:rPr lang="en-GB" sz="2000" dirty="0" smtClean="0"/>
+              <a:t>(</a:t>
+            </a:r>
+            <a:r>
+              <a:rPr lang="en-GB" sz="2000" dirty="0" err="1" smtClean="0"/>
+              <a:t>CMap</a:t>
+            </a:r>
+            <a:r>
+              <a:rPr lang="en-GB" sz="2000" dirty="0" smtClean="0"/>
+              <a:t> m)</a:t>
+            </a:r>
+          </a:p>
+          <a:p>
+            <a:pPr lvl="1"/>
+            <a:r>
+              <a:rPr lang="en-GB" sz="2000" dirty="0" err="1" smtClean="0"/>
+              <a:t>jobject</a:t>
+            </a:r>
+            <a:r>
+              <a:rPr lang="en-GB" sz="2000" dirty="0" smtClean="0"/>
+              <a:t> </a:t>
+            </a:r>
+            <a:r>
+              <a:rPr lang="en-GB" sz="2000" dirty="0" err="1"/>
+              <a:t>beam</a:t>
+            </a:r>
+            <a:r>
+              <a:rPr lang="en-GB" sz="2000" dirty="0" err="1" smtClean="0"/>
+              <a:t>_newJList</a:t>
+            </a:r>
+            <a:r>
+              <a:rPr lang="en-GB" sz="2000" dirty="0" smtClean="0"/>
+              <a:t>(</a:t>
+            </a:r>
+            <a:r>
+              <a:rPr lang="en-GB" sz="2000" dirty="0" err="1" smtClean="0"/>
+              <a:t>CList</a:t>
+            </a:r>
+            <a:r>
+              <a:rPr lang="en-GB" sz="2000" dirty="0" smtClean="0"/>
+              <a:t> l)</a:t>
+            </a:r>
+          </a:p>
+          <a:p>
+            <a:pPr lvl="1"/>
+            <a:r>
+              <a:rPr lang="en-GB" sz="2000" dirty="0" smtClean="0"/>
+              <a:t>…</a:t>
             </a:r>
           </a:p>
           <a:p>
@@ -12025,7 +12708,7 @@
         <p:spPr/>
         <p:txBody>
           <a:bodyPr>
-            <a:normAutofit/>
+            <a:normAutofit fontScale="92500" lnSpcReduction="20000"/>
           </a:bodyPr>
           <a:lstStyle/>
           <a:p>
@@ -12046,7 +12729,7 @@
             </a:r>
             <a:r>
               <a:rPr lang="en-GB" sz="2000" dirty="0" err="1" smtClean="0"/>
-              <a:t>beam_newP</a:t>
+              <a:t>beam_newPy</a:t>
             </a:r>
             <a:r>
               <a:rPr lang="en-GB" sz="2000" dirty="0" smtClean="0"/>
@@ -12086,7 +12769,7 @@
             </a:r>
             <a:r>
               <a:rPr lang="en-GB" sz="2000" dirty="0" smtClean="0"/>
-              <a:t> (</a:t>
+              <a:t>(</a:t>
             </a:r>
             <a:r>
               <a:rPr lang="en-GB" sz="2000" dirty="0" err="1" smtClean="0"/>
@@ -12274,6 +12957,129 @@
             </a:r>
           </a:p>
           <a:p>
+            <a:pPr lvl="1"/>
+            <a:r>
+              <a:rPr lang="en-GB" sz="2000" dirty="0" err="1" smtClean="0"/>
+              <a:t>PyObject</a:t>
+            </a:r>
+            <a:r>
+              <a:rPr lang="en-GB" sz="2000" dirty="0" smtClean="0"/>
+              <a:t>* </a:t>
+            </a:r>
+            <a:r>
+              <a:rPr lang="en-GB" sz="2000" dirty="0" err="1" smtClean="0"/>
+              <a:t>beam_newPyRectangle</a:t>
+            </a:r>
+            <a:r>
+              <a:rPr lang="en-GB" sz="2000" dirty="0" smtClean="0"/>
+              <a:t>(</a:t>
+            </a:r>
+            <a:r>
+              <a:rPr lang="en-GB" sz="2000" dirty="0" err="1" smtClean="0"/>
+              <a:t>jobject</a:t>
+            </a:r>
+            <a:r>
+              <a:rPr lang="en-GB" sz="2000" dirty="0" smtClean="0"/>
+              <a:t> r)   # </a:t>
+            </a:r>
+            <a:r>
+              <a:rPr lang="en-GB" sz="2000" dirty="0" smtClean="0">
+                <a:sym typeface="Wingdings" pitchFamily="2" charset="2"/>
+              </a:rPr>
+              <a:t> (</a:t>
+            </a:r>
+            <a:r>
+              <a:rPr lang="en-GB" sz="2000" dirty="0" err="1" smtClean="0">
+                <a:sym typeface="Wingdings" pitchFamily="2" charset="2"/>
+              </a:rPr>
+              <a:t>x,y,w,h</a:t>
+            </a:r>
+            <a:r>
+              <a:rPr lang="en-GB" sz="2000" dirty="0" smtClean="0">
+                <a:sym typeface="Wingdings" pitchFamily="2" charset="2"/>
+              </a:rPr>
+              <a:t>), 4-tuple</a:t>
+            </a:r>
+            <a:endParaRPr lang="en-GB" sz="2000" dirty="0" smtClean="0"/>
+          </a:p>
+          <a:p>
+            <a:pPr lvl="1"/>
+            <a:r>
+              <a:rPr lang="en-GB" sz="2000" dirty="0" err="1"/>
+              <a:t>PyObject</a:t>
+            </a:r>
+            <a:r>
+              <a:rPr lang="en-GB" sz="2000" dirty="0"/>
+              <a:t>* </a:t>
+            </a:r>
+            <a:r>
+              <a:rPr lang="en-GB" sz="2000" dirty="0" err="1" smtClean="0"/>
+              <a:t>beam_newPyMap</a:t>
+            </a:r>
+            <a:r>
+              <a:rPr lang="en-GB" sz="2000" dirty="0" smtClean="0"/>
+              <a:t>(</a:t>
+            </a:r>
+            <a:r>
+              <a:rPr lang="en-GB" sz="2000" dirty="0" err="1" smtClean="0"/>
+              <a:t>jobject</a:t>
+            </a:r>
+            <a:r>
+              <a:rPr lang="en-GB" sz="2000" dirty="0" smtClean="0"/>
+              <a:t> m)          # </a:t>
+            </a:r>
+            <a:r>
+              <a:rPr lang="en-GB" sz="2000" dirty="0" smtClean="0">
+                <a:sym typeface="Wingdings" pitchFamily="2" charset="2"/>
+              </a:rPr>
+              <a:t> {…}, </a:t>
+            </a:r>
+            <a:r>
+              <a:rPr lang="en-GB" sz="2000" dirty="0">
+                <a:sym typeface="Wingdings" pitchFamily="2" charset="2"/>
+              </a:rPr>
+              <a:t>dictionary</a:t>
+            </a:r>
+            <a:endParaRPr lang="en-GB" sz="2000" dirty="0" smtClean="0"/>
+          </a:p>
+          <a:p>
+            <a:pPr lvl="1"/>
+            <a:r>
+              <a:rPr lang="en-GB" sz="2000" dirty="0" err="1"/>
+              <a:t>PyObject</a:t>
+            </a:r>
+            <a:r>
+              <a:rPr lang="en-GB" sz="2000" dirty="0"/>
+              <a:t>* </a:t>
+            </a:r>
+            <a:r>
+              <a:rPr lang="en-GB" sz="2000" dirty="0" err="1" smtClean="0"/>
+              <a:t>beam_newPyList</a:t>
+            </a:r>
+            <a:r>
+              <a:rPr lang="en-GB" sz="2000" dirty="0" smtClean="0"/>
+              <a:t>(</a:t>
+            </a:r>
+            <a:r>
+              <a:rPr lang="en-GB" sz="2000" dirty="0" err="1" smtClean="0"/>
+              <a:t>jobject</a:t>
+            </a:r>
+            <a:r>
+              <a:rPr lang="en-GB" sz="2000" dirty="0" smtClean="0"/>
+              <a:t> l)               # </a:t>
+            </a:r>
+            <a:r>
+              <a:rPr lang="en-GB" sz="2000" dirty="0" smtClean="0">
+                <a:sym typeface="Wingdings" pitchFamily="2" charset="2"/>
+              </a:rPr>
+              <a:t> […], sequence</a:t>
+            </a:r>
+            <a:endParaRPr lang="en-GB" sz="2000" dirty="0"/>
+          </a:p>
+          <a:p>
+            <a:pPr marL="0" indent="0">
+              <a:buNone/>
+            </a:pPr>
             <a:endParaRPr lang="en-GB" sz="2400" dirty="0" smtClean="0"/>
           </a:p>
           <a:p>
@@ -12426,7 +13232,7 @@
         <p:spPr/>
         <p:txBody>
           <a:bodyPr>
-            <a:normAutofit lnSpcReduction="10000"/>
+            <a:normAutofit fontScale="85000" lnSpcReduction="20000"/>
           </a:bodyPr>
           <a:lstStyle/>
           <a:p>
@@ -12653,6 +13459,140 @@
               <a:rPr lang="en-GB" sz="2000" dirty="0" smtClean="0"/>
               <a:t>)</a:t>
             </a:r>
+          </a:p>
+          <a:p>
+            <a:pPr lvl="1"/>
+            <a:r>
+              <a:rPr lang="en-GB" sz="2000" dirty="0" err="1" smtClean="0"/>
+              <a:t>jobject</a:t>
+            </a:r>
+            <a:r>
+              <a:rPr lang="en-GB" sz="2000" dirty="0" smtClean="0"/>
+              <a:t> </a:t>
+            </a:r>
+            <a:r>
+              <a:rPr lang="en-GB" sz="2000" dirty="0" err="1" smtClean="0"/>
+              <a:t>beam_newJRectangle</a:t>
+            </a:r>
+            <a:r>
+              <a:rPr lang="en-GB" sz="2000" dirty="0" smtClean="0"/>
+              <a:t>(</a:t>
+            </a:r>
+            <a:r>
+              <a:rPr lang="en-GB" sz="2000" dirty="0" err="1"/>
+              <a:t>PyObject</a:t>
+            </a:r>
+            <a:r>
+              <a:rPr lang="en-GB" sz="2000" dirty="0"/>
+              <a:t>* </a:t>
+            </a:r>
+            <a:r>
+              <a:rPr lang="en-GB" sz="2000" dirty="0" smtClean="0"/>
+              <a:t>r)   # r </a:t>
+            </a:r>
+            <a:r>
+              <a:rPr lang="en-GB" sz="2000" dirty="0" smtClean="0">
+                <a:sym typeface="Wingdings" pitchFamily="2" charset="2"/>
+              </a:rPr>
+              <a:t>= (</a:t>
+            </a:r>
+            <a:r>
+              <a:rPr lang="en-GB" sz="2000" dirty="0" err="1" smtClean="0">
+                <a:sym typeface="Wingdings" pitchFamily="2" charset="2"/>
+              </a:rPr>
+              <a:t>x,y,w,h</a:t>
+            </a:r>
+            <a:r>
+              <a:rPr lang="en-GB" sz="2000" dirty="0" smtClean="0">
+                <a:sym typeface="Wingdings" pitchFamily="2" charset="2"/>
+              </a:rPr>
+              <a:t>), 4-tuple</a:t>
+            </a:r>
+          </a:p>
+          <a:p>
+            <a:pPr lvl="1"/>
+            <a:r>
+              <a:rPr lang="en-GB" sz="2000" dirty="0" err="1" smtClean="0">
+                <a:sym typeface="Wingdings" pitchFamily="2" charset="2"/>
+              </a:rPr>
+              <a:t>jobject</a:t>
+            </a:r>
+            <a:r>
+              <a:rPr lang="en-GB" sz="2000" dirty="0" smtClean="0">
+                <a:sym typeface="Wingdings" pitchFamily="2" charset="2"/>
+              </a:rPr>
+              <a:t> </a:t>
+            </a:r>
+            <a:r>
+              <a:rPr lang="en-GB" sz="2000" dirty="0" err="1" smtClean="0">
+                <a:sym typeface="Wingdings" pitchFamily="2" charset="2"/>
+              </a:rPr>
+              <a:t>beam_newJMap</a:t>
+            </a:r>
+            <a:r>
+              <a:rPr lang="en-GB" sz="2000" dirty="0" smtClean="0">
+                <a:sym typeface="Wingdings" pitchFamily="2" charset="2"/>
+              </a:rPr>
+              <a:t>(</a:t>
+            </a:r>
+            <a:r>
+              <a:rPr lang="en-GB" sz="2000" dirty="0" err="1"/>
+              <a:t>PyObject</a:t>
+            </a:r>
+            <a:r>
+              <a:rPr lang="en-GB" sz="2000" dirty="0"/>
+              <a:t>* </a:t>
+            </a:r>
+            <a:r>
+              <a:rPr lang="en-GB" sz="2000" dirty="0" smtClean="0"/>
+              <a:t>m)</a:t>
+            </a:r>
+            <a:r>
+              <a:rPr lang="en-GB" sz="2000" dirty="0" smtClean="0">
+                <a:sym typeface="Wingdings" pitchFamily="2" charset="2"/>
+              </a:rPr>
+              <a:t>           # m = {…}, dictionary</a:t>
+            </a:r>
+          </a:p>
+          <a:p>
+            <a:pPr lvl="1"/>
+            <a:r>
+              <a:rPr lang="en-GB" sz="2000" dirty="0" err="1" smtClean="0">
+                <a:sym typeface="Wingdings" pitchFamily="2" charset="2"/>
+              </a:rPr>
+              <a:t>jobject</a:t>
+            </a:r>
+            <a:r>
+              <a:rPr lang="en-GB" sz="2000" dirty="0" smtClean="0">
+                <a:sym typeface="Wingdings" pitchFamily="2" charset="2"/>
+              </a:rPr>
+              <a:t> </a:t>
+            </a:r>
+            <a:r>
+              <a:rPr lang="en-GB" sz="2000" dirty="0" err="1" smtClean="0">
+                <a:sym typeface="Wingdings" pitchFamily="2" charset="2"/>
+              </a:rPr>
+              <a:t>beam_newJList</a:t>
+            </a:r>
+            <a:r>
+              <a:rPr lang="en-GB" sz="2000" dirty="0" smtClean="0">
+                <a:sym typeface="Wingdings" pitchFamily="2" charset="2"/>
+              </a:rPr>
+              <a:t>(</a:t>
+            </a:r>
+            <a:r>
+              <a:rPr lang="en-GB" sz="2000" dirty="0" err="1" smtClean="0">
+                <a:sym typeface="Wingdings" pitchFamily="2" charset="2"/>
+              </a:rPr>
+              <a:t>PyObject</a:t>
+            </a:r>
+            <a:r>
+              <a:rPr lang="en-GB" sz="2000" dirty="0" smtClean="0">
+                <a:sym typeface="Wingdings" pitchFamily="2" charset="2"/>
+              </a:rPr>
+              <a:t>* l)              # l = […], sequence</a:t>
+            </a:r>
+            <a:endParaRPr lang="en-GB" sz="2000" dirty="0" smtClean="0"/>
           </a:p>
           <a:p>
             <a:r>

--- a/docs/beam-extapi.pptx
+++ b/docs/beam-extapi.pptx
@@ -322,7 +322,7 @@
           <a:p>
             <a:fld id="{1BA50D42-C9CD-4801-B293-61D1F53EC57E}" type="datetimeFigureOut">
               <a:rPr lang="de-DE" smtClean="0"/>
-              <a:t>13.06.2013</a:t>
+              <a:t>14.06.2013</a:t>
             </a:fld>
             <a:endParaRPr lang="de-DE"/>
           </a:p>
@@ -487,7 +487,7 @@
           <a:p>
             <a:fld id="{1BA50D42-C9CD-4801-B293-61D1F53EC57E}" type="datetimeFigureOut">
               <a:rPr lang="de-DE" smtClean="0"/>
-              <a:t>13.06.2013</a:t>
+              <a:t>14.06.2013</a:t>
             </a:fld>
             <a:endParaRPr lang="de-DE"/>
           </a:p>
@@ -662,7 +662,7 @@
           <a:p>
             <a:fld id="{1BA50D42-C9CD-4801-B293-61D1F53EC57E}" type="datetimeFigureOut">
               <a:rPr lang="de-DE" smtClean="0"/>
-              <a:t>13.06.2013</a:t>
+              <a:t>14.06.2013</a:t>
             </a:fld>
             <a:endParaRPr lang="de-DE"/>
           </a:p>
@@ -827,7 +827,7 @@
           <a:p>
             <a:fld id="{1BA50D42-C9CD-4801-B293-61D1F53EC57E}" type="datetimeFigureOut">
               <a:rPr lang="de-DE" smtClean="0"/>
-              <a:t>13.06.2013</a:t>
+              <a:t>14.06.2013</a:t>
             </a:fld>
             <a:endParaRPr lang="de-DE"/>
           </a:p>
@@ -1068,7 +1068,7 @@
           <a:p>
             <a:fld id="{1BA50D42-C9CD-4801-B293-61D1F53EC57E}" type="datetimeFigureOut">
               <a:rPr lang="de-DE" smtClean="0"/>
-              <a:t>13.06.2013</a:t>
+              <a:t>14.06.2013</a:t>
             </a:fld>
             <a:endParaRPr lang="de-DE"/>
           </a:p>
@@ -1351,7 +1351,7 @@
           <a:p>
             <a:fld id="{1BA50D42-C9CD-4801-B293-61D1F53EC57E}" type="datetimeFigureOut">
               <a:rPr lang="de-DE" smtClean="0"/>
-              <a:t>13.06.2013</a:t>
+              <a:t>14.06.2013</a:t>
             </a:fld>
             <a:endParaRPr lang="de-DE"/>
           </a:p>
@@ -1768,7 +1768,7 @@
           <a:p>
             <a:fld id="{1BA50D42-C9CD-4801-B293-61D1F53EC57E}" type="datetimeFigureOut">
               <a:rPr lang="de-DE" smtClean="0"/>
-              <a:t>13.06.2013</a:t>
+              <a:t>14.06.2013</a:t>
             </a:fld>
             <a:endParaRPr lang="de-DE"/>
           </a:p>
@@ -1881,7 +1881,7 @@
           <a:p>
             <a:fld id="{1BA50D42-C9CD-4801-B293-61D1F53EC57E}" type="datetimeFigureOut">
               <a:rPr lang="de-DE" smtClean="0"/>
-              <a:t>13.06.2013</a:t>
+              <a:t>14.06.2013</a:t>
             </a:fld>
             <a:endParaRPr lang="de-DE"/>
           </a:p>
@@ -1971,7 +1971,7 @@
           <a:p>
             <a:fld id="{1BA50D42-C9CD-4801-B293-61D1F53EC57E}" type="datetimeFigureOut">
               <a:rPr lang="de-DE" smtClean="0"/>
-              <a:t>13.06.2013</a:t>
+              <a:t>14.06.2013</a:t>
             </a:fld>
             <a:endParaRPr lang="de-DE"/>
           </a:p>
@@ -2243,7 +2243,7 @@
           <a:p>
             <a:fld id="{1BA50D42-C9CD-4801-B293-61D1F53EC57E}" type="datetimeFigureOut">
               <a:rPr lang="de-DE" smtClean="0"/>
-              <a:t>13.06.2013</a:t>
+              <a:t>14.06.2013</a:t>
             </a:fld>
             <a:endParaRPr lang="de-DE"/>
           </a:p>
@@ -2491,7 +2491,7 @@
           <a:p>
             <a:fld id="{1BA50D42-C9CD-4801-B293-61D1F53EC57E}" type="datetimeFigureOut">
               <a:rPr lang="de-DE" smtClean="0"/>
-              <a:t>13.06.2013</a:t>
+              <a:t>14.06.2013</a:t>
             </a:fld>
             <a:endParaRPr lang="de-DE"/>
           </a:p>
@@ -2699,7 +2699,7 @@
           <a:p>
             <a:fld id="{1BA50D42-C9CD-4801-B293-61D1F53EC57E}" type="datetimeFigureOut">
               <a:rPr lang="de-DE" smtClean="0"/>
-              <a:t>13.06.2013</a:t>
+              <a:t>14.06.2013</a:t>
             </a:fld>
             <a:endParaRPr lang="de-DE"/>
           </a:p>
@@ -23230,95 +23230,113 @@
         <p:spPr/>
         <p:txBody>
           <a:bodyPr>
-            <a:normAutofit fontScale="85000" lnSpcReduction="20000"/>
+            <a:normAutofit fontScale="62500" lnSpcReduction="20000"/>
           </a:bodyPr>
           <a:lstStyle/>
           <a:p>
             <a:r>
               <a:rPr lang="en-GB" dirty="0" smtClean="0"/>
+              <a:t>General</a:t>
+            </a:r>
+          </a:p>
+          <a:p>
+            <a:pPr lvl="1"/>
+            <a:r>
+              <a:rPr lang="en-GB" dirty="0"/>
+              <a:t>Shall reflect Java </a:t>
+            </a:r>
+            <a:r>
+              <a:rPr lang="en-GB" dirty="0" smtClean="0"/>
+              <a:t>interfaces and classes </a:t>
+            </a:r>
+            <a:r>
+              <a:rPr lang="en-GB" dirty="0"/>
+              <a:t>1:1</a:t>
+            </a:r>
+          </a:p>
+          <a:p>
+            <a:pPr lvl="1"/>
+            <a:r>
+              <a:rPr lang="en-GB" dirty="0"/>
+              <a:t>Shall reuse Java  API </a:t>
+            </a:r>
+            <a:r>
+              <a:rPr lang="en-GB" dirty="0" smtClean="0"/>
+              <a:t>doc</a:t>
+            </a:r>
+          </a:p>
+          <a:p>
+            <a:pPr lvl="1"/>
+            <a:r>
+              <a:rPr lang="en-GB" dirty="0" smtClean="0"/>
+              <a:t>Shall be easy to setup and install</a:t>
+            </a:r>
+          </a:p>
+          <a:p>
+            <a:r>
+              <a:rPr lang="en-GB" dirty="0" smtClean="0"/>
               <a:t>C-API</a:t>
             </a:r>
+            <a:endParaRPr lang="en-GB" dirty="0" smtClean="0"/>
           </a:p>
           <a:p>
             <a:pPr lvl="1"/>
             <a:r>
               <a:rPr lang="en-GB" dirty="0"/>
-              <a:t>Header should </a:t>
-            </a:r>
-            <a:r>
-              <a:rPr lang="en-GB" dirty="0" smtClean="0"/>
-              <a:t>use only </a:t>
+              <a:t>Shall have no dependencies other than to Java SE 7 and BEAM</a:t>
+            </a:r>
+          </a:p>
+          <a:p>
+            <a:pPr lvl="1"/>
+            <a:r>
+              <a:rPr lang="en-GB" dirty="0" smtClean="0"/>
+              <a:t>Shall use only </a:t>
+            </a:r>
+            <a:r>
+              <a:rPr lang="en-GB" dirty="0" smtClean="0"/>
+              <a:t>basic C-types in header (e.g. don’t export </a:t>
             </a:r>
             <a:r>
               <a:rPr lang="en-GB" dirty="0"/>
-              <a:t>use basic C-types </a:t>
-            </a:r>
-          </a:p>
-          <a:p>
-            <a:pPr lvl="1"/>
-            <a:r>
-              <a:rPr lang="en-GB" dirty="0" smtClean="0"/>
-              <a:t>Header should not export any JNI declarations</a:t>
-            </a:r>
-            <a:br>
-              <a:rPr lang="en-GB" dirty="0" smtClean="0"/>
-            </a:br>
-            <a:r>
-              <a:rPr lang="en-GB" dirty="0" smtClean="0"/>
-              <a:t>(hide </a:t>
-            </a:r>
-            <a:r>
-              <a:rPr lang="en-GB" dirty="0" err="1" smtClean="0"/>
+              <a:t>JNI types, </a:t>
+            </a:r>
+            <a:r>
+              <a:rPr lang="en-GB" dirty="0" err="1"/>
               <a:t>jint</a:t>
             </a:r>
             <a:r>
-              <a:rPr lang="en-GB" dirty="0" smtClean="0"/>
+              <a:rPr lang="en-GB" dirty="0"/>
               <a:t>, </a:t>
             </a:r>
             <a:r>
-              <a:rPr lang="en-GB" dirty="0" err="1" smtClean="0"/>
+              <a:rPr lang="en-GB" dirty="0" err="1"/>
               <a:t>jobject</a:t>
             </a:r>
             <a:r>
-              <a:rPr lang="en-GB" dirty="0" smtClean="0"/>
+              <a:rPr lang="en-GB" dirty="0"/>
               <a:t>, </a:t>
             </a:r>
             <a:r>
-              <a:rPr lang="en-GB" dirty="0" err="1" smtClean="0"/>
+              <a:rPr lang="en-GB" dirty="0" err="1"/>
               <a:t>jarray</a:t>
             </a:r>
             <a:r>
-              <a:rPr lang="en-GB" dirty="0" smtClean="0"/>
+              <a:rPr lang="en-GB" dirty="0"/>
               <a:t>, </a:t>
             </a:r>
             <a:r>
-              <a:rPr lang="en-GB" dirty="0" err="1" smtClean="0"/>
+              <a:rPr lang="en-GB" dirty="0" err="1"/>
               <a:t>JNIEnv</a:t>
             </a:r>
             <a:r>
-              <a:rPr lang="en-GB" dirty="0" smtClean="0"/>
-              <a:t>, etc.)</a:t>
-            </a:r>
-          </a:p>
-          <a:p>
-            <a:pPr lvl="1"/>
-            <a:r>
-              <a:rPr lang="en-GB" dirty="0" smtClean="0"/>
-              <a:t>Shall have no dependencies other than the Java SE 7 and BEAM</a:t>
-            </a:r>
-          </a:p>
-          <a:p>
-            <a:r>
-              <a:rPr lang="en-GB" dirty="0" smtClean="0"/>
-              <a:t>C-Python API</a:t>
-            </a:r>
-          </a:p>
-          <a:p>
-            <a:pPr lvl="1"/>
-            <a:r>
-              <a:rPr lang="en-GB" dirty="0" smtClean="0"/>
-              <a:t>Header currently not needed</a:t>
-            </a:r>
+              <a:rPr lang="en-GB" dirty="0"/>
+              <a:t>, etc</a:t>
+            </a:r>
+            <a:r>
+              <a:rPr lang="en-GB" dirty="0" smtClean="0"/>
+              <a:t>.)</a:t>
+            </a:r>
+            <a:endParaRPr lang="en-GB" dirty="0" smtClean="0"/>
           </a:p>
           <a:p>
             <a:r>
@@ -23333,17 +23351,80 @@
           <a:p>
             <a:pPr lvl="1"/>
             <a:r>
-              <a:rPr lang="en-GB" dirty="0" smtClean="0"/>
-              <a:t>Should reflect Java classes as far as possible</a:t>
+              <a:rPr lang="en-GB" dirty="0"/>
+              <a:t>Shall have no dependencies other than to Java SE 7 and BEAM, and standard Python 3 (e.g. don’t require </a:t>
+            </a:r>
+            <a:r>
+              <a:rPr lang="en-GB" dirty="0" err="1"/>
+              <a:t>numpy</a:t>
+            </a:r>
+            <a:r>
+              <a:rPr lang="en-GB" dirty="0"/>
+              <a:t>)</a:t>
             </a:r>
           </a:p>
           <a:p>
             <a:pPr lvl="1"/>
             <a:r>
               <a:rPr lang="en-GB" dirty="0" smtClean="0"/>
-              <a:t>Shall have no other dependencies other than to standard Python 3, Java SE 7 and BEAM</a:t>
-            </a:r>
-            <a:endParaRPr lang="en-GB" dirty="0"/>
+              <a:t>Should </a:t>
+            </a:r>
+            <a:r>
+              <a:rPr lang="en-GB" dirty="0"/>
+              <a:t>be “</a:t>
+            </a:r>
+            <a:r>
+              <a:rPr lang="en-GB" dirty="0" err="1"/>
+              <a:t>pythonic</a:t>
+            </a:r>
+            <a:r>
+              <a:rPr lang="en-GB" dirty="0"/>
+              <a:t>” as far as possible</a:t>
+            </a:r>
+          </a:p>
+          <a:p>
+            <a:pPr lvl="2"/>
+            <a:r>
+              <a:rPr lang="en-GB" dirty="0"/>
+              <a:t>Use of Python buffer protocol for Java primitive arrays</a:t>
+            </a:r>
+          </a:p>
+          <a:p>
+            <a:pPr lvl="2"/>
+            <a:r>
+              <a:rPr lang="en-GB" dirty="0"/>
+              <a:t>Use of Python sequence/list protocol  for Java Object array and List collection </a:t>
+            </a:r>
+          </a:p>
+          <a:p>
+            <a:pPr lvl="2"/>
+            <a:r>
+              <a:rPr lang="en-GB" dirty="0"/>
+              <a:t>Use of Python </a:t>
+            </a:r>
+            <a:r>
+              <a:rPr lang="en-GB" dirty="0" err="1"/>
+              <a:t>dict</a:t>
+            </a:r>
+            <a:r>
+              <a:rPr lang="en-GB" dirty="0"/>
+              <a:t> protocol for Java Map collection </a:t>
+            </a:r>
+          </a:p>
+          <a:p>
+            <a:pPr lvl="2"/>
+            <a:r>
+              <a:rPr lang="en-GB" dirty="0"/>
+              <a:t>Use of Python tuples for Java “structure-like” objects, e.g. </a:t>
+            </a:r>
+            <a:r>
+              <a:rPr lang="en-GB" dirty="0" smtClean="0"/>
+              <a:t>Rectangle</a:t>
+            </a:r>
+          </a:p>
+          <a:p>
+            <a:pPr lvl="1"/>
+            <a:endParaRPr lang="en-GB" dirty="0" smtClean="0"/>
           </a:p>
           <a:p>
             <a:pPr lvl="1"/>
@@ -23458,11 +23539,7 @@
             </a:r>
             <a:r>
               <a:rPr lang="en-GB" dirty="0" smtClean="0"/>
-              <a:t> void* </a:t>
-            </a:r>
-            <a:r>
-              <a:rPr lang="en-GB" dirty="0" smtClean="0"/>
-              <a:t>&lt;</a:t>
+              <a:t> void* &lt;</a:t>
             </a:r>
             <a:r>
               <a:rPr lang="en-GB" dirty="0" err="1" smtClean="0"/>
@@ -23472,7 +23549,6 @@
               <a:rPr lang="en-GB" dirty="0" smtClean="0"/>
               <a:t>&gt;</a:t>
             </a:r>
-            <a:endParaRPr lang="en-GB" dirty="0" smtClean="0"/>
           </a:p>
           <a:p>
             <a:pPr lvl="1"/>
@@ -23485,11 +23561,7 @@
             <a:pPr lvl="2"/>
             <a:r>
               <a:rPr lang="en-GB" dirty="0" smtClean="0"/>
-              <a:t>all functions have a </a:t>
-            </a:r>
-            <a:r>
-              <a:rPr lang="en-GB" dirty="0" smtClean="0"/>
-              <a:t>prefix: &lt;prefix&gt;_&lt;</a:t>
+              <a:t>all functions have a prefix: &lt;prefix&gt;_&lt;</a:t>
             </a:r>
             <a:r>
               <a:rPr lang="en-GB" dirty="0" err="1" smtClean="0"/>
@@ -23499,17 +23571,12 @@
               <a:rPr lang="en-GB" dirty="0" smtClean="0"/>
               <a:t>&gt;</a:t>
             </a:r>
-            <a:endParaRPr lang="en-GB" dirty="0" smtClean="0"/>
           </a:p>
           <a:p>
             <a:pPr lvl="2"/>
             <a:r>
               <a:rPr lang="en-GB" dirty="0" smtClean="0"/>
-              <a:t>beam</a:t>
-            </a:r>
-            <a:r>
-              <a:rPr lang="en-GB" dirty="0" smtClean="0"/>
-              <a:t>_&lt;</a:t>
+              <a:t>beam_&lt;</a:t>
             </a:r>
             <a:r>
               <a:rPr lang="en-GB" dirty="0" err="1" smtClean="0"/>
@@ -23573,7 +23640,6 @@
               <a:rPr lang="en-GB" dirty="0" smtClean="0"/>
               <a:t>&gt;(…)</a:t>
             </a:r>
-            <a:endParaRPr lang="en-GB" dirty="0" smtClean="0"/>
           </a:p>
           <a:p>
             <a:pPr lvl="2"/>

--- a/docs/beam-extapi.pptx
+++ b/docs/beam-extapi.pptx
@@ -324,7 +324,7 @@
           <a:p>
             <a:fld id="{1BA50D42-C9CD-4801-B293-61D1F53EC57E}" type="datetimeFigureOut">
               <a:rPr lang="de-DE" smtClean="0"/>
-              <a:t>15.06.2013</a:t>
+              <a:t>16.06.2013</a:t>
             </a:fld>
             <a:endParaRPr lang="de-DE"/>
           </a:p>
@@ -489,7 +489,7 @@
           <a:p>
             <a:fld id="{1BA50D42-C9CD-4801-B293-61D1F53EC57E}" type="datetimeFigureOut">
               <a:rPr lang="de-DE" smtClean="0"/>
-              <a:t>15.06.2013</a:t>
+              <a:t>16.06.2013</a:t>
             </a:fld>
             <a:endParaRPr lang="de-DE"/>
           </a:p>
@@ -664,7 +664,7 @@
           <a:p>
             <a:fld id="{1BA50D42-C9CD-4801-B293-61D1F53EC57E}" type="datetimeFigureOut">
               <a:rPr lang="de-DE" smtClean="0"/>
-              <a:t>15.06.2013</a:t>
+              <a:t>16.06.2013</a:t>
             </a:fld>
             <a:endParaRPr lang="de-DE"/>
           </a:p>
@@ -829,7 +829,7 @@
           <a:p>
             <a:fld id="{1BA50D42-C9CD-4801-B293-61D1F53EC57E}" type="datetimeFigureOut">
               <a:rPr lang="de-DE" smtClean="0"/>
-              <a:t>15.06.2013</a:t>
+              <a:t>16.06.2013</a:t>
             </a:fld>
             <a:endParaRPr lang="de-DE"/>
           </a:p>
@@ -1070,7 +1070,7 @@
           <a:p>
             <a:fld id="{1BA50D42-C9CD-4801-B293-61D1F53EC57E}" type="datetimeFigureOut">
               <a:rPr lang="de-DE" smtClean="0"/>
-              <a:t>15.06.2013</a:t>
+              <a:t>16.06.2013</a:t>
             </a:fld>
             <a:endParaRPr lang="de-DE"/>
           </a:p>
@@ -1353,7 +1353,7 @@
           <a:p>
             <a:fld id="{1BA50D42-C9CD-4801-B293-61D1F53EC57E}" type="datetimeFigureOut">
               <a:rPr lang="de-DE" smtClean="0"/>
-              <a:t>15.06.2013</a:t>
+              <a:t>16.06.2013</a:t>
             </a:fld>
             <a:endParaRPr lang="de-DE"/>
           </a:p>
@@ -1770,7 +1770,7 @@
           <a:p>
             <a:fld id="{1BA50D42-C9CD-4801-B293-61D1F53EC57E}" type="datetimeFigureOut">
               <a:rPr lang="de-DE" smtClean="0"/>
-              <a:t>15.06.2013</a:t>
+              <a:t>16.06.2013</a:t>
             </a:fld>
             <a:endParaRPr lang="de-DE"/>
           </a:p>
@@ -1883,7 +1883,7 @@
           <a:p>
             <a:fld id="{1BA50D42-C9CD-4801-B293-61D1F53EC57E}" type="datetimeFigureOut">
               <a:rPr lang="de-DE" smtClean="0"/>
-              <a:t>15.06.2013</a:t>
+              <a:t>16.06.2013</a:t>
             </a:fld>
             <a:endParaRPr lang="de-DE"/>
           </a:p>
@@ -1973,7 +1973,7 @@
           <a:p>
             <a:fld id="{1BA50D42-C9CD-4801-B293-61D1F53EC57E}" type="datetimeFigureOut">
               <a:rPr lang="de-DE" smtClean="0"/>
-              <a:t>15.06.2013</a:t>
+              <a:t>16.06.2013</a:t>
             </a:fld>
             <a:endParaRPr lang="de-DE"/>
           </a:p>
@@ -2245,7 +2245,7 @@
           <a:p>
             <a:fld id="{1BA50D42-C9CD-4801-B293-61D1F53EC57E}" type="datetimeFigureOut">
               <a:rPr lang="de-DE" smtClean="0"/>
-              <a:t>15.06.2013</a:t>
+              <a:t>16.06.2013</a:t>
             </a:fld>
             <a:endParaRPr lang="de-DE"/>
           </a:p>
@@ -2493,7 +2493,7 @@
           <a:p>
             <a:fld id="{1BA50D42-C9CD-4801-B293-61D1F53EC57E}" type="datetimeFigureOut">
               <a:rPr lang="de-DE" smtClean="0"/>
-              <a:t>15.06.2013</a:t>
+              <a:t>16.06.2013</a:t>
             </a:fld>
             <a:endParaRPr lang="de-DE"/>
           </a:p>
@@ -2701,7 +2701,7 @@
           <a:p>
             <a:fld id="{1BA50D42-C9CD-4801-B293-61D1F53EC57E}" type="datetimeFigureOut">
               <a:rPr lang="de-DE" smtClean="0"/>
-              <a:t>15.06.2013</a:t>
+              <a:t>16.06.2013</a:t>
             </a:fld>
             <a:endParaRPr lang="de-DE"/>
           </a:p>
@@ -24501,7 +24501,7 @@
         <p:spPr/>
         <p:txBody>
           <a:bodyPr>
-            <a:normAutofit fontScale="62500" lnSpcReduction="20000"/>
+            <a:normAutofit fontScale="55000" lnSpcReduction="20000"/>
           </a:bodyPr>
           <a:lstStyle/>
           <a:p>
@@ -24604,6 +24604,54 @@
             </a:r>
           </a:p>
           <a:p>
+            <a:pPr lvl="1"/>
+            <a:r>
+              <a:rPr lang="en-GB" dirty="0" smtClean="0"/>
+              <a:t>Java </a:t>
+            </a:r>
+            <a:r>
+              <a:rPr lang="en-GB" dirty="0"/>
+              <a:t>objects </a:t>
+            </a:r>
+            <a:r>
+              <a:rPr lang="en-GB" dirty="0" smtClean="0"/>
+              <a:t>pointers shall </a:t>
+            </a:r>
+            <a:r>
+              <a:rPr lang="en-GB" dirty="0"/>
+              <a:t>always be </a:t>
+            </a:r>
+            <a:r>
+              <a:rPr lang="en-GB" dirty="0" smtClean="0"/>
+              <a:t>JNI global </a:t>
+            </a:r>
+            <a:r>
+              <a:rPr lang="en-GB" dirty="0"/>
+              <a:t>object </a:t>
+            </a:r>
+            <a:r>
+              <a:rPr lang="en-GB" dirty="0" smtClean="0"/>
+              <a:t>references, clients must explicitly call function </a:t>
+            </a:r>
+            <a:r>
+              <a:rPr lang="en-GB" dirty="0" err="1" smtClean="0"/>
+              <a:t>Object_delete</a:t>
+            </a:r>
+            <a:r>
+              <a:rPr lang="en-GB" dirty="0" smtClean="0"/>
+              <a:t>(</a:t>
+            </a:r>
+            <a:r>
+              <a:rPr lang="en-GB" dirty="0" err="1" smtClean="0"/>
+              <a:t>jobj</a:t>
+            </a:r>
+            <a:r>
+              <a:rPr lang="en-GB" dirty="0" smtClean="0"/>
+              <a:t>) to delete these references</a:t>
+            </a:r>
+            <a:endParaRPr lang="en-GB" dirty="0" smtClean="0"/>
+          </a:p>
+          <a:p>
             <a:r>
               <a:rPr lang="en-GB" dirty="0" smtClean="0"/>
               <a:t>Python </a:t>
@@ -24689,6 +24737,22 @@
           </a:p>
           <a:p>
             <a:pPr lvl="1"/>
+            <a:r>
+              <a:rPr lang="en-GB" dirty="0" smtClean="0"/>
+              <a:t>Special Python Type “</a:t>
+            </a:r>
+            <a:r>
+              <a:rPr lang="en-GB" dirty="0" err="1" smtClean="0"/>
+              <a:t>JObject</a:t>
+            </a:r>
+            <a:r>
+              <a:rPr lang="en-GB" dirty="0" smtClean="0"/>
+              <a:t>” that stores a JNI global object reference, and deletes the global reference when </a:t>
+            </a:r>
+            <a:r>
+              <a:rPr lang="en-GB" dirty="0" smtClean="0"/>
+              <a:t>it is garbage collected by the Python VM.</a:t>
+            </a:r>
             <a:endParaRPr lang="en-GB" dirty="0" smtClean="0"/>
           </a:p>
           <a:p>
@@ -25015,11 +25079,7 @@
             <a:pPr lvl="2"/>
             <a:r>
               <a:rPr lang="en-GB" dirty="0" smtClean="0"/>
-              <a:t>Can’t drive actual type for code generation, generic </a:t>
-            </a:r>
-            <a:r>
-              <a:rPr lang="en-GB" dirty="0" smtClean="0"/>
-              <a:t>converter required</a:t>
+              <a:t>Can’t drive actual type for code generation, generic converter required</a:t>
             </a:r>
           </a:p>
           <a:p>
@@ -25079,15 +25139,7 @@
             <a:pPr lvl="1"/>
             <a:r>
               <a:rPr lang="en-GB" dirty="0" smtClean="0"/>
-              <a:t>Mutable, modifiable Java </a:t>
-            </a:r>
-            <a:r>
-              <a:rPr lang="en-GB" dirty="0" smtClean="0"/>
-              <a:t>parameters and return </a:t>
-            </a:r>
-            <a:r>
-              <a:rPr lang="en-GB" dirty="0" smtClean="0"/>
-              <a:t>values that are non-API: Object[], List, Set, Map, </a:t>
+              <a:t>Mutable, modifiable Java parameters and return values that are non-API: Object[], List, Set, Map, </a:t>
             </a:r>
             <a:r>
               <a:rPr lang="en-GB" dirty="0" err="1" smtClean="0"/>
@@ -25133,15 +25185,7 @@
             </a:r>
             <a:r>
               <a:rPr lang="en-GB" dirty="0" smtClean="0"/>
-              <a:t> to API. Generate code. No </a:t>
-            </a:r>
-            <a:r>
-              <a:rPr lang="en-GB" dirty="0" smtClean="0"/>
-              <a:t>good idea yet how </a:t>
-            </a:r>
-            <a:r>
-              <a:rPr lang="en-GB" dirty="0" smtClean="0"/>
-              <a:t>to address </a:t>
+              <a:t> to API. Generate code. No good idea yet how to address </a:t>
             </a:r>
             <a:r>
               <a:rPr lang="en-GB" dirty="0"/>

--- a/docs/beam-extapi.pptx
+++ b/docs/beam-extapi.pptx
@@ -324,7 +324,7 @@
           <a:p>
             <a:fld id="{1BA50D42-C9CD-4801-B293-61D1F53EC57E}" type="datetimeFigureOut">
               <a:rPr lang="de-DE" smtClean="0"/>
-              <a:t>16.06.2013</a:t>
+              <a:t>23.06.2013</a:t>
             </a:fld>
             <a:endParaRPr lang="de-DE"/>
           </a:p>
@@ -489,7 +489,7 @@
           <a:p>
             <a:fld id="{1BA50D42-C9CD-4801-B293-61D1F53EC57E}" type="datetimeFigureOut">
               <a:rPr lang="de-DE" smtClean="0"/>
-              <a:t>16.06.2013</a:t>
+              <a:t>23.06.2013</a:t>
             </a:fld>
             <a:endParaRPr lang="de-DE"/>
           </a:p>
@@ -664,7 +664,7 @@
           <a:p>
             <a:fld id="{1BA50D42-C9CD-4801-B293-61D1F53EC57E}" type="datetimeFigureOut">
               <a:rPr lang="de-DE" smtClean="0"/>
-              <a:t>16.06.2013</a:t>
+              <a:t>23.06.2013</a:t>
             </a:fld>
             <a:endParaRPr lang="de-DE"/>
           </a:p>
@@ -829,7 +829,7 @@
           <a:p>
             <a:fld id="{1BA50D42-C9CD-4801-B293-61D1F53EC57E}" type="datetimeFigureOut">
               <a:rPr lang="de-DE" smtClean="0"/>
-              <a:t>16.06.2013</a:t>
+              <a:t>23.06.2013</a:t>
             </a:fld>
             <a:endParaRPr lang="de-DE"/>
           </a:p>
@@ -1070,7 +1070,7 @@
           <a:p>
             <a:fld id="{1BA50D42-C9CD-4801-B293-61D1F53EC57E}" type="datetimeFigureOut">
               <a:rPr lang="de-DE" smtClean="0"/>
-              <a:t>16.06.2013</a:t>
+              <a:t>23.06.2013</a:t>
             </a:fld>
             <a:endParaRPr lang="de-DE"/>
           </a:p>
@@ -1353,7 +1353,7 @@
           <a:p>
             <a:fld id="{1BA50D42-C9CD-4801-B293-61D1F53EC57E}" type="datetimeFigureOut">
               <a:rPr lang="de-DE" smtClean="0"/>
-              <a:t>16.06.2013</a:t>
+              <a:t>23.06.2013</a:t>
             </a:fld>
             <a:endParaRPr lang="de-DE"/>
           </a:p>
@@ -1770,7 +1770,7 @@
           <a:p>
             <a:fld id="{1BA50D42-C9CD-4801-B293-61D1F53EC57E}" type="datetimeFigureOut">
               <a:rPr lang="de-DE" smtClean="0"/>
-              <a:t>16.06.2013</a:t>
+              <a:t>23.06.2013</a:t>
             </a:fld>
             <a:endParaRPr lang="de-DE"/>
           </a:p>
@@ -1883,7 +1883,7 @@
           <a:p>
             <a:fld id="{1BA50D42-C9CD-4801-B293-61D1F53EC57E}" type="datetimeFigureOut">
               <a:rPr lang="de-DE" smtClean="0"/>
-              <a:t>16.06.2013</a:t>
+              <a:t>23.06.2013</a:t>
             </a:fld>
             <a:endParaRPr lang="de-DE"/>
           </a:p>
@@ -1973,7 +1973,7 @@
           <a:p>
             <a:fld id="{1BA50D42-C9CD-4801-B293-61D1F53EC57E}" type="datetimeFigureOut">
               <a:rPr lang="de-DE" smtClean="0"/>
-              <a:t>16.06.2013</a:t>
+              <a:t>23.06.2013</a:t>
             </a:fld>
             <a:endParaRPr lang="de-DE"/>
           </a:p>
@@ -2245,7 +2245,7 @@
           <a:p>
             <a:fld id="{1BA50D42-C9CD-4801-B293-61D1F53EC57E}" type="datetimeFigureOut">
               <a:rPr lang="de-DE" smtClean="0"/>
-              <a:t>16.06.2013</a:t>
+              <a:t>23.06.2013</a:t>
             </a:fld>
             <a:endParaRPr lang="de-DE"/>
           </a:p>
@@ -2493,7 +2493,7 @@
           <a:p>
             <a:fld id="{1BA50D42-C9CD-4801-B293-61D1F53EC57E}" type="datetimeFigureOut">
               <a:rPr lang="de-DE" smtClean="0"/>
-              <a:t>16.06.2013</a:t>
+              <a:t>23.06.2013</a:t>
             </a:fld>
             <a:endParaRPr lang="de-DE"/>
           </a:p>
@@ -2701,7 +2701,7 @@
           <a:p>
             <a:fld id="{1BA50D42-C9CD-4801-B293-61D1F53EC57E}" type="datetimeFigureOut">
               <a:rPr lang="de-DE" smtClean="0"/>
-              <a:t>16.06.2013</a:t>
+              <a:t>23.06.2013</a:t>
             </a:fld>
             <a:endParaRPr lang="de-DE"/>
           </a:p>
@@ -24649,7 +24649,6 @@
               <a:rPr lang="en-GB" dirty="0" smtClean="0"/>
               <a:t>) to delete these references</a:t>
             </a:r>
-            <a:endParaRPr lang="en-GB" dirty="0" smtClean="0"/>
           </a:p>
           <a:p>
             <a:r>
@@ -24747,13 +24746,8 @@
             </a:r>
             <a:r>
               <a:rPr lang="en-GB" dirty="0" smtClean="0"/>
-              <a:t>” that stores a JNI global object reference, and deletes the global reference when </a:t>
-            </a:r>
-            <a:r>
-              <a:rPr lang="en-GB" dirty="0" smtClean="0"/>
-              <a:t>it is garbage collected by the Python VM.</a:t>
-            </a:r>
-            <a:endParaRPr lang="en-GB" dirty="0" smtClean="0"/>
+              <a:t>” that stores a JNI global object reference, and deletes the global reference when it is garbage collected by the Python VM.</a:t>
+            </a:r>
           </a:p>
           <a:p>
             <a:pPr lvl="1"/>
@@ -24837,7 +24831,7 @@
         <p:spPr/>
         <p:txBody>
           <a:bodyPr>
-            <a:normAutofit lnSpcReduction="10000"/>
+            <a:normAutofit/>
           </a:bodyPr>
           <a:lstStyle/>
           <a:p>
@@ -24890,7 +24884,11 @@
             <a:pPr lvl="2"/>
             <a:r>
               <a:rPr lang="en-GB" dirty="0" smtClean="0"/>
-              <a:t>all functions have a prefix: &lt;prefix&gt;_&lt;</a:t>
+              <a:t>all functions have a prefix: </a:t>
+            </a:r>
+            <a:r>
+              <a:rPr lang="en-GB" dirty="0" smtClean="0"/>
+              <a:t>&lt;prefix&gt;_&lt;</a:t>
             </a:r>
             <a:r>
               <a:rPr lang="en-GB" dirty="0" err="1" smtClean="0"/>
@@ -24902,7 +24900,7 @@
             </a:r>
           </a:p>
           <a:p>
-            <a:pPr lvl="2"/>
+            <a:pPr lvl="3"/>
             <a:r>
               <a:rPr lang="en-GB" dirty="0" smtClean="0"/>
               <a:t>beam_&lt;</a:t>
@@ -24917,7 +24915,7 @@
             </a:r>
           </a:p>
           <a:p>
-            <a:pPr lvl="2"/>
+            <a:pPr lvl="3"/>
             <a:r>
               <a:rPr lang="en-GB" dirty="0" smtClean="0"/>
               <a:t>&lt;</a:t>
@@ -24948,7 +24946,7 @@
             </a:r>
           </a:p>
           <a:p>
-            <a:pPr lvl="2"/>
+            <a:pPr lvl="3"/>
             <a:r>
               <a:rPr lang="en-GB" dirty="0"/>
               <a:t>&lt;</a:t>
